--- a/lession2/kubernetes第二课.pptx
+++ b/lession2/kubernetes第二课.pptx
@@ -17,20 +17,26 @@
     <p:sldId id="374" r:id="rId10"/>
     <p:sldId id="375" r:id="rId11"/>
     <p:sldId id="376" r:id="rId12"/>
-    <p:sldId id="260" r:id="rId13"/>
-    <p:sldId id="312" r:id="rId14"/>
-    <p:sldId id="337" r:id="rId15"/>
-    <p:sldId id="351" r:id="rId16"/>
-    <p:sldId id="352" r:id="rId17"/>
-    <p:sldId id="353" r:id="rId18"/>
-    <p:sldId id="354" r:id="rId19"/>
-    <p:sldId id="344" r:id="rId20"/>
-    <p:sldId id="263" r:id="rId21"/>
-    <p:sldId id="339" r:id="rId22"/>
-    <p:sldId id="340" r:id="rId23"/>
-    <p:sldId id="265" r:id="rId24"/>
-    <p:sldId id="266" r:id="rId25"/>
-    <p:sldId id="267" r:id="rId26"/>
+    <p:sldId id="378" r:id="rId13"/>
+    <p:sldId id="377" r:id="rId14"/>
+    <p:sldId id="379" r:id="rId15"/>
+    <p:sldId id="380" r:id="rId16"/>
+    <p:sldId id="381" r:id="rId17"/>
+    <p:sldId id="382" r:id="rId18"/>
+    <p:sldId id="260" r:id="rId19"/>
+    <p:sldId id="312" r:id="rId20"/>
+    <p:sldId id="337" r:id="rId21"/>
+    <p:sldId id="351" r:id="rId22"/>
+    <p:sldId id="352" r:id="rId23"/>
+    <p:sldId id="353" r:id="rId24"/>
+    <p:sldId id="354" r:id="rId25"/>
+    <p:sldId id="344" r:id="rId26"/>
+    <p:sldId id="263" r:id="rId27"/>
+    <p:sldId id="339" r:id="rId28"/>
+    <p:sldId id="340" r:id="rId29"/>
+    <p:sldId id="265" r:id="rId30"/>
+    <p:sldId id="266" r:id="rId31"/>
+    <p:sldId id="267" r:id="rId32"/>
   </p:sldIdLst>
   <p:sldSz cx="9144000" cy="6858000"/>
   <p:notesSz cx="6858000" cy="9144000"/>
@@ -231,7 +237,7 @@
   <p:extLst>
     <p:ext uri="{EFAFB233-063F-42B5-8137-9DF3F51BA10A}">
       <p15:sldGuideLst xmlns:p15="http://schemas.microsoft.com/office/powerpoint/2012/main">
-        <p15:guide id="1" orient="horz" pos="2154" userDrawn="1">
+        <p15:guide id="1" orient="horz" pos="2114" userDrawn="1">
           <p15:clr>
             <a:srgbClr val="A4A3A4"/>
           </p15:clr>
@@ -1075,7 +1081,7 @@
       <p:grpSpPr/>
       <p:sp>
         <p:nvSpPr>
-          <p:cNvPr id="23554" name="幻灯片图像占位符 23553"/>
+          <p:cNvPr id="9218" name="幻灯片图像占位符 9217"/>
           <p:cNvSpPr>
             <a:spLocks noGrp="1"/>
           </p:cNvSpPr>
@@ -1089,7 +1095,7 @@
       </p:sp>
       <p:sp>
         <p:nvSpPr>
-          <p:cNvPr id="23555" name="文本占位符 23554"/>
+          <p:cNvPr id="9219" name="文本占位符 9218"/>
           <p:cNvSpPr>
             <a:spLocks noGrp="1"/>
           </p:cNvSpPr>
@@ -1104,74 +1110,426 @@
           <a:bodyPr anchor="ctr" anchorCtr="0"/>
           <a:p>
             <a:pPr lvl="0"/>
-            <a:endParaRPr lang="zh-CN" altLang="en-US" dirty="0">
-              <a:ea typeface="宋体" pitchFamily="2" charset="-122"/>
-            </a:endParaRPr>
-          </a:p>
-          <a:p>
-            <a:pPr lvl="0"/>
-            <a:r>
-              <a:rPr lang="zh-CN" altLang="en-US"/>
-              <a:t>在这个对比图里，我们应该把</a:t>
-            </a:r>
-            <a:r>
-              <a:rPr lang="en-US" altLang="zh-CN"/>
-              <a:t> Docker </a:t>
-            </a:r>
-            <a:r>
-              <a:rPr lang="zh-CN" altLang="en-US"/>
-              <a:t>画在跟应用同级别并且靠边的位置。这意味着，用户运行在容器里的应用进程，跟宿主机上的其他进程一样，都由宿主机操作系统统一管理，只不过这些被隔离的进程拥有额外设置过的</a:t>
-            </a:r>
-            <a:r>
-              <a:rPr lang="en-US" altLang="zh-CN"/>
-              <a:t> Namespace </a:t>
-            </a:r>
-            <a:r>
-              <a:rPr lang="zh-CN" altLang="en-US"/>
-              <a:t>参数。而</a:t>
-            </a:r>
-            <a:r>
-              <a:rPr lang="en-US" altLang="zh-CN"/>
-              <a:t> Docker </a:t>
-            </a:r>
-            <a:r>
-              <a:rPr lang="zh-CN" altLang="en-US"/>
-              <a:t>项目在这里扮演的角色，更多的是旁路式的辅助和管理工作。</a:t>
-            </a:r>
-            <a:endParaRPr lang="zh-CN" altLang="en-US"/>
-          </a:p>
-          <a:p>
-            <a:pPr lvl="0"/>
-            <a:endParaRPr lang="zh-CN" altLang="en-US" dirty="0">
-              <a:ea typeface="宋体" pitchFamily="2" charset="-122"/>
-            </a:endParaRPr>
-          </a:p>
-          <a:p>
-            <a:pPr lvl="0"/>
-            <a:endParaRPr lang="zh-CN" altLang="en-US" dirty="0">
-              <a:ea typeface="宋体" pitchFamily="2" charset="-122"/>
-            </a:endParaRPr>
-          </a:p>
-          <a:p>
-            <a:pPr lvl="0"/>
-            <a:endParaRPr lang="zh-CN" altLang="en-US" dirty="0">
-              <a:ea typeface="宋体" pitchFamily="2" charset="-122"/>
-            </a:endParaRPr>
-          </a:p>
-          <a:p>
-            <a:pPr lvl="0"/>
-            <a:endParaRPr lang="zh-CN" altLang="en-US" dirty="0">
-              <a:cs typeface="Arial" panose="020B0704020202020204" pitchFamily="34" charset="0"/>
-            </a:endParaRPr>
-          </a:p>
-          <a:p>
-            <a:pPr lvl="0"/>
-            <a:endParaRPr lang="zh-CN" altLang="en-US" dirty="0">
-              <a:cs typeface="Arial" panose="020B0704020202020204" pitchFamily="34" charset="0"/>
-            </a:endParaRPr>
-          </a:p>
-          <a:p>
-            <a:pPr lvl="0"/>
+            <a:r>
+              <a:rPr lang="zh-CN" altLang="en-US" dirty="0">
+                <a:cs typeface="Arial" panose="020B0704020202020204" pitchFamily="34" charset="0"/>
+              </a:rPr>
+              <a:t>4.26 熟悉SASE</a:t>
+            </a:r>
+            <a:endParaRPr lang="zh-CN" altLang="en-US" dirty="0">
+              <a:cs typeface="Arial" panose="020B0704020202020204" pitchFamily="34" charset="0"/>
+            </a:endParaRPr>
+          </a:p>
+          <a:p>
+            <a:pPr lvl="0"/>
+            <a:r>
+              <a:rPr lang="zh-CN" altLang="en-US" dirty="0">
+                <a:cs typeface="Arial" panose="020B0704020202020204" pitchFamily="34" charset="0"/>
+              </a:rPr>
+              <a:t>- 熟悉SASE产品（）</a:t>
+            </a:r>
+            <a:endParaRPr lang="zh-CN" altLang="en-US" dirty="0">
+              <a:cs typeface="Arial" panose="020B0704020202020204" pitchFamily="34" charset="0"/>
+            </a:endParaRPr>
+          </a:p>
+          <a:p>
+            <a:pPr lvl="0"/>
+            <a:r>
+              <a:rPr lang="zh-CN" altLang="en-US" dirty="0">
+                <a:cs typeface="Arial" panose="020B0704020202020204" pitchFamily="34" charset="0"/>
+              </a:rPr>
+              <a:t>- 学习SASE整体架构与组件 （）</a:t>
+            </a:r>
+            <a:endParaRPr lang="zh-CN" altLang="en-US" dirty="0">
+              <a:cs typeface="Arial" panose="020B0704020202020204" pitchFamily="34" charset="0"/>
+            </a:endParaRPr>
+          </a:p>
+          <a:p>
+            <a:pPr lvl="0"/>
+            <a:r>
+              <a:rPr lang="zh-CN" altLang="en-US" dirty="0">
+                <a:cs typeface="Arial" panose="020B0704020202020204" pitchFamily="34" charset="0"/>
+              </a:rPr>
+              <a:t>- 熟悉fwaas CI流程</a:t>
+            </a:r>
+            <a:endParaRPr lang="zh-CN" altLang="en-US" dirty="0">
+              <a:cs typeface="Arial" panose="020B0704020202020204" pitchFamily="34" charset="0"/>
+            </a:endParaRPr>
+          </a:p>
+          <a:p>
+            <a:pPr lvl="0"/>
+            <a:r>
+              <a:rPr lang="zh-CN" altLang="en-US" dirty="0">
+                <a:cs typeface="Arial" panose="020B0704020202020204" pitchFamily="34" charset="0"/>
+              </a:rPr>
+              <a:t>- 支持Fwaas流水线多feature分支出包特性</a:t>
+            </a:r>
+            <a:endParaRPr lang="zh-CN" altLang="en-US" dirty="0">
+              <a:cs typeface="Arial" panose="020B0704020202020204" pitchFamily="34" charset="0"/>
+            </a:endParaRPr>
+          </a:p>
+          <a:p>
+            <a:pPr lvl="0"/>
+            <a:endParaRPr lang="zh-CN" altLang="en-US" dirty="0">
+              <a:cs typeface="Arial" panose="020B0704020202020204" pitchFamily="34" charset="0"/>
+            </a:endParaRPr>
+          </a:p>
+          <a:p>
+            <a:pPr lvl="0"/>
+            <a:r>
+              <a:rPr lang="zh-CN" altLang="en-US" dirty="0">
+                <a:cs typeface="Arial" panose="020B0704020202020204" pitchFamily="34" charset="0"/>
+              </a:rPr>
+              <a:t>5.30  SASE部署</a:t>
+            </a:r>
+            <a:endParaRPr lang="zh-CN" altLang="en-US" dirty="0">
+              <a:cs typeface="Arial" panose="020B0704020202020204" pitchFamily="34" charset="0"/>
+            </a:endParaRPr>
+          </a:p>
+          <a:p>
+            <a:pPr lvl="0"/>
+            <a:r>
+              <a:rPr lang="zh-CN" altLang="en-US" dirty="0">
+                <a:cs typeface="Arial" panose="020B0704020202020204" pitchFamily="34" charset="0"/>
+              </a:rPr>
+              <a:t>	学习PoP点搭建</a:t>
+            </a:r>
+            <a:endParaRPr lang="zh-CN" altLang="en-US" dirty="0">
+              <a:cs typeface="Arial" panose="020B0704020202020204" pitchFamily="34" charset="0"/>
+            </a:endParaRPr>
+          </a:p>
+          <a:p>
+            <a:pPr lvl="0"/>
+            <a:r>
+              <a:rPr lang="zh-CN" altLang="en-US" dirty="0">
+                <a:cs typeface="Arial" panose="020B0704020202020204" pitchFamily="34" charset="0"/>
+              </a:rPr>
+              <a:t>	设计sase安装工程</a:t>
+            </a:r>
+            <a:endParaRPr lang="zh-CN" altLang="en-US" dirty="0">
+              <a:cs typeface="Arial" panose="020B0704020202020204" pitchFamily="34" charset="0"/>
+            </a:endParaRPr>
+          </a:p>
+          <a:p>
+            <a:pPr lvl="0"/>
+            <a:r>
+              <a:rPr lang="zh-CN" altLang="en-US" dirty="0">
+                <a:cs typeface="Arial" panose="020B0704020202020204" pitchFamily="34" charset="0"/>
+              </a:rPr>
+              <a:t>	构建popsprite工程CI/CD</a:t>
+            </a:r>
+            <a:endParaRPr lang="zh-CN" altLang="en-US" dirty="0">
+              <a:cs typeface="Arial" panose="020B0704020202020204" pitchFamily="34" charset="0"/>
+            </a:endParaRPr>
+          </a:p>
+          <a:p>
+            <a:pPr lvl="0"/>
+            <a:r>
+              <a:rPr lang="zh-CN" altLang="en-US" dirty="0">
+                <a:cs typeface="Arial" panose="020B0704020202020204" pitchFamily="34" charset="0"/>
+              </a:rPr>
+              <a:t>	pop控制器解决中间件问题</a:t>
+            </a:r>
+            <a:endParaRPr lang="zh-CN" altLang="en-US" dirty="0">
+              <a:cs typeface="Arial" panose="020B0704020202020204" pitchFamily="34" charset="0"/>
+            </a:endParaRPr>
+          </a:p>
+          <a:p>
+            <a:pPr lvl="0"/>
+            <a:endParaRPr lang="zh-CN" altLang="en-US" dirty="0">
+              <a:cs typeface="Arial" panose="020B0704020202020204" pitchFamily="34" charset="0"/>
+            </a:endParaRPr>
+          </a:p>
+          <a:p>
+            <a:pPr lvl="0"/>
+            <a:r>
+              <a:rPr lang="zh-CN" altLang="en-US" dirty="0">
+                <a:cs typeface="Arial" panose="020B0704020202020204" pitchFamily="34" charset="0"/>
+              </a:rPr>
+              <a:t>6.30  轻量化托管PoP</a:t>
+            </a:r>
+            <a:endParaRPr lang="zh-CN" altLang="en-US" dirty="0">
+              <a:cs typeface="Arial" panose="020B0704020202020204" pitchFamily="34" charset="0"/>
+            </a:endParaRPr>
+          </a:p>
+          <a:p>
+            <a:pPr lvl="0"/>
+            <a:r>
+              <a:rPr lang="zh-CN" altLang="en-US" dirty="0">
+                <a:cs typeface="Arial" panose="020B0704020202020204" pitchFamily="34" charset="0"/>
+              </a:rPr>
+              <a:t>	易部署工程化：对内解决环境不稳定，不够用的情况</a:t>
+            </a:r>
+            <a:endParaRPr lang="zh-CN" altLang="en-US" dirty="0">
+              <a:cs typeface="Arial" panose="020B0704020202020204" pitchFamily="34" charset="0"/>
+            </a:endParaRPr>
+          </a:p>
+          <a:p>
+            <a:pPr lvl="0"/>
+            <a:r>
+              <a:rPr lang="zh-CN" altLang="en-US" dirty="0">
+                <a:cs typeface="Arial" panose="020B0704020202020204" pitchFamily="34" charset="0"/>
+              </a:rPr>
+              <a:t>	pop场景支撑</a:t>
+            </a:r>
+            <a:endParaRPr lang="zh-CN" altLang="en-US" dirty="0">
+              <a:cs typeface="Arial" panose="020B0704020202020204" pitchFamily="34" charset="0"/>
+            </a:endParaRPr>
+          </a:p>
+          <a:p>
+            <a:pPr lvl="0"/>
+            <a:r>
+              <a:rPr lang="zh-CN" altLang="en-US" dirty="0">
+                <a:cs typeface="Arial" panose="020B0704020202020204" pitchFamily="34" charset="0"/>
+              </a:rPr>
+              <a:t>		pop 节点扩展</a:t>
+            </a:r>
+            <a:endParaRPr lang="zh-CN" altLang="en-US" dirty="0">
+              <a:cs typeface="Arial" panose="020B0704020202020204" pitchFamily="34" charset="0"/>
+            </a:endParaRPr>
+          </a:p>
+          <a:p>
+            <a:pPr lvl="0"/>
+            <a:r>
+              <a:rPr lang="zh-CN" altLang="en-US" dirty="0">
+                <a:cs typeface="Arial" panose="020B0704020202020204" pitchFamily="34" charset="0"/>
+              </a:rPr>
+              <a:t>		pop 资源管理</a:t>
+            </a:r>
+            <a:endParaRPr lang="zh-CN" altLang="en-US" dirty="0">
+              <a:cs typeface="Arial" panose="020B0704020202020204" pitchFamily="34" charset="0"/>
+            </a:endParaRPr>
+          </a:p>
+          <a:p>
+            <a:pPr lvl="0"/>
+            <a:r>
+              <a:rPr lang="zh-CN" altLang="en-US" dirty="0">
+                <a:cs typeface="Arial" panose="020B0704020202020204" pitchFamily="34" charset="0"/>
+              </a:rPr>
+              <a:t>		poc集群，3+n生产集群</a:t>
+            </a:r>
+            <a:endParaRPr lang="zh-CN" altLang="en-US" dirty="0">
+              <a:cs typeface="Arial" panose="020B0704020202020204" pitchFamily="34" charset="0"/>
+            </a:endParaRPr>
+          </a:p>
+          <a:p>
+            <a:pPr lvl="0"/>
+            <a:r>
+              <a:rPr lang="zh-CN" altLang="en-US" dirty="0">
+                <a:cs typeface="Arial" panose="020B0704020202020204" pitchFamily="34" charset="0"/>
+              </a:rPr>
+              <a:t>	租户编排</a:t>
+            </a:r>
+            <a:endParaRPr lang="zh-CN" altLang="en-US" dirty="0">
+              <a:cs typeface="Arial" panose="020B0704020202020204" pitchFamily="34" charset="0"/>
+            </a:endParaRPr>
+          </a:p>
+          <a:p>
+            <a:pPr lvl="0"/>
+            <a:r>
+              <a:rPr lang="zh-CN" altLang="en-US" dirty="0">
+                <a:cs typeface="Arial" panose="020B0704020202020204" pitchFamily="34" charset="0"/>
+              </a:rPr>
+              <a:t>		验证2000租户下瓶颈点</a:t>
+            </a:r>
+            <a:endParaRPr lang="zh-CN" altLang="en-US" dirty="0">
+              <a:cs typeface="Arial" panose="020B0704020202020204" pitchFamily="34" charset="0"/>
+            </a:endParaRPr>
+          </a:p>
+          <a:p>
+            <a:pPr lvl="0"/>
+            <a:r>
+              <a:rPr lang="zh-CN" altLang="en-US" dirty="0">
+                <a:cs typeface="Arial" panose="020B0704020202020204" pitchFamily="34" charset="0"/>
+              </a:rPr>
+              <a:t>			磁盘IO</a:t>
+            </a:r>
+            <a:endParaRPr lang="zh-CN" altLang="en-US" dirty="0">
+              <a:cs typeface="Arial" panose="020B0704020202020204" pitchFamily="34" charset="0"/>
+            </a:endParaRPr>
+          </a:p>
+          <a:p>
+            <a:pPr lvl="0"/>
+            <a:r>
+              <a:rPr lang="zh-CN" altLang="en-US" dirty="0">
+                <a:cs typeface="Arial" panose="020B0704020202020204" pitchFamily="34" charset="0"/>
+              </a:rPr>
+              <a:t>			控制面扩展能力</a:t>
+            </a:r>
+            <a:endParaRPr lang="zh-CN" altLang="en-US" dirty="0">
+              <a:cs typeface="Arial" panose="020B0704020202020204" pitchFamily="34" charset="0"/>
+            </a:endParaRPr>
+          </a:p>
+          <a:p>
+            <a:pPr lvl="0"/>
+            <a:r>
+              <a:rPr lang="zh-CN" altLang="en-US" dirty="0">
+                <a:cs typeface="Arial" panose="020B0704020202020204" pitchFamily="34" charset="0"/>
+              </a:rPr>
+              <a:t>			fwaas的控制线程 1 : 12</a:t>
+            </a:r>
+            <a:endParaRPr lang="zh-CN" altLang="en-US" dirty="0">
+              <a:cs typeface="Arial" panose="020B0704020202020204" pitchFamily="34" charset="0"/>
+            </a:endParaRPr>
+          </a:p>
+          <a:p>
+            <a:pPr lvl="0"/>
+            <a:r>
+              <a:rPr lang="zh-CN" altLang="en-US" dirty="0">
+                <a:cs typeface="Arial" panose="020B0704020202020204" pitchFamily="34" charset="0"/>
+              </a:rPr>
+              <a:t>		租户编排宏观诊断工具</a:t>
+            </a:r>
+            <a:endParaRPr lang="zh-CN" altLang="en-US" dirty="0">
+              <a:cs typeface="Arial" panose="020B0704020202020204" pitchFamily="34" charset="0"/>
+            </a:endParaRPr>
+          </a:p>
+          <a:p>
+            <a:pPr lvl="0"/>
+            <a:endParaRPr lang="zh-CN" altLang="en-US" dirty="0">
+              <a:cs typeface="Arial" panose="020B0704020202020204" pitchFamily="34" charset="0"/>
+            </a:endParaRPr>
+          </a:p>
+          <a:p>
+            <a:pPr lvl="0"/>
+            <a:r>
+              <a:rPr lang="zh-CN" altLang="en-US" dirty="0">
+                <a:cs typeface="Arial" panose="020B0704020202020204" pitchFamily="34" charset="0"/>
+              </a:rPr>
+              <a:t>至今 轻量化托管PoP标准化</a:t>
+            </a:r>
+            <a:endParaRPr lang="zh-CN" altLang="en-US" dirty="0">
+              <a:cs typeface="Arial" panose="020B0704020202020204" pitchFamily="34" charset="0"/>
+            </a:endParaRPr>
+          </a:p>
+          <a:p>
+            <a:pPr lvl="0"/>
+            <a:r>
+              <a:rPr lang="zh-CN" altLang="en-US" dirty="0">
+                <a:cs typeface="Arial" panose="020B0704020202020204" pitchFamily="34" charset="0"/>
+              </a:rPr>
+              <a:t>	场景</a:t>
+            </a:r>
+            <a:endParaRPr lang="zh-CN" altLang="en-US" dirty="0">
+              <a:cs typeface="Arial" panose="020B0704020202020204" pitchFamily="34" charset="0"/>
+            </a:endParaRPr>
+          </a:p>
+          <a:p>
+            <a:pPr lvl="0"/>
+            <a:r>
+              <a:rPr lang="zh-CN" altLang="en-US" dirty="0">
+                <a:cs typeface="Arial" panose="020B0704020202020204" pitchFamily="34" charset="0"/>
+              </a:rPr>
+              <a:t>		HCI：武汉轻量化pop</a:t>
+            </a:r>
+            <a:endParaRPr lang="zh-CN" altLang="en-US" dirty="0">
+              <a:cs typeface="Arial" panose="020B0704020202020204" pitchFamily="34" charset="0"/>
+            </a:endParaRPr>
+          </a:p>
+          <a:p>
+            <a:pPr lvl="0"/>
+            <a:r>
+              <a:rPr lang="zh-CN" altLang="en-US" dirty="0">
+                <a:cs typeface="Arial" panose="020B0704020202020204" pitchFamily="34" charset="0"/>
+              </a:rPr>
+              <a:t>		VMWare：塞柏特vmware轻量化pop</a:t>
+            </a:r>
+            <a:endParaRPr lang="zh-CN" altLang="en-US" dirty="0">
+              <a:cs typeface="Arial" panose="020B0704020202020204" pitchFamily="34" charset="0"/>
+            </a:endParaRPr>
+          </a:p>
+          <a:p>
+            <a:pPr lvl="0"/>
+            <a:r>
+              <a:rPr lang="zh-CN" altLang="en-US" dirty="0">
+                <a:cs typeface="Arial" panose="020B0704020202020204" pitchFamily="34" charset="0"/>
+              </a:rPr>
+              <a:t>		公有云</a:t>
+            </a:r>
+            <a:endParaRPr lang="zh-CN" altLang="en-US" dirty="0">
+              <a:cs typeface="Arial" panose="020B0704020202020204" pitchFamily="34" charset="0"/>
+            </a:endParaRPr>
+          </a:p>
+          <a:p>
+            <a:pPr lvl="0"/>
+            <a:r>
+              <a:rPr lang="zh-CN" altLang="en-US" dirty="0">
+                <a:cs typeface="Arial" panose="020B0704020202020204" pitchFamily="34" charset="0"/>
+              </a:rPr>
+              <a:t>	易部署工程化</a:t>
+            </a:r>
+            <a:endParaRPr lang="zh-CN" altLang="en-US" dirty="0">
+              <a:cs typeface="Arial" panose="020B0704020202020204" pitchFamily="34" charset="0"/>
+            </a:endParaRPr>
+          </a:p>
+          <a:p>
+            <a:pPr lvl="0"/>
+            <a:r>
+              <a:rPr lang="zh-CN" altLang="en-US" dirty="0">
+                <a:cs typeface="Arial" panose="020B0704020202020204" pitchFamily="34" charset="0"/>
+              </a:rPr>
+              <a:t>		支持公有云部署</a:t>
+            </a:r>
+            <a:endParaRPr lang="zh-CN" altLang="en-US" dirty="0">
+              <a:cs typeface="Arial" panose="020B0704020202020204" pitchFamily="34" charset="0"/>
+            </a:endParaRPr>
+          </a:p>
+          <a:p>
+            <a:pPr lvl="0"/>
+            <a:r>
+              <a:rPr lang="zh-CN" altLang="en-US" dirty="0">
+                <a:cs typeface="Arial" panose="020B0704020202020204" pitchFamily="34" charset="0"/>
+              </a:rPr>
+              <a:t>		对接中心端与升级平台</a:t>
+            </a:r>
+            <a:endParaRPr lang="zh-CN" altLang="en-US" dirty="0">
+              <a:cs typeface="Arial" panose="020B0704020202020204" pitchFamily="34" charset="0"/>
+            </a:endParaRPr>
+          </a:p>
+          <a:p>
+            <a:pPr lvl="0"/>
+            <a:r>
+              <a:rPr lang="zh-CN" altLang="en-US" dirty="0">
+                <a:cs typeface="Arial" panose="020B0704020202020204" pitchFamily="34" charset="0"/>
+              </a:rPr>
+              <a:t>		配置接入组件</a:t>
+            </a:r>
+            <a:endParaRPr lang="zh-CN" altLang="en-US" dirty="0">
+              <a:cs typeface="Arial" panose="020B0704020202020204" pitchFamily="34" charset="0"/>
+            </a:endParaRPr>
+          </a:p>
+          <a:p>
+            <a:pPr lvl="0"/>
+            <a:r>
+              <a:rPr lang="zh-CN" altLang="en-US" dirty="0">
+                <a:cs typeface="Arial" panose="020B0704020202020204" pitchFamily="34" charset="0"/>
+              </a:rPr>
+              <a:t>	监控与报警</a:t>
+            </a:r>
+            <a:endParaRPr lang="zh-CN" altLang="en-US" dirty="0">
+              <a:cs typeface="Arial" panose="020B0704020202020204" pitchFamily="34" charset="0"/>
+            </a:endParaRPr>
+          </a:p>
+          <a:p>
+            <a:pPr lvl="0"/>
+            <a:r>
+              <a:rPr lang="zh-CN" altLang="en-US" dirty="0">
+                <a:cs typeface="Arial" panose="020B0704020202020204" pitchFamily="34" charset="0"/>
+              </a:rPr>
+              <a:t>		磁盘IO 与 磁盘吞吐</a:t>
+            </a:r>
+            <a:endParaRPr lang="zh-CN" altLang="en-US" dirty="0">
+              <a:cs typeface="Arial" panose="020B0704020202020204" pitchFamily="34" charset="0"/>
+            </a:endParaRPr>
+          </a:p>
+          <a:p>
+            <a:pPr lvl="0"/>
+            <a:r>
+              <a:rPr lang="zh-CN" altLang="en-US" dirty="0">
+                <a:cs typeface="Arial" panose="020B0704020202020204" pitchFamily="34" charset="0"/>
+              </a:rPr>
+              <a:t>		控制面事件队列</a:t>
+            </a:r>
             <a:endParaRPr lang="zh-CN" altLang="en-US" dirty="0">
               <a:ea typeface="Arial" panose="020B0704020202020204" pitchFamily="34" charset="0"/>
             </a:endParaRPr>
@@ -1446,48 +1804,6 @@
           <a:p>
             <a:pPr lvl="0"/>
             <a:endParaRPr lang="zh-CN" altLang="en-US" dirty="0">
-              <a:ea typeface="宋体" pitchFamily="2" charset="-122"/>
-            </a:endParaRPr>
-          </a:p>
-          <a:p>
-            <a:pPr lvl="0"/>
-            <a:endParaRPr lang="zh-CN" altLang="en-US" dirty="0">
-              <a:ea typeface="宋体" pitchFamily="2" charset="-122"/>
-            </a:endParaRPr>
-          </a:p>
-          <a:p>
-            <a:pPr lvl="0"/>
-            <a:endParaRPr lang="zh-CN" altLang="en-US" dirty="0">
-              <a:ea typeface="宋体" pitchFamily="2" charset="-122"/>
-            </a:endParaRPr>
-          </a:p>
-          <a:p>
-            <a:pPr lvl="0"/>
-            <a:endParaRPr lang="zh-CN" altLang="en-US" dirty="0">
-              <a:ea typeface="宋体" pitchFamily="2" charset="-122"/>
-            </a:endParaRPr>
-          </a:p>
-          <a:p>
-            <a:pPr lvl="0"/>
-            <a:endParaRPr lang="zh-CN" altLang="en-US" dirty="0">
-              <a:ea typeface="宋体" pitchFamily="2" charset="-122"/>
-            </a:endParaRPr>
-          </a:p>
-          <a:p>
-            <a:pPr lvl="0"/>
-            <a:endParaRPr lang="zh-CN" altLang="en-US" dirty="0">
-              <a:cs typeface="Arial" panose="020B0704020202020204" pitchFamily="34" charset="0"/>
-            </a:endParaRPr>
-          </a:p>
-          <a:p>
-            <a:pPr lvl="0"/>
-            <a:endParaRPr lang="zh-CN" altLang="en-US" dirty="0">
-              <a:cs typeface="Arial" panose="020B0704020202020204" pitchFamily="34" charset="0"/>
-            </a:endParaRPr>
-          </a:p>
-          <a:p>
-            <a:pPr lvl="0"/>
-            <a:endParaRPr lang="zh-CN" altLang="en-US" dirty="0">
               <a:ea typeface="Arial" panose="020B0704020202020204" pitchFamily="34" charset="0"/>
             </a:endParaRPr>
           </a:p>
@@ -1521,7 +1837,7 @@
       <p:grpSpPr/>
       <p:sp>
         <p:nvSpPr>
-          <p:cNvPr id="38914" name="幻灯片图像占位符 38913"/>
+          <p:cNvPr id="23554" name="幻灯片图像占位符 23553"/>
           <p:cNvSpPr>
             <a:spLocks noGrp="1"/>
           </p:cNvSpPr>
@@ -1535,7 +1851,7 @@
       </p:sp>
       <p:sp>
         <p:nvSpPr>
-          <p:cNvPr id="38915" name="文本占位符 38914"/>
+          <p:cNvPr id="23555" name="文本占位符 23554"/>
           <p:cNvSpPr>
             <a:spLocks noGrp="1"/>
           </p:cNvSpPr>
@@ -1550,132 +1866,44 @@
           <a:bodyPr anchor="ctr" anchorCtr="0"/>
           <a:p>
             <a:pPr lvl="0"/>
-            <a:r>
-              <a:rPr lang="zh-CN" altLang="en-US" dirty="0">
-                <a:ea typeface="宋体" pitchFamily="2" charset="-122"/>
-              </a:rPr>
-              <a:t>把</a:t>
-            </a:r>
-            <a:r>
-              <a:rPr lang="zh-CN" altLang="en-US" dirty="0">
-                <a:ea typeface="宋体" pitchFamily="2" charset="-122"/>
-              </a:rPr>
-              <a:t>k8s</a:t>
-            </a:r>
-            <a:r>
-              <a:rPr lang="zh-CN" altLang="en-US" dirty="0">
-                <a:ea typeface="宋体" pitchFamily="2" charset="-122"/>
-              </a:rPr>
-              <a:t>控制面</a:t>
-            </a:r>
-            <a:r>
-              <a:rPr lang="zh-CN" altLang="en-US" dirty="0">
-                <a:ea typeface="宋体" pitchFamily="2" charset="-122"/>
-              </a:rPr>
-              <a:t>提</a:t>
-            </a:r>
-            <a:r>
-              <a:rPr lang="zh-CN" altLang="en-US" dirty="0">
-                <a:ea typeface="宋体" pitchFamily="2" charset="-122"/>
-              </a:rPr>
-              <a:t>到</a:t>
-            </a:r>
-            <a:r>
-              <a:rPr lang="zh-CN" altLang="en-US" dirty="0">
-                <a:ea typeface="宋体" pitchFamily="2" charset="-122"/>
-              </a:rPr>
-              <a:t>云，</a:t>
-            </a:r>
-            <a:r>
-              <a:rPr lang="zh-CN" altLang="en-US" dirty="0">
-                <a:ea typeface="宋体" pitchFamily="2" charset="-122"/>
-              </a:rPr>
-              <a:t>优化</a:t>
-            </a:r>
-            <a:r>
-              <a:rPr lang="zh-CN" altLang="en-US" dirty="0">
-                <a:ea typeface="宋体" pitchFamily="2" charset="-122"/>
-              </a:rPr>
-              <a:t>k8s </a:t>
-            </a:r>
-            <a:r>
-              <a:rPr lang="zh-CN" altLang="en-US" dirty="0">
-                <a:ea typeface="宋体" pitchFamily="2" charset="-122"/>
-              </a:rPr>
-              <a:t>云</a:t>
-            </a:r>
-            <a:r>
-              <a:rPr lang="zh-CN" altLang="en-US" dirty="0">
-                <a:ea typeface="宋体" pitchFamily="2" charset="-122"/>
-              </a:rPr>
-              <a:t>与</a:t>
-            </a:r>
-            <a:r>
-              <a:rPr lang="zh-CN" altLang="en-US" dirty="0">
-                <a:ea typeface="宋体" pitchFamily="2" charset="-122"/>
-              </a:rPr>
-              <a:t>worker</a:t>
-            </a:r>
-            <a:r>
-              <a:rPr lang="zh-CN" altLang="en-US" dirty="0">
-                <a:ea typeface="宋体" pitchFamily="2" charset="-122"/>
-              </a:rPr>
-              <a:t>边</a:t>
-            </a:r>
-            <a:r>
-              <a:rPr lang="zh-CN" altLang="en-US" dirty="0">
-                <a:ea typeface="宋体" pitchFamily="2" charset="-122"/>
-              </a:rPr>
-              <a:t>的</a:t>
-            </a:r>
-            <a:r>
-              <a:rPr lang="zh-CN" altLang="en-US" dirty="0">
-                <a:ea typeface="宋体" pitchFamily="2" charset="-122"/>
-              </a:rPr>
-              <a:t>连接</a:t>
-            </a:r>
-            <a:r>
-              <a:rPr lang="zh-CN" altLang="en-US" dirty="0">
-                <a:ea typeface="宋体" pitchFamily="2" charset="-122"/>
-              </a:rPr>
-              <a:t>优化，</a:t>
-            </a:r>
-            <a:r>
-              <a:rPr lang="zh-CN" altLang="en-US" dirty="0">
-                <a:ea typeface="宋体" pitchFamily="2" charset="-122"/>
-              </a:rPr>
-              <a:t>网络</a:t>
-            </a:r>
-            <a:r>
-              <a:rPr lang="zh-CN" altLang="en-US" dirty="0">
-                <a:ea typeface="宋体" pitchFamily="2" charset="-122"/>
-              </a:rPr>
-              <a:t>中断</a:t>
-            </a:r>
-            <a:r>
-              <a:rPr lang="zh-CN" altLang="en-US" dirty="0">
-                <a:ea typeface="宋体" pitchFamily="2" charset="-122"/>
-              </a:rPr>
-              <a:t>可以</a:t>
-            </a:r>
-            <a:r>
-              <a:rPr lang="zh-CN" altLang="en-US" dirty="0">
-                <a:ea typeface="宋体" pitchFamily="2" charset="-122"/>
-              </a:rPr>
-              <a:t>自</a:t>
-            </a:r>
-            <a:r>
-              <a:rPr lang="zh-CN" altLang="en-US" dirty="0">
-                <a:ea typeface="宋体" pitchFamily="2" charset="-122"/>
-              </a:rPr>
-              <a:t>治</a:t>
-            </a:r>
             <a:endParaRPr lang="zh-CN" altLang="en-US" dirty="0">
               <a:ea typeface="宋体" pitchFamily="2" charset="-122"/>
             </a:endParaRPr>
           </a:p>
           <a:p>
             <a:pPr lvl="0"/>
+            <a:r>
+              <a:rPr lang="zh-CN" altLang="en-US"/>
+              <a:t>在这个对比图里，我们应该把</a:t>
+            </a:r>
+            <a:r>
+              <a:rPr lang="en-US" altLang="zh-CN"/>
+              <a:t> Docker </a:t>
+            </a:r>
+            <a:r>
+              <a:rPr lang="zh-CN" altLang="en-US"/>
+              <a:t>画在跟应用同级别并且靠边的位置。这意味着，用户运行在容器里的应用进程，跟宿主机上的其他进程一样，都由宿主机操作系统统一管理，只不过这些被隔离的进程拥有额外设置过的</a:t>
+            </a:r>
+            <a:r>
+              <a:rPr lang="en-US" altLang="zh-CN"/>
+              <a:t> Namespace </a:t>
+            </a:r>
+            <a:r>
+              <a:rPr lang="zh-CN" altLang="en-US"/>
+              <a:t>参数。而</a:t>
+            </a:r>
+            <a:r>
+              <a:rPr lang="en-US" altLang="zh-CN"/>
+              <a:t> Docker </a:t>
+            </a:r>
+            <a:r>
+              <a:rPr lang="zh-CN" altLang="en-US"/>
+              <a:t>项目在这里扮演的角色，更多的是旁路式的辅助和管理工作。</a:t>
+            </a:r>
+            <a:endParaRPr lang="zh-CN" altLang="en-US"/>
+          </a:p>
+          <a:p>
+            <a:pPr lvl="0"/>
             <a:endParaRPr lang="zh-CN" altLang="en-US" dirty="0">
               <a:ea typeface="宋体" pitchFamily="2" charset="-122"/>
             </a:endParaRPr>
@@ -1684,6 +1912,607 @@
             <a:pPr lvl="0"/>
             <a:endParaRPr lang="zh-CN" altLang="en-US" dirty="0">
               <a:ea typeface="宋体" pitchFamily="2" charset="-122"/>
+            </a:endParaRPr>
+          </a:p>
+          <a:p>
+            <a:pPr lvl="0"/>
+            <a:endParaRPr lang="zh-CN" altLang="en-US" dirty="0">
+              <a:ea typeface="宋体" pitchFamily="2" charset="-122"/>
+            </a:endParaRPr>
+          </a:p>
+          <a:p>
+            <a:pPr lvl="0"/>
+            <a:endParaRPr lang="zh-CN" altLang="en-US" dirty="0">
+              <a:cs typeface="Arial" panose="020B0704020202020204" pitchFamily="34" charset="0"/>
+            </a:endParaRPr>
+          </a:p>
+          <a:p>
+            <a:pPr lvl="0"/>
+            <a:endParaRPr lang="zh-CN" altLang="en-US" dirty="0">
+              <a:cs typeface="Arial" panose="020B0704020202020204" pitchFamily="34" charset="0"/>
+            </a:endParaRPr>
+          </a:p>
+          <a:p>
+            <a:pPr lvl="0"/>
+            <a:endParaRPr lang="zh-CN" altLang="en-US" dirty="0">
+              <a:ea typeface="Arial" panose="020B0704020202020204" pitchFamily="34" charset="0"/>
+            </a:endParaRPr>
+          </a:p>
+        </p:txBody>
+      </p:sp>
+    </p:spTree>
+  </p:cSld>
+  <p:clrMapOvr>
+    <a:overrideClrMapping bg1="lt1" tx1="dk1" bg2="lt2" tx2="dk2" accent1="accent1" accent2="accent2" accent3="accent3" accent4="accent4" accent5="accent5" accent6="accent6" hlink="hlink" folHlink="folHlink"/>
+  </p:clrMapOvr>
+</p:notes>
+</file>
+
+<file path=ppt/notesSlides/notesSlide15.xml><?xml version="1.0" encoding="utf-8"?>
+<p:notes xmlns:a="http://schemas.openxmlformats.org/drawingml/2006/main" xmlns:r="http://schemas.openxmlformats.org/officeDocument/2006/relationships" xmlns:p="http://schemas.openxmlformats.org/presentationml/2006/main" showMasterSp="0">
+  <p:cSld>
+    <p:bg>
+      <p:bgPr>
+        <a:solidFill>
+          <a:srgbClr val="FFFFFF"/>
+        </a:solidFill>
+        <a:effectLst/>
+      </p:bgPr>
+    </p:bg>
+    <p:spTree>
+      <p:nvGrpSpPr>
+        <p:cNvPr id="1" name=""/>
+        <p:cNvGrpSpPr/>
+        <p:nvPr/>
+      </p:nvGrpSpPr>
+      <p:grpSpPr/>
+      <p:sp>
+        <p:nvSpPr>
+          <p:cNvPr id="23554" name="幻灯片图像占位符 23553"/>
+          <p:cNvSpPr>
+            <a:spLocks noGrp="1"/>
+          </p:cNvSpPr>
+          <p:nvPr>
+            <p:ph type="sldImg"/>
+          </p:nvPr>
+        </p:nvSpPr>
+        <p:spPr>
+          <a:ln w="1"/>
+        </p:spPr>
+      </p:sp>
+      <p:sp>
+        <p:nvSpPr>
+          <p:cNvPr id="23555" name="文本占位符 23554"/>
+          <p:cNvSpPr>
+            <a:spLocks noGrp="1"/>
+          </p:cNvSpPr>
+          <p:nvPr>
+            <p:ph type="body"/>
+          </p:nvPr>
+        </p:nvSpPr>
+        <p:spPr>
+          <a:ln w="1"/>
+        </p:spPr>
+        <p:txBody>
+          <a:bodyPr anchor="ctr" anchorCtr="0"/>
+          <a:p>
+            <a:pPr lvl="0"/>
+            <a:endParaRPr lang="zh-CN" altLang="en-US" dirty="0">
+              <a:ea typeface="宋体" pitchFamily="2" charset="-122"/>
+            </a:endParaRPr>
+          </a:p>
+          <a:p>
+            <a:pPr lvl="0"/>
+            <a:r>
+              <a:rPr lang="zh-CN" altLang="en-US"/>
+              <a:t>在这个对比图里，我们应该把</a:t>
+            </a:r>
+            <a:r>
+              <a:rPr lang="en-US" altLang="zh-CN"/>
+              <a:t> Docker </a:t>
+            </a:r>
+            <a:r>
+              <a:rPr lang="zh-CN" altLang="en-US"/>
+              <a:t>画在跟应用同级别并且靠边的位置。这意味着，用户运行在容器里的应用进程，跟宿主机上的其他进程一样，都由宿主机操作系统统一管理，只不过这些被隔离的进程拥有额外设置过的</a:t>
+            </a:r>
+            <a:r>
+              <a:rPr lang="en-US" altLang="zh-CN"/>
+              <a:t> Namespace </a:t>
+            </a:r>
+            <a:r>
+              <a:rPr lang="zh-CN" altLang="en-US"/>
+              <a:t>参数。而</a:t>
+            </a:r>
+            <a:r>
+              <a:rPr lang="en-US" altLang="zh-CN"/>
+              <a:t> Docker </a:t>
+            </a:r>
+            <a:r>
+              <a:rPr lang="zh-CN" altLang="en-US"/>
+              <a:t>项目在这里扮演的角色，更多的是旁路式的辅助和管理工作。</a:t>
+            </a:r>
+            <a:endParaRPr lang="zh-CN" altLang="en-US"/>
+          </a:p>
+          <a:p>
+            <a:pPr lvl="0"/>
+            <a:endParaRPr lang="zh-CN" altLang="en-US" dirty="0">
+              <a:ea typeface="宋体" pitchFamily="2" charset="-122"/>
+            </a:endParaRPr>
+          </a:p>
+          <a:p>
+            <a:pPr lvl="0"/>
+            <a:endParaRPr lang="zh-CN" altLang="en-US" dirty="0">
+              <a:ea typeface="宋体" pitchFamily="2" charset="-122"/>
+            </a:endParaRPr>
+          </a:p>
+          <a:p>
+            <a:pPr lvl="0"/>
+            <a:endParaRPr lang="zh-CN" altLang="en-US" dirty="0">
+              <a:ea typeface="宋体" pitchFamily="2" charset="-122"/>
+            </a:endParaRPr>
+          </a:p>
+          <a:p>
+            <a:pPr lvl="0"/>
+            <a:endParaRPr lang="zh-CN" altLang="en-US" dirty="0">
+              <a:cs typeface="Arial" panose="020B0704020202020204" pitchFamily="34" charset="0"/>
+            </a:endParaRPr>
+          </a:p>
+          <a:p>
+            <a:pPr lvl="0"/>
+            <a:endParaRPr lang="zh-CN" altLang="en-US" dirty="0">
+              <a:cs typeface="Arial" panose="020B0704020202020204" pitchFamily="34" charset="0"/>
+            </a:endParaRPr>
+          </a:p>
+          <a:p>
+            <a:pPr lvl="0"/>
+            <a:endParaRPr lang="zh-CN" altLang="en-US" dirty="0">
+              <a:ea typeface="Arial" panose="020B0704020202020204" pitchFamily="34" charset="0"/>
+            </a:endParaRPr>
+          </a:p>
+        </p:txBody>
+      </p:sp>
+    </p:spTree>
+  </p:cSld>
+  <p:clrMapOvr>
+    <a:overrideClrMapping bg1="lt1" tx1="dk1" bg2="lt2" tx2="dk2" accent1="accent1" accent2="accent2" accent3="accent3" accent4="accent4" accent5="accent5" accent6="accent6" hlink="hlink" folHlink="folHlink"/>
+  </p:clrMapOvr>
+</p:notes>
+</file>
+
+<file path=ppt/notesSlides/notesSlide16.xml><?xml version="1.0" encoding="utf-8"?>
+<p:notes xmlns:a="http://schemas.openxmlformats.org/drawingml/2006/main" xmlns:r="http://schemas.openxmlformats.org/officeDocument/2006/relationships" xmlns:p="http://schemas.openxmlformats.org/presentationml/2006/main" showMasterSp="0">
+  <p:cSld>
+    <p:bg>
+      <p:bgPr>
+        <a:solidFill>
+          <a:srgbClr val="FFFFFF"/>
+        </a:solidFill>
+        <a:effectLst/>
+      </p:bgPr>
+    </p:bg>
+    <p:spTree>
+      <p:nvGrpSpPr>
+        <p:cNvPr id="1" name=""/>
+        <p:cNvGrpSpPr/>
+        <p:nvPr/>
+      </p:nvGrpSpPr>
+      <p:grpSpPr/>
+      <p:sp>
+        <p:nvSpPr>
+          <p:cNvPr id="23554" name="幻灯片图像占位符 23553"/>
+          <p:cNvSpPr>
+            <a:spLocks noGrp="1"/>
+          </p:cNvSpPr>
+          <p:nvPr>
+            <p:ph type="sldImg"/>
+          </p:nvPr>
+        </p:nvSpPr>
+        <p:spPr>
+          <a:ln w="1"/>
+        </p:spPr>
+      </p:sp>
+      <p:sp>
+        <p:nvSpPr>
+          <p:cNvPr id="23555" name="文本占位符 23554"/>
+          <p:cNvSpPr>
+            <a:spLocks noGrp="1"/>
+          </p:cNvSpPr>
+          <p:nvPr>
+            <p:ph type="body"/>
+          </p:nvPr>
+        </p:nvSpPr>
+        <p:spPr>
+          <a:ln w="1"/>
+        </p:spPr>
+        <p:txBody>
+          <a:bodyPr anchor="ctr" anchorCtr="0"/>
+          <a:p>
+            <a:pPr lvl="0"/>
+            <a:endParaRPr lang="zh-CN" altLang="en-US" dirty="0">
+              <a:ea typeface="宋体" pitchFamily="2" charset="-122"/>
+            </a:endParaRPr>
+          </a:p>
+          <a:p>
+            <a:pPr lvl="0"/>
+            <a:r>
+              <a:rPr lang="zh-CN" altLang="en-US"/>
+              <a:t>在这个对比图里，我们应该把</a:t>
+            </a:r>
+            <a:r>
+              <a:rPr lang="en-US" altLang="zh-CN"/>
+              <a:t> Docker </a:t>
+            </a:r>
+            <a:r>
+              <a:rPr lang="zh-CN" altLang="en-US"/>
+              <a:t>画在跟应用同级别并且靠边的位置。这意味着，用户运行在容器里的应用进程，跟宿主机上的其他进程一样，都由宿主机操作系统统一管理，只不过这些被隔离的进程拥有额外设置过的</a:t>
+            </a:r>
+            <a:r>
+              <a:rPr lang="en-US" altLang="zh-CN"/>
+              <a:t> Namespace </a:t>
+            </a:r>
+            <a:r>
+              <a:rPr lang="zh-CN" altLang="en-US"/>
+              <a:t>参数。而</a:t>
+            </a:r>
+            <a:r>
+              <a:rPr lang="en-US" altLang="zh-CN"/>
+              <a:t> Docker </a:t>
+            </a:r>
+            <a:r>
+              <a:rPr lang="zh-CN" altLang="en-US"/>
+              <a:t>项目在这里扮演的角色，更多的是旁路式的辅助和管理工作。</a:t>
+            </a:r>
+            <a:endParaRPr lang="zh-CN" altLang="en-US"/>
+          </a:p>
+          <a:p>
+            <a:pPr lvl="0"/>
+            <a:endParaRPr lang="zh-CN" altLang="en-US" dirty="0">
+              <a:ea typeface="宋体" pitchFamily="2" charset="-122"/>
+            </a:endParaRPr>
+          </a:p>
+          <a:p>
+            <a:pPr lvl="0"/>
+            <a:endParaRPr lang="zh-CN" altLang="en-US" dirty="0">
+              <a:ea typeface="宋体" pitchFamily="2" charset="-122"/>
+            </a:endParaRPr>
+          </a:p>
+          <a:p>
+            <a:pPr lvl="0"/>
+            <a:endParaRPr lang="zh-CN" altLang="en-US" dirty="0">
+              <a:ea typeface="宋体" pitchFamily="2" charset="-122"/>
+            </a:endParaRPr>
+          </a:p>
+          <a:p>
+            <a:pPr lvl="0"/>
+            <a:endParaRPr lang="zh-CN" altLang="en-US" dirty="0">
+              <a:cs typeface="Arial" panose="020B0704020202020204" pitchFamily="34" charset="0"/>
+            </a:endParaRPr>
+          </a:p>
+          <a:p>
+            <a:pPr lvl="0"/>
+            <a:endParaRPr lang="zh-CN" altLang="en-US" dirty="0">
+              <a:cs typeface="Arial" panose="020B0704020202020204" pitchFamily="34" charset="0"/>
+            </a:endParaRPr>
+          </a:p>
+          <a:p>
+            <a:pPr lvl="0"/>
+            <a:endParaRPr lang="zh-CN" altLang="en-US" dirty="0">
+              <a:ea typeface="Arial" panose="020B0704020202020204" pitchFamily="34" charset="0"/>
+            </a:endParaRPr>
+          </a:p>
+        </p:txBody>
+      </p:sp>
+    </p:spTree>
+  </p:cSld>
+  <p:clrMapOvr>
+    <a:overrideClrMapping bg1="lt1" tx1="dk1" bg2="lt2" tx2="dk2" accent1="accent1" accent2="accent2" accent3="accent3" accent4="accent4" accent5="accent5" accent6="accent6" hlink="hlink" folHlink="folHlink"/>
+  </p:clrMapOvr>
+</p:notes>
+</file>
+
+<file path=ppt/notesSlides/notesSlide17.xml><?xml version="1.0" encoding="utf-8"?>
+<p:notes xmlns:a="http://schemas.openxmlformats.org/drawingml/2006/main" xmlns:r="http://schemas.openxmlformats.org/officeDocument/2006/relationships" xmlns:p="http://schemas.openxmlformats.org/presentationml/2006/main" showMasterSp="0">
+  <p:cSld>
+    <p:bg>
+      <p:bgPr>
+        <a:solidFill>
+          <a:srgbClr val="FFFFFF"/>
+        </a:solidFill>
+        <a:effectLst/>
+      </p:bgPr>
+    </p:bg>
+    <p:spTree>
+      <p:nvGrpSpPr>
+        <p:cNvPr id="1" name=""/>
+        <p:cNvGrpSpPr/>
+        <p:nvPr/>
+      </p:nvGrpSpPr>
+      <p:grpSpPr/>
+      <p:sp>
+        <p:nvSpPr>
+          <p:cNvPr id="23554" name="幻灯片图像占位符 23553"/>
+          <p:cNvSpPr>
+            <a:spLocks noGrp="1"/>
+          </p:cNvSpPr>
+          <p:nvPr>
+            <p:ph type="sldImg"/>
+          </p:nvPr>
+        </p:nvSpPr>
+        <p:spPr>
+          <a:ln w="1"/>
+        </p:spPr>
+      </p:sp>
+      <p:sp>
+        <p:nvSpPr>
+          <p:cNvPr id="23555" name="文本占位符 23554"/>
+          <p:cNvSpPr>
+            <a:spLocks noGrp="1"/>
+          </p:cNvSpPr>
+          <p:nvPr>
+            <p:ph type="body"/>
+          </p:nvPr>
+        </p:nvSpPr>
+        <p:spPr>
+          <a:ln w="1"/>
+        </p:spPr>
+        <p:txBody>
+          <a:bodyPr anchor="ctr" anchorCtr="0"/>
+          <a:p>
+            <a:pPr lvl="0"/>
+            <a:endParaRPr lang="zh-CN" altLang="en-US" dirty="0">
+              <a:ea typeface="宋体" pitchFamily="2" charset="-122"/>
+            </a:endParaRPr>
+          </a:p>
+          <a:p>
+            <a:pPr lvl="0"/>
+            <a:endParaRPr lang="zh-CN" altLang="en-US" dirty="0">
+              <a:ea typeface="宋体" pitchFamily="2" charset="-122"/>
+            </a:endParaRPr>
+          </a:p>
+          <a:p>
+            <a:pPr lvl="0"/>
+            <a:endParaRPr lang="zh-CN" altLang="en-US" dirty="0">
+              <a:ea typeface="宋体" pitchFamily="2" charset="-122"/>
+            </a:endParaRPr>
+          </a:p>
+          <a:p>
+            <a:pPr lvl="0"/>
+            <a:endParaRPr lang="zh-CN" altLang="en-US" dirty="0">
+              <a:ea typeface="宋体" pitchFamily="2" charset="-122"/>
+            </a:endParaRPr>
+          </a:p>
+          <a:p>
+            <a:pPr lvl="0"/>
+            <a:endParaRPr lang="zh-CN" altLang="en-US" dirty="0">
+              <a:ea typeface="宋体" pitchFamily="2" charset="-122"/>
+            </a:endParaRPr>
+          </a:p>
+          <a:p>
+            <a:pPr lvl="0"/>
+            <a:endParaRPr lang="zh-CN" altLang="en-US" dirty="0">
+              <a:cs typeface="Arial" panose="020B0704020202020204" pitchFamily="34" charset="0"/>
+            </a:endParaRPr>
+          </a:p>
+          <a:p>
+            <a:pPr lvl="0"/>
+            <a:endParaRPr lang="zh-CN" altLang="en-US" dirty="0">
+              <a:cs typeface="Arial" panose="020B0704020202020204" pitchFamily="34" charset="0"/>
+            </a:endParaRPr>
+          </a:p>
+          <a:p>
+            <a:pPr lvl="0"/>
+            <a:endParaRPr lang="zh-CN" altLang="en-US" dirty="0">
+              <a:ea typeface="Arial" panose="020B0704020202020204" pitchFamily="34" charset="0"/>
+            </a:endParaRPr>
+          </a:p>
+        </p:txBody>
+      </p:sp>
+    </p:spTree>
+  </p:cSld>
+  <p:clrMapOvr>
+    <a:overrideClrMapping bg1="lt1" tx1="dk1" bg2="lt2" tx2="dk2" accent1="accent1" accent2="accent2" accent3="accent3" accent4="accent4" accent5="accent5" accent6="accent6" hlink="hlink" folHlink="folHlink"/>
+  </p:clrMapOvr>
+</p:notes>
+</file>
+
+<file path=ppt/notesSlides/notesSlide18.xml><?xml version="1.0" encoding="utf-8"?>
+<p:notes xmlns:a="http://schemas.openxmlformats.org/drawingml/2006/main" xmlns:r="http://schemas.openxmlformats.org/officeDocument/2006/relationships" xmlns:p="http://schemas.openxmlformats.org/presentationml/2006/main" showMasterSp="0">
+  <p:cSld>
+    <p:bg>
+      <p:bgPr>
+        <a:solidFill>
+          <a:srgbClr val="FFFFFF"/>
+        </a:solidFill>
+        <a:effectLst/>
+      </p:bgPr>
+    </p:bg>
+    <p:spTree>
+      <p:nvGrpSpPr>
+        <p:cNvPr id="1" name=""/>
+        <p:cNvGrpSpPr/>
+        <p:nvPr/>
+      </p:nvGrpSpPr>
+      <p:grpSpPr/>
+      <p:sp>
+        <p:nvSpPr>
+          <p:cNvPr id="23554" name="幻灯片图像占位符 23553"/>
+          <p:cNvSpPr>
+            <a:spLocks noGrp="1"/>
+          </p:cNvSpPr>
+          <p:nvPr>
+            <p:ph type="sldImg"/>
+          </p:nvPr>
+        </p:nvSpPr>
+        <p:spPr>
+          <a:ln w="1"/>
+        </p:spPr>
+      </p:sp>
+      <p:sp>
+        <p:nvSpPr>
+          <p:cNvPr id="23555" name="文本占位符 23554"/>
+          <p:cNvSpPr>
+            <a:spLocks noGrp="1"/>
+          </p:cNvSpPr>
+          <p:nvPr>
+            <p:ph type="body"/>
+          </p:nvPr>
+        </p:nvSpPr>
+        <p:spPr>
+          <a:ln w="1"/>
+        </p:spPr>
+        <p:txBody>
+          <a:bodyPr anchor="ctr" anchorCtr="0"/>
+          <a:p>
+            <a:pPr lvl="0"/>
+            <a:endParaRPr lang="zh-CN" altLang="en-US" dirty="0">
+              <a:ea typeface="宋体" pitchFamily="2" charset="-122"/>
+            </a:endParaRPr>
+          </a:p>
+          <a:p>
+            <a:pPr lvl="0"/>
+            <a:endParaRPr lang="zh-CN" altLang="en-US" dirty="0">
+              <a:ea typeface="宋体" pitchFamily="2" charset="-122"/>
+            </a:endParaRPr>
+          </a:p>
+          <a:p>
+            <a:pPr lvl="0"/>
+            <a:endParaRPr lang="zh-CN" altLang="en-US" dirty="0">
+              <a:ea typeface="宋体" pitchFamily="2" charset="-122"/>
+            </a:endParaRPr>
+          </a:p>
+          <a:p>
+            <a:pPr lvl="0"/>
+            <a:endParaRPr lang="zh-CN" altLang="en-US" dirty="0">
+              <a:ea typeface="宋体" pitchFamily="2" charset="-122"/>
+            </a:endParaRPr>
+          </a:p>
+          <a:p>
+            <a:pPr lvl="0"/>
+            <a:endParaRPr lang="zh-CN" altLang="en-US" dirty="0">
+              <a:ea typeface="宋体" pitchFamily="2" charset="-122"/>
+            </a:endParaRPr>
+          </a:p>
+          <a:p>
+            <a:pPr lvl="0"/>
+            <a:endParaRPr lang="zh-CN" altLang="en-US" dirty="0">
+              <a:cs typeface="Arial" panose="020B0704020202020204" pitchFamily="34" charset="0"/>
+            </a:endParaRPr>
+          </a:p>
+          <a:p>
+            <a:pPr lvl="0"/>
+            <a:endParaRPr lang="zh-CN" altLang="en-US" dirty="0">
+              <a:cs typeface="Arial" panose="020B0704020202020204" pitchFamily="34" charset="0"/>
+            </a:endParaRPr>
+          </a:p>
+          <a:p>
+            <a:pPr lvl="0"/>
+            <a:endParaRPr lang="zh-CN" altLang="en-US" dirty="0">
+              <a:ea typeface="Arial" panose="020B0704020202020204" pitchFamily="34" charset="0"/>
+            </a:endParaRPr>
+          </a:p>
+        </p:txBody>
+      </p:sp>
+    </p:spTree>
+  </p:cSld>
+  <p:clrMapOvr>
+    <a:overrideClrMapping bg1="lt1" tx1="dk1" bg2="lt2" tx2="dk2" accent1="accent1" accent2="accent2" accent3="accent3" accent4="accent4" accent5="accent5" accent6="accent6" hlink="hlink" folHlink="folHlink"/>
+  </p:clrMapOvr>
+</p:notes>
+</file>
+
+<file path=ppt/notesSlides/notesSlide19.xml><?xml version="1.0" encoding="utf-8"?>
+<p:notes xmlns:a="http://schemas.openxmlformats.org/drawingml/2006/main" xmlns:r="http://schemas.openxmlformats.org/officeDocument/2006/relationships" xmlns:p="http://schemas.openxmlformats.org/presentationml/2006/main" showMasterSp="0">
+  <p:cSld>
+    <p:bg>
+      <p:bgPr>
+        <a:solidFill>
+          <a:srgbClr val="FFFFFF"/>
+        </a:solidFill>
+        <a:effectLst/>
+      </p:bgPr>
+    </p:bg>
+    <p:spTree>
+      <p:nvGrpSpPr>
+        <p:cNvPr id="1" name=""/>
+        <p:cNvGrpSpPr/>
+        <p:nvPr/>
+      </p:nvGrpSpPr>
+      <p:grpSpPr/>
+      <p:sp>
+        <p:nvSpPr>
+          <p:cNvPr id="23554" name="幻灯片图像占位符 23553"/>
+          <p:cNvSpPr>
+            <a:spLocks noGrp="1"/>
+          </p:cNvSpPr>
+          <p:nvPr>
+            <p:ph type="sldImg"/>
+          </p:nvPr>
+        </p:nvSpPr>
+        <p:spPr>
+          <a:ln w="1"/>
+        </p:spPr>
+      </p:sp>
+      <p:sp>
+        <p:nvSpPr>
+          <p:cNvPr id="23555" name="文本占位符 23554"/>
+          <p:cNvSpPr>
+            <a:spLocks noGrp="1"/>
+          </p:cNvSpPr>
+          <p:nvPr>
+            <p:ph type="body"/>
+          </p:nvPr>
+        </p:nvSpPr>
+        <p:spPr>
+          <a:ln w="1"/>
+        </p:spPr>
+        <p:txBody>
+          <a:bodyPr anchor="ctr" anchorCtr="0"/>
+          <a:p>
+            <a:pPr lvl="0"/>
+            <a:endParaRPr lang="zh-CN" altLang="en-US" dirty="0">
+              <a:ea typeface="宋体" pitchFamily="2" charset="-122"/>
+            </a:endParaRPr>
+          </a:p>
+          <a:p>
+            <a:pPr lvl="0"/>
+            <a:endParaRPr lang="zh-CN" altLang="en-US" dirty="0">
+              <a:ea typeface="宋体" pitchFamily="2" charset="-122"/>
+            </a:endParaRPr>
+          </a:p>
+          <a:p>
+            <a:pPr lvl="0"/>
+            <a:endParaRPr lang="zh-CN" altLang="en-US" dirty="0">
+              <a:ea typeface="宋体" pitchFamily="2" charset="-122"/>
+            </a:endParaRPr>
+          </a:p>
+          <a:p>
+            <a:pPr lvl="0"/>
+            <a:endParaRPr lang="zh-CN" altLang="en-US" dirty="0">
+              <a:ea typeface="宋体" pitchFamily="2" charset="-122"/>
+            </a:endParaRPr>
+          </a:p>
+          <a:p>
+            <a:pPr lvl="0"/>
+            <a:endParaRPr lang="zh-CN" altLang="en-US" dirty="0">
+              <a:ea typeface="宋体" pitchFamily="2" charset="-122"/>
+            </a:endParaRPr>
+          </a:p>
+          <a:p>
+            <a:pPr lvl="0"/>
+            <a:endParaRPr lang="zh-CN" altLang="en-US" dirty="0">
+              <a:cs typeface="Arial" panose="020B0704020202020204" pitchFamily="34" charset="0"/>
+            </a:endParaRPr>
+          </a:p>
+          <a:p>
+            <a:pPr lvl="0"/>
+            <a:endParaRPr lang="zh-CN" altLang="en-US" dirty="0">
+              <a:cs typeface="Arial" panose="020B0704020202020204" pitchFamily="34" charset="0"/>
+            </a:endParaRPr>
+          </a:p>
+          <a:p>
+            <a:pPr lvl="0"/>
+            <a:endParaRPr lang="zh-CN" altLang="en-US" dirty="0">
+              <a:ea typeface="Arial" panose="020B0704020202020204" pitchFamily="34" charset="0"/>
             </a:endParaRPr>
           </a:p>
         </p:txBody>
@@ -2179,6 +3008,201 @@
 </p:notes>
 </file>
 
+<file path=ppt/notesSlides/notesSlide20.xml><?xml version="1.0" encoding="utf-8"?>
+<p:notes xmlns:a="http://schemas.openxmlformats.org/drawingml/2006/main" xmlns:r="http://schemas.openxmlformats.org/officeDocument/2006/relationships" xmlns:p="http://schemas.openxmlformats.org/presentationml/2006/main" showMasterSp="0">
+  <p:cSld>
+    <p:bg>
+      <p:bgPr>
+        <a:solidFill>
+          <a:srgbClr val="FFFFFF"/>
+        </a:solidFill>
+        <a:effectLst/>
+      </p:bgPr>
+    </p:bg>
+    <p:spTree>
+      <p:nvGrpSpPr>
+        <p:cNvPr id="1" name=""/>
+        <p:cNvGrpSpPr/>
+        <p:nvPr/>
+      </p:nvGrpSpPr>
+      <p:grpSpPr/>
+      <p:sp>
+        <p:nvSpPr>
+          <p:cNvPr id="38914" name="幻灯片图像占位符 38913"/>
+          <p:cNvSpPr>
+            <a:spLocks noGrp="1"/>
+          </p:cNvSpPr>
+          <p:nvPr>
+            <p:ph type="sldImg"/>
+          </p:nvPr>
+        </p:nvSpPr>
+        <p:spPr>
+          <a:ln w="1"/>
+        </p:spPr>
+      </p:sp>
+      <p:sp>
+        <p:nvSpPr>
+          <p:cNvPr id="38915" name="文本占位符 38914"/>
+          <p:cNvSpPr>
+            <a:spLocks noGrp="1"/>
+          </p:cNvSpPr>
+          <p:nvPr>
+            <p:ph type="body"/>
+          </p:nvPr>
+        </p:nvSpPr>
+        <p:spPr>
+          <a:ln w="1"/>
+        </p:spPr>
+        <p:txBody>
+          <a:bodyPr anchor="ctr" anchorCtr="0"/>
+          <a:p>
+            <a:pPr lvl="0"/>
+            <a:r>
+              <a:rPr lang="zh-CN" altLang="en-US" dirty="0">
+                <a:ea typeface="宋体" pitchFamily="2" charset="-122"/>
+              </a:rPr>
+              <a:t>把</a:t>
+            </a:r>
+            <a:r>
+              <a:rPr lang="zh-CN" altLang="en-US" dirty="0">
+                <a:ea typeface="宋体" pitchFamily="2" charset="-122"/>
+              </a:rPr>
+              <a:t>k8s</a:t>
+            </a:r>
+            <a:r>
+              <a:rPr lang="zh-CN" altLang="en-US" dirty="0">
+                <a:ea typeface="宋体" pitchFamily="2" charset="-122"/>
+              </a:rPr>
+              <a:t>控制面</a:t>
+            </a:r>
+            <a:r>
+              <a:rPr lang="zh-CN" altLang="en-US" dirty="0">
+                <a:ea typeface="宋体" pitchFamily="2" charset="-122"/>
+              </a:rPr>
+              <a:t>提</a:t>
+            </a:r>
+            <a:r>
+              <a:rPr lang="zh-CN" altLang="en-US" dirty="0">
+                <a:ea typeface="宋体" pitchFamily="2" charset="-122"/>
+              </a:rPr>
+              <a:t>到</a:t>
+            </a:r>
+            <a:r>
+              <a:rPr lang="zh-CN" altLang="en-US" dirty="0">
+                <a:ea typeface="宋体" pitchFamily="2" charset="-122"/>
+              </a:rPr>
+              <a:t>云，</a:t>
+            </a:r>
+            <a:r>
+              <a:rPr lang="zh-CN" altLang="en-US" dirty="0">
+                <a:ea typeface="宋体" pitchFamily="2" charset="-122"/>
+              </a:rPr>
+              <a:t>优化</a:t>
+            </a:r>
+            <a:r>
+              <a:rPr lang="zh-CN" altLang="en-US" dirty="0">
+                <a:ea typeface="宋体" pitchFamily="2" charset="-122"/>
+              </a:rPr>
+              <a:t>k8s </a:t>
+            </a:r>
+            <a:r>
+              <a:rPr lang="zh-CN" altLang="en-US" dirty="0">
+                <a:ea typeface="宋体" pitchFamily="2" charset="-122"/>
+              </a:rPr>
+              <a:t>云</a:t>
+            </a:r>
+            <a:r>
+              <a:rPr lang="zh-CN" altLang="en-US" dirty="0">
+                <a:ea typeface="宋体" pitchFamily="2" charset="-122"/>
+              </a:rPr>
+              <a:t>与</a:t>
+            </a:r>
+            <a:r>
+              <a:rPr lang="zh-CN" altLang="en-US" dirty="0">
+                <a:ea typeface="宋体" pitchFamily="2" charset="-122"/>
+              </a:rPr>
+              <a:t>worker</a:t>
+            </a:r>
+            <a:r>
+              <a:rPr lang="zh-CN" altLang="en-US" dirty="0">
+                <a:ea typeface="宋体" pitchFamily="2" charset="-122"/>
+              </a:rPr>
+              <a:t>边</a:t>
+            </a:r>
+            <a:r>
+              <a:rPr lang="zh-CN" altLang="en-US" dirty="0">
+                <a:ea typeface="宋体" pitchFamily="2" charset="-122"/>
+              </a:rPr>
+              <a:t>的</a:t>
+            </a:r>
+            <a:r>
+              <a:rPr lang="zh-CN" altLang="en-US" dirty="0">
+                <a:ea typeface="宋体" pitchFamily="2" charset="-122"/>
+              </a:rPr>
+              <a:t>连接</a:t>
+            </a:r>
+            <a:r>
+              <a:rPr lang="zh-CN" altLang="en-US" dirty="0">
+                <a:ea typeface="宋体" pitchFamily="2" charset="-122"/>
+              </a:rPr>
+              <a:t>优化，</a:t>
+            </a:r>
+            <a:r>
+              <a:rPr lang="zh-CN" altLang="en-US" dirty="0">
+                <a:ea typeface="宋体" pitchFamily="2" charset="-122"/>
+              </a:rPr>
+              <a:t>网络</a:t>
+            </a:r>
+            <a:r>
+              <a:rPr lang="zh-CN" altLang="en-US" dirty="0">
+                <a:ea typeface="宋体" pitchFamily="2" charset="-122"/>
+              </a:rPr>
+              <a:t>中断</a:t>
+            </a:r>
+            <a:r>
+              <a:rPr lang="zh-CN" altLang="en-US" dirty="0">
+                <a:ea typeface="宋体" pitchFamily="2" charset="-122"/>
+              </a:rPr>
+              <a:t>可以</a:t>
+            </a:r>
+            <a:r>
+              <a:rPr lang="zh-CN" altLang="en-US" dirty="0">
+                <a:ea typeface="宋体" pitchFamily="2" charset="-122"/>
+              </a:rPr>
+              <a:t>自</a:t>
+            </a:r>
+            <a:r>
+              <a:rPr lang="zh-CN" altLang="en-US" dirty="0">
+                <a:ea typeface="宋体" pitchFamily="2" charset="-122"/>
+              </a:rPr>
+              <a:t>治</a:t>
+            </a:r>
+            <a:endParaRPr lang="zh-CN" altLang="en-US" dirty="0">
+              <a:ea typeface="宋体" pitchFamily="2" charset="-122"/>
+            </a:endParaRPr>
+          </a:p>
+          <a:p>
+            <a:pPr lvl="0"/>
+            <a:endParaRPr lang="zh-CN" altLang="en-US" dirty="0">
+              <a:ea typeface="宋体" pitchFamily="2" charset="-122"/>
+            </a:endParaRPr>
+          </a:p>
+          <a:p>
+            <a:pPr lvl="0"/>
+            <a:endParaRPr lang="zh-CN" altLang="en-US" dirty="0">
+              <a:ea typeface="宋体" pitchFamily="2" charset="-122"/>
+            </a:endParaRPr>
+          </a:p>
+        </p:txBody>
+      </p:sp>
+    </p:spTree>
+  </p:cSld>
+  <p:clrMapOvr>
+    <a:overrideClrMapping bg1="lt1" tx1="dk1" bg2="lt2" tx2="dk2" accent1="accent1" accent2="accent2" accent3="accent3" accent4="accent4" accent5="accent5" accent6="accent6" hlink="hlink" folHlink="folHlink"/>
+  </p:clrMapOvr>
+</p:notes>
+</file>
+
 <file path=ppt/notesSlides/notesSlide3.xml><?xml version="1.0" encoding="utf-8"?>
 <p:notes xmlns:a="http://schemas.openxmlformats.org/drawingml/2006/main" xmlns:r="http://schemas.openxmlformats.org/officeDocument/2006/relationships" xmlns:p="http://schemas.openxmlformats.org/presentationml/2006/main" showMasterSp="0">
   <p:cSld>
@@ -3165,7 +4189,7 @@
       <p:grpSpPr/>
       <p:sp>
         <p:nvSpPr>
-          <p:cNvPr id="23554" name="幻灯片图像占位符 23553"/>
+          <p:cNvPr id="9218" name="幻灯片图像占位符 9217"/>
           <p:cNvSpPr>
             <a:spLocks noGrp="1"/>
           </p:cNvSpPr>
@@ -3179,7 +4203,7 @@
       </p:sp>
       <p:sp>
         <p:nvSpPr>
-          <p:cNvPr id="23555" name="文本占位符 23554"/>
+          <p:cNvPr id="9219" name="文本占位符 9218"/>
           <p:cNvSpPr>
             <a:spLocks noGrp="1"/>
           </p:cNvSpPr>
@@ -3194,48 +4218,426 @@
           <a:bodyPr anchor="ctr" anchorCtr="0"/>
           <a:p>
             <a:pPr lvl="0"/>
-            <a:endParaRPr lang="zh-CN" altLang="en-US" dirty="0">
-              <a:ea typeface="宋体" pitchFamily="2" charset="-122"/>
-            </a:endParaRPr>
-          </a:p>
-          <a:p>
-            <a:pPr lvl="0"/>
-            <a:endParaRPr lang="zh-CN" altLang="en-US" dirty="0">
-              <a:ea typeface="宋体" pitchFamily="2" charset="-122"/>
-            </a:endParaRPr>
-          </a:p>
-          <a:p>
-            <a:pPr lvl="0"/>
-            <a:endParaRPr lang="zh-CN" altLang="en-US" dirty="0">
-              <a:ea typeface="宋体" pitchFamily="2" charset="-122"/>
-            </a:endParaRPr>
-          </a:p>
-          <a:p>
-            <a:pPr lvl="0"/>
-            <a:endParaRPr lang="zh-CN" altLang="en-US" dirty="0">
-              <a:ea typeface="宋体" pitchFamily="2" charset="-122"/>
-            </a:endParaRPr>
-          </a:p>
-          <a:p>
-            <a:pPr lvl="0"/>
-            <a:endParaRPr lang="zh-CN" altLang="en-US" dirty="0">
-              <a:ea typeface="宋体" pitchFamily="2" charset="-122"/>
-            </a:endParaRPr>
-          </a:p>
-          <a:p>
-            <a:pPr lvl="0"/>
-            <a:endParaRPr lang="zh-CN" altLang="en-US" dirty="0">
-              <a:cs typeface="Arial" panose="020B0704020202020204" pitchFamily="34" charset="0"/>
-            </a:endParaRPr>
-          </a:p>
-          <a:p>
-            <a:pPr lvl="0"/>
-            <a:endParaRPr lang="zh-CN" altLang="en-US" dirty="0">
-              <a:cs typeface="Arial" panose="020B0704020202020204" pitchFamily="34" charset="0"/>
-            </a:endParaRPr>
-          </a:p>
-          <a:p>
-            <a:pPr lvl="0"/>
+            <a:r>
+              <a:rPr lang="zh-CN" altLang="en-US" dirty="0">
+                <a:cs typeface="Arial" panose="020B0704020202020204" pitchFamily="34" charset="0"/>
+              </a:rPr>
+              <a:t>4.26 熟悉SASE</a:t>
+            </a:r>
+            <a:endParaRPr lang="zh-CN" altLang="en-US" dirty="0">
+              <a:cs typeface="Arial" panose="020B0704020202020204" pitchFamily="34" charset="0"/>
+            </a:endParaRPr>
+          </a:p>
+          <a:p>
+            <a:pPr lvl="0"/>
+            <a:r>
+              <a:rPr lang="zh-CN" altLang="en-US" dirty="0">
+                <a:cs typeface="Arial" panose="020B0704020202020204" pitchFamily="34" charset="0"/>
+              </a:rPr>
+              <a:t>- 熟悉SASE产品（）</a:t>
+            </a:r>
+            <a:endParaRPr lang="zh-CN" altLang="en-US" dirty="0">
+              <a:cs typeface="Arial" panose="020B0704020202020204" pitchFamily="34" charset="0"/>
+            </a:endParaRPr>
+          </a:p>
+          <a:p>
+            <a:pPr lvl="0"/>
+            <a:r>
+              <a:rPr lang="zh-CN" altLang="en-US" dirty="0">
+                <a:cs typeface="Arial" panose="020B0704020202020204" pitchFamily="34" charset="0"/>
+              </a:rPr>
+              <a:t>- 学习SASE整体架构与组件 （）</a:t>
+            </a:r>
+            <a:endParaRPr lang="zh-CN" altLang="en-US" dirty="0">
+              <a:cs typeface="Arial" panose="020B0704020202020204" pitchFamily="34" charset="0"/>
+            </a:endParaRPr>
+          </a:p>
+          <a:p>
+            <a:pPr lvl="0"/>
+            <a:r>
+              <a:rPr lang="zh-CN" altLang="en-US" dirty="0">
+                <a:cs typeface="Arial" panose="020B0704020202020204" pitchFamily="34" charset="0"/>
+              </a:rPr>
+              <a:t>- 熟悉fwaas CI流程</a:t>
+            </a:r>
+            <a:endParaRPr lang="zh-CN" altLang="en-US" dirty="0">
+              <a:cs typeface="Arial" panose="020B0704020202020204" pitchFamily="34" charset="0"/>
+            </a:endParaRPr>
+          </a:p>
+          <a:p>
+            <a:pPr lvl="0"/>
+            <a:r>
+              <a:rPr lang="zh-CN" altLang="en-US" dirty="0">
+                <a:cs typeface="Arial" panose="020B0704020202020204" pitchFamily="34" charset="0"/>
+              </a:rPr>
+              <a:t>- 支持Fwaas流水线多feature分支出包特性</a:t>
+            </a:r>
+            <a:endParaRPr lang="zh-CN" altLang="en-US" dirty="0">
+              <a:cs typeface="Arial" panose="020B0704020202020204" pitchFamily="34" charset="0"/>
+            </a:endParaRPr>
+          </a:p>
+          <a:p>
+            <a:pPr lvl="0"/>
+            <a:endParaRPr lang="zh-CN" altLang="en-US" dirty="0">
+              <a:cs typeface="Arial" panose="020B0704020202020204" pitchFamily="34" charset="0"/>
+            </a:endParaRPr>
+          </a:p>
+          <a:p>
+            <a:pPr lvl="0"/>
+            <a:r>
+              <a:rPr lang="zh-CN" altLang="en-US" dirty="0">
+                <a:cs typeface="Arial" panose="020B0704020202020204" pitchFamily="34" charset="0"/>
+              </a:rPr>
+              <a:t>5.30  SASE部署</a:t>
+            </a:r>
+            <a:endParaRPr lang="zh-CN" altLang="en-US" dirty="0">
+              <a:cs typeface="Arial" panose="020B0704020202020204" pitchFamily="34" charset="0"/>
+            </a:endParaRPr>
+          </a:p>
+          <a:p>
+            <a:pPr lvl="0"/>
+            <a:r>
+              <a:rPr lang="zh-CN" altLang="en-US" dirty="0">
+                <a:cs typeface="Arial" panose="020B0704020202020204" pitchFamily="34" charset="0"/>
+              </a:rPr>
+              <a:t>	学习PoP点搭建</a:t>
+            </a:r>
+            <a:endParaRPr lang="zh-CN" altLang="en-US" dirty="0">
+              <a:cs typeface="Arial" panose="020B0704020202020204" pitchFamily="34" charset="0"/>
+            </a:endParaRPr>
+          </a:p>
+          <a:p>
+            <a:pPr lvl="0"/>
+            <a:r>
+              <a:rPr lang="zh-CN" altLang="en-US" dirty="0">
+                <a:cs typeface="Arial" panose="020B0704020202020204" pitchFamily="34" charset="0"/>
+              </a:rPr>
+              <a:t>	设计sase安装工程</a:t>
+            </a:r>
+            <a:endParaRPr lang="zh-CN" altLang="en-US" dirty="0">
+              <a:cs typeface="Arial" panose="020B0704020202020204" pitchFamily="34" charset="0"/>
+            </a:endParaRPr>
+          </a:p>
+          <a:p>
+            <a:pPr lvl="0"/>
+            <a:r>
+              <a:rPr lang="zh-CN" altLang="en-US" dirty="0">
+                <a:cs typeface="Arial" panose="020B0704020202020204" pitchFamily="34" charset="0"/>
+              </a:rPr>
+              <a:t>	构建popsprite工程CI/CD</a:t>
+            </a:r>
+            <a:endParaRPr lang="zh-CN" altLang="en-US" dirty="0">
+              <a:cs typeface="Arial" panose="020B0704020202020204" pitchFamily="34" charset="0"/>
+            </a:endParaRPr>
+          </a:p>
+          <a:p>
+            <a:pPr lvl="0"/>
+            <a:r>
+              <a:rPr lang="zh-CN" altLang="en-US" dirty="0">
+                <a:cs typeface="Arial" panose="020B0704020202020204" pitchFamily="34" charset="0"/>
+              </a:rPr>
+              <a:t>	pop控制器解决中间件问题</a:t>
+            </a:r>
+            <a:endParaRPr lang="zh-CN" altLang="en-US" dirty="0">
+              <a:cs typeface="Arial" panose="020B0704020202020204" pitchFamily="34" charset="0"/>
+            </a:endParaRPr>
+          </a:p>
+          <a:p>
+            <a:pPr lvl="0"/>
+            <a:endParaRPr lang="zh-CN" altLang="en-US" dirty="0">
+              <a:cs typeface="Arial" panose="020B0704020202020204" pitchFamily="34" charset="0"/>
+            </a:endParaRPr>
+          </a:p>
+          <a:p>
+            <a:pPr lvl="0"/>
+            <a:r>
+              <a:rPr lang="zh-CN" altLang="en-US" dirty="0">
+                <a:cs typeface="Arial" panose="020B0704020202020204" pitchFamily="34" charset="0"/>
+              </a:rPr>
+              <a:t>6.30  轻量化托管PoP</a:t>
+            </a:r>
+            <a:endParaRPr lang="zh-CN" altLang="en-US" dirty="0">
+              <a:cs typeface="Arial" panose="020B0704020202020204" pitchFamily="34" charset="0"/>
+            </a:endParaRPr>
+          </a:p>
+          <a:p>
+            <a:pPr lvl="0"/>
+            <a:r>
+              <a:rPr lang="zh-CN" altLang="en-US" dirty="0">
+                <a:cs typeface="Arial" panose="020B0704020202020204" pitchFamily="34" charset="0"/>
+              </a:rPr>
+              <a:t>	易部署工程化：对内解决环境不稳定，不够用的情况</a:t>
+            </a:r>
+            <a:endParaRPr lang="zh-CN" altLang="en-US" dirty="0">
+              <a:cs typeface="Arial" panose="020B0704020202020204" pitchFamily="34" charset="0"/>
+            </a:endParaRPr>
+          </a:p>
+          <a:p>
+            <a:pPr lvl="0"/>
+            <a:r>
+              <a:rPr lang="zh-CN" altLang="en-US" dirty="0">
+                <a:cs typeface="Arial" panose="020B0704020202020204" pitchFamily="34" charset="0"/>
+              </a:rPr>
+              <a:t>	pop场景支撑</a:t>
+            </a:r>
+            <a:endParaRPr lang="zh-CN" altLang="en-US" dirty="0">
+              <a:cs typeface="Arial" panose="020B0704020202020204" pitchFamily="34" charset="0"/>
+            </a:endParaRPr>
+          </a:p>
+          <a:p>
+            <a:pPr lvl="0"/>
+            <a:r>
+              <a:rPr lang="zh-CN" altLang="en-US" dirty="0">
+                <a:cs typeface="Arial" panose="020B0704020202020204" pitchFamily="34" charset="0"/>
+              </a:rPr>
+              <a:t>		pop 节点扩展</a:t>
+            </a:r>
+            <a:endParaRPr lang="zh-CN" altLang="en-US" dirty="0">
+              <a:cs typeface="Arial" panose="020B0704020202020204" pitchFamily="34" charset="0"/>
+            </a:endParaRPr>
+          </a:p>
+          <a:p>
+            <a:pPr lvl="0"/>
+            <a:r>
+              <a:rPr lang="zh-CN" altLang="en-US" dirty="0">
+                <a:cs typeface="Arial" panose="020B0704020202020204" pitchFamily="34" charset="0"/>
+              </a:rPr>
+              <a:t>		pop 资源管理</a:t>
+            </a:r>
+            <a:endParaRPr lang="zh-CN" altLang="en-US" dirty="0">
+              <a:cs typeface="Arial" panose="020B0704020202020204" pitchFamily="34" charset="0"/>
+            </a:endParaRPr>
+          </a:p>
+          <a:p>
+            <a:pPr lvl="0"/>
+            <a:r>
+              <a:rPr lang="zh-CN" altLang="en-US" dirty="0">
+                <a:cs typeface="Arial" panose="020B0704020202020204" pitchFamily="34" charset="0"/>
+              </a:rPr>
+              <a:t>		poc集群，3+n生产集群</a:t>
+            </a:r>
+            <a:endParaRPr lang="zh-CN" altLang="en-US" dirty="0">
+              <a:cs typeface="Arial" panose="020B0704020202020204" pitchFamily="34" charset="0"/>
+            </a:endParaRPr>
+          </a:p>
+          <a:p>
+            <a:pPr lvl="0"/>
+            <a:r>
+              <a:rPr lang="zh-CN" altLang="en-US" dirty="0">
+                <a:cs typeface="Arial" panose="020B0704020202020204" pitchFamily="34" charset="0"/>
+              </a:rPr>
+              <a:t>	租户编排</a:t>
+            </a:r>
+            <a:endParaRPr lang="zh-CN" altLang="en-US" dirty="0">
+              <a:cs typeface="Arial" panose="020B0704020202020204" pitchFamily="34" charset="0"/>
+            </a:endParaRPr>
+          </a:p>
+          <a:p>
+            <a:pPr lvl="0"/>
+            <a:r>
+              <a:rPr lang="zh-CN" altLang="en-US" dirty="0">
+                <a:cs typeface="Arial" panose="020B0704020202020204" pitchFamily="34" charset="0"/>
+              </a:rPr>
+              <a:t>		验证2000租户下瓶颈点</a:t>
+            </a:r>
+            <a:endParaRPr lang="zh-CN" altLang="en-US" dirty="0">
+              <a:cs typeface="Arial" panose="020B0704020202020204" pitchFamily="34" charset="0"/>
+            </a:endParaRPr>
+          </a:p>
+          <a:p>
+            <a:pPr lvl="0"/>
+            <a:r>
+              <a:rPr lang="zh-CN" altLang="en-US" dirty="0">
+                <a:cs typeface="Arial" panose="020B0704020202020204" pitchFamily="34" charset="0"/>
+              </a:rPr>
+              <a:t>			磁盘IO</a:t>
+            </a:r>
+            <a:endParaRPr lang="zh-CN" altLang="en-US" dirty="0">
+              <a:cs typeface="Arial" panose="020B0704020202020204" pitchFamily="34" charset="0"/>
+            </a:endParaRPr>
+          </a:p>
+          <a:p>
+            <a:pPr lvl="0"/>
+            <a:r>
+              <a:rPr lang="zh-CN" altLang="en-US" dirty="0">
+                <a:cs typeface="Arial" panose="020B0704020202020204" pitchFamily="34" charset="0"/>
+              </a:rPr>
+              <a:t>			控制面扩展能力</a:t>
+            </a:r>
+            <a:endParaRPr lang="zh-CN" altLang="en-US" dirty="0">
+              <a:cs typeface="Arial" panose="020B0704020202020204" pitchFamily="34" charset="0"/>
+            </a:endParaRPr>
+          </a:p>
+          <a:p>
+            <a:pPr lvl="0"/>
+            <a:r>
+              <a:rPr lang="zh-CN" altLang="en-US" dirty="0">
+                <a:cs typeface="Arial" panose="020B0704020202020204" pitchFamily="34" charset="0"/>
+              </a:rPr>
+              <a:t>			fwaas的控制线程 1 : 12</a:t>
+            </a:r>
+            <a:endParaRPr lang="zh-CN" altLang="en-US" dirty="0">
+              <a:cs typeface="Arial" panose="020B0704020202020204" pitchFamily="34" charset="0"/>
+            </a:endParaRPr>
+          </a:p>
+          <a:p>
+            <a:pPr lvl="0"/>
+            <a:r>
+              <a:rPr lang="zh-CN" altLang="en-US" dirty="0">
+                <a:cs typeface="Arial" panose="020B0704020202020204" pitchFamily="34" charset="0"/>
+              </a:rPr>
+              <a:t>		租户编排宏观诊断工具</a:t>
+            </a:r>
+            <a:endParaRPr lang="zh-CN" altLang="en-US" dirty="0">
+              <a:cs typeface="Arial" panose="020B0704020202020204" pitchFamily="34" charset="0"/>
+            </a:endParaRPr>
+          </a:p>
+          <a:p>
+            <a:pPr lvl="0"/>
+            <a:endParaRPr lang="zh-CN" altLang="en-US" dirty="0">
+              <a:cs typeface="Arial" panose="020B0704020202020204" pitchFamily="34" charset="0"/>
+            </a:endParaRPr>
+          </a:p>
+          <a:p>
+            <a:pPr lvl="0"/>
+            <a:r>
+              <a:rPr lang="zh-CN" altLang="en-US" dirty="0">
+                <a:cs typeface="Arial" panose="020B0704020202020204" pitchFamily="34" charset="0"/>
+              </a:rPr>
+              <a:t>至今 轻量化托管PoP标准化</a:t>
+            </a:r>
+            <a:endParaRPr lang="zh-CN" altLang="en-US" dirty="0">
+              <a:cs typeface="Arial" panose="020B0704020202020204" pitchFamily="34" charset="0"/>
+            </a:endParaRPr>
+          </a:p>
+          <a:p>
+            <a:pPr lvl="0"/>
+            <a:r>
+              <a:rPr lang="zh-CN" altLang="en-US" dirty="0">
+                <a:cs typeface="Arial" panose="020B0704020202020204" pitchFamily="34" charset="0"/>
+              </a:rPr>
+              <a:t>	场景</a:t>
+            </a:r>
+            <a:endParaRPr lang="zh-CN" altLang="en-US" dirty="0">
+              <a:cs typeface="Arial" panose="020B0704020202020204" pitchFamily="34" charset="0"/>
+            </a:endParaRPr>
+          </a:p>
+          <a:p>
+            <a:pPr lvl="0"/>
+            <a:r>
+              <a:rPr lang="zh-CN" altLang="en-US" dirty="0">
+                <a:cs typeface="Arial" panose="020B0704020202020204" pitchFamily="34" charset="0"/>
+              </a:rPr>
+              <a:t>		HCI：武汉轻量化pop</a:t>
+            </a:r>
+            <a:endParaRPr lang="zh-CN" altLang="en-US" dirty="0">
+              <a:cs typeface="Arial" panose="020B0704020202020204" pitchFamily="34" charset="0"/>
+            </a:endParaRPr>
+          </a:p>
+          <a:p>
+            <a:pPr lvl="0"/>
+            <a:r>
+              <a:rPr lang="zh-CN" altLang="en-US" dirty="0">
+                <a:cs typeface="Arial" panose="020B0704020202020204" pitchFamily="34" charset="0"/>
+              </a:rPr>
+              <a:t>		VMWare：塞柏特vmware轻量化pop</a:t>
+            </a:r>
+            <a:endParaRPr lang="zh-CN" altLang="en-US" dirty="0">
+              <a:cs typeface="Arial" panose="020B0704020202020204" pitchFamily="34" charset="0"/>
+            </a:endParaRPr>
+          </a:p>
+          <a:p>
+            <a:pPr lvl="0"/>
+            <a:r>
+              <a:rPr lang="zh-CN" altLang="en-US" dirty="0">
+                <a:cs typeface="Arial" panose="020B0704020202020204" pitchFamily="34" charset="0"/>
+              </a:rPr>
+              <a:t>		公有云</a:t>
+            </a:r>
+            <a:endParaRPr lang="zh-CN" altLang="en-US" dirty="0">
+              <a:cs typeface="Arial" panose="020B0704020202020204" pitchFamily="34" charset="0"/>
+            </a:endParaRPr>
+          </a:p>
+          <a:p>
+            <a:pPr lvl="0"/>
+            <a:r>
+              <a:rPr lang="zh-CN" altLang="en-US" dirty="0">
+                <a:cs typeface="Arial" panose="020B0704020202020204" pitchFamily="34" charset="0"/>
+              </a:rPr>
+              <a:t>	易部署工程化</a:t>
+            </a:r>
+            <a:endParaRPr lang="zh-CN" altLang="en-US" dirty="0">
+              <a:cs typeface="Arial" panose="020B0704020202020204" pitchFamily="34" charset="0"/>
+            </a:endParaRPr>
+          </a:p>
+          <a:p>
+            <a:pPr lvl="0"/>
+            <a:r>
+              <a:rPr lang="zh-CN" altLang="en-US" dirty="0">
+                <a:cs typeface="Arial" panose="020B0704020202020204" pitchFamily="34" charset="0"/>
+              </a:rPr>
+              <a:t>		支持公有云部署</a:t>
+            </a:r>
+            <a:endParaRPr lang="zh-CN" altLang="en-US" dirty="0">
+              <a:cs typeface="Arial" panose="020B0704020202020204" pitchFamily="34" charset="0"/>
+            </a:endParaRPr>
+          </a:p>
+          <a:p>
+            <a:pPr lvl="0"/>
+            <a:r>
+              <a:rPr lang="zh-CN" altLang="en-US" dirty="0">
+                <a:cs typeface="Arial" panose="020B0704020202020204" pitchFamily="34" charset="0"/>
+              </a:rPr>
+              <a:t>		对接中心端与升级平台</a:t>
+            </a:r>
+            <a:endParaRPr lang="zh-CN" altLang="en-US" dirty="0">
+              <a:cs typeface="Arial" panose="020B0704020202020204" pitchFamily="34" charset="0"/>
+            </a:endParaRPr>
+          </a:p>
+          <a:p>
+            <a:pPr lvl="0"/>
+            <a:r>
+              <a:rPr lang="zh-CN" altLang="en-US" dirty="0">
+                <a:cs typeface="Arial" panose="020B0704020202020204" pitchFamily="34" charset="0"/>
+              </a:rPr>
+              <a:t>		配置接入组件</a:t>
+            </a:r>
+            <a:endParaRPr lang="zh-CN" altLang="en-US" dirty="0">
+              <a:cs typeface="Arial" panose="020B0704020202020204" pitchFamily="34" charset="0"/>
+            </a:endParaRPr>
+          </a:p>
+          <a:p>
+            <a:pPr lvl="0"/>
+            <a:r>
+              <a:rPr lang="zh-CN" altLang="en-US" dirty="0">
+                <a:cs typeface="Arial" panose="020B0704020202020204" pitchFamily="34" charset="0"/>
+              </a:rPr>
+              <a:t>	监控与报警</a:t>
+            </a:r>
+            <a:endParaRPr lang="zh-CN" altLang="en-US" dirty="0">
+              <a:cs typeface="Arial" panose="020B0704020202020204" pitchFamily="34" charset="0"/>
+            </a:endParaRPr>
+          </a:p>
+          <a:p>
+            <a:pPr lvl="0"/>
+            <a:r>
+              <a:rPr lang="zh-CN" altLang="en-US" dirty="0">
+                <a:cs typeface="Arial" panose="020B0704020202020204" pitchFamily="34" charset="0"/>
+              </a:rPr>
+              <a:t>		磁盘IO 与 磁盘吞吐</a:t>
+            </a:r>
+            <a:endParaRPr lang="zh-CN" altLang="en-US" dirty="0">
+              <a:cs typeface="Arial" panose="020B0704020202020204" pitchFamily="34" charset="0"/>
+            </a:endParaRPr>
+          </a:p>
+          <a:p>
+            <a:pPr lvl="0"/>
+            <a:r>
+              <a:rPr lang="zh-CN" altLang="en-US" dirty="0">
+                <a:cs typeface="Arial" panose="020B0704020202020204" pitchFamily="34" charset="0"/>
+              </a:rPr>
+              <a:t>		控制面事件队列</a:t>
+            </a:r>
             <a:endParaRPr lang="zh-CN" altLang="en-US" dirty="0">
               <a:ea typeface="Arial" panose="020B0704020202020204" pitchFamily="34" charset="0"/>
             </a:endParaRPr>
@@ -3270,7 +4672,7 @@
       <p:grpSpPr/>
       <p:sp>
         <p:nvSpPr>
-          <p:cNvPr id="23554" name="幻灯片图像占位符 23553"/>
+          <p:cNvPr id="9218" name="幻灯片图像占位符 9217"/>
           <p:cNvSpPr>
             <a:spLocks noGrp="1"/>
           </p:cNvSpPr>
@@ -3284,7 +4686,7 @@
       </p:sp>
       <p:sp>
         <p:nvSpPr>
-          <p:cNvPr id="23555" name="文本占位符 23554"/>
+          <p:cNvPr id="9219" name="文本占位符 9218"/>
           <p:cNvSpPr>
             <a:spLocks noGrp="1"/>
           </p:cNvSpPr>
@@ -3299,48 +4701,426 @@
           <a:bodyPr anchor="ctr" anchorCtr="0"/>
           <a:p>
             <a:pPr lvl="0"/>
-            <a:endParaRPr lang="zh-CN" altLang="en-US" dirty="0">
-              <a:ea typeface="宋体" pitchFamily="2" charset="-122"/>
-            </a:endParaRPr>
-          </a:p>
-          <a:p>
-            <a:pPr lvl="0"/>
-            <a:endParaRPr lang="zh-CN" altLang="en-US" dirty="0">
-              <a:ea typeface="宋体" pitchFamily="2" charset="-122"/>
-            </a:endParaRPr>
-          </a:p>
-          <a:p>
-            <a:pPr lvl="0"/>
-            <a:endParaRPr lang="zh-CN" altLang="en-US" dirty="0">
-              <a:ea typeface="宋体" pitchFamily="2" charset="-122"/>
-            </a:endParaRPr>
-          </a:p>
-          <a:p>
-            <a:pPr lvl="0"/>
-            <a:endParaRPr lang="zh-CN" altLang="en-US" dirty="0">
-              <a:ea typeface="宋体" pitchFamily="2" charset="-122"/>
-            </a:endParaRPr>
-          </a:p>
-          <a:p>
-            <a:pPr lvl="0"/>
-            <a:endParaRPr lang="zh-CN" altLang="en-US" dirty="0">
-              <a:ea typeface="宋体" pitchFamily="2" charset="-122"/>
-            </a:endParaRPr>
-          </a:p>
-          <a:p>
-            <a:pPr lvl="0"/>
-            <a:endParaRPr lang="zh-CN" altLang="en-US" dirty="0">
-              <a:cs typeface="Arial" panose="020B0704020202020204" pitchFamily="34" charset="0"/>
-            </a:endParaRPr>
-          </a:p>
-          <a:p>
-            <a:pPr lvl="0"/>
-            <a:endParaRPr lang="zh-CN" altLang="en-US" dirty="0">
-              <a:cs typeface="Arial" panose="020B0704020202020204" pitchFamily="34" charset="0"/>
-            </a:endParaRPr>
-          </a:p>
-          <a:p>
-            <a:pPr lvl="0"/>
+            <a:r>
+              <a:rPr lang="zh-CN" altLang="en-US" dirty="0">
+                <a:cs typeface="Arial" panose="020B0704020202020204" pitchFamily="34" charset="0"/>
+              </a:rPr>
+              <a:t>4.26 熟悉SASE</a:t>
+            </a:r>
+            <a:endParaRPr lang="zh-CN" altLang="en-US" dirty="0">
+              <a:cs typeface="Arial" panose="020B0704020202020204" pitchFamily="34" charset="0"/>
+            </a:endParaRPr>
+          </a:p>
+          <a:p>
+            <a:pPr lvl="0"/>
+            <a:r>
+              <a:rPr lang="zh-CN" altLang="en-US" dirty="0">
+                <a:cs typeface="Arial" panose="020B0704020202020204" pitchFamily="34" charset="0"/>
+              </a:rPr>
+              <a:t>- 熟悉SASE产品（）</a:t>
+            </a:r>
+            <a:endParaRPr lang="zh-CN" altLang="en-US" dirty="0">
+              <a:cs typeface="Arial" panose="020B0704020202020204" pitchFamily="34" charset="0"/>
+            </a:endParaRPr>
+          </a:p>
+          <a:p>
+            <a:pPr lvl="0"/>
+            <a:r>
+              <a:rPr lang="zh-CN" altLang="en-US" dirty="0">
+                <a:cs typeface="Arial" panose="020B0704020202020204" pitchFamily="34" charset="0"/>
+              </a:rPr>
+              <a:t>- 学习SASE整体架构与组件 （）</a:t>
+            </a:r>
+            <a:endParaRPr lang="zh-CN" altLang="en-US" dirty="0">
+              <a:cs typeface="Arial" panose="020B0704020202020204" pitchFamily="34" charset="0"/>
+            </a:endParaRPr>
+          </a:p>
+          <a:p>
+            <a:pPr lvl="0"/>
+            <a:r>
+              <a:rPr lang="zh-CN" altLang="en-US" dirty="0">
+                <a:cs typeface="Arial" panose="020B0704020202020204" pitchFamily="34" charset="0"/>
+              </a:rPr>
+              <a:t>- 熟悉fwaas CI流程</a:t>
+            </a:r>
+            <a:endParaRPr lang="zh-CN" altLang="en-US" dirty="0">
+              <a:cs typeface="Arial" panose="020B0704020202020204" pitchFamily="34" charset="0"/>
+            </a:endParaRPr>
+          </a:p>
+          <a:p>
+            <a:pPr lvl="0"/>
+            <a:r>
+              <a:rPr lang="zh-CN" altLang="en-US" dirty="0">
+                <a:cs typeface="Arial" panose="020B0704020202020204" pitchFamily="34" charset="0"/>
+              </a:rPr>
+              <a:t>- 支持Fwaas流水线多feature分支出包特性</a:t>
+            </a:r>
+            <a:endParaRPr lang="zh-CN" altLang="en-US" dirty="0">
+              <a:cs typeface="Arial" panose="020B0704020202020204" pitchFamily="34" charset="0"/>
+            </a:endParaRPr>
+          </a:p>
+          <a:p>
+            <a:pPr lvl="0"/>
+            <a:endParaRPr lang="zh-CN" altLang="en-US" dirty="0">
+              <a:cs typeface="Arial" panose="020B0704020202020204" pitchFamily="34" charset="0"/>
+            </a:endParaRPr>
+          </a:p>
+          <a:p>
+            <a:pPr lvl="0"/>
+            <a:r>
+              <a:rPr lang="zh-CN" altLang="en-US" dirty="0">
+                <a:cs typeface="Arial" panose="020B0704020202020204" pitchFamily="34" charset="0"/>
+              </a:rPr>
+              <a:t>5.30  SASE部署</a:t>
+            </a:r>
+            <a:endParaRPr lang="zh-CN" altLang="en-US" dirty="0">
+              <a:cs typeface="Arial" panose="020B0704020202020204" pitchFamily="34" charset="0"/>
+            </a:endParaRPr>
+          </a:p>
+          <a:p>
+            <a:pPr lvl="0"/>
+            <a:r>
+              <a:rPr lang="zh-CN" altLang="en-US" dirty="0">
+                <a:cs typeface="Arial" panose="020B0704020202020204" pitchFamily="34" charset="0"/>
+              </a:rPr>
+              <a:t>	学习PoP点搭建</a:t>
+            </a:r>
+            <a:endParaRPr lang="zh-CN" altLang="en-US" dirty="0">
+              <a:cs typeface="Arial" panose="020B0704020202020204" pitchFamily="34" charset="0"/>
+            </a:endParaRPr>
+          </a:p>
+          <a:p>
+            <a:pPr lvl="0"/>
+            <a:r>
+              <a:rPr lang="zh-CN" altLang="en-US" dirty="0">
+                <a:cs typeface="Arial" panose="020B0704020202020204" pitchFamily="34" charset="0"/>
+              </a:rPr>
+              <a:t>	设计sase安装工程</a:t>
+            </a:r>
+            <a:endParaRPr lang="zh-CN" altLang="en-US" dirty="0">
+              <a:cs typeface="Arial" panose="020B0704020202020204" pitchFamily="34" charset="0"/>
+            </a:endParaRPr>
+          </a:p>
+          <a:p>
+            <a:pPr lvl="0"/>
+            <a:r>
+              <a:rPr lang="zh-CN" altLang="en-US" dirty="0">
+                <a:cs typeface="Arial" panose="020B0704020202020204" pitchFamily="34" charset="0"/>
+              </a:rPr>
+              <a:t>	构建popsprite工程CI/CD</a:t>
+            </a:r>
+            <a:endParaRPr lang="zh-CN" altLang="en-US" dirty="0">
+              <a:cs typeface="Arial" panose="020B0704020202020204" pitchFamily="34" charset="0"/>
+            </a:endParaRPr>
+          </a:p>
+          <a:p>
+            <a:pPr lvl="0"/>
+            <a:r>
+              <a:rPr lang="zh-CN" altLang="en-US" dirty="0">
+                <a:cs typeface="Arial" panose="020B0704020202020204" pitchFamily="34" charset="0"/>
+              </a:rPr>
+              <a:t>	pop控制器解决中间件问题</a:t>
+            </a:r>
+            <a:endParaRPr lang="zh-CN" altLang="en-US" dirty="0">
+              <a:cs typeface="Arial" panose="020B0704020202020204" pitchFamily="34" charset="0"/>
+            </a:endParaRPr>
+          </a:p>
+          <a:p>
+            <a:pPr lvl="0"/>
+            <a:endParaRPr lang="zh-CN" altLang="en-US" dirty="0">
+              <a:cs typeface="Arial" panose="020B0704020202020204" pitchFamily="34" charset="0"/>
+            </a:endParaRPr>
+          </a:p>
+          <a:p>
+            <a:pPr lvl="0"/>
+            <a:r>
+              <a:rPr lang="zh-CN" altLang="en-US" dirty="0">
+                <a:cs typeface="Arial" panose="020B0704020202020204" pitchFamily="34" charset="0"/>
+              </a:rPr>
+              <a:t>6.30  轻量化托管PoP</a:t>
+            </a:r>
+            <a:endParaRPr lang="zh-CN" altLang="en-US" dirty="0">
+              <a:cs typeface="Arial" panose="020B0704020202020204" pitchFamily="34" charset="0"/>
+            </a:endParaRPr>
+          </a:p>
+          <a:p>
+            <a:pPr lvl="0"/>
+            <a:r>
+              <a:rPr lang="zh-CN" altLang="en-US" dirty="0">
+                <a:cs typeface="Arial" panose="020B0704020202020204" pitchFamily="34" charset="0"/>
+              </a:rPr>
+              <a:t>	易部署工程化：对内解决环境不稳定，不够用的情况</a:t>
+            </a:r>
+            <a:endParaRPr lang="zh-CN" altLang="en-US" dirty="0">
+              <a:cs typeface="Arial" panose="020B0704020202020204" pitchFamily="34" charset="0"/>
+            </a:endParaRPr>
+          </a:p>
+          <a:p>
+            <a:pPr lvl="0"/>
+            <a:r>
+              <a:rPr lang="zh-CN" altLang="en-US" dirty="0">
+                <a:cs typeface="Arial" panose="020B0704020202020204" pitchFamily="34" charset="0"/>
+              </a:rPr>
+              <a:t>	pop场景支撑</a:t>
+            </a:r>
+            <a:endParaRPr lang="zh-CN" altLang="en-US" dirty="0">
+              <a:cs typeface="Arial" panose="020B0704020202020204" pitchFamily="34" charset="0"/>
+            </a:endParaRPr>
+          </a:p>
+          <a:p>
+            <a:pPr lvl="0"/>
+            <a:r>
+              <a:rPr lang="zh-CN" altLang="en-US" dirty="0">
+                <a:cs typeface="Arial" panose="020B0704020202020204" pitchFamily="34" charset="0"/>
+              </a:rPr>
+              <a:t>		pop 节点扩展</a:t>
+            </a:r>
+            <a:endParaRPr lang="zh-CN" altLang="en-US" dirty="0">
+              <a:cs typeface="Arial" panose="020B0704020202020204" pitchFamily="34" charset="0"/>
+            </a:endParaRPr>
+          </a:p>
+          <a:p>
+            <a:pPr lvl="0"/>
+            <a:r>
+              <a:rPr lang="zh-CN" altLang="en-US" dirty="0">
+                <a:cs typeface="Arial" panose="020B0704020202020204" pitchFamily="34" charset="0"/>
+              </a:rPr>
+              <a:t>		pop 资源管理</a:t>
+            </a:r>
+            <a:endParaRPr lang="zh-CN" altLang="en-US" dirty="0">
+              <a:cs typeface="Arial" panose="020B0704020202020204" pitchFamily="34" charset="0"/>
+            </a:endParaRPr>
+          </a:p>
+          <a:p>
+            <a:pPr lvl="0"/>
+            <a:r>
+              <a:rPr lang="zh-CN" altLang="en-US" dirty="0">
+                <a:cs typeface="Arial" panose="020B0704020202020204" pitchFamily="34" charset="0"/>
+              </a:rPr>
+              <a:t>		poc集群，3+n生产集群</a:t>
+            </a:r>
+            <a:endParaRPr lang="zh-CN" altLang="en-US" dirty="0">
+              <a:cs typeface="Arial" panose="020B0704020202020204" pitchFamily="34" charset="0"/>
+            </a:endParaRPr>
+          </a:p>
+          <a:p>
+            <a:pPr lvl="0"/>
+            <a:r>
+              <a:rPr lang="zh-CN" altLang="en-US" dirty="0">
+                <a:cs typeface="Arial" panose="020B0704020202020204" pitchFamily="34" charset="0"/>
+              </a:rPr>
+              <a:t>	租户编排</a:t>
+            </a:r>
+            <a:endParaRPr lang="zh-CN" altLang="en-US" dirty="0">
+              <a:cs typeface="Arial" panose="020B0704020202020204" pitchFamily="34" charset="0"/>
+            </a:endParaRPr>
+          </a:p>
+          <a:p>
+            <a:pPr lvl="0"/>
+            <a:r>
+              <a:rPr lang="zh-CN" altLang="en-US" dirty="0">
+                <a:cs typeface="Arial" panose="020B0704020202020204" pitchFamily="34" charset="0"/>
+              </a:rPr>
+              <a:t>		验证2000租户下瓶颈点</a:t>
+            </a:r>
+            <a:endParaRPr lang="zh-CN" altLang="en-US" dirty="0">
+              <a:cs typeface="Arial" panose="020B0704020202020204" pitchFamily="34" charset="0"/>
+            </a:endParaRPr>
+          </a:p>
+          <a:p>
+            <a:pPr lvl="0"/>
+            <a:r>
+              <a:rPr lang="zh-CN" altLang="en-US" dirty="0">
+                <a:cs typeface="Arial" panose="020B0704020202020204" pitchFamily="34" charset="0"/>
+              </a:rPr>
+              <a:t>			磁盘IO</a:t>
+            </a:r>
+            <a:endParaRPr lang="zh-CN" altLang="en-US" dirty="0">
+              <a:cs typeface="Arial" panose="020B0704020202020204" pitchFamily="34" charset="0"/>
+            </a:endParaRPr>
+          </a:p>
+          <a:p>
+            <a:pPr lvl="0"/>
+            <a:r>
+              <a:rPr lang="zh-CN" altLang="en-US" dirty="0">
+                <a:cs typeface="Arial" panose="020B0704020202020204" pitchFamily="34" charset="0"/>
+              </a:rPr>
+              <a:t>			控制面扩展能力</a:t>
+            </a:r>
+            <a:endParaRPr lang="zh-CN" altLang="en-US" dirty="0">
+              <a:cs typeface="Arial" panose="020B0704020202020204" pitchFamily="34" charset="0"/>
+            </a:endParaRPr>
+          </a:p>
+          <a:p>
+            <a:pPr lvl="0"/>
+            <a:r>
+              <a:rPr lang="zh-CN" altLang="en-US" dirty="0">
+                <a:cs typeface="Arial" panose="020B0704020202020204" pitchFamily="34" charset="0"/>
+              </a:rPr>
+              <a:t>			fwaas的控制线程 1 : 12</a:t>
+            </a:r>
+            <a:endParaRPr lang="zh-CN" altLang="en-US" dirty="0">
+              <a:cs typeface="Arial" panose="020B0704020202020204" pitchFamily="34" charset="0"/>
+            </a:endParaRPr>
+          </a:p>
+          <a:p>
+            <a:pPr lvl="0"/>
+            <a:r>
+              <a:rPr lang="zh-CN" altLang="en-US" dirty="0">
+                <a:cs typeface="Arial" panose="020B0704020202020204" pitchFamily="34" charset="0"/>
+              </a:rPr>
+              <a:t>		租户编排宏观诊断工具</a:t>
+            </a:r>
+            <a:endParaRPr lang="zh-CN" altLang="en-US" dirty="0">
+              <a:cs typeface="Arial" panose="020B0704020202020204" pitchFamily="34" charset="0"/>
+            </a:endParaRPr>
+          </a:p>
+          <a:p>
+            <a:pPr lvl="0"/>
+            <a:endParaRPr lang="zh-CN" altLang="en-US" dirty="0">
+              <a:cs typeface="Arial" panose="020B0704020202020204" pitchFamily="34" charset="0"/>
+            </a:endParaRPr>
+          </a:p>
+          <a:p>
+            <a:pPr lvl="0"/>
+            <a:r>
+              <a:rPr lang="zh-CN" altLang="en-US" dirty="0">
+                <a:cs typeface="Arial" panose="020B0704020202020204" pitchFamily="34" charset="0"/>
+              </a:rPr>
+              <a:t>至今 轻量化托管PoP标准化</a:t>
+            </a:r>
+            <a:endParaRPr lang="zh-CN" altLang="en-US" dirty="0">
+              <a:cs typeface="Arial" panose="020B0704020202020204" pitchFamily="34" charset="0"/>
+            </a:endParaRPr>
+          </a:p>
+          <a:p>
+            <a:pPr lvl="0"/>
+            <a:r>
+              <a:rPr lang="zh-CN" altLang="en-US" dirty="0">
+                <a:cs typeface="Arial" panose="020B0704020202020204" pitchFamily="34" charset="0"/>
+              </a:rPr>
+              <a:t>	场景</a:t>
+            </a:r>
+            <a:endParaRPr lang="zh-CN" altLang="en-US" dirty="0">
+              <a:cs typeface="Arial" panose="020B0704020202020204" pitchFamily="34" charset="0"/>
+            </a:endParaRPr>
+          </a:p>
+          <a:p>
+            <a:pPr lvl="0"/>
+            <a:r>
+              <a:rPr lang="zh-CN" altLang="en-US" dirty="0">
+                <a:cs typeface="Arial" panose="020B0704020202020204" pitchFamily="34" charset="0"/>
+              </a:rPr>
+              <a:t>		HCI：武汉轻量化pop</a:t>
+            </a:r>
+            <a:endParaRPr lang="zh-CN" altLang="en-US" dirty="0">
+              <a:cs typeface="Arial" panose="020B0704020202020204" pitchFamily="34" charset="0"/>
+            </a:endParaRPr>
+          </a:p>
+          <a:p>
+            <a:pPr lvl="0"/>
+            <a:r>
+              <a:rPr lang="zh-CN" altLang="en-US" dirty="0">
+                <a:cs typeface="Arial" panose="020B0704020202020204" pitchFamily="34" charset="0"/>
+              </a:rPr>
+              <a:t>		VMWare：塞柏特vmware轻量化pop</a:t>
+            </a:r>
+            <a:endParaRPr lang="zh-CN" altLang="en-US" dirty="0">
+              <a:cs typeface="Arial" panose="020B0704020202020204" pitchFamily="34" charset="0"/>
+            </a:endParaRPr>
+          </a:p>
+          <a:p>
+            <a:pPr lvl="0"/>
+            <a:r>
+              <a:rPr lang="zh-CN" altLang="en-US" dirty="0">
+                <a:cs typeface="Arial" panose="020B0704020202020204" pitchFamily="34" charset="0"/>
+              </a:rPr>
+              <a:t>		公有云</a:t>
+            </a:r>
+            <a:endParaRPr lang="zh-CN" altLang="en-US" dirty="0">
+              <a:cs typeface="Arial" panose="020B0704020202020204" pitchFamily="34" charset="0"/>
+            </a:endParaRPr>
+          </a:p>
+          <a:p>
+            <a:pPr lvl="0"/>
+            <a:r>
+              <a:rPr lang="zh-CN" altLang="en-US" dirty="0">
+                <a:cs typeface="Arial" panose="020B0704020202020204" pitchFamily="34" charset="0"/>
+              </a:rPr>
+              <a:t>	易部署工程化</a:t>
+            </a:r>
+            <a:endParaRPr lang="zh-CN" altLang="en-US" dirty="0">
+              <a:cs typeface="Arial" panose="020B0704020202020204" pitchFamily="34" charset="0"/>
+            </a:endParaRPr>
+          </a:p>
+          <a:p>
+            <a:pPr lvl="0"/>
+            <a:r>
+              <a:rPr lang="zh-CN" altLang="en-US" dirty="0">
+                <a:cs typeface="Arial" panose="020B0704020202020204" pitchFamily="34" charset="0"/>
+              </a:rPr>
+              <a:t>		支持公有云部署</a:t>
+            </a:r>
+            <a:endParaRPr lang="zh-CN" altLang="en-US" dirty="0">
+              <a:cs typeface="Arial" panose="020B0704020202020204" pitchFamily="34" charset="0"/>
+            </a:endParaRPr>
+          </a:p>
+          <a:p>
+            <a:pPr lvl="0"/>
+            <a:r>
+              <a:rPr lang="zh-CN" altLang="en-US" dirty="0">
+                <a:cs typeface="Arial" panose="020B0704020202020204" pitchFamily="34" charset="0"/>
+              </a:rPr>
+              <a:t>		对接中心端与升级平台</a:t>
+            </a:r>
+            <a:endParaRPr lang="zh-CN" altLang="en-US" dirty="0">
+              <a:cs typeface="Arial" panose="020B0704020202020204" pitchFamily="34" charset="0"/>
+            </a:endParaRPr>
+          </a:p>
+          <a:p>
+            <a:pPr lvl="0"/>
+            <a:r>
+              <a:rPr lang="zh-CN" altLang="en-US" dirty="0">
+                <a:cs typeface="Arial" panose="020B0704020202020204" pitchFamily="34" charset="0"/>
+              </a:rPr>
+              <a:t>		配置接入组件</a:t>
+            </a:r>
+            <a:endParaRPr lang="zh-CN" altLang="en-US" dirty="0">
+              <a:cs typeface="Arial" panose="020B0704020202020204" pitchFamily="34" charset="0"/>
+            </a:endParaRPr>
+          </a:p>
+          <a:p>
+            <a:pPr lvl="0"/>
+            <a:r>
+              <a:rPr lang="zh-CN" altLang="en-US" dirty="0">
+                <a:cs typeface="Arial" panose="020B0704020202020204" pitchFamily="34" charset="0"/>
+              </a:rPr>
+              <a:t>	监控与报警</a:t>
+            </a:r>
+            <a:endParaRPr lang="zh-CN" altLang="en-US" dirty="0">
+              <a:cs typeface="Arial" panose="020B0704020202020204" pitchFamily="34" charset="0"/>
+            </a:endParaRPr>
+          </a:p>
+          <a:p>
+            <a:pPr lvl="0"/>
+            <a:r>
+              <a:rPr lang="zh-CN" altLang="en-US" dirty="0">
+                <a:cs typeface="Arial" panose="020B0704020202020204" pitchFamily="34" charset="0"/>
+              </a:rPr>
+              <a:t>		磁盘IO 与 磁盘吞吐</a:t>
+            </a:r>
+            <a:endParaRPr lang="zh-CN" altLang="en-US" dirty="0">
+              <a:cs typeface="Arial" panose="020B0704020202020204" pitchFamily="34" charset="0"/>
+            </a:endParaRPr>
+          </a:p>
+          <a:p>
+            <a:pPr lvl="0"/>
+            <a:r>
+              <a:rPr lang="zh-CN" altLang="en-US" dirty="0">
+                <a:cs typeface="Arial" panose="020B0704020202020204" pitchFamily="34" charset="0"/>
+              </a:rPr>
+              <a:t>		控制面事件队列</a:t>
+            </a:r>
             <a:endParaRPr lang="zh-CN" altLang="en-US" dirty="0">
               <a:ea typeface="Arial" panose="020B0704020202020204" pitchFamily="34" charset="0"/>
             </a:endParaRPr>
@@ -3375,7 +5155,7 @@
       <p:grpSpPr/>
       <p:sp>
         <p:nvSpPr>
-          <p:cNvPr id="23554" name="幻灯片图像占位符 23553"/>
+          <p:cNvPr id="9218" name="幻灯片图像占位符 9217"/>
           <p:cNvSpPr>
             <a:spLocks noGrp="1"/>
           </p:cNvSpPr>
@@ -3389,7 +5169,7 @@
       </p:sp>
       <p:sp>
         <p:nvSpPr>
-          <p:cNvPr id="23555" name="文本占位符 23554"/>
+          <p:cNvPr id="9219" name="文本占位符 9218"/>
           <p:cNvSpPr>
             <a:spLocks noGrp="1"/>
           </p:cNvSpPr>
@@ -3404,6 +5184,426 @@
           <a:bodyPr anchor="ctr" anchorCtr="0"/>
           <a:p>
             <a:pPr lvl="0"/>
+            <a:r>
+              <a:rPr lang="zh-CN" altLang="en-US" dirty="0">
+                <a:cs typeface="Arial" panose="020B0704020202020204" pitchFamily="34" charset="0"/>
+              </a:rPr>
+              <a:t>4.26 熟悉SASE</a:t>
+            </a:r>
+            <a:endParaRPr lang="zh-CN" altLang="en-US" dirty="0">
+              <a:cs typeface="Arial" panose="020B0704020202020204" pitchFamily="34" charset="0"/>
+            </a:endParaRPr>
+          </a:p>
+          <a:p>
+            <a:pPr lvl="0"/>
+            <a:r>
+              <a:rPr lang="zh-CN" altLang="en-US" dirty="0">
+                <a:cs typeface="Arial" panose="020B0704020202020204" pitchFamily="34" charset="0"/>
+              </a:rPr>
+              <a:t>- 熟悉SASE产品（）</a:t>
+            </a:r>
+            <a:endParaRPr lang="zh-CN" altLang="en-US" dirty="0">
+              <a:cs typeface="Arial" panose="020B0704020202020204" pitchFamily="34" charset="0"/>
+            </a:endParaRPr>
+          </a:p>
+          <a:p>
+            <a:pPr lvl="0"/>
+            <a:r>
+              <a:rPr lang="zh-CN" altLang="en-US" dirty="0">
+                <a:cs typeface="Arial" panose="020B0704020202020204" pitchFamily="34" charset="0"/>
+              </a:rPr>
+              <a:t>- 学习SASE整体架构与组件 （）</a:t>
+            </a:r>
+            <a:endParaRPr lang="zh-CN" altLang="en-US" dirty="0">
+              <a:cs typeface="Arial" panose="020B0704020202020204" pitchFamily="34" charset="0"/>
+            </a:endParaRPr>
+          </a:p>
+          <a:p>
+            <a:pPr lvl="0"/>
+            <a:r>
+              <a:rPr lang="zh-CN" altLang="en-US" dirty="0">
+                <a:cs typeface="Arial" panose="020B0704020202020204" pitchFamily="34" charset="0"/>
+              </a:rPr>
+              <a:t>- 熟悉fwaas CI流程</a:t>
+            </a:r>
+            <a:endParaRPr lang="zh-CN" altLang="en-US" dirty="0">
+              <a:cs typeface="Arial" panose="020B0704020202020204" pitchFamily="34" charset="0"/>
+            </a:endParaRPr>
+          </a:p>
+          <a:p>
+            <a:pPr lvl="0"/>
+            <a:r>
+              <a:rPr lang="zh-CN" altLang="en-US" dirty="0">
+                <a:cs typeface="Arial" panose="020B0704020202020204" pitchFamily="34" charset="0"/>
+              </a:rPr>
+              <a:t>- 支持Fwaas流水线多feature分支出包特性</a:t>
+            </a:r>
+            <a:endParaRPr lang="zh-CN" altLang="en-US" dirty="0">
+              <a:cs typeface="Arial" panose="020B0704020202020204" pitchFamily="34" charset="0"/>
+            </a:endParaRPr>
+          </a:p>
+          <a:p>
+            <a:pPr lvl="0"/>
+            <a:endParaRPr lang="zh-CN" altLang="en-US" dirty="0">
+              <a:cs typeface="Arial" panose="020B0704020202020204" pitchFamily="34" charset="0"/>
+            </a:endParaRPr>
+          </a:p>
+          <a:p>
+            <a:pPr lvl="0"/>
+            <a:r>
+              <a:rPr lang="zh-CN" altLang="en-US" dirty="0">
+                <a:cs typeface="Arial" panose="020B0704020202020204" pitchFamily="34" charset="0"/>
+              </a:rPr>
+              <a:t>5.30  SASE部署</a:t>
+            </a:r>
+            <a:endParaRPr lang="zh-CN" altLang="en-US" dirty="0">
+              <a:cs typeface="Arial" panose="020B0704020202020204" pitchFamily="34" charset="0"/>
+            </a:endParaRPr>
+          </a:p>
+          <a:p>
+            <a:pPr lvl="0"/>
+            <a:r>
+              <a:rPr lang="zh-CN" altLang="en-US" dirty="0">
+                <a:cs typeface="Arial" panose="020B0704020202020204" pitchFamily="34" charset="0"/>
+              </a:rPr>
+              <a:t>	学习PoP点搭建</a:t>
+            </a:r>
+            <a:endParaRPr lang="zh-CN" altLang="en-US" dirty="0">
+              <a:cs typeface="Arial" panose="020B0704020202020204" pitchFamily="34" charset="0"/>
+            </a:endParaRPr>
+          </a:p>
+          <a:p>
+            <a:pPr lvl="0"/>
+            <a:r>
+              <a:rPr lang="zh-CN" altLang="en-US" dirty="0">
+                <a:cs typeface="Arial" panose="020B0704020202020204" pitchFamily="34" charset="0"/>
+              </a:rPr>
+              <a:t>	设计sase安装工程</a:t>
+            </a:r>
+            <a:endParaRPr lang="zh-CN" altLang="en-US" dirty="0">
+              <a:cs typeface="Arial" panose="020B0704020202020204" pitchFamily="34" charset="0"/>
+            </a:endParaRPr>
+          </a:p>
+          <a:p>
+            <a:pPr lvl="0"/>
+            <a:r>
+              <a:rPr lang="zh-CN" altLang="en-US" dirty="0">
+                <a:cs typeface="Arial" panose="020B0704020202020204" pitchFamily="34" charset="0"/>
+              </a:rPr>
+              <a:t>	构建popsprite工程CI/CD</a:t>
+            </a:r>
+            <a:endParaRPr lang="zh-CN" altLang="en-US" dirty="0">
+              <a:cs typeface="Arial" panose="020B0704020202020204" pitchFamily="34" charset="0"/>
+            </a:endParaRPr>
+          </a:p>
+          <a:p>
+            <a:pPr lvl="0"/>
+            <a:r>
+              <a:rPr lang="zh-CN" altLang="en-US" dirty="0">
+                <a:cs typeface="Arial" panose="020B0704020202020204" pitchFamily="34" charset="0"/>
+              </a:rPr>
+              <a:t>	pop控制器解决中间件问题</a:t>
+            </a:r>
+            <a:endParaRPr lang="zh-CN" altLang="en-US" dirty="0">
+              <a:cs typeface="Arial" panose="020B0704020202020204" pitchFamily="34" charset="0"/>
+            </a:endParaRPr>
+          </a:p>
+          <a:p>
+            <a:pPr lvl="0"/>
+            <a:endParaRPr lang="zh-CN" altLang="en-US" dirty="0">
+              <a:cs typeface="Arial" panose="020B0704020202020204" pitchFamily="34" charset="0"/>
+            </a:endParaRPr>
+          </a:p>
+          <a:p>
+            <a:pPr lvl="0"/>
+            <a:r>
+              <a:rPr lang="zh-CN" altLang="en-US" dirty="0">
+                <a:cs typeface="Arial" panose="020B0704020202020204" pitchFamily="34" charset="0"/>
+              </a:rPr>
+              <a:t>6.30  轻量化托管PoP</a:t>
+            </a:r>
+            <a:endParaRPr lang="zh-CN" altLang="en-US" dirty="0">
+              <a:cs typeface="Arial" panose="020B0704020202020204" pitchFamily="34" charset="0"/>
+            </a:endParaRPr>
+          </a:p>
+          <a:p>
+            <a:pPr lvl="0"/>
+            <a:r>
+              <a:rPr lang="zh-CN" altLang="en-US" dirty="0">
+                <a:cs typeface="Arial" panose="020B0704020202020204" pitchFamily="34" charset="0"/>
+              </a:rPr>
+              <a:t>	易部署工程化：对内解决环境不稳定，不够用的情况</a:t>
+            </a:r>
+            <a:endParaRPr lang="zh-CN" altLang="en-US" dirty="0">
+              <a:cs typeface="Arial" panose="020B0704020202020204" pitchFamily="34" charset="0"/>
+            </a:endParaRPr>
+          </a:p>
+          <a:p>
+            <a:pPr lvl="0"/>
+            <a:r>
+              <a:rPr lang="zh-CN" altLang="en-US" dirty="0">
+                <a:cs typeface="Arial" panose="020B0704020202020204" pitchFamily="34" charset="0"/>
+              </a:rPr>
+              <a:t>	pop场景支撑</a:t>
+            </a:r>
+            <a:endParaRPr lang="zh-CN" altLang="en-US" dirty="0">
+              <a:cs typeface="Arial" panose="020B0704020202020204" pitchFamily="34" charset="0"/>
+            </a:endParaRPr>
+          </a:p>
+          <a:p>
+            <a:pPr lvl="0"/>
+            <a:r>
+              <a:rPr lang="zh-CN" altLang="en-US" dirty="0">
+                <a:cs typeface="Arial" panose="020B0704020202020204" pitchFamily="34" charset="0"/>
+              </a:rPr>
+              <a:t>		pop 节点扩展</a:t>
+            </a:r>
+            <a:endParaRPr lang="zh-CN" altLang="en-US" dirty="0">
+              <a:cs typeface="Arial" panose="020B0704020202020204" pitchFamily="34" charset="0"/>
+            </a:endParaRPr>
+          </a:p>
+          <a:p>
+            <a:pPr lvl="0"/>
+            <a:r>
+              <a:rPr lang="zh-CN" altLang="en-US" dirty="0">
+                <a:cs typeface="Arial" panose="020B0704020202020204" pitchFamily="34" charset="0"/>
+              </a:rPr>
+              <a:t>		pop 资源管理</a:t>
+            </a:r>
+            <a:endParaRPr lang="zh-CN" altLang="en-US" dirty="0">
+              <a:cs typeface="Arial" panose="020B0704020202020204" pitchFamily="34" charset="0"/>
+            </a:endParaRPr>
+          </a:p>
+          <a:p>
+            <a:pPr lvl="0"/>
+            <a:r>
+              <a:rPr lang="zh-CN" altLang="en-US" dirty="0">
+                <a:cs typeface="Arial" panose="020B0704020202020204" pitchFamily="34" charset="0"/>
+              </a:rPr>
+              <a:t>		poc集群，3+n生产集群</a:t>
+            </a:r>
+            <a:endParaRPr lang="zh-CN" altLang="en-US" dirty="0">
+              <a:cs typeface="Arial" panose="020B0704020202020204" pitchFamily="34" charset="0"/>
+            </a:endParaRPr>
+          </a:p>
+          <a:p>
+            <a:pPr lvl="0"/>
+            <a:r>
+              <a:rPr lang="zh-CN" altLang="en-US" dirty="0">
+                <a:cs typeface="Arial" panose="020B0704020202020204" pitchFamily="34" charset="0"/>
+              </a:rPr>
+              <a:t>	租户编排</a:t>
+            </a:r>
+            <a:endParaRPr lang="zh-CN" altLang="en-US" dirty="0">
+              <a:cs typeface="Arial" panose="020B0704020202020204" pitchFamily="34" charset="0"/>
+            </a:endParaRPr>
+          </a:p>
+          <a:p>
+            <a:pPr lvl="0"/>
+            <a:r>
+              <a:rPr lang="zh-CN" altLang="en-US" dirty="0">
+                <a:cs typeface="Arial" panose="020B0704020202020204" pitchFamily="34" charset="0"/>
+              </a:rPr>
+              <a:t>		验证2000租户下瓶颈点</a:t>
+            </a:r>
+            <a:endParaRPr lang="zh-CN" altLang="en-US" dirty="0">
+              <a:cs typeface="Arial" panose="020B0704020202020204" pitchFamily="34" charset="0"/>
+            </a:endParaRPr>
+          </a:p>
+          <a:p>
+            <a:pPr lvl="0"/>
+            <a:r>
+              <a:rPr lang="zh-CN" altLang="en-US" dirty="0">
+                <a:cs typeface="Arial" panose="020B0704020202020204" pitchFamily="34" charset="0"/>
+              </a:rPr>
+              <a:t>			磁盘IO</a:t>
+            </a:r>
+            <a:endParaRPr lang="zh-CN" altLang="en-US" dirty="0">
+              <a:cs typeface="Arial" panose="020B0704020202020204" pitchFamily="34" charset="0"/>
+            </a:endParaRPr>
+          </a:p>
+          <a:p>
+            <a:pPr lvl="0"/>
+            <a:r>
+              <a:rPr lang="zh-CN" altLang="en-US" dirty="0">
+                <a:cs typeface="Arial" panose="020B0704020202020204" pitchFamily="34" charset="0"/>
+              </a:rPr>
+              <a:t>			控制面扩展能力</a:t>
+            </a:r>
+            <a:endParaRPr lang="zh-CN" altLang="en-US" dirty="0">
+              <a:cs typeface="Arial" panose="020B0704020202020204" pitchFamily="34" charset="0"/>
+            </a:endParaRPr>
+          </a:p>
+          <a:p>
+            <a:pPr lvl="0"/>
+            <a:r>
+              <a:rPr lang="zh-CN" altLang="en-US" dirty="0">
+                <a:cs typeface="Arial" panose="020B0704020202020204" pitchFamily="34" charset="0"/>
+              </a:rPr>
+              <a:t>			fwaas的控制线程 1 : 12</a:t>
+            </a:r>
+            <a:endParaRPr lang="zh-CN" altLang="en-US" dirty="0">
+              <a:cs typeface="Arial" panose="020B0704020202020204" pitchFamily="34" charset="0"/>
+            </a:endParaRPr>
+          </a:p>
+          <a:p>
+            <a:pPr lvl="0"/>
+            <a:r>
+              <a:rPr lang="zh-CN" altLang="en-US" dirty="0">
+                <a:cs typeface="Arial" panose="020B0704020202020204" pitchFamily="34" charset="0"/>
+              </a:rPr>
+              <a:t>		租户编排宏观诊断工具</a:t>
+            </a:r>
+            <a:endParaRPr lang="zh-CN" altLang="en-US" dirty="0">
+              <a:cs typeface="Arial" panose="020B0704020202020204" pitchFamily="34" charset="0"/>
+            </a:endParaRPr>
+          </a:p>
+          <a:p>
+            <a:pPr lvl="0"/>
+            <a:endParaRPr lang="zh-CN" altLang="en-US" dirty="0">
+              <a:cs typeface="Arial" panose="020B0704020202020204" pitchFamily="34" charset="0"/>
+            </a:endParaRPr>
+          </a:p>
+          <a:p>
+            <a:pPr lvl="0"/>
+            <a:r>
+              <a:rPr lang="zh-CN" altLang="en-US" dirty="0">
+                <a:cs typeface="Arial" panose="020B0704020202020204" pitchFamily="34" charset="0"/>
+              </a:rPr>
+              <a:t>至今 轻量化托管PoP标准化</a:t>
+            </a:r>
+            <a:endParaRPr lang="zh-CN" altLang="en-US" dirty="0">
+              <a:cs typeface="Arial" panose="020B0704020202020204" pitchFamily="34" charset="0"/>
+            </a:endParaRPr>
+          </a:p>
+          <a:p>
+            <a:pPr lvl="0"/>
+            <a:r>
+              <a:rPr lang="zh-CN" altLang="en-US" dirty="0">
+                <a:cs typeface="Arial" panose="020B0704020202020204" pitchFamily="34" charset="0"/>
+              </a:rPr>
+              <a:t>	场景</a:t>
+            </a:r>
+            <a:endParaRPr lang="zh-CN" altLang="en-US" dirty="0">
+              <a:cs typeface="Arial" panose="020B0704020202020204" pitchFamily="34" charset="0"/>
+            </a:endParaRPr>
+          </a:p>
+          <a:p>
+            <a:pPr lvl="0"/>
+            <a:r>
+              <a:rPr lang="zh-CN" altLang="en-US" dirty="0">
+                <a:cs typeface="Arial" panose="020B0704020202020204" pitchFamily="34" charset="0"/>
+              </a:rPr>
+              <a:t>		HCI：武汉轻量化pop</a:t>
+            </a:r>
+            <a:endParaRPr lang="zh-CN" altLang="en-US" dirty="0">
+              <a:cs typeface="Arial" panose="020B0704020202020204" pitchFamily="34" charset="0"/>
+            </a:endParaRPr>
+          </a:p>
+          <a:p>
+            <a:pPr lvl="0"/>
+            <a:r>
+              <a:rPr lang="zh-CN" altLang="en-US" dirty="0">
+                <a:cs typeface="Arial" panose="020B0704020202020204" pitchFamily="34" charset="0"/>
+              </a:rPr>
+              <a:t>		VMWare：塞柏特vmware轻量化pop</a:t>
+            </a:r>
+            <a:endParaRPr lang="zh-CN" altLang="en-US" dirty="0">
+              <a:cs typeface="Arial" panose="020B0704020202020204" pitchFamily="34" charset="0"/>
+            </a:endParaRPr>
+          </a:p>
+          <a:p>
+            <a:pPr lvl="0"/>
+            <a:r>
+              <a:rPr lang="zh-CN" altLang="en-US" dirty="0">
+                <a:cs typeface="Arial" panose="020B0704020202020204" pitchFamily="34" charset="0"/>
+              </a:rPr>
+              <a:t>		公有云</a:t>
+            </a:r>
+            <a:endParaRPr lang="zh-CN" altLang="en-US" dirty="0">
+              <a:cs typeface="Arial" panose="020B0704020202020204" pitchFamily="34" charset="0"/>
+            </a:endParaRPr>
+          </a:p>
+          <a:p>
+            <a:pPr lvl="0"/>
+            <a:r>
+              <a:rPr lang="zh-CN" altLang="en-US" dirty="0">
+                <a:cs typeface="Arial" panose="020B0704020202020204" pitchFamily="34" charset="0"/>
+              </a:rPr>
+              <a:t>	易部署工程化</a:t>
+            </a:r>
+            <a:endParaRPr lang="zh-CN" altLang="en-US" dirty="0">
+              <a:cs typeface="Arial" panose="020B0704020202020204" pitchFamily="34" charset="0"/>
+            </a:endParaRPr>
+          </a:p>
+          <a:p>
+            <a:pPr lvl="0"/>
+            <a:r>
+              <a:rPr lang="zh-CN" altLang="en-US" dirty="0">
+                <a:cs typeface="Arial" panose="020B0704020202020204" pitchFamily="34" charset="0"/>
+              </a:rPr>
+              <a:t>		支持公有云部署</a:t>
+            </a:r>
+            <a:endParaRPr lang="zh-CN" altLang="en-US" dirty="0">
+              <a:cs typeface="Arial" panose="020B0704020202020204" pitchFamily="34" charset="0"/>
+            </a:endParaRPr>
+          </a:p>
+          <a:p>
+            <a:pPr lvl="0"/>
+            <a:r>
+              <a:rPr lang="zh-CN" altLang="en-US" dirty="0">
+                <a:cs typeface="Arial" panose="020B0704020202020204" pitchFamily="34" charset="0"/>
+              </a:rPr>
+              <a:t>		对接中心端与升级平台</a:t>
+            </a:r>
+            <a:endParaRPr lang="zh-CN" altLang="en-US" dirty="0">
+              <a:cs typeface="Arial" panose="020B0704020202020204" pitchFamily="34" charset="0"/>
+            </a:endParaRPr>
+          </a:p>
+          <a:p>
+            <a:pPr lvl="0"/>
+            <a:r>
+              <a:rPr lang="zh-CN" altLang="en-US" dirty="0">
+                <a:cs typeface="Arial" panose="020B0704020202020204" pitchFamily="34" charset="0"/>
+              </a:rPr>
+              <a:t>		配置接入组件</a:t>
+            </a:r>
+            <a:endParaRPr lang="zh-CN" altLang="en-US" dirty="0">
+              <a:cs typeface="Arial" panose="020B0704020202020204" pitchFamily="34" charset="0"/>
+            </a:endParaRPr>
+          </a:p>
+          <a:p>
+            <a:pPr lvl="0"/>
+            <a:r>
+              <a:rPr lang="zh-CN" altLang="en-US" dirty="0">
+                <a:cs typeface="Arial" panose="020B0704020202020204" pitchFamily="34" charset="0"/>
+              </a:rPr>
+              <a:t>	监控与报警</a:t>
+            </a:r>
+            <a:endParaRPr lang="zh-CN" altLang="en-US" dirty="0">
+              <a:cs typeface="Arial" panose="020B0704020202020204" pitchFamily="34" charset="0"/>
+            </a:endParaRPr>
+          </a:p>
+          <a:p>
+            <a:pPr lvl="0"/>
+            <a:r>
+              <a:rPr lang="zh-CN" altLang="en-US" dirty="0">
+                <a:cs typeface="Arial" panose="020B0704020202020204" pitchFamily="34" charset="0"/>
+              </a:rPr>
+              <a:t>		磁盘IO 与 磁盘吞吐</a:t>
+            </a:r>
+            <a:endParaRPr lang="zh-CN" altLang="en-US" dirty="0">
+              <a:cs typeface="Arial" panose="020B0704020202020204" pitchFamily="34" charset="0"/>
+            </a:endParaRPr>
+          </a:p>
+          <a:p>
+            <a:pPr lvl="0"/>
+            <a:r>
+              <a:rPr lang="zh-CN" altLang="en-US" dirty="0">
+                <a:cs typeface="Arial" panose="020B0704020202020204" pitchFamily="34" charset="0"/>
+              </a:rPr>
+              <a:t>		控制面事件队列</a:t>
+            </a:r>
             <a:endParaRPr lang="zh-CN" altLang="en-US" dirty="0">
               <a:ea typeface="Arial" panose="020B0704020202020204" pitchFamily="34" charset="0"/>
             </a:endParaRPr>
@@ -3438,7 +5638,7 @@
       <p:grpSpPr/>
       <p:sp>
         <p:nvSpPr>
-          <p:cNvPr id="23554" name="幻灯片图像占位符 23553"/>
+          <p:cNvPr id="9218" name="幻灯片图像占位符 9217"/>
           <p:cNvSpPr>
             <a:spLocks noGrp="1"/>
           </p:cNvSpPr>
@@ -3452,7 +5652,7 @@
       </p:sp>
       <p:sp>
         <p:nvSpPr>
-          <p:cNvPr id="23555" name="文本占位符 23554"/>
+          <p:cNvPr id="9219" name="文本占位符 9218"/>
           <p:cNvSpPr>
             <a:spLocks noGrp="1"/>
           </p:cNvSpPr>
@@ -3467,74 +5667,426 @@
           <a:bodyPr anchor="ctr" anchorCtr="0"/>
           <a:p>
             <a:pPr lvl="0"/>
-            <a:endParaRPr lang="zh-CN" altLang="en-US" dirty="0">
-              <a:ea typeface="宋体" pitchFamily="2" charset="-122"/>
-            </a:endParaRPr>
-          </a:p>
-          <a:p>
-            <a:pPr lvl="0"/>
-            <a:r>
-              <a:rPr lang="zh-CN" altLang="en-US"/>
-              <a:t>在这个对比图里，我们应该把</a:t>
-            </a:r>
-            <a:r>
-              <a:rPr lang="en-US" altLang="zh-CN"/>
-              <a:t> Docker </a:t>
-            </a:r>
-            <a:r>
-              <a:rPr lang="zh-CN" altLang="en-US"/>
-              <a:t>画在跟应用同级别并且靠边的位置。这意味着，用户运行在容器里的应用进程，跟宿主机上的其他进程一样，都由宿主机操作系统统一管理，只不过这些被隔离的进程拥有额外设置过的</a:t>
-            </a:r>
-            <a:r>
-              <a:rPr lang="en-US" altLang="zh-CN"/>
-              <a:t> Namespace </a:t>
-            </a:r>
-            <a:r>
-              <a:rPr lang="zh-CN" altLang="en-US"/>
-              <a:t>参数。而</a:t>
-            </a:r>
-            <a:r>
-              <a:rPr lang="en-US" altLang="zh-CN"/>
-              <a:t> Docker </a:t>
-            </a:r>
-            <a:r>
-              <a:rPr lang="zh-CN" altLang="en-US"/>
-              <a:t>项目在这里扮演的角色，更多的是旁路式的辅助和管理工作。</a:t>
-            </a:r>
-            <a:endParaRPr lang="zh-CN" altLang="en-US"/>
-          </a:p>
-          <a:p>
-            <a:pPr lvl="0"/>
-            <a:endParaRPr lang="zh-CN" altLang="en-US" dirty="0">
-              <a:ea typeface="宋体" pitchFamily="2" charset="-122"/>
-            </a:endParaRPr>
-          </a:p>
-          <a:p>
-            <a:pPr lvl="0"/>
-            <a:endParaRPr lang="zh-CN" altLang="en-US" dirty="0">
-              <a:ea typeface="宋体" pitchFamily="2" charset="-122"/>
-            </a:endParaRPr>
-          </a:p>
-          <a:p>
-            <a:pPr lvl="0"/>
-            <a:endParaRPr lang="zh-CN" altLang="en-US" dirty="0">
-              <a:ea typeface="宋体" pitchFamily="2" charset="-122"/>
-            </a:endParaRPr>
-          </a:p>
-          <a:p>
-            <a:pPr lvl="0"/>
-            <a:endParaRPr lang="zh-CN" altLang="en-US" dirty="0">
-              <a:cs typeface="Arial" panose="020B0704020202020204" pitchFamily="34" charset="0"/>
-            </a:endParaRPr>
-          </a:p>
-          <a:p>
-            <a:pPr lvl="0"/>
-            <a:endParaRPr lang="zh-CN" altLang="en-US" dirty="0">
-              <a:cs typeface="Arial" panose="020B0704020202020204" pitchFamily="34" charset="0"/>
-            </a:endParaRPr>
-          </a:p>
-          <a:p>
-            <a:pPr lvl="0"/>
+            <a:r>
+              <a:rPr lang="zh-CN" altLang="en-US" dirty="0">
+                <a:cs typeface="Arial" panose="020B0704020202020204" pitchFamily="34" charset="0"/>
+              </a:rPr>
+              <a:t>4.26 熟悉SASE</a:t>
+            </a:r>
+            <a:endParaRPr lang="zh-CN" altLang="en-US" dirty="0">
+              <a:cs typeface="Arial" panose="020B0704020202020204" pitchFamily="34" charset="0"/>
+            </a:endParaRPr>
+          </a:p>
+          <a:p>
+            <a:pPr lvl="0"/>
+            <a:r>
+              <a:rPr lang="zh-CN" altLang="en-US" dirty="0">
+                <a:cs typeface="Arial" panose="020B0704020202020204" pitchFamily="34" charset="0"/>
+              </a:rPr>
+              <a:t>- 熟悉SASE产品（）</a:t>
+            </a:r>
+            <a:endParaRPr lang="zh-CN" altLang="en-US" dirty="0">
+              <a:cs typeface="Arial" panose="020B0704020202020204" pitchFamily="34" charset="0"/>
+            </a:endParaRPr>
+          </a:p>
+          <a:p>
+            <a:pPr lvl="0"/>
+            <a:r>
+              <a:rPr lang="zh-CN" altLang="en-US" dirty="0">
+                <a:cs typeface="Arial" panose="020B0704020202020204" pitchFamily="34" charset="0"/>
+              </a:rPr>
+              <a:t>- 学习SASE整体架构与组件 （）</a:t>
+            </a:r>
+            <a:endParaRPr lang="zh-CN" altLang="en-US" dirty="0">
+              <a:cs typeface="Arial" panose="020B0704020202020204" pitchFamily="34" charset="0"/>
+            </a:endParaRPr>
+          </a:p>
+          <a:p>
+            <a:pPr lvl="0"/>
+            <a:r>
+              <a:rPr lang="zh-CN" altLang="en-US" dirty="0">
+                <a:cs typeface="Arial" panose="020B0704020202020204" pitchFamily="34" charset="0"/>
+              </a:rPr>
+              <a:t>- 熟悉fwaas CI流程</a:t>
+            </a:r>
+            <a:endParaRPr lang="zh-CN" altLang="en-US" dirty="0">
+              <a:cs typeface="Arial" panose="020B0704020202020204" pitchFamily="34" charset="0"/>
+            </a:endParaRPr>
+          </a:p>
+          <a:p>
+            <a:pPr lvl="0"/>
+            <a:r>
+              <a:rPr lang="zh-CN" altLang="en-US" dirty="0">
+                <a:cs typeface="Arial" panose="020B0704020202020204" pitchFamily="34" charset="0"/>
+              </a:rPr>
+              <a:t>- 支持Fwaas流水线多feature分支出包特性</a:t>
+            </a:r>
+            <a:endParaRPr lang="zh-CN" altLang="en-US" dirty="0">
+              <a:cs typeface="Arial" panose="020B0704020202020204" pitchFamily="34" charset="0"/>
+            </a:endParaRPr>
+          </a:p>
+          <a:p>
+            <a:pPr lvl="0"/>
+            <a:endParaRPr lang="zh-CN" altLang="en-US" dirty="0">
+              <a:cs typeface="Arial" panose="020B0704020202020204" pitchFamily="34" charset="0"/>
+            </a:endParaRPr>
+          </a:p>
+          <a:p>
+            <a:pPr lvl="0"/>
+            <a:r>
+              <a:rPr lang="zh-CN" altLang="en-US" dirty="0">
+                <a:cs typeface="Arial" panose="020B0704020202020204" pitchFamily="34" charset="0"/>
+              </a:rPr>
+              <a:t>5.30  SASE部署</a:t>
+            </a:r>
+            <a:endParaRPr lang="zh-CN" altLang="en-US" dirty="0">
+              <a:cs typeface="Arial" panose="020B0704020202020204" pitchFamily="34" charset="0"/>
+            </a:endParaRPr>
+          </a:p>
+          <a:p>
+            <a:pPr lvl="0"/>
+            <a:r>
+              <a:rPr lang="zh-CN" altLang="en-US" dirty="0">
+                <a:cs typeface="Arial" panose="020B0704020202020204" pitchFamily="34" charset="0"/>
+              </a:rPr>
+              <a:t>	学习PoP点搭建</a:t>
+            </a:r>
+            <a:endParaRPr lang="zh-CN" altLang="en-US" dirty="0">
+              <a:cs typeface="Arial" panose="020B0704020202020204" pitchFamily="34" charset="0"/>
+            </a:endParaRPr>
+          </a:p>
+          <a:p>
+            <a:pPr lvl="0"/>
+            <a:r>
+              <a:rPr lang="zh-CN" altLang="en-US" dirty="0">
+                <a:cs typeface="Arial" panose="020B0704020202020204" pitchFamily="34" charset="0"/>
+              </a:rPr>
+              <a:t>	设计sase安装工程</a:t>
+            </a:r>
+            <a:endParaRPr lang="zh-CN" altLang="en-US" dirty="0">
+              <a:cs typeface="Arial" panose="020B0704020202020204" pitchFamily="34" charset="0"/>
+            </a:endParaRPr>
+          </a:p>
+          <a:p>
+            <a:pPr lvl="0"/>
+            <a:r>
+              <a:rPr lang="zh-CN" altLang="en-US" dirty="0">
+                <a:cs typeface="Arial" panose="020B0704020202020204" pitchFamily="34" charset="0"/>
+              </a:rPr>
+              <a:t>	构建popsprite工程CI/CD</a:t>
+            </a:r>
+            <a:endParaRPr lang="zh-CN" altLang="en-US" dirty="0">
+              <a:cs typeface="Arial" panose="020B0704020202020204" pitchFamily="34" charset="0"/>
+            </a:endParaRPr>
+          </a:p>
+          <a:p>
+            <a:pPr lvl="0"/>
+            <a:r>
+              <a:rPr lang="zh-CN" altLang="en-US" dirty="0">
+                <a:cs typeface="Arial" panose="020B0704020202020204" pitchFamily="34" charset="0"/>
+              </a:rPr>
+              <a:t>	pop控制器解决中间件问题</a:t>
+            </a:r>
+            <a:endParaRPr lang="zh-CN" altLang="en-US" dirty="0">
+              <a:cs typeface="Arial" panose="020B0704020202020204" pitchFamily="34" charset="0"/>
+            </a:endParaRPr>
+          </a:p>
+          <a:p>
+            <a:pPr lvl="0"/>
+            <a:endParaRPr lang="zh-CN" altLang="en-US" dirty="0">
+              <a:cs typeface="Arial" panose="020B0704020202020204" pitchFamily="34" charset="0"/>
+            </a:endParaRPr>
+          </a:p>
+          <a:p>
+            <a:pPr lvl="0"/>
+            <a:r>
+              <a:rPr lang="zh-CN" altLang="en-US" dirty="0">
+                <a:cs typeface="Arial" panose="020B0704020202020204" pitchFamily="34" charset="0"/>
+              </a:rPr>
+              <a:t>6.30  轻量化托管PoP</a:t>
+            </a:r>
+            <a:endParaRPr lang="zh-CN" altLang="en-US" dirty="0">
+              <a:cs typeface="Arial" panose="020B0704020202020204" pitchFamily="34" charset="0"/>
+            </a:endParaRPr>
+          </a:p>
+          <a:p>
+            <a:pPr lvl="0"/>
+            <a:r>
+              <a:rPr lang="zh-CN" altLang="en-US" dirty="0">
+                <a:cs typeface="Arial" panose="020B0704020202020204" pitchFamily="34" charset="0"/>
+              </a:rPr>
+              <a:t>	易部署工程化：对内解决环境不稳定，不够用的情况</a:t>
+            </a:r>
+            <a:endParaRPr lang="zh-CN" altLang="en-US" dirty="0">
+              <a:cs typeface="Arial" panose="020B0704020202020204" pitchFamily="34" charset="0"/>
+            </a:endParaRPr>
+          </a:p>
+          <a:p>
+            <a:pPr lvl="0"/>
+            <a:r>
+              <a:rPr lang="zh-CN" altLang="en-US" dirty="0">
+                <a:cs typeface="Arial" panose="020B0704020202020204" pitchFamily="34" charset="0"/>
+              </a:rPr>
+              <a:t>	pop场景支撑</a:t>
+            </a:r>
+            <a:endParaRPr lang="zh-CN" altLang="en-US" dirty="0">
+              <a:cs typeface="Arial" panose="020B0704020202020204" pitchFamily="34" charset="0"/>
+            </a:endParaRPr>
+          </a:p>
+          <a:p>
+            <a:pPr lvl="0"/>
+            <a:r>
+              <a:rPr lang="zh-CN" altLang="en-US" dirty="0">
+                <a:cs typeface="Arial" panose="020B0704020202020204" pitchFamily="34" charset="0"/>
+              </a:rPr>
+              <a:t>		pop 节点扩展</a:t>
+            </a:r>
+            <a:endParaRPr lang="zh-CN" altLang="en-US" dirty="0">
+              <a:cs typeface="Arial" panose="020B0704020202020204" pitchFamily="34" charset="0"/>
+            </a:endParaRPr>
+          </a:p>
+          <a:p>
+            <a:pPr lvl="0"/>
+            <a:r>
+              <a:rPr lang="zh-CN" altLang="en-US" dirty="0">
+                <a:cs typeface="Arial" panose="020B0704020202020204" pitchFamily="34" charset="0"/>
+              </a:rPr>
+              <a:t>		pop 资源管理</a:t>
+            </a:r>
+            <a:endParaRPr lang="zh-CN" altLang="en-US" dirty="0">
+              <a:cs typeface="Arial" panose="020B0704020202020204" pitchFamily="34" charset="0"/>
+            </a:endParaRPr>
+          </a:p>
+          <a:p>
+            <a:pPr lvl="0"/>
+            <a:r>
+              <a:rPr lang="zh-CN" altLang="en-US" dirty="0">
+                <a:cs typeface="Arial" panose="020B0704020202020204" pitchFamily="34" charset="0"/>
+              </a:rPr>
+              <a:t>		poc集群，3+n生产集群</a:t>
+            </a:r>
+            <a:endParaRPr lang="zh-CN" altLang="en-US" dirty="0">
+              <a:cs typeface="Arial" panose="020B0704020202020204" pitchFamily="34" charset="0"/>
+            </a:endParaRPr>
+          </a:p>
+          <a:p>
+            <a:pPr lvl="0"/>
+            <a:r>
+              <a:rPr lang="zh-CN" altLang="en-US" dirty="0">
+                <a:cs typeface="Arial" panose="020B0704020202020204" pitchFamily="34" charset="0"/>
+              </a:rPr>
+              <a:t>	租户编排</a:t>
+            </a:r>
+            <a:endParaRPr lang="zh-CN" altLang="en-US" dirty="0">
+              <a:cs typeface="Arial" panose="020B0704020202020204" pitchFamily="34" charset="0"/>
+            </a:endParaRPr>
+          </a:p>
+          <a:p>
+            <a:pPr lvl="0"/>
+            <a:r>
+              <a:rPr lang="zh-CN" altLang="en-US" dirty="0">
+                <a:cs typeface="Arial" panose="020B0704020202020204" pitchFamily="34" charset="0"/>
+              </a:rPr>
+              <a:t>		验证2000租户下瓶颈点</a:t>
+            </a:r>
+            <a:endParaRPr lang="zh-CN" altLang="en-US" dirty="0">
+              <a:cs typeface="Arial" panose="020B0704020202020204" pitchFamily="34" charset="0"/>
+            </a:endParaRPr>
+          </a:p>
+          <a:p>
+            <a:pPr lvl="0"/>
+            <a:r>
+              <a:rPr lang="zh-CN" altLang="en-US" dirty="0">
+                <a:cs typeface="Arial" panose="020B0704020202020204" pitchFamily="34" charset="0"/>
+              </a:rPr>
+              <a:t>			磁盘IO</a:t>
+            </a:r>
+            <a:endParaRPr lang="zh-CN" altLang="en-US" dirty="0">
+              <a:cs typeface="Arial" panose="020B0704020202020204" pitchFamily="34" charset="0"/>
+            </a:endParaRPr>
+          </a:p>
+          <a:p>
+            <a:pPr lvl="0"/>
+            <a:r>
+              <a:rPr lang="zh-CN" altLang="en-US" dirty="0">
+                <a:cs typeface="Arial" panose="020B0704020202020204" pitchFamily="34" charset="0"/>
+              </a:rPr>
+              <a:t>			控制面扩展能力</a:t>
+            </a:r>
+            <a:endParaRPr lang="zh-CN" altLang="en-US" dirty="0">
+              <a:cs typeface="Arial" panose="020B0704020202020204" pitchFamily="34" charset="0"/>
+            </a:endParaRPr>
+          </a:p>
+          <a:p>
+            <a:pPr lvl="0"/>
+            <a:r>
+              <a:rPr lang="zh-CN" altLang="en-US" dirty="0">
+                <a:cs typeface="Arial" panose="020B0704020202020204" pitchFamily="34" charset="0"/>
+              </a:rPr>
+              <a:t>			fwaas的控制线程 1 : 12</a:t>
+            </a:r>
+            <a:endParaRPr lang="zh-CN" altLang="en-US" dirty="0">
+              <a:cs typeface="Arial" panose="020B0704020202020204" pitchFamily="34" charset="0"/>
+            </a:endParaRPr>
+          </a:p>
+          <a:p>
+            <a:pPr lvl="0"/>
+            <a:r>
+              <a:rPr lang="zh-CN" altLang="en-US" dirty="0">
+                <a:cs typeface="Arial" panose="020B0704020202020204" pitchFamily="34" charset="0"/>
+              </a:rPr>
+              <a:t>		租户编排宏观诊断工具</a:t>
+            </a:r>
+            <a:endParaRPr lang="zh-CN" altLang="en-US" dirty="0">
+              <a:cs typeface="Arial" panose="020B0704020202020204" pitchFamily="34" charset="0"/>
+            </a:endParaRPr>
+          </a:p>
+          <a:p>
+            <a:pPr lvl="0"/>
+            <a:endParaRPr lang="zh-CN" altLang="en-US" dirty="0">
+              <a:cs typeface="Arial" panose="020B0704020202020204" pitchFamily="34" charset="0"/>
+            </a:endParaRPr>
+          </a:p>
+          <a:p>
+            <a:pPr lvl="0"/>
+            <a:r>
+              <a:rPr lang="zh-CN" altLang="en-US" dirty="0">
+                <a:cs typeface="Arial" panose="020B0704020202020204" pitchFamily="34" charset="0"/>
+              </a:rPr>
+              <a:t>至今 轻量化托管PoP标准化</a:t>
+            </a:r>
+            <a:endParaRPr lang="zh-CN" altLang="en-US" dirty="0">
+              <a:cs typeface="Arial" panose="020B0704020202020204" pitchFamily="34" charset="0"/>
+            </a:endParaRPr>
+          </a:p>
+          <a:p>
+            <a:pPr lvl="0"/>
+            <a:r>
+              <a:rPr lang="zh-CN" altLang="en-US" dirty="0">
+                <a:cs typeface="Arial" panose="020B0704020202020204" pitchFamily="34" charset="0"/>
+              </a:rPr>
+              <a:t>	场景</a:t>
+            </a:r>
+            <a:endParaRPr lang="zh-CN" altLang="en-US" dirty="0">
+              <a:cs typeface="Arial" panose="020B0704020202020204" pitchFamily="34" charset="0"/>
+            </a:endParaRPr>
+          </a:p>
+          <a:p>
+            <a:pPr lvl="0"/>
+            <a:r>
+              <a:rPr lang="zh-CN" altLang="en-US" dirty="0">
+                <a:cs typeface="Arial" panose="020B0704020202020204" pitchFamily="34" charset="0"/>
+              </a:rPr>
+              <a:t>		HCI：武汉轻量化pop</a:t>
+            </a:r>
+            <a:endParaRPr lang="zh-CN" altLang="en-US" dirty="0">
+              <a:cs typeface="Arial" panose="020B0704020202020204" pitchFamily="34" charset="0"/>
+            </a:endParaRPr>
+          </a:p>
+          <a:p>
+            <a:pPr lvl="0"/>
+            <a:r>
+              <a:rPr lang="zh-CN" altLang="en-US" dirty="0">
+                <a:cs typeface="Arial" panose="020B0704020202020204" pitchFamily="34" charset="0"/>
+              </a:rPr>
+              <a:t>		VMWare：塞柏特vmware轻量化pop</a:t>
+            </a:r>
+            <a:endParaRPr lang="zh-CN" altLang="en-US" dirty="0">
+              <a:cs typeface="Arial" panose="020B0704020202020204" pitchFamily="34" charset="0"/>
+            </a:endParaRPr>
+          </a:p>
+          <a:p>
+            <a:pPr lvl="0"/>
+            <a:r>
+              <a:rPr lang="zh-CN" altLang="en-US" dirty="0">
+                <a:cs typeface="Arial" panose="020B0704020202020204" pitchFamily="34" charset="0"/>
+              </a:rPr>
+              <a:t>		公有云</a:t>
+            </a:r>
+            <a:endParaRPr lang="zh-CN" altLang="en-US" dirty="0">
+              <a:cs typeface="Arial" panose="020B0704020202020204" pitchFamily="34" charset="0"/>
+            </a:endParaRPr>
+          </a:p>
+          <a:p>
+            <a:pPr lvl="0"/>
+            <a:r>
+              <a:rPr lang="zh-CN" altLang="en-US" dirty="0">
+                <a:cs typeface="Arial" panose="020B0704020202020204" pitchFamily="34" charset="0"/>
+              </a:rPr>
+              <a:t>	易部署工程化</a:t>
+            </a:r>
+            <a:endParaRPr lang="zh-CN" altLang="en-US" dirty="0">
+              <a:cs typeface="Arial" panose="020B0704020202020204" pitchFamily="34" charset="0"/>
+            </a:endParaRPr>
+          </a:p>
+          <a:p>
+            <a:pPr lvl="0"/>
+            <a:r>
+              <a:rPr lang="zh-CN" altLang="en-US" dirty="0">
+                <a:cs typeface="Arial" panose="020B0704020202020204" pitchFamily="34" charset="0"/>
+              </a:rPr>
+              <a:t>		支持公有云部署</a:t>
+            </a:r>
+            <a:endParaRPr lang="zh-CN" altLang="en-US" dirty="0">
+              <a:cs typeface="Arial" panose="020B0704020202020204" pitchFamily="34" charset="0"/>
+            </a:endParaRPr>
+          </a:p>
+          <a:p>
+            <a:pPr lvl="0"/>
+            <a:r>
+              <a:rPr lang="zh-CN" altLang="en-US" dirty="0">
+                <a:cs typeface="Arial" panose="020B0704020202020204" pitchFamily="34" charset="0"/>
+              </a:rPr>
+              <a:t>		对接中心端与升级平台</a:t>
+            </a:r>
+            <a:endParaRPr lang="zh-CN" altLang="en-US" dirty="0">
+              <a:cs typeface="Arial" panose="020B0704020202020204" pitchFamily="34" charset="0"/>
+            </a:endParaRPr>
+          </a:p>
+          <a:p>
+            <a:pPr lvl="0"/>
+            <a:r>
+              <a:rPr lang="zh-CN" altLang="en-US" dirty="0">
+                <a:cs typeface="Arial" panose="020B0704020202020204" pitchFamily="34" charset="0"/>
+              </a:rPr>
+              <a:t>		配置接入组件</a:t>
+            </a:r>
+            <a:endParaRPr lang="zh-CN" altLang="en-US" dirty="0">
+              <a:cs typeface="Arial" panose="020B0704020202020204" pitchFamily="34" charset="0"/>
+            </a:endParaRPr>
+          </a:p>
+          <a:p>
+            <a:pPr lvl="0"/>
+            <a:r>
+              <a:rPr lang="zh-CN" altLang="en-US" dirty="0">
+                <a:cs typeface="Arial" panose="020B0704020202020204" pitchFamily="34" charset="0"/>
+              </a:rPr>
+              <a:t>	监控与报警</a:t>
+            </a:r>
+            <a:endParaRPr lang="zh-CN" altLang="en-US" dirty="0">
+              <a:cs typeface="Arial" panose="020B0704020202020204" pitchFamily="34" charset="0"/>
+            </a:endParaRPr>
+          </a:p>
+          <a:p>
+            <a:pPr lvl="0"/>
+            <a:r>
+              <a:rPr lang="zh-CN" altLang="en-US" dirty="0">
+                <a:cs typeface="Arial" panose="020B0704020202020204" pitchFamily="34" charset="0"/>
+              </a:rPr>
+              <a:t>		磁盘IO 与 磁盘吞吐</a:t>
+            </a:r>
+            <a:endParaRPr lang="zh-CN" altLang="en-US" dirty="0">
+              <a:cs typeface="Arial" panose="020B0704020202020204" pitchFamily="34" charset="0"/>
+            </a:endParaRPr>
+          </a:p>
+          <a:p>
+            <a:pPr lvl="0"/>
+            <a:r>
+              <a:rPr lang="zh-CN" altLang="en-US" dirty="0">
+                <a:cs typeface="Arial" panose="020B0704020202020204" pitchFamily="34" charset="0"/>
+              </a:rPr>
+              <a:t>		控制面事件队列</a:t>
+            </a:r>
             <a:endParaRPr lang="zh-CN" altLang="en-US" dirty="0">
               <a:ea typeface="Arial" panose="020B0704020202020204" pitchFamily="34" charset="0"/>
             </a:endParaRPr>
@@ -3569,7 +6121,7 @@
       <p:grpSpPr/>
       <p:sp>
         <p:nvSpPr>
-          <p:cNvPr id="23554" name="幻灯片图像占位符 23553"/>
+          <p:cNvPr id="9218" name="幻灯片图像占位符 9217"/>
           <p:cNvSpPr>
             <a:spLocks noGrp="1"/>
           </p:cNvSpPr>
@@ -3583,7 +6135,7 @@
       </p:sp>
       <p:sp>
         <p:nvSpPr>
-          <p:cNvPr id="23555" name="文本占位符 23554"/>
+          <p:cNvPr id="9219" name="文本占位符 9218"/>
           <p:cNvSpPr>
             <a:spLocks noGrp="1"/>
           </p:cNvSpPr>
@@ -3598,74 +6150,426 @@
           <a:bodyPr anchor="ctr" anchorCtr="0"/>
           <a:p>
             <a:pPr lvl="0"/>
-            <a:endParaRPr lang="zh-CN" altLang="en-US" dirty="0">
-              <a:ea typeface="宋体" pitchFamily="2" charset="-122"/>
-            </a:endParaRPr>
-          </a:p>
-          <a:p>
-            <a:pPr lvl="0"/>
-            <a:r>
-              <a:rPr lang="zh-CN" altLang="en-US"/>
-              <a:t>在这个对比图里，我们应该把</a:t>
-            </a:r>
-            <a:r>
-              <a:rPr lang="en-US" altLang="zh-CN"/>
-              <a:t> Docker </a:t>
-            </a:r>
-            <a:r>
-              <a:rPr lang="zh-CN" altLang="en-US"/>
-              <a:t>画在跟应用同级别并且靠边的位置。这意味着，用户运行在容器里的应用进程，跟宿主机上的其他进程一样，都由宿主机操作系统统一管理，只不过这些被隔离的进程拥有额外设置过的</a:t>
-            </a:r>
-            <a:r>
-              <a:rPr lang="en-US" altLang="zh-CN"/>
-              <a:t> Namespace </a:t>
-            </a:r>
-            <a:r>
-              <a:rPr lang="zh-CN" altLang="en-US"/>
-              <a:t>参数。而</a:t>
-            </a:r>
-            <a:r>
-              <a:rPr lang="en-US" altLang="zh-CN"/>
-              <a:t> Docker </a:t>
-            </a:r>
-            <a:r>
-              <a:rPr lang="zh-CN" altLang="en-US"/>
-              <a:t>项目在这里扮演的角色，更多的是旁路式的辅助和管理工作。</a:t>
-            </a:r>
-            <a:endParaRPr lang="zh-CN" altLang="en-US"/>
-          </a:p>
-          <a:p>
-            <a:pPr lvl="0"/>
-            <a:endParaRPr lang="zh-CN" altLang="en-US" dirty="0">
-              <a:ea typeface="宋体" pitchFamily="2" charset="-122"/>
-            </a:endParaRPr>
-          </a:p>
-          <a:p>
-            <a:pPr lvl="0"/>
-            <a:endParaRPr lang="zh-CN" altLang="en-US" dirty="0">
-              <a:ea typeface="宋体" pitchFamily="2" charset="-122"/>
-            </a:endParaRPr>
-          </a:p>
-          <a:p>
-            <a:pPr lvl="0"/>
-            <a:endParaRPr lang="zh-CN" altLang="en-US" dirty="0">
-              <a:ea typeface="宋体" pitchFamily="2" charset="-122"/>
-            </a:endParaRPr>
-          </a:p>
-          <a:p>
-            <a:pPr lvl="0"/>
-            <a:endParaRPr lang="zh-CN" altLang="en-US" dirty="0">
-              <a:cs typeface="Arial" panose="020B0704020202020204" pitchFamily="34" charset="0"/>
-            </a:endParaRPr>
-          </a:p>
-          <a:p>
-            <a:pPr lvl="0"/>
-            <a:endParaRPr lang="zh-CN" altLang="en-US" dirty="0">
-              <a:cs typeface="Arial" panose="020B0704020202020204" pitchFamily="34" charset="0"/>
-            </a:endParaRPr>
-          </a:p>
-          <a:p>
-            <a:pPr lvl="0"/>
+            <a:r>
+              <a:rPr lang="zh-CN" altLang="en-US" dirty="0">
+                <a:cs typeface="Arial" panose="020B0704020202020204" pitchFamily="34" charset="0"/>
+              </a:rPr>
+              <a:t>4.26 熟悉SASE</a:t>
+            </a:r>
+            <a:endParaRPr lang="zh-CN" altLang="en-US" dirty="0">
+              <a:cs typeface="Arial" panose="020B0704020202020204" pitchFamily="34" charset="0"/>
+            </a:endParaRPr>
+          </a:p>
+          <a:p>
+            <a:pPr lvl="0"/>
+            <a:r>
+              <a:rPr lang="zh-CN" altLang="en-US" dirty="0">
+                <a:cs typeface="Arial" panose="020B0704020202020204" pitchFamily="34" charset="0"/>
+              </a:rPr>
+              <a:t>- 熟悉SASE产品（）</a:t>
+            </a:r>
+            <a:endParaRPr lang="zh-CN" altLang="en-US" dirty="0">
+              <a:cs typeface="Arial" panose="020B0704020202020204" pitchFamily="34" charset="0"/>
+            </a:endParaRPr>
+          </a:p>
+          <a:p>
+            <a:pPr lvl="0"/>
+            <a:r>
+              <a:rPr lang="zh-CN" altLang="en-US" dirty="0">
+                <a:cs typeface="Arial" panose="020B0704020202020204" pitchFamily="34" charset="0"/>
+              </a:rPr>
+              <a:t>- 学习SASE整体架构与组件 （）</a:t>
+            </a:r>
+            <a:endParaRPr lang="zh-CN" altLang="en-US" dirty="0">
+              <a:cs typeface="Arial" panose="020B0704020202020204" pitchFamily="34" charset="0"/>
+            </a:endParaRPr>
+          </a:p>
+          <a:p>
+            <a:pPr lvl="0"/>
+            <a:r>
+              <a:rPr lang="zh-CN" altLang="en-US" dirty="0">
+                <a:cs typeface="Arial" panose="020B0704020202020204" pitchFamily="34" charset="0"/>
+              </a:rPr>
+              <a:t>- 熟悉fwaas CI流程</a:t>
+            </a:r>
+            <a:endParaRPr lang="zh-CN" altLang="en-US" dirty="0">
+              <a:cs typeface="Arial" panose="020B0704020202020204" pitchFamily="34" charset="0"/>
+            </a:endParaRPr>
+          </a:p>
+          <a:p>
+            <a:pPr lvl="0"/>
+            <a:r>
+              <a:rPr lang="zh-CN" altLang="en-US" dirty="0">
+                <a:cs typeface="Arial" panose="020B0704020202020204" pitchFamily="34" charset="0"/>
+              </a:rPr>
+              <a:t>- 支持Fwaas流水线多feature分支出包特性</a:t>
+            </a:r>
+            <a:endParaRPr lang="zh-CN" altLang="en-US" dirty="0">
+              <a:cs typeface="Arial" panose="020B0704020202020204" pitchFamily="34" charset="0"/>
+            </a:endParaRPr>
+          </a:p>
+          <a:p>
+            <a:pPr lvl="0"/>
+            <a:endParaRPr lang="zh-CN" altLang="en-US" dirty="0">
+              <a:cs typeface="Arial" panose="020B0704020202020204" pitchFamily="34" charset="0"/>
+            </a:endParaRPr>
+          </a:p>
+          <a:p>
+            <a:pPr lvl="0"/>
+            <a:r>
+              <a:rPr lang="zh-CN" altLang="en-US" dirty="0">
+                <a:cs typeface="Arial" panose="020B0704020202020204" pitchFamily="34" charset="0"/>
+              </a:rPr>
+              <a:t>5.30  SASE部署</a:t>
+            </a:r>
+            <a:endParaRPr lang="zh-CN" altLang="en-US" dirty="0">
+              <a:cs typeface="Arial" panose="020B0704020202020204" pitchFamily="34" charset="0"/>
+            </a:endParaRPr>
+          </a:p>
+          <a:p>
+            <a:pPr lvl="0"/>
+            <a:r>
+              <a:rPr lang="zh-CN" altLang="en-US" dirty="0">
+                <a:cs typeface="Arial" panose="020B0704020202020204" pitchFamily="34" charset="0"/>
+              </a:rPr>
+              <a:t>	学习PoP点搭建</a:t>
+            </a:r>
+            <a:endParaRPr lang="zh-CN" altLang="en-US" dirty="0">
+              <a:cs typeface="Arial" panose="020B0704020202020204" pitchFamily="34" charset="0"/>
+            </a:endParaRPr>
+          </a:p>
+          <a:p>
+            <a:pPr lvl="0"/>
+            <a:r>
+              <a:rPr lang="zh-CN" altLang="en-US" dirty="0">
+                <a:cs typeface="Arial" panose="020B0704020202020204" pitchFamily="34" charset="0"/>
+              </a:rPr>
+              <a:t>	设计sase安装工程</a:t>
+            </a:r>
+            <a:endParaRPr lang="zh-CN" altLang="en-US" dirty="0">
+              <a:cs typeface="Arial" panose="020B0704020202020204" pitchFamily="34" charset="0"/>
+            </a:endParaRPr>
+          </a:p>
+          <a:p>
+            <a:pPr lvl="0"/>
+            <a:r>
+              <a:rPr lang="zh-CN" altLang="en-US" dirty="0">
+                <a:cs typeface="Arial" panose="020B0704020202020204" pitchFamily="34" charset="0"/>
+              </a:rPr>
+              <a:t>	构建popsprite工程CI/CD</a:t>
+            </a:r>
+            <a:endParaRPr lang="zh-CN" altLang="en-US" dirty="0">
+              <a:cs typeface="Arial" panose="020B0704020202020204" pitchFamily="34" charset="0"/>
+            </a:endParaRPr>
+          </a:p>
+          <a:p>
+            <a:pPr lvl="0"/>
+            <a:r>
+              <a:rPr lang="zh-CN" altLang="en-US" dirty="0">
+                <a:cs typeface="Arial" panose="020B0704020202020204" pitchFamily="34" charset="0"/>
+              </a:rPr>
+              <a:t>	pop控制器解决中间件问题</a:t>
+            </a:r>
+            <a:endParaRPr lang="zh-CN" altLang="en-US" dirty="0">
+              <a:cs typeface="Arial" panose="020B0704020202020204" pitchFamily="34" charset="0"/>
+            </a:endParaRPr>
+          </a:p>
+          <a:p>
+            <a:pPr lvl="0"/>
+            <a:endParaRPr lang="zh-CN" altLang="en-US" dirty="0">
+              <a:cs typeface="Arial" panose="020B0704020202020204" pitchFamily="34" charset="0"/>
+            </a:endParaRPr>
+          </a:p>
+          <a:p>
+            <a:pPr lvl="0"/>
+            <a:r>
+              <a:rPr lang="zh-CN" altLang="en-US" dirty="0">
+                <a:cs typeface="Arial" panose="020B0704020202020204" pitchFamily="34" charset="0"/>
+              </a:rPr>
+              <a:t>6.30  轻量化托管PoP</a:t>
+            </a:r>
+            <a:endParaRPr lang="zh-CN" altLang="en-US" dirty="0">
+              <a:cs typeface="Arial" panose="020B0704020202020204" pitchFamily="34" charset="0"/>
+            </a:endParaRPr>
+          </a:p>
+          <a:p>
+            <a:pPr lvl="0"/>
+            <a:r>
+              <a:rPr lang="zh-CN" altLang="en-US" dirty="0">
+                <a:cs typeface="Arial" panose="020B0704020202020204" pitchFamily="34" charset="0"/>
+              </a:rPr>
+              <a:t>	易部署工程化：对内解决环境不稳定，不够用的情况</a:t>
+            </a:r>
+            <a:endParaRPr lang="zh-CN" altLang="en-US" dirty="0">
+              <a:cs typeface="Arial" panose="020B0704020202020204" pitchFamily="34" charset="0"/>
+            </a:endParaRPr>
+          </a:p>
+          <a:p>
+            <a:pPr lvl="0"/>
+            <a:r>
+              <a:rPr lang="zh-CN" altLang="en-US" dirty="0">
+                <a:cs typeface="Arial" panose="020B0704020202020204" pitchFamily="34" charset="0"/>
+              </a:rPr>
+              <a:t>	pop场景支撑</a:t>
+            </a:r>
+            <a:endParaRPr lang="zh-CN" altLang="en-US" dirty="0">
+              <a:cs typeface="Arial" panose="020B0704020202020204" pitchFamily="34" charset="0"/>
+            </a:endParaRPr>
+          </a:p>
+          <a:p>
+            <a:pPr lvl="0"/>
+            <a:r>
+              <a:rPr lang="zh-CN" altLang="en-US" dirty="0">
+                <a:cs typeface="Arial" panose="020B0704020202020204" pitchFamily="34" charset="0"/>
+              </a:rPr>
+              <a:t>		pop 节点扩展</a:t>
+            </a:r>
+            <a:endParaRPr lang="zh-CN" altLang="en-US" dirty="0">
+              <a:cs typeface="Arial" panose="020B0704020202020204" pitchFamily="34" charset="0"/>
+            </a:endParaRPr>
+          </a:p>
+          <a:p>
+            <a:pPr lvl="0"/>
+            <a:r>
+              <a:rPr lang="zh-CN" altLang="en-US" dirty="0">
+                <a:cs typeface="Arial" panose="020B0704020202020204" pitchFamily="34" charset="0"/>
+              </a:rPr>
+              <a:t>		pop 资源管理</a:t>
+            </a:r>
+            <a:endParaRPr lang="zh-CN" altLang="en-US" dirty="0">
+              <a:cs typeface="Arial" panose="020B0704020202020204" pitchFamily="34" charset="0"/>
+            </a:endParaRPr>
+          </a:p>
+          <a:p>
+            <a:pPr lvl="0"/>
+            <a:r>
+              <a:rPr lang="zh-CN" altLang="en-US" dirty="0">
+                <a:cs typeface="Arial" panose="020B0704020202020204" pitchFamily="34" charset="0"/>
+              </a:rPr>
+              <a:t>		poc集群，3+n生产集群</a:t>
+            </a:r>
+            <a:endParaRPr lang="zh-CN" altLang="en-US" dirty="0">
+              <a:cs typeface="Arial" panose="020B0704020202020204" pitchFamily="34" charset="0"/>
+            </a:endParaRPr>
+          </a:p>
+          <a:p>
+            <a:pPr lvl="0"/>
+            <a:r>
+              <a:rPr lang="zh-CN" altLang="en-US" dirty="0">
+                <a:cs typeface="Arial" panose="020B0704020202020204" pitchFamily="34" charset="0"/>
+              </a:rPr>
+              <a:t>	租户编排</a:t>
+            </a:r>
+            <a:endParaRPr lang="zh-CN" altLang="en-US" dirty="0">
+              <a:cs typeface="Arial" panose="020B0704020202020204" pitchFamily="34" charset="0"/>
+            </a:endParaRPr>
+          </a:p>
+          <a:p>
+            <a:pPr lvl="0"/>
+            <a:r>
+              <a:rPr lang="zh-CN" altLang="en-US" dirty="0">
+                <a:cs typeface="Arial" panose="020B0704020202020204" pitchFamily="34" charset="0"/>
+              </a:rPr>
+              <a:t>		验证2000租户下瓶颈点</a:t>
+            </a:r>
+            <a:endParaRPr lang="zh-CN" altLang="en-US" dirty="0">
+              <a:cs typeface="Arial" panose="020B0704020202020204" pitchFamily="34" charset="0"/>
+            </a:endParaRPr>
+          </a:p>
+          <a:p>
+            <a:pPr lvl="0"/>
+            <a:r>
+              <a:rPr lang="zh-CN" altLang="en-US" dirty="0">
+                <a:cs typeface="Arial" panose="020B0704020202020204" pitchFamily="34" charset="0"/>
+              </a:rPr>
+              <a:t>			磁盘IO</a:t>
+            </a:r>
+            <a:endParaRPr lang="zh-CN" altLang="en-US" dirty="0">
+              <a:cs typeface="Arial" panose="020B0704020202020204" pitchFamily="34" charset="0"/>
+            </a:endParaRPr>
+          </a:p>
+          <a:p>
+            <a:pPr lvl="0"/>
+            <a:r>
+              <a:rPr lang="zh-CN" altLang="en-US" dirty="0">
+                <a:cs typeface="Arial" panose="020B0704020202020204" pitchFamily="34" charset="0"/>
+              </a:rPr>
+              <a:t>			控制面扩展能力</a:t>
+            </a:r>
+            <a:endParaRPr lang="zh-CN" altLang="en-US" dirty="0">
+              <a:cs typeface="Arial" panose="020B0704020202020204" pitchFamily="34" charset="0"/>
+            </a:endParaRPr>
+          </a:p>
+          <a:p>
+            <a:pPr lvl="0"/>
+            <a:r>
+              <a:rPr lang="zh-CN" altLang="en-US" dirty="0">
+                <a:cs typeface="Arial" panose="020B0704020202020204" pitchFamily="34" charset="0"/>
+              </a:rPr>
+              <a:t>			fwaas的控制线程 1 : 12</a:t>
+            </a:r>
+            <a:endParaRPr lang="zh-CN" altLang="en-US" dirty="0">
+              <a:cs typeface="Arial" panose="020B0704020202020204" pitchFamily="34" charset="0"/>
+            </a:endParaRPr>
+          </a:p>
+          <a:p>
+            <a:pPr lvl="0"/>
+            <a:r>
+              <a:rPr lang="zh-CN" altLang="en-US" dirty="0">
+                <a:cs typeface="Arial" panose="020B0704020202020204" pitchFamily="34" charset="0"/>
+              </a:rPr>
+              <a:t>		租户编排宏观诊断工具</a:t>
+            </a:r>
+            <a:endParaRPr lang="zh-CN" altLang="en-US" dirty="0">
+              <a:cs typeface="Arial" panose="020B0704020202020204" pitchFamily="34" charset="0"/>
+            </a:endParaRPr>
+          </a:p>
+          <a:p>
+            <a:pPr lvl="0"/>
+            <a:endParaRPr lang="zh-CN" altLang="en-US" dirty="0">
+              <a:cs typeface="Arial" panose="020B0704020202020204" pitchFamily="34" charset="0"/>
+            </a:endParaRPr>
+          </a:p>
+          <a:p>
+            <a:pPr lvl="0"/>
+            <a:r>
+              <a:rPr lang="zh-CN" altLang="en-US" dirty="0">
+                <a:cs typeface="Arial" panose="020B0704020202020204" pitchFamily="34" charset="0"/>
+              </a:rPr>
+              <a:t>至今 轻量化托管PoP标准化</a:t>
+            </a:r>
+            <a:endParaRPr lang="zh-CN" altLang="en-US" dirty="0">
+              <a:cs typeface="Arial" panose="020B0704020202020204" pitchFamily="34" charset="0"/>
+            </a:endParaRPr>
+          </a:p>
+          <a:p>
+            <a:pPr lvl="0"/>
+            <a:r>
+              <a:rPr lang="zh-CN" altLang="en-US" dirty="0">
+                <a:cs typeface="Arial" panose="020B0704020202020204" pitchFamily="34" charset="0"/>
+              </a:rPr>
+              <a:t>	场景</a:t>
+            </a:r>
+            <a:endParaRPr lang="zh-CN" altLang="en-US" dirty="0">
+              <a:cs typeface="Arial" panose="020B0704020202020204" pitchFamily="34" charset="0"/>
+            </a:endParaRPr>
+          </a:p>
+          <a:p>
+            <a:pPr lvl="0"/>
+            <a:r>
+              <a:rPr lang="zh-CN" altLang="en-US" dirty="0">
+                <a:cs typeface="Arial" panose="020B0704020202020204" pitchFamily="34" charset="0"/>
+              </a:rPr>
+              <a:t>		HCI：武汉轻量化pop</a:t>
+            </a:r>
+            <a:endParaRPr lang="zh-CN" altLang="en-US" dirty="0">
+              <a:cs typeface="Arial" panose="020B0704020202020204" pitchFamily="34" charset="0"/>
+            </a:endParaRPr>
+          </a:p>
+          <a:p>
+            <a:pPr lvl="0"/>
+            <a:r>
+              <a:rPr lang="zh-CN" altLang="en-US" dirty="0">
+                <a:cs typeface="Arial" panose="020B0704020202020204" pitchFamily="34" charset="0"/>
+              </a:rPr>
+              <a:t>		VMWare：塞柏特vmware轻量化pop</a:t>
+            </a:r>
+            <a:endParaRPr lang="zh-CN" altLang="en-US" dirty="0">
+              <a:cs typeface="Arial" panose="020B0704020202020204" pitchFamily="34" charset="0"/>
+            </a:endParaRPr>
+          </a:p>
+          <a:p>
+            <a:pPr lvl="0"/>
+            <a:r>
+              <a:rPr lang="zh-CN" altLang="en-US" dirty="0">
+                <a:cs typeface="Arial" panose="020B0704020202020204" pitchFamily="34" charset="0"/>
+              </a:rPr>
+              <a:t>		公有云</a:t>
+            </a:r>
+            <a:endParaRPr lang="zh-CN" altLang="en-US" dirty="0">
+              <a:cs typeface="Arial" panose="020B0704020202020204" pitchFamily="34" charset="0"/>
+            </a:endParaRPr>
+          </a:p>
+          <a:p>
+            <a:pPr lvl="0"/>
+            <a:r>
+              <a:rPr lang="zh-CN" altLang="en-US" dirty="0">
+                <a:cs typeface="Arial" panose="020B0704020202020204" pitchFamily="34" charset="0"/>
+              </a:rPr>
+              <a:t>	易部署工程化</a:t>
+            </a:r>
+            <a:endParaRPr lang="zh-CN" altLang="en-US" dirty="0">
+              <a:cs typeface="Arial" panose="020B0704020202020204" pitchFamily="34" charset="0"/>
+            </a:endParaRPr>
+          </a:p>
+          <a:p>
+            <a:pPr lvl="0"/>
+            <a:r>
+              <a:rPr lang="zh-CN" altLang="en-US" dirty="0">
+                <a:cs typeface="Arial" panose="020B0704020202020204" pitchFamily="34" charset="0"/>
+              </a:rPr>
+              <a:t>		支持公有云部署</a:t>
+            </a:r>
+            <a:endParaRPr lang="zh-CN" altLang="en-US" dirty="0">
+              <a:cs typeface="Arial" panose="020B0704020202020204" pitchFamily="34" charset="0"/>
+            </a:endParaRPr>
+          </a:p>
+          <a:p>
+            <a:pPr lvl="0"/>
+            <a:r>
+              <a:rPr lang="zh-CN" altLang="en-US" dirty="0">
+                <a:cs typeface="Arial" panose="020B0704020202020204" pitchFamily="34" charset="0"/>
+              </a:rPr>
+              <a:t>		对接中心端与升级平台</a:t>
+            </a:r>
+            <a:endParaRPr lang="zh-CN" altLang="en-US" dirty="0">
+              <a:cs typeface="Arial" panose="020B0704020202020204" pitchFamily="34" charset="0"/>
+            </a:endParaRPr>
+          </a:p>
+          <a:p>
+            <a:pPr lvl="0"/>
+            <a:r>
+              <a:rPr lang="zh-CN" altLang="en-US" dirty="0">
+                <a:cs typeface="Arial" panose="020B0704020202020204" pitchFamily="34" charset="0"/>
+              </a:rPr>
+              <a:t>		配置接入组件</a:t>
+            </a:r>
+            <a:endParaRPr lang="zh-CN" altLang="en-US" dirty="0">
+              <a:cs typeface="Arial" panose="020B0704020202020204" pitchFamily="34" charset="0"/>
+            </a:endParaRPr>
+          </a:p>
+          <a:p>
+            <a:pPr lvl="0"/>
+            <a:r>
+              <a:rPr lang="zh-CN" altLang="en-US" dirty="0">
+                <a:cs typeface="Arial" panose="020B0704020202020204" pitchFamily="34" charset="0"/>
+              </a:rPr>
+              <a:t>	监控与报警</a:t>
+            </a:r>
+            <a:endParaRPr lang="zh-CN" altLang="en-US" dirty="0">
+              <a:cs typeface="Arial" panose="020B0704020202020204" pitchFamily="34" charset="0"/>
+            </a:endParaRPr>
+          </a:p>
+          <a:p>
+            <a:pPr lvl="0"/>
+            <a:r>
+              <a:rPr lang="zh-CN" altLang="en-US" dirty="0">
+                <a:cs typeface="Arial" panose="020B0704020202020204" pitchFamily="34" charset="0"/>
+              </a:rPr>
+              <a:t>		磁盘IO 与 磁盘吞吐</a:t>
+            </a:r>
+            <a:endParaRPr lang="zh-CN" altLang="en-US" dirty="0">
+              <a:cs typeface="Arial" panose="020B0704020202020204" pitchFamily="34" charset="0"/>
+            </a:endParaRPr>
+          </a:p>
+          <a:p>
+            <a:pPr lvl="0"/>
+            <a:r>
+              <a:rPr lang="zh-CN" altLang="en-US" dirty="0">
+                <a:cs typeface="Arial" panose="020B0704020202020204" pitchFamily="34" charset="0"/>
+              </a:rPr>
+              <a:t>		控制面事件队列</a:t>
+            </a:r>
             <a:endParaRPr lang="zh-CN" altLang="en-US" dirty="0">
               <a:ea typeface="Arial" panose="020B0704020202020204" pitchFamily="34" charset="0"/>
             </a:endParaRPr>
@@ -9124,6 +12028,2375 @@
       <p:grpSpPr/>
       <p:sp>
         <p:nvSpPr>
+          <p:cNvPr id="8193" name="TextBox 1"/>
+          <p:cNvSpPr/>
+          <p:nvPr/>
+        </p:nvSpPr>
+        <p:spPr>
+          <a:xfrm>
+            <a:off x="228600" y="150813"/>
+            <a:ext cx="3600450" cy="460375"/>
+          </a:xfrm>
+          <a:prstGeom prst="rect">
+            <a:avLst/>
+          </a:prstGeom>
+          <a:noFill/>
+          <a:ln w="9525">
+            <a:noFill/>
+          </a:ln>
+        </p:spPr>
+        <p:txBody>
+          <a:bodyPr wrap="square" anchor="t" anchorCtr="0">
+            <a:spAutoFit/>
+          </a:bodyPr>
+          <a:p>
+            <a:pPr eaLnBrk="0" hangingPunct="0"/>
+            <a:r>
+              <a:rPr lang="zh-CN" altLang="en-US" sz="2400" b="1" dirty="0">
+                <a:solidFill>
+                  <a:srgbClr val="0070C0"/>
+                </a:solidFill>
+                <a:latin typeface="微软雅黑" charset="-108"/>
+                <a:ea typeface="微软雅黑" charset="-108"/>
+                <a:sym typeface="微软雅黑" charset="-108"/>
+              </a:rPr>
+              <a:t>为什么需要</a:t>
+            </a:r>
+            <a:r>
+              <a:rPr lang="en-US" altLang="zh-CN" sz="2400" b="1" dirty="0">
+                <a:solidFill>
+                  <a:srgbClr val="0070C0"/>
+                </a:solidFill>
+                <a:latin typeface="微软雅黑" charset="-108"/>
+                <a:ea typeface="微软雅黑" charset="-108"/>
+                <a:sym typeface="微软雅黑" charset="-108"/>
+              </a:rPr>
+              <a:t>Pod</a:t>
+            </a:r>
+            <a:endParaRPr lang="en-US" altLang="zh-CN" sz="2400" b="1" dirty="0">
+              <a:solidFill>
+                <a:srgbClr val="0070C0"/>
+              </a:solidFill>
+              <a:latin typeface="微软雅黑" charset="-108"/>
+              <a:ea typeface="微软雅黑" charset="-108"/>
+              <a:sym typeface="微软雅黑" charset="-108"/>
+            </a:endParaRPr>
+          </a:p>
+        </p:txBody>
+      </p:sp>
+      <p:pic>
+        <p:nvPicPr>
+          <p:cNvPr id="8194" name="图片 8194" descr="sangfor_logo"/>
+          <p:cNvPicPr>
+            <a:picLocks noChangeAspect="1"/>
+          </p:cNvPicPr>
+          <p:nvPr/>
+        </p:nvPicPr>
+        <p:blipFill>
+          <a:blip r:embed="rId1"/>
+          <a:stretch>
+            <a:fillRect/>
+          </a:stretch>
+        </p:blipFill>
+        <p:spPr>
+          <a:xfrm>
+            <a:off x="7343775" y="473075"/>
+            <a:ext cx="1320800" cy="606425"/>
+          </a:xfrm>
+          <a:prstGeom prst="rect">
+            <a:avLst/>
+          </a:prstGeom>
+          <a:noFill/>
+          <a:ln w="9525">
+            <a:noFill/>
+          </a:ln>
+        </p:spPr>
+      </p:pic>
+      <p:sp>
+        <p:nvSpPr>
+          <p:cNvPr id="35841" name="文本框 35841"/>
+          <p:cNvSpPr txBox="1"/>
+          <p:nvPr/>
+        </p:nvSpPr>
+        <p:spPr>
+          <a:xfrm>
+            <a:off x="323850" y="836930"/>
+            <a:ext cx="5807075" cy="398780"/>
+          </a:xfrm>
+          <a:prstGeom prst="rect">
+            <a:avLst/>
+          </a:prstGeom>
+          <a:noFill/>
+          <a:ln w="9525">
+            <a:noFill/>
+          </a:ln>
+        </p:spPr>
+        <p:txBody>
+          <a:bodyPr wrap="square" anchor="t" anchorCtr="0">
+            <a:spAutoFit/>
+          </a:bodyPr>
+          <a:p>
+            <a:pPr eaLnBrk="0" hangingPunct="0">
+              <a:buFont typeface="Wingdings" panose="05000000000000000000" pitchFamily="2" charset="2"/>
+              <a:buChar char="Ø"/>
+            </a:pPr>
+            <a:r>
+              <a:rPr lang="zh-CN" altLang="en-US" sz="2000" dirty="0">
+                <a:solidFill>
+                  <a:srgbClr val="184199"/>
+                </a:solidFill>
+                <a:latin typeface="微软雅黑" charset="-108"/>
+                <a:ea typeface="微软雅黑" charset="-108"/>
+                <a:sym typeface="微软雅黑" charset="-108"/>
+              </a:rPr>
+              <a:t> </a:t>
+            </a:r>
+            <a:r>
+              <a:rPr lang="en-US" altLang="zh-CN" sz="2000" dirty="0">
+                <a:solidFill>
+                  <a:srgbClr val="184199"/>
+                </a:solidFill>
+                <a:latin typeface="微软雅黑" charset="-108"/>
+                <a:ea typeface="微软雅黑" charset="-108"/>
+                <a:sym typeface="微软雅黑" charset="-108"/>
+              </a:rPr>
+              <a:t>Pod </a:t>
+            </a:r>
+            <a:r>
+              <a:rPr lang="en-US" altLang="zh-CN" sz="2000" dirty="0">
+                <a:solidFill>
+                  <a:srgbClr val="184199"/>
+                </a:solidFill>
+                <a:latin typeface="微软雅黑" charset="-108"/>
+                <a:ea typeface="微软雅黑" charset="-108"/>
+                <a:sym typeface="微软雅黑" charset="-108"/>
+              </a:rPr>
+              <a:t>API</a:t>
+            </a:r>
+            <a:endParaRPr lang="en-US" altLang="zh-CN" sz="2000" dirty="0">
+              <a:solidFill>
+                <a:srgbClr val="184199"/>
+              </a:solidFill>
+              <a:latin typeface="微软雅黑" charset="-108"/>
+              <a:ea typeface="微软雅黑" charset="-108"/>
+              <a:sym typeface="微软雅黑" charset="-108"/>
+            </a:endParaRPr>
+          </a:p>
+        </p:txBody>
+      </p:sp>
+      <p:sp>
+        <p:nvSpPr>
+          <p:cNvPr id="2" name="文本框 1"/>
+          <p:cNvSpPr txBox="1"/>
+          <p:nvPr/>
+        </p:nvSpPr>
+        <p:spPr>
+          <a:xfrm>
+            <a:off x="827405" y="1435100"/>
+            <a:ext cx="5292090" cy="866140"/>
+          </a:xfrm>
+          <a:prstGeom prst="rect">
+            <a:avLst/>
+          </a:prstGeom>
+          <a:noFill/>
+        </p:spPr>
+        <p:txBody>
+          <a:bodyPr wrap="square" rtlCol="0">
+            <a:noAutofit/>
+          </a:bodyPr>
+          <a:p>
+            <a:r>
+              <a:rPr lang="en-US" altLang="zh-CN" b="1"/>
+              <a:t>2、</a:t>
+            </a:r>
+            <a:r>
+              <a:rPr lang="zh-CN" altLang="en-US" b="1"/>
+              <a:t>凡是跟容器的</a:t>
+            </a:r>
+            <a:r>
+              <a:rPr lang="en-US" altLang="zh-CN" b="1"/>
+              <a:t> Linux Namespace </a:t>
+            </a:r>
+            <a:r>
+              <a:rPr lang="zh-CN" altLang="en-US" b="1"/>
+              <a:t>相关的属性，也一定是</a:t>
+            </a:r>
+            <a:r>
+              <a:rPr lang="en-US" altLang="zh-CN" b="1"/>
+              <a:t> Pod </a:t>
+            </a:r>
+            <a:r>
+              <a:rPr lang="zh-CN" altLang="en-US" b="1"/>
+              <a:t>级别的</a:t>
+            </a:r>
+            <a:endParaRPr lang="zh-CN" altLang="en-US" b="1"/>
+          </a:p>
+          <a:p>
+            <a:endParaRPr lang="zh-CN" altLang="en-US" b="1"/>
+          </a:p>
+        </p:txBody>
+      </p:sp>
+      <p:pic>
+        <p:nvPicPr>
+          <p:cNvPr id="4" name="图片 3"/>
+          <p:cNvPicPr>
+            <a:picLocks noChangeAspect="1"/>
+          </p:cNvPicPr>
+          <p:nvPr/>
+        </p:nvPicPr>
+        <p:blipFill>
+          <a:blip r:embed="rId2"/>
+          <a:stretch>
+            <a:fillRect/>
+          </a:stretch>
+        </p:blipFill>
+        <p:spPr>
+          <a:xfrm>
+            <a:off x="1835785" y="2276475"/>
+            <a:ext cx="4039235" cy="3791585"/>
+          </a:xfrm>
+          <a:prstGeom prst="rect">
+            <a:avLst/>
+          </a:prstGeom>
+        </p:spPr>
+      </p:pic>
+    </p:spTree>
+  </p:cSld>
+  <p:clrMapOvr>
+    <a:masterClrMapping/>
+  </p:clrMapOvr>
+  <p:timing>
+    <p:tnLst>
+      <p:par>
+        <p:cTn id="1" dur="indefinite" restart="never" nodeType="tmRoot">
+          <p:childTnLst>
+            <p:seq concurrent="1" nextAc="seek">
+              <p:cTn id="2" dur="indefinite" nodeType="mainSeq">
+                <p:childTnLst>
+                  <p:par>
+                    <p:cTn id="3" fill="hold">
+                      <p:stCondLst>
+                        <p:cond delay="indefinite"/>
+                        <p:cond evt="onBegin" delay="0">
+                          <p:tn val="2"/>
+                        </p:cond>
+                      </p:stCondLst>
+                      <p:childTnLst>
+                        <p:par>
+                          <p:cTn id="4" fill="hold">
+                            <p:stCondLst>
+                              <p:cond delay="0"/>
+                            </p:stCondLst>
+                            <p:childTnLst>
+                              <p:par>
+                                <p:cTn id="5" presetID="1" presetClass="entr" presetSubtype="0" fill="hold" grpId="0" nodeType="withEffect">
+                                  <p:stCondLst>
+                                    <p:cond delay="0"/>
+                                  </p:stCondLst>
+                                  <p:childTnLst>
+                                    <p:set>
+                                      <p:cBhvr>
+                                        <p:cTn id="6" dur="1" fill="hold">
+                                          <p:stCondLst>
+                                            <p:cond delay="0"/>
+                                          </p:stCondLst>
+                                        </p:cTn>
+                                        <p:tgtEl>
+                                          <p:spTgt spid="35841"/>
+                                        </p:tgtEl>
+                                        <p:attrNameLst>
+                                          <p:attrName>style.visibility</p:attrName>
+                                        </p:attrNameLst>
+                                      </p:cBhvr>
+                                      <p:to>
+                                        <p:strVal val="visible"/>
+                                      </p:to>
+                                    </p:set>
+                                  </p:childTnLst>
+                                </p:cTn>
+                              </p:par>
+                            </p:childTnLst>
+                          </p:cTn>
+                        </p:par>
+                      </p:childTnLst>
+                    </p:cTn>
+                  </p:par>
+                </p:childTnLst>
+              </p:cTn>
+              <p:prevCondLst>
+                <p:cond evt="onPrev" delay="0">
+                  <p:tgtEl>
+                    <p:sldTgt/>
+                  </p:tgtEl>
+                </p:cond>
+              </p:prevCondLst>
+              <p:nextCondLst>
+                <p:cond evt="onNext" delay="0">
+                  <p:tgtEl>
+                    <p:sldTgt/>
+                  </p:tgtEl>
+                </p:cond>
+              </p:nextCondLst>
+            </p:seq>
+          </p:childTnLst>
+        </p:cTn>
+      </p:par>
+    </p:tnLst>
+    <p:bldLst>
+      <p:bldP spid="35841" grpId="0"/>
+      <p:bldP spid="35841" grpId="1"/>
+    </p:bldLst>
+  </p:timing>
+</p:sld>
+</file>
+
+<file path=ppt/slides/slide11.xml><?xml version="1.0" encoding="utf-8"?>
+<p:sld xmlns:a="http://schemas.openxmlformats.org/drawingml/2006/main" xmlns:r="http://schemas.openxmlformats.org/officeDocument/2006/relationships" xmlns:p="http://schemas.openxmlformats.org/presentationml/2006/main">
+  <p:cSld>
+    <p:spTree>
+      <p:nvGrpSpPr>
+        <p:cNvPr id="1" name=""/>
+        <p:cNvGrpSpPr/>
+        <p:nvPr/>
+      </p:nvGrpSpPr>
+      <p:grpSpPr/>
+      <p:sp>
+        <p:nvSpPr>
+          <p:cNvPr id="8193" name="TextBox 1"/>
+          <p:cNvSpPr/>
+          <p:nvPr/>
+        </p:nvSpPr>
+        <p:spPr>
+          <a:xfrm>
+            <a:off x="228600" y="150813"/>
+            <a:ext cx="3600450" cy="460375"/>
+          </a:xfrm>
+          <a:prstGeom prst="rect">
+            <a:avLst/>
+          </a:prstGeom>
+          <a:noFill/>
+          <a:ln w="9525">
+            <a:noFill/>
+          </a:ln>
+        </p:spPr>
+        <p:txBody>
+          <a:bodyPr wrap="square" anchor="t" anchorCtr="0">
+            <a:spAutoFit/>
+          </a:bodyPr>
+          <a:p>
+            <a:pPr eaLnBrk="0" hangingPunct="0"/>
+            <a:r>
+              <a:rPr lang="zh-CN" altLang="en-US" sz="2400" b="1" dirty="0">
+                <a:solidFill>
+                  <a:srgbClr val="0070C0"/>
+                </a:solidFill>
+                <a:latin typeface="微软雅黑" charset="-108"/>
+                <a:ea typeface="微软雅黑" charset="-108"/>
+                <a:sym typeface="微软雅黑" charset="-108"/>
+              </a:rPr>
+              <a:t>为什么需要</a:t>
+            </a:r>
+            <a:r>
+              <a:rPr lang="en-US" altLang="zh-CN" sz="2400" b="1" dirty="0">
+                <a:solidFill>
+                  <a:srgbClr val="0070C0"/>
+                </a:solidFill>
+                <a:latin typeface="微软雅黑" charset="-108"/>
+                <a:ea typeface="微软雅黑" charset="-108"/>
+                <a:sym typeface="微软雅黑" charset="-108"/>
+              </a:rPr>
+              <a:t>Pod</a:t>
+            </a:r>
+            <a:endParaRPr lang="en-US" altLang="zh-CN" sz="2400" b="1" dirty="0">
+              <a:solidFill>
+                <a:srgbClr val="0070C0"/>
+              </a:solidFill>
+              <a:latin typeface="微软雅黑" charset="-108"/>
+              <a:ea typeface="微软雅黑" charset="-108"/>
+              <a:sym typeface="微软雅黑" charset="-108"/>
+            </a:endParaRPr>
+          </a:p>
+        </p:txBody>
+      </p:sp>
+      <p:pic>
+        <p:nvPicPr>
+          <p:cNvPr id="8194" name="图片 8194" descr="sangfor_logo"/>
+          <p:cNvPicPr>
+            <a:picLocks noChangeAspect="1"/>
+          </p:cNvPicPr>
+          <p:nvPr/>
+        </p:nvPicPr>
+        <p:blipFill>
+          <a:blip r:embed="rId1"/>
+          <a:stretch>
+            <a:fillRect/>
+          </a:stretch>
+        </p:blipFill>
+        <p:spPr>
+          <a:xfrm>
+            <a:off x="7343775" y="473075"/>
+            <a:ext cx="1320800" cy="606425"/>
+          </a:xfrm>
+          <a:prstGeom prst="rect">
+            <a:avLst/>
+          </a:prstGeom>
+          <a:noFill/>
+          <a:ln w="9525">
+            <a:noFill/>
+          </a:ln>
+        </p:spPr>
+      </p:pic>
+      <p:sp>
+        <p:nvSpPr>
+          <p:cNvPr id="35841" name="文本框 35841"/>
+          <p:cNvSpPr txBox="1"/>
+          <p:nvPr/>
+        </p:nvSpPr>
+        <p:spPr>
+          <a:xfrm>
+            <a:off x="323850" y="836930"/>
+            <a:ext cx="5807075" cy="398780"/>
+          </a:xfrm>
+          <a:prstGeom prst="rect">
+            <a:avLst/>
+          </a:prstGeom>
+          <a:noFill/>
+          <a:ln w="9525">
+            <a:noFill/>
+          </a:ln>
+        </p:spPr>
+        <p:txBody>
+          <a:bodyPr wrap="square" anchor="t" anchorCtr="0">
+            <a:spAutoFit/>
+          </a:bodyPr>
+          <a:p>
+            <a:pPr eaLnBrk="0" hangingPunct="0">
+              <a:buFont typeface="Wingdings" panose="05000000000000000000" pitchFamily="2" charset="2"/>
+              <a:buChar char="Ø"/>
+            </a:pPr>
+            <a:r>
+              <a:rPr lang="zh-CN" altLang="en-US" sz="2000" dirty="0">
+                <a:solidFill>
+                  <a:srgbClr val="184199"/>
+                </a:solidFill>
+                <a:latin typeface="微软雅黑" charset="-108"/>
+                <a:ea typeface="微软雅黑" charset="-108"/>
+                <a:sym typeface="微软雅黑" charset="-108"/>
+              </a:rPr>
+              <a:t> </a:t>
+            </a:r>
+            <a:r>
+              <a:rPr lang="en-US" altLang="zh-CN" sz="2000" dirty="0">
+                <a:solidFill>
+                  <a:srgbClr val="184199"/>
+                </a:solidFill>
+                <a:latin typeface="微软雅黑" charset="-108"/>
+                <a:ea typeface="微软雅黑" charset="-108"/>
+                <a:sym typeface="微软雅黑" charset="-108"/>
+              </a:rPr>
+              <a:t>Pod </a:t>
+            </a:r>
+            <a:r>
+              <a:rPr lang="en-US" altLang="zh-CN" sz="2000" dirty="0">
+                <a:solidFill>
+                  <a:srgbClr val="184199"/>
+                </a:solidFill>
+                <a:latin typeface="微软雅黑" charset="-108"/>
+                <a:ea typeface="微软雅黑" charset="-108"/>
+                <a:sym typeface="微软雅黑" charset="-108"/>
+              </a:rPr>
+              <a:t>API</a:t>
+            </a:r>
+            <a:endParaRPr lang="en-US" altLang="zh-CN" sz="2000" dirty="0">
+              <a:solidFill>
+                <a:srgbClr val="184199"/>
+              </a:solidFill>
+              <a:latin typeface="微软雅黑" charset="-108"/>
+              <a:ea typeface="微软雅黑" charset="-108"/>
+              <a:sym typeface="微软雅黑" charset="-108"/>
+            </a:endParaRPr>
+          </a:p>
+        </p:txBody>
+      </p:sp>
+      <p:sp>
+        <p:nvSpPr>
+          <p:cNvPr id="2" name="文本框 1"/>
+          <p:cNvSpPr txBox="1"/>
+          <p:nvPr/>
+        </p:nvSpPr>
+        <p:spPr>
+          <a:xfrm>
+            <a:off x="827405" y="1435100"/>
+            <a:ext cx="6395085" cy="1257300"/>
+          </a:xfrm>
+          <a:prstGeom prst="rect">
+            <a:avLst/>
+          </a:prstGeom>
+          <a:noFill/>
+        </p:spPr>
+        <p:txBody>
+          <a:bodyPr wrap="square" rtlCol="0">
+            <a:noAutofit/>
+          </a:bodyPr>
+          <a:p>
+            <a:r>
+              <a:rPr lang="en-US" altLang="zh-CN" b="1"/>
+              <a:t>3、</a:t>
+            </a:r>
+            <a:r>
+              <a:rPr lang="zh-CN" altLang="en-US" b="1"/>
+              <a:t>以下相关都是</a:t>
+            </a:r>
+            <a:r>
+              <a:rPr lang="zh-CN" altLang="en-US" b="1">
+                <a:sym typeface="+mn-ea"/>
+              </a:rPr>
+              <a:t>都是</a:t>
+            </a:r>
+            <a:r>
+              <a:rPr lang="en-US" altLang="zh-CN" b="1">
+                <a:sym typeface="+mn-ea"/>
+              </a:rPr>
+              <a:t> Container </a:t>
+            </a:r>
+            <a:r>
+              <a:rPr lang="zh-CN" altLang="en-US" b="1">
+                <a:sym typeface="+mn-ea"/>
+              </a:rPr>
+              <a:t>的主要字段</a:t>
+            </a:r>
+            <a:endParaRPr lang="en-US" altLang="zh-CN" b="1"/>
+          </a:p>
+          <a:p>
+            <a:pPr marL="285750" indent="-285750">
+              <a:buFont typeface="Arial" panose="020B0704020202020204" pitchFamily="34" charset="0"/>
+              <a:buChar char="•"/>
+            </a:pPr>
+            <a:r>
+              <a:rPr lang="en-US" altLang="zh-CN" b="1"/>
+              <a:t>Image</a:t>
+            </a:r>
+            <a:r>
+              <a:rPr lang="zh-CN" altLang="en-US" b="1"/>
+              <a:t>（镜像）</a:t>
+            </a:r>
+            <a:endParaRPr lang="zh-CN" altLang="en-US" b="1"/>
+          </a:p>
+          <a:p>
+            <a:pPr marL="285750" indent="-285750">
+              <a:buFont typeface="Arial" panose="020B0704020202020204" pitchFamily="34" charset="0"/>
+              <a:buChar char="•"/>
+            </a:pPr>
+            <a:r>
+              <a:rPr lang="en-US" altLang="zh-CN" b="1"/>
+              <a:t>Command</a:t>
+            </a:r>
+            <a:r>
+              <a:rPr lang="zh-CN" altLang="en-US" b="1"/>
+              <a:t>（启动命令）</a:t>
+            </a:r>
+            <a:endParaRPr lang="zh-CN" altLang="en-US" b="1"/>
+          </a:p>
+          <a:p>
+            <a:pPr marL="285750" indent="-285750">
+              <a:buFont typeface="Arial" panose="020B0704020202020204" pitchFamily="34" charset="0"/>
+              <a:buChar char="•"/>
+            </a:pPr>
+            <a:r>
+              <a:rPr lang="en-US" altLang="zh-CN" b="1"/>
+              <a:t>workingDir</a:t>
+            </a:r>
+            <a:r>
+              <a:rPr lang="zh-CN" altLang="en-US" b="1"/>
+              <a:t>（容器的工作目录）</a:t>
+            </a:r>
+            <a:endParaRPr lang="zh-CN" altLang="en-US" b="1"/>
+          </a:p>
+          <a:p>
+            <a:pPr marL="285750" indent="-285750">
+              <a:buFont typeface="Arial" panose="020B0704020202020204" pitchFamily="34" charset="0"/>
+              <a:buChar char="•"/>
+            </a:pPr>
+            <a:r>
+              <a:rPr lang="en-US" altLang="zh-CN" b="1"/>
+              <a:t>Ports</a:t>
+            </a:r>
+            <a:r>
+              <a:rPr lang="zh-CN" altLang="en-US" b="1"/>
+              <a:t>（容器要开发的端口）</a:t>
+            </a:r>
+            <a:endParaRPr lang="zh-CN" altLang="en-US" b="1"/>
+          </a:p>
+          <a:p>
+            <a:pPr marL="285750" indent="-285750">
+              <a:buFont typeface="Arial" panose="020B0704020202020204" pitchFamily="34" charset="0"/>
+              <a:buChar char="•"/>
+            </a:pPr>
+            <a:r>
+              <a:rPr lang="en-US" altLang="zh-CN" b="1"/>
+              <a:t>volumeMounts</a:t>
+            </a:r>
+            <a:r>
+              <a:rPr lang="zh-CN" altLang="en-US" b="1"/>
+              <a:t>（容器要挂载的</a:t>
+            </a:r>
+            <a:r>
+              <a:rPr lang="en-US" altLang="zh-CN" b="1"/>
+              <a:t> Volume</a:t>
+            </a:r>
+            <a:r>
+              <a:rPr lang="zh-CN" altLang="en-US" b="1"/>
+              <a:t>）</a:t>
+            </a:r>
+            <a:endParaRPr lang="zh-CN" altLang="en-US" b="1"/>
+          </a:p>
+        </p:txBody>
+      </p:sp>
+      <p:sp>
+        <p:nvSpPr>
+          <p:cNvPr id="3" name="文本框 2"/>
+          <p:cNvSpPr txBox="1"/>
+          <p:nvPr/>
+        </p:nvSpPr>
+        <p:spPr>
+          <a:xfrm>
+            <a:off x="942975" y="3572510"/>
+            <a:ext cx="5187950" cy="922020"/>
+          </a:xfrm>
+          <a:prstGeom prst="rect">
+            <a:avLst/>
+          </a:prstGeom>
+          <a:noFill/>
+        </p:spPr>
+        <p:txBody>
+          <a:bodyPr wrap="square" rtlCol="0">
+            <a:spAutoFit/>
+          </a:bodyPr>
+          <a:p>
+            <a:r>
+              <a:rPr lang="en-US" altLang="zh-CN"/>
+              <a:t>ImagePullPolicy：</a:t>
+            </a:r>
+            <a:r>
+              <a:rPr lang="zh-CN" altLang="en-US"/>
+              <a:t>它定义了镜像拉取的策略</a:t>
+            </a:r>
+            <a:endParaRPr lang="zh-CN" altLang="en-US"/>
+          </a:p>
+          <a:p>
+            <a:pPr marL="285750" indent="-285750">
+              <a:buFont typeface="Arial" panose="020B0704020202020204" pitchFamily="34" charset="0"/>
+              <a:buChar char="•"/>
+            </a:pPr>
+            <a:r>
+              <a:rPr lang="en-US" altLang="zh-CN"/>
+              <a:t>Always</a:t>
+            </a:r>
+            <a:endParaRPr lang="en-US" altLang="zh-CN"/>
+          </a:p>
+          <a:p>
+            <a:pPr marL="285750" indent="-285750">
+              <a:buFont typeface="Arial" panose="020B0704020202020204" pitchFamily="34" charset="0"/>
+              <a:buChar char="•"/>
+            </a:pPr>
+            <a:r>
+              <a:rPr lang="en-US" altLang="zh-CN"/>
+              <a:t>IfNotPresent</a:t>
+            </a:r>
+            <a:endParaRPr lang="en-US" altLang="zh-CN"/>
+          </a:p>
+        </p:txBody>
+      </p:sp>
+    </p:spTree>
+  </p:cSld>
+  <p:clrMapOvr>
+    <a:masterClrMapping/>
+  </p:clrMapOvr>
+  <p:timing>
+    <p:tnLst>
+      <p:par>
+        <p:cTn id="1" dur="indefinite" restart="never" nodeType="tmRoot">
+          <p:childTnLst>
+            <p:seq concurrent="1" nextAc="seek">
+              <p:cTn id="2" dur="indefinite" nodeType="mainSeq">
+                <p:childTnLst>
+                  <p:par>
+                    <p:cTn id="3" fill="hold">
+                      <p:stCondLst>
+                        <p:cond delay="indefinite"/>
+                        <p:cond evt="onBegin" delay="0">
+                          <p:tn val="2"/>
+                        </p:cond>
+                      </p:stCondLst>
+                      <p:childTnLst>
+                        <p:par>
+                          <p:cTn id="4" fill="hold">
+                            <p:stCondLst>
+                              <p:cond delay="0"/>
+                            </p:stCondLst>
+                            <p:childTnLst>
+                              <p:par>
+                                <p:cTn id="5" presetID="1" presetClass="entr" presetSubtype="0" fill="hold" grpId="0" nodeType="withEffect">
+                                  <p:stCondLst>
+                                    <p:cond delay="0"/>
+                                  </p:stCondLst>
+                                  <p:childTnLst>
+                                    <p:set>
+                                      <p:cBhvr>
+                                        <p:cTn id="6" dur="1" fill="hold">
+                                          <p:stCondLst>
+                                            <p:cond delay="0"/>
+                                          </p:stCondLst>
+                                        </p:cTn>
+                                        <p:tgtEl>
+                                          <p:spTgt spid="35841"/>
+                                        </p:tgtEl>
+                                        <p:attrNameLst>
+                                          <p:attrName>style.visibility</p:attrName>
+                                        </p:attrNameLst>
+                                      </p:cBhvr>
+                                      <p:to>
+                                        <p:strVal val="visible"/>
+                                      </p:to>
+                                    </p:set>
+                                  </p:childTnLst>
+                                </p:cTn>
+                              </p:par>
+                            </p:childTnLst>
+                          </p:cTn>
+                        </p:par>
+                      </p:childTnLst>
+                    </p:cTn>
+                  </p:par>
+                </p:childTnLst>
+              </p:cTn>
+              <p:prevCondLst>
+                <p:cond evt="onPrev" delay="0">
+                  <p:tgtEl>
+                    <p:sldTgt/>
+                  </p:tgtEl>
+                </p:cond>
+              </p:prevCondLst>
+              <p:nextCondLst>
+                <p:cond evt="onNext" delay="0">
+                  <p:tgtEl>
+                    <p:sldTgt/>
+                  </p:tgtEl>
+                </p:cond>
+              </p:nextCondLst>
+            </p:seq>
+          </p:childTnLst>
+        </p:cTn>
+      </p:par>
+    </p:tnLst>
+    <p:bldLst>
+      <p:bldP spid="35841" grpId="0"/>
+      <p:bldP spid="35841" grpId="1"/>
+    </p:bldLst>
+  </p:timing>
+</p:sld>
+</file>
+
+<file path=ppt/slides/slide12.xml><?xml version="1.0" encoding="utf-8"?>
+<p:sld xmlns:a="http://schemas.openxmlformats.org/drawingml/2006/main" xmlns:r="http://schemas.openxmlformats.org/officeDocument/2006/relationships" xmlns:p="http://schemas.openxmlformats.org/presentationml/2006/main">
+  <p:cSld>
+    <p:spTree>
+      <p:nvGrpSpPr>
+        <p:cNvPr id="1" name=""/>
+        <p:cNvGrpSpPr/>
+        <p:nvPr/>
+      </p:nvGrpSpPr>
+      <p:grpSpPr/>
+      <p:sp>
+        <p:nvSpPr>
+          <p:cNvPr id="8193" name="TextBox 1"/>
+          <p:cNvSpPr/>
+          <p:nvPr/>
+        </p:nvSpPr>
+        <p:spPr>
+          <a:xfrm>
+            <a:off x="228600" y="150813"/>
+            <a:ext cx="3600450" cy="460375"/>
+          </a:xfrm>
+          <a:prstGeom prst="rect">
+            <a:avLst/>
+          </a:prstGeom>
+          <a:noFill/>
+          <a:ln w="9525">
+            <a:noFill/>
+          </a:ln>
+        </p:spPr>
+        <p:txBody>
+          <a:bodyPr wrap="square" anchor="t" anchorCtr="0">
+            <a:spAutoFit/>
+          </a:bodyPr>
+          <a:p>
+            <a:pPr eaLnBrk="0" hangingPunct="0"/>
+            <a:r>
+              <a:rPr lang="zh-CN" altLang="en-US" sz="2400" b="1" dirty="0">
+                <a:solidFill>
+                  <a:srgbClr val="0070C0"/>
+                </a:solidFill>
+                <a:latin typeface="微软雅黑" charset="-108"/>
+                <a:ea typeface="微软雅黑" charset="-108"/>
+                <a:sym typeface="微软雅黑" charset="-108"/>
+              </a:rPr>
+              <a:t>为什么需要</a:t>
+            </a:r>
+            <a:r>
+              <a:rPr lang="en-US" altLang="zh-CN" sz="2400" b="1" dirty="0">
+                <a:solidFill>
+                  <a:srgbClr val="0070C0"/>
+                </a:solidFill>
+                <a:latin typeface="微软雅黑" charset="-108"/>
+                <a:ea typeface="微软雅黑" charset="-108"/>
+                <a:sym typeface="微软雅黑" charset="-108"/>
+              </a:rPr>
+              <a:t>Pod</a:t>
+            </a:r>
+            <a:endParaRPr lang="en-US" altLang="zh-CN" sz="2400" b="1" dirty="0">
+              <a:solidFill>
+                <a:srgbClr val="0070C0"/>
+              </a:solidFill>
+              <a:latin typeface="微软雅黑" charset="-108"/>
+              <a:ea typeface="微软雅黑" charset="-108"/>
+              <a:sym typeface="微软雅黑" charset="-108"/>
+            </a:endParaRPr>
+          </a:p>
+        </p:txBody>
+      </p:sp>
+      <p:pic>
+        <p:nvPicPr>
+          <p:cNvPr id="8194" name="图片 8194" descr="sangfor_logo"/>
+          <p:cNvPicPr>
+            <a:picLocks noChangeAspect="1"/>
+          </p:cNvPicPr>
+          <p:nvPr/>
+        </p:nvPicPr>
+        <p:blipFill>
+          <a:blip r:embed="rId1"/>
+          <a:stretch>
+            <a:fillRect/>
+          </a:stretch>
+        </p:blipFill>
+        <p:spPr>
+          <a:xfrm>
+            <a:off x="7343775" y="473075"/>
+            <a:ext cx="1320800" cy="606425"/>
+          </a:xfrm>
+          <a:prstGeom prst="rect">
+            <a:avLst/>
+          </a:prstGeom>
+          <a:noFill/>
+          <a:ln w="9525">
+            <a:noFill/>
+          </a:ln>
+        </p:spPr>
+      </p:pic>
+      <p:sp>
+        <p:nvSpPr>
+          <p:cNvPr id="35841" name="文本框 35841"/>
+          <p:cNvSpPr txBox="1"/>
+          <p:nvPr/>
+        </p:nvSpPr>
+        <p:spPr>
+          <a:xfrm>
+            <a:off x="323850" y="836930"/>
+            <a:ext cx="5807075" cy="398780"/>
+          </a:xfrm>
+          <a:prstGeom prst="rect">
+            <a:avLst/>
+          </a:prstGeom>
+          <a:noFill/>
+          <a:ln w="9525">
+            <a:noFill/>
+          </a:ln>
+        </p:spPr>
+        <p:txBody>
+          <a:bodyPr wrap="square" anchor="t" anchorCtr="0">
+            <a:spAutoFit/>
+          </a:bodyPr>
+          <a:p>
+            <a:pPr eaLnBrk="0" hangingPunct="0">
+              <a:buFont typeface="Wingdings" panose="05000000000000000000" pitchFamily="2" charset="2"/>
+              <a:buChar char="Ø"/>
+            </a:pPr>
+            <a:r>
+              <a:rPr lang="zh-CN" altLang="en-US" sz="2000" dirty="0">
+                <a:solidFill>
+                  <a:srgbClr val="184199"/>
+                </a:solidFill>
+                <a:latin typeface="微软雅黑" charset="-108"/>
+                <a:ea typeface="微软雅黑" charset="-108"/>
+                <a:sym typeface="微软雅黑" charset="-108"/>
+              </a:rPr>
+              <a:t> </a:t>
+            </a:r>
+            <a:r>
+              <a:rPr lang="en-US" altLang="zh-CN" sz="2000" dirty="0">
+                <a:solidFill>
+                  <a:srgbClr val="184199"/>
+                </a:solidFill>
+                <a:latin typeface="微软雅黑" charset="-108"/>
+                <a:ea typeface="微软雅黑" charset="-108"/>
+                <a:sym typeface="微软雅黑" charset="-108"/>
+              </a:rPr>
+              <a:t>Pod </a:t>
+            </a:r>
+            <a:r>
+              <a:rPr lang="en-US" altLang="zh-CN" sz="2000" dirty="0">
+                <a:solidFill>
+                  <a:srgbClr val="184199"/>
+                </a:solidFill>
+                <a:latin typeface="微软雅黑" charset="-108"/>
+                <a:ea typeface="微软雅黑" charset="-108"/>
+                <a:sym typeface="微软雅黑" charset="-108"/>
+              </a:rPr>
+              <a:t>API</a:t>
+            </a:r>
+            <a:endParaRPr lang="en-US" altLang="zh-CN" sz="2000" dirty="0">
+              <a:solidFill>
+                <a:srgbClr val="184199"/>
+              </a:solidFill>
+              <a:latin typeface="微软雅黑" charset="-108"/>
+              <a:ea typeface="微软雅黑" charset="-108"/>
+              <a:sym typeface="微软雅黑" charset="-108"/>
+            </a:endParaRPr>
+          </a:p>
+        </p:txBody>
+      </p:sp>
+      <p:sp>
+        <p:nvSpPr>
+          <p:cNvPr id="3" name="文本框 2"/>
+          <p:cNvSpPr txBox="1"/>
+          <p:nvPr/>
+        </p:nvSpPr>
+        <p:spPr>
+          <a:xfrm>
+            <a:off x="827405" y="1490980"/>
+            <a:ext cx="6116955" cy="1753235"/>
+          </a:xfrm>
+          <a:prstGeom prst="rect">
+            <a:avLst/>
+          </a:prstGeom>
+          <a:noFill/>
+        </p:spPr>
+        <p:txBody>
+          <a:bodyPr wrap="square" rtlCol="0">
+            <a:spAutoFit/>
+          </a:bodyPr>
+          <a:p>
+            <a:r>
+              <a:rPr lang="en-US" altLang="zh-CN"/>
+              <a:t>Lifecycle：</a:t>
+            </a:r>
+            <a:r>
+              <a:rPr lang="zh-CN" altLang="en-US"/>
+              <a:t>它定义的是</a:t>
+            </a:r>
+            <a:r>
+              <a:rPr lang="en-US" altLang="zh-CN"/>
+              <a:t> Container Lifecycle Hooks，</a:t>
+            </a:r>
+            <a:r>
+              <a:rPr lang="zh-CN" altLang="en-US"/>
+              <a:t>是在容器状态发生变化时触发一系列</a:t>
+            </a:r>
+            <a:r>
+              <a:rPr lang="en-US" altLang="zh-CN"/>
+              <a:t>“</a:t>
+            </a:r>
+            <a:r>
+              <a:rPr lang="zh-CN" altLang="en-US"/>
+              <a:t>钩子</a:t>
+            </a:r>
+            <a:r>
+              <a:rPr lang="en-US" altLang="zh-CN"/>
+              <a:t>”</a:t>
+            </a:r>
+            <a:endParaRPr lang="en-US" altLang="zh-CN"/>
+          </a:p>
+          <a:p>
+            <a:pPr marL="285750" indent="-285750">
+              <a:buFont typeface="Arial" panose="020B0704020202020204" pitchFamily="34" charset="0"/>
+              <a:buChar char="•"/>
+            </a:pPr>
+            <a:r>
+              <a:rPr lang="en-US" altLang="zh-CN"/>
+              <a:t>postStart：</a:t>
+            </a:r>
+            <a:r>
+              <a:rPr lang="zh-CN" altLang="en-US"/>
+              <a:t>在容器启动后，立刻执行一个指定的操作</a:t>
+            </a:r>
+            <a:endParaRPr lang="zh-CN" altLang="en-US"/>
+          </a:p>
+          <a:p>
+            <a:pPr marL="285750" indent="-285750">
+              <a:buFont typeface="Arial" panose="020B0704020202020204" pitchFamily="34" charset="0"/>
+              <a:buChar char="•"/>
+            </a:pPr>
+            <a:r>
+              <a:rPr lang="en-US" altLang="zh-CN"/>
+              <a:t>preStop：</a:t>
+            </a:r>
+            <a:r>
+              <a:rPr lang="zh-CN" altLang="en-US"/>
+              <a:t>则是容器被杀死之前（收到了</a:t>
+            </a:r>
+            <a:r>
+              <a:rPr lang="en-US" altLang="zh-CN"/>
+              <a:t> SIGKILL </a:t>
+            </a:r>
+            <a:r>
+              <a:rPr lang="zh-CN" altLang="en-US"/>
+              <a:t>信号</a:t>
+            </a:r>
+            <a:r>
+              <a:rPr lang="zh-CN" altLang="en-US"/>
+              <a:t>之前）</a:t>
+            </a:r>
+            <a:endParaRPr lang="zh-CN" altLang="en-US"/>
+          </a:p>
+          <a:p>
+            <a:pPr marL="285750" indent="-285750">
+              <a:buFont typeface="Arial" panose="020B0704020202020204" pitchFamily="34" charset="0"/>
+              <a:buChar char="•"/>
+            </a:pPr>
+            <a:endParaRPr lang="en-US" altLang="zh-CN"/>
+          </a:p>
+        </p:txBody>
+      </p:sp>
+      <p:pic>
+        <p:nvPicPr>
+          <p:cNvPr id="4" name="图片 3"/>
+          <p:cNvPicPr>
+            <a:picLocks noChangeAspect="1"/>
+          </p:cNvPicPr>
+          <p:nvPr/>
+        </p:nvPicPr>
+        <p:blipFill>
+          <a:blip r:embed="rId2"/>
+          <a:stretch>
+            <a:fillRect/>
+          </a:stretch>
+        </p:blipFill>
+        <p:spPr>
+          <a:xfrm>
+            <a:off x="826135" y="3356610"/>
+            <a:ext cx="7907020" cy="2570480"/>
+          </a:xfrm>
+          <a:prstGeom prst="rect">
+            <a:avLst/>
+          </a:prstGeom>
+        </p:spPr>
+      </p:pic>
+    </p:spTree>
+  </p:cSld>
+  <p:clrMapOvr>
+    <a:masterClrMapping/>
+  </p:clrMapOvr>
+  <p:timing>
+    <p:tnLst>
+      <p:par>
+        <p:cTn id="1" dur="indefinite" restart="never" nodeType="tmRoot">
+          <p:childTnLst>
+            <p:seq concurrent="1" nextAc="seek">
+              <p:cTn id="2" dur="indefinite" nodeType="mainSeq">
+                <p:childTnLst>
+                  <p:par>
+                    <p:cTn id="3" fill="hold">
+                      <p:stCondLst>
+                        <p:cond delay="indefinite"/>
+                        <p:cond evt="onBegin" delay="0">
+                          <p:tn val="2"/>
+                        </p:cond>
+                      </p:stCondLst>
+                      <p:childTnLst>
+                        <p:par>
+                          <p:cTn id="4" fill="hold">
+                            <p:stCondLst>
+                              <p:cond delay="0"/>
+                            </p:stCondLst>
+                            <p:childTnLst>
+                              <p:par>
+                                <p:cTn id="5" presetID="1" presetClass="entr" presetSubtype="0" fill="hold" grpId="0" nodeType="withEffect">
+                                  <p:stCondLst>
+                                    <p:cond delay="0"/>
+                                  </p:stCondLst>
+                                  <p:childTnLst>
+                                    <p:set>
+                                      <p:cBhvr>
+                                        <p:cTn id="6" dur="1" fill="hold">
+                                          <p:stCondLst>
+                                            <p:cond delay="0"/>
+                                          </p:stCondLst>
+                                        </p:cTn>
+                                        <p:tgtEl>
+                                          <p:spTgt spid="35841"/>
+                                        </p:tgtEl>
+                                        <p:attrNameLst>
+                                          <p:attrName>style.visibility</p:attrName>
+                                        </p:attrNameLst>
+                                      </p:cBhvr>
+                                      <p:to>
+                                        <p:strVal val="visible"/>
+                                      </p:to>
+                                    </p:set>
+                                  </p:childTnLst>
+                                </p:cTn>
+                              </p:par>
+                            </p:childTnLst>
+                          </p:cTn>
+                        </p:par>
+                      </p:childTnLst>
+                    </p:cTn>
+                  </p:par>
+                </p:childTnLst>
+              </p:cTn>
+              <p:prevCondLst>
+                <p:cond evt="onPrev" delay="0">
+                  <p:tgtEl>
+                    <p:sldTgt/>
+                  </p:tgtEl>
+                </p:cond>
+              </p:prevCondLst>
+              <p:nextCondLst>
+                <p:cond evt="onNext" delay="0">
+                  <p:tgtEl>
+                    <p:sldTgt/>
+                  </p:tgtEl>
+                </p:cond>
+              </p:nextCondLst>
+            </p:seq>
+          </p:childTnLst>
+        </p:cTn>
+      </p:par>
+    </p:tnLst>
+    <p:bldLst>
+      <p:bldP spid="35841" grpId="0"/>
+      <p:bldP spid="35841" grpId="1"/>
+    </p:bldLst>
+  </p:timing>
+</p:sld>
+</file>
+
+<file path=ppt/slides/slide13.xml><?xml version="1.0" encoding="utf-8"?>
+<p:sld xmlns:a="http://schemas.openxmlformats.org/drawingml/2006/main" xmlns:r="http://schemas.openxmlformats.org/officeDocument/2006/relationships" xmlns:p="http://schemas.openxmlformats.org/presentationml/2006/main">
+  <p:cSld>
+    <p:spTree>
+      <p:nvGrpSpPr>
+        <p:cNvPr id="1" name=""/>
+        <p:cNvGrpSpPr/>
+        <p:nvPr/>
+      </p:nvGrpSpPr>
+      <p:grpSpPr/>
+      <p:sp>
+        <p:nvSpPr>
+          <p:cNvPr id="8193" name="TextBox 1"/>
+          <p:cNvSpPr/>
+          <p:nvPr/>
+        </p:nvSpPr>
+        <p:spPr>
+          <a:xfrm>
+            <a:off x="228600" y="150813"/>
+            <a:ext cx="3600450" cy="460375"/>
+          </a:xfrm>
+          <a:prstGeom prst="rect">
+            <a:avLst/>
+          </a:prstGeom>
+          <a:noFill/>
+          <a:ln w="9525">
+            <a:noFill/>
+          </a:ln>
+        </p:spPr>
+        <p:txBody>
+          <a:bodyPr wrap="square" anchor="t" anchorCtr="0">
+            <a:spAutoFit/>
+          </a:bodyPr>
+          <a:p>
+            <a:pPr eaLnBrk="0" hangingPunct="0"/>
+            <a:r>
+              <a:rPr lang="zh-CN" altLang="en-US" sz="2400" b="1" dirty="0">
+                <a:solidFill>
+                  <a:srgbClr val="0070C0"/>
+                </a:solidFill>
+                <a:latin typeface="微软雅黑" charset="-108"/>
+                <a:ea typeface="微软雅黑" charset="-108"/>
+                <a:sym typeface="微软雅黑" charset="-108"/>
+              </a:rPr>
+              <a:t>为什么需要</a:t>
+            </a:r>
+            <a:r>
+              <a:rPr lang="en-US" altLang="zh-CN" sz="2400" b="1" dirty="0">
+                <a:solidFill>
+                  <a:srgbClr val="0070C0"/>
+                </a:solidFill>
+                <a:latin typeface="微软雅黑" charset="-108"/>
+                <a:ea typeface="微软雅黑" charset="-108"/>
+                <a:sym typeface="微软雅黑" charset="-108"/>
+              </a:rPr>
+              <a:t>Pod</a:t>
+            </a:r>
+            <a:endParaRPr lang="en-US" altLang="zh-CN" sz="2400" b="1" dirty="0">
+              <a:solidFill>
+                <a:srgbClr val="0070C0"/>
+              </a:solidFill>
+              <a:latin typeface="微软雅黑" charset="-108"/>
+              <a:ea typeface="微软雅黑" charset="-108"/>
+              <a:sym typeface="微软雅黑" charset="-108"/>
+            </a:endParaRPr>
+          </a:p>
+        </p:txBody>
+      </p:sp>
+      <p:pic>
+        <p:nvPicPr>
+          <p:cNvPr id="8194" name="图片 8194" descr="sangfor_logo"/>
+          <p:cNvPicPr>
+            <a:picLocks noChangeAspect="1"/>
+          </p:cNvPicPr>
+          <p:nvPr/>
+        </p:nvPicPr>
+        <p:blipFill>
+          <a:blip r:embed="rId1"/>
+          <a:stretch>
+            <a:fillRect/>
+          </a:stretch>
+        </p:blipFill>
+        <p:spPr>
+          <a:xfrm>
+            <a:off x="7343775" y="473075"/>
+            <a:ext cx="1320800" cy="606425"/>
+          </a:xfrm>
+          <a:prstGeom prst="rect">
+            <a:avLst/>
+          </a:prstGeom>
+          <a:noFill/>
+          <a:ln w="9525">
+            <a:noFill/>
+          </a:ln>
+        </p:spPr>
+      </p:pic>
+      <p:sp>
+        <p:nvSpPr>
+          <p:cNvPr id="35841" name="文本框 35841"/>
+          <p:cNvSpPr txBox="1"/>
+          <p:nvPr/>
+        </p:nvSpPr>
+        <p:spPr>
+          <a:xfrm>
+            <a:off x="323850" y="836930"/>
+            <a:ext cx="5807075" cy="398780"/>
+          </a:xfrm>
+          <a:prstGeom prst="rect">
+            <a:avLst/>
+          </a:prstGeom>
+          <a:noFill/>
+          <a:ln w="9525">
+            <a:noFill/>
+          </a:ln>
+        </p:spPr>
+        <p:txBody>
+          <a:bodyPr wrap="square" anchor="t" anchorCtr="0">
+            <a:spAutoFit/>
+          </a:bodyPr>
+          <a:p>
+            <a:pPr eaLnBrk="0" hangingPunct="0">
+              <a:buFont typeface="Wingdings" panose="05000000000000000000" pitchFamily="2" charset="2"/>
+              <a:buChar char="Ø"/>
+            </a:pPr>
+            <a:r>
+              <a:rPr lang="zh-CN" altLang="en-US" sz="2000" dirty="0">
+                <a:solidFill>
+                  <a:srgbClr val="184199"/>
+                </a:solidFill>
+                <a:latin typeface="微软雅黑" charset="-108"/>
+                <a:ea typeface="微软雅黑" charset="-108"/>
+                <a:sym typeface="微软雅黑" charset="-108"/>
+              </a:rPr>
+              <a:t> 容器健康检查和恢复机制</a:t>
+            </a:r>
+            <a:endParaRPr lang="zh-CN" altLang="en-US" sz="2000" dirty="0">
+              <a:solidFill>
+                <a:srgbClr val="184199"/>
+              </a:solidFill>
+              <a:latin typeface="微软雅黑" charset="-108"/>
+              <a:ea typeface="微软雅黑" charset="-108"/>
+              <a:sym typeface="微软雅黑" charset="-108"/>
+            </a:endParaRPr>
+          </a:p>
+        </p:txBody>
+      </p:sp>
+      <p:pic>
+        <p:nvPicPr>
+          <p:cNvPr id="2" name="图片 1"/>
+          <p:cNvPicPr>
+            <a:picLocks noChangeAspect="1"/>
+          </p:cNvPicPr>
+          <p:nvPr/>
+        </p:nvPicPr>
+        <p:blipFill>
+          <a:blip r:embed="rId2"/>
+          <a:stretch>
+            <a:fillRect/>
+          </a:stretch>
+        </p:blipFill>
+        <p:spPr>
+          <a:xfrm>
+            <a:off x="539750" y="1628775"/>
+            <a:ext cx="8174990" cy="2828925"/>
+          </a:xfrm>
+          <a:prstGeom prst="rect">
+            <a:avLst/>
+          </a:prstGeom>
+        </p:spPr>
+      </p:pic>
+      <p:sp>
+        <p:nvSpPr>
+          <p:cNvPr id="5" name="文本框 4"/>
+          <p:cNvSpPr txBox="1"/>
+          <p:nvPr/>
+        </p:nvSpPr>
+        <p:spPr>
+          <a:xfrm>
+            <a:off x="539750" y="4796790"/>
+            <a:ext cx="3048000" cy="368300"/>
+          </a:xfrm>
+          <a:prstGeom prst="rect">
+            <a:avLst/>
+          </a:prstGeom>
+          <a:noFill/>
+        </p:spPr>
+        <p:txBody>
+          <a:bodyPr wrap="square" rtlCol="0">
+            <a:spAutoFit/>
+          </a:bodyPr>
+          <a:p>
+            <a:r>
+              <a:rPr lang="en-US" altLang="zh-CN"/>
+              <a:t>Demo</a:t>
+            </a:r>
+            <a:r>
+              <a:rPr lang="zh-CN" altLang="en-US"/>
+              <a:t>演示</a:t>
+            </a:r>
+            <a:r>
+              <a:rPr lang="en-US" altLang="zh-CN"/>
+              <a:t>。。。</a:t>
+            </a:r>
+            <a:endParaRPr lang="en-US" altLang="zh-CN"/>
+          </a:p>
+        </p:txBody>
+      </p:sp>
+    </p:spTree>
+  </p:cSld>
+  <p:clrMapOvr>
+    <a:masterClrMapping/>
+  </p:clrMapOvr>
+  <p:timing>
+    <p:tnLst>
+      <p:par>
+        <p:cTn id="1" dur="indefinite" restart="never" nodeType="tmRoot">
+          <p:childTnLst>
+            <p:seq concurrent="1" nextAc="seek">
+              <p:cTn id="2" dur="indefinite" nodeType="mainSeq">
+                <p:childTnLst>
+                  <p:par>
+                    <p:cTn id="3" fill="hold">
+                      <p:stCondLst>
+                        <p:cond delay="indefinite"/>
+                        <p:cond evt="onBegin" delay="0">
+                          <p:tn val="2"/>
+                        </p:cond>
+                      </p:stCondLst>
+                      <p:childTnLst>
+                        <p:par>
+                          <p:cTn id="4" fill="hold">
+                            <p:stCondLst>
+                              <p:cond delay="0"/>
+                            </p:stCondLst>
+                            <p:childTnLst>
+                              <p:par>
+                                <p:cTn id="5" presetID="1" presetClass="entr" presetSubtype="0" fill="hold" grpId="0" nodeType="withEffect">
+                                  <p:stCondLst>
+                                    <p:cond delay="0"/>
+                                  </p:stCondLst>
+                                  <p:childTnLst>
+                                    <p:set>
+                                      <p:cBhvr>
+                                        <p:cTn id="6" dur="1" fill="hold">
+                                          <p:stCondLst>
+                                            <p:cond delay="0"/>
+                                          </p:stCondLst>
+                                        </p:cTn>
+                                        <p:tgtEl>
+                                          <p:spTgt spid="35841"/>
+                                        </p:tgtEl>
+                                        <p:attrNameLst>
+                                          <p:attrName>style.visibility</p:attrName>
+                                        </p:attrNameLst>
+                                      </p:cBhvr>
+                                      <p:to>
+                                        <p:strVal val="visible"/>
+                                      </p:to>
+                                    </p:set>
+                                  </p:childTnLst>
+                                </p:cTn>
+                              </p:par>
+                            </p:childTnLst>
+                          </p:cTn>
+                        </p:par>
+                      </p:childTnLst>
+                    </p:cTn>
+                  </p:par>
+                </p:childTnLst>
+              </p:cTn>
+              <p:prevCondLst>
+                <p:cond evt="onPrev" delay="0">
+                  <p:tgtEl>
+                    <p:sldTgt/>
+                  </p:tgtEl>
+                </p:cond>
+              </p:prevCondLst>
+              <p:nextCondLst>
+                <p:cond evt="onNext" delay="0">
+                  <p:tgtEl>
+                    <p:sldTgt/>
+                  </p:tgtEl>
+                </p:cond>
+              </p:nextCondLst>
+            </p:seq>
+          </p:childTnLst>
+        </p:cTn>
+      </p:par>
+    </p:tnLst>
+    <p:bldLst>
+      <p:bldP spid="35841" grpId="0"/>
+      <p:bldP spid="35841" grpId="1"/>
+    </p:bldLst>
+  </p:timing>
+</p:sld>
+</file>
+
+<file path=ppt/slides/slide14.xml><?xml version="1.0" encoding="utf-8"?>
+<p:sld xmlns:a="http://schemas.openxmlformats.org/drawingml/2006/main" xmlns:r="http://schemas.openxmlformats.org/officeDocument/2006/relationships" xmlns:p="http://schemas.openxmlformats.org/presentationml/2006/main">
+  <p:cSld>
+    <p:spTree>
+      <p:nvGrpSpPr>
+        <p:cNvPr id="1" name=""/>
+        <p:cNvGrpSpPr/>
+        <p:nvPr/>
+      </p:nvGrpSpPr>
+      <p:grpSpPr/>
+      <p:sp>
+        <p:nvSpPr>
+          <p:cNvPr id="8193" name="TextBox 1"/>
+          <p:cNvSpPr/>
+          <p:nvPr/>
+        </p:nvSpPr>
+        <p:spPr>
+          <a:xfrm>
+            <a:off x="228600" y="150813"/>
+            <a:ext cx="3600450" cy="460375"/>
+          </a:xfrm>
+          <a:prstGeom prst="rect">
+            <a:avLst/>
+          </a:prstGeom>
+          <a:noFill/>
+          <a:ln w="9525">
+            <a:noFill/>
+          </a:ln>
+        </p:spPr>
+        <p:txBody>
+          <a:bodyPr wrap="square" anchor="t" anchorCtr="0">
+            <a:spAutoFit/>
+          </a:bodyPr>
+          <a:p>
+            <a:pPr eaLnBrk="0" hangingPunct="0"/>
+            <a:r>
+              <a:rPr lang="zh-CN" altLang="en-US" sz="2400" b="1" dirty="0">
+                <a:solidFill>
+                  <a:srgbClr val="0070C0"/>
+                </a:solidFill>
+                <a:latin typeface="微软雅黑" charset="-108"/>
+                <a:ea typeface="微软雅黑" charset="-108"/>
+                <a:sym typeface="微软雅黑" charset="-108"/>
+              </a:rPr>
+              <a:t>为什么需要</a:t>
+            </a:r>
+            <a:r>
+              <a:rPr lang="en-US" altLang="zh-CN" sz="2400" b="1" dirty="0">
+                <a:solidFill>
+                  <a:srgbClr val="0070C0"/>
+                </a:solidFill>
+                <a:latin typeface="微软雅黑" charset="-108"/>
+                <a:ea typeface="微软雅黑" charset="-108"/>
+                <a:sym typeface="微软雅黑" charset="-108"/>
+              </a:rPr>
+              <a:t>Pod</a:t>
+            </a:r>
+            <a:endParaRPr lang="en-US" altLang="zh-CN" sz="2400" b="1" dirty="0">
+              <a:solidFill>
+                <a:srgbClr val="0070C0"/>
+              </a:solidFill>
+              <a:latin typeface="微软雅黑" charset="-108"/>
+              <a:ea typeface="微软雅黑" charset="-108"/>
+              <a:sym typeface="微软雅黑" charset="-108"/>
+            </a:endParaRPr>
+          </a:p>
+        </p:txBody>
+      </p:sp>
+      <p:pic>
+        <p:nvPicPr>
+          <p:cNvPr id="8194" name="图片 8194" descr="sangfor_logo"/>
+          <p:cNvPicPr>
+            <a:picLocks noChangeAspect="1"/>
+          </p:cNvPicPr>
+          <p:nvPr/>
+        </p:nvPicPr>
+        <p:blipFill>
+          <a:blip r:embed="rId1"/>
+          <a:stretch>
+            <a:fillRect/>
+          </a:stretch>
+        </p:blipFill>
+        <p:spPr>
+          <a:xfrm>
+            <a:off x="7343775" y="473075"/>
+            <a:ext cx="1320800" cy="606425"/>
+          </a:xfrm>
+          <a:prstGeom prst="rect">
+            <a:avLst/>
+          </a:prstGeom>
+          <a:noFill/>
+          <a:ln w="9525">
+            <a:noFill/>
+          </a:ln>
+        </p:spPr>
+      </p:pic>
+      <p:sp>
+        <p:nvSpPr>
+          <p:cNvPr id="35841" name="文本框 35841"/>
+          <p:cNvSpPr txBox="1"/>
+          <p:nvPr/>
+        </p:nvSpPr>
+        <p:spPr>
+          <a:xfrm>
+            <a:off x="323850" y="836930"/>
+            <a:ext cx="5807075" cy="398780"/>
+          </a:xfrm>
+          <a:prstGeom prst="rect">
+            <a:avLst/>
+          </a:prstGeom>
+          <a:noFill/>
+          <a:ln w="9525">
+            <a:noFill/>
+          </a:ln>
+        </p:spPr>
+        <p:txBody>
+          <a:bodyPr wrap="square" anchor="t" anchorCtr="0">
+            <a:spAutoFit/>
+          </a:bodyPr>
+          <a:p>
+            <a:pPr eaLnBrk="0" hangingPunct="0">
+              <a:buFont typeface="Wingdings" panose="05000000000000000000" pitchFamily="2" charset="2"/>
+              <a:buChar char="Ø"/>
+            </a:pPr>
+            <a:r>
+              <a:rPr lang="zh-CN" altLang="en-US" sz="2000" dirty="0">
+                <a:solidFill>
+                  <a:srgbClr val="184199"/>
+                </a:solidFill>
+                <a:latin typeface="微软雅黑" charset="-108"/>
+                <a:ea typeface="微软雅黑" charset="-108"/>
+                <a:sym typeface="微软雅黑" charset="-108"/>
+              </a:rPr>
+              <a:t> </a:t>
+            </a:r>
+            <a:r>
+              <a:rPr lang="en-US" altLang="zh-CN" sz="2000" dirty="0">
+                <a:solidFill>
+                  <a:srgbClr val="184199"/>
+                </a:solidFill>
+                <a:latin typeface="微软雅黑" charset="-108"/>
+                <a:ea typeface="微软雅黑" charset="-108"/>
+                <a:sym typeface="微软雅黑" charset="-108"/>
+              </a:rPr>
+              <a:t>Pod</a:t>
+            </a:r>
+            <a:r>
+              <a:rPr lang="zh-CN" altLang="en-US" sz="2000" dirty="0">
+                <a:solidFill>
+                  <a:srgbClr val="184199"/>
+                </a:solidFill>
+                <a:latin typeface="微软雅黑" charset="-108"/>
+                <a:ea typeface="微软雅黑" charset="-108"/>
+                <a:sym typeface="微软雅黑" charset="-108"/>
+              </a:rPr>
+              <a:t>的声明</a:t>
+            </a:r>
+            <a:r>
+              <a:rPr lang="zh-CN" altLang="en-US" sz="2000" dirty="0">
+                <a:solidFill>
+                  <a:srgbClr val="184199"/>
+                </a:solidFill>
+                <a:latin typeface="微软雅黑" charset="-108"/>
+                <a:ea typeface="微软雅黑" charset="-108"/>
+                <a:sym typeface="微软雅黑" charset="-108"/>
+              </a:rPr>
+              <a:t>周期</a:t>
+            </a:r>
+            <a:endParaRPr lang="zh-CN" altLang="en-US" sz="2000" dirty="0">
+              <a:solidFill>
+                <a:srgbClr val="184199"/>
+              </a:solidFill>
+              <a:latin typeface="微软雅黑" charset="-108"/>
+              <a:ea typeface="微软雅黑" charset="-108"/>
+              <a:sym typeface="微软雅黑" charset="-108"/>
+            </a:endParaRPr>
+          </a:p>
+        </p:txBody>
+      </p:sp>
+      <p:sp>
+        <p:nvSpPr>
+          <p:cNvPr id="3" name="文本框 2"/>
+          <p:cNvSpPr txBox="1"/>
+          <p:nvPr/>
+        </p:nvSpPr>
+        <p:spPr>
+          <a:xfrm>
+            <a:off x="1115695" y="1461135"/>
+            <a:ext cx="5995670" cy="4799965"/>
+          </a:xfrm>
+          <a:prstGeom prst="rect">
+            <a:avLst/>
+          </a:prstGeom>
+          <a:noFill/>
+        </p:spPr>
+        <p:txBody>
+          <a:bodyPr wrap="square" rtlCol="0">
+            <a:spAutoFit/>
+          </a:bodyPr>
+          <a:p>
+            <a:r>
+              <a:rPr lang="en-US" altLang="zh-CN"/>
+              <a:t>1. </a:t>
+            </a:r>
+            <a:r>
+              <a:rPr lang="en-US" altLang="zh-CN" b="1">
+                <a:highlight>
+                  <a:srgbClr val="FFFF00"/>
+                </a:highlight>
+                <a:latin typeface="Arial Bold" panose="020B0704020202020204" charset="0"/>
+                <a:cs typeface="Arial Bold" panose="020B0704020202020204" charset="0"/>
+              </a:rPr>
+              <a:t>Pending</a:t>
+            </a:r>
+            <a:r>
+              <a:rPr lang="zh-CN" altLang="en-US"/>
+              <a:t>。这个状态意味着，</a:t>
+            </a:r>
+            <a:r>
+              <a:rPr lang="en-US" altLang="zh-CN"/>
+              <a:t>Pod </a:t>
+            </a:r>
+            <a:r>
+              <a:rPr lang="zh-CN" altLang="en-US"/>
+              <a:t>的</a:t>
+            </a:r>
+            <a:r>
+              <a:rPr lang="en-US" altLang="zh-CN"/>
+              <a:t> YAML </a:t>
+            </a:r>
+            <a:r>
+              <a:rPr lang="zh-CN" altLang="en-US"/>
+              <a:t>文件已经提交给了</a:t>
+            </a:r>
+            <a:r>
+              <a:rPr lang="en-US" altLang="zh-CN"/>
+              <a:t> Kubernetes</a:t>
+            </a:r>
+            <a:r>
+              <a:rPr lang="zh-CN" altLang="en-US"/>
+              <a:t>，</a:t>
+            </a:r>
+            <a:r>
+              <a:rPr lang="en-US" altLang="zh-CN"/>
+              <a:t>API </a:t>
+            </a:r>
+            <a:r>
+              <a:rPr lang="zh-CN" altLang="en-US"/>
+              <a:t>对象已经被创建并保存在</a:t>
+            </a:r>
+            <a:r>
+              <a:rPr lang="en-US" altLang="zh-CN"/>
+              <a:t> Etcd </a:t>
+            </a:r>
+            <a:r>
+              <a:rPr lang="zh-CN" altLang="en-US"/>
+              <a:t>当中。但是，这个</a:t>
+            </a:r>
+            <a:r>
+              <a:rPr lang="en-US" altLang="zh-CN"/>
+              <a:t> </a:t>
+            </a:r>
+            <a:r>
+              <a:rPr lang="en-US" altLang="zh-CN" b="1">
+                <a:highlight>
+                  <a:srgbClr val="FFFF00"/>
+                </a:highlight>
+              </a:rPr>
+              <a:t>Pod </a:t>
+            </a:r>
+            <a:r>
+              <a:rPr lang="zh-CN" altLang="en-US" b="1">
+                <a:highlight>
+                  <a:srgbClr val="FFFF00"/>
+                </a:highlight>
+              </a:rPr>
+              <a:t>里有些容器因为某种原因而不能被顺利创建</a:t>
+            </a:r>
+            <a:r>
+              <a:rPr lang="zh-CN" altLang="en-US"/>
+              <a:t>。比如，调度不成功。</a:t>
+            </a:r>
+            <a:endParaRPr lang="zh-CN" altLang="en-US"/>
+          </a:p>
+          <a:p>
+            <a:r>
+              <a:rPr lang="en-US" altLang="zh-CN"/>
+              <a:t>2. </a:t>
+            </a:r>
+            <a:r>
+              <a:rPr lang="en-US" altLang="zh-CN" b="1">
+                <a:highlight>
+                  <a:srgbClr val="FFFF00"/>
+                </a:highlight>
+                <a:latin typeface="Arial Bold" panose="020B0704020202020204" charset="0"/>
+                <a:cs typeface="Arial Bold" panose="020B0704020202020204" charset="0"/>
+              </a:rPr>
+              <a:t>Running</a:t>
+            </a:r>
+            <a:r>
+              <a:rPr lang="zh-CN" altLang="en-US"/>
+              <a:t>。这个状态下，</a:t>
+            </a:r>
+            <a:r>
+              <a:rPr lang="en-US" altLang="zh-CN"/>
+              <a:t>Pod </a:t>
+            </a:r>
+            <a:r>
+              <a:rPr lang="zh-CN" altLang="en-US"/>
+              <a:t>已经调度成功，跟一个具体的节点绑定。它包含的容器都已经创建成功，并且至少有一个正在运行中。</a:t>
+            </a:r>
+            <a:endParaRPr lang="zh-CN" altLang="en-US"/>
+          </a:p>
+          <a:p>
+            <a:r>
+              <a:rPr lang="en-US" altLang="zh-CN"/>
+              <a:t>3. </a:t>
+            </a:r>
+            <a:r>
+              <a:rPr lang="en-US" altLang="zh-CN" b="1">
+                <a:highlight>
+                  <a:srgbClr val="FFFF00"/>
+                </a:highlight>
+                <a:latin typeface="Arial Bold" panose="020B0704020202020204" charset="0"/>
+                <a:cs typeface="Arial Bold" panose="020B0704020202020204" charset="0"/>
+              </a:rPr>
+              <a:t>Succeeded</a:t>
+            </a:r>
+            <a:r>
+              <a:rPr lang="zh-CN" altLang="en-US"/>
+              <a:t>。这个状态意味着，</a:t>
+            </a:r>
+            <a:r>
+              <a:rPr lang="en-US" altLang="zh-CN"/>
+              <a:t>Pod </a:t>
+            </a:r>
+            <a:r>
+              <a:rPr lang="zh-CN" altLang="en-US"/>
+              <a:t>里的所有容器都正常运行完毕，并且已经退出了。这种情况在</a:t>
+            </a:r>
+            <a:r>
+              <a:rPr lang="zh-CN" altLang="en-US">
+                <a:highlight>
+                  <a:srgbClr val="FFFF00"/>
+                </a:highlight>
+              </a:rPr>
+              <a:t>运行一次性任务时最为常见</a:t>
+            </a:r>
+            <a:r>
+              <a:rPr lang="zh-CN" altLang="en-US"/>
+              <a:t>。</a:t>
+            </a:r>
+            <a:endParaRPr lang="zh-CN" altLang="en-US"/>
+          </a:p>
+          <a:p>
+            <a:r>
+              <a:rPr lang="en-US" altLang="zh-CN"/>
+              <a:t>4. </a:t>
+            </a:r>
+            <a:r>
+              <a:rPr lang="en-US" altLang="zh-CN" b="1">
+                <a:highlight>
+                  <a:srgbClr val="FFFF00"/>
+                </a:highlight>
+                <a:latin typeface="Arial Bold" panose="020B0704020202020204" charset="0"/>
+                <a:cs typeface="Arial Bold" panose="020B0704020202020204" charset="0"/>
+              </a:rPr>
+              <a:t>Failed</a:t>
+            </a:r>
+            <a:r>
+              <a:rPr lang="zh-CN" altLang="en-US"/>
+              <a:t>。这个状态下，</a:t>
+            </a:r>
+            <a:r>
+              <a:rPr lang="en-US" altLang="zh-CN"/>
+              <a:t>Pod </a:t>
+            </a:r>
+            <a:r>
+              <a:rPr lang="zh-CN" altLang="en-US"/>
+              <a:t>里至少有一个容器以不正常的状态（非</a:t>
+            </a:r>
+            <a:r>
+              <a:rPr lang="en-US" altLang="zh-CN"/>
+              <a:t> 0 </a:t>
+            </a:r>
+            <a:r>
+              <a:rPr lang="zh-CN" altLang="en-US"/>
+              <a:t>的返回码）退出。这个状态的出现，意味着你得想办法</a:t>
+            </a:r>
+            <a:r>
+              <a:rPr lang="en-US" altLang="zh-CN"/>
+              <a:t> Debug </a:t>
+            </a:r>
+            <a:r>
+              <a:rPr lang="zh-CN" altLang="en-US"/>
+              <a:t>这个容器的应用，比如查看</a:t>
+            </a:r>
+            <a:r>
+              <a:rPr lang="en-US" altLang="zh-CN"/>
+              <a:t> Pod </a:t>
+            </a:r>
+            <a:r>
+              <a:rPr lang="zh-CN" altLang="en-US"/>
+              <a:t>的</a:t>
+            </a:r>
+            <a:r>
+              <a:rPr lang="en-US" altLang="zh-CN"/>
+              <a:t> Events </a:t>
+            </a:r>
+            <a:r>
+              <a:rPr lang="zh-CN" altLang="en-US"/>
+              <a:t>和日志。</a:t>
+            </a:r>
+            <a:endParaRPr lang="zh-CN" altLang="en-US"/>
+          </a:p>
+          <a:p>
+            <a:r>
+              <a:rPr lang="en-US" altLang="zh-CN"/>
+              <a:t>5. </a:t>
+            </a:r>
+            <a:r>
+              <a:rPr lang="en-US" altLang="zh-CN" b="1">
+                <a:highlight>
+                  <a:srgbClr val="FFFF00"/>
+                </a:highlight>
+                <a:latin typeface="Arial Bold" panose="020B0704020202020204" charset="0"/>
+                <a:cs typeface="Arial Bold" panose="020B0704020202020204" charset="0"/>
+              </a:rPr>
+              <a:t>Unknown</a:t>
+            </a:r>
+            <a:r>
+              <a:rPr lang="zh-CN" altLang="en-US"/>
+              <a:t>。这是一个异常状态，意味着</a:t>
+            </a:r>
+            <a:r>
+              <a:rPr lang="en-US" altLang="zh-CN"/>
+              <a:t> Pod </a:t>
+            </a:r>
+            <a:r>
+              <a:rPr lang="zh-CN" altLang="en-US"/>
+              <a:t>的状态不能持续地被</a:t>
+            </a:r>
+            <a:r>
+              <a:rPr lang="en-US" altLang="zh-CN"/>
+              <a:t> kubelet </a:t>
+            </a:r>
+            <a:r>
+              <a:rPr lang="zh-CN" altLang="en-US"/>
+              <a:t>汇报给</a:t>
+            </a:r>
+            <a:r>
+              <a:rPr lang="en-US" altLang="zh-CN"/>
+              <a:t> kube-apiserver</a:t>
+            </a:r>
+            <a:r>
+              <a:rPr lang="zh-CN" altLang="en-US"/>
+              <a:t>，这很有可能是主从节点（</a:t>
+            </a:r>
+            <a:r>
+              <a:rPr lang="en-US" altLang="zh-CN"/>
+              <a:t>Master </a:t>
+            </a:r>
+            <a:r>
+              <a:rPr lang="zh-CN" altLang="en-US"/>
+              <a:t>和</a:t>
+            </a:r>
+            <a:r>
+              <a:rPr lang="en-US" altLang="zh-CN"/>
+              <a:t> Kubelet</a:t>
+            </a:r>
+            <a:r>
+              <a:rPr lang="zh-CN" altLang="en-US"/>
+              <a:t>）间的通信出现了问题。</a:t>
+            </a:r>
+            <a:endParaRPr lang="zh-CN" altLang="en-US"/>
+          </a:p>
+        </p:txBody>
+      </p:sp>
+    </p:spTree>
+  </p:cSld>
+  <p:clrMapOvr>
+    <a:masterClrMapping/>
+  </p:clrMapOvr>
+  <p:timing>
+    <p:tnLst>
+      <p:par>
+        <p:cTn id="1" dur="indefinite" restart="never" nodeType="tmRoot">
+          <p:childTnLst>
+            <p:seq concurrent="1" nextAc="seek">
+              <p:cTn id="2" dur="indefinite" nodeType="mainSeq">
+                <p:childTnLst>
+                  <p:par>
+                    <p:cTn id="3" fill="hold">
+                      <p:stCondLst>
+                        <p:cond delay="indefinite"/>
+                        <p:cond evt="onBegin" delay="0">
+                          <p:tn val="2"/>
+                        </p:cond>
+                      </p:stCondLst>
+                      <p:childTnLst>
+                        <p:par>
+                          <p:cTn id="4" fill="hold">
+                            <p:stCondLst>
+                              <p:cond delay="0"/>
+                            </p:stCondLst>
+                            <p:childTnLst>
+                              <p:par>
+                                <p:cTn id="5" presetID="1" presetClass="entr" presetSubtype="0" fill="hold" grpId="0" nodeType="withEffect">
+                                  <p:stCondLst>
+                                    <p:cond delay="0"/>
+                                  </p:stCondLst>
+                                  <p:childTnLst>
+                                    <p:set>
+                                      <p:cBhvr>
+                                        <p:cTn id="6" dur="1" fill="hold">
+                                          <p:stCondLst>
+                                            <p:cond delay="0"/>
+                                          </p:stCondLst>
+                                        </p:cTn>
+                                        <p:tgtEl>
+                                          <p:spTgt spid="35841"/>
+                                        </p:tgtEl>
+                                        <p:attrNameLst>
+                                          <p:attrName>style.visibility</p:attrName>
+                                        </p:attrNameLst>
+                                      </p:cBhvr>
+                                      <p:to>
+                                        <p:strVal val="visible"/>
+                                      </p:to>
+                                    </p:set>
+                                  </p:childTnLst>
+                                </p:cTn>
+                              </p:par>
+                            </p:childTnLst>
+                          </p:cTn>
+                        </p:par>
+                      </p:childTnLst>
+                    </p:cTn>
+                  </p:par>
+                </p:childTnLst>
+              </p:cTn>
+              <p:prevCondLst>
+                <p:cond evt="onPrev" delay="0">
+                  <p:tgtEl>
+                    <p:sldTgt/>
+                  </p:tgtEl>
+                </p:cond>
+              </p:prevCondLst>
+              <p:nextCondLst>
+                <p:cond evt="onNext" delay="0">
+                  <p:tgtEl>
+                    <p:sldTgt/>
+                  </p:tgtEl>
+                </p:cond>
+              </p:nextCondLst>
+            </p:seq>
+          </p:childTnLst>
+        </p:cTn>
+      </p:par>
+    </p:tnLst>
+    <p:bldLst>
+      <p:bldP spid="35841" grpId="0"/>
+      <p:bldP spid="35841" grpId="1"/>
+    </p:bldLst>
+  </p:timing>
+</p:sld>
+</file>
+
+<file path=ppt/slides/slide15.xml><?xml version="1.0" encoding="utf-8"?>
+<p:sld xmlns:a="http://schemas.openxmlformats.org/drawingml/2006/main" xmlns:r="http://schemas.openxmlformats.org/officeDocument/2006/relationships" xmlns:p="http://schemas.openxmlformats.org/presentationml/2006/main">
+  <p:cSld>
+    <p:spTree>
+      <p:nvGrpSpPr>
+        <p:cNvPr id="1" name=""/>
+        <p:cNvGrpSpPr/>
+        <p:nvPr/>
+      </p:nvGrpSpPr>
+      <p:grpSpPr/>
+      <p:sp>
+        <p:nvSpPr>
+          <p:cNvPr id="10241" name="标题 1"/>
+          <p:cNvSpPr/>
+          <p:nvPr/>
+        </p:nvSpPr>
+        <p:spPr>
+          <a:xfrm>
+            <a:off x="7308850" y="6337300"/>
+            <a:ext cx="1552575" cy="301625"/>
+          </a:xfrm>
+          <a:prstGeom prst="rect">
+            <a:avLst/>
+          </a:prstGeom>
+          <a:noFill/>
+          <a:ln w="9525">
+            <a:noFill/>
+          </a:ln>
+        </p:spPr>
+        <p:txBody>
+          <a:bodyPr anchor="ctr" anchorCtr="0"/>
+          <a:p>
+            <a:pPr eaLnBrk="0" hangingPunct="0"/>
+            <a:endParaRPr lang="zh-CN" sz="1100" i="1">
+              <a:solidFill>
+                <a:srgbClr val="7F7F7F"/>
+              </a:solidFill>
+              <a:latin typeface="微软雅黑" charset="-108"/>
+              <a:ea typeface="微软雅黑" charset="-108"/>
+              <a:sym typeface="宋体" pitchFamily="2" charset="-122"/>
+            </a:endParaRPr>
+          </a:p>
+        </p:txBody>
+      </p:sp>
+      <p:sp>
+        <p:nvSpPr>
+          <p:cNvPr id="10242" name="文本框 6"/>
+          <p:cNvSpPr/>
+          <p:nvPr/>
+        </p:nvSpPr>
+        <p:spPr>
+          <a:xfrm>
+            <a:off x="7258050" y="6488113"/>
+            <a:ext cx="1825625" cy="277812"/>
+          </a:xfrm>
+          <a:prstGeom prst="rect">
+            <a:avLst/>
+          </a:prstGeom>
+          <a:noFill/>
+          <a:ln w="9525">
+            <a:noFill/>
+          </a:ln>
+        </p:spPr>
+        <p:txBody>
+          <a:bodyPr wrap="none" anchor="t" anchorCtr="0">
+            <a:spAutoFit/>
+          </a:bodyPr>
+          <a:p>
+            <a:pPr eaLnBrk="0" hangingPunct="0"/>
+            <a:r>
+              <a:rPr lang="zh-CN" altLang="en-US" sz="1100">
+                <a:solidFill>
+                  <a:srgbClr val="000000"/>
+                </a:solidFill>
+                <a:latin typeface="微软雅黑 Light" pitchFamily="2" charset="-122"/>
+                <a:ea typeface="微软雅黑 Light" pitchFamily="2" charset="-122"/>
+                <a:sym typeface="微软雅黑 Light" pitchFamily="2" charset="-122"/>
+              </a:rPr>
+              <a:t>深信服科技培训发展中心系列课程</a:t>
+            </a:r>
+            <a:endParaRPr lang="zh-CN" altLang="en-US" sz="1100">
+              <a:solidFill>
+                <a:srgbClr val="000000"/>
+              </a:solidFill>
+              <a:latin typeface="微软雅黑 Light" pitchFamily="2" charset="-122"/>
+              <a:ea typeface="微软雅黑 Light" pitchFamily="2" charset="-122"/>
+              <a:sym typeface="微软雅黑 Light" pitchFamily="2" charset="-122"/>
+            </a:endParaRPr>
+          </a:p>
+        </p:txBody>
+      </p:sp>
+      <p:pic>
+        <p:nvPicPr>
+          <p:cNvPr id="10243" name="图片 7"/>
+          <p:cNvPicPr>
+            <a:picLocks noChangeAspect="1"/>
+          </p:cNvPicPr>
+          <p:nvPr/>
+        </p:nvPicPr>
+        <p:blipFill>
+          <a:blip r:embed="rId1"/>
+          <a:stretch>
+            <a:fillRect/>
+          </a:stretch>
+        </p:blipFill>
+        <p:spPr>
+          <a:xfrm>
+            <a:off x="0" y="0"/>
+            <a:ext cx="9144000" cy="6858000"/>
+          </a:xfrm>
+          <a:prstGeom prst="rect">
+            <a:avLst/>
+          </a:prstGeom>
+          <a:noFill/>
+          <a:ln w="9525">
+            <a:noFill/>
+          </a:ln>
+        </p:spPr>
+      </p:pic>
+      <p:sp>
+        <p:nvSpPr>
+          <p:cNvPr id="10244" name="文本框 9"/>
+          <p:cNvSpPr/>
+          <p:nvPr/>
+        </p:nvSpPr>
+        <p:spPr>
+          <a:xfrm>
+            <a:off x="6896100" y="6305550"/>
+            <a:ext cx="1506538" cy="265113"/>
+          </a:xfrm>
+          <a:prstGeom prst="rect">
+            <a:avLst/>
+          </a:prstGeom>
+          <a:noFill/>
+          <a:ln w="9525">
+            <a:noFill/>
+          </a:ln>
+        </p:spPr>
+        <p:txBody>
+          <a:bodyPr wrap="none" anchor="t" anchorCtr="0">
+            <a:spAutoFit/>
+          </a:bodyPr>
+          <a:p>
+            <a:pPr eaLnBrk="0" hangingPunct="0"/>
+            <a:r>
+              <a:rPr lang="zh-CN" altLang="en-US" sz="1000">
+                <a:solidFill>
+                  <a:srgbClr val="000000"/>
+                </a:solidFill>
+                <a:latin typeface="微软雅黑 Light" pitchFamily="2" charset="-122"/>
+                <a:ea typeface="微软雅黑 Light" pitchFamily="2" charset="-122"/>
+                <a:sym typeface="微软雅黑 Light" pitchFamily="2" charset="-122"/>
+              </a:rPr>
+              <a:t>信锐测试部专业能力精品课程</a:t>
+            </a:r>
+            <a:endParaRPr lang="zh-CN" altLang="en-US" sz="1000">
+              <a:solidFill>
+                <a:srgbClr val="000000"/>
+              </a:solidFill>
+              <a:latin typeface="微软雅黑 Light" pitchFamily="2" charset="-122"/>
+              <a:ea typeface="微软雅黑 Light" pitchFamily="2" charset="-122"/>
+              <a:sym typeface="微软雅黑 Light" pitchFamily="2" charset="-122"/>
+            </a:endParaRPr>
+          </a:p>
+        </p:txBody>
+      </p:sp>
+      <p:pic>
+        <p:nvPicPr>
+          <p:cNvPr id="10245" name="图片 1"/>
+          <p:cNvPicPr>
+            <a:picLocks noChangeAspect="1"/>
+          </p:cNvPicPr>
+          <p:nvPr/>
+        </p:nvPicPr>
+        <p:blipFill>
+          <a:blip r:embed="rId2"/>
+          <a:stretch>
+            <a:fillRect/>
+          </a:stretch>
+        </p:blipFill>
+        <p:spPr>
+          <a:xfrm>
+            <a:off x="7208838" y="495300"/>
+            <a:ext cx="1390650" cy="806450"/>
+          </a:xfrm>
+          <a:prstGeom prst="rect">
+            <a:avLst/>
+          </a:prstGeom>
+          <a:noFill/>
+          <a:ln w="9525">
+            <a:noFill/>
+          </a:ln>
+        </p:spPr>
+      </p:pic>
+      <p:pic>
+        <p:nvPicPr>
+          <p:cNvPr id="10246" name="图片 2"/>
+          <p:cNvPicPr>
+            <a:picLocks noChangeAspect="1"/>
+          </p:cNvPicPr>
+          <p:nvPr/>
+        </p:nvPicPr>
+        <p:blipFill>
+          <a:blip r:embed="rId3"/>
+          <a:stretch>
+            <a:fillRect/>
+          </a:stretch>
+        </p:blipFill>
+        <p:spPr>
+          <a:xfrm>
+            <a:off x="0" y="0"/>
+            <a:ext cx="9144000" cy="6858000"/>
+          </a:xfrm>
+          <a:prstGeom prst="rect">
+            <a:avLst/>
+          </a:prstGeom>
+          <a:noFill/>
+          <a:ln w="9525">
+            <a:noFill/>
+          </a:ln>
+        </p:spPr>
+      </p:pic>
+      <p:sp>
+        <p:nvSpPr>
+          <p:cNvPr id="10247" name="TextBox 23"/>
+          <p:cNvSpPr/>
+          <p:nvPr/>
+        </p:nvSpPr>
+        <p:spPr>
+          <a:xfrm>
+            <a:off x="4351338" y="2778125"/>
+            <a:ext cx="4403725" cy="680085"/>
+          </a:xfrm>
+          <a:prstGeom prst="rect">
+            <a:avLst/>
+          </a:prstGeom>
+          <a:noFill/>
+          <a:ln w="9525">
+            <a:noFill/>
+          </a:ln>
+        </p:spPr>
+        <p:txBody>
+          <a:bodyPr wrap="none" lIns="64802" tIns="32401" rIns="64802" bIns="32401" anchor="t" anchorCtr="0">
+            <a:spAutoFit/>
+          </a:bodyPr>
+          <a:p>
+            <a:r>
+              <a:rPr lang="zh-CN" altLang="en-US" sz="4000" b="1" dirty="0">
+                <a:latin typeface="微软雅黑" charset="-108"/>
+                <a:ea typeface="微软雅黑" charset="-108"/>
+                <a:sym typeface="微软雅黑" charset="-108"/>
+              </a:rPr>
+              <a:t>2</a:t>
+            </a:r>
+            <a:r>
+              <a:rPr lang="en-US" altLang="zh-CN" sz="4000" b="1" dirty="0">
+                <a:latin typeface="微软雅黑" charset="-108"/>
+                <a:ea typeface="微软雅黑" charset="-108"/>
+                <a:sym typeface="微软雅黑" charset="-108"/>
+              </a:rPr>
+              <a:t> Kubernetes</a:t>
+            </a:r>
+            <a:r>
+              <a:rPr lang="zh-CN" altLang="en-US" sz="4000" b="1" dirty="0">
+                <a:latin typeface="微软雅黑" charset="-108"/>
+                <a:ea typeface="微软雅黑" charset="-108"/>
+                <a:sym typeface="微软雅黑" charset="-108"/>
+              </a:rPr>
+              <a:t>编排</a:t>
+            </a:r>
+            <a:endParaRPr lang="zh-CN" altLang="en-US" sz="4000" b="1" dirty="0">
+              <a:latin typeface="微软雅黑" charset="-108"/>
+              <a:ea typeface="微软雅黑" charset="-108"/>
+              <a:sym typeface="微软雅黑" charset="-108"/>
+            </a:endParaRPr>
+          </a:p>
+        </p:txBody>
+      </p:sp>
+      <p:sp>
+        <p:nvSpPr>
+          <p:cNvPr id="10248" name="直线连接符 6"/>
+          <p:cNvSpPr/>
+          <p:nvPr/>
+        </p:nvSpPr>
+        <p:spPr>
+          <a:xfrm flipV="1">
+            <a:off x="4513263" y="3594100"/>
+            <a:ext cx="3876675" cy="1588"/>
+          </a:xfrm>
+          <a:prstGeom prst="line">
+            <a:avLst/>
+          </a:prstGeom>
+          <a:ln w="19050" cap="flat" cmpd="sng">
+            <a:solidFill>
+              <a:srgbClr val="7F7F7F"/>
+            </a:solidFill>
+            <a:prstDash val="solid"/>
+            <a:round/>
+            <a:headEnd type="none" w="med" len="med"/>
+            <a:tailEnd type="none" w="med" len="med"/>
+          </a:ln>
+        </p:spPr>
+      </p:sp>
+      <p:pic>
+        <p:nvPicPr>
+          <p:cNvPr id="10249" name="图片 10249" descr="sangfor_logo"/>
+          <p:cNvPicPr>
+            <a:picLocks noChangeAspect="1"/>
+          </p:cNvPicPr>
+          <p:nvPr/>
+        </p:nvPicPr>
+        <p:blipFill>
+          <a:blip r:embed="rId4"/>
+          <a:stretch>
+            <a:fillRect/>
+          </a:stretch>
+        </p:blipFill>
+        <p:spPr>
+          <a:xfrm>
+            <a:off x="7343775" y="473075"/>
+            <a:ext cx="1320800" cy="606425"/>
+          </a:xfrm>
+          <a:prstGeom prst="rect">
+            <a:avLst/>
+          </a:prstGeom>
+          <a:noFill/>
+          <a:ln w="9525">
+            <a:noFill/>
+          </a:ln>
+        </p:spPr>
+      </p:pic>
+    </p:spTree>
+  </p:cSld>
+  <p:clrMapOvr>
+    <a:masterClrMapping/>
+  </p:clrMapOvr>
+</p:sld>
+</file>
+
+<file path=ppt/slides/slide16.xml><?xml version="1.0" encoding="utf-8"?>
+<p:sld xmlns:a="http://schemas.openxmlformats.org/drawingml/2006/main" xmlns:r="http://schemas.openxmlformats.org/officeDocument/2006/relationships" xmlns:p="http://schemas.openxmlformats.org/presentationml/2006/main">
+  <p:cSld>
+    <p:spTree>
+      <p:nvGrpSpPr>
+        <p:cNvPr id="1" name=""/>
+        <p:cNvGrpSpPr/>
+        <p:nvPr/>
+      </p:nvGrpSpPr>
+      <p:grpSpPr/>
+      <p:sp>
+        <p:nvSpPr>
           <p:cNvPr id="22529" name="标题 1"/>
           <p:cNvSpPr/>
           <p:nvPr/>
@@ -9326,7 +14599,7 @@
 </p:sld>
 </file>
 
-<file path=ppt/slides/slide11.xml><?xml version="1.0" encoding="utf-8"?>
+<file path=ppt/slides/slide17.xml><?xml version="1.0" encoding="utf-8"?>
 <p:sld xmlns:a="http://schemas.openxmlformats.org/drawingml/2006/main" xmlns:r="http://schemas.openxmlformats.org/officeDocument/2006/relationships" xmlns:p="http://schemas.openxmlformats.org/presentationml/2006/main">
   <p:cSld>
     <p:spTree>
@@ -10012,7 +15285,7 @@
 </p:sld>
 </file>
 
-<file path=ppt/slides/slide12.xml><?xml version="1.0" encoding="utf-8"?>
+<file path=ppt/slides/slide18.xml><?xml version="1.0" encoding="utf-8"?>
 <p:sld xmlns:a="http://schemas.openxmlformats.org/drawingml/2006/main" xmlns:r="http://schemas.openxmlformats.org/officeDocument/2006/relationships" xmlns:p="http://schemas.openxmlformats.org/presentationml/2006/main">
   <p:cSld>
     <p:spTree>
@@ -10448,7 +15721,7 @@
 </p:sld>
 </file>
 
-<file path=ppt/slides/slide13.xml><?xml version="1.0" encoding="utf-8"?>
+<file path=ppt/slides/slide19.xml><?xml version="1.0" encoding="utf-8"?>
 <p:sld xmlns:a="http://schemas.openxmlformats.org/drawingml/2006/main" xmlns:r="http://schemas.openxmlformats.org/officeDocument/2006/relationships" xmlns:p="http://schemas.openxmlformats.org/presentationml/2006/main">
   <p:cSld>
     <p:spTree>
@@ -10814,7 +16087,169 @@
 </p:sld>
 </file>
 
-<file path=ppt/slides/slide14.xml><?xml version="1.0" encoding="utf-8"?>
+<file path=ppt/slides/slide2.xml><?xml version="1.0" encoding="utf-8"?>
+<p:sld xmlns:a="http://schemas.openxmlformats.org/drawingml/2006/main" xmlns:r="http://schemas.openxmlformats.org/officeDocument/2006/relationships" xmlns:p="http://schemas.openxmlformats.org/presentationml/2006/main">
+  <p:cSld>
+    <p:spTree>
+      <p:nvGrpSpPr>
+        <p:cNvPr id="1" name=""/>
+        <p:cNvGrpSpPr/>
+        <p:nvPr/>
+      </p:nvGrpSpPr>
+      <p:grpSpPr/>
+      <p:sp>
+        <p:nvSpPr>
+          <p:cNvPr id="6145" name="标题 1"/>
+          <p:cNvSpPr/>
+          <p:nvPr/>
+        </p:nvSpPr>
+        <p:spPr>
+          <a:xfrm>
+            <a:off x="7278688" y="5668963"/>
+            <a:ext cx="1552575" cy="301625"/>
+          </a:xfrm>
+          <a:prstGeom prst="rect">
+            <a:avLst/>
+          </a:prstGeom>
+          <a:noFill/>
+          <a:ln w="9525">
+            <a:noFill/>
+          </a:ln>
+        </p:spPr>
+        <p:txBody>
+          <a:bodyPr anchor="ctr" anchorCtr="0"/>
+          <a:p>
+            <a:pPr eaLnBrk="0" hangingPunct="0"/>
+            <a:endParaRPr lang="zh-CN" sz="1100" i="1">
+              <a:solidFill>
+                <a:srgbClr val="7F7F7F"/>
+              </a:solidFill>
+              <a:latin typeface="微软雅黑" charset="-108"/>
+              <a:ea typeface="微软雅黑" charset="-108"/>
+              <a:sym typeface="宋体" pitchFamily="2" charset="-122"/>
+            </a:endParaRPr>
+          </a:p>
+        </p:txBody>
+      </p:sp>
+      <p:pic>
+        <p:nvPicPr>
+          <p:cNvPr id="6151" name="图片 6151" descr="sangfor_logo"/>
+          <p:cNvPicPr>
+            <a:picLocks noChangeAspect="1"/>
+          </p:cNvPicPr>
+          <p:nvPr/>
+        </p:nvPicPr>
+        <p:blipFill>
+          <a:blip r:embed="rId1"/>
+          <a:stretch>
+            <a:fillRect/>
+          </a:stretch>
+        </p:blipFill>
+        <p:spPr>
+          <a:xfrm>
+            <a:off x="7343775" y="473075"/>
+            <a:ext cx="1320800" cy="606425"/>
+          </a:xfrm>
+          <a:prstGeom prst="rect">
+            <a:avLst/>
+          </a:prstGeom>
+          <a:noFill/>
+          <a:ln w="9525">
+            <a:noFill/>
+          </a:ln>
+        </p:spPr>
+      </p:pic>
+      <p:pic>
+        <p:nvPicPr>
+          <p:cNvPr id="3" name="图片 2"/>
+          <p:cNvPicPr>
+            <a:picLocks noChangeAspect="1"/>
+          </p:cNvPicPr>
+          <p:nvPr/>
+        </p:nvPicPr>
+        <p:blipFill>
+          <a:blip r:embed="rId2"/>
+          <a:stretch>
+            <a:fillRect/>
+          </a:stretch>
+        </p:blipFill>
+        <p:spPr>
+          <a:xfrm>
+            <a:off x="827405" y="1341120"/>
+            <a:ext cx="7669530" cy="4519930"/>
+          </a:xfrm>
+          <a:prstGeom prst="rect">
+            <a:avLst/>
+          </a:prstGeom>
+        </p:spPr>
+      </p:pic>
+      <p:sp>
+        <p:nvSpPr>
+          <p:cNvPr id="8193" name="TextBox 1"/>
+          <p:cNvSpPr/>
+          <p:nvPr/>
+        </p:nvSpPr>
+        <p:spPr>
+          <a:xfrm>
+            <a:off x="467360" y="332423"/>
+            <a:ext cx="3600450" cy="460375"/>
+          </a:xfrm>
+          <a:prstGeom prst="rect">
+            <a:avLst/>
+          </a:prstGeom>
+          <a:noFill/>
+          <a:ln w="9525">
+            <a:noFill/>
+          </a:ln>
+        </p:spPr>
+        <p:txBody>
+          <a:bodyPr wrap="square" anchor="t" anchorCtr="0">
+            <a:spAutoFit/>
+          </a:bodyPr>
+          <a:p>
+            <a:pPr eaLnBrk="0" hangingPunct="0"/>
+            <a:r>
+              <a:rPr lang="zh-CN" altLang="en-US" sz="2400" b="1" dirty="0">
+                <a:solidFill>
+                  <a:srgbClr val="0070C0"/>
+                </a:solidFill>
+                <a:latin typeface="微软雅黑" charset="-108"/>
+                <a:ea typeface="微软雅黑" charset="-108"/>
+                <a:sym typeface="微软雅黑" charset="-108"/>
+              </a:rPr>
+              <a:t>第一课</a:t>
+            </a:r>
+            <a:r>
+              <a:rPr lang="zh-CN" altLang="en-US" sz="2400" b="1" dirty="0">
+                <a:solidFill>
+                  <a:srgbClr val="0070C0"/>
+                </a:solidFill>
+                <a:latin typeface="微软雅黑" charset="-108"/>
+                <a:ea typeface="微软雅黑" charset="-108"/>
+                <a:sym typeface="微软雅黑" charset="-108"/>
+              </a:rPr>
+              <a:t>回顾</a:t>
+            </a:r>
+            <a:endParaRPr lang="zh-CN" altLang="en-US" sz="2400" b="1" dirty="0">
+              <a:solidFill>
+                <a:srgbClr val="0070C0"/>
+              </a:solidFill>
+              <a:latin typeface="微软雅黑" charset="-108"/>
+              <a:ea typeface="微软雅黑" charset="-108"/>
+              <a:sym typeface="微软雅黑" charset="-108"/>
+            </a:endParaRPr>
+          </a:p>
+        </p:txBody>
+      </p:sp>
+    </p:spTree>
+  </p:cSld>
+  <p:clrMapOvr>
+    <a:masterClrMapping/>
+  </p:clrMapOvr>
+</p:sld>
+</file>
+
+<file path=ppt/slides/slide20.xml><?xml version="1.0" encoding="utf-8"?>
 <p:sld xmlns:a="http://schemas.openxmlformats.org/drawingml/2006/main" xmlns:r="http://schemas.openxmlformats.org/officeDocument/2006/relationships" xmlns:p="http://schemas.openxmlformats.org/presentationml/2006/main">
   <p:cSld>
     <p:spTree>
@@ -11322,7 +16757,7 @@
 </p:sld>
 </file>
 
-<file path=ppt/slides/slide15.xml><?xml version="1.0" encoding="utf-8"?>
+<file path=ppt/slides/slide21.xml><?xml version="1.0" encoding="utf-8"?>
 <p:sld xmlns:a="http://schemas.openxmlformats.org/drawingml/2006/main" xmlns:r="http://schemas.openxmlformats.org/officeDocument/2006/relationships" xmlns:p="http://schemas.openxmlformats.org/presentationml/2006/main">
   <p:cSld>
     <p:spTree>
@@ -11653,7 +17088,7 @@
 </p:sld>
 </file>
 
-<file path=ppt/slides/slide16.xml><?xml version="1.0" encoding="utf-8"?>
+<file path=ppt/slides/slide22.xml><?xml version="1.0" encoding="utf-8"?>
 <p:sld xmlns:a="http://schemas.openxmlformats.org/drawingml/2006/main" xmlns:r="http://schemas.openxmlformats.org/officeDocument/2006/relationships" xmlns:p="http://schemas.openxmlformats.org/presentationml/2006/main">
   <p:cSld>
     <p:spTree>
@@ -11905,7 +17340,7 @@
 </p:sld>
 </file>
 
-<file path=ppt/slides/slide17.xml><?xml version="1.0" encoding="utf-8"?>
+<file path=ppt/slides/slide23.xml><?xml version="1.0" encoding="utf-8"?>
 <p:sld xmlns:a="http://schemas.openxmlformats.org/drawingml/2006/main" xmlns:r="http://schemas.openxmlformats.org/officeDocument/2006/relationships" xmlns:p="http://schemas.openxmlformats.org/presentationml/2006/main">
   <p:cSld>
     <p:spTree>
@@ -12236,7 +17671,7 @@
 </p:sld>
 </file>
 
-<file path=ppt/slides/slide18.xml><?xml version="1.0" encoding="utf-8"?>
+<file path=ppt/slides/slide24.xml><?xml version="1.0" encoding="utf-8"?>
 <p:sld xmlns:a="http://schemas.openxmlformats.org/drawingml/2006/main" xmlns:r="http://schemas.openxmlformats.org/officeDocument/2006/relationships" xmlns:p="http://schemas.openxmlformats.org/presentationml/2006/main">
   <p:cSld>
     <p:spTree>
@@ -12714,7 +18149,7 @@
 </p:sld>
 </file>
 
-<file path=ppt/slides/slide19.xml><?xml version="1.0" encoding="utf-8"?>
+<file path=ppt/slides/slide25.xml><?xml version="1.0" encoding="utf-8"?>
 <p:sld xmlns:a="http://schemas.openxmlformats.org/drawingml/2006/main" xmlns:r="http://schemas.openxmlformats.org/officeDocument/2006/relationships" xmlns:p="http://schemas.openxmlformats.org/presentationml/2006/main">
   <p:cSld>
     <p:spTree>
@@ -13038,169 +18473,7 @@
 </p:sld>
 </file>
 
-<file path=ppt/slides/slide2.xml><?xml version="1.0" encoding="utf-8"?>
-<p:sld xmlns:a="http://schemas.openxmlformats.org/drawingml/2006/main" xmlns:r="http://schemas.openxmlformats.org/officeDocument/2006/relationships" xmlns:p="http://schemas.openxmlformats.org/presentationml/2006/main">
-  <p:cSld>
-    <p:spTree>
-      <p:nvGrpSpPr>
-        <p:cNvPr id="1" name=""/>
-        <p:cNvGrpSpPr/>
-        <p:nvPr/>
-      </p:nvGrpSpPr>
-      <p:grpSpPr/>
-      <p:sp>
-        <p:nvSpPr>
-          <p:cNvPr id="6145" name="标题 1"/>
-          <p:cNvSpPr/>
-          <p:nvPr/>
-        </p:nvSpPr>
-        <p:spPr>
-          <a:xfrm>
-            <a:off x="7278688" y="5668963"/>
-            <a:ext cx="1552575" cy="301625"/>
-          </a:xfrm>
-          <a:prstGeom prst="rect">
-            <a:avLst/>
-          </a:prstGeom>
-          <a:noFill/>
-          <a:ln w="9525">
-            <a:noFill/>
-          </a:ln>
-        </p:spPr>
-        <p:txBody>
-          <a:bodyPr anchor="ctr" anchorCtr="0"/>
-          <a:p>
-            <a:pPr eaLnBrk="0" hangingPunct="0"/>
-            <a:endParaRPr lang="zh-CN" sz="1100" i="1">
-              <a:solidFill>
-                <a:srgbClr val="7F7F7F"/>
-              </a:solidFill>
-              <a:latin typeface="微软雅黑" charset="-108"/>
-              <a:ea typeface="微软雅黑" charset="-108"/>
-              <a:sym typeface="宋体" pitchFamily="2" charset="-122"/>
-            </a:endParaRPr>
-          </a:p>
-        </p:txBody>
-      </p:sp>
-      <p:pic>
-        <p:nvPicPr>
-          <p:cNvPr id="6151" name="图片 6151" descr="sangfor_logo"/>
-          <p:cNvPicPr>
-            <a:picLocks noChangeAspect="1"/>
-          </p:cNvPicPr>
-          <p:nvPr/>
-        </p:nvPicPr>
-        <p:blipFill>
-          <a:blip r:embed="rId1"/>
-          <a:stretch>
-            <a:fillRect/>
-          </a:stretch>
-        </p:blipFill>
-        <p:spPr>
-          <a:xfrm>
-            <a:off x="7343775" y="473075"/>
-            <a:ext cx="1320800" cy="606425"/>
-          </a:xfrm>
-          <a:prstGeom prst="rect">
-            <a:avLst/>
-          </a:prstGeom>
-          <a:noFill/>
-          <a:ln w="9525">
-            <a:noFill/>
-          </a:ln>
-        </p:spPr>
-      </p:pic>
-      <p:pic>
-        <p:nvPicPr>
-          <p:cNvPr id="3" name="图片 2"/>
-          <p:cNvPicPr>
-            <a:picLocks noChangeAspect="1"/>
-          </p:cNvPicPr>
-          <p:nvPr/>
-        </p:nvPicPr>
-        <p:blipFill>
-          <a:blip r:embed="rId2"/>
-          <a:stretch>
-            <a:fillRect/>
-          </a:stretch>
-        </p:blipFill>
-        <p:spPr>
-          <a:xfrm>
-            <a:off x="827405" y="1341120"/>
-            <a:ext cx="7669530" cy="4519930"/>
-          </a:xfrm>
-          <a:prstGeom prst="rect">
-            <a:avLst/>
-          </a:prstGeom>
-        </p:spPr>
-      </p:pic>
-      <p:sp>
-        <p:nvSpPr>
-          <p:cNvPr id="8193" name="TextBox 1"/>
-          <p:cNvSpPr/>
-          <p:nvPr/>
-        </p:nvSpPr>
-        <p:spPr>
-          <a:xfrm>
-            <a:off x="467360" y="332423"/>
-            <a:ext cx="3600450" cy="460375"/>
-          </a:xfrm>
-          <a:prstGeom prst="rect">
-            <a:avLst/>
-          </a:prstGeom>
-          <a:noFill/>
-          <a:ln w="9525">
-            <a:noFill/>
-          </a:ln>
-        </p:spPr>
-        <p:txBody>
-          <a:bodyPr wrap="square" anchor="t" anchorCtr="0">
-            <a:spAutoFit/>
-          </a:bodyPr>
-          <a:p>
-            <a:pPr eaLnBrk="0" hangingPunct="0"/>
-            <a:r>
-              <a:rPr lang="zh-CN" altLang="en-US" sz="2400" b="1" dirty="0">
-                <a:solidFill>
-                  <a:srgbClr val="0070C0"/>
-                </a:solidFill>
-                <a:latin typeface="微软雅黑" charset="-108"/>
-                <a:ea typeface="微软雅黑" charset="-108"/>
-                <a:sym typeface="微软雅黑" charset="-108"/>
-              </a:rPr>
-              <a:t>第一课</a:t>
-            </a:r>
-            <a:r>
-              <a:rPr lang="zh-CN" altLang="en-US" sz="2400" b="1" dirty="0">
-                <a:solidFill>
-                  <a:srgbClr val="0070C0"/>
-                </a:solidFill>
-                <a:latin typeface="微软雅黑" charset="-108"/>
-                <a:ea typeface="微软雅黑" charset="-108"/>
-                <a:sym typeface="微软雅黑" charset="-108"/>
-              </a:rPr>
-              <a:t>回顾</a:t>
-            </a:r>
-            <a:endParaRPr lang="zh-CN" altLang="en-US" sz="2400" b="1" dirty="0">
-              <a:solidFill>
-                <a:srgbClr val="0070C0"/>
-              </a:solidFill>
-              <a:latin typeface="微软雅黑" charset="-108"/>
-              <a:ea typeface="微软雅黑" charset="-108"/>
-              <a:sym typeface="微软雅黑" charset="-108"/>
-            </a:endParaRPr>
-          </a:p>
-        </p:txBody>
-      </p:sp>
-    </p:spTree>
-  </p:cSld>
-  <p:clrMapOvr>
-    <a:masterClrMapping/>
-  </p:clrMapOvr>
-</p:sld>
-</file>
-
-<file path=ppt/slides/slide20.xml><?xml version="1.0" encoding="utf-8"?>
+<file path=ppt/slides/slide26.xml><?xml version="1.0" encoding="utf-8"?>
 <p:sld xmlns:a="http://schemas.openxmlformats.org/drawingml/2006/main" xmlns:r="http://schemas.openxmlformats.org/officeDocument/2006/relationships" xmlns:p="http://schemas.openxmlformats.org/presentationml/2006/main">
   <p:cSld>
     <p:spTree>
@@ -13539,7 +18812,7 @@
 </p:sld>
 </file>
 
-<file path=ppt/slides/slide21.xml><?xml version="1.0" encoding="utf-8"?>
+<file path=ppt/slides/slide27.xml><?xml version="1.0" encoding="utf-8"?>
 <p:sld xmlns:a="http://schemas.openxmlformats.org/drawingml/2006/main" xmlns:r="http://schemas.openxmlformats.org/officeDocument/2006/relationships" xmlns:p="http://schemas.openxmlformats.org/presentationml/2006/main">
   <p:cSld>
     <p:spTree>
@@ -13803,7 +19076,7 @@
 </p:sld>
 </file>
 
-<file path=ppt/slides/slide22.xml><?xml version="1.0" encoding="utf-8"?>
+<file path=ppt/slides/slide28.xml><?xml version="1.0" encoding="utf-8"?>
 <p:sld xmlns:a="http://schemas.openxmlformats.org/drawingml/2006/main" xmlns:r="http://schemas.openxmlformats.org/officeDocument/2006/relationships" xmlns:p="http://schemas.openxmlformats.org/presentationml/2006/main">
   <p:cSld>
     <p:spTree>
@@ -14407,7 +19680,7 @@
         </p:nvSpPr>
         <p:spPr>
           <a:xfrm>
-            <a:off x="5471795" y="2976245"/>
+            <a:off x="5471795" y="4124325"/>
             <a:ext cx="2473325" cy="433705"/>
           </a:xfrm>
           <a:prstGeom prst="rect">
@@ -14425,6 +19698,17 @@
           <a:p>
             <a:pPr eaLnBrk="0" hangingPunct="0"/>
             <a:r>
+              <a:rPr lang="en-US" altLang="zh-CN" sz="2400" dirty="0">
+                <a:solidFill>
+                  <a:srgbClr val="184199"/>
+                </a:solidFill>
+                <a:latin typeface="微软雅黑" charset="-108"/>
+                <a:ea typeface="微软雅黑" charset="-108"/>
+                <a:sym typeface="微软雅黑" charset="-108"/>
+              </a:rPr>
+              <a:t>Kubernetes</a:t>
+            </a:r>
+            <a:r>
               <a:rPr lang="zh-CN" altLang="en-US" sz="2400" dirty="0">
                 <a:solidFill>
                   <a:srgbClr val="184199"/>
@@ -14433,18 +19717,7 @@
                 <a:ea typeface="微软雅黑" charset="-108"/>
                 <a:sym typeface="微软雅黑" charset="-108"/>
               </a:rPr>
-              <a:t>控制器</a:t>
-            </a:r>
-            <a:r>
-              <a:rPr lang="zh-CN" altLang="en-US" sz="2400" dirty="0">
-                <a:solidFill>
-                  <a:srgbClr val="184199"/>
-                </a:solidFill>
-                <a:latin typeface="微软雅黑" charset="-108"/>
-                <a:ea typeface="微软雅黑" charset="-108"/>
-                <a:sym typeface="微软雅黑" charset="-108"/>
-              </a:rPr>
-              <a:t>模式</a:t>
+              <a:t>编排</a:t>
             </a:r>
             <a:endParaRPr lang="zh-CN" altLang="en-US" sz="2400" dirty="0">
               <a:solidFill>
@@ -14512,7 +19785,7 @@
         </p:nvSpPr>
         <p:spPr>
           <a:xfrm>
-            <a:off x="4903788" y="2339975"/>
+            <a:off x="4903788" y="2483485"/>
             <a:ext cx="296862" cy="881063"/>
           </a:xfrm>
           <a:prstGeom prst="rect">
@@ -14570,7 +19843,7 @@
         </p:nvSpPr>
         <p:spPr>
           <a:xfrm>
-            <a:off x="4903788" y="2998788"/>
+            <a:off x="4903788" y="4075113"/>
             <a:ext cx="296862" cy="879475"/>
           </a:xfrm>
           <a:prstGeom prst="rect">
@@ -14650,154 +19923,13 @@
       </p:pic>
       <p:sp>
         <p:nvSpPr>
-          <p:cNvPr id="6153" name="文本框 25"/>
-          <p:cNvSpPr/>
-          <p:nvPr/>
-        </p:nvSpPr>
-        <p:spPr>
-          <a:xfrm>
-            <a:off x="4878388" y="4297363"/>
-            <a:ext cx="293687" cy="484187"/>
-          </a:xfrm>
-          <a:prstGeom prst="rect">
-            <a:avLst/>
-          </a:prstGeom>
-          <a:noFill/>
-          <a:ln w="9525">
-            <a:noFill/>
-          </a:ln>
-        </p:spPr>
-        <p:txBody>
-          <a:bodyPr wrap="none" anchor="t" anchorCtr="0">
-            <a:spAutoFit/>
-          </a:bodyPr>
-          <a:p>
-            <a:pPr eaLnBrk="0" hangingPunct="0"/>
-            <a:r>
-              <a:rPr lang="zh-CN" altLang="en-US" sz="2400" b="1" dirty="0">
-                <a:solidFill>
-                  <a:srgbClr val="184199"/>
-                </a:solidFill>
-                <a:latin typeface="微软雅黑" charset="-108"/>
-                <a:ea typeface="微软雅黑" charset="-108"/>
-                <a:sym typeface="微软雅黑" charset="-108"/>
-              </a:rPr>
-              <a:t>4</a:t>
-            </a:r>
-            <a:endParaRPr lang="zh-CN" altLang="en-US" sz="2400" dirty="0">
-              <a:solidFill>
-                <a:srgbClr val="366AB5"/>
-              </a:solidFill>
-              <a:latin typeface="Calibri" pitchFamily="2" charset="0"/>
-              <a:ea typeface="宋体" pitchFamily="2" charset="-122"/>
-              <a:sym typeface="宋体" pitchFamily="2" charset="-122"/>
-            </a:endParaRPr>
-          </a:p>
-        </p:txBody>
-      </p:sp>
-      <p:sp>
-        <p:nvSpPr>
-          <p:cNvPr id="6154" name="文本框 15"/>
-          <p:cNvSpPr/>
-          <p:nvPr/>
-        </p:nvSpPr>
-        <p:spPr>
-          <a:xfrm>
-            <a:off x="5471795" y="3638550"/>
-            <a:ext cx="2436813" cy="433705"/>
-          </a:xfrm>
-          <a:prstGeom prst="rect">
-            <a:avLst/>
-          </a:prstGeom>
-          <a:noFill/>
-          <a:ln w="9525">
-            <a:noFill/>
-          </a:ln>
-        </p:spPr>
-        <p:txBody>
-          <a:bodyPr wrap="square" lIns="64802" tIns="32401" rIns="64802" bIns="32401" anchor="t" anchorCtr="0">
-            <a:spAutoFit/>
-          </a:bodyPr>
-          <a:p>
-            <a:pPr eaLnBrk="0" hangingPunct="0"/>
-            <a:r>
-              <a:rPr lang="en-US" altLang="zh-CN" sz="2400" dirty="0">
-                <a:solidFill>
-                  <a:srgbClr val="184199"/>
-                </a:solidFill>
-                <a:latin typeface="微软雅黑" charset="-108"/>
-                <a:ea typeface="微软雅黑" charset="-108"/>
-                <a:sym typeface="微软雅黑" charset="-108"/>
-              </a:rPr>
-              <a:t>Deployment</a:t>
-            </a:r>
-            <a:endParaRPr lang="en-US" altLang="zh-CN" sz="2400" dirty="0">
-              <a:solidFill>
-                <a:srgbClr val="184199"/>
-              </a:solidFill>
-              <a:latin typeface="微软雅黑" charset="-108"/>
-              <a:ea typeface="微软雅黑" charset="-108"/>
-              <a:sym typeface="微软雅黑" charset="-108"/>
-            </a:endParaRPr>
-          </a:p>
-        </p:txBody>
-      </p:sp>
-      <p:sp>
-        <p:nvSpPr>
-          <p:cNvPr id="6155" name="文本框 25"/>
-          <p:cNvSpPr/>
-          <p:nvPr/>
-        </p:nvSpPr>
-        <p:spPr>
-          <a:xfrm>
-            <a:off x="4878388" y="3635375"/>
-            <a:ext cx="293687" cy="482600"/>
-          </a:xfrm>
-          <a:prstGeom prst="rect">
-            <a:avLst/>
-          </a:prstGeom>
-          <a:noFill/>
-          <a:ln w="9525">
-            <a:noFill/>
-          </a:ln>
-        </p:spPr>
-        <p:txBody>
-          <a:bodyPr wrap="none" anchor="t" anchorCtr="0">
-            <a:spAutoFit/>
-          </a:bodyPr>
-          <a:p>
-            <a:pPr eaLnBrk="0" hangingPunct="0"/>
-            <a:r>
-              <a:rPr lang="zh-CN" altLang="en-US" sz="2400" b="1" dirty="0">
-                <a:solidFill>
-                  <a:srgbClr val="184199"/>
-                </a:solidFill>
-                <a:latin typeface="微软雅黑" charset="-108"/>
-                <a:ea typeface="微软雅黑" charset="-108"/>
-                <a:sym typeface="微软雅黑" charset="-108"/>
-              </a:rPr>
-              <a:t>3</a:t>
-            </a:r>
-            <a:endParaRPr lang="zh-CN" altLang="en-US" sz="2400" dirty="0">
-              <a:solidFill>
-                <a:srgbClr val="366AB5"/>
-              </a:solidFill>
-              <a:latin typeface="Calibri" pitchFamily="2" charset="0"/>
-              <a:ea typeface="宋体" pitchFamily="2" charset="-122"/>
-              <a:sym typeface="宋体" pitchFamily="2" charset="-122"/>
-            </a:endParaRPr>
-          </a:p>
-        </p:txBody>
-      </p:sp>
-      <p:sp>
-        <p:nvSpPr>
           <p:cNvPr id="4" name="文本框 15"/>
           <p:cNvSpPr/>
           <p:nvPr/>
         </p:nvSpPr>
         <p:spPr>
           <a:xfrm>
-            <a:off x="5436235" y="2348865"/>
+            <a:off x="5436235" y="2492375"/>
             <a:ext cx="2473325" cy="433705"/>
           </a:xfrm>
           <a:prstGeom prst="rect">
@@ -16480,8 +21612,8 @@
         </p:nvSpPr>
         <p:spPr>
           <a:xfrm>
-            <a:off x="1764030" y="2996565"/>
-            <a:ext cx="3475990" cy="1503680"/>
+            <a:off x="1115695" y="2454275"/>
+            <a:ext cx="5292090" cy="866140"/>
           </a:xfrm>
           <a:prstGeom prst="rect">
             <a:avLst/>
@@ -16494,9 +21626,76 @@
           </a:bodyPr>
           <a:p>
             <a:r>
-              <a:rPr lang="en-US" altLang="zh-CN"/>
+              <a:rPr lang="en-US" altLang="zh-CN" b="1"/>
               <a:t>1、</a:t>
             </a:r>
+            <a:r>
+              <a:rPr lang="zh-CN" altLang="en-US" b="1"/>
+              <a:t>凡是调度、网络、存储，以及安全相关的属性，基本上是</a:t>
+            </a:r>
+            <a:r>
+              <a:rPr lang="en-US" altLang="zh-CN" b="1"/>
+              <a:t> Pod </a:t>
+            </a:r>
+            <a:r>
+              <a:rPr lang="zh-CN" altLang="en-US" b="1"/>
+              <a:t>级别的</a:t>
+            </a:r>
+            <a:r>
+              <a:rPr lang="en-US" altLang="zh-CN" b="1"/>
+              <a:t>。</a:t>
+            </a:r>
+            <a:endParaRPr lang="en-US" altLang="zh-CN" b="1"/>
+          </a:p>
+          <a:p>
+            <a:endParaRPr lang="en-US" altLang="zh-CN"/>
+          </a:p>
+          <a:p>
+            <a:r>
+              <a:rPr lang="en-US" altLang="zh-CN">
+                <a:sym typeface="+mn-ea"/>
+              </a:rPr>
+              <a:t>NodeSelector</a:t>
+            </a:r>
+            <a:r>
+              <a:rPr lang="zh-CN" altLang="en-US">
+                <a:sym typeface="+mn-ea"/>
+              </a:rPr>
+              <a:t>：是一个供用户将</a:t>
+            </a:r>
+            <a:r>
+              <a:rPr lang="en-US" altLang="zh-CN">
+                <a:sym typeface="+mn-ea"/>
+              </a:rPr>
+              <a:t> Pod </a:t>
+            </a:r>
+            <a:r>
+              <a:rPr lang="zh-CN" altLang="en-US">
+                <a:sym typeface="+mn-ea"/>
+              </a:rPr>
+              <a:t>与</a:t>
+            </a:r>
+            <a:r>
+              <a:rPr lang="en-US" altLang="zh-CN">
+                <a:sym typeface="+mn-ea"/>
+              </a:rPr>
+              <a:t> Node </a:t>
+            </a:r>
+            <a:r>
+              <a:rPr lang="zh-CN" altLang="en-US">
+                <a:sym typeface="+mn-ea"/>
+              </a:rPr>
+              <a:t>进行绑定的字段，用法如下所示：</a:t>
+            </a:r>
+            <a:endParaRPr lang="zh-CN" altLang="en-US"/>
+          </a:p>
+          <a:p>
+            <a:endParaRPr lang="en-US" altLang="zh-CN"/>
+          </a:p>
+          <a:p>
+            <a:endParaRPr lang="zh-CN" altLang="en-US"/>
+          </a:p>
+          <a:p>
             <a:endParaRPr lang="zh-CN" altLang="en-US"/>
           </a:p>
         </p:txBody>
@@ -16509,7 +21708,7 @@
         </p:nvSpPr>
         <p:spPr>
           <a:xfrm>
-            <a:off x="683895" y="1492885"/>
+            <a:off x="1043940" y="1500505"/>
             <a:ext cx="3895090" cy="645160"/>
           </a:xfrm>
           <a:prstGeom prst="rect">
@@ -16552,6 +21751,103 @@
             <a:r>
               <a:rPr lang="zh-CN" altLang="en-US"/>
               <a:t>呢？</a:t>
+            </a:r>
+            <a:endParaRPr lang="zh-CN" altLang="en-US"/>
+          </a:p>
+        </p:txBody>
+      </p:sp>
+      <p:pic>
+        <p:nvPicPr>
+          <p:cNvPr id="8" name="图片 7"/>
+          <p:cNvPicPr>
+            <a:picLocks noChangeAspect="1"/>
+          </p:cNvPicPr>
+          <p:nvPr/>
+        </p:nvPicPr>
+        <p:blipFill>
+          <a:blip r:embed="rId2"/>
+          <a:stretch>
+            <a:fillRect/>
+          </a:stretch>
+        </p:blipFill>
+        <p:spPr>
+          <a:xfrm>
+            <a:off x="1187450" y="3932555"/>
+            <a:ext cx="6801485" cy="988060"/>
+          </a:xfrm>
+          <a:prstGeom prst="rect">
+            <a:avLst/>
+          </a:prstGeom>
+        </p:spPr>
+      </p:pic>
+      <p:sp>
+        <p:nvSpPr>
+          <p:cNvPr id="9" name="文本框 8"/>
+          <p:cNvSpPr txBox="1"/>
+          <p:nvPr/>
+        </p:nvSpPr>
+        <p:spPr>
+          <a:xfrm>
+            <a:off x="1187450" y="5085080"/>
+            <a:ext cx="6906895" cy="1198880"/>
+          </a:xfrm>
+          <a:prstGeom prst="rect">
+            <a:avLst/>
+          </a:prstGeom>
+          <a:noFill/>
+        </p:spPr>
+        <p:txBody>
+          <a:bodyPr wrap="square" rtlCol="0">
+            <a:spAutoFit/>
+          </a:bodyPr>
+          <a:p>
+            <a:r>
+              <a:rPr lang="en-US" altLang="zh-CN"/>
+              <a:t>NodeName</a:t>
+            </a:r>
+            <a:r>
+              <a:rPr lang="zh-CN" altLang="en-US"/>
+              <a:t>：一旦</a:t>
+            </a:r>
+            <a:r>
+              <a:rPr lang="en-US" altLang="zh-CN"/>
+              <a:t> Pod </a:t>
+            </a:r>
+            <a:r>
+              <a:rPr lang="zh-CN" altLang="en-US"/>
+              <a:t>的这个字段被赋值，</a:t>
+            </a:r>
+            <a:r>
+              <a:rPr lang="en-US" altLang="zh-CN"/>
+              <a:t>Kubernetes </a:t>
+            </a:r>
+            <a:r>
+              <a:rPr lang="zh-CN" altLang="en-US"/>
+              <a:t>项目就会被认为这个</a:t>
+            </a:r>
+            <a:r>
+              <a:rPr lang="en-US" altLang="zh-CN"/>
+              <a:t> Pod </a:t>
+            </a:r>
+            <a:r>
+              <a:rPr lang="zh-CN" altLang="en-US"/>
+              <a:t>已经经过了调度，调度的结果就是赋值的节点名字。所以，这个字段一般由调度器负责设置，但用户也可以设置它来</a:t>
+            </a:r>
+            <a:r>
+              <a:rPr lang="en-US" altLang="zh-CN"/>
+              <a:t>“</a:t>
+            </a:r>
+            <a:r>
+              <a:rPr lang="zh-CN" altLang="en-US"/>
+              <a:t>骗过</a:t>
+            </a:r>
+            <a:r>
+              <a:rPr lang="en-US" altLang="zh-CN"/>
+              <a:t>”</a:t>
+            </a:r>
+            <a:r>
+              <a:rPr lang="zh-CN" altLang="en-US"/>
+              <a:t>调度器，当然这个做法一般是在测试或者调试的时候才会用到。</a:t>
             </a:r>
             <a:endParaRPr lang="zh-CN" altLang="en-US"/>
           </a:p>
@@ -16659,14 +21955,14 @@
       <p:grpSpPr/>
       <p:sp>
         <p:nvSpPr>
-          <p:cNvPr id="10241" name="标题 1"/>
+          <p:cNvPr id="8193" name="TextBox 1"/>
           <p:cNvSpPr/>
           <p:nvPr/>
         </p:nvSpPr>
         <p:spPr>
           <a:xfrm>
-            <a:off x="7308850" y="6337300"/>
-            <a:ext cx="1552575" cy="301625"/>
+            <a:off x="228600" y="150813"/>
+            <a:ext cx="3600450" cy="460375"/>
           </a:xfrm>
           <a:prstGeom prst="rect">
             <a:avLst/>
@@ -16677,70 +21973,47 @@
           </a:ln>
         </p:spPr>
         <p:txBody>
-          <a:bodyPr anchor="ctr" anchorCtr="0"/>
+          <a:bodyPr wrap="square" anchor="t" anchorCtr="0">
+            <a:spAutoFit/>
+          </a:bodyPr>
           <a:p>
             <a:pPr eaLnBrk="0" hangingPunct="0"/>
-            <a:endParaRPr lang="zh-CN" sz="1100" i="1">
+            <a:r>
+              <a:rPr lang="zh-CN" altLang="en-US" sz="2400" b="1" dirty="0">
+                <a:solidFill>
+                  <a:srgbClr val="0070C0"/>
+                </a:solidFill>
+                <a:latin typeface="微软雅黑" charset="-108"/>
+                <a:ea typeface="微软雅黑" charset="-108"/>
+                <a:sym typeface="微软雅黑" charset="-108"/>
+              </a:rPr>
+              <a:t>为什么需要</a:t>
+            </a:r>
+            <a:r>
+              <a:rPr lang="en-US" altLang="zh-CN" sz="2400" b="1" dirty="0">
+                <a:solidFill>
+                  <a:srgbClr val="0070C0"/>
+                </a:solidFill>
+                <a:latin typeface="微软雅黑" charset="-108"/>
+                <a:ea typeface="微软雅黑" charset="-108"/>
+                <a:sym typeface="微软雅黑" charset="-108"/>
+              </a:rPr>
+              <a:t>Pod</a:t>
+            </a:r>
+            <a:endParaRPr lang="en-US" altLang="zh-CN" sz="2400" b="1" dirty="0">
               <a:solidFill>
-                <a:srgbClr val="7F7F7F"/>
+                <a:srgbClr val="0070C0"/>
               </a:solidFill>
               <a:latin typeface="微软雅黑" charset="-108"/>
               <a:ea typeface="微软雅黑" charset="-108"/>
-              <a:sym typeface="宋体" pitchFamily="2" charset="-122"/>
-            </a:endParaRPr>
-          </a:p>
-        </p:txBody>
-      </p:sp>
-      <p:sp>
-        <p:nvSpPr>
-          <p:cNvPr id="10242" name="文本框 6"/>
-          <p:cNvSpPr/>
-          <p:nvPr/>
-        </p:nvSpPr>
-        <p:spPr>
-          <a:xfrm>
-            <a:off x="7258050" y="6488113"/>
-            <a:ext cx="1825625" cy="277812"/>
-          </a:xfrm>
-          <a:prstGeom prst="rect">
-            <a:avLst/>
-          </a:prstGeom>
-          <a:noFill/>
-          <a:ln w="9525">
-            <a:noFill/>
-          </a:ln>
-        </p:spPr>
-        <p:txBody>
-          <a:bodyPr wrap="none" anchor="t" anchorCtr="0">
-            <a:spAutoFit/>
-          </a:bodyPr>
-          <a:p>
-            <a:pPr eaLnBrk="0" hangingPunct="0"/>
-            <a:r>
-              <a:rPr lang="zh-CN" altLang="en-US" sz="1100">
-                <a:solidFill>
-                  <a:srgbClr val="000000"/>
-                </a:solidFill>
-                <a:latin typeface="微软雅黑 Light" pitchFamily="2" charset="-122"/>
-                <a:ea typeface="微软雅黑 Light" pitchFamily="2" charset="-122"/>
-                <a:sym typeface="微软雅黑 Light" pitchFamily="2" charset="-122"/>
-              </a:rPr>
-              <a:t>深信服科技培训发展中心系列课程</a:t>
-            </a:r>
-            <a:endParaRPr lang="zh-CN" altLang="en-US" sz="1100">
-              <a:solidFill>
-                <a:srgbClr val="000000"/>
-              </a:solidFill>
-              <a:latin typeface="微软雅黑 Light" pitchFamily="2" charset="-122"/>
-              <a:ea typeface="微软雅黑 Light" pitchFamily="2" charset="-122"/>
-              <a:sym typeface="微软雅黑 Light" pitchFamily="2" charset="-122"/>
+              <a:sym typeface="微软雅黑" charset="-108"/>
             </a:endParaRPr>
           </a:p>
         </p:txBody>
       </p:sp>
       <p:pic>
         <p:nvPicPr>
-          <p:cNvPr id="10243" name="图片 7"/>
+          <p:cNvPr id="8194" name="图片 8194" descr="sangfor_logo"/>
           <p:cNvPicPr>
             <a:picLocks noChangeAspect="1"/>
           </p:cNvPicPr>
@@ -16754,8 +22027,8 @@
         </p:blipFill>
         <p:spPr>
           <a:xfrm>
-            <a:off x="0" y="0"/>
-            <a:ext cx="9144000" cy="6858000"/>
+            <a:off x="7343775" y="473075"/>
+            <a:ext cx="1320800" cy="606425"/>
           </a:xfrm>
           <a:prstGeom prst="rect">
             <a:avLst/>
@@ -16768,14 +22041,14 @@
       </p:pic>
       <p:sp>
         <p:nvSpPr>
-          <p:cNvPr id="10244" name="文本框 9"/>
-          <p:cNvSpPr/>
+          <p:cNvPr id="35841" name="文本框 35841"/>
+          <p:cNvSpPr txBox="1"/>
           <p:nvPr/>
         </p:nvSpPr>
         <p:spPr>
           <a:xfrm>
-            <a:off x="6896100" y="6305550"/>
-            <a:ext cx="1506538" cy="265113"/>
+            <a:off x="323850" y="836930"/>
+            <a:ext cx="5807075" cy="398780"/>
           </a:xfrm>
           <a:prstGeom prst="rect">
             <a:avLst/>
@@ -16786,36 +22059,61 @@
           </a:ln>
         </p:spPr>
         <p:txBody>
-          <a:bodyPr wrap="none" anchor="t" anchorCtr="0">
+          <a:bodyPr wrap="square" anchor="t" anchorCtr="0">
             <a:spAutoFit/>
           </a:bodyPr>
           <a:p>
-            <a:pPr eaLnBrk="0" hangingPunct="0"/>
-            <a:r>
-              <a:rPr lang="zh-CN" altLang="en-US" sz="1000">
+            <a:pPr eaLnBrk="0" hangingPunct="0">
+              <a:buFont typeface="Wingdings" panose="05000000000000000000" pitchFamily="2" charset="2"/>
+              <a:buChar char="Ø"/>
+            </a:pPr>
+            <a:r>
+              <a:rPr lang="zh-CN" altLang="en-US" sz="2000" dirty="0">
                 <a:solidFill>
-                  <a:srgbClr val="000000"/>
+                  <a:srgbClr val="184199"/>
                 </a:solidFill>
-                <a:latin typeface="微软雅黑 Light" pitchFamily="2" charset="-122"/>
-                <a:ea typeface="微软雅黑 Light" pitchFamily="2" charset="-122"/>
-                <a:sym typeface="微软雅黑 Light" pitchFamily="2" charset="-122"/>
-              </a:rPr>
-              <a:t>信锐测试部专业能力精品课程</a:t>
-            </a:r>
-            <a:endParaRPr lang="zh-CN" altLang="en-US" sz="1000">
+                <a:latin typeface="微软雅黑" charset="-108"/>
+                <a:ea typeface="微软雅黑" charset="-108"/>
+                <a:sym typeface="微软雅黑" charset="-108"/>
+              </a:rPr>
+              <a:t> </a:t>
+            </a:r>
+            <a:r>
+              <a:rPr lang="en-US" altLang="zh-CN" sz="2000" dirty="0">
+                <a:solidFill>
+                  <a:srgbClr val="184199"/>
+                </a:solidFill>
+                <a:latin typeface="微软雅黑" charset="-108"/>
+                <a:ea typeface="微软雅黑" charset="-108"/>
+                <a:sym typeface="微软雅黑" charset="-108"/>
+              </a:rPr>
+              <a:t>Pod </a:t>
+            </a:r>
+            <a:r>
+              <a:rPr lang="en-US" altLang="zh-CN" sz="2000" dirty="0">
+                <a:solidFill>
+                  <a:srgbClr val="184199"/>
+                </a:solidFill>
+                <a:latin typeface="微软雅黑" charset="-108"/>
+                <a:ea typeface="微软雅黑" charset="-108"/>
+                <a:sym typeface="微软雅黑" charset="-108"/>
+              </a:rPr>
+              <a:t>API</a:t>
+            </a:r>
+            <a:endParaRPr lang="en-US" altLang="zh-CN" sz="2000" dirty="0">
               <a:solidFill>
-                <a:srgbClr val="000000"/>
+                <a:srgbClr val="184199"/>
               </a:solidFill>
-              <a:latin typeface="微软雅黑 Light" pitchFamily="2" charset="-122"/>
-              <a:ea typeface="微软雅黑 Light" pitchFamily="2" charset="-122"/>
-              <a:sym typeface="微软雅黑 Light" pitchFamily="2" charset="-122"/>
+              <a:latin typeface="微软雅黑" charset="-108"/>
+              <a:ea typeface="微软雅黑" charset="-108"/>
+              <a:sym typeface="微软雅黑" charset="-108"/>
             </a:endParaRPr>
           </a:p>
         </p:txBody>
       </p:sp>
       <p:pic>
         <p:nvPicPr>
-          <p:cNvPr id="10245" name="图片 1"/>
+          <p:cNvPr id="4" name="图片 3"/>
           <p:cNvPicPr>
             <a:picLocks noChangeAspect="1"/>
           </p:cNvPicPr>
@@ -16829,153 +22127,12 @@
         </p:blipFill>
         <p:spPr>
           <a:xfrm>
-            <a:off x="7208838" y="495300"/>
-            <a:ext cx="1390650" cy="806450"/>
+            <a:off x="1043940" y="1484630"/>
+            <a:ext cx="7248525" cy="4766945"/>
           </a:xfrm>
           <a:prstGeom prst="rect">
             <a:avLst/>
           </a:prstGeom>
-          <a:noFill/>
-          <a:ln w="9525">
-            <a:noFill/>
-          </a:ln>
-        </p:spPr>
-      </p:pic>
-      <p:pic>
-        <p:nvPicPr>
-          <p:cNvPr id="10246" name="图片 2"/>
-          <p:cNvPicPr>
-            <a:picLocks noChangeAspect="1"/>
-          </p:cNvPicPr>
-          <p:nvPr/>
-        </p:nvPicPr>
-        <p:blipFill>
-          <a:blip r:embed="rId3"/>
-          <a:stretch>
-            <a:fillRect/>
-          </a:stretch>
-        </p:blipFill>
-        <p:spPr>
-          <a:xfrm>
-            <a:off x="0" y="0"/>
-            <a:ext cx="9144000" cy="6858000"/>
-          </a:xfrm>
-          <a:prstGeom prst="rect">
-            <a:avLst/>
-          </a:prstGeom>
-          <a:noFill/>
-          <a:ln w="9525">
-            <a:noFill/>
-          </a:ln>
-        </p:spPr>
-      </p:pic>
-      <p:sp>
-        <p:nvSpPr>
-          <p:cNvPr id="10247" name="TextBox 23"/>
-          <p:cNvSpPr/>
-          <p:nvPr/>
-        </p:nvSpPr>
-        <p:spPr>
-          <a:xfrm>
-            <a:off x="4351338" y="2778125"/>
-            <a:ext cx="1630045" cy="680085"/>
-          </a:xfrm>
-          <a:prstGeom prst="rect">
-            <a:avLst/>
-          </a:prstGeom>
-          <a:noFill/>
-          <a:ln w="9525">
-            <a:noFill/>
-          </a:ln>
-        </p:spPr>
-        <p:txBody>
-          <a:bodyPr wrap="none" lIns="64802" tIns="32401" rIns="64802" bIns="32401" anchor="t" anchorCtr="0">
-            <a:spAutoFit/>
-          </a:bodyPr>
-          <a:p>
-            <a:r>
-              <a:rPr lang="zh-CN" altLang="en-US" sz="4000" b="1" dirty="0">
-                <a:latin typeface="微软雅黑" charset="-108"/>
-                <a:ea typeface="微软雅黑" charset="-108"/>
-                <a:sym typeface="微软雅黑" charset="-108"/>
-              </a:rPr>
-              <a:t>2</a:t>
-            </a:r>
-            <a:r>
-              <a:rPr lang="en-US" altLang="zh-CN" sz="4000" b="1" dirty="0">
-                <a:latin typeface="微软雅黑" charset="-108"/>
-                <a:ea typeface="微软雅黑" charset="-108"/>
-                <a:sym typeface="微软雅黑" charset="-108"/>
-              </a:rPr>
-              <a:t> </a:t>
-            </a:r>
-            <a:r>
-              <a:rPr lang="zh-CN" altLang="en-US" sz="4000" b="1" dirty="0">
-                <a:latin typeface="微软雅黑" charset="-108"/>
-                <a:ea typeface="微软雅黑" charset="-108"/>
-                <a:sym typeface="微软雅黑" charset="-108"/>
-              </a:rPr>
-              <a:t>容器</a:t>
-            </a:r>
-            <a:endParaRPr lang="zh-CN" altLang="en-US" sz="4000" b="1" dirty="0">
-              <a:latin typeface="微软雅黑" charset="-108"/>
-              <a:ea typeface="微软雅黑" charset="-108"/>
-              <a:sym typeface="微软雅黑" charset="-108"/>
-            </a:endParaRPr>
-          </a:p>
-        </p:txBody>
-      </p:sp>
-      <p:sp>
-        <p:nvSpPr>
-          <p:cNvPr id="10248" name="直线连接符 6"/>
-          <p:cNvSpPr/>
-          <p:nvPr/>
-        </p:nvSpPr>
-        <p:spPr>
-          <a:xfrm flipV="1">
-            <a:off x="4513263" y="3594100"/>
-            <a:ext cx="3876675" cy="1588"/>
-          </a:xfrm>
-          <a:prstGeom prst="line">
-            <a:avLst/>
-          </a:prstGeom>
-          <a:ln w="19050" cap="flat" cmpd="sng">
-            <a:solidFill>
-              <a:srgbClr val="7F7F7F"/>
-            </a:solidFill>
-            <a:prstDash val="solid"/>
-            <a:round/>
-            <a:headEnd type="none" w="med" len="med"/>
-            <a:tailEnd type="none" w="med" len="med"/>
-          </a:ln>
-        </p:spPr>
-      </p:sp>
-      <p:pic>
-        <p:nvPicPr>
-          <p:cNvPr id="10249" name="图片 10249" descr="sangfor_logo"/>
-          <p:cNvPicPr>
-            <a:picLocks noChangeAspect="1"/>
-          </p:cNvPicPr>
-          <p:nvPr/>
-        </p:nvPicPr>
-        <p:blipFill>
-          <a:blip r:embed="rId4"/>
-          <a:stretch>
-            <a:fillRect/>
-          </a:stretch>
-        </p:blipFill>
-        <p:spPr>
-          <a:xfrm>
-            <a:off x="7343775" y="473075"/>
-            <a:ext cx="1320800" cy="606425"/>
-          </a:xfrm>
-          <a:prstGeom prst="rect">
-            <a:avLst/>
-          </a:prstGeom>
-          <a:noFill/>
-          <a:ln w="9525">
-            <a:noFill/>
-          </a:ln>
         </p:spPr>
       </p:pic>
     </p:spTree>
@@ -16983,6 +22140,88 @@
   <p:clrMapOvr>
     <a:masterClrMapping/>
   </p:clrMapOvr>
+  <p:timing>
+    <p:tnLst>
+      <p:par>
+        <p:cTn id="1" dur="indefinite" restart="never" nodeType="tmRoot">
+          <p:childTnLst>
+            <p:seq concurrent="1" nextAc="seek">
+              <p:cTn id="2" dur="indefinite" nodeType="mainSeq">
+                <p:childTnLst>
+                  <p:par>
+                    <p:cTn id="3" fill="hold">
+                      <p:stCondLst>
+                        <p:cond delay="indefinite"/>
+                        <p:cond evt="onBegin" delay="0">
+                          <p:tn val="2"/>
+                        </p:cond>
+                      </p:stCondLst>
+                      <p:childTnLst>
+                        <p:par>
+                          <p:cTn id="4" fill="hold">
+                            <p:stCondLst>
+                              <p:cond delay="0"/>
+                            </p:stCondLst>
+                            <p:childTnLst>
+                              <p:par>
+                                <p:cTn id="5" presetID="1" presetClass="entr" presetSubtype="0" fill="hold" grpId="0" nodeType="withEffect">
+                                  <p:stCondLst>
+                                    <p:cond delay="0"/>
+                                  </p:stCondLst>
+                                  <p:childTnLst>
+                                    <p:set>
+                                      <p:cBhvr>
+                                        <p:cTn id="6" dur="1" fill="hold">
+                                          <p:stCondLst>
+                                            <p:cond delay="0"/>
+                                          </p:stCondLst>
+                                        </p:cTn>
+                                        <p:tgtEl>
+                                          <p:spTgt spid="35841"/>
+                                        </p:tgtEl>
+                                        <p:attrNameLst>
+                                          <p:attrName>style.visibility</p:attrName>
+                                        </p:attrNameLst>
+                                      </p:cBhvr>
+                                      <p:to>
+                                        <p:strVal val="visible"/>
+                                      </p:to>
+                                    </p:set>
+                                  </p:childTnLst>
+                                </p:cTn>
+                              </p:par>
+                            </p:childTnLst>
+                          </p:cTn>
+                        </p:par>
+                      </p:childTnLst>
+                    </p:cTn>
+                  </p:par>
+                </p:childTnLst>
+              </p:cTn>
+              <p:prevCondLst>
+                <p:cond evt="onPrev" delay="0">
+                  <p:tgtEl>
+                    <p:sldTgt/>
+                  </p:tgtEl>
+                </p:cond>
+              </p:prevCondLst>
+              <p:nextCondLst>
+                <p:cond evt="onNext" delay="0">
+                  <p:tgtEl>
+                    <p:sldTgt/>
+                  </p:tgtEl>
+                </p:cond>
+              </p:nextCondLst>
+            </p:seq>
+          </p:childTnLst>
+        </p:cTn>
+      </p:par>
+    </p:tnLst>
+    <p:bldLst>
+      <p:bldP spid="35841" grpId="0"/>
+      <p:bldP spid="35841" grpId="1"/>
+    </p:bldLst>
+  </p:timing>
 </p:sld>
 </file>
 

--- a/lession2/kubernetes第二课.pptx
+++ b/lession2/kubernetes第二课.pptx
@@ -24,19 +24,14 @@
     <p:sldId id="381" r:id="rId17"/>
     <p:sldId id="382" r:id="rId18"/>
     <p:sldId id="260" r:id="rId19"/>
-    <p:sldId id="312" r:id="rId20"/>
-    <p:sldId id="337" r:id="rId21"/>
-    <p:sldId id="351" r:id="rId22"/>
-    <p:sldId id="352" r:id="rId23"/>
-    <p:sldId id="353" r:id="rId24"/>
-    <p:sldId id="354" r:id="rId25"/>
-    <p:sldId id="344" r:id="rId26"/>
-    <p:sldId id="263" r:id="rId27"/>
-    <p:sldId id="339" r:id="rId28"/>
-    <p:sldId id="340" r:id="rId29"/>
-    <p:sldId id="265" r:id="rId30"/>
-    <p:sldId id="266" r:id="rId31"/>
-    <p:sldId id="267" r:id="rId32"/>
+    <p:sldId id="383" r:id="rId20"/>
+    <p:sldId id="384" r:id="rId21"/>
+    <p:sldId id="385" r:id="rId22"/>
+    <p:sldId id="386" r:id="rId23"/>
+    <p:sldId id="387" r:id="rId24"/>
+    <p:sldId id="388" r:id="rId25"/>
+    <p:sldId id="263" r:id="rId26"/>
+    <p:sldId id="267" r:id="rId27"/>
   </p:sldIdLst>
   <p:sldSz cx="9144000" cy="6858000"/>
   <p:notesSz cx="6858000" cy="9144000"/>
@@ -259,42 +254,6 @@
 </p:cmAuthorLst>
 </file>
 
-<file path=ppt/comments/comment1.xml><?xml version="1.0" encoding="utf-8"?>
-<p:cmLst xmlns:a="http://schemas.openxmlformats.org/drawingml/2006/main" xmlns:r="http://schemas.openxmlformats.org/officeDocument/2006/relationships" xmlns:p="http://schemas.openxmlformats.org/presentationml/2006/main">
-  <p:cm authorId="302334466" dt="2025-01-26T17:42:10.065" idx="1">
-    <p:pos x="10" y="10"/>
-    <p:text/>
-  </p:cm>
-</p:cmLst>
-</file>
-
-<file path=ppt/comments/comment2.xml><?xml version="1.0" encoding="utf-8"?>
-<p:cmLst xmlns:a="http://schemas.openxmlformats.org/drawingml/2006/main" xmlns:r="http://schemas.openxmlformats.org/officeDocument/2006/relationships" xmlns:p="http://schemas.openxmlformats.org/presentationml/2006/main">
-  <p:cm authorId="302334466" dt="2025-01-26T17:42:10.065" idx="1">
-    <p:pos x="10" y="10"/>
-    <p:text/>
-  </p:cm>
-</p:cmLst>
-</file>
-
-<file path=ppt/comments/comment3.xml><?xml version="1.0" encoding="utf-8"?>
-<p:cmLst xmlns:a="http://schemas.openxmlformats.org/drawingml/2006/main" xmlns:r="http://schemas.openxmlformats.org/officeDocument/2006/relationships" xmlns:p="http://schemas.openxmlformats.org/presentationml/2006/main">
-  <p:cm authorId="302334466" dt="2025-01-26T17:42:10.065" idx="1">
-    <p:pos x="10" y="10"/>
-    <p:text/>
-  </p:cm>
-</p:cmLst>
-</file>
-
-<file path=ppt/comments/comment4.xml><?xml version="1.0" encoding="utf-8"?>
-<p:cmLst xmlns:a="http://schemas.openxmlformats.org/drawingml/2006/main" xmlns:r="http://schemas.openxmlformats.org/officeDocument/2006/relationships" xmlns:p="http://schemas.openxmlformats.org/presentationml/2006/main">
-  <p:cm authorId="302334466" dt="2025-01-26T17:42:10.065" idx="1">
-    <p:pos x="10" y="10"/>
-    <p:text/>
-  </p:cm>
-</p:cmLst>
-</file>
-
 <file path=ppt/notesMasters/notesMaster1.xml><?xml version="1.0" encoding="utf-8"?>
 <p:notesMaster xmlns:a="http://schemas.openxmlformats.org/drawingml/2006/main" xmlns:r="http://schemas.openxmlformats.org/officeDocument/2006/relationships" xmlns:p="http://schemas.openxmlformats.org/presentationml/2006/main">
   <p:cSld>
@@ -1564,7 +1523,7 @@
       <p:grpSpPr/>
       <p:sp>
         <p:nvSpPr>
-          <p:cNvPr id="23554" name="幻灯片图像占位符 23553"/>
+          <p:cNvPr id="9218" name="幻灯片图像占位符 9217"/>
           <p:cNvSpPr>
             <a:spLocks noGrp="1"/>
           </p:cNvSpPr>
@@ -1578,7 +1537,7 @@
       </p:sp>
       <p:sp>
         <p:nvSpPr>
-          <p:cNvPr id="23555" name="文本占位符 23554"/>
+          <p:cNvPr id="9219" name="文本占位符 9218"/>
           <p:cNvSpPr>
             <a:spLocks noGrp="1"/>
           </p:cNvSpPr>
@@ -1593,48 +1552,426 @@
           <a:bodyPr anchor="ctr" anchorCtr="0"/>
           <a:p>
             <a:pPr lvl="0"/>
-            <a:endParaRPr lang="zh-CN" altLang="en-US" dirty="0">
-              <a:ea typeface="宋体" pitchFamily="2" charset="-122"/>
-            </a:endParaRPr>
-          </a:p>
-          <a:p>
-            <a:pPr lvl="0"/>
-            <a:endParaRPr lang="zh-CN" altLang="en-US" dirty="0">
-              <a:ea typeface="宋体" pitchFamily="2" charset="-122"/>
-            </a:endParaRPr>
-          </a:p>
-          <a:p>
-            <a:pPr lvl="0"/>
-            <a:endParaRPr lang="zh-CN" altLang="en-US" dirty="0">
-              <a:ea typeface="宋体" pitchFamily="2" charset="-122"/>
-            </a:endParaRPr>
-          </a:p>
-          <a:p>
-            <a:pPr lvl="0"/>
-            <a:endParaRPr lang="zh-CN" altLang="en-US" dirty="0">
-              <a:ea typeface="宋体" pitchFamily="2" charset="-122"/>
-            </a:endParaRPr>
-          </a:p>
-          <a:p>
-            <a:pPr lvl="0"/>
-            <a:endParaRPr lang="zh-CN" altLang="en-US" dirty="0">
-              <a:ea typeface="宋体" pitchFamily="2" charset="-122"/>
-            </a:endParaRPr>
-          </a:p>
-          <a:p>
-            <a:pPr lvl="0"/>
-            <a:endParaRPr lang="zh-CN" altLang="en-US" dirty="0">
-              <a:cs typeface="Arial" panose="020B0704020202020204" pitchFamily="34" charset="0"/>
-            </a:endParaRPr>
-          </a:p>
-          <a:p>
-            <a:pPr lvl="0"/>
-            <a:endParaRPr lang="zh-CN" altLang="en-US" dirty="0">
-              <a:cs typeface="Arial" panose="020B0704020202020204" pitchFamily="34" charset="0"/>
-            </a:endParaRPr>
-          </a:p>
-          <a:p>
-            <a:pPr lvl="0"/>
+            <a:r>
+              <a:rPr lang="zh-CN" altLang="en-US" dirty="0">
+                <a:cs typeface="Arial" panose="020B0704020202020204" pitchFamily="34" charset="0"/>
+              </a:rPr>
+              <a:t>4.26 熟悉SASE</a:t>
+            </a:r>
+            <a:endParaRPr lang="zh-CN" altLang="en-US" dirty="0">
+              <a:cs typeface="Arial" panose="020B0704020202020204" pitchFamily="34" charset="0"/>
+            </a:endParaRPr>
+          </a:p>
+          <a:p>
+            <a:pPr lvl="0"/>
+            <a:r>
+              <a:rPr lang="zh-CN" altLang="en-US" dirty="0">
+                <a:cs typeface="Arial" panose="020B0704020202020204" pitchFamily="34" charset="0"/>
+              </a:rPr>
+              <a:t>- 熟悉SASE产品（）</a:t>
+            </a:r>
+            <a:endParaRPr lang="zh-CN" altLang="en-US" dirty="0">
+              <a:cs typeface="Arial" panose="020B0704020202020204" pitchFamily="34" charset="0"/>
+            </a:endParaRPr>
+          </a:p>
+          <a:p>
+            <a:pPr lvl="0"/>
+            <a:r>
+              <a:rPr lang="zh-CN" altLang="en-US" dirty="0">
+                <a:cs typeface="Arial" panose="020B0704020202020204" pitchFamily="34" charset="0"/>
+              </a:rPr>
+              <a:t>- 学习SASE整体架构与组件 （）</a:t>
+            </a:r>
+            <a:endParaRPr lang="zh-CN" altLang="en-US" dirty="0">
+              <a:cs typeface="Arial" panose="020B0704020202020204" pitchFamily="34" charset="0"/>
+            </a:endParaRPr>
+          </a:p>
+          <a:p>
+            <a:pPr lvl="0"/>
+            <a:r>
+              <a:rPr lang="zh-CN" altLang="en-US" dirty="0">
+                <a:cs typeface="Arial" panose="020B0704020202020204" pitchFamily="34" charset="0"/>
+              </a:rPr>
+              <a:t>- 熟悉fwaas CI流程</a:t>
+            </a:r>
+            <a:endParaRPr lang="zh-CN" altLang="en-US" dirty="0">
+              <a:cs typeface="Arial" panose="020B0704020202020204" pitchFamily="34" charset="0"/>
+            </a:endParaRPr>
+          </a:p>
+          <a:p>
+            <a:pPr lvl="0"/>
+            <a:r>
+              <a:rPr lang="zh-CN" altLang="en-US" dirty="0">
+                <a:cs typeface="Arial" panose="020B0704020202020204" pitchFamily="34" charset="0"/>
+              </a:rPr>
+              <a:t>- 支持Fwaas流水线多feature分支出包特性</a:t>
+            </a:r>
+            <a:endParaRPr lang="zh-CN" altLang="en-US" dirty="0">
+              <a:cs typeface="Arial" panose="020B0704020202020204" pitchFamily="34" charset="0"/>
+            </a:endParaRPr>
+          </a:p>
+          <a:p>
+            <a:pPr lvl="0"/>
+            <a:endParaRPr lang="zh-CN" altLang="en-US" dirty="0">
+              <a:cs typeface="Arial" panose="020B0704020202020204" pitchFamily="34" charset="0"/>
+            </a:endParaRPr>
+          </a:p>
+          <a:p>
+            <a:pPr lvl="0"/>
+            <a:r>
+              <a:rPr lang="zh-CN" altLang="en-US" dirty="0">
+                <a:cs typeface="Arial" panose="020B0704020202020204" pitchFamily="34" charset="0"/>
+              </a:rPr>
+              <a:t>5.30  SASE部署</a:t>
+            </a:r>
+            <a:endParaRPr lang="zh-CN" altLang="en-US" dirty="0">
+              <a:cs typeface="Arial" panose="020B0704020202020204" pitchFamily="34" charset="0"/>
+            </a:endParaRPr>
+          </a:p>
+          <a:p>
+            <a:pPr lvl="0"/>
+            <a:r>
+              <a:rPr lang="zh-CN" altLang="en-US" dirty="0">
+                <a:cs typeface="Arial" panose="020B0704020202020204" pitchFamily="34" charset="0"/>
+              </a:rPr>
+              <a:t>	学习PoP点搭建</a:t>
+            </a:r>
+            <a:endParaRPr lang="zh-CN" altLang="en-US" dirty="0">
+              <a:cs typeface="Arial" panose="020B0704020202020204" pitchFamily="34" charset="0"/>
+            </a:endParaRPr>
+          </a:p>
+          <a:p>
+            <a:pPr lvl="0"/>
+            <a:r>
+              <a:rPr lang="zh-CN" altLang="en-US" dirty="0">
+                <a:cs typeface="Arial" panose="020B0704020202020204" pitchFamily="34" charset="0"/>
+              </a:rPr>
+              <a:t>	设计sase安装工程</a:t>
+            </a:r>
+            <a:endParaRPr lang="zh-CN" altLang="en-US" dirty="0">
+              <a:cs typeface="Arial" panose="020B0704020202020204" pitchFamily="34" charset="0"/>
+            </a:endParaRPr>
+          </a:p>
+          <a:p>
+            <a:pPr lvl="0"/>
+            <a:r>
+              <a:rPr lang="zh-CN" altLang="en-US" dirty="0">
+                <a:cs typeface="Arial" panose="020B0704020202020204" pitchFamily="34" charset="0"/>
+              </a:rPr>
+              <a:t>	构建popsprite工程CI/CD</a:t>
+            </a:r>
+            <a:endParaRPr lang="zh-CN" altLang="en-US" dirty="0">
+              <a:cs typeface="Arial" panose="020B0704020202020204" pitchFamily="34" charset="0"/>
+            </a:endParaRPr>
+          </a:p>
+          <a:p>
+            <a:pPr lvl="0"/>
+            <a:r>
+              <a:rPr lang="zh-CN" altLang="en-US" dirty="0">
+                <a:cs typeface="Arial" panose="020B0704020202020204" pitchFamily="34" charset="0"/>
+              </a:rPr>
+              <a:t>	pop控制器解决中间件问题</a:t>
+            </a:r>
+            <a:endParaRPr lang="zh-CN" altLang="en-US" dirty="0">
+              <a:cs typeface="Arial" panose="020B0704020202020204" pitchFamily="34" charset="0"/>
+            </a:endParaRPr>
+          </a:p>
+          <a:p>
+            <a:pPr lvl="0"/>
+            <a:endParaRPr lang="zh-CN" altLang="en-US" dirty="0">
+              <a:cs typeface="Arial" panose="020B0704020202020204" pitchFamily="34" charset="0"/>
+            </a:endParaRPr>
+          </a:p>
+          <a:p>
+            <a:pPr lvl="0"/>
+            <a:r>
+              <a:rPr lang="zh-CN" altLang="en-US" dirty="0">
+                <a:cs typeface="Arial" panose="020B0704020202020204" pitchFamily="34" charset="0"/>
+              </a:rPr>
+              <a:t>6.30  轻量化托管PoP</a:t>
+            </a:r>
+            <a:endParaRPr lang="zh-CN" altLang="en-US" dirty="0">
+              <a:cs typeface="Arial" panose="020B0704020202020204" pitchFamily="34" charset="0"/>
+            </a:endParaRPr>
+          </a:p>
+          <a:p>
+            <a:pPr lvl="0"/>
+            <a:r>
+              <a:rPr lang="zh-CN" altLang="en-US" dirty="0">
+                <a:cs typeface="Arial" panose="020B0704020202020204" pitchFamily="34" charset="0"/>
+              </a:rPr>
+              <a:t>	易部署工程化：对内解决环境不稳定，不够用的情况</a:t>
+            </a:r>
+            <a:endParaRPr lang="zh-CN" altLang="en-US" dirty="0">
+              <a:cs typeface="Arial" panose="020B0704020202020204" pitchFamily="34" charset="0"/>
+            </a:endParaRPr>
+          </a:p>
+          <a:p>
+            <a:pPr lvl="0"/>
+            <a:r>
+              <a:rPr lang="zh-CN" altLang="en-US" dirty="0">
+                <a:cs typeface="Arial" panose="020B0704020202020204" pitchFamily="34" charset="0"/>
+              </a:rPr>
+              <a:t>	pop场景支撑</a:t>
+            </a:r>
+            <a:endParaRPr lang="zh-CN" altLang="en-US" dirty="0">
+              <a:cs typeface="Arial" panose="020B0704020202020204" pitchFamily="34" charset="0"/>
+            </a:endParaRPr>
+          </a:p>
+          <a:p>
+            <a:pPr lvl="0"/>
+            <a:r>
+              <a:rPr lang="zh-CN" altLang="en-US" dirty="0">
+                <a:cs typeface="Arial" panose="020B0704020202020204" pitchFamily="34" charset="0"/>
+              </a:rPr>
+              <a:t>		pop 节点扩展</a:t>
+            </a:r>
+            <a:endParaRPr lang="zh-CN" altLang="en-US" dirty="0">
+              <a:cs typeface="Arial" panose="020B0704020202020204" pitchFamily="34" charset="0"/>
+            </a:endParaRPr>
+          </a:p>
+          <a:p>
+            <a:pPr lvl="0"/>
+            <a:r>
+              <a:rPr lang="zh-CN" altLang="en-US" dirty="0">
+                <a:cs typeface="Arial" panose="020B0704020202020204" pitchFamily="34" charset="0"/>
+              </a:rPr>
+              <a:t>		pop 资源管理</a:t>
+            </a:r>
+            <a:endParaRPr lang="zh-CN" altLang="en-US" dirty="0">
+              <a:cs typeface="Arial" panose="020B0704020202020204" pitchFamily="34" charset="0"/>
+            </a:endParaRPr>
+          </a:p>
+          <a:p>
+            <a:pPr lvl="0"/>
+            <a:r>
+              <a:rPr lang="zh-CN" altLang="en-US" dirty="0">
+                <a:cs typeface="Arial" panose="020B0704020202020204" pitchFamily="34" charset="0"/>
+              </a:rPr>
+              <a:t>		poc集群，3+n生产集群</a:t>
+            </a:r>
+            <a:endParaRPr lang="zh-CN" altLang="en-US" dirty="0">
+              <a:cs typeface="Arial" panose="020B0704020202020204" pitchFamily="34" charset="0"/>
+            </a:endParaRPr>
+          </a:p>
+          <a:p>
+            <a:pPr lvl="0"/>
+            <a:r>
+              <a:rPr lang="zh-CN" altLang="en-US" dirty="0">
+                <a:cs typeface="Arial" panose="020B0704020202020204" pitchFamily="34" charset="0"/>
+              </a:rPr>
+              <a:t>	租户编排</a:t>
+            </a:r>
+            <a:endParaRPr lang="zh-CN" altLang="en-US" dirty="0">
+              <a:cs typeface="Arial" panose="020B0704020202020204" pitchFamily="34" charset="0"/>
+            </a:endParaRPr>
+          </a:p>
+          <a:p>
+            <a:pPr lvl="0"/>
+            <a:r>
+              <a:rPr lang="zh-CN" altLang="en-US" dirty="0">
+                <a:cs typeface="Arial" panose="020B0704020202020204" pitchFamily="34" charset="0"/>
+              </a:rPr>
+              <a:t>		验证2000租户下瓶颈点</a:t>
+            </a:r>
+            <a:endParaRPr lang="zh-CN" altLang="en-US" dirty="0">
+              <a:cs typeface="Arial" panose="020B0704020202020204" pitchFamily="34" charset="0"/>
+            </a:endParaRPr>
+          </a:p>
+          <a:p>
+            <a:pPr lvl="0"/>
+            <a:r>
+              <a:rPr lang="zh-CN" altLang="en-US" dirty="0">
+                <a:cs typeface="Arial" panose="020B0704020202020204" pitchFamily="34" charset="0"/>
+              </a:rPr>
+              <a:t>			磁盘IO</a:t>
+            </a:r>
+            <a:endParaRPr lang="zh-CN" altLang="en-US" dirty="0">
+              <a:cs typeface="Arial" panose="020B0704020202020204" pitchFamily="34" charset="0"/>
+            </a:endParaRPr>
+          </a:p>
+          <a:p>
+            <a:pPr lvl="0"/>
+            <a:r>
+              <a:rPr lang="zh-CN" altLang="en-US" dirty="0">
+                <a:cs typeface="Arial" panose="020B0704020202020204" pitchFamily="34" charset="0"/>
+              </a:rPr>
+              <a:t>			控制面扩展能力</a:t>
+            </a:r>
+            <a:endParaRPr lang="zh-CN" altLang="en-US" dirty="0">
+              <a:cs typeface="Arial" panose="020B0704020202020204" pitchFamily="34" charset="0"/>
+            </a:endParaRPr>
+          </a:p>
+          <a:p>
+            <a:pPr lvl="0"/>
+            <a:r>
+              <a:rPr lang="zh-CN" altLang="en-US" dirty="0">
+                <a:cs typeface="Arial" panose="020B0704020202020204" pitchFamily="34" charset="0"/>
+              </a:rPr>
+              <a:t>			fwaas的控制线程 1 : 12</a:t>
+            </a:r>
+            <a:endParaRPr lang="zh-CN" altLang="en-US" dirty="0">
+              <a:cs typeface="Arial" panose="020B0704020202020204" pitchFamily="34" charset="0"/>
+            </a:endParaRPr>
+          </a:p>
+          <a:p>
+            <a:pPr lvl="0"/>
+            <a:r>
+              <a:rPr lang="zh-CN" altLang="en-US" dirty="0">
+                <a:cs typeface="Arial" panose="020B0704020202020204" pitchFamily="34" charset="0"/>
+              </a:rPr>
+              <a:t>		租户编排宏观诊断工具</a:t>
+            </a:r>
+            <a:endParaRPr lang="zh-CN" altLang="en-US" dirty="0">
+              <a:cs typeface="Arial" panose="020B0704020202020204" pitchFamily="34" charset="0"/>
+            </a:endParaRPr>
+          </a:p>
+          <a:p>
+            <a:pPr lvl="0"/>
+            <a:endParaRPr lang="zh-CN" altLang="en-US" dirty="0">
+              <a:cs typeface="Arial" panose="020B0704020202020204" pitchFamily="34" charset="0"/>
+            </a:endParaRPr>
+          </a:p>
+          <a:p>
+            <a:pPr lvl="0"/>
+            <a:r>
+              <a:rPr lang="zh-CN" altLang="en-US" dirty="0">
+                <a:cs typeface="Arial" panose="020B0704020202020204" pitchFamily="34" charset="0"/>
+              </a:rPr>
+              <a:t>至今 轻量化托管PoP标准化</a:t>
+            </a:r>
+            <a:endParaRPr lang="zh-CN" altLang="en-US" dirty="0">
+              <a:cs typeface="Arial" panose="020B0704020202020204" pitchFamily="34" charset="0"/>
+            </a:endParaRPr>
+          </a:p>
+          <a:p>
+            <a:pPr lvl="0"/>
+            <a:r>
+              <a:rPr lang="zh-CN" altLang="en-US" dirty="0">
+                <a:cs typeface="Arial" panose="020B0704020202020204" pitchFamily="34" charset="0"/>
+              </a:rPr>
+              <a:t>	场景</a:t>
+            </a:r>
+            <a:endParaRPr lang="zh-CN" altLang="en-US" dirty="0">
+              <a:cs typeface="Arial" panose="020B0704020202020204" pitchFamily="34" charset="0"/>
+            </a:endParaRPr>
+          </a:p>
+          <a:p>
+            <a:pPr lvl="0"/>
+            <a:r>
+              <a:rPr lang="zh-CN" altLang="en-US" dirty="0">
+                <a:cs typeface="Arial" panose="020B0704020202020204" pitchFamily="34" charset="0"/>
+              </a:rPr>
+              <a:t>		HCI：武汉轻量化pop</a:t>
+            </a:r>
+            <a:endParaRPr lang="zh-CN" altLang="en-US" dirty="0">
+              <a:cs typeface="Arial" panose="020B0704020202020204" pitchFamily="34" charset="0"/>
+            </a:endParaRPr>
+          </a:p>
+          <a:p>
+            <a:pPr lvl="0"/>
+            <a:r>
+              <a:rPr lang="zh-CN" altLang="en-US" dirty="0">
+                <a:cs typeface="Arial" panose="020B0704020202020204" pitchFamily="34" charset="0"/>
+              </a:rPr>
+              <a:t>		VMWare：塞柏特vmware轻量化pop</a:t>
+            </a:r>
+            <a:endParaRPr lang="zh-CN" altLang="en-US" dirty="0">
+              <a:cs typeface="Arial" panose="020B0704020202020204" pitchFamily="34" charset="0"/>
+            </a:endParaRPr>
+          </a:p>
+          <a:p>
+            <a:pPr lvl="0"/>
+            <a:r>
+              <a:rPr lang="zh-CN" altLang="en-US" dirty="0">
+                <a:cs typeface="Arial" panose="020B0704020202020204" pitchFamily="34" charset="0"/>
+              </a:rPr>
+              <a:t>		公有云</a:t>
+            </a:r>
+            <a:endParaRPr lang="zh-CN" altLang="en-US" dirty="0">
+              <a:cs typeface="Arial" panose="020B0704020202020204" pitchFamily="34" charset="0"/>
+            </a:endParaRPr>
+          </a:p>
+          <a:p>
+            <a:pPr lvl="0"/>
+            <a:r>
+              <a:rPr lang="zh-CN" altLang="en-US" dirty="0">
+                <a:cs typeface="Arial" panose="020B0704020202020204" pitchFamily="34" charset="0"/>
+              </a:rPr>
+              <a:t>	易部署工程化</a:t>
+            </a:r>
+            <a:endParaRPr lang="zh-CN" altLang="en-US" dirty="0">
+              <a:cs typeface="Arial" panose="020B0704020202020204" pitchFamily="34" charset="0"/>
+            </a:endParaRPr>
+          </a:p>
+          <a:p>
+            <a:pPr lvl="0"/>
+            <a:r>
+              <a:rPr lang="zh-CN" altLang="en-US" dirty="0">
+                <a:cs typeface="Arial" panose="020B0704020202020204" pitchFamily="34" charset="0"/>
+              </a:rPr>
+              <a:t>		支持公有云部署</a:t>
+            </a:r>
+            <a:endParaRPr lang="zh-CN" altLang="en-US" dirty="0">
+              <a:cs typeface="Arial" panose="020B0704020202020204" pitchFamily="34" charset="0"/>
+            </a:endParaRPr>
+          </a:p>
+          <a:p>
+            <a:pPr lvl="0"/>
+            <a:r>
+              <a:rPr lang="zh-CN" altLang="en-US" dirty="0">
+                <a:cs typeface="Arial" panose="020B0704020202020204" pitchFamily="34" charset="0"/>
+              </a:rPr>
+              <a:t>		对接中心端与升级平台</a:t>
+            </a:r>
+            <a:endParaRPr lang="zh-CN" altLang="en-US" dirty="0">
+              <a:cs typeface="Arial" panose="020B0704020202020204" pitchFamily="34" charset="0"/>
+            </a:endParaRPr>
+          </a:p>
+          <a:p>
+            <a:pPr lvl="0"/>
+            <a:r>
+              <a:rPr lang="zh-CN" altLang="en-US" dirty="0">
+                <a:cs typeface="Arial" panose="020B0704020202020204" pitchFamily="34" charset="0"/>
+              </a:rPr>
+              <a:t>		配置接入组件</a:t>
+            </a:r>
+            <a:endParaRPr lang="zh-CN" altLang="en-US" dirty="0">
+              <a:cs typeface="Arial" panose="020B0704020202020204" pitchFamily="34" charset="0"/>
+            </a:endParaRPr>
+          </a:p>
+          <a:p>
+            <a:pPr lvl="0"/>
+            <a:r>
+              <a:rPr lang="zh-CN" altLang="en-US" dirty="0">
+                <a:cs typeface="Arial" panose="020B0704020202020204" pitchFamily="34" charset="0"/>
+              </a:rPr>
+              <a:t>	监控与报警</a:t>
+            </a:r>
+            <a:endParaRPr lang="zh-CN" altLang="en-US" dirty="0">
+              <a:cs typeface="Arial" panose="020B0704020202020204" pitchFamily="34" charset="0"/>
+            </a:endParaRPr>
+          </a:p>
+          <a:p>
+            <a:pPr lvl="0"/>
+            <a:r>
+              <a:rPr lang="zh-CN" altLang="en-US" dirty="0">
+                <a:cs typeface="Arial" panose="020B0704020202020204" pitchFamily="34" charset="0"/>
+              </a:rPr>
+              <a:t>		磁盘IO 与 磁盘吞吐</a:t>
+            </a:r>
+            <a:endParaRPr lang="zh-CN" altLang="en-US" dirty="0">
+              <a:cs typeface="Arial" panose="020B0704020202020204" pitchFamily="34" charset="0"/>
+            </a:endParaRPr>
+          </a:p>
+          <a:p>
+            <a:pPr lvl="0"/>
+            <a:r>
+              <a:rPr lang="zh-CN" altLang="en-US" dirty="0">
+                <a:cs typeface="Arial" panose="020B0704020202020204" pitchFamily="34" charset="0"/>
+              </a:rPr>
+              <a:t>		控制面事件队列</a:t>
+            </a:r>
             <a:endParaRPr lang="zh-CN" altLang="en-US" dirty="0">
               <a:ea typeface="Arial" panose="020B0704020202020204" pitchFamily="34" charset="0"/>
             </a:endParaRPr>
@@ -1669,7 +2006,7 @@
       <p:grpSpPr/>
       <p:sp>
         <p:nvSpPr>
-          <p:cNvPr id="23554" name="幻灯片图像占位符 23553"/>
+          <p:cNvPr id="9218" name="幻灯片图像占位符 9217"/>
           <p:cNvSpPr>
             <a:spLocks noGrp="1"/>
           </p:cNvSpPr>
@@ -1683,7 +2020,7 @@
       </p:sp>
       <p:sp>
         <p:nvSpPr>
-          <p:cNvPr id="23555" name="文本占位符 23554"/>
+          <p:cNvPr id="9219" name="文本占位符 9218"/>
           <p:cNvSpPr>
             <a:spLocks noGrp="1"/>
           </p:cNvSpPr>
@@ -1698,48 +2035,426 @@
           <a:bodyPr anchor="ctr" anchorCtr="0"/>
           <a:p>
             <a:pPr lvl="0"/>
-            <a:endParaRPr lang="zh-CN" altLang="en-US" dirty="0">
-              <a:ea typeface="宋体" pitchFamily="2" charset="-122"/>
-            </a:endParaRPr>
-          </a:p>
-          <a:p>
-            <a:pPr lvl="0"/>
-            <a:endParaRPr lang="zh-CN" altLang="en-US" dirty="0">
-              <a:ea typeface="宋体" pitchFamily="2" charset="-122"/>
-            </a:endParaRPr>
-          </a:p>
-          <a:p>
-            <a:pPr lvl="0"/>
-            <a:endParaRPr lang="zh-CN" altLang="en-US" dirty="0">
-              <a:ea typeface="宋体" pitchFamily="2" charset="-122"/>
-            </a:endParaRPr>
-          </a:p>
-          <a:p>
-            <a:pPr lvl="0"/>
-            <a:endParaRPr lang="zh-CN" altLang="en-US" dirty="0">
-              <a:ea typeface="宋体" pitchFamily="2" charset="-122"/>
-            </a:endParaRPr>
-          </a:p>
-          <a:p>
-            <a:pPr lvl="0"/>
-            <a:endParaRPr lang="zh-CN" altLang="en-US" dirty="0">
-              <a:ea typeface="宋体" pitchFamily="2" charset="-122"/>
-            </a:endParaRPr>
-          </a:p>
-          <a:p>
-            <a:pPr lvl="0"/>
-            <a:endParaRPr lang="zh-CN" altLang="en-US" dirty="0">
-              <a:cs typeface="Arial" panose="020B0704020202020204" pitchFamily="34" charset="0"/>
-            </a:endParaRPr>
-          </a:p>
-          <a:p>
-            <a:pPr lvl="0"/>
-            <a:endParaRPr lang="zh-CN" altLang="en-US" dirty="0">
-              <a:cs typeface="Arial" panose="020B0704020202020204" pitchFamily="34" charset="0"/>
-            </a:endParaRPr>
-          </a:p>
-          <a:p>
-            <a:pPr lvl="0"/>
+            <a:r>
+              <a:rPr lang="zh-CN" altLang="en-US" dirty="0">
+                <a:cs typeface="Arial" panose="020B0704020202020204" pitchFamily="34" charset="0"/>
+              </a:rPr>
+              <a:t>4.26 熟悉SASE</a:t>
+            </a:r>
+            <a:endParaRPr lang="zh-CN" altLang="en-US" dirty="0">
+              <a:cs typeface="Arial" panose="020B0704020202020204" pitchFamily="34" charset="0"/>
+            </a:endParaRPr>
+          </a:p>
+          <a:p>
+            <a:pPr lvl="0"/>
+            <a:r>
+              <a:rPr lang="zh-CN" altLang="en-US" dirty="0">
+                <a:cs typeface="Arial" panose="020B0704020202020204" pitchFamily="34" charset="0"/>
+              </a:rPr>
+              <a:t>- 熟悉SASE产品（）</a:t>
+            </a:r>
+            <a:endParaRPr lang="zh-CN" altLang="en-US" dirty="0">
+              <a:cs typeface="Arial" panose="020B0704020202020204" pitchFamily="34" charset="0"/>
+            </a:endParaRPr>
+          </a:p>
+          <a:p>
+            <a:pPr lvl="0"/>
+            <a:r>
+              <a:rPr lang="zh-CN" altLang="en-US" dirty="0">
+                <a:cs typeface="Arial" panose="020B0704020202020204" pitchFamily="34" charset="0"/>
+              </a:rPr>
+              <a:t>- 学习SASE整体架构与组件 （）</a:t>
+            </a:r>
+            <a:endParaRPr lang="zh-CN" altLang="en-US" dirty="0">
+              <a:cs typeface="Arial" panose="020B0704020202020204" pitchFamily="34" charset="0"/>
+            </a:endParaRPr>
+          </a:p>
+          <a:p>
+            <a:pPr lvl="0"/>
+            <a:r>
+              <a:rPr lang="zh-CN" altLang="en-US" dirty="0">
+                <a:cs typeface="Arial" panose="020B0704020202020204" pitchFamily="34" charset="0"/>
+              </a:rPr>
+              <a:t>- 熟悉fwaas CI流程</a:t>
+            </a:r>
+            <a:endParaRPr lang="zh-CN" altLang="en-US" dirty="0">
+              <a:cs typeface="Arial" panose="020B0704020202020204" pitchFamily="34" charset="0"/>
+            </a:endParaRPr>
+          </a:p>
+          <a:p>
+            <a:pPr lvl="0"/>
+            <a:r>
+              <a:rPr lang="zh-CN" altLang="en-US" dirty="0">
+                <a:cs typeface="Arial" panose="020B0704020202020204" pitchFamily="34" charset="0"/>
+              </a:rPr>
+              <a:t>- 支持Fwaas流水线多feature分支出包特性</a:t>
+            </a:r>
+            <a:endParaRPr lang="zh-CN" altLang="en-US" dirty="0">
+              <a:cs typeface="Arial" panose="020B0704020202020204" pitchFamily="34" charset="0"/>
+            </a:endParaRPr>
+          </a:p>
+          <a:p>
+            <a:pPr lvl="0"/>
+            <a:endParaRPr lang="zh-CN" altLang="en-US" dirty="0">
+              <a:cs typeface="Arial" panose="020B0704020202020204" pitchFamily="34" charset="0"/>
+            </a:endParaRPr>
+          </a:p>
+          <a:p>
+            <a:pPr lvl="0"/>
+            <a:r>
+              <a:rPr lang="zh-CN" altLang="en-US" dirty="0">
+                <a:cs typeface="Arial" panose="020B0704020202020204" pitchFamily="34" charset="0"/>
+              </a:rPr>
+              <a:t>5.30  SASE部署</a:t>
+            </a:r>
+            <a:endParaRPr lang="zh-CN" altLang="en-US" dirty="0">
+              <a:cs typeface="Arial" panose="020B0704020202020204" pitchFamily="34" charset="0"/>
+            </a:endParaRPr>
+          </a:p>
+          <a:p>
+            <a:pPr lvl="0"/>
+            <a:r>
+              <a:rPr lang="zh-CN" altLang="en-US" dirty="0">
+                <a:cs typeface="Arial" panose="020B0704020202020204" pitchFamily="34" charset="0"/>
+              </a:rPr>
+              <a:t>	学习PoP点搭建</a:t>
+            </a:r>
+            <a:endParaRPr lang="zh-CN" altLang="en-US" dirty="0">
+              <a:cs typeface="Arial" panose="020B0704020202020204" pitchFamily="34" charset="0"/>
+            </a:endParaRPr>
+          </a:p>
+          <a:p>
+            <a:pPr lvl="0"/>
+            <a:r>
+              <a:rPr lang="zh-CN" altLang="en-US" dirty="0">
+                <a:cs typeface="Arial" panose="020B0704020202020204" pitchFamily="34" charset="0"/>
+              </a:rPr>
+              <a:t>	设计sase安装工程</a:t>
+            </a:r>
+            <a:endParaRPr lang="zh-CN" altLang="en-US" dirty="0">
+              <a:cs typeface="Arial" panose="020B0704020202020204" pitchFamily="34" charset="0"/>
+            </a:endParaRPr>
+          </a:p>
+          <a:p>
+            <a:pPr lvl="0"/>
+            <a:r>
+              <a:rPr lang="zh-CN" altLang="en-US" dirty="0">
+                <a:cs typeface="Arial" panose="020B0704020202020204" pitchFamily="34" charset="0"/>
+              </a:rPr>
+              <a:t>	构建popsprite工程CI/CD</a:t>
+            </a:r>
+            <a:endParaRPr lang="zh-CN" altLang="en-US" dirty="0">
+              <a:cs typeface="Arial" panose="020B0704020202020204" pitchFamily="34" charset="0"/>
+            </a:endParaRPr>
+          </a:p>
+          <a:p>
+            <a:pPr lvl="0"/>
+            <a:r>
+              <a:rPr lang="zh-CN" altLang="en-US" dirty="0">
+                <a:cs typeface="Arial" panose="020B0704020202020204" pitchFamily="34" charset="0"/>
+              </a:rPr>
+              <a:t>	pop控制器解决中间件问题</a:t>
+            </a:r>
+            <a:endParaRPr lang="zh-CN" altLang="en-US" dirty="0">
+              <a:cs typeface="Arial" panose="020B0704020202020204" pitchFamily="34" charset="0"/>
+            </a:endParaRPr>
+          </a:p>
+          <a:p>
+            <a:pPr lvl="0"/>
+            <a:endParaRPr lang="zh-CN" altLang="en-US" dirty="0">
+              <a:cs typeface="Arial" panose="020B0704020202020204" pitchFamily="34" charset="0"/>
+            </a:endParaRPr>
+          </a:p>
+          <a:p>
+            <a:pPr lvl="0"/>
+            <a:r>
+              <a:rPr lang="zh-CN" altLang="en-US" dirty="0">
+                <a:cs typeface="Arial" panose="020B0704020202020204" pitchFamily="34" charset="0"/>
+              </a:rPr>
+              <a:t>6.30  轻量化托管PoP</a:t>
+            </a:r>
+            <a:endParaRPr lang="zh-CN" altLang="en-US" dirty="0">
+              <a:cs typeface="Arial" panose="020B0704020202020204" pitchFamily="34" charset="0"/>
+            </a:endParaRPr>
+          </a:p>
+          <a:p>
+            <a:pPr lvl="0"/>
+            <a:r>
+              <a:rPr lang="zh-CN" altLang="en-US" dirty="0">
+                <a:cs typeface="Arial" panose="020B0704020202020204" pitchFamily="34" charset="0"/>
+              </a:rPr>
+              <a:t>	易部署工程化：对内解决环境不稳定，不够用的情况</a:t>
+            </a:r>
+            <a:endParaRPr lang="zh-CN" altLang="en-US" dirty="0">
+              <a:cs typeface="Arial" panose="020B0704020202020204" pitchFamily="34" charset="0"/>
+            </a:endParaRPr>
+          </a:p>
+          <a:p>
+            <a:pPr lvl="0"/>
+            <a:r>
+              <a:rPr lang="zh-CN" altLang="en-US" dirty="0">
+                <a:cs typeface="Arial" panose="020B0704020202020204" pitchFamily="34" charset="0"/>
+              </a:rPr>
+              <a:t>	pop场景支撑</a:t>
+            </a:r>
+            <a:endParaRPr lang="zh-CN" altLang="en-US" dirty="0">
+              <a:cs typeface="Arial" panose="020B0704020202020204" pitchFamily="34" charset="0"/>
+            </a:endParaRPr>
+          </a:p>
+          <a:p>
+            <a:pPr lvl="0"/>
+            <a:r>
+              <a:rPr lang="zh-CN" altLang="en-US" dirty="0">
+                <a:cs typeface="Arial" panose="020B0704020202020204" pitchFamily="34" charset="0"/>
+              </a:rPr>
+              <a:t>		pop 节点扩展</a:t>
+            </a:r>
+            <a:endParaRPr lang="zh-CN" altLang="en-US" dirty="0">
+              <a:cs typeface="Arial" panose="020B0704020202020204" pitchFamily="34" charset="0"/>
+            </a:endParaRPr>
+          </a:p>
+          <a:p>
+            <a:pPr lvl="0"/>
+            <a:r>
+              <a:rPr lang="zh-CN" altLang="en-US" dirty="0">
+                <a:cs typeface="Arial" panose="020B0704020202020204" pitchFamily="34" charset="0"/>
+              </a:rPr>
+              <a:t>		pop 资源管理</a:t>
+            </a:r>
+            <a:endParaRPr lang="zh-CN" altLang="en-US" dirty="0">
+              <a:cs typeface="Arial" panose="020B0704020202020204" pitchFamily="34" charset="0"/>
+            </a:endParaRPr>
+          </a:p>
+          <a:p>
+            <a:pPr lvl="0"/>
+            <a:r>
+              <a:rPr lang="zh-CN" altLang="en-US" dirty="0">
+                <a:cs typeface="Arial" panose="020B0704020202020204" pitchFamily="34" charset="0"/>
+              </a:rPr>
+              <a:t>		poc集群，3+n生产集群</a:t>
+            </a:r>
+            <a:endParaRPr lang="zh-CN" altLang="en-US" dirty="0">
+              <a:cs typeface="Arial" panose="020B0704020202020204" pitchFamily="34" charset="0"/>
+            </a:endParaRPr>
+          </a:p>
+          <a:p>
+            <a:pPr lvl="0"/>
+            <a:r>
+              <a:rPr lang="zh-CN" altLang="en-US" dirty="0">
+                <a:cs typeface="Arial" panose="020B0704020202020204" pitchFamily="34" charset="0"/>
+              </a:rPr>
+              <a:t>	租户编排</a:t>
+            </a:r>
+            <a:endParaRPr lang="zh-CN" altLang="en-US" dirty="0">
+              <a:cs typeface="Arial" panose="020B0704020202020204" pitchFamily="34" charset="0"/>
+            </a:endParaRPr>
+          </a:p>
+          <a:p>
+            <a:pPr lvl="0"/>
+            <a:r>
+              <a:rPr lang="zh-CN" altLang="en-US" dirty="0">
+                <a:cs typeface="Arial" panose="020B0704020202020204" pitchFamily="34" charset="0"/>
+              </a:rPr>
+              <a:t>		验证2000租户下瓶颈点</a:t>
+            </a:r>
+            <a:endParaRPr lang="zh-CN" altLang="en-US" dirty="0">
+              <a:cs typeface="Arial" panose="020B0704020202020204" pitchFamily="34" charset="0"/>
+            </a:endParaRPr>
+          </a:p>
+          <a:p>
+            <a:pPr lvl="0"/>
+            <a:r>
+              <a:rPr lang="zh-CN" altLang="en-US" dirty="0">
+                <a:cs typeface="Arial" panose="020B0704020202020204" pitchFamily="34" charset="0"/>
+              </a:rPr>
+              <a:t>			磁盘IO</a:t>
+            </a:r>
+            <a:endParaRPr lang="zh-CN" altLang="en-US" dirty="0">
+              <a:cs typeface="Arial" panose="020B0704020202020204" pitchFamily="34" charset="0"/>
+            </a:endParaRPr>
+          </a:p>
+          <a:p>
+            <a:pPr lvl="0"/>
+            <a:r>
+              <a:rPr lang="zh-CN" altLang="en-US" dirty="0">
+                <a:cs typeface="Arial" panose="020B0704020202020204" pitchFamily="34" charset="0"/>
+              </a:rPr>
+              <a:t>			控制面扩展能力</a:t>
+            </a:r>
+            <a:endParaRPr lang="zh-CN" altLang="en-US" dirty="0">
+              <a:cs typeface="Arial" panose="020B0704020202020204" pitchFamily="34" charset="0"/>
+            </a:endParaRPr>
+          </a:p>
+          <a:p>
+            <a:pPr lvl="0"/>
+            <a:r>
+              <a:rPr lang="zh-CN" altLang="en-US" dirty="0">
+                <a:cs typeface="Arial" panose="020B0704020202020204" pitchFamily="34" charset="0"/>
+              </a:rPr>
+              <a:t>			fwaas的控制线程 1 : 12</a:t>
+            </a:r>
+            <a:endParaRPr lang="zh-CN" altLang="en-US" dirty="0">
+              <a:cs typeface="Arial" panose="020B0704020202020204" pitchFamily="34" charset="0"/>
+            </a:endParaRPr>
+          </a:p>
+          <a:p>
+            <a:pPr lvl="0"/>
+            <a:r>
+              <a:rPr lang="zh-CN" altLang="en-US" dirty="0">
+                <a:cs typeface="Arial" panose="020B0704020202020204" pitchFamily="34" charset="0"/>
+              </a:rPr>
+              <a:t>		租户编排宏观诊断工具</a:t>
+            </a:r>
+            <a:endParaRPr lang="zh-CN" altLang="en-US" dirty="0">
+              <a:cs typeface="Arial" panose="020B0704020202020204" pitchFamily="34" charset="0"/>
+            </a:endParaRPr>
+          </a:p>
+          <a:p>
+            <a:pPr lvl="0"/>
+            <a:endParaRPr lang="zh-CN" altLang="en-US" dirty="0">
+              <a:cs typeface="Arial" panose="020B0704020202020204" pitchFamily="34" charset="0"/>
+            </a:endParaRPr>
+          </a:p>
+          <a:p>
+            <a:pPr lvl="0"/>
+            <a:r>
+              <a:rPr lang="zh-CN" altLang="en-US" dirty="0">
+                <a:cs typeface="Arial" panose="020B0704020202020204" pitchFamily="34" charset="0"/>
+              </a:rPr>
+              <a:t>至今 轻量化托管PoP标准化</a:t>
+            </a:r>
+            <a:endParaRPr lang="zh-CN" altLang="en-US" dirty="0">
+              <a:cs typeface="Arial" panose="020B0704020202020204" pitchFamily="34" charset="0"/>
+            </a:endParaRPr>
+          </a:p>
+          <a:p>
+            <a:pPr lvl="0"/>
+            <a:r>
+              <a:rPr lang="zh-CN" altLang="en-US" dirty="0">
+                <a:cs typeface="Arial" panose="020B0704020202020204" pitchFamily="34" charset="0"/>
+              </a:rPr>
+              <a:t>	场景</a:t>
+            </a:r>
+            <a:endParaRPr lang="zh-CN" altLang="en-US" dirty="0">
+              <a:cs typeface="Arial" panose="020B0704020202020204" pitchFamily="34" charset="0"/>
+            </a:endParaRPr>
+          </a:p>
+          <a:p>
+            <a:pPr lvl="0"/>
+            <a:r>
+              <a:rPr lang="zh-CN" altLang="en-US" dirty="0">
+                <a:cs typeface="Arial" panose="020B0704020202020204" pitchFamily="34" charset="0"/>
+              </a:rPr>
+              <a:t>		HCI：武汉轻量化pop</a:t>
+            </a:r>
+            <a:endParaRPr lang="zh-CN" altLang="en-US" dirty="0">
+              <a:cs typeface="Arial" panose="020B0704020202020204" pitchFamily="34" charset="0"/>
+            </a:endParaRPr>
+          </a:p>
+          <a:p>
+            <a:pPr lvl="0"/>
+            <a:r>
+              <a:rPr lang="zh-CN" altLang="en-US" dirty="0">
+                <a:cs typeface="Arial" panose="020B0704020202020204" pitchFamily="34" charset="0"/>
+              </a:rPr>
+              <a:t>		VMWare：塞柏特vmware轻量化pop</a:t>
+            </a:r>
+            <a:endParaRPr lang="zh-CN" altLang="en-US" dirty="0">
+              <a:cs typeface="Arial" panose="020B0704020202020204" pitchFamily="34" charset="0"/>
+            </a:endParaRPr>
+          </a:p>
+          <a:p>
+            <a:pPr lvl="0"/>
+            <a:r>
+              <a:rPr lang="zh-CN" altLang="en-US" dirty="0">
+                <a:cs typeface="Arial" panose="020B0704020202020204" pitchFamily="34" charset="0"/>
+              </a:rPr>
+              <a:t>		公有云</a:t>
+            </a:r>
+            <a:endParaRPr lang="zh-CN" altLang="en-US" dirty="0">
+              <a:cs typeface="Arial" panose="020B0704020202020204" pitchFamily="34" charset="0"/>
+            </a:endParaRPr>
+          </a:p>
+          <a:p>
+            <a:pPr lvl="0"/>
+            <a:r>
+              <a:rPr lang="zh-CN" altLang="en-US" dirty="0">
+                <a:cs typeface="Arial" panose="020B0704020202020204" pitchFamily="34" charset="0"/>
+              </a:rPr>
+              <a:t>	易部署工程化</a:t>
+            </a:r>
+            <a:endParaRPr lang="zh-CN" altLang="en-US" dirty="0">
+              <a:cs typeface="Arial" panose="020B0704020202020204" pitchFamily="34" charset="0"/>
+            </a:endParaRPr>
+          </a:p>
+          <a:p>
+            <a:pPr lvl="0"/>
+            <a:r>
+              <a:rPr lang="zh-CN" altLang="en-US" dirty="0">
+                <a:cs typeface="Arial" panose="020B0704020202020204" pitchFamily="34" charset="0"/>
+              </a:rPr>
+              <a:t>		支持公有云部署</a:t>
+            </a:r>
+            <a:endParaRPr lang="zh-CN" altLang="en-US" dirty="0">
+              <a:cs typeface="Arial" panose="020B0704020202020204" pitchFamily="34" charset="0"/>
+            </a:endParaRPr>
+          </a:p>
+          <a:p>
+            <a:pPr lvl="0"/>
+            <a:r>
+              <a:rPr lang="zh-CN" altLang="en-US" dirty="0">
+                <a:cs typeface="Arial" panose="020B0704020202020204" pitchFamily="34" charset="0"/>
+              </a:rPr>
+              <a:t>		对接中心端与升级平台</a:t>
+            </a:r>
+            <a:endParaRPr lang="zh-CN" altLang="en-US" dirty="0">
+              <a:cs typeface="Arial" panose="020B0704020202020204" pitchFamily="34" charset="0"/>
+            </a:endParaRPr>
+          </a:p>
+          <a:p>
+            <a:pPr lvl="0"/>
+            <a:r>
+              <a:rPr lang="zh-CN" altLang="en-US" dirty="0">
+                <a:cs typeface="Arial" panose="020B0704020202020204" pitchFamily="34" charset="0"/>
+              </a:rPr>
+              <a:t>		配置接入组件</a:t>
+            </a:r>
+            <a:endParaRPr lang="zh-CN" altLang="en-US" dirty="0">
+              <a:cs typeface="Arial" panose="020B0704020202020204" pitchFamily="34" charset="0"/>
+            </a:endParaRPr>
+          </a:p>
+          <a:p>
+            <a:pPr lvl="0"/>
+            <a:r>
+              <a:rPr lang="zh-CN" altLang="en-US" dirty="0">
+                <a:cs typeface="Arial" panose="020B0704020202020204" pitchFamily="34" charset="0"/>
+              </a:rPr>
+              <a:t>	监控与报警</a:t>
+            </a:r>
+            <a:endParaRPr lang="zh-CN" altLang="en-US" dirty="0">
+              <a:cs typeface="Arial" panose="020B0704020202020204" pitchFamily="34" charset="0"/>
+            </a:endParaRPr>
+          </a:p>
+          <a:p>
+            <a:pPr lvl="0"/>
+            <a:r>
+              <a:rPr lang="zh-CN" altLang="en-US" dirty="0">
+                <a:cs typeface="Arial" panose="020B0704020202020204" pitchFamily="34" charset="0"/>
+              </a:rPr>
+              <a:t>		磁盘IO 与 磁盘吞吐</a:t>
+            </a:r>
+            <a:endParaRPr lang="zh-CN" altLang="en-US" dirty="0">
+              <a:cs typeface="Arial" panose="020B0704020202020204" pitchFamily="34" charset="0"/>
+            </a:endParaRPr>
+          </a:p>
+          <a:p>
+            <a:pPr lvl="0"/>
+            <a:r>
+              <a:rPr lang="zh-CN" altLang="en-US" dirty="0">
+                <a:cs typeface="Arial" panose="020B0704020202020204" pitchFamily="34" charset="0"/>
+              </a:rPr>
+              <a:t>		控制面事件队列</a:t>
+            </a:r>
             <a:endParaRPr lang="zh-CN" altLang="en-US" dirty="0">
               <a:ea typeface="Arial" panose="020B0704020202020204" pitchFamily="34" charset="0"/>
             </a:endParaRPr>
@@ -1774,7 +2489,7 @@
       <p:grpSpPr/>
       <p:sp>
         <p:nvSpPr>
-          <p:cNvPr id="23554" name="幻灯片图像占位符 23553"/>
+          <p:cNvPr id="9218" name="幻灯片图像占位符 9217"/>
           <p:cNvSpPr>
             <a:spLocks noGrp="1"/>
           </p:cNvSpPr>
@@ -1788,7 +2503,7 @@
       </p:sp>
       <p:sp>
         <p:nvSpPr>
-          <p:cNvPr id="23555" name="文本占位符 23554"/>
+          <p:cNvPr id="9219" name="文本占位符 9218"/>
           <p:cNvSpPr>
             <a:spLocks noGrp="1"/>
           </p:cNvSpPr>
@@ -1803,6 +2518,426 @@
           <a:bodyPr anchor="ctr" anchorCtr="0"/>
           <a:p>
             <a:pPr lvl="0"/>
+            <a:r>
+              <a:rPr lang="zh-CN" altLang="en-US" dirty="0">
+                <a:cs typeface="Arial" panose="020B0704020202020204" pitchFamily="34" charset="0"/>
+              </a:rPr>
+              <a:t>4.26 熟悉SASE</a:t>
+            </a:r>
+            <a:endParaRPr lang="zh-CN" altLang="en-US" dirty="0">
+              <a:cs typeface="Arial" panose="020B0704020202020204" pitchFamily="34" charset="0"/>
+            </a:endParaRPr>
+          </a:p>
+          <a:p>
+            <a:pPr lvl="0"/>
+            <a:r>
+              <a:rPr lang="zh-CN" altLang="en-US" dirty="0">
+                <a:cs typeface="Arial" panose="020B0704020202020204" pitchFamily="34" charset="0"/>
+              </a:rPr>
+              <a:t>- 熟悉SASE产品（）</a:t>
+            </a:r>
+            <a:endParaRPr lang="zh-CN" altLang="en-US" dirty="0">
+              <a:cs typeface="Arial" panose="020B0704020202020204" pitchFamily="34" charset="0"/>
+            </a:endParaRPr>
+          </a:p>
+          <a:p>
+            <a:pPr lvl="0"/>
+            <a:r>
+              <a:rPr lang="zh-CN" altLang="en-US" dirty="0">
+                <a:cs typeface="Arial" panose="020B0704020202020204" pitchFamily="34" charset="0"/>
+              </a:rPr>
+              <a:t>- 学习SASE整体架构与组件 （）</a:t>
+            </a:r>
+            <a:endParaRPr lang="zh-CN" altLang="en-US" dirty="0">
+              <a:cs typeface="Arial" panose="020B0704020202020204" pitchFamily="34" charset="0"/>
+            </a:endParaRPr>
+          </a:p>
+          <a:p>
+            <a:pPr lvl="0"/>
+            <a:r>
+              <a:rPr lang="zh-CN" altLang="en-US" dirty="0">
+                <a:cs typeface="Arial" panose="020B0704020202020204" pitchFamily="34" charset="0"/>
+              </a:rPr>
+              <a:t>- 熟悉fwaas CI流程</a:t>
+            </a:r>
+            <a:endParaRPr lang="zh-CN" altLang="en-US" dirty="0">
+              <a:cs typeface="Arial" panose="020B0704020202020204" pitchFamily="34" charset="0"/>
+            </a:endParaRPr>
+          </a:p>
+          <a:p>
+            <a:pPr lvl="0"/>
+            <a:r>
+              <a:rPr lang="zh-CN" altLang="en-US" dirty="0">
+                <a:cs typeface="Arial" panose="020B0704020202020204" pitchFamily="34" charset="0"/>
+              </a:rPr>
+              <a:t>- 支持Fwaas流水线多feature分支出包特性</a:t>
+            </a:r>
+            <a:endParaRPr lang="zh-CN" altLang="en-US" dirty="0">
+              <a:cs typeface="Arial" panose="020B0704020202020204" pitchFamily="34" charset="0"/>
+            </a:endParaRPr>
+          </a:p>
+          <a:p>
+            <a:pPr lvl="0"/>
+            <a:endParaRPr lang="zh-CN" altLang="en-US" dirty="0">
+              <a:cs typeface="Arial" panose="020B0704020202020204" pitchFamily="34" charset="0"/>
+            </a:endParaRPr>
+          </a:p>
+          <a:p>
+            <a:pPr lvl="0"/>
+            <a:r>
+              <a:rPr lang="zh-CN" altLang="en-US" dirty="0">
+                <a:cs typeface="Arial" panose="020B0704020202020204" pitchFamily="34" charset="0"/>
+              </a:rPr>
+              <a:t>5.30  SASE部署</a:t>
+            </a:r>
+            <a:endParaRPr lang="zh-CN" altLang="en-US" dirty="0">
+              <a:cs typeface="Arial" panose="020B0704020202020204" pitchFamily="34" charset="0"/>
+            </a:endParaRPr>
+          </a:p>
+          <a:p>
+            <a:pPr lvl="0"/>
+            <a:r>
+              <a:rPr lang="zh-CN" altLang="en-US" dirty="0">
+                <a:cs typeface="Arial" panose="020B0704020202020204" pitchFamily="34" charset="0"/>
+              </a:rPr>
+              <a:t>	学习PoP点搭建</a:t>
+            </a:r>
+            <a:endParaRPr lang="zh-CN" altLang="en-US" dirty="0">
+              <a:cs typeface="Arial" panose="020B0704020202020204" pitchFamily="34" charset="0"/>
+            </a:endParaRPr>
+          </a:p>
+          <a:p>
+            <a:pPr lvl="0"/>
+            <a:r>
+              <a:rPr lang="zh-CN" altLang="en-US" dirty="0">
+                <a:cs typeface="Arial" panose="020B0704020202020204" pitchFamily="34" charset="0"/>
+              </a:rPr>
+              <a:t>	设计sase安装工程</a:t>
+            </a:r>
+            <a:endParaRPr lang="zh-CN" altLang="en-US" dirty="0">
+              <a:cs typeface="Arial" panose="020B0704020202020204" pitchFamily="34" charset="0"/>
+            </a:endParaRPr>
+          </a:p>
+          <a:p>
+            <a:pPr lvl="0"/>
+            <a:r>
+              <a:rPr lang="zh-CN" altLang="en-US" dirty="0">
+                <a:cs typeface="Arial" panose="020B0704020202020204" pitchFamily="34" charset="0"/>
+              </a:rPr>
+              <a:t>	构建popsprite工程CI/CD</a:t>
+            </a:r>
+            <a:endParaRPr lang="zh-CN" altLang="en-US" dirty="0">
+              <a:cs typeface="Arial" panose="020B0704020202020204" pitchFamily="34" charset="0"/>
+            </a:endParaRPr>
+          </a:p>
+          <a:p>
+            <a:pPr lvl="0"/>
+            <a:r>
+              <a:rPr lang="zh-CN" altLang="en-US" dirty="0">
+                <a:cs typeface="Arial" panose="020B0704020202020204" pitchFamily="34" charset="0"/>
+              </a:rPr>
+              <a:t>	pop控制器解决中间件问题</a:t>
+            </a:r>
+            <a:endParaRPr lang="zh-CN" altLang="en-US" dirty="0">
+              <a:cs typeface="Arial" panose="020B0704020202020204" pitchFamily="34" charset="0"/>
+            </a:endParaRPr>
+          </a:p>
+          <a:p>
+            <a:pPr lvl="0"/>
+            <a:endParaRPr lang="zh-CN" altLang="en-US" dirty="0">
+              <a:cs typeface="Arial" panose="020B0704020202020204" pitchFamily="34" charset="0"/>
+            </a:endParaRPr>
+          </a:p>
+          <a:p>
+            <a:pPr lvl="0"/>
+            <a:r>
+              <a:rPr lang="zh-CN" altLang="en-US" dirty="0">
+                <a:cs typeface="Arial" panose="020B0704020202020204" pitchFamily="34" charset="0"/>
+              </a:rPr>
+              <a:t>6.30  轻量化托管PoP</a:t>
+            </a:r>
+            <a:endParaRPr lang="zh-CN" altLang="en-US" dirty="0">
+              <a:cs typeface="Arial" panose="020B0704020202020204" pitchFamily="34" charset="0"/>
+            </a:endParaRPr>
+          </a:p>
+          <a:p>
+            <a:pPr lvl="0"/>
+            <a:r>
+              <a:rPr lang="zh-CN" altLang="en-US" dirty="0">
+                <a:cs typeface="Arial" panose="020B0704020202020204" pitchFamily="34" charset="0"/>
+              </a:rPr>
+              <a:t>	易部署工程化：对内解决环境不稳定，不够用的情况</a:t>
+            </a:r>
+            <a:endParaRPr lang="zh-CN" altLang="en-US" dirty="0">
+              <a:cs typeface="Arial" panose="020B0704020202020204" pitchFamily="34" charset="0"/>
+            </a:endParaRPr>
+          </a:p>
+          <a:p>
+            <a:pPr lvl="0"/>
+            <a:r>
+              <a:rPr lang="zh-CN" altLang="en-US" dirty="0">
+                <a:cs typeface="Arial" panose="020B0704020202020204" pitchFamily="34" charset="0"/>
+              </a:rPr>
+              <a:t>	pop场景支撑</a:t>
+            </a:r>
+            <a:endParaRPr lang="zh-CN" altLang="en-US" dirty="0">
+              <a:cs typeface="Arial" panose="020B0704020202020204" pitchFamily="34" charset="0"/>
+            </a:endParaRPr>
+          </a:p>
+          <a:p>
+            <a:pPr lvl="0"/>
+            <a:r>
+              <a:rPr lang="zh-CN" altLang="en-US" dirty="0">
+                <a:cs typeface="Arial" panose="020B0704020202020204" pitchFamily="34" charset="0"/>
+              </a:rPr>
+              <a:t>		pop 节点扩展</a:t>
+            </a:r>
+            <a:endParaRPr lang="zh-CN" altLang="en-US" dirty="0">
+              <a:cs typeface="Arial" panose="020B0704020202020204" pitchFamily="34" charset="0"/>
+            </a:endParaRPr>
+          </a:p>
+          <a:p>
+            <a:pPr lvl="0"/>
+            <a:r>
+              <a:rPr lang="zh-CN" altLang="en-US" dirty="0">
+                <a:cs typeface="Arial" panose="020B0704020202020204" pitchFamily="34" charset="0"/>
+              </a:rPr>
+              <a:t>		pop 资源管理</a:t>
+            </a:r>
+            <a:endParaRPr lang="zh-CN" altLang="en-US" dirty="0">
+              <a:cs typeface="Arial" panose="020B0704020202020204" pitchFamily="34" charset="0"/>
+            </a:endParaRPr>
+          </a:p>
+          <a:p>
+            <a:pPr lvl="0"/>
+            <a:r>
+              <a:rPr lang="zh-CN" altLang="en-US" dirty="0">
+                <a:cs typeface="Arial" panose="020B0704020202020204" pitchFamily="34" charset="0"/>
+              </a:rPr>
+              <a:t>		poc集群，3+n生产集群</a:t>
+            </a:r>
+            <a:endParaRPr lang="zh-CN" altLang="en-US" dirty="0">
+              <a:cs typeface="Arial" panose="020B0704020202020204" pitchFamily="34" charset="0"/>
+            </a:endParaRPr>
+          </a:p>
+          <a:p>
+            <a:pPr lvl="0"/>
+            <a:r>
+              <a:rPr lang="zh-CN" altLang="en-US" dirty="0">
+                <a:cs typeface="Arial" panose="020B0704020202020204" pitchFamily="34" charset="0"/>
+              </a:rPr>
+              <a:t>	租户编排</a:t>
+            </a:r>
+            <a:endParaRPr lang="zh-CN" altLang="en-US" dirty="0">
+              <a:cs typeface="Arial" panose="020B0704020202020204" pitchFamily="34" charset="0"/>
+            </a:endParaRPr>
+          </a:p>
+          <a:p>
+            <a:pPr lvl="0"/>
+            <a:r>
+              <a:rPr lang="zh-CN" altLang="en-US" dirty="0">
+                <a:cs typeface="Arial" panose="020B0704020202020204" pitchFamily="34" charset="0"/>
+              </a:rPr>
+              <a:t>		验证2000租户下瓶颈点</a:t>
+            </a:r>
+            <a:endParaRPr lang="zh-CN" altLang="en-US" dirty="0">
+              <a:cs typeface="Arial" panose="020B0704020202020204" pitchFamily="34" charset="0"/>
+            </a:endParaRPr>
+          </a:p>
+          <a:p>
+            <a:pPr lvl="0"/>
+            <a:r>
+              <a:rPr lang="zh-CN" altLang="en-US" dirty="0">
+                <a:cs typeface="Arial" panose="020B0704020202020204" pitchFamily="34" charset="0"/>
+              </a:rPr>
+              <a:t>			磁盘IO</a:t>
+            </a:r>
+            <a:endParaRPr lang="zh-CN" altLang="en-US" dirty="0">
+              <a:cs typeface="Arial" panose="020B0704020202020204" pitchFamily="34" charset="0"/>
+            </a:endParaRPr>
+          </a:p>
+          <a:p>
+            <a:pPr lvl="0"/>
+            <a:r>
+              <a:rPr lang="zh-CN" altLang="en-US" dirty="0">
+                <a:cs typeface="Arial" panose="020B0704020202020204" pitchFamily="34" charset="0"/>
+              </a:rPr>
+              <a:t>			控制面扩展能力</a:t>
+            </a:r>
+            <a:endParaRPr lang="zh-CN" altLang="en-US" dirty="0">
+              <a:cs typeface="Arial" panose="020B0704020202020204" pitchFamily="34" charset="0"/>
+            </a:endParaRPr>
+          </a:p>
+          <a:p>
+            <a:pPr lvl="0"/>
+            <a:r>
+              <a:rPr lang="zh-CN" altLang="en-US" dirty="0">
+                <a:cs typeface="Arial" panose="020B0704020202020204" pitchFamily="34" charset="0"/>
+              </a:rPr>
+              <a:t>			fwaas的控制线程 1 : 12</a:t>
+            </a:r>
+            <a:endParaRPr lang="zh-CN" altLang="en-US" dirty="0">
+              <a:cs typeface="Arial" panose="020B0704020202020204" pitchFamily="34" charset="0"/>
+            </a:endParaRPr>
+          </a:p>
+          <a:p>
+            <a:pPr lvl="0"/>
+            <a:r>
+              <a:rPr lang="zh-CN" altLang="en-US" dirty="0">
+                <a:cs typeface="Arial" panose="020B0704020202020204" pitchFamily="34" charset="0"/>
+              </a:rPr>
+              <a:t>		租户编排宏观诊断工具</a:t>
+            </a:r>
+            <a:endParaRPr lang="zh-CN" altLang="en-US" dirty="0">
+              <a:cs typeface="Arial" panose="020B0704020202020204" pitchFamily="34" charset="0"/>
+            </a:endParaRPr>
+          </a:p>
+          <a:p>
+            <a:pPr lvl="0"/>
+            <a:endParaRPr lang="zh-CN" altLang="en-US" dirty="0">
+              <a:cs typeface="Arial" panose="020B0704020202020204" pitchFamily="34" charset="0"/>
+            </a:endParaRPr>
+          </a:p>
+          <a:p>
+            <a:pPr lvl="0"/>
+            <a:r>
+              <a:rPr lang="zh-CN" altLang="en-US" dirty="0">
+                <a:cs typeface="Arial" panose="020B0704020202020204" pitchFamily="34" charset="0"/>
+              </a:rPr>
+              <a:t>至今 轻量化托管PoP标准化</a:t>
+            </a:r>
+            <a:endParaRPr lang="zh-CN" altLang="en-US" dirty="0">
+              <a:cs typeface="Arial" panose="020B0704020202020204" pitchFamily="34" charset="0"/>
+            </a:endParaRPr>
+          </a:p>
+          <a:p>
+            <a:pPr lvl="0"/>
+            <a:r>
+              <a:rPr lang="zh-CN" altLang="en-US" dirty="0">
+                <a:cs typeface="Arial" panose="020B0704020202020204" pitchFamily="34" charset="0"/>
+              </a:rPr>
+              <a:t>	场景</a:t>
+            </a:r>
+            <a:endParaRPr lang="zh-CN" altLang="en-US" dirty="0">
+              <a:cs typeface="Arial" panose="020B0704020202020204" pitchFamily="34" charset="0"/>
+            </a:endParaRPr>
+          </a:p>
+          <a:p>
+            <a:pPr lvl="0"/>
+            <a:r>
+              <a:rPr lang="zh-CN" altLang="en-US" dirty="0">
+                <a:cs typeface="Arial" panose="020B0704020202020204" pitchFamily="34" charset="0"/>
+              </a:rPr>
+              <a:t>		HCI：武汉轻量化pop</a:t>
+            </a:r>
+            <a:endParaRPr lang="zh-CN" altLang="en-US" dirty="0">
+              <a:cs typeface="Arial" panose="020B0704020202020204" pitchFamily="34" charset="0"/>
+            </a:endParaRPr>
+          </a:p>
+          <a:p>
+            <a:pPr lvl="0"/>
+            <a:r>
+              <a:rPr lang="zh-CN" altLang="en-US" dirty="0">
+                <a:cs typeface="Arial" panose="020B0704020202020204" pitchFamily="34" charset="0"/>
+              </a:rPr>
+              <a:t>		VMWare：塞柏特vmware轻量化pop</a:t>
+            </a:r>
+            <a:endParaRPr lang="zh-CN" altLang="en-US" dirty="0">
+              <a:cs typeface="Arial" panose="020B0704020202020204" pitchFamily="34" charset="0"/>
+            </a:endParaRPr>
+          </a:p>
+          <a:p>
+            <a:pPr lvl="0"/>
+            <a:r>
+              <a:rPr lang="zh-CN" altLang="en-US" dirty="0">
+                <a:cs typeface="Arial" panose="020B0704020202020204" pitchFamily="34" charset="0"/>
+              </a:rPr>
+              <a:t>		公有云</a:t>
+            </a:r>
+            <a:endParaRPr lang="zh-CN" altLang="en-US" dirty="0">
+              <a:cs typeface="Arial" panose="020B0704020202020204" pitchFamily="34" charset="0"/>
+            </a:endParaRPr>
+          </a:p>
+          <a:p>
+            <a:pPr lvl="0"/>
+            <a:r>
+              <a:rPr lang="zh-CN" altLang="en-US" dirty="0">
+                <a:cs typeface="Arial" panose="020B0704020202020204" pitchFamily="34" charset="0"/>
+              </a:rPr>
+              <a:t>	易部署工程化</a:t>
+            </a:r>
+            <a:endParaRPr lang="zh-CN" altLang="en-US" dirty="0">
+              <a:cs typeface="Arial" panose="020B0704020202020204" pitchFamily="34" charset="0"/>
+            </a:endParaRPr>
+          </a:p>
+          <a:p>
+            <a:pPr lvl="0"/>
+            <a:r>
+              <a:rPr lang="zh-CN" altLang="en-US" dirty="0">
+                <a:cs typeface="Arial" panose="020B0704020202020204" pitchFamily="34" charset="0"/>
+              </a:rPr>
+              <a:t>		支持公有云部署</a:t>
+            </a:r>
+            <a:endParaRPr lang="zh-CN" altLang="en-US" dirty="0">
+              <a:cs typeface="Arial" panose="020B0704020202020204" pitchFamily="34" charset="0"/>
+            </a:endParaRPr>
+          </a:p>
+          <a:p>
+            <a:pPr lvl="0"/>
+            <a:r>
+              <a:rPr lang="zh-CN" altLang="en-US" dirty="0">
+                <a:cs typeface="Arial" panose="020B0704020202020204" pitchFamily="34" charset="0"/>
+              </a:rPr>
+              <a:t>		对接中心端与升级平台</a:t>
+            </a:r>
+            <a:endParaRPr lang="zh-CN" altLang="en-US" dirty="0">
+              <a:cs typeface="Arial" panose="020B0704020202020204" pitchFamily="34" charset="0"/>
+            </a:endParaRPr>
+          </a:p>
+          <a:p>
+            <a:pPr lvl="0"/>
+            <a:r>
+              <a:rPr lang="zh-CN" altLang="en-US" dirty="0">
+                <a:cs typeface="Arial" panose="020B0704020202020204" pitchFamily="34" charset="0"/>
+              </a:rPr>
+              <a:t>		配置接入组件</a:t>
+            </a:r>
+            <a:endParaRPr lang="zh-CN" altLang="en-US" dirty="0">
+              <a:cs typeface="Arial" panose="020B0704020202020204" pitchFamily="34" charset="0"/>
+            </a:endParaRPr>
+          </a:p>
+          <a:p>
+            <a:pPr lvl="0"/>
+            <a:r>
+              <a:rPr lang="zh-CN" altLang="en-US" dirty="0">
+                <a:cs typeface="Arial" panose="020B0704020202020204" pitchFamily="34" charset="0"/>
+              </a:rPr>
+              <a:t>	监控与报警</a:t>
+            </a:r>
+            <a:endParaRPr lang="zh-CN" altLang="en-US" dirty="0">
+              <a:cs typeface="Arial" panose="020B0704020202020204" pitchFamily="34" charset="0"/>
+            </a:endParaRPr>
+          </a:p>
+          <a:p>
+            <a:pPr lvl="0"/>
+            <a:r>
+              <a:rPr lang="zh-CN" altLang="en-US" dirty="0">
+                <a:cs typeface="Arial" panose="020B0704020202020204" pitchFamily="34" charset="0"/>
+              </a:rPr>
+              <a:t>		磁盘IO 与 磁盘吞吐</a:t>
+            </a:r>
+            <a:endParaRPr lang="zh-CN" altLang="en-US" dirty="0">
+              <a:cs typeface="Arial" panose="020B0704020202020204" pitchFamily="34" charset="0"/>
+            </a:endParaRPr>
+          </a:p>
+          <a:p>
+            <a:pPr lvl="0"/>
+            <a:r>
+              <a:rPr lang="zh-CN" altLang="en-US" dirty="0">
+                <a:cs typeface="Arial" panose="020B0704020202020204" pitchFamily="34" charset="0"/>
+              </a:rPr>
+              <a:t>		控制面事件队列</a:t>
+            </a:r>
             <a:endParaRPr lang="zh-CN" altLang="en-US" dirty="0">
               <a:ea typeface="Arial" panose="020B0704020202020204" pitchFamily="34" charset="0"/>
             </a:endParaRPr>
@@ -1837,7 +2972,7 @@
       <p:grpSpPr/>
       <p:sp>
         <p:nvSpPr>
-          <p:cNvPr id="23554" name="幻灯片图像占位符 23553"/>
+          <p:cNvPr id="9218" name="幻灯片图像占位符 9217"/>
           <p:cNvSpPr>
             <a:spLocks noGrp="1"/>
           </p:cNvSpPr>
@@ -1851,7 +2986,7 @@
       </p:sp>
       <p:sp>
         <p:nvSpPr>
-          <p:cNvPr id="23555" name="文本占位符 23554"/>
+          <p:cNvPr id="9219" name="文本占位符 9218"/>
           <p:cNvSpPr>
             <a:spLocks noGrp="1"/>
           </p:cNvSpPr>
@@ -1866,74 +3001,426 @@
           <a:bodyPr anchor="ctr" anchorCtr="0"/>
           <a:p>
             <a:pPr lvl="0"/>
-            <a:endParaRPr lang="zh-CN" altLang="en-US" dirty="0">
-              <a:ea typeface="宋体" pitchFamily="2" charset="-122"/>
-            </a:endParaRPr>
-          </a:p>
-          <a:p>
-            <a:pPr lvl="0"/>
-            <a:r>
-              <a:rPr lang="zh-CN" altLang="en-US"/>
-              <a:t>在这个对比图里，我们应该把</a:t>
-            </a:r>
-            <a:r>
-              <a:rPr lang="en-US" altLang="zh-CN"/>
-              <a:t> Docker </a:t>
-            </a:r>
-            <a:r>
-              <a:rPr lang="zh-CN" altLang="en-US"/>
-              <a:t>画在跟应用同级别并且靠边的位置。这意味着，用户运行在容器里的应用进程，跟宿主机上的其他进程一样，都由宿主机操作系统统一管理，只不过这些被隔离的进程拥有额外设置过的</a:t>
-            </a:r>
-            <a:r>
-              <a:rPr lang="en-US" altLang="zh-CN"/>
-              <a:t> Namespace </a:t>
-            </a:r>
-            <a:r>
-              <a:rPr lang="zh-CN" altLang="en-US"/>
-              <a:t>参数。而</a:t>
-            </a:r>
-            <a:r>
-              <a:rPr lang="en-US" altLang="zh-CN"/>
-              <a:t> Docker </a:t>
-            </a:r>
-            <a:r>
-              <a:rPr lang="zh-CN" altLang="en-US"/>
-              <a:t>项目在这里扮演的角色，更多的是旁路式的辅助和管理工作。</a:t>
-            </a:r>
-            <a:endParaRPr lang="zh-CN" altLang="en-US"/>
-          </a:p>
-          <a:p>
-            <a:pPr lvl="0"/>
-            <a:endParaRPr lang="zh-CN" altLang="en-US" dirty="0">
-              <a:ea typeface="宋体" pitchFamily="2" charset="-122"/>
-            </a:endParaRPr>
-          </a:p>
-          <a:p>
-            <a:pPr lvl="0"/>
-            <a:endParaRPr lang="zh-CN" altLang="en-US" dirty="0">
-              <a:ea typeface="宋体" pitchFamily="2" charset="-122"/>
-            </a:endParaRPr>
-          </a:p>
-          <a:p>
-            <a:pPr lvl="0"/>
-            <a:endParaRPr lang="zh-CN" altLang="en-US" dirty="0">
-              <a:ea typeface="宋体" pitchFamily="2" charset="-122"/>
-            </a:endParaRPr>
-          </a:p>
-          <a:p>
-            <a:pPr lvl="0"/>
-            <a:endParaRPr lang="zh-CN" altLang="en-US" dirty="0">
-              <a:cs typeface="Arial" panose="020B0704020202020204" pitchFamily="34" charset="0"/>
-            </a:endParaRPr>
-          </a:p>
-          <a:p>
-            <a:pPr lvl="0"/>
-            <a:endParaRPr lang="zh-CN" altLang="en-US" dirty="0">
-              <a:cs typeface="Arial" panose="020B0704020202020204" pitchFamily="34" charset="0"/>
-            </a:endParaRPr>
-          </a:p>
-          <a:p>
-            <a:pPr lvl="0"/>
+            <a:r>
+              <a:rPr lang="zh-CN" altLang="en-US" dirty="0">
+                <a:cs typeface="Arial" panose="020B0704020202020204" pitchFamily="34" charset="0"/>
+              </a:rPr>
+              <a:t>4.26 熟悉SASE</a:t>
+            </a:r>
+            <a:endParaRPr lang="zh-CN" altLang="en-US" dirty="0">
+              <a:cs typeface="Arial" panose="020B0704020202020204" pitchFamily="34" charset="0"/>
+            </a:endParaRPr>
+          </a:p>
+          <a:p>
+            <a:pPr lvl="0"/>
+            <a:r>
+              <a:rPr lang="zh-CN" altLang="en-US" dirty="0">
+                <a:cs typeface="Arial" panose="020B0704020202020204" pitchFamily="34" charset="0"/>
+              </a:rPr>
+              <a:t>- 熟悉SASE产品（）</a:t>
+            </a:r>
+            <a:endParaRPr lang="zh-CN" altLang="en-US" dirty="0">
+              <a:cs typeface="Arial" panose="020B0704020202020204" pitchFamily="34" charset="0"/>
+            </a:endParaRPr>
+          </a:p>
+          <a:p>
+            <a:pPr lvl="0"/>
+            <a:r>
+              <a:rPr lang="zh-CN" altLang="en-US" dirty="0">
+                <a:cs typeface="Arial" panose="020B0704020202020204" pitchFamily="34" charset="0"/>
+              </a:rPr>
+              <a:t>- 学习SASE整体架构与组件 （）</a:t>
+            </a:r>
+            <a:endParaRPr lang="zh-CN" altLang="en-US" dirty="0">
+              <a:cs typeface="Arial" panose="020B0704020202020204" pitchFamily="34" charset="0"/>
+            </a:endParaRPr>
+          </a:p>
+          <a:p>
+            <a:pPr lvl="0"/>
+            <a:r>
+              <a:rPr lang="zh-CN" altLang="en-US" dirty="0">
+                <a:cs typeface="Arial" panose="020B0704020202020204" pitchFamily="34" charset="0"/>
+              </a:rPr>
+              <a:t>- 熟悉fwaas CI流程</a:t>
+            </a:r>
+            <a:endParaRPr lang="zh-CN" altLang="en-US" dirty="0">
+              <a:cs typeface="Arial" panose="020B0704020202020204" pitchFamily="34" charset="0"/>
+            </a:endParaRPr>
+          </a:p>
+          <a:p>
+            <a:pPr lvl="0"/>
+            <a:r>
+              <a:rPr lang="zh-CN" altLang="en-US" dirty="0">
+                <a:cs typeface="Arial" panose="020B0704020202020204" pitchFamily="34" charset="0"/>
+              </a:rPr>
+              <a:t>- 支持Fwaas流水线多feature分支出包特性</a:t>
+            </a:r>
+            <a:endParaRPr lang="zh-CN" altLang="en-US" dirty="0">
+              <a:cs typeface="Arial" panose="020B0704020202020204" pitchFamily="34" charset="0"/>
+            </a:endParaRPr>
+          </a:p>
+          <a:p>
+            <a:pPr lvl="0"/>
+            <a:endParaRPr lang="zh-CN" altLang="en-US" dirty="0">
+              <a:cs typeface="Arial" panose="020B0704020202020204" pitchFamily="34" charset="0"/>
+            </a:endParaRPr>
+          </a:p>
+          <a:p>
+            <a:pPr lvl="0"/>
+            <a:r>
+              <a:rPr lang="zh-CN" altLang="en-US" dirty="0">
+                <a:cs typeface="Arial" panose="020B0704020202020204" pitchFamily="34" charset="0"/>
+              </a:rPr>
+              <a:t>5.30  SASE部署</a:t>
+            </a:r>
+            <a:endParaRPr lang="zh-CN" altLang="en-US" dirty="0">
+              <a:cs typeface="Arial" panose="020B0704020202020204" pitchFamily="34" charset="0"/>
+            </a:endParaRPr>
+          </a:p>
+          <a:p>
+            <a:pPr lvl="0"/>
+            <a:r>
+              <a:rPr lang="zh-CN" altLang="en-US" dirty="0">
+                <a:cs typeface="Arial" panose="020B0704020202020204" pitchFamily="34" charset="0"/>
+              </a:rPr>
+              <a:t>	学习PoP点搭建</a:t>
+            </a:r>
+            <a:endParaRPr lang="zh-CN" altLang="en-US" dirty="0">
+              <a:cs typeface="Arial" panose="020B0704020202020204" pitchFamily="34" charset="0"/>
+            </a:endParaRPr>
+          </a:p>
+          <a:p>
+            <a:pPr lvl="0"/>
+            <a:r>
+              <a:rPr lang="zh-CN" altLang="en-US" dirty="0">
+                <a:cs typeface="Arial" panose="020B0704020202020204" pitchFamily="34" charset="0"/>
+              </a:rPr>
+              <a:t>	设计sase安装工程</a:t>
+            </a:r>
+            <a:endParaRPr lang="zh-CN" altLang="en-US" dirty="0">
+              <a:cs typeface="Arial" panose="020B0704020202020204" pitchFamily="34" charset="0"/>
+            </a:endParaRPr>
+          </a:p>
+          <a:p>
+            <a:pPr lvl="0"/>
+            <a:r>
+              <a:rPr lang="zh-CN" altLang="en-US" dirty="0">
+                <a:cs typeface="Arial" panose="020B0704020202020204" pitchFamily="34" charset="0"/>
+              </a:rPr>
+              <a:t>	构建popsprite工程CI/CD</a:t>
+            </a:r>
+            <a:endParaRPr lang="zh-CN" altLang="en-US" dirty="0">
+              <a:cs typeface="Arial" panose="020B0704020202020204" pitchFamily="34" charset="0"/>
+            </a:endParaRPr>
+          </a:p>
+          <a:p>
+            <a:pPr lvl="0"/>
+            <a:r>
+              <a:rPr lang="zh-CN" altLang="en-US" dirty="0">
+                <a:cs typeface="Arial" panose="020B0704020202020204" pitchFamily="34" charset="0"/>
+              </a:rPr>
+              <a:t>	pop控制器解决中间件问题</a:t>
+            </a:r>
+            <a:endParaRPr lang="zh-CN" altLang="en-US" dirty="0">
+              <a:cs typeface="Arial" panose="020B0704020202020204" pitchFamily="34" charset="0"/>
+            </a:endParaRPr>
+          </a:p>
+          <a:p>
+            <a:pPr lvl="0"/>
+            <a:endParaRPr lang="zh-CN" altLang="en-US" dirty="0">
+              <a:cs typeface="Arial" panose="020B0704020202020204" pitchFamily="34" charset="0"/>
+            </a:endParaRPr>
+          </a:p>
+          <a:p>
+            <a:pPr lvl="0"/>
+            <a:r>
+              <a:rPr lang="zh-CN" altLang="en-US" dirty="0">
+                <a:cs typeface="Arial" panose="020B0704020202020204" pitchFamily="34" charset="0"/>
+              </a:rPr>
+              <a:t>6.30  轻量化托管PoP</a:t>
+            </a:r>
+            <a:endParaRPr lang="zh-CN" altLang="en-US" dirty="0">
+              <a:cs typeface="Arial" panose="020B0704020202020204" pitchFamily="34" charset="0"/>
+            </a:endParaRPr>
+          </a:p>
+          <a:p>
+            <a:pPr lvl="0"/>
+            <a:r>
+              <a:rPr lang="zh-CN" altLang="en-US" dirty="0">
+                <a:cs typeface="Arial" panose="020B0704020202020204" pitchFamily="34" charset="0"/>
+              </a:rPr>
+              <a:t>	易部署工程化：对内解决环境不稳定，不够用的情况</a:t>
+            </a:r>
+            <a:endParaRPr lang="zh-CN" altLang="en-US" dirty="0">
+              <a:cs typeface="Arial" panose="020B0704020202020204" pitchFamily="34" charset="0"/>
+            </a:endParaRPr>
+          </a:p>
+          <a:p>
+            <a:pPr lvl="0"/>
+            <a:r>
+              <a:rPr lang="zh-CN" altLang="en-US" dirty="0">
+                <a:cs typeface="Arial" panose="020B0704020202020204" pitchFamily="34" charset="0"/>
+              </a:rPr>
+              <a:t>	pop场景支撑</a:t>
+            </a:r>
+            <a:endParaRPr lang="zh-CN" altLang="en-US" dirty="0">
+              <a:cs typeface="Arial" panose="020B0704020202020204" pitchFamily="34" charset="0"/>
+            </a:endParaRPr>
+          </a:p>
+          <a:p>
+            <a:pPr lvl="0"/>
+            <a:r>
+              <a:rPr lang="zh-CN" altLang="en-US" dirty="0">
+                <a:cs typeface="Arial" panose="020B0704020202020204" pitchFamily="34" charset="0"/>
+              </a:rPr>
+              <a:t>		pop 节点扩展</a:t>
+            </a:r>
+            <a:endParaRPr lang="zh-CN" altLang="en-US" dirty="0">
+              <a:cs typeface="Arial" panose="020B0704020202020204" pitchFamily="34" charset="0"/>
+            </a:endParaRPr>
+          </a:p>
+          <a:p>
+            <a:pPr lvl="0"/>
+            <a:r>
+              <a:rPr lang="zh-CN" altLang="en-US" dirty="0">
+                <a:cs typeface="Arial" panose="020B0704020202020204" pitchFamily="34" charset="0"/>
+              </a:rPr>
+              <a:t>		pop 资源管理</a:t>
+            </a:r>
+            <a:endParaRPr lang="zh-CN" altLang="en-US" dirty="0">
+              <a:cs typeface="Arial" panose="020B0704020202020204" pitchFamily="34" charset="0"/>
+            </a:endParaRPr>
+          </a:p>
+          <a:p>
+            <a:pPr lvl="0"/>
+            <a:r>
+              <a:rPr lang="zh-CN" altLang="en-US" dirty="0">
+                <a:cs typeface="Arial" panose="020B0704020202020204" pitchFamily="34" charset="0"/>
+              </a:rPr>
+              <a:t>		poc集群，3+n生产集群</a:t>
+            </a:r>
+            <a:endParaRPr lang="zh-CN" altLang="en-US" dirty="0">
+              <a:cs typeface="Arial" panose="020B0704020202020204" pitchFamily="34" charset="0"/>
+            </a:endParaRPr>
+          </a:p>
+          <a:p>
+            <a:pPr lvl="0"/>
+            <a:r>
+              <a:rPr lang="zh-CN" altLang="en-US" dirty="0">
+                <a:cs typeface="Arial" panose="020B0704020202020204" pitchFamily="34" charset="0"/>
+              </a:rPr>
+              <a:t>	租户编排</a:t>
+            </a:r>
+            <a:endParaRPr lang="zh-CN" altLang="en-US" dirty="0">
+              <a:cs typeface="Arial" panose="020B0704020202020204" pitchFamily="34" charset="0"/>
+            </a:endParaRPr>
+          </a:p>
+          <a:p>
+            <a:pPr lvl="0"/>
+            <a:r>
+              <a:rPr lang="zh-CN" altLang="en-US" dirty="0">
+                <a:cs typeface="Arial" panose="020B0704020202020204" pitchFamily="34" charset="0"/>
+              </a:rPr>
+              <a:t>		验证2000租户下瓶颈点</a:t>
+            </a:r>
+            <a:endParaRPr lang="zh-CN" altLang="en-US" dirty="0">
+              <a:cs typeface="Arial" panose="020B0704020202020204" pitchFamily="34" charset="0"/>
+            </a:endParaRPr>
+          </a:p>
+          <a:p>
+            <a:pPr lvl="0"/>
+            <a:r>
+              <a:rPr lang="zh-CN" altLang="en-US" dirty="0">
+                <a:cs typeface="Arial" panose="020B0704020202020204" pitchFamily="34" charset="0"/>
+              </a:rPr>
+              <a:t>			磁盘IO</a:t>
+            </a:r>
+            <a:endParaRPr lang="zh-CN" altLang="en-US" dirty="0">
+              <a:cs typeface="Arial" panose="020B0704020202020204" pitchFamily="34" charset="0"/>
+            </a:endParaRPr>
+          </a:p>
+          <a:p>
+            <a:pPr lvl="0"/>
+            <a:r>
+              <a:rPr lang="zh-CN" altLang="en-US" dirty="0">
+                <a:cs typeface="Arial" panose="020B0704020202020204" pitchFamily="34" charset="0"/>
+              </a:rPr>
+              <a:t>			控制面扩展能力</a:t>
+            </a:r>
+            <a:endParaRPr lang="zh-CN" altLang="en-US" dirty="0">
+              <a:cs typeface="Arial" panose="020B0704020202020204" pitchFamily="34" charset="0"/>
+            </a:endParaRPr>
+          </a:p>
+          <a:p>
+            <a:pPr lvl="0"/>
+            <a:r>
+              <a:rPr lang="zh-CN" altLang="en-US" dirty="0">
+                <a:cs typeface="Arial" panose="020B0704020202020204" pitchFamily="34" charset="0"/>
+              </a:rPr>
+              <a:t>			fwaas的控制线程 1 : 12</a:t>
+            </a:r>
+            <a:endParaRPr lang="zh-CN" altLang="en-US" dirty="0">
+              <a:cs typeface="Arial" panose="020B0704020202020204" pitchFamily="34" charset="0"/>
+            </a:endParaRPr>
+          </a:p>
+          <a:p>
+            <a:pPr lvl="0"/>
+            <a:r>
+              <a:rPr lang="zh-CN" altLang="en-US" dirty="0">
+                <a:cs typeface="Arial" panose="020B0704020202020204" pitchFamily="34" charset="0"/>
+              </a:rPr>
+              <a:t>		租户编排宏观诊断工具</a:t>
+            </a:r>
+            <a:endParaRPr lang="zh-CN" altLang="en-US" dirty="0">
+              <a:cs typeface="Arial" panose="020B0704020202020204" pitchFamily="34" charset="0"/>
+            </a:endParaRPr>
+          </a:p>
+          <a:p>
+            <a:pPr lvl="0"/>
+            <a:endParaRPr lang="zh-CN" altLang="en-US" dirty="0">
+              <a:cs typeface="Arial" panose="020B0704020202020204" pitchFamily="34" charset="0"/>
+            </a:endParaRPr>
+          </a:p>
+          <a:p>
+            <a:pPr lvl="0"/>
+            <a:r>
+              <a:rPr lang="zh-CN" altLang="en-US" dirty="0">
+                <a:cs typeface="Arial" panose="020B0704020202020204" pitchFamily="34" charset="0"/>
+              </a:rPr>
+              <a:t>至今 轻量化托管PoP标准化</a:t>
+            </a:r>
+            <a:endParaRPr lang="zh-CN" altLang="en-US" dirty="0">
+              <a:cs typeface="Arial" panose="020B0704020202020204" pitchFamily="34" charset="0"/>
+            </a:endParaRPr>
+          </a:p>
+          <a:p>
+            <a:pPr lvl="0"/>
+            <a:r>
+              <a:rPr lang="zh-CN" altLang="en-US" dirty="0">
+                <a:cs typeface="Arial" panose="020B0704020202020204" pitchFamily="34" charset="0"/>
+              </a:rPr>
+              <a:t>	场景</a:t>
+            </a:r>
+            <a:endParaRPr lang="zh-CN" altLang="en-US" dirty="0">
+              <a:cs typeface="Arial" panose="020B0704020202020204" pitchFamily="34" charset="0"/>
+            </a:endParaRPr>
+          </a:p>
+          <a:p>
+            <a:pPr lvl="0"/>
+            <a:r>
+              <a:rPr lang="zh-CN" altLang="en-US" dirty="0">
+                <a:cs typeface="Arial" panose="020B0704020202020204" pitchFamily="34" charset="0"/>
+              </a:rPr>
+              <a:t>		HCI：武汉轻量化pop</a:t>
+            </a:r>
+            <a:endParaRPr lang="zh-CN" altLang="en-US" dirty="0">
+              <a:cs typeface="Arial" panose="020B0704020202020204" pitchFamily="34" charset="0"/>
+            </a:endParaRPr>
+          </a:p>
+          <a:p>
+            <a:pPr lvl="0"/>
+            <a:r>
+              <a:rPr lang="zh-CN" altLang="en-US" dirty="0">
+                <a:cs typeface="Arial" panose="020B0704020202020204" pitchFamily="34" charset="0"/>
+              </a:rPr>
+              <a:t>		VMWare：塞柏特vmware轻量化pop</a:t>
+            </a:r>
+            <a:endParaRPr lang="zh-CN" altLang="en-US" dirty="0">
+              <a:cs typeface="Arial" panose="020B0704020202020204" pitchFamily="34" charset="0"/>
+            </a:endParaRPr>
+          </a:p>
+          <a:p>
+            <a:pPr lvl="0"/>
+            <a:r>
+              <a:rPr lang="zh-CN" altLang="en-US" dirty="0">
+                <a:cs typeface="Arial" panose="020B0704020202020204" pitchFamily="34" charset="0"/>
+              </a:rPr>
+              <a:t>		公有云</a:t>
+            </a:r>
+            <a:endParaRPr lang="zh-CN" altLang="en-US" dirty="0">
+              <a:cs typeface="Arial" panose="020B0704020202020204" pitchFamily="34" charset="0"/>
+            </a:endParaRPr>
+          </a:p>
+          <a:p>
+            <a:pPr lvl="0"/>
+            <a:r>
+              <a:rPr lang="zh-CN" altLang="en-US" dirty="0">
+                <a:cs typeface="Arial" panose="020B0704020202020204" pitchFamily="34" charset="0"/>
+              </a:rPr>
+              <a:t>	易部署工程化</a:t>
+            </a:r>
+            <a:endParaRPr lang="zh-CN" altLang="en-US" dirty="0">
+              <a:cs typeface="Arial" panose="020B0704020202020204" pitchFamily="34" charset="0"/>
+            </a:endParaRPr>
+          </a:p>
+          <a:p>
+            <a:pPr lvl="0"/>
+            <a:r>
+              <a:rPr lang="zh-CN" altLang="en-US" dirty="0">
+                <a:cs typeface="Arial" panose="020B0704020202020204" pitchFamily="34" charset="0"/>
+              </a:rPr>
+              <a:t>		支持公有云部署</a:t>
+            </a:r>
+            <a:endParaRPr lang="zh-CN" altLang="en-US" dirty="0">
+              <a:cs typeface="Arial" panose="020B0704020202020204" pitchFamily="34" charset="0"/>
+            </a:endParaRPr>
+          </a:p>
+          <a:p>
+            <a:pPr lvl="0"/>
+            <a:r>
+              <a:rPr lang="zh-CN" altLang="en-US" dirty="0">
+                <a:cs typeface="Arial" panose="020B0704020202020204" pitchFamily="34" charset="0"/>
+              </a:rPr>
+              <a:t>		对接中心端与升级平台</a:t>
+            </a:r>
+            <a:endParaRPr lang="zh-CN" altLang="en-US" dirty="0">
+              <a:cs typeface="Arial" panose="020B0704020202020204" pitchFamily="34" charset="0"/>
+            </a:endParaRPr>
+          </a:p>
+          <a:p>
+            <a:pPr lvl="0"/>
+            <a:r>
+              <a:rPr lang="zh-CN" altLang="en-US" dirty="0">
+                <a:cs typeface="Arial" panose="020B0704020202020204" pitchFamily="34" charset="0"/>
+              </a:rPr>
+              <a:t>		配置接入组件</a:t>
+            </a:r>
+            <a:endParaRPr lang="zh-CN" altLang="en-US" dirty="0">
+              <a:cs typeface="Arial" panose="020B0704020202020204" pitchFamily="34" charset="0"/>
+            </a:endParaRPr>
+          </a:p>
+          <a:p>
+            <a:pPr lvl="0"/>
+            <a:r>
+              <a:rPr lang="zh-CN" altLang="en-US" dirty="0">
+                <a:cs typeface="Arial" panose="020B0704020202020204" pitchFamily="34" charset="0"/>
+              </a:rPr>
+              <a:t>	监控与报警</a:t>
+            </a:r>
+            <a:endParaRPr lang="zh-CN" altLang="en-US" dirty="0">
+              <a:cs typeface="Arial" panose="020B0704020202020204" pitchFamily="34" charset="0"/>
+            </a:endParaRPr>
+          </a:p>
+          <a:p>
+            <a:pPr lvl="0"/>
+            <a:r>
+              <a:rPr lang="zh-CN" altLang="en-US" dirty="0">
+                <a:cs typeface="Arial" panose="020B0704020202020204" pitchFamily="34" charset="0"/>
+              </a:rPr>
+              <a:t>		磁盘IO 与 磁盘吞吐</a:t>
+            </a:r>
+            <a:endParaRPr lang="zh-CN" altLang="en-US" dirty="0">
+              <a:cs typeface="Arial" panose="020B0704020202020204" pitchFamily="34" charset="0"/>
+            </a:endParaRPr>
+          </a:p>
+          <a:p>
+            <a:pPr lvl="0"/>
+            <a:r>
+              <a:rPr lang="zh-CN" altLang="en-US" dirty="0">
+                <a:cs typeface="Arial" panose="020B0704020202020204" pitchFamily="34" charset="0"/>
+              </a:rPr>
+              <a:t>		控制面事件队列</a:t>
+            </a:r>
             <a:endParaRPr lang="zh-CN" altLang="en-US" dirty="0">
               <a:ea typeface="Arial" panose="020B0704020202020204" pitchFamily="34" charset="0"/>
             </a:endParaRPr>
@@ -1968,7 +3455,7 @@
       <p:grpSpPr/>
       <p:sp>
         <p:nvSpPr>
-          <p:cNvPr id="23554" name="幻灯片图像占位符 23553"/>
+          <p:cNvPr id="9218" name="幻灯片图像占位符 9217"/>
           <p:cNvSpPr>
             <a:spLocks noGrp="1"/>
           </p:cNvSpPr>
@@ -1982,7 +3469,7 @@
       </p:sp>
       <p:sp>
         <p:nvSpPr>
-          <p:cNvPr id="23555" name="文本占位符 23554"/>
+          <p:cNvPr id="9219" name="文本占位符 9218"/>
           <p:cNvSpPr>
             <a:spLocks noGrp="1"/>
           </p:cNvSpPr>
@@ -1997,74 +3484,426 @@
           <a:bodyPr anchor="ctr" anchorCtr="0"/>
           <a:p>
             <a:pPr lvl="0"/>
-            <a:endParaRPr lang="zh-CN" altLang="en-US" dirty="0">
-              <a:ea typeface="宋体" pitchFamily="2" charset="-122"/>
-            </a:endParaRPr>
-          </a:p>
-          <a:p>
-            <a:pPr lvl="0"/>
-            <a:r>
-              <a:rPr lang="zh-CN" altLang="en-US"/>
-              <a:t>在这个对比图里，我们应该把</a:t>
-            </a:r>
-            <a:r>
-              <a:rPr lang="en-US" altLang="zh-CN"/>
-              <a:t> Docker </a:t>
-            </a:r>
-            <a:r>
-              <a:rPr lang="zh-CN" altLang="en-US"/>
-              <a:t>画在跟应用同级别并且靠边的位置。这意味着，用户运行在容器里的应用进程，跟宿主机上的其他进程一样，都由宿主机操作系统统一管理，只不过这些被隔离的进程拥有额外设置过的</a:t>
-            </a:r>
-            <a:r>
-              <a:rPr lang="en-US" altLang="zh-CN"/>
-              <a:t> Namespace </a:t>
-            </a:r>
-            <a:r>
-              <a:rPr lang="zh-CN" altLang="en-US"/>
-              <a:t>参数。而</a:t>
-            </a:r>
-            <a:r>
-              <a:rPr lang="en-US" altLang="zh-CN"/>
-              <a:t> Docker </a:t>
-            </a:r>
-            <a:r>
-              <a:rPr lang="zh-CN" altLang="en-US"/>
-              <a:t>项目在这里扮演的角色，更多的是旁路式的辅助和管理工作。</a:t>
-            </a:r>
-            <a:endParaRPr lang="zh-CN" altLang="en-US"/>
-          </a:p>
-          <a:p>
-            <a:pPr lvl="0"/>
-            <a:endParaRPr lang="zh-CN" altLang="en-US" dirty="0">
-              <a:ea typeface="宋体" pitchFamily="2" charset="-122"/>
-            </a:endParaRPr>
-          </a:p>
-          <a:p>
-            <a:pPr lvl="0"/>
-            <a:endParaRPr lang="zh-CN" altLang="en-US" dirty="0">
-              <a:ea typeface="宋体" pitchFamily="2" charset="-122"/>
-            </a:endParaRPr>
-          </a:p>
-          <a:p>
-            <a:pPr lvl="0"/>
-            <a:endParaRPr lang="zh-CN" altLang="en-US" dirty="0">
-              <a:ea typeface="宋体" pitchFamily="2" charset="-122"/>
-            </a:endParaRPr>
-          </a:p>
-          <a:p>
-            <a:pPr lvl="0"/>
-            <a:endParaRPr lang="zh-CN" altLang="en-US" dirty="0">
-              <a:cs typeface="Arial" panose="020B0704020202020204" pitchFamily="34" charset="0"/>
-            </a:endParaRPr>
-          </a:p>
-          <a:p>
-            <a:pPr lvl="0"/>
-            <a:endParaRPr lang="zh-CN" altLang="en-US" dirty="0">
-              <a:cs typeface="Arial" panose="020B0704020202020204" pitchFamily="34" charset="0"/>
-            </a:endParaRPr>
-          </a:p>
-          <a:p>
-            <a:pPr lvl="0"/>
+            <a:r>
+              <a:rPr lang="zh-CN" altLang="en-US" dirty="0">
+                <a:cs typeface="Arial" panose="020B0704020202020204" pitchFamily="34" charset="0"/>
+              </a:rPr>
+              <a:t>4.26 熟悉SASE</a:t>
+            </a:r>
+            <a:endParaRPr lang="zh-CN" altLang="en-US" dirty="0">
+              <a:cs typeface="Arial" panose="020B0704020202020204" pitchFamily="34" charset="0"/>
+            </a:endParaRPr>
+          </a:p>
+          <a:p>
+            <a:pPr lvl="0"/>
+            <a:r>
+              <a:rPr lang="zh-CN" altLang="en-US" dirty="0">
+                <a:cs typeface="Arial" panose="020B0704020202020204" pitchFamily="34" charset="0"/>
+              </a:rPr>
+              <a:t>- 熟悉SASE产品（）</a:t>
+            </a:r>
+            <a:endParaRPr lang="zh-CN" altLang="en-US" dirty="0">
+              <a:cs typeface="Arial" panose="020B0704020202020204" pitchFamily="34" charset="0"/>
+            </a:endParaRPr>
+          </a:p>
+          <a:p>
+            <a:pPr lvl="0"/>
+            <a:r>
+              <a:rPr lang="zh-CN" altLang="en-US" dirty="0">
+                <a:cs typeface="Arial" panose="020B0704020202020204" pitchFamily="34" charset="0"/>
+              </a:rPr>
+              <a:t>- 学习SASE整体架构与组件 （）</a:t>
+            </a:r>
+            <a:endParaRPr lang="zh-CN" altLang="en-US" dirty="0">
+              <a:cs typeface="Arial" panose="020B0704020202020204" pitchFamily="34" charset="0"/>
+            </a:endParaRPr>
+          </a:p>
+          <a:p>
+            <a:pPr lvl="0"/>
+            <a:r>
+              <a:rPr lang="zh-CN" altLang="en-US" dirty="0">
+                <a:cs typeface="Arial" panose="020B0704020202020204" pitchFamily="34" charset="0"/>
+              </a:rPr>
+              <a:t>- 熟悉fwaas CI流程</a:t>
+            </a:r>
+            <a:endParaRPr lang="zh-CN" altLang="en-US" dirty="0">
+              <a:cs typeface="Arial" panose="020B0704020202020204" pitchFamily="34" charset="0"/>
+            </a:endParaRPr>
+          </a:p>
+          <a:p>
+            <a:pPr lvl="0"/>
+            <a:r>
+              <a:rPr lang="zh-CN" altLang="en-US" dirty="0">
+                <a:cs typeface="Arial" panose="020B0704020202020204" pitchFamily="34" charset="0"/>
+              </a:rPr>
+              <a:t>- 支持Fwaas流水线多feature分支出包特性</a:t>
+            </a:r>
+            <a:endParaRPr lang="zh-CN" altLang="en-US" dirty="0">
+              <a:cs typeface="Arial" panose="020B0704020202020204" pitchFamily="34" charset="0"/>
+            </a:endParaRPr>
+          </a:p>
+          <a:p>
+            <a:pPr lvl="0"/>
+            <a:endParaRPr lang="zh-CN" altLang="en-US" dirty="0">
+              <a:cs typeface="Arial" panose="020B0704020202020204" pitchFamily="34" charset="0"/>
+            </a:endParaRPr>
+          </a:p>
+          <a:p>
+            <a:pPr lvl="0"/>
+            <a:r>
+              <a:rPr lang="zh-CN" altLang="en-US" dirty="0">
+                <a:cs typeface="Arial" panose="020B0704020202020204" pitchFamily="34" charset="0"/>
+              </a:rPr>
+              <a:t>5.30  SASE部署</a:t>
+            </a:r>
+            <a:endParaRPr lang="zh-CN" altLang="en-US" dirty="0">
+              <a:cs typeface="Arial" panose="020B0704020202020204" pitchFamily="34" charset="0"/>
+            </a:endParaRPr>
+          </a:p>
+          <a:p>
+            <a:pPr lvl="0"/>
+            <a:r>
+              <a:rPr lang="zh-CN" altLang="en-US" dirty="0">
+                <a:cs typeface="Arial" panose="020B0704020202020204" pitchFamily="34" charset="0"/>
+              </a:rPr>
+              <a:t>	学习PoP点搭建</a:t>
+            </a:r>
+            <a:endParaRPr lang="zh-CN" altLang="en-US" dirty="0">
+              <a:cs typeface="Arial" panose="020B0704020202020204" pitchFamily="34" charset="0"/>
+            </a:endParaRPr>
+          </a:p>
+          <a:p>
+            <a:pPr lvl="0"/>
+            <a:r>
+              <a:rPr lang="zh-CN" altLang="en-US" dirty="0">
+                <a:cs typeface="Arial" panose="020B0704020202020204" pitchFamily="34" charset="0"/>
+              </a:rPr>
+              <a:t>	设计sase安装工程</a:t>
+            </a:r>
+            <a:endParaRPr lang="zh-CN" altLang="en-US" dirty="0">
+              <a:cs typeface="Arial" panose="020B0704020202020204" pitchFamily="34" charset="0"/>
+            </a:endParaRPr>
+          </a:p>
+          <a:p>
+            <a:pPr lvl="0"/>
+            <a:r>
+              <a:rPr lang="zh-CN" altLang="en-US" dirty="0">
+                <a:cs typeface="Arial" panose="020B0704020202020204" pitchFamily="34" charset="0"/>
+              </a:rPr>
+              <a:t>	构建popsprite工程CI/CD</a:t>
+            </a:r>
+            <a:endParaRPr lang="zh-CN" altLang="en-US" dirty="0">
+              <a:cs typeface="Arial" panose="020B0704020202020204" pitchFamily="34" charset="0"/>
+            </a:endParaRPr>
+          </a:p>
+          <a:p>
+            <a:pPr lvl="0"/>
+            <a:r>
+              <a:rPr lang="zh-CN" altLang="en-US" dirty="0">
+                <a:cs typeface="Arial" panose="020B0704020202020204" pitchFamily="34" charset="0"/>
+              </a:rPr>
+              <a:t>	pop控制器解决中间件问题</a:t>
+            </a:r>
+            <a:endParaRPr lang="zh-CN" altLang="en-US" dirty="0">
+              <a:cs typeface="Arial" panose="020B0704020202020204" pitchFamily="34" charset="0"/>
+            </a:endParaRPr>
+          </a:p>
+          <a:p>
+            <a:pPr lvl="0"/>
+            <a:endParaRPr lang="zh-CN" altLang="en-US" dirty="0">
+              <a:cs typeface="Arial" panose="020B0704020202020204" pitchFamily="34" charset="0"/>
+            </a:endParaRPr>
+          </a:p>
+          <a:p>
+            <a:pPr lvl="0"/>
+            <a:r>
+              <a:rPr lang="zh-CN" altLang="en-US" dirty="0">
+                <a:cs typeface="Arial" panose="020B0704020202020204" pitchFamily="34" charset="0"/>
+              </a:rPr>
+              <a:t>6.30  轻量化托管PoP</a:t>
+            </a:r>
+            <a:endParaRPr lang="zh-CN" altLang="en-US" dirty="0">
+              <a:cs typeface="Arial" panose="020B0704020202020204" pitchFamily="34" charset="0"/>
+            </a:endParaRPr>
+          </a:p>
+          <a:p>
+            <a:pPr lvl="0"/>
+            <a:r>
+              <a:rPr lang="zh-CN" altLang="en-US" dirty="0">
+                <a:cs typeface="Arial" panose="020B0704020202020204" pitchFamily="34" charset="0"/>
+              </a:rPr>
+              <a:t>	易部署工程化：对内解决环境不稳定，不够用的情况</a:t>
+            </a:r>
+            <a:endParaRPr lang="zh-CN" altLang="en-US" dirty="0">
+              <a:cs typeface="Arial" panose="020B0704020202020204" pitchFamily="34" charset="0"/>
+            </a:endParaRPr>
+          </a:p>
+          <a:p>
+            <a:pPr lvl="0"/>
+            <a:r>
+              <a:rPr lang="zh-CN" altLang="en-US" dirty="0">
+                <a:cs typeface="Arial" panose="020B0704020202020204" pitchFamily="34" charset="0"/>
+              </a:rPr>
+              <a:t>	pop场景支撑</a:t>
+            </a:r>
+            <a:endParaRPr lang="zh-CN" altLang="en-US" dirty="0">
+              <a:cs typeface="Arial" panose="020B0704020202020204" pitchFamily="34" charset="0"/>
+            </a:endParaRPr>
+          </a:p>
+          <a:p>
+            <a:pPr lvl="0"/>
+            <a:r>
+              <a:rPr lang="zh-CN" altLang="en-US" dirty="0">
+                <a:cs typeface="Arial" panose="020B0704020202020204" pitchFamily="34" charset="0"/>
+              </a:rPr>
+              <a:t>		pop 节点扩展</a:t>
+            </a:r>
+            <a:endParaRPr lang="zh-CN" altLang="en-US" dirty="0">
+              <a:cs typeface="Arial" panose="020B0704020202020204" pitchFamily="34" charset="0"/>
+            </a:endParaRPr>
+          </a:p>
+          <a:p>
+            <a:pPr lvl="0"/>
+            <a:r>
+              <a:rPr lang="zh-CN" altLang="en-US" dirty="0">
+                <a:cs typeface="Arial" panose="020B0704020202020204" pitchFamily="34" charset="0"/>
+              </a:rPr>
+              <a:t>		pop 资源管理</a:t>
+            </a:r>
+            <a:endParaRPr lang="zh-CN" altLang="en-US" dirty="0">
+              <a:cs typeface="Arial" panose="020B0704020202020204" pitchFamily="34" charset="0"/>
+            </a:endParaRPr>
+          </a:p>
+          <a:p>
+            <a:pPr lvl="0"/>
+            <a:r>
+              <a:rPr lang="zh-CN" altLang="en-US" dirty="0">
+                <a:cs typeface="Arial" panose="020B0704020202020204" pitchFamily="34" charset="0"/>
+              </a:rPr>
+              <a:t>		poc集群，3+n生产集群</a:t>
+            </a:r>
+            <a:endParaRPr lang="zh-CN" altLang="en-US" dirty="0">
+              <a:cs typeface="Arial" panose="020B0704020202020204" pitchFamily="34" charset="0"/>
+            </a:endParaRPr>
+          </a:p>
+          <a:p>
+            <a:pPr lvl="0"/>
+            <a:r>
+              <a:rPr lang="zh-CN" altLang="en-US" dirty="0">
+                <a:cs typeface="Arial" panose="020B0704020202020204" pitchFamily="34" charset="0"/>
+              </a:rPr>
+              <a:t>	租户编排</a:t>
+            </a:r>
+            <a:endParaRPr lang="zh-CN" altLang="en-US" dirty="0">
+              <a:cs typeface="Arial" panose="020B0704020202020204" pitchFamily="34" charset="0"/>
+            </a:endParaRPr>
+          </a:p>
+          <a:p>
+            <a:pPr lvl="0"/>
+            <a:r>
+              <a:rPr lang="zh-CN" altLang="en-US" dirty="0">
+                <a:cs typeface="Arial" panose="020B0704020202020204" pitchFamily="34" charset="0"/>
+              </a:rPr>
+              <a:t>		验证2000租户下瓶颈点</a:t>
+            </a:r>
+            <a:endParaRPr lang="zh-CN" altLang="en-US" dirty="0">
+              <a:cs typeface="Arial" panose="020B0704020202020204" pitchFamily="34" charset="0"/>
+            </a:endParaRPr>
+          </a:p>
+          <a:p>
+            <a:pPr lvl="0"/>
+            <a:r>
+              <a:rPr lang="zh-CN" altLang="en-US" dirty="0">
+                <a:cs typeface="Arial" panose="020B0704020202020204" pitchFamily="34" charset="0"/>
+              </a:rPr>
+              <a:t>			磁盘IO</a:t>
+            </a:r>
+            <a:endParaRPr lang="zh-CN" altLang="en-US" dirty="0">
+              <a:cs typeface="Arial" panose="020B0704020202020204" pitchFamily="34" charset="0"/>
+            </a:endParaRPr>
+          </a:p>
+          <a:p>
+            <a:pPr lvl="0"/>
+            <a:r>
+              <a:rPr lang="zh-CN" altLang="en-US" dirty="0">
+                <a:cs typeface="Arial" panose="020B0704020202020204" pitchFamily="34" charset="0"/>
+              </a:rPr>
+              <a:t>			控制面扩展能力</a:t>
+            </a:r>
+            <a:endParaRPr lang="zh-CN" altLang="en-US" dirty="0">
+              <a:cs typeface="Arial" panose="020B0704020202020204" pitchFamily="34" charset="0"/>
+            </a:endParaRPr>
+          </a:p>
+          <a:p>
+            <a:pPr lvl="0"/>
+            <a:r>
+              <a:rPr lang="zh-CN" altLang="en-US" dirty="0">
+                <a:cs typeface="Arial" panose="020B0704020202020204" pitchFamily="34" charset="0"/>
+              </a:rPr>
+              <a:t>			fwaas的控制线程 1 : 12</a:t>
+            </a:r>
+            <a:endParaRPr lang="zh-CN" altLang="en-US" dirty="0">
+              <a:cs typeface="Arial" panose="020B0704020202020204" pitchFamily="34" charset="0"/>
+            </a:endParaRPr>
+          </a:p>
+          <a:p>
+            <a:pPr lvl="0"/>
+            <a:r>
+              <a:rPr lang="zh-CN" altLang="en-US" dirty="0">
+                <a:cs typeface="Arial" panose="020B0704020202020204" pitchFamily="34" charset="0"/>
+              </a:rPr>
+              <a:t>		租户编排宏观诊断工具</a:t>
+            </a:r>
+            <a:endParaRPr lang="zh-CN" altLang="en-US" dirty="0">
+              <a:cs typeface="Arial" panose="020B0704020202020204" pitchFamily="34" charset="0"/>
+            </a:endParaRPr>
+          </a:p>
+          <a:p>
+            <a:pPr lvl="0"/>
+            <a:endParaRPr lang="zh-CN" altLang="en-US" dirty="0">
+              <a:cs typeface="Arial" panose="020B0704020202020204" pitchFamily="34" charset="0"/>
+            </a:endParaRPr>
+          </a:p>
+          <a:p>
+            <a:pPr lvl="0"/>
+            <a:r>
+              <a:rPr lang="zh-CN" altLang="en-US" dirty="0">
+                <a:cs typeface="Arial" panose="020B0704020202020204" pitchFamily="34" charset="0"/>
+              </a:rPr>
+              <a:t>至今 轻量化托管PoP标准化</a:t>
+            </a:r>
+            <a:endParaRPr lang="zh-CN" altLang="en-US" dirty="0">
+              <a:cs typeface="Arial" panose="020B0704020202020204" pitchFamily="34" charset="0"/>
+            </a:endParaRPr>
+          </a:p>
+          <a:p>
+            <a:pPr lvl="0"/>
+            <a:r>
+              <a:rPr lang="zh-CN" altLang="en-US" dirty="0">
+                <a:cs typeface="Arial" panose="020B0704020202020204" pitchFamily="34" charset="0"/>
+              </a:rPr>
+              <a:t>	场景</a:t>
+            </a:r>
+            <a:endParaRPr lang="zh-CN" altLang="en-US" dirty="0">
+              <a:cs typeface="Arial" panose="020B0704020202020204" pitchFamily="34" charset="0"/>
+            </a:endParaRPr>
+          </a:p>
+          <a:p>
+            <a:pPr lvl="0"/>
+            <a:r>
+              <a:rPr lang="zh-CN" altLang="en-US" dirty="0">
+                <a:cs typeface="Arial" panose="020B0704020202020204" pitchFamily="34" charset="0"/>
+              </a:rPr>
+              <a:t>		HCI：武汉轻量化pop</a:t>
+            </a:r>
+            <a:endParaRPr lang="zh-CN" altLang="en-US" dirty="0">
+              <a:cs typeface="Arial" panose="020B0704020202020204" pitchFamily="34" charset="0"/>
+            </a:endParaRPr>
+          </a:p>
+          <a:p>
+            <a:pPr lvl="0"/>
+            <a:r>
+              <a:rPr lang="zh-CN" altLang="en-US" dirty="0">
+                <a:cs typeface="Arial" panose="020B0704020202020204" pitchFamily="34" charset="0"/>
+              </a:rPr>
+              <a:t>		VMWare：塞柏特vmware轻量化pop</a:t>
+            </a:r>
+            <a:endParaRPr lang="zh-CN" altLang="en-US" dirty="0">
+              <a:cs typeface="Arial" panose="020B0704020202020204" pitchFamily="34" charset="0"/>
+            </a:endParaRPr>
+          </a:p>
+          <a:p>
+            <a:pPr lvl="0"/>
+            <a:r>
+              <a:rPr lang="zh-CN" altLang="en-US" dirty="0">
+                <a:cs typeface="Arial" panose="020B0704020202020204" pitchFamily="34" charset="0"/>
+              </a:rPr>
+              <a:t>		公有云</a:t>
+            </a:r>
+            <a:endParaRPr lang="zh-CN" altLang="en-US" dirty="0">
+              <a:cs typeface="Arial" panose="020B0704020202020204" pitchFamily="34" charset="0"/>
+            </a:endParaRPr>
+          </a:p>
+          <a:p>
+            <a:pPr lvl="0"/>
+            <a:r>
+              <a:rPr lang="zh-CN" altLang="en-US" dirty="0">
+                <a:cs typeface="Arial" panose="020B0704020202020204" pitchFamily="34" charset="0"/>
+              </a:rPr>
+              <a:t>	易部署工程化</a:t>
+            </a:r>
+            <a:endParaRPr lang="zh-CN" altLang="en-US" dirty="0">
+              <a:cs typeface="Arial" panose="020B0704020202020204" pitchFamily="34" charset="0"/>
+            </a:endParaRPr>
+          </a:p>
+          <a:p>
+            <a:pPr lvl="0"/>
+            <a:r>
+              <a:rPr lang="zh-CN" altLang="en-US" dirty="0">
+                <a:cs typeface="Arial" panose="020B0704020202020204" pitchFamily="34" charset="0"/>
+              </a:rPr>
+              <a:t>		支持公有云部署</a:t>
+            </a:r>
+            <a:endParaRPr lang="zh-CN" altLang="en-US" dirty="0">
+              <a:cs typeface="Arial" panose="020B0704020202020204" pitchFamily="34" charset="0"/>
+            </a:endParaRPr>
+          </a:p>
+          <a:p>
+            <a:pPr lvl="0"/>
+            <a:r>
+              <a:rPr lang="zh-CN" altLang="en-US" dirty="0">
+                <a:cs typeface="Arial" panose="020B0704020202020204" pitchFamily="34" charset="0"/>
+              </a:rPr>
+              <a:t>		对接中心端与升级平台</a:t>
+            </a:r>
+            <a:endParaRPr lang="zh-CN" altLang="en-US" dirty="0">
+              <a:cs typeface="Arial" panose="020B0704020202020204" pitchFamily="34" charset="0"/>
+            </a:endParaRPr>
+          </a:p>
+          <a:p>
+            <a:pPr lvl="0"/>
+            <a:r>
+              <a:rPr lang="zh-CN" altLang="en-US" dirty="0">
+                <a:cs typeface="Arial" panose="020B0704020202020204" pitchFamily="34" charset="0"/>
+              </a:rPr>
+              <a:t>		配置接入组件</a:t>
+            </a:r>
+            <a:endParaRPr lang="zh-CN" altLang="en-US" dirty="0">
+              <a:cs typeface="Arial" panose="020B0704020202020204" pitchFamily="34" charset="0"/>
+            </a:endParaRPr>
+          </a:p>
+          <a:p>
+            <a:pPr lvl="0"/>
+            <a:r>
+              <a:rPr lang="zh-CN" altLang="en-US" dirty="0">
+                <a:cs typeface="Arial" panose="020B0704020202020204" pitchFamily="34" charset="0"/>
+              </a:rPr>
+              <a:t>	监控与报警</a:t>
+            </a:r>
+            <a:endParaRPr lang="zh-CN" altLang="en-US" dirty="0">
+              <a:cs typeface="Arial" panose="020B0704020202020204" pitchFamily="34" charset="0"/>
+            </a:endParaRPr>
+          </a:p>
+          <a:p>
+            <a:pPr lvl="0"/>
+            <a:r>
+              <a:rPr lang="zh-CN" altLang="en-US" dirty="0">
+                <a:cs typeface="Arial" panose="020B0704020202020204" pitchFamily="34" charset="0"/>
+              </a:rPr>
+              <a:t>		磁盘IO 与 磁盘吞吐</a:t>
+            </a:r>
+            <a:endParaRPr lang="zh-CN" altLang="en-US" dirty="0">
+              <a:cs typeface="Arial" panose="020B0704020202020204" pitchFamily="34" charset="0"/>
+            </a:endParaRPr>
+          </a:p>
+          <a:p>
+            <a:pPr lvl="0"/>
+            <a:r>
+              <a:rPr lang="zh-CN" altLang="en-US" dirty="0">
+                <a:cs typeface="Arial" panose="020B0704020202020204" pitchFamily="34" charset="0"/>
+              </a:rPr>
+              <a:t>		控制面事件队列</a:t>
+            </a:r>
             <a:endParaRPr lang="zh-CN" altLang="en-US" dirty="0">
               <a:ea typeface="Arial" panose="020B0704020202020204" pitchFamily="34" charset="0"/>
             </a:endParaRPr>
@@ -2099,7 +3938,7 @@
       <p:grpSpPr/>
       <p:sp>
         <p:nvSpPr>
-          <p:cNvPr id="23554" name="幻灯片图像占位符 23553"/>
+          <p:cNvPr id="9218" name="幻灯片图像占位符 9217"/>
           <p:cNvSpPr>
             <a:spLocks noGrp="1"/>
           </p:cNvSpPr>
@@ -2113,7 +3952,7 @@
       </p:sp>
       <p:sp>
         <p:nvSpPr>
-          <p:cNvPr id="23555" name="文本占位符 23554"/>
+          <p:cNvPr id="9219" name="文本占位符 9218"/>
           <p:cNvSpPr>
             <a:spLocks noGrp="1"/>
           </p:cNvSpPr>
@@ -2128,389 +3967,426 @@
           <a:bodyPr anchor="ctr" anchorCtr="0"/>
           <a:p>
             <a:pPr lvl="0"/>
-            <a:endParaRPr lang="zh-CN" altLang="en-US" dirty="0">
-              <a:ea typeface="宋体" pitchFamily="2" charset="-122"/>
-            </a:endParaRPr>
-          </a:p>
-          <a:p>
-            <a:pPr lvl="0"/>
-            <a:r>
-              <a:rPr lang="zh-CN" altLang="en-US"/>
-              <a:t>在这个对比图里，我们应该把</a:t>
-            </a:r>
-            <a:r>
-              <a:rPr lang="en-US" altLang="zh-CN"/>
-              <a:t> Docker </a:t>
-            </a:r>
-            <a:r>
-              <a:rPr lang="zh-CN" altLang="en-US"/>
-              <a:t>画在跟应用同级别并且靠边的位置。这意味着，用户运行在容器里的应用进程，跟宿主机上的其他进程一样，都由宿主机操作系统统一管理，只不过这些被隔离的进程拥有额外设置过的</a:t>
-            </a:r>
-            <a:r>
-              <a:rPr lang="en-US" altLang="zh-CN"/>
-              <a:t> Namespace </a:t>
-            </a:r>
-            <a:r>
-              <a:rPr lang="zh-CN" altLang="en-US"/>
-              <a:t>参数。而</a:t>
-            </a:r>
-            <a:r>
-              <a:rPr lang="en-US" altLang="zh-CN"/>
-              <a:t> Docker </a:t>
-            </a:r>
-            <a:r>
-              <a:rPr lang="zh-CN" altLang="en-US"/>
-              <a:t>项目在这里扮演的角色，更多的是旁路式的辅助和管理工作。</a:t>
-            </a:r>
-            <a:endParaRPr lang="zh-CN" altLang="en-US"/>
-          </a:p>
-          <a:p>
-            <a:pPr lvl="0"/>
-            <a:endParaRPr lang="zh-CN" altLang="en-US" dirty="0">
-              <a:ea typeface="宋体" pitchFamily="2" charset="-122"/>
-            </a:endParaRPr>
-          </a:p>
-          <a:p>
-            <a:pPr lvl="0"/>
-            <a:endParaRPr lang="zh-CN" altLang="en-US" dirty="0">
-              <a:ea typeface="宋体" pitchFamily="2" charset="-122"/>
-            </a:endParaRPr>
-          </a:p>
-          <a:p>
-            <a:pPr lvl="0"/>
-            <a:endParaRPr lang="zh-CN" altLang="en-US" dirty="0">
-              <a:ea typeface="宋体" pitchFamily="2" charset="-122"/>
-            </a:endParaRPr>
-          </a:p>
-          <a:p>
-            <a:pPr lvl="0"/>
-            <a:endParaRPr lang="zh-CN" altLang="en-US" dirty="0">
-              <a:cs typeface="Arial" panose="020B0704020202020204" pitchFamily="34" charset="0"/>
-            </a:endParaRPr>
-          </a:p>
-          <a:p>
-            <a:pPr lvl="0"/>
-            <a:endParaRPr lang="zh-CN" altLang="en-US" dirty="0">
-              <a:cs typeface="Arial" panose="020B0704020202020204" pitchFamily="34" charset="0"/>
-            </a:endParaRPr>
-          </a:p>
-          <a:p>
-            <a:pPr lvl="0"/>
-            <a:endParaRPr lang="zh-CN" altLang="en-US" dirty="0">
-              <a:ea typeface="Arial" panose="020B0704020202020204" pitchFamily="34" charset="0"/>
-            </a:endParaRPr>
-          </a:p>
-        </p:txBody>
-      </p:sp>
-    </p:spTree>
-  </p:cSld>
-  <p:clrMapOvr>
-    <a:overrideClrMapping bg1="lt1" tx1="dk1" bg2="lt2" tx2="dk2" accent1="accent1" accent2="accent2" accent3="accent3" accent4="accent4" accent5="accent5" accent6="accent6" hlink="hlink" folHlink="folHlink"/>
-  </p:clrMapOvr>
-</p:notes>
-</file>
-
-<file path=ppt/notesSlides/notesSlide17.xml><?xml version="1.0" encoding="utf-8"?>
-<p:notes xmlns:a="http://schemas.openxmlformats.org/drawingml/2006/main" xmlns:r="http://schemas.openxmlformats.org/officeDocument/2006/relationships" xmlns:p="http://schemas.openxmlformats.org/presentationml/2006/main" showMasterSp="0">
-  <p:cSld>
-    <p:bg>
-      <p:bgPr>
-        <a:solidFill>
-          <a:srgbClr val="FFFFFF"/>
-        </a:solidFill>
-        <a:effectLst/>
-      </p:bgPr>
-    </p:bg>
-    <p:spTree>
-      <p:nvGrpSpPr>
-        <p:cNvPr id="1" name=""/>
-        <p:cNvGrpSpPr/>
-        <p:nvPr/>
-      </p:nvGrpSpPr>
-      <p:grpSpPr/>
-      <p:sp>
-        <p:nvSpPr>
-          <p:cNvPr id="23554" name="幻灯片图像占位符 23553"/>
-          <p:cNvSpPr>
-            <a:spLocks noGrp="1"/>
-          </p:cNvSpPr>
-          <p:nvPr>
-            <p:ph type="sldImg"/>
-          </p:nvPr>
-        </p:nvSpPr>
-        <p:spPr>
-          <a:ln w="1"/>
-        </p:spPr>
-      </p:sp>
-      <p:sp>
-        <p:nvSpPr>
-          <p:cNvPr id="23555" name="文本占位符 23554"/>
-          <p:cNvSpPr>
-            <a:spLocks noGrp="1"/>
-          </p:cNvSpPr>
-          <p:nvPr>
-            <p:ph type="body"/>
-          </p:nvPr>
-        </p:nvSpPr>
-        <p:spPr>
-          <a:ln w="1"/>
-        </p:spPr>
-        <p:txBody>
-          <a:bodyPr anchor="ctr" anchorCtr="0"/>
-          <a:p>
-            <a:pPr lvl="0"/>
-            <a:endParaRPr lang="zh-CN" altLang="en-US" dirty="0">
-              <a:ea typeface="宋体" pitchFamily="2" charset="-122"/>
-            </a:endParaRPr>
-          </a:p>
-          <a:p>
-            <a:pPr lvl="0"/>
-            <a:endParaRPr lang="zh-CN" altLang="en-US" dirty="0">
-              <a:ea typeface="宋体" pitchFamily="2" charset="-122"/>
-            </a:endParaRPr>
-          </a:p>
-          <a:p>
-            <a:pPr lvl="0"/>
-            <a:endParaRPr lang="zh-CN" altLang="en-US" dirty="0">
-              <a:ea typeface="宋体" pitchFamily="2" charset="-122"/>
-            </a:endParaRPr>
-          </a:p>
-          <a:p>
-            <a:pPr lvl="0"/>
-            <a:endParaRPr lang="zh-CN" altLang="en-US" dirty="0">
-              <a:ea typeface="宋体" pitchFamily="2" charset="-122"/>
-            </a:endParaRPr>
-          </a:p>
-          <a:p>
-            <a:pPr lvl="0"/>
-            <a:endParaRPr lang="zh-CN" altLang="en-US" dirty="0">
-              <a:ea typeface="宋体" pitchFamily="2" charset="-122"/>
-            </a:endParaRPr>
-          </a:p>
-          <a:p>
-            <a:pPr lvl="0"/>
-            <a:endParaRPr lang="zh-CN" altLang="en-US" dirty="0">
-              <a:cs typeface="Arial" panose="020B0704020202020204" pitchFamily="34" charset="0"/>
-            </a:endParaRPr>
-          </a:p>
-          <a:p>
-            <a:pPr lvl="0"/>
-            <a:endParaRPr lang="zh-CN" altLang="en-US" dirty="0">
-              <a:cs typeface="Arial" panose="020B0704020202020204" pitchFamily="34" charset="0"/>
-            </a:endParaRPr>
-          </a:p>
-          <a:p>
-            <a:pPr lvl="0"/>
-            <a:endParaRPr lang="zh-CN" altLang="en-US" dirty="0">
-              <a:ea typeface="Arial" panose="020B0704020202020204" pitchFamily="34" charset="0"/>
-            </a:endParaRPr>
-          </a:p>
-        </p:txBody>
-      </p:sp>
-    </p:spTree>
-  </p:cSld>
-  <p:clrMapOvr>
-    <a:overrideClrMapping bg1="lt1" tx1="dk1" bg2="lt2" tx2="dk2" accent1="accent1" accent2="accent2" accent3="accent3" accent4="accent4" accent5="accent5" accent6="accent6" hlink="hlink" folHlink="folHlink"/>
-  </p:clrMapOvr>
-</p:notes>
-</file>
-
-<file path=ppt/notesSlides/notesSlide18.xml><?xml version="1.0" encoding="utf-8"?>
-<p:notes xmlns:a="http://schemas.openxmlformats.org/drawingml/2006/main" xmlns:r="http://schemas.openxmlformats.org/officeDocument/2006/relationships" xmlns:p="http://schemas.openxmlformats.org/presentationml/2006/main" showMasterSp="0">
-  <p:cSld>
-    <p:bg>
-      <p:bgPr>
-        <a:solidFill>
-          <a:srgbClr val="FFFFFF"/>
-        </a:solidFill>
-        <a:effectLst/>
-      </p:bgPr>
-    </p:bg>
-    <p:spTree>
-      <p:nvGrpSpPr>
-        <p:cNvPr id="1" name=""/>
-        <p:cNvGrpSpPr/>
-        <p:nvPr/>
-      </p:nvGrpSpPr>
-      <p:grpSpPr/>
-      <p:sp>
-        <p:nvSpPr>
-          <p:cNvPr id="23554" name="幻灯片图像占位符 23553"/>
-          <p:cNvSpPr>
-            <a:spLocks noGrp="1"/>
-          </p:cNvSpPr>
-          <p:nvPr>
-            <p:ph type="sldImg"/>
-          </p:nvPr>
-        </p:nvSpPr>
-        <p:spPr>
-          <a:ln w="1"/>
-        </p:spPr>
-      </p:sp>
-      <p:sp>
-        <p:nvSpPr>
-          <p:cNvPr id="23555" name="文本占位符 23554"/>
-          <p:cNvSpPr>
-            <a:spLocks noGrp="1"/>
-          </p:cNvSpPr>
-          <p:nvPr>
-            <p:ph type="body"/>
-          </p:nvPr>
-        </p:nvSpPr>
-        <p:spPr>
-          <a:ln w="1"/>
-        </p:spPr>
-        <p:txBody>
-          <a:bodyPr anchor="ctr" anchorCtr="0"/>
-          <a:p>
-            <a:pPr lvl="0"/>
-            <a:endParaRPr lang="zh-CN" altLang="en-US" dirty="0">
-              <a:ea typeface="宋体" pitchFamily="2" charset="-122"/>
-            </a:endParaRPr>
-          </a:p>
-          <a:p>
-            <a:pPr lvl="0"/>
-            <a:endParaRPr lang="zh-CN" altLang="en-US" dirty="0">
-              <a:ea typeface="宋体" pitchFamily="2" charset="-122"/>
-            </a:endParaRPr>
-          </a:p>
-          <a:p>
-            <a:pPr lvl="0"/>
-            <a:endParaRPr lang="zh-CN" altLang="en-US" dirty="0">
-              <a:ea typeface="宋体" pitchFamily="2" charset="-122"/>
-            </a:endParaRPr>
-          </a:p>
-          <a:p>
-            <a:pPr lvl="0"/>
-            <a:endParaRPr lang="zh-CN" altLang="en-US" dirty="0">
-              <a:ea typeface="宋体" pitchFamily="2" charset="-122"/>
-            </a:endParaRPr>
-          </a:p>
-          <a:p>
-            <a:pPr lvl="0"/>
-            <a:endParaRPr lang="zh-CN" altLang="en-US" dirty="0">
-              <a:ea typeface="宋体" pitchFamily="2" charset="-122"/>
-            </a:endParaRPr>
-          </a:p>
-          <a:p>
-            <a:pPr lvl="0"/>
-            <a:endParaRPr lang="zh-CN" altLang="en-US" dirty="0">
-              <a:cs typeface="Arial" panose="020B0704020202020204" pitchFamily="34" charset="0"/>
-            </a:endParaRPr>
-          </a:p>
-          <a:p>
-            <a:pPr lvl="0"/>
-            <a:endParaRPr lang="zh-CN" altLang="en-US" dirty="0">
-              <a:cs typeface="Arial" panose="020B0704020202020204" pitchFamily="34" charset="0"/>
-            </a:endParaRPr>
-          </a:p>
-          <a:p>
-            <a:pPr lvl="0"/>
-            <a:endParaRPr lang="zh-CN" altLang="en-US" dirty="0">
-              <a:ea typeface="Arial" panose="020B0704020202020204" pitchFamily="34" charset="0"/>
-            </a:endParaRPr>
-          </a:p>
-        </p:txBody>
-      </p:sp>
-    </p:spTree>
-  </p:cSld>
-  <p:clrMapOvr>
-    <a:overrideClrMapping bg1="lt1" tx1="dk1" bg2="lt2" tx2="dk2" accent1="accent1" accent2="accent2" accent3="accent3" accent4="accent4" accent5="accent5" accent6="accent6" hlink="hlink" folHlink="folHlink"/>
-  </p:clrMapOvr>
-</p:notes>
-</file>
-
-<file path=ppt/notesSlides/notesSlide19.xml><?xml version="1.0" encoding="utf-8"?>
-<p:notes xmlns:a="http://schemas.openxmlformats.org/drawingml/2006/main" xmlns:r="http://schemas.openxmlformats.org/officeDocument/2006/relationships" xmlns:p="http://schemas.openxmlformats.org/presentationml/2006/main" showMasterSp="0">
-  <p:cSld>
-    <p:bg>
-      <p:bgPr>
-        <a:solidFill>
-          <a:srgbClr val="FFFFFF"/>
-        </a:solidFill>
-        <a:effectLst/>
-      </p:bgPr>
-    </p:bg>
-    <p:spTree>
-      <p:nvGrpSpPr>
-        <p:cNvPr id="1" name=""/>
-        <p:cNvGrpSpPr/>
-        <p:nvPr/>
-      </p:nvGrpSpPr>
-      <p:grpSpPr/>
-      <p:sp>
-        <p:nvSpPr>
-          <p:cNvPr id="23554" name="幻灯片图像占位符 23553"/>
-          <p:cNvSpPr>
-            <a:spLocks noGrp="1"/>
-          </p:cNvSpPr>
-          <p:nvPr>
-            <p:ph type="sldImg"/>
-          </p:nvPr>
-        </p:nvSpPr>
-        <p:spPr>
-          <a:ln w="1"/>
-        </p:spPr>
-      </p:sp>
-      <p:sp>
-        <p:nvSpPr>
-          <p:cNvPr id="23555" name="文本占位符 23554"/>
-          <p:cNvSpPr>
-            <a:spLocks noGrp="1"/>
-          </p:cNvSpPr>
-          <p:nvPr>
-            <p:ph type="body"/>
-          </p:nvPr>
-        </p:nvSpPr>
-        <p:spPr>
-          <a:ln w="1"/>
-        </p:spPr>
-        <p:txBody>
-          <a:bodyPr anchor="ctr" anchorCtr="0"/>
-          <a:p>
-            <a:pPr lvl="0"/>
-            <a:endParaRPr lang="zh-CN" altLang="en-US" dirty="0">
-              <a:ea typeface="宋体" pitchFamily="2" charset="-122"/>
-            </a:endParaRPr>
-          </a:p>
-          <a:p>
-            <a:pPr lvl="0"/>
-            <a:endParaRPr lang="zh-CN" altLang="en-US" dirty="0">
-              <a:ea typeface="宋体" pitchFamily="2" charset="-122"/>
-            </a:endParaRPr>
-          </a:p>
-          <a:p>
-            <a:pPr lvl="0"/>
-            <a:endParaRPr lang="zh-CN" altLang="en-US" dirty="0">
-              <a:ea typeface="宋体" pitchFamily="2" charset="-122"/>
-            </a:endParaRPr>
-          </a:p>
-          <a:p>
-            <a:pPr lvl="0"/>
-            <a:endParaRPr lang="zh-CN" altLang="en-US" dirty="0">
-              <a:ea typeface="宋体" pitchFamily="2" charset="-122"/>
-            </a:endParaRPr>
-          </a:p>
-          <a:p>
-            <a:pPr lvl="0"/>
-            <a:endParaRPr lang="zh-CN" altLang="en-US" dirty="0">
-              <a:ea typeface="宋体" pitchFamily="2" charset="-122"/>
-            </a:endParaRPr>
-          </a:p>
-          <a:p>
-            <a:pPr lvl="0"/>
-            <a:endParaRPr lang="zh-CN" altLang="en-US" dirty="0">
-              <a:cs typeface="Arial" panose="020B0704020202020204" pitchFamily="34" charset="0"/>
-            </a:endParaRPr>
-          </a:p>
-          <a:p>
-            <a:pPr lvl="0"/>
-            <a:endParaRPr lang="zh-CN" altLang="en-US" dirty="0">
-              <a:cs typeface="Arial" panose="020B0704020202020204" pitchFamily="34" charset="0"/>
-            </a:endParaRPr>
-          </a:p>
-          <a:p>
-            <a:pPr lvl="0"/>
+            <a:r>
+              <a:rPr lang="zh-CN" altLang="en-US" dirty="0">
+                <a:cs typeface="Arial" panose="020B0704020202020204" pitchFamily="34" charset="0"/>
+              </a:rPr>
+              <a:t>4.26 熟悉SASE</a:t>
+            </a:r>
+            <a:endParaRPr lang="zh-CN" altLang="en-US" dirty="0">
+              <a:cs typeface="Arial" panose="020B0704020202020204" pitchFamily="34" charset="0"/>
+            </a:endParaRPr>
+          </a:p>
+          <a:p>
+            <a:pPr lvl="0"/>
+            <a:r>
+              <a:rPr lang="zh-CN" altLang="en-US" dirty="0">
+                <a:cs typeface="Arial" panose="020B0704020202020204" pitchFamily="34" charset="0"/>
+              </a:rPr>
+              <a:t>- 熟悉SASE产品（）</a:t>
+            </a:r>
+            <a:endParaRPr lang="zh-CN" altLang="en-US" dirty="0">
+              <a:cs typeface="Arial" panose="020B0704020202020204" pitchFamily="34" charset="0"/>
+            </a:endParaRPr>
+          </a:p>
+          <a:p>
+            <a:pPr lvl="0"/>
+            <a:r>
+              <a:rPr lang="zh-CN" altLang="en-US" dirty="0">
+                <a:cs typeface="Arial" panose="020B0704020202020204" pitchFamily="34" charset="0"/>
+              </a:rPr>
+              <a:t>- 学习SASE整体架构与组件 （）</a:t>
+            </a:r>
+            <a:endParaRPr lang="zh-CN" altLang="en-US" dirty="0">
+              <a:cs typeface="Arial" panose="020B0704020202020204" pitchFamily="34" charset="0"/>
+            </a:endParaRPr>
+          </a:p>
+          <a:p>
+            <a:pPr lvl="0"/>
+            <a:r>
+              <a:rPr lang="zh-CN" altLang="en-US" dirty="0">
+                <a:cs typeface="Arial" panose="020B0704020202020204" pitchFamily="34" charset="0"/>
+              </a:rPr>
+              <a:t>- 熟悉fwaas CI流程</a:t>
+            </a:r>
+            <a:endParaRPr lang="zh-CN" altLang="en-US" dirty="0">
+              <a:cs typeface="Arial" panose="020B0704020202020204" pitchFamily="34" charset="0"/>
+            </a:endParaRPr>
+          </a:p>
+          <a:p>
+            <a:pPr lvl="0"/>
+            <a:r>
+              <a:rPr lang="zh-CN" altLang="en-US" dirty="0">
+                <a:cs typeface="Arial" panose="020B0704020202020204" pitchFamily="34" charset="0"/>
+              </a:rPr>
+              <a:t>- 支持Fwaas流水线多feature分支出包特性</a:t>
+            </a:r>
+            <a:endParaRPr lang="zh-CN" altLang="en-US" dirty="0">
+              <a:cs typeface="Arial" panose="020B0704020202020204" pitchFamily="34" charset="0"/>
+            </a:endParaRPr>
+          </a:p>
+          <a:p>
+            <a:pPr lvl="0"/>
+            <a:endParaRPr lang="zh-CN" altLang="en-US" dirty="0">
+              <a:cs typeface="Arial" panose="020B0704020202020204" pitchFamily="34" charset="0"/>
+            </a:endParaRPr>
+          </a:p>
+          <a:p>
+            <a:pPr lvl="0"/>
+            <a:r>
+              <a:rPr lang="zh-CN" altLang="en-US" dirty="0">
+                <a:cs typeface="Arial" panose="020B0704020202020204" pitchFamily="34" charset="0"/>
+              </a:rPr>
+              <a:t>5.30  SASE部署</a:t>
+            </a:r>
+            <a:endParaRPr lang="zh-CN" altLang="en-US" dirty="0">
+              <a:cs typeface="Arial" panose="020B0704020202020204" pitchFamily="34" charset="0"/>
+            </a:endParaRPr>
+          </a:p>
+          <a:p>
+            <a:pPr lvl="0"/>
+            <a:r>
+              <a:rPr lang="zh-CN" altLang="en-US" dirty="0">
+                <a:cs typeface="Arial" panose="020B0704020202020204" pitchFamily="34" charset="0"/>
+              </a:rPr>
+              <a:t>	学习PoP点搭建</a:t>
+            </a:r>
+            <a:endParaRPr lang="zh-CN" altLang="en-US" dirty="0">
+              <a:cs typeface="Arial" panose="020B0704020202020204" pitchFamily="34" charset="0"/>
+            </a:endParaRPr>
+          </a:p>
+          <a:p>
+            <a:pPr lvl="0"/>
+            <a:r>
+              <a:rPr lang="zh-CN" altLang="en-US" dirty="0">
+                <a:cs typeface="Arial" panose="020B0704020202020204" pitchFamily="34" charset="0"/>
+              </a:rPr>
+              <a:t>	设计sase安装工程</a:t>
+            </a:r>
+            <a:endParaRPr lang="zh-CN" altLang="en-US" dirty="0">
+              <a:cs typeface="Arial" panose="020B0704020202020204" pitchFamily="34" charset="0"/>
+            </a:endParaRPr>
+          </a:p>
+          <a:p>
+            <a:pPr lvl="0"/>
+            <a:r>
+              <a:rPr lang="zh-CN" altLang="en-US" dirty="0">
+                <a:cs typeface="Arial" panose="020B0704020202020204" pitchFamily="34" charset="0"/>
+              </a:rPr>
+              <a:t>	构建popsprite工程CI/CD</a:t>
+            </a:r>
+            <a:endParaRPr lang="zh-CN" altLang="en-US" dirty="0">
+              <a:cs typeface="Arial" panose="020B0704020202020204" pitchFamily="34" charset="0"/>
+            </a:endParaRPr>
+          </a:p>
+          <a:p>
+            <a:pPr lvl="0"/>
+            <a:r>
+              <a:rPr lang="zh-CN" altLang="en-US" dirty="0">
+                <a:cs typeface="Arial" panose="020B0704020202020204" pitchFamily="34" charset="0"/>
+              </a:rPr>
+              <a:t>	pop控制器解决中间件问题</a:t>
+            </a:r>
+            <a:endParaRPr lang="zh-CN" altLang="en-US" dirty="0">
+              <a:cs typeface="Arial" panose="020B0704020202020204" pitchFamily="34" charset="0"/>
+            </a:endParaRPr>
+          </a:p>
+          <a:p>
+            <a:pPr lvl="0"/>
+            <a:endParaRPr lang="zh-CN" altLang="en-US" dirty="0">
+              <a:cs typeface="Arial" panose="020B0704020202020204" pitchFamily="34" charset="0"/>
+            </a:endParaRPr>
+          </a:p>
+          <a:p>
+            <a:pPr lvl="0"/>
+            <a:r>
+              <a:rPr lang="zh-CN" altLang="en-US" dirty="0">
+                <a:cs typeface="Arial" panose="020B0704020202020204" pitchFamily="34" charset="0"/>
+              </a:rPr>
+              <a:t>6.30  轻量化托管PoP</a:t>
+            </a:r>
+            <a:endParaRPr lang="zh-CN" altLang="en-US" dirty="0">
+              <a:cs typeface="Arial" panose="020B0704020202020204" pitchFamily="34" charset="0"/>
+            </a:endParaRPr>
+          </a:p>
+          <a:p>
+            <a:pPr lvl="0"/>
+            <a:r>
+              <a:rPr lang="zh-CN" altLang="en-US" dirty="0">
+                <a:cs typeface="Arial" panose="020B0704020202020204" pitchFamily="34" charset="0"/>
+              </a:rPr>
+              <a:t>	易部署工程化：对内解决环境不稳定，不够用的情况</a:t>
+            </a:r>
+            <a:endParaRPr lang="zh-CN" altLang="en-US" dirty="0">
+              <a:cs typeface="Arial" panose="020B0704020202020204" pitchFamily="34" charset="0"/>
+            </a:endParaRPr>
+          </a:p>
+          <a:p>
+            <a:pPr lvl="0"/>
+            <a:r>
+              <a:rPr lang="zh-CN" altLang="en-US" dirty="0">
+                <a:cs typeface="Arial" panose="020B0704020202020204" pitchFamily="34" charset="0"/>
+              </a:rPr>
+              <a:t>	pop场景支撑</a:t>
+            </a:r>
+            <a:endParaRPr lang="zh-CN" altLang="en-US" dirty="0">
+              <a:cs typeface="Arial" panose="020B0704020202020204" pitchFamily="34" charset="0"/>
+            </a:endParaRPr>
+          </a:p>
+          <a:p>
+            <a:pPr lvl="0"/>
+            <a:r>
+              <a:rPr lang="zh-CN" altLang="en-US" dirty="0">
+                <a:cs typeface="Arial" panose="020B0704020202020204" pitchFamily="34" charset="0"/>
+              </a:rPr>
+              <a:t>		pop 节点扩展</a:t>
+            </a:r>
+            <a:endParaRPr lang="zh-CN" altLang="en-US" dirty="0">
+              <a:cs typeface="Arial" panose="020B0704020202020204" pitchFamily="34" charset="0"/>
+            </a:endParaRPr>
+          </a:p>
+          <a:p>
+            <a:pPr lvl="0"/>
+            <a:r>
+              <a:rPr lang="zh-CN" altLang="en-US" dirty="0">
+                <a:cs typeface="Arial" panose="020B0704020202020204" pitchFamily="34" charset="0"/>
+              </a:rPr>
+              <a:t>		pop 资源管理</a:t>
+            </a:r>
+            <a:endParaRPr lang="zh-CN" altLang="en-US" dirty="0">
+              <a:cs typeface="Arial" panose="020B0704020202020204" pitchFamily="34" charset="0"/>
+            </a:endParaRPr>
+          </a:p>
+          <a:p>
+            <a:pPr lvl="0"/>
+            <a:r>
+              <a:rPr lang="zh-CN" altLang="en-US" dirty="0">
+                <a:cs typeface="Arial" panose="020B0704020202020204" pitchFamily="34" charset="0"/>
+              </a:rPr>
+              <a:t>		poc集群，3+n生产集群</a:t>
+            </a:r>
+            <a:endParaRPr lang="zh-CN" altLang="en-US" dirty="0">
+              <a:cs typeface="Arial" panose="020B0704020202020204" pitchFamily="34" charset="0"/>
+            </a:endParaRPr>
+          </a:p>
+          <a:p>
+            <a:pPr lvl="0"/>
+            <a:r>
+              <a:rPr lang="zh-CN" altLang="en-US" dirty="0">
+                <a:cs typeface="Arial" panose="020B0704020202020204" pitchFamily="34" charset="0"/>
+              </a:rPr>
+              <a:t>	租户编排</a:t>
+            </a:r>
+            <a:endParaRPr lang="zh-CN" altLang="en-US" dirty="0">
+              <a:cs typeface="Arial" panose="020B0704020202020204" pitchFamily="34" charset="0"/>
+            </a:endParaRPr>
+          </a:p>
+          <a:p>
+            <a:pPr lvl="0"/>
+            <a:r>
+              <a:rPr lang="zh-CN" altLang="en-US" dirty="0">
+                <a:cs typeface="Arial" panose="020B0704020202020204" pitchFamily="34" charset="0"/>
+              </a:rPr>
+              <a:t>		验证2000租户下瓶颈点</a:t>
+            </a:r>
+            <a:endParaRPr lang="zh-CN" altLang="en-US" dirty="0">
+              <a:cs typeface="Arial" panose="020B0704020202020204" pitchFamily="34" charset="0"/>
+            </a:endParaRPr>
+          </a:p>
+          <a:p>
+            <a:pPr lvl="0"/>
+            <a:r>
+              <a:rPr lang="zh-CN" altLang="en-US" dirty="0">
+                <a:cs typeface="Arial" panose="020B0704020202020204" pitchFamily="34" charset="0"/>
+              </a:rPr>
+              <a:t>			磁盘IO</a:t>
+            </a:r>
+            <a:endParaRPr lang="zh-CN" altLang="en-US" dirty="0">
+              <a:cs typeface="Arial" panose="020B0704020202020204" pitchFamily="34" charset="0"/>
+            </a:endParaRPr>
+          </a:p>
+          <a:p>
+            <a:pPr lvl="0"/>
+            <a:r>
+              <a:rPr lang="zh-CN" altLang="en-US" dirty="0">
+                <a:cs typeface="Arial" panose="020B0704020202020204" pitchFamily="34" charset="0"/>
+              </a:rPr>
+              <a:t>			控制面扩展能力</a:t>
+            </a:r>
+            <a:endParaRPr lang="zh-CN" altLang="en-US" dirty="0">
+              <a:cs typeface="Arial" panose="020B0704020202020204" pitchFamily="34" charset="0"/>
+            </a:endParaRPr>
+          </a:p>
+          <a:p>
+            <a:pPr lvl="0"/>
+            <a:r>
+              <a:rPr lang="zh-CN" altLang="en-US" dirty="0">
+                <a:cs typeface="Arial" panose="020B0704020202020204" pitchFamily="34" charset="0"/>
+              </a:rPr>
+              <a:t>			fwaas的控制线程 1 : 12</a:t>
+            </a:r>
+            <a:endParaRPr lang="zh-CN" altLang="en-US" dirty="0">
+              <a:cs typeface="Arial" panose="020B0704020202020204" pitchFamily="34" charset="0"/>
+            </a:endParaRPr>
+          </a:p>
+          <a:p>
+            <a:pPr lvl="0"/>
+            <a:r>
+              <a:rPr lang="zh-CN" altLang="en-US" dirty="0">
+                <a:cs typeface="Arial" panose="020B0704020202020204" pitchFamily="34" charset="0"/>
+              </a:rPr>
+              <a:t>		租户编排宏观诊断工具</a:t>
+            </a:r>
+            <a:endParaRPr lang="zh-CN" altLang="en-US" dirty="0">
+              <a:cs typeface="Arial" panose="020B0704020202020204" pitchFamily="34" charset="0"/>
+            </a:endParaRPr>
+          </a:p>
+          <a:p>
+            <a:pPr lvl="0"/>
+            <a:endParaRPr lang="zh-CN" altLang="en-US" dirty="0">
+              <a:cs typeface="Arial" panose="020B0704020202020204" pitchFamily="34" charset="0"/>
+            </a:endParaRPr>
+          </a:p>
+          <a:p>
+            <a:pPr lvl="0"/>
+            <a:r>
+              <a:rPr lang="zh-CN" altLang="en-US" dirty="0">
+                <a:cs typeface="Arial" panose="020B0704020202020204" pitchFamily="34" charset="0"/>
+              </a:rPr>
+              <a:t>至今 轻量化托管PoP标准化</a:t>
+            </a:r>
+            <a:endParaRPr lang="zh-CN" altLang="en-US" dirty="0">
+              <a:cs typeface="Arial" panose="020B0704020202020204" pitchFamily="34" charset="0"/>
+            </a:endParaRPr>
+          </a:p>
+          <a:p>
+            <a:pPr lvl="0"/>
+            <a:r>
+              <a:rPr lang="zh-CN" altLang="en-US" dirty="0">
+                <a:cs typeface="Arial" panose="020B0704020202020204" pitchFamily="34" charset="0"/>
+              </a:rPr>
+              <a:t>	场景</a:t>
+            </a:r>
+            <a:endParaRPr lang="zh-CN" altLang="en-US" dirty="0">
+              <a:cs typeface="Arial" panose="020B0704020202020204" pitchFamily="34" charset="0"/>
+            </a:endParaRPr>
+          </a:p>
+          <a:p>
+            <a:pPr lvl="0"/>
+            <a:r>
+              <a:rPr lang="zh-CN" altLang="en-US" dirty="0">
+                <a:cs typeface="Arial" panose="020B0704020202020204" pitchFamily="34" charset="0"/>
+              </a:rPr>
+              <a:t>		HCI：武汉轻量化pop</a:t>
+            </a:r>
+            <a:endParaRPr lang="zh-CN" altLang="en-US" dirty="0">
+              <a:cs typeface="Arial" panose="020B0704020202020204" pitchFamily="34" charset="0"/>
+            </a:endParaRPr>
+          </a:p>
+          <a:p>
+            <a:pPr lvl="0"/>
+            <a:r>
+              <a:rPr lang="zh-CN" altLang="en-US" dirty="0">
+                <a:cs typeface="Arial" panose="020B0704020202020204" pitchFamily="34" charset="0"/>
+              </a:rPr>
+              <a:t>		VMWare：塞柏特vmware轻量化pop</a:t>
+            </a:r>
+            <a:endParaRPr lang="zh-CN" altLang="en-US" dirty="0">
+              <a:cs typeface="Arial" panose="020B0704020202020204" pitchFamily="34" charset="0"/>
+            </a:endParaRPr>
+          </a:p>
+          <a:p>
+            <a:pPr lvl="0"/>
+            <a:r>
+              <a:rPr lang="zh-CN" altLang="en-US" dirty="0">
+                <a:cs typeface="Arial" panose="020B0704020202020204" pitchFamily="34" charset="0"/>
+              </a:rPr>
+              <a:t>		公有云</a:t>
+            </a:r>
+            <a:endParaRPr lang="zh-CN" altLang="en-US" dirty="0">
+              <a:cs typeface="Arial" panose="020B0704020202020204" pitchFamily="34" charset="0"/>
+            </a:endParaRPr>
+          </a:p>
+          <a:p>
+            <a:pPr lvl="0"/>
+            <a:r>
+              <a:rPr lang="zh-CN" altLang="en-US" dirty="0">
+                <a:cs typeface="Arial" panose="020B0704020202020204" pitchFamily="34" charset="0"/>
+              </a:rPr>
+              <a:t>	易部署工程化</a:t>
+            </a:r>
+            <a:endParaRPr lang="zh-CN" altLang="en-US" dirty="0">
+              <a:cs typeface="Arial" panose="020B0704020202020204" pitchFamily="34" charset="0"/>
+            </a:endParaRPr>
+          </a:p>
+          <a:p>
+            <a:pPr lvl="0"/>
+            <a:r>
+              <a:rPr lang="zh-CN" altLang="en-US" dirty="0">
+                <a:cs typeface="Arial" panose="020B0704020202020204" pitchFamily="34" charset="0"/>
+              </a:rPr>
+              <a:t>		支持公有云部署</a:t>
+            </a:r>
+            <a:endParaRPr lang="zh-CN" altLang="en-US" dirty="0">
+              <a:cs typeface="Arial" panose="020B0704020202020204" pitchFamily="34" charset="0"/>
+            </a:endParaRPr>
+          </a:p>
+          <a:p>
+            <a:pPr lvl="0"/>
+            <a:r>
+              <a:rPr lang="zh-CN" altLang="en-US" dirty="0">
+                <a:cs typeface="Arial" panose="020B0704020202020204" pitchFamily="34" charset="0"/>
+              </a:rPr>
+              <a:t>		对接中心端与升级平台</a:t>
+            </a:r>
+            <a:endParaRPr lang="zh-CN" altLang="en-US" dirty="0">
+              <a:cs typeface="Arial" panose="020B0704020202020204" pitchFamily="34" charset="0"/>
+            </a:endParaRPr>
+          </a:p>
+          <a:p>
+            <a:pPr lvl="0"/>
+            <a:r>
+              <a:rPr lang="zh-CN" altLang="en-US" dirty="0">
+                <a:cs typeface="Arial" panose="020B0704020202020204" pitchFamily="34" charset="0"/>
+              </a:rPr>
+              <a:t>		配置接入组件</a:t>
+            </a:r>
+            <a:endParaRPr lang="zh-CN" altLang="en-US" dirty="0">
+              <a:cs typeface="Arial" panose="020B0704020202020204" pitchFamily="34" charset="0"/>
+            </a:endParaRPr>
+          </a:p>
+          <a:p>
+            <a:pPr lvl="0"/>
+            <a:r>
+              <a:rPr lang="zh-CN" altLang="en-US" dirty="0">
+                <a:cs typeface="Arial" panose="020B0704020202020204" pitchFamily="34" charset="0"/>
+              </a:rPr>
+              <a:t>	监控与报警</a:t>
+            </a:r>
+            <a:endParaRPr lang="zh-CN" altLang="en-US" dirty="0">
+              <a:cs typeface="Arial" panose="020B0704020202020204" pitchFamily="34" charset="0"/>
+            </a:endParaRPr>
+          </a:p>
+          <a:p>
+            <a:pPr lvl="0"/>
+            <a:r>
+              <a:rPr lang="zh-CN" altLang="en-US" dirty="0">
+                <a:cs typeface="Arial" panose="020B0704020202020204" pitchFamily="34" charset="0"/>
+              </a:rPr>
+              <a:t>		磁盘IO 与 磁盘吞吐</a:t>
+            </a:r>
+            <a:endParaRPr lang="zh-CN" altLang="en-US" dirty="0">
+              <a:cs typeface="Arial" panose="020B0704020202020204" pitchFamily="34" charset="0"/>
+            </a:endParaRPr>
+          </a:p>
+          <a:p>
+            <a:pPr lvl="0"/>
+            <a:r>
+              <a:rPr lang="zh-CN" altLang="en-US" dirty="0">
+                <a:cs typeface="Arial" panose="020B0704020202020204" pitchFamily="34" charset="0"/>
+              </a:rPr>
+              <a:t>		控制面事件队列</a:t>
+            </a:r>
             <a:endParaRPr lang="zh-CN" altLang="en-US" dirty="0">
               <a:ea typeface="Arial" panose="020B0704020202020204" pitchFamily="34" charset="0"/>
             </a:endParaRPr>
@@ -2996,201 +4872,6 @@
             </a:r>
             <a:endParaRPr lang="zh-CN" altLang="en-US" dirty="0">
               <a:ea typeface="Arial" panose="020B0704020202020204" pitchFamily="34" charset="0"/>
-            </a:endParaRPr>
-          </a:p>
-        </p:txBody>
-      </p:sp>
-    </p:spTree>
-  </p:cSld>
-  <p:clrMapOvr>
-    <a:overrideClrMapping bg1="lt1" tx1="dk1" bg2="lt2" tx2="dk2" accent1="accent1" accent2="accent2" accent3="accent3" accent4="accent4" accent5="accent5" accent6="accent6" hlink="hlink" folHlink="folHlink"/>
-  </p:clrMapOvr>
-</p:notes>
-</file>
-
-<file path=ppt/notesSlides/notesSlide20.xml><?xml version="1.0" encoding="utf-8"?>
-<p:notes xmlns:a="http://schemas.openxmlformats.org/drawingml/2006/main" xmlns:r="http://schemas.openxmlformats.org/officeDocument/2006/relationships" xmlns:p="http://schemas.openxmlformats.org/presentationml/2006/main" showMasterSp="0">
-  <p:cSld>
-    <p:bg>
-      <p:bgPr>
-        <a:solidFill>
-          <a:srgbClr val="FFFFFF"/>
-        </a:solidFill>
-        <a:effectLst/>
-      </p:bgPr>
-    </p:bg>
-    <p:spTree>
-      <p:nvGrpSpPr>
-        <p:cNvPr id="1" name=""/>
-        <p:cNvGrpSpPr/>
-        <p:nvPr/>
-      </p:nvGrpSpPr>
-      <p:grpSpPr/>
-      <p:sp>
-        <p:nvSpPr>
-          <p:cNvPr id="38914" name="幻灯片图像占位符 38913"/>
-          <p:cNvSpPr>
-            <a:spLocks noGrp="1"/>
-          </p:cNvSpPr>
-          <p:nvPr>
-            <p:ph type="sldImg"/>
-          </p:nvPr>
-        </p:nvSpPr>
-        <p:spPr>
-          <a:ln w="1"/>
-        </p:spPr>
-      </p:sp>
-      <p:sp>
-        <p:nvSpPr>
-          <p:cNvPr id="38915" name="文本占位符 38914"/>
-          <p:cNvSpPr>
-            <a:spLocks noGrp="1"/>
-          </p:cNvSpPr>
-          <p:nvPr>
-            <p:ph type="body"/>
-          </p:nvPr>
-        </p:nvSpPr>
-        <p:spPr>
-          <a:ln w="1"/>
-        </p:spPr>
-        <p:txBody>
-          <a:bodyPr anchor="ctr" anchorCtr="0"/>
-          <a:p>
-            <a:pPr lvl="0"/>
-            <a:r>
-              <a:rPr lang="zh-CN" altLang="en-US" dirty="0">
-                <a:ea typeface="宋体" pitchFamily="2" charset="-122"/>
-              </a:rPr>
-              <a:t>把</a:t>
-            </a:r>
-            <a:r>
-              <a:rPr lang="zh-CN" altLang="en-US" dirty="0">
-                <a:ea typeface="宋体" pitchFamily="2" charset="-122"/>
-              </a:rPr>
-              <a:t>k8s</a:t>
-            </a:r>
-            <a:r>
-              <a:rPr lang="zh-CN" altLang="en-US" dirty="0">
-                <a:ea typeface="宋体" pitchFamily="2" charset="-122"/>
-              </a:rPr>
-              <a:t>控制面</a:t>
-            </a:r>
-            <a:r>
-              <a:rPr lang="zh-CN" altLang="en-US" dirty="0">
-                <a:ea typeface="宋体" pitchFamily="2" charset="-122"/>
-              </a:rPr>
-              <a:t>提</a:t>
-            </a:r>
-            <a:r>
-              <a:rPr lang="zh-CN" altLang="en-US" dirty="0">
-                <a:ea typeface="宋体" pitchFamily="2" charset="-122"/>
-              </a:rPr>
-              <a:t>到</a:t>
-            </a:r>
-            <a:r>
-              <a:rPr lang="zh-CN" altLang="en-US" dirty="0">
-                <a:ea typeface="宋体" pitchFamily="2" charset="-122"/>
-              </a:rPr>
-              <a:t>云，</a:t>
-            </a:r>
-            <a:r>
-              <a:rPr lang="zh-CN" altLang="en-US" dirty="0">
-                <a:ea typeface="宋体" pitchFamily="2" charset="-122"/>
-              </a:rPr>
-              <a:t>优化</a:t>
-            </a:r>
-            <a:r>
-              <a:rPr lang="zh-CN" altLang="en-US" dirty="0">
-                <a:ea typeface="宋体" pitchFamily="2" charset="-122"/>
-              </a:rPr>
-              <a:t>k8s </a:t>
-            </a:r>
-            <a:r>
-              <a:rPr lang="zh-CN" altLang="en-US" dirty="0">
-                <a:ea typeface="宋体" pitchFamily="2" charset="-122"/>
-              </a:rPr>
-              <a:t>云</a:t>
-            </a:r>
-            <a:r>
-              <a:rPr lang="zh-CN" altLang="en-US" dirty="0">
-                <a:ea typeface="宋体" pitchFamily="2" charset="-122"/>
-              </a:rPr>
-              <a:t>与</a:t>
-            </a:r>
-            <a:r>
-              <a:rPr lang="zh-CN" altLang="en-US" dirty="0">
-                <a:ea typeface="宋体" pitchFamily="2" charset="-122"/>
-              </a:rPr>
-              <a:t>worker</a:t>
-            </a:r>
-            <a:r>
-              <a:rPr lang="zh-CN" altLang="en-US" dirty="0">
-                <a:ea typeface="宋体" pitchFamily="2" charset="-122"/>
-              </a:rPr>
-              <a:t>边</a:t>
-            </a:r>
-            <a:r>
-              <a:rPr lang="zh-CN" altLang="en-US" dirty="0">
-                <a:ea typeface="宋体" pitchFamily="2" charset="-122"/>
-              </a:rPr>
-              <a:t>的</a:t>
-            </a:r>
-            <a:r>
-              <a:rPr lang="zh-CN" altLang="en-US" dirty="0">
-                <a:ea typeface="宋体" pitchFamily="2" charset="-122"/>
-              </a:rPr>
-              <a:t>连接</a:t>
-            </a:r>
-            <a:r>
-              <a:rPr lang="zh-CN" altLang="en-US" dirty="0">
-                <a:ea typeface="宋体" pitchFamily="2" charset="-122"/>
-              </a:rPr>
-              <a:t>优化，</a:t>
-            </a:r>
-            <a:r>
-              <a:rPr lang="zh-CN" altLang="en-US" dirty="0">
-                <a:ea typeface="宋体" pitchFamily="2" charset="-122"/>
-              </a:rPr>
-              <a:t>网络</a:t>
-            </a:r>
-            <a:r>
-              <a:rPr lang="zh-CN" altLang="en-US" dirty="0">
-                <a:ea typeface="宋体" pitchFamily="2" charset="-122"/>
-              </a:rPr>
-              <a:t>中断</a:t>
-            </a:r>
-            <a:r>
-              <a:rPr lang="zh-CN" altLang="en-US" dirty="0">
-                <a:ea typeface="宋体" pitchFamily="2" charset="-122"/>
-              </a:rPr>
-              <a:t>可以</a:t>
-            </a:r>
-            <a:r>
-              <a:rPr lang="zh-CN" altLang="en-US" dirty="0">
-                <a:ea typeface="宋体" pitchFamily="2" charset="-122"/>
-              </a:rPr>
-              <a:t>自</a:t>
-            </a:r>
-            <a:r>
-              <a:rPr lang="zh-CN" altLang="en-US" dirty="0">
-                <a:ea typeface="宋体" pitchFamily="2" charset="-122"/>
-              </a:rPr>
-              <a:t>治</a:t>
-            </a:r>
-            <a:endParaRPr lang="zh-CN" altLang="en-US" dirty="0">
-              <a:ea typeface="宋体" pitchFamily="2" charset="-122"/>
-            </a:endParaRPr>
-          </a:p>
-          <a:p>
-            <a:pPr lvl="0"/>
-            <a:endParaRPr lang="zh-CN" altLang="en-US" dirty="0">
-              <a:ea typeface="宋体" pitchFamily="2" charset="-122"/>
-            </a:endParaRPr>
-          </a:p>
-          <a:p>
-            <a:pPr lvl="0"/>
-            <a:endParaRPr lang="zh-CN" altLang="en-US" dirty="0">
-              <a:ea typeface="宋体" pitchFamily="2" charset="-122"/>
             </a:endParaRPr>
           </a:p>
         </p:txBody>
@@ -14397,47 +16078,13 @@
       <p:grpSpPr/>
       <p:sp>
         <p:nvSpPr>
-          <p:cNvPr id="22529" name="标题 1"/>
+          <p:cNvPr id="8193" name="TextBox 1"/>
           <p:cNvSpPr/>
           <p:nvPr/>
         </p:nvSpPr>
         <p:spPr>
           <a:xfrm>
-            <a:off x="7308850" y="6337300"/>
-            <a:ext cx="1552575" cy="301625"/>
-          </a:xfrm>
-          <a:prstGeom prst="rect">
-            <a:avLst/>
-          </a:prstGeom>
-          <a:noFill/>
-          <a:ln w="9525">
-            <a:noFill/>
-          </a:ln>
-        </p:spPr>
-        <p:txBody>
-          <a:bodyPr anchor="ctr" anchorCtr="0"/>
-          <a:p>
-            <a:pPr eaLnBrk="0" hangingPunct="0"/>
-            <a:endParaRPr lang="zh-CN" sz="1100" i="1">
-              <a:solidFill>
-                <a:srgbClr val="7F7F7F"/>
-              </a:solidFill>
-              <a:latin typeface="微软雅黑" charset="-108"/>
-              <a:ea typeface="微软雅黑" charset="-108"/>
-              <a:sym typeface="宋体" pitchFamily="2" charset="-122"/>
-            </a:endParaRPr>
-          </a:p>
-        </p:txBody>
-      </p:sp>
-      <p:sp>
-        <p:nvSpPr>
-          <p:cNvPr id="22530" name="TextBox 1"/>
-          <p:cNvSpPr/>
-          <p:nvPr/>
-        </p:nvSpPr>
-        <p:spPr>
-          <a:xfrm>
-            <a:off x="247650" y="323850"/>
+            <a:off x="228600" y="150813"/>
             <a:ext cx="3600450" cy="460375"/>
           </a:xfrm>
           <a:prstGeom prst="rect">
@@ -14455,6 +16102,17 @@
           <a:p>
             <a:pPr eaLnBrk="0" hangingPunct="0"/>
             <a:r>
+              <a:rPr lang="en-US" altLang="zh-CN" sz="2400" b="1" dirty="0">
+                <a:solidFill>
+                  <a:srgbClr val="0070C0"/>
+                </a:solidFill>
+                <a:latin typeface="微软雅黑" charset="-108"/>
+                <a:ea typeface="微软雅黑" charset="-108"/>
+                <a:sym typeface="微软雅黑" charset="-108"/>
+              </a:rPr>
+              <a:t>Kubernetes</a:t>
+            </a:r>
+            <a:r>
               <a:rPr lang="zh-CN" altLang="en-US" sz="2400" b="1" dirty="0">
                 <a:solidFill>
                   <a:srgbClr val="0070C0"/>
@@ -14463,7 +16121,7 @@
                 <a:ea typeface="微软雅黑" charset="-108"/>
                 <a:sym typeface="微软雅黑" charset="-108"/>
               </a:rPr>
-              <a:t>容器</a:t>
+              <a:t>编排</a:t>
             </a:r>
             <a:endParaRPr lang="zh-CN" altLang="en-US" sz="2400" b="1" dirty="0">
               <a:solidFill>
@@ -14478,232 +16136,7 @@
       </p:sp>
       <p:pic>
         <p:nvPicPr>
-          <p:cNvPr id="22532" name="图片 22532" descr="sangfor_logo"/>
-          <p:cNvPicPr>
-            <a:picLocks noChangeAspect="1"/>
-          </p:cNvPicPr>
-          <p:nvPr/>
-        </p:nvPicPr>
-        <p:blipFill>
-          <a:blip r:embed="rId1"/>
-          <a:stretch>
-            <a:fillRect/>
-          </a:stretch>
-        </p:blipFill>
-        <p:spPr>
-          <a:xfrm>
-            <a:off x="7343775" y="473075"/>
-            <a:ext cx="1320800" cy="606425"/>
-          </a:xfrm>
-          <a:prstGeom prst="rect">
-            <a:avLst/>
-          </a:prstGeom>
-          <a:noFill/>
-          <a:ln w="9525">
-            <a:noFill/>
-          </a:ln>
-        </p:spPr>
-      </p:pic>
-      <p:pic>
-        <p:nvPicPr>
-          <p:cNvPr id="3" name="图片 2" descr="kubetens前世今世"/>
-          <p:cNvPicPr>
-            <a:picLocks noChangeAspect="1"/>
-          </p:cNvPicPr>
-          <p:nvPr/>
-        </p:nvPicPr>
-        <p:blipFill>
-          <a:blip r:embed="rId2"/>
-          <a:stretch>
-            <a:fillRect/>
-          </a:stretch>
-        </p:blipFill>
-        <p:spPr>
-          <a:xfrm>
-            <a:off x="107315" y="1844040"/>
-            <a:ext cx="8906510" cy="2761615"/>
-          </a:xfrm>
-          <a:prstGeom prst="rect">
-            <a:avLst/>
-          </a:prstGeom>
-        </p:spPr>
-      </p:pic>
-      <p:sp>
-        <p:nvSpPr>
-          <p:cNvPr id="4" name="文本框 3"/>
-          <p:cNvSpPr txBox="1"/>
-          <p:nvPr/>
-        </p:nvSpPr>
-        <p:spPr>
-          <a:xfrm>
-            <a:off x="2195830" y="5085080"/>
-            <a:ext cx="3048000" cy="922020"/>
-          </a:xfrm>
-          <a:prstGeom prst="rect">
-            <a:avLst/>
-          </a:prstGeom>
-          <a:noFill/>
-        </p:spPr>
-        <p:txBody>
-          <a:bodyPr wrap="square" rtlCol="0">
-            <a:spAutoFit/>
-          </a:bodyPr>
-          <a:p>
-            <a:r>
-              <a:rPr lang="zh-CN" altLang="en-US"/>
-              <a:t>为什么</a:t>
-            </a:r>
-            <a:r>
-              <a:rPr lang="en-US" altLang="zh-CN"/>
-              <a:t>Docker</a:t>
-            </a:r>
-            <a:r>
-              <a:rPr lang="zh-CN" altLang="en-US"/>
-              <a:t>会火</a:t>
-            </a:r>
-            <a:r>
-              <a:rPr lang="en-US" altLang="zh-CN"/>
-              <a:t>？</a:t>
-            </a:r>
-            <a:endParaRPr lang="en-US" altLang="zh-CN"/>
-          </a:p>
-          <a:p>
-            <a:endParaRPr lang="zh-CN" altLang="en-US"/>
-          </a:p>
-          <a:p>
-            <a:r>
-              <a:rPr lang="zh-CN" altLang="en-US"/>
-              <a:t>为什么</a:t>
-            </a:r>
-            <a:r>
-              <a:rPr lang="en-US" altLang="zh-CN"/>
-              <a:t>Kubernetes</a:t>
-            </a:r>
-            <a:r>
-              <a:rPr lang="zh-CN" altLang="en-US"/>
-              <a:t>最终胜利</a:t>
-            </a:r>
-            <a:r>
-              <a:rPr lang="en-US" altLang="zh-CN"/>
-              <a:t>？</a:t>
-            </a:r>
-            <a:endParaRPr lang="en-US" altLang="zh-CN"/>
-          </a:p>
-        </p:txBody>
-      </p:sp>
-    </p:spTree>
-  </p:cSld>
-  <p:clrMapOvr>
-    <a:masterClrMapping/>
-  </p:clrMapOvr>
-</p:sld>
-</file>
-
-<file path=ppt/slides/slide17.xml><?xml version="1.0" encoding="utf-8"?>
-<p:sld xmlns:a="http://schemas.openxmlformats.org/drawingml/2006/main" xmlns:r="http://schemas.openxmlformats.org/officeDocument/2006/relationships" xmlns:p="http://schemas.openxmlformats.org/presentationml/2006/main">
-  <p:cSld>
-    <p:spTree>
-      <p:nvGrpSpPr>
-        <p:cNvPr id="1" name=""/>
-        <p:cNvGrpSpPr/>
-        <p:nvPr/>
-      </p:nvGrpSpPr>
-      <p:grpSpPr/>
-      <p:sp>
-        <p:nvSpPr>
-          <p:cNvPr id="22529" name="标题 1"/>
-          <p:cNvSpPr/>
-          <p:nvPr/>
-        </p:nvSpPr>
-        <p:spPr>
-          <a:xfrm>
-            <a:off x="7308850" y="6337300"/>
-            <a:ext cx="1552575" cy="301625"/>
-          </a:xfrm>
-          <a:prstGeom prst="rect">
-            <a:avLst/>
-          </a:prstGeom>
-          <a:noFill/>
-          <a:ln w="9525">
-            <a:noFill/>
-          </a:ln>
-        </p:spPr>
-        <p:txBody>
-          <a:bodyPr anchor="ctr" anchorCtr="0"/>
-          <a:p>
-            <a:pPr eaLnBrk="0" hangingPunct="0"/>
-            <a:endParaRPr lang="zh-CN" sz="1100" i="1">
-              <a:solidFill>
-                <a:srgbClr val="7F7F7F"/>
-              </a:solidFill>
-              <a:latin typeface="微软雅黑" charset="-108"/>
-              <a:ea typeface="微软雅黑" charset="-108"/>
-              <a:sym typeface="宋体" pitchFamily="2" charset="-122"/>
-            </a:endParaRPr>
-          </a:p>
-        </p:txBody>
-      </p:sp>
-      <p:sp>
-        <p:nvSpPr>
-          <p:cNvPr id="22530" name="TextBox 1"/>
-          <p:cNvSpPr/>
-          <p:nvPr/>
-        </p:nvSpPr>
-        <p:spPr>
-          <a:xfrm>
-            <a:off x="247650" y="323850"/>
-            <a:ext cx="3600450" cy="460375"/>
-          </a:xfrm>
-          <a:prstGeom prst="rect">
-            <a:avLst/>
-          </a:prstGeom>
-          <a:noFill/>
-          <a:ln w="9525">
-            <a:noFill/>
-          </a:ln>
-        </p:spPr>
-        <p:txBody>
-          <a:bodyPr wrap="square" anchor="t" anchorCtr="0">
-            <a:spAutoFit/>
-          </a:bodyPr>
-          <a:p>
-            <a:pPr eaLnBrk="0" hangingPunct="0"/>
-            <a:r>
-              <a:rPr lang="zh-CN" altLang="en-US" sz="2400" b="1" dirty="0">
-                <a:solidFill>
-                  <a:srgbClr val="0070C0"/>
-                </a:solidFill>
-                <a:latin typeface="微软雅黑" charset="-108"/>
-                <a:ea typeface="微软雅黑" charset="-108"/>
-                <a:sym typeface="微软雅黑" charset="-108"/>
-              </a:rPr>
-              <a:t>容器</a:t>
-            </a:r>
-            <a:r>
-              <a:rPr lang="en-US" altLang="zh-CN" sz="2400" b="1" dirty="0">
-                <a:solidFill>
-                  <a:srgbClr val="0070C0"/>
-                </a:solidFill>
-                <a:latin typeface="微软雅黑" charset="-108"/>
-                <a:ea typeface="微软雅黑" charset="-108"/>
-                <a:sym typeface="微软雅黑" charset="-108"/>
-              </a:rPr>
-              <a:t> </a:t>
-            </a:r>
-            <a:endParaRPr lang="en-US" altLang="zh-CN" sz="2400" b="1" dirty="0">
-              <a:solidFill>
-                <a:srgbClr val="0070C0"/>
-              </a:solidFill>
-              <a:latin typeface="微软雅黑" charset="-108"/>
-              <a:ea typeface="微软雅黑" charset="-108"/>
-              <a:sym typeface="微软雅黑" charset="-108"/>
-            </a:endParaRPr>
-          </a:p>
-        </p:txBody>
-      </p:sp>
-      <p:pic>
-        <p:nvPicPr>
-          <p:cNvPr id="22532" name="图片 22532" descr="sangfor_logo"/>
+          <p:cNvPr id="8194" name="图片 8194" descr="sangfor_logo"/>
           <p:cNvPicPr>
             <a:picLocks noChangeAspect="1"/>
           </p:cNvPicPr>
@@ -14766,18 +16199,7 @@
                 <a:ea typeface="微软雅黑" charset="-108"/>
                 <a:sym typeface="微软雅黑" charset="-108"/>
               </a:rPr>
-              <a:t> 镜像</a:t>
-            </a:r>
-            <a:r>
-              <a:rPr lang="en-US" altLang="zh-CN" sz="2000" dirty="0">
-                <a:solidFill>
-                  <a:srgbClr val="184199"/>
-                </a:solidFill>
-                <a:latin typeface="微软雅黑" charset="-108"/>
-                <a:ea typeface="微软雅黑" charset="-108"/>
-                <a:sym typeface="微软雅黑" charset="-108"/>
-              </a:rPr>
-              <a:t>  &amp;&amp;  </a:t>
+              <a:t> 控制器</a:t>
             </a:r>
             <a:r>
               <a:rPr lang="zh-CN" altLang="en-US" sz="2000" dirty="0">
@@ -14788,7 +16210,7 @@
                 <a:ea typeface="微软雅黑" charset="-108"/>
                 <a:sym typeface="微软雅黑" charset="-108"/>
               </a:rPr>
-              <a:t>容器</a:t>
+              <a:t>模型</a:t>
             </a:r>
             <a:endParaRPr lang="zh-CN" altLang="en-US" sz="2000" dirty="0">
               <a:solidFill>
@@ -14801,16 +16223,40 @@
           </a:p>
         </p:txBody>
       </p:sp>
+      <p:pic>
+        <p:nvPicPr>
+          <p:cNvPr id="5" name="图片 4"/>
+          <p:cNvPicPr>
+            <a:picLocks noChangeAspect="1"/>
+          </p:cNvPicPr>
+          <p:nvPr/>
+        </p:nvPicPr>
+        <p:blipFill>
+          <a:blip r:embed="rId2"/>
+          <a:stretch>
+            <a:fillRect/>
+          </a:stretch>
+        </p:blipFill>
+        <p:spPr>
+          <a:xfrm>
+            <a:off x="4355465" y="3068320"/>
+            <a:ext cx="4431665" cy="1679575"/>
+          </a:xfrm>
+          <a:prstGeom prst="rect">
+            <a:avLst/>
+          </a:prstGeom>
+        </p:spPr>
+      </p:pic>
       <p:sp>
         <p:nvSpPr>
-          <p:cNvPr id="2" name="文本框 1"/>
+          <p:cNvPr id="6" name="文本框 5"/>
           <p:cNvSpPr txBox="1"/>
           <p:nvPr/>
         </p:nvSpPr>
         <p:spPr>
           <a:xfrm>
-            <a:off x="1115695" y="1196975"/>
-            <a:ext cx="6339205" cy="2861310"/>
+            <a:off x="539750" y="1556385"/>
+            <a:ext cx="3048000" cy="368300"/>
           </a:xfrm>
           <a:prstGeom prst="rect">
             <a:avLst/>
@@ -14823,137 +16269,27 @@
           </a:bodyPr>
           <a:p>
             <a:r>
+              <a:rPr lang="en-US" altLang="zh-CN"/>
+              <a:t>Deployment </a:t>
+            </a:r>
+            <a:r>
               <a:rPr lang="zh-CN" altLang="en-US"/>
-              <a:t>镜像</a:t>
-            </a:r>
-            <a:r>
-              <a:rPr lang="en-US" altLang="zh-CN"/>
-              <a:t> (Image)</a:t>
-            </a:r>
-            <a:endParaRPr lang="en-US" altLang="zh-CN"/>
-          </a:p>
-          <a:p>
-            <a:pPr marL="285750" indent="-285750">
-              <a:buFont typeface="Arial" panose="020B0704020202020204" pitchFamily="34" charset="0"/>
-              <a:buChar char="•"/>
-            </a:pPr>
-            <a:r>
-              <a:rPr lang="zh-CN" altLang="en-US"/>
-              <a:t>镜像是一个静态的、只读的模板，包含了运行容器所需的所有文件、依赖和配置。</a:t>
+              <a:t>描述</a:t>
             </a:r>
             <a:endParaRPr lang="zh-CN" altLang="en-US"/>
-          </a:p>
-          <a:p>
-            <a:pPr marL="285750" indent="-285750">
-              <a:buFont typeface="Arial" panose="020B0704020202020204" pitchFamily="34" charset="0"/>
-              <a:buChar char="•"/>
-            </a:pPr>
-            <a:r>
-              <a:rPr lang="zh-CN" altLang="en-US"/>
-              <a:t>类似于一个</a:t>
-            </a:r>
-            <a:r>
-              <a:rPr lang="en-US" altLang="zh-CN"/>
-              <a:t>“</a:t>
-            </a:r>
-            <a:r>
-              <a:rPr lang="zh-CN" altLang="en-US"/>
-              <a:t>快照</a:t>
-            </a:r>
-            <a:r>
-              <a:rPr lang="en-US" altLang="zh-CN"/>
-              <a:t>”</a:t>
-            </a:r>
-            <a:r>
-              <a:rPr lang="zh-CN" altLang="en-US"/>
-              <a:t>或</a:t>
-            </a:r>
-            <a:r>
-              <a:rPr lang="en-US" altLang="zh-CN"/>
-              <a:t>“</a:t>
-            </a:r>
-            <a:r>
-              <a:rPr lang="zh-CN" altLang="en-US"/>
-              <a:t>程序安装包</a:t>
-            </a:r>
-            <a:r>
-              <a:rPr lang="en-US" altLang="zh-CN"/>
-              <a:t>”</a:t>
-            </a:r>
-            <a:r>
-              <a:rPr lang="zh-CN" altLang="en-US"/>
-              <a:t>。</a:t>
-            </a:r>
-            <a:endParaRPr lang="zh-CN" altLang="en-US"/>
-          </a:p>
-          <a:p>
-            <a:pPr marL="285750" indent="-285750">
-              <a:buFont typeface="Arial" panose="020B0704020202020204" pitchFamily="34" charset="0"/>
-              <a:buChar char="•"/>
-            </a:pPr>
-            <a:r>
-              <a:rPr lang="zh-CN" altLang="en-US"/>
-              <a:t>镜像不能直接运行，但可以用来启动容器。</a:t>
-            </a:r>
-            <a:endParaRPr lang="zh-CN" altLang="en-US"/>
-          </a:p>
-          <a:p>
-            <a:pPr>
-              <a:buFont typeface="Arial" panose="020B0704020202020204" pitchFamily="34" charset="0"/>
-            </a:pPr>
-            <a:endParaRPr lang="zh-CN" altLang="en-US"/>
-          </a:p>
-          <a:p>
-            <a:pPr>
-              <a:buFont typeface="Arial" panose="020B0704020202020204" pitchFamily="34" charset="0"/>
-            </a:pPr>
-            <a:r>
-              <a:rPr lang="zh-CN" altLang="en-US"/>
-              <a:t>示例：一个包含了</a:t>
-            </a:r>
-            <a:r>
-              <a:rPr lang="en-US" altLang="zh-CN"/>
-              <a:t> Python </a:t>
-            </a:r>
-            <a:r>
-              <a:rPr lang="zh-CN" altLang="en-US"/>
-              <a:t>环境的镜像，可以用来运行</a:t>
-            </a:r>
-            <a:r>
-              <a:rPr lang="en-US" altLang="zh-CN"/>
-              <a:t> Python </a:t>
-            </a:r>
-            <a:r>
-              <a:rPr lang="zh-CN" altLang="en-US"/>
-              <a:t>程序。</a:t>
-            </a:r>
-            <a:endParaRPr lang="zh-CN" altLang="en-US"/>
-          </a:p>
-          <a:p>
-            <a:pPr>
-              <a:buFont typeface="Arial" panose="020B0704020202020204" pitchFamily="34" charset="0"/>
-            </a:pPr>
-            <a:r>
-              <a:rPr lang="en-US" altLang="zh-CN"/>
-              <a:t>docker build -t flask-hello-world .</a:t>
-            </a:r>
-            <a:endParaRPr lang="en-US" altLang="zh-CN"/>
-          </a:p>
-          <a:p>
-            <a:endParaRPr lang="en-US" altLang="zh-CN"/>
           </a:p>
         </p:txBody>
       </p:sp>
       <p:sp>
         <p:nvSpPr>
-          <p:cNvPr id="4" name="文本框 3"/>
+          <p:cNvPr id="7" name="文本框 6"/>
           <p:cNvSpPr txBox="1"/>
           <p:nvPr/>
         </p:nvSpPr>
         <p:spPr>
           <a:xfrm>
-            <a:off x="1115695" y="3777615"/>
-            <a:ext cx="6216015" cy="2861310"/>
+            <a:off x="4931410" y="2564130"/>
+            <a:ext cx="3048000" cy="368300"/>
           </a:xfrm>
           <a:prstGeom prst="rect">
             <a:avLst/>
@@ -14966,139 +16302,398 @@
           </a:bodyPr>
           <a:p>
             <a:r>
+              <a:rPr lang="en-US" altLang="zh-CN"/>
+              <a:t>Deployment </a:t>
+            </a:r>
+            <a:r>
+              <a:rPr lang="zh-CN" altLang="en-US"/>
+              <a:t>控制器</a:t>
+            </a:r>
+            <a:r>
+              <a:rPr lang="zh-CN" altLang="en-US"/>
+              <a:t>实现</a:t>
+            </a:r>
+            <a:endParaRPr lang="zh-CN" altLang="en-US"/>
+          </a:p>
+        </p:txBody>
+      </p:sp>
+      <p:pic>
+        <p:nvPicPr>
+          <p:cNvPr id="9" name="图片 8"/>
+          <p:cNvPicPr>
+            <a:picLocks noChangeAspect="1"/>
+          </p:cNvPicPr>
+          <p:nvPr/>
+        </p:nvPicPr>
+        <p:blipFill>
+          <a:blip r:embed="rId3"/>
+          <a:stretch>
+            <a:fillRect/>
+          </a:stretch>
+        </p:blipFill>
+        <p:spPr>
+          <a:xfrm>
+            <a:off x="539750" y="2060575"/>
+            <a:ext cx="3733800" cy="3632200"/>
+          </a:xfrm>
+          <a:prstGeom prst="rect">
+            <a:avLst/>
+          </a:prstGeom>
+        </p:spPr>
+      </p:pic>
+    </p:spTree>
+  </p:cSld>
+  <p:clrMapOvr>
+    <a:masterClrMapping/>
+  </p:clrMapOvr>
+  <p:timing>
+    <p:tnLst>
+      <p:par>
+        <p:cTn id="1" dur="indefinite" restart="never" nodeType="tmRoot">
+          <p:childTnLst>
+            <p:seq concurrent="1" nextAc="seek">
+              <p:cTn id="2" dur="indefinite" nodeType="mainSeq">
+                <p:childTnLst>
+                  <p:par>
+                    <p:cTn id="3" fill="hold">
+                      <p:stCondLst>
+                        <p:cond delay="indefinite"/>
+                        <p:cond evt="onBegin" delay="0">
+                          <p:tn val="2"/>
+                        </p:cond>
+                      </p:stCondLst>
+                      <p:childTnLst>
+                        <p:par>
+                          <p:cTn id="4" fill="hold">
+                            <p:stCondLst>
+                              <p:cond delay="0"/>
+                            </p:stCondLst>
+                            <p:childTnLst>
+                              <p:par>
+                                <p:cTn id="5" presetID="1" presetClass="entr" presetSubtype="0" fill="hold" grpId="0" nodeType="withEffect">
+                                  <p:stCondLst>
+                                    <p:cond delay="0"/>
+                                  </p:stCondLst>
+                                  <p:childTnLst>
+                                    <p:set>
+                                      <p:cBhvr>
+                                        <p:cTn id="6" dur="1" fill="hold">
+                                          <p:stCondLst>
+                                            <p:cond delay="0"/>
+                                          </p:stCondLst>
+                                        </p:cTn>
+                                        <p:tgtEl>
+                                          <p:spTgt spid="35841"/>
+                                        </p:tgtEl>
+                                        <p:attrNameLst>
+                                          <p:attrName>style.visibility</p:attrName>
+                                        </p:attrNameLst>
+                                      </p:cBhvr>
+                                      <p:to>
+                                        <p:strVal val="visible"/>
+                                      </p:to>
+                                    </p:set>
+                                  </p:childTnLst>
+                                </p:cTn>
+                              </p:par>
+                            </p:childTnLst>
+                          </p:cTn>
+                        </p:par>
+                      </p:childTnLst>
+                    </p:cTn>
+                  </p:par>
+                </p:childTnLst>
+              </p:cTn>
+              <p:prevCondLst>
+                <p:cond evt="onPrev" delay="0">
+                  <p:tgtEl>
+                    <p:sldTgt/>
+                  </p:tgtEl>
+                </p:cond>
+              </p:prevCondLst>
+              <p:nextCondLst>
+                <p:cond evt="onNext" delay="0">
+                  <p:tgtEl>
+                    <p:sldTgt/>
+                  </p:tgtEl>
+                </p:cond>
+              </p:nextCondLst>
+            </p:seq>
+          </p:childTnLst>
+        </p:cTn>
+      </p:par>
+    </p:tnLst>
+    <p:bldLst>
+      <p:bldP spid="35841" grpId="0"/>
+      <p:bldP spid="35841" grpId="1"/>
+    </p:bldLst>
+  </p:timing>
+</p:sld>
+</file>
+
+<file path=ppt/slides/slide17.xml><?xml version="1.0" encoding="utf-8"?>
+<p:sld xmlns:a="http://schemas.openxmlformats.org/drawingml/2006/main" xmlns:r="http://schemas.openxmlformats.org/officeDocument/2006/relationships" xmlns:p="http://schemas.openxmlformats.org/presentationml/2006/main">
+  <p:cSld>
+    <p:spTree>
+      <p:nvGrpSpPr>
+        <p:cNvPr id="1" name=""/>
+        <p:cNvGrpSpPr/>
+        <p:nvPr/>
+      </p:nvGrpSpPr>
+      <p:grpSpPr/>
+      <p:sp>
+        <p:nvSpPr>
+          <p:cNvPr id="8193" name="TextBox 1"/>
+          <p:cNvSpPr/>
+          <p:nvPr/>
+        </p:nvSpPr>
+        <p:spPr>
+          <a:xfrm>
+            <a:off x="228600" y="150813"/>
+            <a:ext cx="3600450" cy="460375"/>
+          </a:xfrm>
+          <a:prstGeom prst="rect">
+            <a:avLst/>
+          </a:prstGeom>
+          <a:noFill/>
+          <a:ln w="9525">
+            <a:noFill/>
+          </a:ln>
+        </p:spPr>
+        <p:txBody>
+          <a:bodyPr wrap="square" anchor="t" anchorCtr="0">
+            <a:spAutoFit/>
+          </a:bodyPr>
+          <a:p>
+            <a:pPr eaLnBrk="0" hangingPunct="0"/>
+            <a:r>
+              <a:rPr lang="en-US" altLang="zh-CN" sz="2400" b="1" dirty="0">
+                <a:solidFill>
+                  <a:srgbClr val="0070C0"/>
+                </a:solidFill>
+                <a:latin typeface="微软雅黑" charset="-108"/>
+                <a:ea typeface="微软雅黑" charset="-108"/>
+                <a:sym typeface="微软雅黑" charset="-108"/>
+              </a:rPr>
+              <a:t>Kubernetes</a:t>
+            </a:r>
+            <a:r>
+              <a:rPr lang="zh-CN" altLang="en-US" sz="2400" b="1" dirty="0">
+                <a:solidFill>
+                  <a:srgbClr val="0070C0"/>
+                </a:solidFill>
+                <a:latin typeface="微软雅黑" charset="-108"/>
+                <a:ea typeface="微软雅黑" charset="-108"/>
+                <a:sym typeface="微软雅黑" charset="-108"/>
+              </a:rPr>
+              <a:t>编排</a:t>
+            </a:r>
+            <a:endParaRPr lang="zh-CN" altLang="en-US" sz="2400" b="1" dirty="0">
+              <a:solidFill>
+                <a:srgbClr val="0070C0"/>
+              </a:solidFill>
+              <a:latin typeface="微软雅黑" charset="-108"/>
+              <a:ea typeface="微软雅黑" charset="-108"/>
+              <a:sym typeface="微软雅黑" charset="-108"/>
+            </a:endParaRPr>
+          </a:p>
+        </p:txBody>
+      </p:sp>
+      <p:pic>
+        <p:nvPicPr>
+          <p:cNvPr id="8194" name="图片 8194" descr="sangfor_logo"/>
+          <p:cNvPicPr>
+            <a:picLocks noChangeAspect="1"/>
+          </p:cNvPicPr>
+          <p:nvPr/>
+        </p:nvPicPr>
+        <p:blipFill>
+          <a:blip r:embed="rId1"/>
+          <a:stretch>
+            <a:fillRect/>
+          </a:stretch>
+        </p:blipFill>
+        <p:spPr>
+          <a:xfrm>
+            <a:off x="7343775" y="473075"/>
+            <a:ext cx="1320800" cy="606425"/>
+          </a:xfrm>
+          <a:prstGeom prst="rect">
+            <a:avLst/>
+          </a:prstGeom>
+          <a:noFill/>
+          <a:ln w="9525">
+            <a:noFill/>
+          </a:ln>
+        </p:spPr>
+      </p:pic>
+      <p:sp>
+        <p:nvSpPr>
+          <p:cNvPr id="35841" name="文本框 35841"/>
+          <p:cNvSpPr txBox="1"/>
+          <p:nvPr/>
+        </p:nvSpPr>
+        <p:spPr>
+          <a:xfrm>
+            <a:off x="323850" y="836930"/>
+            <a:ext cx="5807075" cy="398780"/>
+          </a:xfrm>
+          <a:prstGeom prst="rect">
+            <a:avLst/>
+          </a:prstGeom>
+          <a:noFill/>
+          <a:ln w="9525">
+            <a:noFill/>
+          </a:ln>
+        </p:spPr>
+        <p:txBody>
+          <a:bodyPr wrap="square" anchor="t" anchorCtr="0">
+            <a:spAutoFit/>
+          </a:bodyPr>
+          <a:p>
+            <a:pPr eaLnBrk="0" hangingPunct="0">
+              <a:buFont typeface="Wingdings" panose="05000000000000000000" pitchFamily="2" charset="2"/>
+              <a:buChar char="Ø"/>
+            </a:pPr>
+            <a:r>
+              <a:rPr lang="zh-CN" altLang="en-US" sz="2000" dirty="0">
+                <a:solidFill>
+                  <a:srgbClr val="184199"/>
+                </a:solidFill>
+                <a:latin typeface="微软雅黑" charset="-108"/>
+                <a:ea typeface="微软雅黑" charset="-108"/>
+                <a:sym typeface="微软雅黑" charset="-108"/>
+              </a:rPr>
+              <a:t> </a:t>
+            </a:r>
+            <a:r>
+              <a:rPr lang="en-US" altLang="zh-CN" sz="2000" dirty="0">
+                <a:solidFill>
+                  <a:srgbClr val="184199"/>
+                </a:solidFill>
+                <a:latin typeface="微软雅黑" charset="-108"/>
+                <a:ea typeface="微软雅黑" charset="-108"/>
+                <a:sym typeface="微软雅黑" charset="-108"/>
+              </a:rPr>
+              <a:t>Deployment </a:t>
+            </a:r>
+            <a:r>
+              <a:rPr lang="zh-CN" altLang="en-US" sz="2000" dirty="0">
+                <a:solidFill>
+                  <a:srgbClr val="184199"/>
+                </a:solidFill>
+                <a:latin typeface="微软雅黑" charset="-108"/>
+                <a:ea typeface="微软雅黑" charset="-108"/>
+                <a:sym typeface="微软雅黑" charset="-108"/>
+              </a:rPr>
+              <a:t>无状态</a:t>
+            </a:r>
+            <a:r>
+              <a:rPr lang="zh-CN" altLang="en-US" sz="2000" dirty="0">
+                <a:solidFill>
+                  <a:srgbClr val="184199"/>
+                </a:solidFill>
+                <a:latin typeface="微软雅黑" charset="-108"/>
+                <a:ea typeface="微软雅黑" charset="-108"/>
+                <a:sym typeface="微软雅黑" charset="-108"/>
+              </a:rPr>
+              <a:t>应用</a:t>
+            </a:r>
+            <a:endParaRPr lang="zh-CN" altLang="en-US" sz="2000" dirty="0">
+              <a:solidFill>
+                <a:srgbClr val="184199"/>
+              </a:solidFill>
+              <a:latin typeface="微软雅黑" charset="-108"/>
+              <a:ea typeface="微软雅黑" charset="-108"/>
+              <a:sym typeface="微软雅黑" charset="-108"/>
+            </a:endParaRPr>
+          </a:p>
+        </p:txBody>
+      </p:sp>
+      <p:sp>
+        <p:nvSpPr>
+          <p:cNvPr id="3" name="文本框 2"/>
+          <p:cNvSpPr txBox="1"/>
+          <p:nvPr/>
+        </p:nvSpPr>
+        <p:spPr>
+          <a:xfrm>
+            <a:off x="1475740" y="1772285"/>
+            <a:ext cx="4305935" cy="2030095"/>
+          </a:xfrm>
+          <a:prstGeom prst="rect">
+            <a:avLst/>
+          </a:prstGeom>
+          <a:noFill/>
+        </p:spPr>
+        <p:txBody>
+          <a:bodyPr wrap="square" rtlCol="0">
+            <a:spAutoFit/>
+          </a:bodyPr>
+          <a:p>
+            <a:r>
+              <a:rPr lang="en-US" altLang="zh-CN"/>
+              <a:t>1、</a:t>
+            </a:r>
+            <a:r>
               <a:rPr lang="zh-CN" altLang="en-US">
                 <a:sym typeface="+mn-ea"/>
               </a:rPr>
-              <a:t>容器</a:t>
+              <a:t>水平伸缩</a:t>
             </a:r>
             <a:r>
               <a:rPr lang="en-US" altLang="zh-CN">
                 <a:sym typeface="+mn-ea"/>
               </a:rPr>
-              <a:t> (Container)</a:t>
+              <a:t>：horizontal scaling out/in</a:t>
             </a:r>
             <a:endParaRPr lang="en-US" altLang="zh-CN"/>
           </a:p>
           <a:p>
-            <a:pPr marL="285750" indent="-285750">
-              <a:buFont typeface="Arial" panose="020B0704020202020204" pitchFamily="34" charset="0"/>
-              <a:buChar char="•"/>
-            </a:pPr>
-            <a:r>
-              <a:rPr lang="zh-CN" altLang="en-US">
-                <a:sym typeface="+mn-ea"/>
-              </a:rPr>
-              <a:t>容器是镜像的</a:t>
-            </a:r>
-            <a:r>
-              <a:rPr lang="en-US" altLang="zh-CN">
-                <a:sym typeface="+mn-ea"/>
-              </a:rPr>
-              <a:t>“</a:t>
-            </a:r>
-            <a:r>
-              <a:rPr lang="zh-CN" altLang="en-US">
-                <a:sym typeface="+mn-ea"/>
-              </a:rPr>
-              <a:t>运行实例</a:t>
-            </a:r>
-            <a:r>
-              <a:rPr lang="en-US" altLang="zh-CN">
-                <a:sym typeface="+mn-ea"/>
-              </a:rPr>
-              <a:t>”</a:t>
-            </a:r>
-            <a:r>
-              <a:rPr lang="zh-CN" altLang="en-US">
-                <a:sym typeface="+mn-ea"/>
-              </a:rPr>
-              <a:t>。</a:t>
-            </a:r>
-            <a:endParaRPr lang="zh-CN" altLang="en-US"/>
-          </a:p>
-          <a:p>
-            <a:pPr marL="285750" indent="-285750">
-              <a:buFont typeface="Arial" panose="020B0704020202020204" pitchFamily="34" charset="0"/>
-              <a:buChar char="•"/>
-            </a:pPr>
-            <a:r>
-              <a:rPr lang="zh-CN" altLang="en-US">
-                <a:sym typeface="+mn-ea"/>
-              </a:rPr>
-              <a:t>容器是一种轻量级、独立的运行环境，它运行在宿主操作系统上，并通过镜像提供的模板来运行应用。</a:t>
-            </a:r>
-            <a:endParaRPr lang="zh-CN" altLang="en-US"/>
-          </a:p>
-          <a:p>
-            <a:pPr marL="285750" indent="-285750">
-              <a:buFont typeface="Arial" panose="020B0704020202020204" pitchFamily="34" charset="0"/>
-              <a:buChar char="•"/>
-            </a:pPr>
-            <a:r>
-              <a:rPr lang="zh-CN" altLang="en-US">
-                <a:sym typeface="+mn-ea"/>
-              </a:rPr>
-              <a:t>容器是动态的，可以运行、暂停、停止或销毁。</a:t>
-            </a:r>
-            <a:endParaRPr lang="zh-CN" altLang="en-US"/>
-          </a:p>
-          <a:p>
-            <a:pPr marL="285750" indent="-285750">
-              <a:buFont typeface="Arial" panose="020B0704020202020204" pitchFamily="34" charset="0"/>
-              <a:buChar char="•"/>
-            </a:pPr>
-            <a:endParaRPr lang="zh-CN" altLang="en-US"/>
-          </a:p>
-          <a:p>
-            <a:pPr>
-              <a:buFont typeface="Arial" panose="020B0704020202020204" pitchFamily="34" charset="0"/>
-            </a:pPr>
-            <a:r>
-              <a:rPr lang="zh-CN" altLang="en-US">
-                <a:sym typeface="+mn-ea"/>
-              </a:rPr>
-              <a:t>示例：从一个</a:t>
-            </a:r>
-            <a:r>
-              <a:rPr lang="en-US" altLang="zh-CN">
-                <a:sym typeface="+mn-ea"/>
-              </a:rPr>
-              <a:t> Python </a:t>
-            </a:r>
-            <a:r>
-              <a:rPr lang="zh-CN" altLang="en-US">
-                <a:sym typeface="+mn-ea"/>
-              </a:rPr>
-              <a:t>镜像启动的容器，正在运行某个</a:t>
-            </a:r>
-            <a:r>
-              <a:rPr lang="en-US" altLang="zh-CN">
-                <a:sym typeface="+mn-ea"/>
-              </a:rPr>
-              <a:t> Python </a:t>
-            </a:r>
-            <a:r>
-              <a:rPr lang="zh-CN" altLang="en-US">
-                <a:sym typeface="+mn-ea"/>
-              </a:rPr>
-              <a:t>应用。</a:t>
-            </a:r>
-            <a:endParaRPr lang="zh-CN" altLang="en-US"/>
-          </a:p>
-          <a:p>
-            <a:pPr>
-              <a:buFont typeface="Arial" panose="020B0704020202020204" pitchFamily="34" charset="0"/>
-            </a:pPr>
-            <a:r>
-              <a:rPr lang="en-US" altLang="zh-CN">
-                <a:sym typeface="+mn-ea"/>
-              </a:rPr>
-              <a:t>docker run -d -p 8080:8080 flask-hello-world</a:t>
-            </a:r>
             <a:endParaRPr lang="en-US" altLang="zh-CN"/>
           </a:p>
           <a:p>
-            <a:endParaRPr lang="zh-CN" altLang="en-US"/>
+            <a:endParaRPr lang="en-US" altLang="zh-CN"/>
+          </a:p>
+          <a:p>
+            <a:r>
+              <a:rPr lang="en-US" altLang="zh-CN"/>
+              <a:t>2、</a:t>
+            </a:r>
+            <a:r>
+              <a:rPr lang="zh-CN" altLang="en-US"/>
+              <a:t>滚动升级</a:t>
+            </a:r>
+            <a:r>
+              <a:rPr lang="en-US" altLang="zh-CN"/>
+              <a:t>：rolling update</a:t>
+            </a:r>
+            <a:endParaRPr lang="en-US" altLang="zh-CN"/>
+          </a:p>
+          <a:p>
+            <a:endParaRPr lang="en-US" altLang="zh-CN"/>
+          </a:p>
+          <a:p>
+            <a:endParaRPr lang="en-US" altLang="zh-CN"/>
+          </a:p>
+          <a:p>
+            <a:r>
+              <a:rPr lang="en-US" altLang="zh-CN"/>
+              <a:t>3、</a:t>
+            </a:r>
+            <a:r>
+              <a:rPr lang="zh-CN" altLang="en-US"/>
+              <a:t>回滚</a:t>
+            </a:r>
+            <a:r>
+              <a:rPr lang="en-US" altLang="zh-CN"/>
+              <a:t>：</a:t>
+            </a:r>
+            <a:r>
+              <a:rPr lang="en-US" altLang="zh-CN"/>
+              <a:t>rollback</a:t>
+            </a:r>
+            <a:endParaRPr lang="en-US" altLang="zh-CN"/>
           </a:p>
         </p:txBody>
       </p:sp>
@@ -15163,96 +16758,6 @@
                       </p:childTnLst>
                     </p:cTn>
                   </p:par>
-                  <p:par>
-                    <p:cTn id="7" fill="hold">
-                      <p:stCondLst>
-                        <p:cond delay="indefinite"/>
-                      </p:stCondLst>
-                      <p:childTnLst>
-                        <p:par>
-                          <p:cTn id="8" fill="hold">
-                            <p:stCondLst>
-                              <p:cond delay="0"/>
-                            </p:stCondLst>
-                            <p:childTnLst>
-                              <p:par>
-                                <p:cTn id="9" presetID="1" presetClass="entr" presetSubtype="0" fill="hold" grpId="0" nodeType="clickEffect">
-                                  <p:stCondLst>
-                                    <p:cond delay="0"/>
-                                  </p:stCondLst>
-                                  <p:childTnLst>
-                                    <p:set>
-                                      <p:cBhvr>
-                                        <p:cTn id="10" dur="1" fill="hold">
-                                          <p:stCondLst>
-                                            <p:cond delay="0"/>
-                                          </p:stCondLst>
-                                        </p:cTn>
-                                        <p:tgtEl>
-                                          <p:spTgt spid="2"/>
-                                        </p:tgtEl>
-                                        <p:attrNameLst>
-                                          <p:attrName>style.visibility</p:attrName>
-                                        </p:attrNameLst>
-                                      </p:cBhvr>
-                                      <p:to>
-                                        <p:strVal val="visible"/>
-                                      </p:to>
-                                    </p:set>
-                                  </p:childTnLst>
-                                </p:cTn>
-                              </p:par>
-                            </p:childTnLst>
-                          </p:cTn>
-                        </p:par>
-                      </p:childTnLst>
-                    </p:cTn>
-                  </p:par>
-                  <p:par>
-                    <p:cTn id="11" fill="hold">
-                      <p:stCondLst>
-                        <p:cond delay="indefinite"/>
-                      </p:stCondLst>
-                      <p:childTnLst>
-                        <p:par>
-                          <p:cTn id="12" fill="hold">
-                            <p:stCondLst>
-                              <p:cond delay="0"/>
-                            </p:stCondLst>
-                            <p:childTnLst>
-                              <p:par>
-                                <p:cTn id="13" presetID="1" presetClass="entr" presetSubtype="0" fill="hold" grpId="0" nodeType="clickEffect">
-                                  <p:stCondLst>
-                                    <p:cond delay="0"/>
-                                  </p:stCondLst>
-                                  <p:childTnLst>
-                                    <p:set>
-                                      <p:cBhvr>
-                                        <p:cTn id="14" dur="1" fill="hold">
-                                          <p:stCondLst>
-                                            <p:cond delay="0"/>
-                                          </p:stCondLst>
-                                        </p:cTn>
-                                        <p:tgtEl>
-                                          <p:spTgt spid="4"/>
-                                        </p:tgtEl>
-                                        <p:attrNameLst>
-                                          <p:attrName>style.visibility</p:attrName>
-                                        </p:attrNameLst>
-                                      </p:cBhvr>
-                                      <p:to>
-                                        <p:strVal val="visible"/>
-                                      </p:to>
-                                    </p:set>
-                                  </p:childTnLst>
-                                </p:cTn>
-                              </p:par>
-                            </p:childTnLst>
-                          </p:cTn>
-                        </p:par>
-                      </p:childTnLst>
-                    </p:cTn>
-                  </p:par>
                 </p:childTnLst>
               </p:cTn>
               <p:prevCondLst>
@@ -15276,10 +16781,7 @@
     </p:tnLst>
     <p:bldLst>
       <p:bldP spid="35841" grpId="0"/>
-      <p:bldP spid="2" grpId="0"/>
       <p:bldP spid="35841" grpId="1"/>
-      <p:bldP spid="2" grpId="1"/>
-      <p:bldP spid="4" grpId="0"/>
     </p:bldLst>
   </p:timing>
 </p:sld>
@@ -15297,47 +16799,13 @@
       <p:grpSpPr/>
       <p:sp>
         <p:nvSpPr>
-          <p:cNvPr id="22529" name="标题 1"/>
+          <p:cNvPr id="8193" name="TextBox 1"/>
           <p:cNvSpPr/>
           <p:nvPr/>
         </p:nvSpPr>
         <p:spPr>
           <a:xfrm>
-            <a:off x="7308850" y="6337300"/>
-            <a:ext cx="1552575" cy="301625"/>
-          </a:xfrm>
-          <a:prstGeom prst="rect">
-            <a:avLst/>
-          </a:prstGeom>
-          <a:noFill/>
-          <a:ln w="9525">
-            <a:noFill/>
-          </a:ln>
-        </p:spPr>
-        <p:txBody>
-          <a:bodyPr anchor="ctr" anchorCtr="0"/>
-          <a:p>
-            <a:pPr eaLnBrk="0" hangingPunct="0"/>
-            <a:endParaRPr lang="zh-CN" sz="1100" i="1">
-              <a:solidFill>
-                <a:srgbClr val="7F7F7F"/>
-              </a:solidFill>
-              <a:latin typeface="微软雅黑" charset="-108"/>
-              <a:ea typeface="微软雅黑" charset="-108"/>
-              <a:sym typeface="宋体" pitchFamily="2" charset="-122"/>
-            </a:endParaRPr>
-          </a:p>
-        </p:txBody>
-      </p:sp>
-      <p:sp>
-        <p:nvSpPr>
-          <p:cNvPr id="22530" name="TextBox 1"/>
-          <p:cNvSpPr/>
-          <p:nvPr/>
-        </p:nvSpPr>
-        <p:spPr>
-          <a:xfrm>
-            <a:off x="247650" y="323850"/>
+            <a:off x="228600" y="150813"/>
             <a:ext cx="3600450" cy="460375"/>
           </a:xfrm>
           <a:prstGeom prst="rect">
@@ -15355,6 +16823,17 @@
           <a:p>
             <a:pPr eaLnBrk="0" hangingPunct="0"/>
             <a:r>
+              <a:rPr lang="en-US" altLang="zh-CN" sz="2400" b="1" dirty="0">
+                <a:solidFill>
+                  <a:srgbClr val="0070C0"/>
+                </a:solidFill>
+                <a:latin typeface="微软雅黑" charset="-108"/>
+                <a:ea typeface="微软雅黑" charset="-108"/>
+                <a:sym typeface="微软雅黑" charset="-108"/>
+              </a:rPr>
+              <a:t>Kubernetes</a:t>
+            </a:r>
+            <a:r>
               <a:rPr lang="zh-CN" altLang="en-US" sz="2400" b="1" dirty="0">
                 <a:solidFill>
                   <a:srgbClr val="0070C0"/>
@@ -15363,20 +16842,9 @@
                 <a:ea typeface="微软雅黑" charset="-108"/>
                 <a:sym typeface="微软雅黑" charset="-108"/>
               </a:rPr>
-              <a:t>容器</a:t>
-            </a:r>
-            <a:r>
-              <a:rPr lang="en-US" altLang="zh-CN" sz="2400" b="1" dirty="0">
-                <a:solidFill>
-                  <a:srgbClr val="0070C0"/>
-                </a:solidFill>
-                <a:latin typeface="微软雅黑" charset="-108"/>
-                <a:ea typeface="微软雅黑" charset="-108"/>
-                <a:sym typeface="微软雅黑" charset="-108"/>
-              </a:rPr>
-              <a:t> </a:t>
-            </a:r>
-            <a:endParaRPr lang="en-US" altLang="zh-CN" sz="2400" b="1" dirty="0">
+              <a:t>编排</a:t>
+            </a:r>
+            <a:endParaRPr lang="zh-CN" altLang="en-US" sz="2400" b="1" dirty="0">
               <a:solidFill>
                 <a:srgbClr val="0070C0"/>
               </a:solidFill>
@@ -15389,7 +16857,7 @@
       </p:sp>
       <p:pic>
         <p:nvPicPr>
-          <p:cNvPr id="22532" name="图片 22532" descr="sangfor_logo"/>
+          <p:cNvPr id="8194" name="图片 8194" descr="sangfor_logo"/>
           <p:cNvPicPr>
             <a:picLocks noChangeAspect="1"/>
           </p:cNvPicPr>
@@ -15452,7 +16920,7 @@
                 <a:ea typeface="微软雅黑" charset="-108"/>
                 <a:sym typeface="微软雅黑" charset="-108"/>
               </a:rPr>
-              <a:t> 隔离资源</a:t>
+              <a:t> </a:t>
             </a:r>
             <a:r>
               <a:rPr lang="en-US" altLang="zh-CN" sz="2000" dirty="0">
@@ -15463,7 +16931,7 @@
                 <a:ea typeface="微软雅黑" charset="-108"/>
                 <a:sym typeface="微软雅黑" charset="-108"/>
               </a:rPr>
-              <a:t>  &amp;&amp;  </a:t>
+              <a:t>Deployment </a:t>
             </a:r>
             <a:r>
               <a:rPr lang="zh-CN" altLang="en-US" sz="2000" dirty="0">
@@ -15474,7 +16942,7 @@
                 <a:ea typeface="微软雅黑" charset="-108"/>
                 <a:sym typeface="微软雅黑" charset="-108"/>
               </a:rPr>
-              <a:t>限制</a:t>
+              <a:t>水平</a:t>
             </a:r>
             <a:r>
               <a:rPr lang="zh-CN" altLang="en-US" sz="2000" dirty="0">
@@ -15485,7 +16953,7 @@
                 <a:ea typeface="微软雅黑" charset="-108"/>
                 <a:sym typeface="微软雅黑" charset="-108"/>
               </a:rPr>
-              <a:t>资源</a:t>
+              <a:t>伸缩</a:t>
             </a:r>
             <a:endParaRPr lang="zh-CN" altLang="en-US" sz="2000" dirty="0">
               <a:solidFill>
@@ -15498,16 +16966,40 @@
           </a:p>
         </p:txBody>
       </p:sp>
+      <p:pic>
+        <p:nvPicPr>
+          <p:cNvPr id="2" name="图片 1"/>
+          <p:cNvPicPr>
+            <a:picLocks noChangeAspect="1"/>
+          </p:cNvPicPr>
+          <p:nvPr/>
+        </p:nvPicPr>
+        <p:blipFill>
+          <a:blip r:embed="rId2"/>
+          <a:stretch>
+            <a:fillRect/>
+          </a:stretch>
+        </p:blipFill>
+        <p:spPr>
+          <a:xfrm>
+            <a:off x="1475740" y="1477010"/>
+            <a:ext cx="3822700" cy="4851400"/>
+          </a:xfrm>
+          <a:prstGeom prst="rect">
+            <a:avLst/>
+          </a:prstGeom>
+        </p:spPr>
+      </p:pic>
       <p:sp>
         <p:nvSpPr>
-          <p:cNvPr id="2" name="文本框 1"/>
+          <p:cNvPr id="4" name="文本框 3"/>
           <p:cNvSpPr txBox="1"/>
           <p:nvPr/>
         </p:nvSpPr>
         <p:spPr>
           <a:xfrm>
-            <a:off x="728345" y="1557020"/>
-            <a:ext cx="6819900" cy="645160"/>
+            <a:off x="5147945" y="3716655"/>
+            <a:ext cx="1998345" cy="368300"/>
           </a:xfrm>
           <a:prstGeom prst="rect">
             <a:avLst/>
@@ -15520,94 +17012,81 @@
           </a:bodyPr>
           <a:p>
             <a:r>
-              <a:rPr lang="en-US" altLang="zh-CN" b="1">
-                <a:latin typeface="Arial Bold" panose="020B0704020202020204" charset="0"/>
-                <a:cs typeface="Arial Bold" panose="020B0704020202020204" charset="0"/>
-              </a:rPr>
-              <a:t>Namespace </a:t>
-            </a:r>
-            <a:r>
               <a:rPr lang="zh-CN" altLang="en-US"/>
-              <a:t>技术实际上</a:t>
-            </a:r>
-            <a:r>
-              <a:rPr lang="zh-CN" altLang="en-US" b="1"/>
-              <a:t>修改了应用进程看待整个计算机</a:t>
-            </a:r>
-            <a:r>
-              <a:rPr lang="en-US" altLang="zh-CN" b="1"/>
-              <a:t>“</a:t>
-            </a:r>
-            <a:r>
-              <a:rPr lang="zh-CN" altLang="en-US" b="1"/>
-              <a:t>视图</a:t>
-            </a:r>
-            <a:r>
-              <a:rPr lang="en-US" altLang="zh-CN" b="1"/>
-              <a:t>”</a:t>
+              <a:t>管理</a:t>
+            </a:r>
+            <a:r>
+              <a:rPr lang="en-US" altLang="zh-CN"/>
+              <a:t>Pod</a:t>
             </a:r>
             <a:r>
               <a:rPr lang="zh-CN" altLang="en-US"/>
-              <a:t>，即它的</a:t>
-            </a:r>
-            <a:r>
-              <a:rPr lang="en-US" altLang="zh-CN"/>
-              <a:t>“</a:t>
-            </a:r>
-            <a:r>
-              <a:rPr lang="zh-CN" altLang="en-US"/>
-              <a:t>视线</a:t>
-            </a:r>
-            <a:r>
-              <a:rPr lang="en-US" altLang="zh-CN"/>
-              <a:t>”</a:t>
-            </a:r>
-            <a:r>
-              <a:rPr lang="zh-CN" altLang="en-US"/>
-              <a:t>被操作系统做了限制，只能</a:t>
-            </a:r>
-            <a:r>
-              <a:rPr lang="en-US" altLang="zh-CN"/>
-              <a:t>“</a:t>
-            </a:r>
-            <a:r>
-              <a:rPr lang="zh-CN" altLang="en-US"/>
-              <a:t>看到</a:t>
-            </a:r>
-            <a:r>
-              <a:rPr lang="en-US" altLang="zh-CN"/>
-              <a:t>”</a:t>
-            </a:r>
-            <a:r>
-              <a:rPr lang="zh-CN" altLang="en-US"/>
-              <a:t>某些指定的内容</a:t>
+              <a:t>的个数</a:t>
             </a:r>
             <a:endParaRPr lang="zh-CN" altLang="en-US"/>
           </a:p>
         </p:txBody>
       </p:sp>
-      <p:pic>
-        <p:nvPicPr>
-          <p:cNvPr id="5" name="图片 4"/>
-          <p:cNvPicPr/>
+      <p:sp>
+        <p:nvSpPr>
+          <p:cNvPr id="5" name="文本框 4"/>
+          <p:cNvSpPr txBox="1"/>
           <p:nvPr/>
-        </p:nvPicPr>
-        <p:blipFill>
-          <a:blip r:embed="rId2"/>
-          <a:stretch>
-            <a:fillRect/>
-          </a:stretch>
-        </p:blipFill>
+        </p:nvSpPr>
         <p:spPr>
           <a:xfrm>
-            <a:off x="1043305" y="2493010"/>
-            <a:ext cx="6189980" cy="2962275"/>
+            <a:off x="5003800" y="1844675"/>
+            <a:ext cx="3048000" cy="645160"/>
           </a:xfrm>
           <a:prstGeom prst="rect">
             <a:avLst/>
           </a:prstGeom>
+          <a:noFill/>
         </p:spPr>
-      </p:pic>
+        <p:txBody>
+          <a:bodyPr wrap="square" rtlCol="0">
+            <a:spAutoFit/>
+          </a:bodyPr>
+          <a:p>
+            <a:r>
+              <a:rPr lang="zh-CN" altLang="en-US"/>
+              <a:t>通过</a:t>
+            </a:r>
+            <a:r>
+              <a:rPr lang="en-US" altLang="zh-CN"/>
+              <a:t>RS</a:t>
+            </a:r>
+            <a:r>
+              <a:rPr lang="zh-CN" altLang="en-US"/>
+              <a:t>暴露的声明式</a:t>
+            </a:r>
+            <a:r>
+              <a:rPr lang="en-US" altLang="zh-CN"/>
+              <a:t>API</a:t>
+            </a:r>
+            <a:endParaRPr lang="en-US" altLang="zh-CN"/>
+          </a:p>
+          <a:p>
+            <a:r>
+              <a:rPr lang="zh-CN" altLang="en-US"/>
+              <a:t>控制</a:t>
+            </a:r>
+            <a:r>
+              <a:rPr lang="en-US" altLang="zh-CN"/>
+              <a:t>Pod</a:t>
+            </a:r>
+            <a:r>
+              <a:rPr lang="zh-CN" altLang="en-US"/>
+              <a:t>的</a:t>
+            </a:r>
+            <a:r>
+              <a:rPr lang="zh-CN" altLang="en-US"/>
+              <a:t>个数</a:t>
+            </a:r>
+            <a:endParaRPr lang="zh-CN" altLang="en-US"/>
+          </a:p>
+        </p:txBody>
+      </p:sp>
     </p:spTree>
   </p:cSld>
   <p:clrMapOvr>
@@ -15625,6 +17104,9 @@
                     <p:cTn id="3" fill="hold">
                       <p:stCondLst>
                         <p:cond delay="indefinite"/>
+                        <p:cond evt="onBegin" delay="0">
+                          <p:tn val="2"/>
+                        </p:cond>
                       </p:stCondLst>
                       <p:childTnLst>
                         <p:par>
@@ -15634,7 +17116,7 @@
                             </p:stCondLst>
                             <p:childTnLst>
                               <p:par>
-                                <p:cTn id="5" presetID="1" presetClass="entr" presetSubtype="0" fill="hold" grpId="0" nodeType="clickEffect">
+                                <p:cTn id="5" presetID="1" presetClass="entr" presetSubtype="0" fill="hold" grpId="0" nodeType="withEffect">
                                   <p:stCondLst>
                                     <p:cond delay="0"/>
                                   </p:stCondLst>
@@ -15647,34 +17129,7 @@
                                           </p:stCondLst>
                                         </p:cTn>
                                         <p:tgtEl>
-                                          <p:spTgt spid="2"/>
-                                        </p:tgtEl>
-                                        <p:attrNameLst>
-                                          <p:attrName>style.visibility</p:attrName>
-                                        </p:attrNameLst>
-                                      </p:cBhvr>
-                                      <p:to>
-                                        <p:strVal val="visible"/>
-                                      </p:to>
-                                    </p:set>
-                                  </p:childTnLst>
-                                </p:cTn>
-                              </p:par>
-                              <p:par>
-                                <p:cTn id="7" presetID="1" presetClass="entr" presetSubtype="0" fill="hold" nodeType="withEffect">
-                                  <p:stCondLst>
-                                    <p:cond delay="0"/>
-                                  </p:stCondLst>
-                                  <p:childTnLst>
-                                    <p:set>
-                                      <p:cBhvr>
-                                        <p:cTn id="8" dur="1" fill="hold">
-                                          <p:stCondLst>
-                                            <p:cond delay="0"/>
-                                          </p:stCondLst>
-                                        </p:cTn>
-                                        <p:tgtEl>
-                                          <p:spTgt spid="5"/>
+                                          <p:spTgt spid="35841"/>
                                         </p:tgtEl>
                                         <p:attrNameLst>
                                           <p:attrName>style.visibility</p:attrName>
@@ -15715,7 +17170,8 @@
       </p:par>
     </p:tnLst>
     <p:bldLst>
-      <p:bldP spid="2" grpId="0"/>
+      <p:bldP spid="35841" grpId="0"/>
+      <p:bldP spid="35841" grpId="1"/>
     </p:bldLst>
   </p:timing>
 </p:sld>
@@ -15733,47 +17189,13 @@
       <p:grpSpPr/>
       <p:sp>
         <p:nvSpPr>
-          <p:cNvPr id="22529" name="标题 1"/>
+          <p:cNvPr id="8193" name="TextBox 1"/>
           <p:cNvSpPr/>
           <p:nvPr/>
         </p:nvSpPr>
         <p:spPr>
           <a:xfrm>
-            <a:off x="7308850" y="6337300"/>
-            <a:ext cx="1552575" cy="301625"/>
-          </a:xfrm>
-          <a:prstGeom prst="rect">
-            <a:avLst/>
-          </a:prstGeom>
-          <a:noFill/>
-          <a:ln w="9525">
-            <a:noFill/>
-          </a:ln>
-        </p:spPr>
-        <p:txBody>
-          <a:bodyPr anchor="ctr" anchorCtr="0"/>
-          <a:p>
-            <a:pPr eaLnBrk="0" hangingPunct="0"/>
-            <a:endParaRPr lang="zh-CN" sz="1100" i="1">
-              <a:solidFill>
-                <a:srgbClr val="7F7F7F"/>
-              </a:solidFill>
-              <a:latin typeface="微软雅黑" charset="-108"/>
-              <a:ea typeface="微软雅黑" charset="-108"/>
-              <a:sym typeface="宋体" pitchFamily="2" charset="-122"/>
-            </a:endParaRPr>
-          </a:p>
-        </p:txBody>
-      </p:sp>
-      <p:sp>
-        <p:nvSpPr>
-          <p:cNvPr id="22530" name="TextBox 1"/>
-          <p:cNvSpPr/>
-          <p:nvPr/>
-        </p:nvSpPr>
-        <p:spPr>
-          <a:xfrm>
-            <a:off x="247650" y="323850"/>
+            <a:off x="228600" y="150813"/>
             <a:ext cx="3600450" cy="460375"/>
           </a:xfrm>
           <a:prstGeom prst="rect">
@@ -15791,6 +17213,17 @@
           <a:p>
             <a:pPr eaLnBrk="0" hangingPunct="0"/>
             <a:r>
+              <a:rPr lang="en-US" altLang="zh-CN" sz="2400" b="1" dirty="0">
+                <a:solidFill>
+                  <a:srgbClr val="0070C0"/>
+                </a:solidFill>
+                <a:latin typeface="微软雅黑" charset="-108"/>
+                <a:ea typeface="微软雅黑" charset="-108"/>
+                <a:sym typeface="微软雅黑" charset="-108"/>
+              </a:rPr>
+              <a:t>Kubernetes</a:t>
+            </a:r>
+            <a:r>
               <a:rPr lang="zh-CN" altLang="en-US" sz="2400" b="1" dirty="0">
                 <a:solidFill>
                   <a:srgbClr val="0070C0"/>
@@ -15799,20 +17232,9 @@
                 <a:ea typeface="微软雅黑" charset="-108"/>
                 <a:sym typeface="微软雅黑" charset="-108"/>
               </a:rPr>
-              <a:t>容器</a:t>
-            </a:r>
-            <a:r>
-              <a:rPr lang="en-US" altLang="zh-CN" sz="2400" b="1" dirty="0">
-                <a:solidFill>
-                  <a:srgbClr val="0070C0"/>
-                </a:solidFill>
-                <a:latin typeface="微软雅黑" charset="-108"/>
-                <a:ea typeface="微软雅黑" charset="-108"/>
-                <a:sym typeface="微软雅黑" charset="-108"/>
-              </a:rPr>
-              <a:t> </a:t>
-            </a:r>
-            <a:endParaRPr lang="en-US" altLang="zh-CN" sz="2400" b="1" dirty="0">
+              <a:t>编排</a:t>
+            </a:r>
+            <a:endParaRPr lang="zh-CN" altLang="en-US" sz="2400" b="1" dirty="0">
               <a:solidFill>
                 <a:srgbClr val="0070C0"/>
               </a:solidFill>
@@ -15825,7 +17247,7 @@
       </p:sp>
       <p:pic>
         <p:nvPicPr>
-          <p:cNvPr id="22532" name="图片 22532" descr="sangfor_logo"/>
+          <p:cNvPr id="8194" name="图片 8194" descr="sangfor_logo"/>
           <p:cNvPicPr>
             <a:picLocks noChangeAspect="1"/>
           </p:cNvPicPr>
@@ -15888,7 +17310,7 @@
                 <a:ea typeface="微软雅黑" charset="-108"/>
                 <a:sym typeface="微软雅黑" charset="-108"/>
               </a:rPr>
-              <a:t> 隔离资源</a:t>
+              <a:t> </a:t>
             </a:r>
             <a:r>
               <a:rPr lang="en-US" altLang="zh-CN" sz="2000" dirty="0">
@@ -15899,7 +17321,7 @@
                 <a:ea typeface="微软雅黑" charset="-108"/>
                 <a:sym typeface="微软雅黑" charset="-108"/>
               </a:rPr>
-              <a:t>  &amp;&amp;  </a:t>
+              <a:t>Deployment </a:t>
             </a:r>
             <a:r>
               <a:rPr lang="zh-CN" altLang="en-US" sz="2000" dirty="0">
@@ -15910,7 +17332,18 @@
                 <a:ea typeface="微软雅黑" charset="-108"/>
                 <a:sym typeface="微软雅黑" charset="-108"/>
               </a:rPr>
-              <a:t>限制</a:t>
+              <a:t>平滑升级</a:t>
+            </a:r>
+            <a:r>
+              <a:rPr lang="en-US" altLang="zh-CN" sz="2000" dirty="0">
+                <a:solidFill>
+                  <a:srgbClr val="184199"/>
+                </a:solidFill>
+                <a:latin typeface="微软雅黑" charset="-108"/>
+                <a:ea typeface="微软雅黑" charset="-108"/>
+                <a:sym typeface="微软雅黑" charset="-108"/>
+              </a:rPr>
+              <a:t> &amp;&amp; </a:t>
             </a:r>
             <a:r>
               <a:rPr lang="zh-CN" altLang="en-US" sz="2000" dirty="0">
@@ -15921,7 +17354,7 @@
                 <a:ea typeface="微软雅黑" charset="-108"/>
                 <a:sym typeface="微软雅黑" charset="-108"/>
               </a:rPr>
-              <a:t>资源</a:t>
+              <a:t>回滚</a:t>
             </a:r>
             <a:endParaRPr lang="zh-CN" altLang="en-US" sz="2000" dirty="0">
               <a:solidFill>
@@ -15934,16 +17367,40 @@
           </a:p>
         </p:txBody>
       </p:sp>
+      <p:pic>
+        <p:nvPicPr>
+          <p:cNvPr id="3" name="图片 2"/>
+          <p:cNvPicPr>
+            <a:picLocks noChangeAspect="1"/>
+          </p:cNvPicPr>
+          <p:nvPr/>
+        </p:nvPicPr>
+        <p:blipFill>
+          <a:blip r:embed="rId2"/>
+          <a:stretch>
+            <a:fillRect/>
+          </a:stretch>
+        </p:blipFill>
+        <p:spPr>
+          <a:xfrm>
+            <a:off x="1691640" y="1844675"/>
+            <a:ext cx="3746500" cy="3924300"/>
+          </a:xfrm>
+          <a:prstGeom prst="rect">
+            <a:avLst/>
+          </a:prstGeom>
+        </p:spPr>
+      </p:pic>
       <p:sp>
         <p:nvSpPr>
-          <p:cNvPr id="4" name="文本框 3"/>
+          <p:cNvPr id="6" name="文本框 5"/>
           <p:cNvSpPr txBox="1"/>
           <p:nvPr/>
         </p:nvSpPr>
         <p:spPr>
           <a:xfrm>
-            <a:off x="539750" y="1288415"/>
-            <a:ext cx="7452360" cy="5077460"/>
+            <a:off x="5292090" y="2636520"/>
+            <a:ext cx="2830195" cy="1198880"/>
           </a:xfrm>
           <a:prstGeom prst="rect">
             <a:avLst/>
@@ -15957,123 +17414,49 @@
           <a:p>
             <a:r>
               <a:rPr lang="en-US" altLang="zh-CN"/>
-              <a:t>PID Namespace</a:t>
-            </a:r>
-            <a:endParaRPr lang="en-US" altLang="zh-CN"/>
-          </a:p>
-          <a:p>
+              <a:t>1. </a:t>
+            </a:r>
             <a:r>
               <a:rPr lang="zh-CN" altLang="en-US"/>
-              <a:t>隔离进程</a:t>
+              <a:t>控制</a:t>
             </a:r>
             <a:r>
               <a:rPr lang="en-US" altLang="zh-CN"/>
-              <a:t> ID</a:t>
+              <a:t>RS</a:t>
             </a:r>
             <a:r>
               <a:rPr lang="zh-CN" altLang="en-US"/>
-              <a:t>，使得每个容器内的进程只看到自己范围内的进程。</a:t>
+              <a:t>的</a:t>
+            </a:r>
+            <a:r>
+              <a:rPr lang="zh-CN" altLang="en-US"/>
+              <a:t>生命周期</a:t>
             </a:r>
             <a:endParaRPr lang="zh-CN" altLang="en-US"/>
           </a:p>
           <a:p>
-            <a:endParaRPr lang="en-US" altLang="zh-CN"/>
+            <a:endParaRPr lang="zh-CN" altLang="en-US"/>
           </a:p>
           <a:p>
             <a:r>
               <a:rPr lang="en-US" altLang="zh-CN"/>
-              <a:t>NET Namespace</a:t>
-            </a:r>
-            <a:endParaRPr lang="en-US" altLang="zh-CN"/>
-          </a:p>
-          <a:p>
+              <a:t>2. </a:t>
+            </a:r>
             <a:r>
               <a:rPr lang="zh-CN" altLang="en-US"/>
-              <a:t>隔离网络资源，例如网络接口、路由表、端口等。容器可以有自己的虚拟网络设备、</a:t>
+              <a:t>通过</a:t>
             </a:r>
             <a:r>
               <a:rPr lang="en-US" altLang="zh-CN"/>
-              <a:t>IP </a:t>
+              <a:t>RS</a:t>
             </a:r>
             <a:r>
               <a:rPr lang="zh-CN" altLang="en-US"/>
-              <a:t>地址和防火墙规则。</a:t>
-            </a:r>
-            <a:endParaRPr lang="zh-CN" altLang="en-US"/>
-          </a:p>
-          <a:p>
-            <a:endParaRPr lang="en-US" altLang="zh-CN"/>
-          </a:p>
-          <a:p>
-            <a:r>
-              <a:rPr lang="en-US" altLang="zh-CN"/>
-              <a:t>IPC Namespace</a:t>
-            </a:r>
-            <a:endParaRPr lang="en-US" altLang="zh-CN"/>
-          </a:p>
-          <a:p>
+              <a:t>能力控制个数完成平滑</a:t>
+            </a:r>
             <a:r>
               <a:rPr lang="zh-CN" altLang="en-US"/>
-              <a:t>隔离进程间通信资源，例如信号量、消息队列和共享内存。</a:t>
-            </a:r>
-            <a:endParaRPr lang="zh-CN" altLang="en-US"/>
-          </a:p>
-          <a:p>
-            <a:endParaRPr lang="en-US" altLang="zh-CN"/>
-          </a:p>
-          <a:p>
-            <a:r>
-              <a:rPr lang="en-US" altLang="zh-CN"/>
-              <a:t>UTS Namespace</a:t>
-            </a:r>
-            <a:endParaRPr lang="en-US" altLang="zh-CN"/>
-          </a:p>
-          <a:p>
-            <a:r>
-              <a:rPr lang="zh-CN" altLang="en-US"/>
-              <a:t>隔离主机名和域名，允许容器有自己的主机名。</a:t>
-            </a:r>
-            <a:endParaRPr lang="zh-CN" altLang="en-US"/>
-          </a:p>
-          <a:p>
-            <a:endParaRPr lang="en-US" altLang="zh-CN"/>
-          </a:p>
-          <a:p>
-            <a:r>
-              <a:rPr lang="en-US" altLang="zh-CN"/>
-              <a:t>Mount Namespace</a:t>
-            </a:r>
-            <a:endParaRPr lang="en-US" altLang="zh-CN"/>
-          </a:p>
-          <a:p>
-            <a:r>
-              <a:rPr lang="zh-CN" altLang="en-US"/>
-              <a:t>隔离文件系统挂载点，使容器只能看到分配给它的文件系统。</a:t>
-            </a:r>
-            <a:endParaRPr lang="zh-CN" altLang="en-US"/>
-          </a:p>
-          <a:p>
-            <a:endParaRPr lang="en-US" altLang="zh-CN"/>
-          </a:p>
-          <a:p>
-            <a:r>
-              <a:rPr lang="en-US" altLang="zh-CN"/>
-              <a:t>User Namespace</a:t>
-            </a:r>
-            <a:endParaRPr lang="en-US" altLang="zh-CN"/>
-          </a:p>
-          <a:p>
-            <a:r>
-              <a:rPr lang="zh-CN" altLang="en-US"/>
-              <a:t>隔离用户和权限，容器内的用户</a:t>
-            </a:r>
-            <a:r>
-              <a:rPr lang="en-US" altLang="zh-CN"/>
-              <a:t> ID </a:t>
-            </a:r>
-            <a:r>
-              <a:rPr lang="zh-CN" altLang="en-US"/>
-              <a:t>映射到宿主机的非特权用户。</a:t>
+              <a:t>升级</a:t>
             </a:r>
             <a:endParaRPr lang="zh-CN" altLang="en-US"/>
           </a:p>
@@ -16084,6 +17467,88 @@
   <p:clrMapOvr>
     <a:masterClrMapping/>
   </p:clrMapOvr>
+  <p:timing>
+    <p:tnLst>
+      <p:par>
+        <p:cTn id="1" dur="indefinite" restart="never" nodeType="tmRoot">
+          <p:childTnLst>
+            <p:seq concurrent="1" nextAc="seek">
+              <p:cTn id="2" dur="indefinite" nodeType="mainSeq">
+                <p:childTnLst>
+                  <p:par>
+                    <p:cTn id="3" fill="hold">
+                      <p:stCondLst>
+                        <p:cond delay="indefinite"/>
+                        <p:cond evt="onBegin" delay="0">
+                          <p:tn val="2"/>
+                        </p:cond>
+                      </p:stCondLst>
+                      <p:childTnLst>
+                        <p:par>
+                          <p:cTn id="4" fill="hold">
+                            <p:stCondLst>
+                              <p:cond delay="0"/>
+                            </p:stCondLst>
+                            <p:childTnLst>
+                              <p:par>
+                                <p:cTn id="5" presetID="1" presetClass="entr" presetSubtype="0" fill="hold" grpId="0" nodeType="withEffect">
+                                  <p:stCondLst>
+                                    <p:cond delay="0"/>
+                                  </p:stCondLst>
+                                  <p:childTnLst>
+                                    <p:set>
+                                      <p:cBhvr>
+                                        <p:cTn id="6" dur="1" fill="hold">
+                                          <p:stCondLst>
+                                            <p:cond delay="0"/>
+                                          </p:stCondLst>
+                                        </p:cTn>
+                                        <p:tgtEl>
+                                          <p:spTgt spid="35841"/>
+                                        </p:tgtEl>
+                                        <p:attrNameLst>
+                                          <p:attrName>style.visibility</p:attrName>
+                                        </p:attrNameLst>
+                                      </p:cBhvr>
+                                      <p:to>
+                                        <p:strVal val="visible"/>
+                                      </p:to>
+                                    </p:set>
+                                  </p:childTnLst>
+                                </p:cTn>
+                              </p:par>
+                            </p:childTnLst>
+                          </p:cTn>
+                        </p:par>
+                      </p:childTnLst>
+                    </p:cTn>
+                  </p:par>
+                </p:childTnLst>
+              </p:cTn>
+              <p:prevCondLst>
+                <p:cond evt="onPrev" delay="0">
+                  <p:tgtEl>
+                    <p:sldTgt/>
+                  </p:tgtEl>
+                </p:cond>
+              </p:prevCondLst>
+              <p:nextCondLst>
+                <p:cond evt="onNext" delay="0">
+                  <p:tgtEl>
+                    <p:sldTgt/>
+                  </p:tgtEl>
+                </p:cond>
+              </p:nextCondLst>
+            </p:seq>
+          </p:childTnLst>
+        </p:cTn>
+      </p:par>
+    </p:tnLst>
+    <p:bldLst>
+      <p:bldP spid="35841" grpId="0"/>
+      <p:bldP spid="35841" grpId="1"/>
+    </p:bldLst>
+  </p:timing>
 </p:sld>
 </file>
 
@@ -16261,47 +17726,13 @@
       <p:grpSpPr/>
       <p:sp>
         <p:nvSpPr>
-          <p:cNvPr id="22529" name="标题 1"/>
+          <p:cNvPr id="8193" name="TextBox 1"/>
           <p:cNvSpPr/>
           <p:nvPr/>
         </p:nvSpPr>
         <p:spPr>
           <a:xfrm>
-            <a:off x="7308850" y="6337300"/>
-            <a:ext cx="1552575" cy="301625"/>
-          </a:xfrm>
-          <a:prstGeom prst="rect">
-            <a:avLst/>
-          </a:prstGeom>
-          <a:noFill/>
-          <a:ln w="9525">
-            <a:noFill/>
-          </a:ln>
-        </p:spPr>
-        <p:txBody>
-          <a:bodyPr anchor="ctr" anchorCtr="0"/>
-          <a:p>
-            <a:pPr eaLnBrk="0" hangingPunct="0"/>
-            <a:endParaRPr lang="zh-CN" sz="1100" i="1">
-              <a:solidFill>
-                <a:srgbClr val="7F7F7F"/>
-              </a:solidFill>
-              <a:latin typeface="微软雅黑" charset="-108"/>
-              <a:ea typeface="微软雅黑" charset="-108"/>
-              <a:sym typeface="宋体" pitchFamily="2" charset="-122"/>
-            </a:endParaRPr>
-          </a:p>
-        </p:txBody>
-      </p:sp>
-      <p:sp>
-        <p:nvSpPr>
-          <p:cNvPr id="22530" name="TextBox 1"/>
-          <p:cNvSpPr/>
-          <p:nvPr/>
-        </p:nvSpPr>
-        <p:spPr>
-          <a:xfrm>
-            <a:off x="247650" y="323850"/>
+            <a:off x="228600" y="150813"/>
             <a:ext cx="3600450" cy="460375"/>
           </a:xfrm>
           <a:prstGeom prst="rect">
@@ -16319,6 +17750,17 @@
           <a:p>
             <a:pPr eaLnBrk="0" hangingPunct="0"/>
             <a:r>
+              <a:rPr lang="en-US" altLang="zh-CN" sz="2400" b="1" dirty="0">
+                <a:solidFill>
+                  <a:srgbClr val="0070C0"/>
+                </a:solidFill>
+                <a:latin typeface="微软雅黑" charset="-108"/>
+                <a:ea typeface="微软雅黑" charset="-108"/>
+                <a:sym typeface="微软雅黑" charset="-108"/>
+              </a:rPr>
+              <a:t>Kubernetes</a:t>
+            </a:r>
+            <a:r>
               <a:rPr lang="zh-CN" altLang="en-US" sz="2400" b="1" dirty="0">
                 <a:solidFill>
                   <a:srgbClr val="0070C0"/>
@@ -16327,20 +17769,9 @@
                 <a:ea typeface="微软雅黑" charset="-108"/>
                 <a:sym typeface="微软雅黑" charset="-108"/>
               </a:rPr>
-              <a:t>容器</a:t>
-            </a:r>
-            <a:r>
-              <a:rPr lang="en-US" altLang="zh-CN" sz="2400" b="1" dirty="0">
-                <a:solidFill>
-                  <a:srgbClr val="0070C0"/>
-                </a:solidFill>
-                <a:latin typeface="微软雅黑" charset="-108"/>
-                <a:ea typeface="微软雅黑" charset="-108"/>
-                <a:sym typeface="微软雅黑" charset="-108"/>
-              </a:rPr>
-              <a:t> </a:t>
-            </a:r>
-            <a:endParaRPr lang="en-US" altLang="zh-CN" sz="2400" b="1" dirty="0">
+              <a:t>编排</a:t>
+            </a:r>
+            <a:endParaRPr lang="zh-CN" altLang="en-US" sz="2400" b="1" dirty="0">
               <a:solidFill>
                 <a:srgbClr val="0070C0"/>
               </a:solidFill>
@@ -16353,7 +17784,7 @@
       </p:sp>
       <p:pic>
         <p:nvPicPr>
-          <p:cNvPr id="22532" name="图片 22532" descr="sangfor_logo"/>
+          <p:cNvPr id="8194" name="图片 8194" descr="sangfor_logo"/>
           <p:cNvPicPr>
             <a:picLocks noChangeAspect="1"/>
           </p:cNvPicPr>
@@ -16416,7 +17847,7 @@
                 <a:ea typeface="微软雅黑" charset="-108"/>
                 <a:sym typeface="微软雅黑" charset="-108"/>
               </a:rPr>
-              <a:t> 隔离资源</a:t>
+              <a:t> </a:t>
             </a:r>
             <a:r>
               <a:rPr lang="en-US" altLang="zh-CN" sz="2000" dirty="0">
@@ -16427,7 +17858,7 @@
                 <a:ea typeface="微软雅黑" charset="-108"/>
                 <a:sym typeface="微软雅黑" charset="-108"/>
               </a:rPr>
-              <a:t>  &amp;&amp;  </a:t>
+              <a:t>StatefulSet </a:t>
             </a:r>
             <a:r>
               <a:rPr lang="zh-CN" altLang="en-US" sz="2000" dirty="0">
@@ -16438,7 +17869,7 @@
                 <a:ea typeface="微软雅黑" charset="-108"/>
                 <a:sym typeface="微软雅黑" charset="-108"/>
               </a:rPr>
-              <a:t>限制</a:t>
+              <a:t>有状态</a:t>
             </a:r>
             <a:r>
               <a:rPr lang="zh-CN" altLang="en-US" sz="2000" dirty="0">
@@ -16449,7 +17880,7 @@
                 <a:ea typeface="微软雅黑" charset="-108"/>
                 <a:sym typeface="微软雅黑" charset="-108"/>
               </a:rPr>
-              <a:t>资源</a:t>
+              <a:t>应用</a:t>
             </a:r>
             <a:endParaRPr lang="zh-CN" altLang="en-US" sz="2000" dirty="0">
               <a:solidFill>
@@ -16470,8 +17901,77 @@
         </p:nvSpPr>
         <p:spPr>
           <a:xfrm>
-            <a:off x="971550" y="1412875"/>
-            <a:ext cx="6458585" cy="1476375"/>
+            <a:off x="683895" y="1628775"/>
+            <a:ext cx="3048000" cy="1070610"/>
+          </a:xfrm>
+          <a:prstGeom prst="rect">
+            <a:avLst/>
+          </a:prstGeom>
+          <a:noFill/>
+        </p:spPr>
+        <p:txBody>
+          <a:bodyPr wrap="square" rtlCol="0">
+            <a:noAutofit/>
+          </a:bodyPr>
+          <a:p>
+            <a:r>
+              <a:rPr lang="zh-CN" altLang="en-US"/>
+              <a:t>状态</a:t>
+            </a:r>
+            <a:r>
+              <a:rPr lang="en-US" altLang="zh-CN"/>
+              <a:t>：</a:t>
+            </a:r>
+            <a:endParaRPr lang="en-US" altLang="zh-CN"/>
+          </a:p>
+          <a:p>
+            <a:r>
+              <a:rPr lang="en-US" altLang="zh-CN"/>
+              <a:t>1、</a:t>
+            </a:r>
+            <a:r>
+              <a:rPr lang="zh-CN" altLang="en-US"/>
+              <a:t>拓扑</a:t>
+            </a:r>
+            <a:r>
+              <a:rPr lang="zh-CN" altLang="en-US"/>
+              <a:t>状态</a:t>
+            </a:r>
+            <a:endParaRPr lang="zh-CN" altLang="en-US"/>
+          </a:p>
+          <a:p>
+            <a:r>
+              <a:rPr lang="en-US" altLang="zh-CN"/>
+              <a:t>2、</a:t>
+            </a:r>
+            <a:r>
+              <a:rPr lang="zh-CN" altLang="en-US"/>
+              <a:t>存储</a:t>
+            </a:r>
+            <a:r>
+              <a:rPr lang="zh-CN" altLang="en-US"/>
+              <a:t>状态</a:t>
+            </a:r>
+            <a:endParaRPr lang="zh-CN" altLang="en-US"/>
+          </a:p>
+          <a:p>
+            <a:endParaRPr lang="zh-CN" altLang="en-US"/>
+          </a:p>
+          <a:p>
+            <a:endParaRPr lang="zh-CN" altLang="en-US"/>
+          </a:p>
+        </p:txBody>
+      </p:sp>
+      <p:sp>
+        <p:nvSpPr>
+          <p:cNvPr id="4" name="文本框 3"/>
+          <p:cNvSpPr txBox="1"/>
+          <p:nvPr/>
+        </p:nvSpPr>
+        <p:spPr>
+          <a:xfrm>
+            <a:off x="755650" y="3572510"/>
+            <a:ext cx="6234430" cy="1753235"/>
           </a:xfrm>
           <a:prstGeom prst="rect">
             <a:avLst/>
@@ -16484,98 +17984,8 @@
           </a:bodyPr>
           <a:p>
             <a:r>
-              <a:rPr lang="en-US" altLang="zh-CN"/>
-              <a:t>Linux Cgroups </a:t>
-            </a:r>
-            <a:r>
               <a:rPr lang="zh-CN" altLang="en-US"/>
-              <a:t>就是</a:t>
-            </a:r>
-            <a:r>
-              <a:rPr lang="en-US" altLang="zh-CN"/>
-              <a:t> Linux </a:t>
-            </a:r>
-            <a:r>
-              <a:rPr lang="zh-CN" altLang="en-US"/>
-              <a:t>内核中</a:t>
-            </a:r>
-            <a:r>
-              <a:rPr lang="zh-CN" altLang="en-US" b="1"/>
-              <a:t>用来为进程设置资源限制</a:t>
-            </a:r>
-            <a:r>
-              <a:rPr lang="zh-CN" altLang="en-US"/>
-              <a:t>的一个重要功能</a:t>
-            </a:r>
-            <a:r>
-              <a:rPr lang="en-US" altLang="zh-CN"/>
-              <a:t>。</a:t>
-            </a:r>
-            <a:endParaRPr lang="en-US" altLang="zh-CN"/>
-          </a:p>
-          <a:p>
-            <a:endParaRPr lang="en-US" altLang="zh-CN"/>
-          </a:p>
-          <a:p>
-            <a:r>
-              <a:rPr lang="en-US" altLang="zh-CN"/>
-              <a:t>Cgroups </a:t>
-            </a:r>
-            <a:r>
-              <a:rPr lang="zh-CN" altLang="en-US"/>
-              <a:t>给用户</a:t>
-            </a:r>
-            <a:r>
-              <a:rPr lang="zh-CN" altLang="en-US" b="1"/>
-              <a:t>暴露出来的操作接口是文件系统</a:t>
-            </a:r>
-            <a:r>
-              <a:rPr lang="zh-CN" altLang="en-US"/>
-              <a:t>，即它以文件和目录的方式组织在操作系统的</a:t>
-            </a:r>
-            <a:r>
-              <a:rPr lang="en-US" altLang="zh-CN"/>
-              <a:t> /sys/fs/cgroup </a:t>
-            </a:r>
-            <a:r>
-              <a:rPr lang="zh-CN" altLang="en-US"/>
-              <a:t>路径下</a:t>
-            </a:r>
-            <a:endParaRPr lang="zh-CN" altLang="en-US"/>
-          </a:p>
-        </p:txBody>
-      </p:sp>
-      <p:sp>
-        <p:nvSpPr>
-          <p:cNvPr id="3" name="文本框 2"/>
-          <p:cNvSpPr txBox="1"/>
-          <p:nvPr/>
-        </p:nvSpPr>
-        <p:spPr>
-          <a:xfrm>
-            <a:off x="1043305" y="3357245"/>
-            <a:ext cx="5303520" cy="2449195"/>
-          </a:xfrm>
-          <a:prstGeom prst="rect">
-            <a:avLst/>
-          </a:prstGeom>
-          <a:noFill/>
-        </p:spPr>
-        <p:txBody>
-          <a:bodyPr wrap="square" rtlCol="0">
-            <a:noAutofit/>
-          </a:bodyPr>
-          <a:p>
-            <a:pPr>
-              <a:buFont typeface="Arial" panose="020B0704020202020204" pitchFamily="34" charset="0"/>
-            </a:pPr>
-            <a:r>
-              <a:rPr lang="zh-CN" altLang="en-US"/>
-              <a:t>容器使用</a:t>
-            </a:r>
-            <a:r>
-              <a:rPr lang="zh-CN" altLang="en-US"/>
-              <a:t>的限制能力</a:t>
+              <a:t>实现</a:t>
             </a:r>
             <a:r>
               <a:rPr lang="en-US" altLang="zh-CN"/>
@@ -16584,166 +17994,107 @@
             <a:endParaRPr lang="en-US" altLang="zh-CN"/>
           </a:p>
           <a:p>
-            <a:pPr marL="285750" indent="-285750">
-              <a:buFont typeface="Arial" panose="020B0704020202020204" pitchFamily="34" charset="0"/>
-              <a:buChar char="•"/>
-            </a:pPr>
             <a:r>
               <a:rPr lang="en-US" altLang="zh-CN"/>
-              <a:t>cpu: </a:t>
+              <a:t>1、</a:t>
             </a:r>
             <a:r>
               <a:rPr lang="zh-CN" altLang="en-US"/>
-              <a:t>控制</a:t>
+              <a:t>首先，</a:t>
             </a:r>
             <a:r>
               <a:rPr lang="en-US" altLang="zh-CN"/>
-              <a:t>cpu</a:t>
+              <a:t>StatefulSet </a:t>
             </a:r>
             <a:r>
               <a:rPr lang="zh-CN" altLang="en-US"/>
-              <a:t>使用率</a:t>
+              <a:t>的控制器直接管理的是</a:t>
+            </a:r>
+            <a:r>
+              <a:rPr lang="en-US" altLang="zh-CN"/>
+              <a:t> Pod。</a:t>
+            </a:r>
+            <a:endParaRPr lang="en-US" altLang="zh-CN"/>
+          </a:p>
+          <a:p>
+            <a:r>
+              <a:rPr lang="en-US" altLang="zh-CN"/>
+              <a:t>2、</a:t>
+            </a:r>
+            <a:r>
+              <a:rPr lang="zh-CN" altLang="en-US"/>
+              <a:t>其次，</a:t>
+            </a:r>
+            <a:r>
+              <a:rPr lang="en-US" altLang="zh-CN"/>
+              <a:t>Kubernetes </a:t>
+            </a:r>
+            <a:r>
+              <a:rPr lang="zh-CN" altLang="en-US"/>
+              <a:t>通过</a:t>
+            </a:r>
+            <a:r>
+              <a:rPr lang="en-US" altLang="zh-CN"/>
+              <a:t> Headless Service</a:t>
+            </a:r>
+            <a:r>
+              <a:rPr lang="zh-CN" altLang="en-US"/>
+              <a:t>，为这些有编号的</a:t>
+            </a:r>
+            <a:r>
+              <a:rPr lang="en-US" altLang="zh-CN"/>
+              <a:t> Pod</a:t>
+            </a:r>
+            <a:r>
+              <a:rPr lang="zh-CN" altLang="en-US"/>
+              <a:t>，在</a:t>
+            </a:r>
+            <a:r>
+              <a:rPr lang="en-US" altLang="zh-CN"/>
+              <a:t> DNS </a:t>
+            </a:r>
+            <a:r>
+              <a:rPr lang="zh-CN" altLang="en-US"/>
+              <a:t>服务器中生成带有同样编号的</a:t>
+            </a:r>
+            <a:r>
+              <a:rPr lang="en-US" altLang="zh-CN"/>
+              <a:t> DNS </a:t>
+            </a:r>
+            <a:r>
+              <a:rPr lang="zh-CN" altLang="en-US"/>
+              <a:t>记录</a:t>
             </a:r>
             <a:endParaRPr lang="zh-CN" altLang="en-US"/>
           </a:p>
           <a:p>
-            <a:pPr marL="285750" indent="-285750">
-              <a:buFont typeface="Arial" panose="020B0704020202020204" pitchFamily="34" charset="0"/>
-              <a:buChar char="•"/>
-            </a:pPr>
             <a:r>
               <a:rPr lang="en-US" altLang="zh-CN"/>
-              <a:t>cpuset:</a:t>
+              <a:t>3、</a:t>
             </a:r>
             <a:r>
               <a:rPr lang="zh-CN" altLang="en-US"/>
-              <a:t>为进程分配单独的</a:t>
+              <a:t>最后，</a:t>
             </a:r>
             <a:r>
               <a:rPr lang="en-US" altLang="zh-CN"/>
-              <a:t> CPU </a:t>
+              <a:t>StatefulSet </a:t>
             </a:r>
             <a:r>
               <a:rPr lang="zh-CN" altLang="en-US"/>
-              <a:t>核和对应的内存节点</a:t>
-            </a:r>
-            <a:endParaRPr lang="zh-CN" altLang="en-US"/>
-          </a:p>
-          <a:p>
-            <a:pPr marL="285750" indent="-285750">
-              <a:buFont typeface="Arial" panose="020B0704020202020204" pitchFamily="34" charset="0"/>
-              <a:buChar char="•"/>
-            </a:pPr>
+              <a:t>还为每一个</a:t>
+            </a:r>
             <a:r>
               <a:rPr lang="en-US" altLang="zh-CN"/>
-              <a:t>memory: </a:t>
+              <a:t> Pod </a:t>
             </a:r>
             <a:r>
               <a:rPr lang="zh-CN" altLang="en-US"/>
-              <a:t>为进程设定内存使用的限制</a:t>
-            </a:r>
-            <a:endParaRPr lang="zh-CN" altLang="en-US"/>
-          </a:p>
-          <a:p>
-            <a:pPr marL="285750" indent="-285750">
-              <a:buFont typeface="Arial" panose="020B0704020202020204" pitchFamily="34" charset="0"/>
-              <a:buChar char="•"/>
-            </a:pPr>
-            <a:r>
-              <a:rPr lang="en-US" altLang="zh-CN">
-                <a:sym typeface="+mn-ea"/>
-              </a:rPr>
-              <a:t>blkio:</a:t>
-            </a:r>
-            <a:r>
-              <a:rPr lang="zh-CN" altLang="en-US">
-                <a:sym typeface="+mn-ea"/>
-              </a:rPr>
-              <a:t>为</a:t>
-            </a:r>
-            <a:r>
-              <a:rPr lang="en-US" altLang="zh-CN">
-                <a:sym typeface="+mn-ea"/>
-              </a:rPr>
-              <a:t>​​​</a:t>
-            </a:r>
-            <a:r>
-              <a:rPr lang="zh-CN" altLang="en-US">
-                <a:sym typeface="+mn-ea"/>
-              </a:rPr>
-              <a:t>块</a:t>
-            </a:r>
-            <a:r>
-              <a:rPr lang="en-US" altLang="zh-CN">
-                <a:sym typeface="+mn-ea"/>
-              </a:rPr>
-              <a:t>​​​</a:t>
-            </a:r>
-            <a:r>
-              <a:rPr lang="zh-CN" altLang="en-US">
-                <a:sym typeface="+mn-ea"/>
-              </a:rPr>
-              <a:t>设</a:t>
-            </a:r>
-            <a:r>
-              <a:rPr lang="en-US" altLang="zh-CN">
-                <a:sym typeface="+mn-ea"/>
-              </a:rPr>
-              <a:t>​​​</a:t>
-            </a:r>
-            <a:r>
-              <a:rPr lang="zh-CN" altLang="en-US">
-                <a:sym typeface="+mn-ea"/>
-              </a:rPr>
-              <a:t>备</a:t>
-            </a:r>
-            <a:r>
-              <a:rPr lang="en-US" altLang="zh-CN">
-                <a:sym typeface="+mn-ea"/>
-              </a:rPr>
-              <a:t>​​​</a:t>
-            </a:r>
-            <a:r>
-              <a:rPr lang="zh-CN" altLang="en-US">
-                <a:sym typeface="+mn-ea"/>
-              </a:rPr>
-              <a:t>设</a:t>
-            </a:r>
-            <a:r>
-              <a:rPr lang="en-US" altLang="zh-CN">
-                <a:sym typeface="+mn-ea"/>
-              </a:rPr>
-              <a:t>​​​</a:t>
-            </a:r>
-            <a:r>
-              <a:rPr lang="zh-CN" altLang="en-US">
-                <a:sym typeface="+mn-ea"/>
-              </a:rPr>
-              <a:t>定</a:t>
-            </a:r>
-            <a:r>
-              <a:rPr lang="en-US" altLang="zh-CN">
-                <a:sym typeface="+mn-ea"/>
-              </a:rPr>
-              <a:t>​​​I/O </a:t>
-            </a:r>
-            <a:r>
-              <a:rPr lang="zh-CN" altLang="en-US">
-                <a:sym typeface="+mn-ea"/>
-              </a:rPr>
-              <a:t>限</a:t>
-            </a:r>
-            <a:r>
-              <a:rPr lang="en-US" altLang="zh-CN">
-                <a:sym typeface="+mn-ea"/>
-              </a:rPr>
-              <a:t>​​​</a:t>
-            </a:r>
-            <a:r>
-              <a:rPr lang="zh-CN" altLang="en-US">
-                <a:sym typeface="+mn-ea"/>
-              </a:rPr>
-              <a:t>制，一般用于磁盘等设备</a:t>
+              <a:t>分配并创建一个同样编号的</a:t>
+            </a:r>
+            <a:r>
+              <a:rPr lang="en-US" altLang="zh-CN"/>
+              <a:t> PVC。</a:t>
             </a:r>
             <a:endParaRPr lang="en-US" altLang="zh-CN"/>
           </a:p>
@@ -16754,6 +18105,88 @@
   <p:clrMapOvr>
     <a:masterClrMapping/>
   </p:clrMapOvr>
+  <p:timing>
+    <p:tnLst>
+      <p:par>
+        <p:cTn id="1" dur="indefinite" restart="never" nodeType="tmRoot">
+          <p:childTnLst>
+            <p:seq concurrent="1" nextAc="seek">
+              <p:cTn id="2" dur="indefinite" nodeType="mainSeq">
+                <p:childTnLst>
+                  <p:par>
+                    <p:cTn id="3" fill="hold">
+                      <p:stCondLst>
+                        <p:cond delay="indefinite"/>
+                        <p:cond evt="onBegin" delay="0">
+                          <p:tn val="2"/>
+                        </p:cond>
+                      </p:stCondLst>
+                      <p:childTnLst>
+                        <p:par>
+                          <p:cTn id="4" fill="hold">
+                            <p:stCondLst>
+                              <p:cond delay="0"/>
+                            </p:stCondLst>
+                            <p:childTnLst>
+                              <p:par>
+                                <p:cTn id="5" presetID="1" presetClass="entr" presetSubtype="0" fill="hold" grpId="0" nodeType="withEffect">
+                                  <p:stCondLst>
+                                    <p:cond delay="0"/>
+                                  </p:stCondLst>
+                                  <p:childTnLst>
+                                    <p:set>
+                                      <p:cBhvr>
+                                        <p:cTn id="6" dur="1" fill="hold">
+                                          <p:stCondLst>
+                                            <p:cond delay="0"/>
+                                          </p:stCondLst>
+                                        </p:cTn>
+                                        <p:tgtEl>
+                                          <p:spTgt spid="35841"/>
+                                        </p:tgtEl>
+                                        <p:attrNameLst>
+                                          <p:attrName>style.visibility</p:attrName>
+                                        </p:attrNameLst>
+                                      </p:cBhvr>
+                                      <p:to>
+                                        <p:strVal val="visible"/>
+                                      </p:to>
+                                    </p:set>
+                                  </p:childTnLst>
+                                </p:cTn>
+                              </p:par>
+                            </p:childTnLst>
+                          </p:cTn>
+                        </p:par>
+                      </p:childTnLst>
+                    </p:cTn>
+                  </p:par>
+                </p:childTnLst>
+              </p:cTn>
+              <p:prevCondLst>
+                <p:cond evt="onPrev" delay="0">
+                  <p:tgtEl>
+                    <p:sldTgt/>
+                  </p:tgtEl>
+                </p:cond>
+              </p:prevCondLst>
+              <p:nextCondLst>
+                <p:cond evt="onNext" delay="0">
+                  <p:tgtEl>
+                    <p:sldTgt/>
+                  </p:tgtEl>
+                </p:cond>
+              </p:nextCondLst>
+            </p:seq>
+          </p:childTnLst>
+        </p:cTn>
+      </p:par>
+    </p:tnLst>
+    <p:bldLst>
+      <p:bldP spid="35841" grpId="0"/>
+      <p:bldP spid="35841" grpId="1"/>
+    </p:bldLst>
+  </p:timing>
 </p:sld>
 </file>
 
@@ -16769,47 +18202,13 @@
       <p:grpSpPr/>
       <p:sp>
         <p:nvSpPr>
-          <p:cNvPr id="22529" name="标题 1"/>
+          <p:cNvPr id="8193" name="TextBox 1"/>
           <p:cNvSpPr/>
           <p:nvPr/>
         </p:nvSpPr>
         <p:spPr>
           <a:xfrm>
-            <a:off x="7308850" y="6337300"/>
-            <a:ext cx="1552575" cy="301625"/>
-          </a:xfrm>
-          <a:prstGeom prst="rect">
-            <a:avLst/>
-          </a:prstGeom>
-          <a:noFill/>
-          <a:ln w="9525">
-            <a:noFill/>
-          </a:ln>
-        </p:spPr>
-        <p:txBody>
-          <a:bodyPr anchor="ctr" anchorCtr="0"/>
-          <a:p>
-            <a:pPr eaLnBrk="0" hangingPunct="0"/>
-            <a:endParaRPr lang="zh-CN" sz="1100" i="1">
-              <a:solidFill>
-                <a:srgbClr val="7F7F7F"/>
-              </a:solidFill>
-              <a:latin typeface="微软雅黑" charset="-108"/>
-              <a:ea typeface="微软雅黑" charset="-108"/>
-              <a:sym typeface="宋体" pitchFamily="2" charset="-122"/>
-            </a:endParaRPr>
-          </a:p>
-        </p:txBody>
-      </p:sp>
-      <p:sp>
-        <p:nvSpPr>
-          <p:cNvPr id="22530" name="TextBox 1"/>
-          <p:cNvSpPr/>
-          <p:nvPr/>
-        </p:nvSpPr>
-        <p:spPr>
-          <a:xfrm>
-            <a:off x="247650" y="323850"/>
+            <a:off x="228600" y="150813"/>
             <a:ext cx="3600450" cy="460375"/>
           </a:xfrm>
           <a:prstGeom prst="rect">
@@ -16827,6 +18226,17 @@
           <a:p>
             <a:pPr eaLnBrk="0" hangingPunct="0"/>
             <a:r>
+              <a:rPr lang="en-US" altLang="zh-CN" sz="2400" b="1" dirty="0">
+                <a:solidFill>
+                  <a:srgbClr val="0070C0"/>
+                </a:solidFill>
+                <a:latin typeface="微软雅黑" charset="-108"/>
+                <a:ea typeface="微软雅黑" charset="-108"/>
+                <a:sym typeface="微软雅黑" charset="-108"/>
+              </a:rPr>
+              <a:t>Kubernetes</a:t>
+            </a:r>
+            <a:r>
               <a:rPr lang="zh-CN" altLang="en-US" sz="2400" b="1" dirty="0">
                 <a:solidFill>
                   <a:srgbClr val="0070C0"/>
@@ -16835,20 +18245,9 @@
                 <a:ea typeface="微软雅黑" charset="-108"/>
                 <a:sym typeface="微软雅黑" charset="-108"/>
               </a:rPr>
-              <a:t>容器</a:t>
-            </a:r>
-            <a:r>
-              <a:rPr lang="en-US" altLang="zh-CN" sz="2400" b="1" dirty="0">
-                <a:solidFill>
-                  <a:srgbClr val="0070C0"/>
-                </a:solidFill>
-                <a:latin typeface="微软雅黑" charset="-108"/>
-                <a:ea typeface="微软雅黑" charset="-108"/>
-                <a:sym typeface="微软雅黑" charset="-108"/>
-              </a:rPr>
-              <a:t> </a:t>
-            </a:r>
-            <a:endParaRPr lang="en-US" altLang="zh-CN" sz="2400" b="1" dirty="0">
+              <a:t>编排</a:t>
+            </a:r>
+            <a:endParaRPr lang="zh-CN" altLang="en-US" sz="2400" b="1" dirty="0">
               <a:solidFill>
                 <a:srgbClr val="0070C0"/>
               </a:solidFill>
@@ -16861,7 +18260,7 @@
       </p:sp>
       <p:pic>
         <p:nvPicPr>
-          <p:cNvPr id="22532" name="图片 22532" descr="sangfor_logo"/>
+          <p:cNvPr id="8194" name="图片 8194" descr="sangfor_logo"/>
           <p:cNvPicPr>
             <a:picLocks noChangeAspect="1"/>
           </p:cNvPicPr>
@@ -16924,7 +18323,18 @@
                 <a:ea typeface="微软雅黑" charset="-108"/>
                 <a:sym typeface="微软雅黑" charset="-108"/>
               </a:rPr>
-              <a:t> 进程根</a:t>
+              <a:t> </a:t>
+            </a:r>
+            <a:r>
+              <a:rPr lang="en-US" altLang="zh-CN" sz="2000" dirty="0">
+                <a:solidFill>
+                  <a:srgbClr val="184199"/>
+                </a:solidFill>
+                <a:latin typeface="微软雅黑" charset="-108"/>
+                <a:ea typeface="微软雅黑" charset="-108"/>
+                <a:sym typeface="微软雅黑" charset="-108"/>
+              </a:rPr>
+              <a:t>DaemonSet </a:t>
             </a:r>
             <a:r>
               <a:rPr lang="zh-CN" altLang="en-US" sz="2000" dirty="0">
@@ -16935,7 +18345,18 @@
                 <a:ea typeface="微软雅黑" charset="-108"/>
                 <a:sym typeface="微软雅黑" charset="-108"/>
               </a:rPr>
-              <a:t>目录</a:t>
+              <a:t>守护</a:t>
+            </a:r>
+            <a:r>
+              <a:rPr lang="zh-CN" altLang="en-US" sz="2000" dirty="0">
+                <a:solidFill>
+                  <a:srgbClr val="184199"/>
+                </a:solidFill>
+                <a:latin typeface="微软雅黑" charset="-108"/>
+                <a:ea typeface="微软雅黑" charset="-108"/>
+                <a:sym typeface="微软雅黑" charset="-108"/>
+              </a:rPr>
+              <a:t>进程</a:t>
             </a:r>
             <a:endParaRPr lang="zh-CN" altLang="en-US" sz="2000" dirty="0">
               <a:solidFill>
@@ -16956,8 +18377,8 @@
         </p:nvSpPr>
         <p:spPr>
           <a:xfrm>
-            <a:off x="755650" y="1547495"/>
-            <a:ext cx="5845175" cy="922020"/>
+            <a:off x="611505" y="1412240"/>
+            <a:ext cx="6234430" cy="1753235"/>
           </a:xfrm>
           <a:prstGeom prst="rect">
             <a:avLst/>
@@ -16970,87 +18391,90 @@
           </a:bodyPr>
           <a:p>
             <a:r>
-              <a:rPr lang="en-US" altLang="zh-CN" b="1">
-                <a:latin typeface="Arial Bold" panose="020B0704020202020204" charset="0"/>
-                <a:cs typeface="Arial Bold" panose="020B0704020202020204" charset="0"/>
-              </a:rPr>
-              <a:t>rootfs </a:t>
+              <a:rPr lang="en-US"/>
+              <a:t>1、</a:t>
             </a:r>
             <a:r>
               <a:rPr lang="zh-CN" altLang="en-US"/>
-              <a:t>只是一个</a:t>
-            </a:r>
-            <a:r>
-              <a:rPr lang="zh-CN" altLang="en-US" b="1"/>
-              <a:t>操作系统所包含的文件、配置和目录，并不包括操作系统内核</a:t>
+              <a:t>这个</a:t>
             </a:r>
             <a:r>
               <a:rPr lang="en-US" altLang="zh-CN"/>
-              <a:t>。</a:t>
+              <a:t> Pod </a:t>
             </a:r>
             <a:r>
               <a:rPr lang="zh-CN" altLang="en-US"/>
-              <a:t>而操作系统内核为容器</a:t>
+              <a:t>运行在</a:t>
+            </a:r>
+            <a:r>
+              <a:rPr lang="en-US" altLang="zh-CN"/>
+              <a:t> Kubernetes </a:t>
             </a:r>
             <a:r>
               <a:rPr lang="zh-CN" altLang="en-US"/>
-              <a:t>的“全局变量“</a:t>
+              <a:t>集群里的每一个节点（</a:t>
             </a:r>
             <a:r>
               <a:rPr lang="en-US" altLang="zh-CN"/>
-              <a:t>。</a:t>
-            </a:r>
-            <a:endParaRPr lang="en-US" altLang="zh-CN"/>
-          </a:p>
-        </p:txBody>
-      </p:sp>
-      <p:sp>
-        <p:nvSpPr>
-          <p:cNvPr id="5" name="文本框 4"/>
-          <p:cNvSpPr txBox="1"/>
-          <p:nvPr/>
-        </p:nvSpPr>
-        <p:spPr>
-          <a:xfrm>
-            <a:off x="793750" y="2708910"/>
-            <a:ext cx="5807075" cy="922020"/>
-          </a:xfrm>
-          <a:prstGeom prst="rect">
-            <a:avLst/>
-          </a:prstGeom>
-          <a:noFill/>
-        </p:spPr>
-        <p:txBody>
-          <a:bodyPr wrap="square" rtlCol="0">
-            <a:spAutoFit/>
-          </a:bodyPr>
-          <a:p>
-            <a:r>
-              <a:rPr lang="en-US" altLang="zh-CN" b="1">
-                <a:latin typeface="Arial Bold" panose="020B0704020202020204" charset="0"/>
-                <a:cs typeface="Arial Bold" panose="020B0704020202020204" charset="0"/>
-              </a:rPr>
-              <a:t>rootfs </a:t>
+              <a:t>Node</a:t>
             </a:r>
             <a:r>
               <a:rPr lang="zh-CN" altLang="en-US"/>
-              <a:t>里</a:t>
-            </a:r>
-            <a:r>
-              <a:rPr lang="zh-CN" altLang="en-US" b="1"/>
-              <a:t>打包的不只是应用，而是整个操作系统的文件和目录</a:t>
-            </a:r>
+              <a:t>）上</a:t>
+            </a:r>
+            <a:endParaRPr lang="zh-CN" altLang="en-US"/>
+          </a:p>
+          <a:p>
             <a:r>
               <a:rPr lang="en-US" altLang="zh-CN"/>
-              <a:t>（</a:t>
+              <a:t>2、</a:t>
+            </a:r>
+            <a:r>
+              <a:rPr lang="zh-CN" altLang="en-US"/>
+              <a:t>每个节点上只有一个这样的</a:t>
             </a:r>
             <a:r>
               <a:rPr lang="en-US" altLang="zh-CN"/>
-              <a:t>ISO）</a:t>
+              <a:t> Pod </a:t>
             </a:r>
             <a:r>
               <a:rPr lang="zh-CN" altLang="en-US"/>
-              <a:t>，也就意味着，应用以及它运行所需要的所有依赖，都被封装在了一起。</a:t>
+              <a:t>实例</a:t>
+            </a:r>
+            <a:endParaRPr lang="zh-CN" altLang="en-US"/>
+          </a:p>
+          <a:p>
+            <a:r>
+              <a:rPr lang="en-US" altLang="zh-CN"/>
+              <a:t>3、</a:t>
+            </a:r>
+            <a:r>
+              <a:rPr lang="zh-CN" altLang="en-US"/>
+              <a:t>当有新的节点加入</a:t>
+            </a:r>
+            <a:r>
+              <a:rPr lang="en-US" altLang="zh-CN"/>
+              <a:t> Kubernetes </a:t>
+            </a:r>
+            <a:r>
+              <a:rPr lang="zh-CN" altLang="en-US"/>
+              <a:t>集群后，该</a:t>
+            </a:r>
+            <a:r>
+              <a:rPr lang="en-US" altLang="zh-CN"/>
+              <a:t> Pod </a:t>
+            </a:r>
+            <a:r>
+              <a:rPr lang="zh-CN" altLang="en-US"/>
+              <a:t>会自动地在新节点上被创建出来；而当旧节点被删除后，它上面的</a:t>
+            </a:r>
+            <a:r>
+              <a:rPr lang="en-US" altLang="zh-CN"/>
+              <a:t> Pod </a:t>
+            </a:r>
+            <a:r>
+              <a:rPr lang="zh-CN" altLang="en-US"/>
+              <a:t>也相应地会被回收掉</a:t>
             </a:r>
             <a:endParaRPr lang="zh-CN" altLang="en-US"/>
           </a:p>
@@ -17058,7 +18482,7 @@
       </p:sp>
       <p:pic>
         <p:nvPicPr>
-          <p:cNvPr id="7" name="图片 6"/>
+          <p:cNvPr id="3" name="图片 2"/>
           <p:cNvPicPr>
             <a:picLocks noChangeAspect="1"/>
           </p:cNvPicPr>
@@ -17072,8 +18496,8 @@
         </p:blipFill>
         <p:spPr>
           <a:xfrm>
-            <a:off x="1907540" y="3789045"/>
-            <a:ext cx="4614545" cy="2762885"/>
+            <a:off x="3851910" y="2924810"/>
+            <a:ext cx="3380740" cy="3677285"/>
           </a:xfrm>
           <a:prstGeom prst="rect">
             <a:avLst/>
@@ -17085,262 +18509,92 @@
   <p:clrMapOvr>
     <a:masterClrMapping/>
   </p:clrMapOvr>
+  <p:timing>
+    <p:tnLst>
+      <p:par>
+        <p:cTn id="1" dur="indefinite" restart="never" nodeType="tmRoot">
+          <p:childTnLst>
+            <p:seq concurrent="1" nextAc="seek">
+              <p:cTn id="2" dur="indefinite" nodeType="mainSeq">
+                <p:childTnLst>
+                  <p:par>
+                    <p:cTn id="3" fill="hold">
+                      <p:stCondLst>
+                        <p:cond delay="indefinite"/>
+                        <p:cond evt="onBegin" delay="0">
+                          <p:tn val="2"/>
+                        </p:cond>
+                      </p:stCondLst>
+                      <p:childTnLst>
+                        <p:par>
+                          <p:cTn id="4" fill="hold">
+                            <p:stCondLst>
+                              <p:cond delay="0"/>
+                            </p:stCondLst>
+                            <p:childTnLst>
+                              <p:par>
+                                <p:cTn id="5" presetID="1" presetClass="entr" presetSubtype="0" fill="hold" grpId="0" nodeType="withEffect">
+                                  <p:stCondLst>
+                                    <p:cond delay="0"/>
+                                  </p:stCondLst>
+                                  <p:childTnLst>
+                                    <p:set>
+                                      <p:cBhvr>
+                                        <p:cTn id="6" dur="1" fill="hold">
+                                          <p:stCondLst>
+                                            <p:cond delay="0"/>
+                                          </p:stCondLst>
+                                        </p:cTn>
+                                        <p:tgtEl>
+                                          <p:spTgt spid="35841"/>
+                                        </p:tgtEl>
+                                        <p:attrNameLst>
+                                          <p:attrName>style.visibility</p:attrName>
+                                        </p:attrNameLst>
+                                      </p:cBhvr>
+                                      <p:to>
+                                        <p:strVal val="visible"/>
+                                      </p:to>
+                                    </p:set>
+                                  </p:childTnLst>
+                                </p:cTn>
+                              </p:par>
+                            </p:childTnLst>
+                          </p:cTn>
+                        </p:par>
+                      </p:childTnLst>
+                    </p:cTn>
+                  </p:par>
+                </p:childTnLst>
+              </p:cTn>
+              <p:prevCondLst>
+                <p:cond evt="onPrev" delay="0">
+                  <p:tgtEl>
+                    <p:sldTgt/>
+                  </p:tgtEl>
+                </p:cond>
+              </p:prevCondLst>
+              <p:nextCondLst>
+                <p:cond evt="onNext" delay="0">
+                  <p:tgtEl>
+                    <p:sldTgt/>
+                  </p:tgtEl>
+                </p:cond>
+              </p:nextCondLst>
+            </p:seq>
+          </p:childTnLst>
+        </p:cTn>
+      </p:par>
+    </p:tnLst>
+    <p:bldLst>
+      <p:bldP spid="35841" grpId="0"/>
+      <p:bldP spid="35841" grpId="1"/>
+    </p:bldLst>
+  </p:timing>
 </p:sld>
 </file>
 
 <file path=ppt/slides/slide22.xml><?xml version="1.0" encoding="utf-8"?>
-<p:sld xmlns:a="http://schemas.openxmlformats.org/drawingml/2006/main" xmlns:r="http://schemas.openxmlformats.org/officeDocument/2006/relationships" xmlns:p="http://schemas.openxmlformats.org/presentationml/2006/main">
-  <p:cSld>
-    <p:spTree>
-      <p:nvGrpSpPr>
-        <p:cNvPr id="1" name=""/>
-        <p:cNvGrpSpPr/>
-        <p:nvPr/>
-      </p:nvGrpSpPr>
-      <p:grpSpPr/>
-      <p:sp>
-        <p:nvSpPr>
-          <p:cNvPr id="22529" name="标题 1"/>
-          <p:cNvSpPr/>
-          <p:nvPr/>
-        </p:nvSpPr>
-        <p:spPr>
-          <a:xfrm>
-            <a:off x="7308850" y="6337300"/>
-            <a:ext cx="1552575" cy="301625"/>
-          </a:xfrm>
-          <a:prstGeom prst="rect">
-            <a:avLst/>
-          </a:prstGeom>
-          <a:noFill/>
-          <a:ln w="9525">
-            <a:noFill/>
-          </a:ln>
-        </p:spPr>
-        <p:txBody>
-          <a:bodyPr anchor="ctr" anchorCtr="0"/>
-          <a:p>
-            <a:pPr eaLnBrk="0" hangingPunct="0"/>
-            <a:endParaRPr lang="zh-CN" sz="1100" i="1">
-              <a:solidFill>
-                <a:srgbClr val="7F7F7F"/>
-              </a:solidFill>
-              <a:latin typeface="微软雅黑" charset="-108"/>
-              <a:ea typeface="微软雅黑" charset="-108"/>
-              <a:sym typeface="宋体" pitchFamily="2" charset="-122"/>
-            </a:endParaRPr>
-          </a:p>
-        </p:txBody>
-      </p:sp>
-      <p:sp>
-        <p:nvSpPr>
-          <p:cNvPr id="22530" name="TextBox 1"/>
-          <p:cNvSpPr/>
-          <p:nvPr/>
-        </p:nvSpPr>
-        <p:spPr>
-          <a:xfrm>
-            <a:off x="247650" y="323850"/>
-            <a:ext cx="3600450" cy="460375"/>
-          </a:xfrm>
-          <a:prstGeom prst="rect">
-            <a:avLst/>
-          </a:prstGeom>
-          <a:noFill/>
-          <a:ln w="9525">
-            <a:noFill/>
-          </a:ln>
-        </p:spPr>
-        <p:txBody>
-          <a:bodyPr wrap="square" anchor="t" anchorCtr="0">
-            <a:spAutoFit/>
-          </a:bodyPr>
-          <a:p>
-            <a:pPr eaLnBrk="0" hangingPunct="0"/>
-            <a:r>
-              <a:rPr lang="zh-CN" altLang="en-US" sz="2400" b="1" dirty="0">
-                <a:solidFill>
-                  <a:srgbClr val="0070C0"/>
-                </a:solidFill>
-                <a:latin typeface="微软雅黑" charset="-108"/>
-                <a:ea typeface="微软雅黑" charset="-108"/>
-                <a:sym typeface="微软雅黑" charset="-108"/>
-              </a:rPr>
-              <a:t>容器</a:t>
-            </a:r>
-            <a:r>
-              <a:rPr lang="en-US" altLang="zh-CN" sz="2400" b="1" dirty="0">
-                <a:solidFill>
-                  <a:srgbClr val="0070C0"/>
-                </a:solidFill>
-                <a:latin typeface="微软雅黑" charset="-108"/>
-                <a:ea typeface="微软雅黑" charset="-108"/>
-                <a:sym typeface="微软雅黑" charset="-108"/>
-              </a:rPr>
-              <a:t> </a:t>
-            </a:r>
-            <a:endParaRPr lang="en-US" altLang="zh-CN" sz="2400" b="1" dirty="0">
-              <a:solidFill>
-                <a:srgbClr val="0070C0"/>
-              </a:solidFill>
-              <a:latin typeface="微软雅黑" charset="-108"/>
-              <a:ea typeface="微软雅黑" charset="-108"/>
-              <a:sym typeface="微软雅黑" charset="-108"/>
-            </a:endParaRPr>
-          </a:p>
-        </p:txBody>
-      </p:sp>
-      <p:pic>
-        <p:nvPicPr>
-          <p:cNvPr id="22532" name="图片 22532" descr="sangfor_logo"/>
-          <p:cNvPicPr>
-            <a:picLocks noChangeAspect="1"/>
-          </p:cNvPicPr>
-          <p:nvPr/>
-        </p:nvPicPr>
-        <p:blipFill>
-          <a:blip r:embed="rId1"/>
-          <a:stretch>
-            <a:fillRect/>
-          </a:stretch>
-        </p:blipFill>
-        <p:spPr>
-          <a:xfrm>
-            <a:off x="7343775" y="473075"/>
-            <a:ext cx="1320800" cy="606425"/>
-          </a:xfrm>
-          <a:prstGeom prst="rect">
-            <a:avLst/>
-          </a:prstGeom>
-          <a:noFill/>
-          <a:ln w="9525">
-            <a:noFill/>
-          </a:ln>
-        </p:spPr>
-      </p:pic>
-      <p:sp>
-        <p:nvSpPr>
-          <p:cNvPr id="35841" name="文本框 35841"/>
-          <p:cNvSpPr txBox="1"/>
-          <p:nvPr/>
-        </p:nvSpPr>
-        <p:spPr>
-          <a:xfrm>
-            <a:off x="323850" y="995680"/>
-            <a:ext cx="1715135" cy="554355"/>
-          </a:xfrm>
-          <a:prstGeom prst="rect">
-            <a:avLst/>
-          </a:prstGeom>
-          <a:noFill/>
-          <a:ln w="9525">
-            <a:noFill/>
-          </a:ln>
-        </p:spPr>
-        <p:txBody>
-          <a:bodyPr wrap="square" anchor="t" anchorCtr="0">
-            <a:noAutofit/>
-          </a:bodyPr>
-          <a:p>
-            <a:pPr eaLnBrk="0" hangingPunct="0">
-              <a:buFont typeface="Wingdings" panose="05000000000000000000" pitchFamily="2" charset="2"/>
-              <a:buChar char="Ø"/>
-            </a:pPr>
-            <a:r>
-              <a:rPr lang="zh-CN" altLang="en-US" sz="2000" dirty="0">
-                <a:solidFill>
-                  <a:srgbClr val="184199"/>
-                </a:solidFill>
-                <a:latin typeface="微软雅黑" charset="-108"/>
-                <a:ea typeface="微软雅黑" charset="-108"/>
-                <a:sym typeface="微软雅黑" charset="-108"/>
-              </a:rPr>
-              <a:t> 日常</a:t>
-            </a:r>
-            <a:r>
-              <a:rPr lang="zh-CN" altLang="en-US" sz="2000" dirty="0">
-                <a:solidFill>
-                  <a:srgbClr val="184199"/>
-                </a:solidFill>
-                <a:latin typeface="微软雅黑" charset="-108"/>
-                <a:ea typeface="微软雅黑" charset="-108"/>
-                <a:sym typeface="微软雅黑" charset="-108"/>
-              </a:rPr>
-              <a:t>排障</a:t>
-            </a:r>
-            <a:endParaRPr lang="zh-CN" altLang="en-US" sz="2000" dirty="0">
-              <a:solidFill>
-                <a:srgbClr val="184199"/>
-              </a:solidFill>
-              <a:latin typeface="微软雅黑" charset="-108"/>
-              <a:ea typeface="微软雅黑" charset="-108"/>
-              <a:sym typeface="微软雅黑" charset="-108"/>
-            </a:endParaRPr>
-          </a:p>
-          <a:p>
-            <a:pPr eaLnBrk="0" hangingPunct="0">
-              <a:buFont typeface="Wingdings" panose="05000000000000000000" pitchFamily="2" charset="2"/>
-              <a:buChar char="Ø"/>
-            </a:pPr>
-            <a:endParaRPr lang="zh-CN" altLang="en-US" dirty="0">
-              <a:latin typeface="Arial" panose="020B0704020202020204" pitchFamily="34" charset="0"/>
-              <a:ea typeface="宋体" pitchFamily="2" charset="-122"/>
-            </a:endParaRPr>
-          </a:p>
-          <a:p>
-            <a:pPr eaLnBrk="0" hangingPunct="0">
-              <a:buFont typeface="Wingdings" panose="05000000000000000000" pitchFamily="2" charset="2"/>
-              <a:buChar char="Ø"/>
-            </a:pPr>
-            <a:endParaRPr lang="zh-CN" altLang="en-US" dirty="0">
-              <a:latin typeface="Arial" panose="020B0704020202020204" pitchFamily="34" charset="0"/>
-              <a:ea typeface="宋体" pitchFamily="2" charset="-122"/>
-            </a:endParaRPr>
-          </a:p>
-          <a:p>
-            <a:pPr eaLnBrk="0" hangingPunct="0">
-              <a:buFont typeface="Wingdings" panose="05000000000000000000" pitchFamily="2" charset="2"/>
-            </a:pPr>
-            <a:endParaRPr lang="zh-CN" altLang="en-US" dirty="0">
-              <a:latin typeface="Arial" panose="020B0704020202020204" pitchFamily="34" charset="0"/>
-              <a:ea typeface="宋体" pitchFamily="2" charset="-122"/>
-            </a:endParaRPr>
-          </a:p>
-        </p:txBody>
-      </p:sp>
-      <p:pic>
-        <p:nvPicPr>
-          <p:cNvPr id="2" name="图片 1"/>
-          <p:cNvPicPr>
-            <a:picLocks noChangeAspect="1"/>
-          </p:cNvPicPr>
-          <p:nvPr/>
-        </p:nvPicPr>
-        <p:blipFill>
-          <a:blip r:embed="rId2"/>
-          <a:stretch>
-            <a:fillRect/>
-          </a:stretch>
-        </p:blipFill>
-        <p:spPr>
-          <a:xfrm>
-            <a:off x="539750" y="1557020"/>
-            <a:ext cx="7653655" cy="4143375"/>
-          </a:xfrm>
-          <a:prstGeom prst="rect">
-            <a:avLst/>
-          </a:prstGeom>
-        </p:spPr>
-      </p:pic>
-    </p:spTree>
-  </p:cSld>
-  <p:clrMapOvr>
-    <a:masterClrMapping/>
-  </p:clrMapOvr>
-</p:sld>
-</file>
-
-<file path=ppt/slides/slide23.xml><?xml version="1.0" encoding="utf-8"?>
 <p:sld xmlns:a="http://schemas.openxmlformats.org/drawingml/2006/main" xmlns:r="http://schemas.openxmlformats.org/officeDocument/2006/relationships" xmlns:p="http://schemas.openxmlformats.org/presentationml/2006/main">
   <p:cSld>
     <p:spTree>
@@ -17571,7 +18825,7 @@
         <p:spPr>
           <a:xfrm>
             <a:off x="4351338" y="2778125"/>
-            <a:ext cx="3386455" cy="680085"/>
+            <a:ext cx="2647315" cy="680085"/>
           </a:xfrm>
           <a:prstGeom prst="rect">
             <a:avLst/>
@@ -17600,9 +18854,25 @@
                 <a:ea typeface="微软雅黑" charset="-108"/>
                 <a:sym typeface="微软雅黑" charset="-108"/>
               </a:rPr>
-              <a:t> Kubernetes</a:t>
-            </a:r>
-            <a:endParaRPr lang="en-US" altLang="zh-CN" sz="4000" b="1" dirty="0">
+              <a:t> </a:t>
+            </a:r>
+            <a:r>
+              <a:rPr lang="zh-CN" altLang="en-US" sz="4000" b="1" dirty="0">
+                <a:latin typeface="微软雅黑" charset="-108"/>
+                <a:ea typeface="微软雅黑" charset="-108"/>
+                <a:sym typeface="微软雅黑" charset="-108"/>
+              </a:rPr>
+              <a:t>课后</a:t>
+            </a:r>
+            <a:r>
+              <a:rPr lang="zh-CN" altLang="en-US" sz="4000" b="1" dirty="0">
+                <a:latin typeface="微软雅黑" charset="-108"/>
+                <a:ea typeface="微软雅黑" charset="-108"/>
+                <a:sym typeface="微软雅黑" charset="-108"/>
+              </a:rPr>
+              <a:t>作业</a:t>
+            </a:r>
+            <a:endParaRPr lang="zh-CN" altLang="en-US" sz="4000" b="1" dirty="0">
               <a:latin typeface="微软雅黑" charset="-108"/>
               <a:ea typeface="微软雅黑" charset="-108"/>
               <a:sym typeface="微软雅黑" charset="-108"/>
@@ -17671,1412 +18941,7 @@
 </p:sld>
 </file>
 
-<file path=ppt/slides/slide24.xml><?xml version="1.0" encoding="utf-8"?>
-<p:sld xmlns:a="http://schemas.openxmlformats.org/drawingml/2006/main" xmlns:r="http://schemas.openxmlformats.org/officeDocument/2006/relationships" xmlns:p="http://schemas.openxmlformats.org/presentationml/2006/main">
-  <p:cSld>
-    <p:spTree>
-      <p:nvGrpSpPr>
-        <p:cNvPr id="1" name=""/>
-        <p:cNvGrpSpPr/>
-        <p:nvPr/>
-      </p:nvGrpSpPr>
-      <p:grpSpPr/>
-      <p:sp>
-        <p:nvSpPr>
-          <p:cNvPr id="22529" name="标题 1"/>
-          <p:cNvSpPr/>
-          <p:nvPr/>
-        </p:nvSpPr>
-        <p:spPr>
-          <a:xfrm>
-            <a:off x="7308850" y="6337300"/>
-            <a:ext cx="1552575" cy="301625"/>
-          </a:xfrm>
-          <a:prstGeom prst="rect">
-            <a:avLst/>
-          </a:prstGeom>
-          <a:noFill/>
-          <a:ln w="9525">
-            <a:noFill/>
-          </a:ln>
-        </p:spPr>
-        <p:txBody>
-          <a:bodyPr anchor="ctr" anchorCtr="0"/>
-          <a:p>
-            <a:pPr eaLnBrk="0" hangingPunct="0"/>
-            <a:endParaRPr lang="zh-CN" sz="1100" i="1">
-              <a:solidFill>
-                <a:srgbClr val="7F7F7F"/>
-              </a:solidFill>
-              <a:latin typeface="微软雅黑" charset="-108"/>
-              <a:ea typeface="微软雅黑" charset="-108"/>
-              <a:sym typeface="宋体" pitchFamily="2" charset="-122"/>
-            </a:endParaRPr>
-          </a:p>
-        </p:txBody>
-      </p:sp>
-      <p:sp>
-        <p:nvSpPr>
-          <p:cNvPr id="22530" name="TextBox 1"/>
-          <p:cNvSpPr/>
-          <p:nvPr/>
-        </p:nvSpPr>
-        <p:spPr>
-          <a:xfrm>
-            <a:off x="247650" y="323850"/>
-            <a:ext cx="3600450" cy="460375"/>
-          </a:xfrm>
-          <a:prstGeom prst="rect">
-            <a:avLst/>
-          </a:prstGeom>
-          <a:noFill/>
-          <a:ln w="9525">
-            <a:noFill/>
-          </a:ln>
-        </p:spPr>
-        <p:txBody>
-          <a:bodyPr wrap="square" anchor="t" anchorCtr="0">
-            <a:spAutoFit/>
-          </a:bodyPr>
-          <a:p>
-            <a:pPr eaLnBrk="0" hangingPunct="0"/>
-            <a:r>
-              <a:rPr lang="en-US" altLang="zh-CN" sz="2400" b="1" dirty="0">
-                <a:solidFill>
-                  <a:srgbClr val="0070C0"/>
-                </a:solidFill>
-                <a:latin typeface="微软雅黑" charset="-108"/>
-                <a:ea typeface="微软雅黑" charset="-108"/>
-                <a:sym typeface="微软雅黑" charset="-108"/>
-              </a:rPr>
-              <a:t>Kubernetes </a:t>
-            </a:r>
-            <a:endParaRPr lang="en-US" altLang="zh-CN" sz="2400" b="1" dirty="0">
-              <a:solidFill>
-                <a:srgbClr val="0070C0"/>
-              </a:solidFill>
-              <a:latin typeface="微软雅黑" charset="-108"/>
-              <a:ea typeface="微软雅黑" charset="-108"/>
-              <a:sym typeface="微软雅黑" charset="-108"/>
-            </a:endParaRPr>
-          </a:p>
-        </p:txBody>
-      </p:sp>
-      <p:pic>
-        <p:nvPicPr>
-          <p:cNvPr id="22532" name="图片 22532" descr="sangfor_logo"/>
-          <p:cNvPicPr>
-            <a:picLocks noChangeAspect="1"/>
-          </p:cNvPicPr>
-          <p:nvPr/>
-        </p:nvPicPr>
-        <p:blipFill>
-          <a:blip r:embed="rId1"/>
-          <a:stretch>
-            <a:fillRect/>
-          </a:stretch>
-        </p:blipFill>
-        <p:spPr>
-          <a:xfrm>
-            <a:off x="7343775" y="473075"/>
-            <a:ext cx="1320800" cy="606425"/>
-          </a:xfrm>
-          <a:prstGeom prst="rect">
-            <a:avLst/>
-          </a:prstGeom>
-          <a:noFill/>
-          <a:ln w="9525">
-            <a:noFill/>
-          </a:ln>
-        </p:spPr>
-      </p:pic>
-      <p:pic>
-        <p:nvPicPr>
-          <p:cNvPr id="2" name="图片 1" descr="image"/>
-          <p:cNvPicPr>
-            <a:picLocks noChangeAspect="1"/>
-          </p:cNvPicPr>
-          <p:nvPr/>
-        </p:nvPicPr>
-        <p:blipFill>
-          <a:blip r:embed="rId2"/>
-          <a:stretch>
-            <a:fillRect/>
-          </a:stretch>
-        </p:blipFill>
-        <p:spPr>
-          <a:xfrm>
-            <a:off x="755650" y="1485900"/>
-            <a:ext cx="7470140" cy="2936875"/>
-          </a:xfrm>
-          <a:prstGeom prst="rect">
-            <a:avLst/>
-          </a:prstGeom>
-        </p:spPr>
-      </p:pic>
-      <p:sp>
-        <p:nvSpPr>
-          <p:cNvPr id="3" name="文本框 2"/>
-          <p:cNvSpPr txBox="1"/>
-          <p:nvPr/>
-        </p:nvSpPr>
-        <p:spPr>
-          <a:xfrm>
-            <a:off x="1331595" y="4940935"/>
-            <a:ext cx="6275705" cy="645160"/>
-          </a:xfrm>
-          <a:prstGeom prst="rect">
-            <a:avLst/>
-          </a:prstGeom>
-          <a:noFill/>
-        </p:spPr>
-        <p:txBody>
-          <a:bodyPr wrap="square" rtlCol="0">
-            <a:spAutoFit/>
-          </a:bodyPr>
-          <a:p>
-            <a:r>
-              <a:rPr lang="en-US" altLang="zh-CN"/>
-              <a:t>Dev：</a:t>
-            </a:r>
-            <a:r>
-              <a:rPr lang="zh-CN" altLang="en-US"/>
-              <a:t>描述应用需要哪些资源</a:t>
-            </a:r>
-            <a:r>
-              <a:rPr lang="en-US" altLang="zh-CN"/>
-              <a:t>，</a:t>
-            </a:r>
-            <a:r>
-              <a:rPr lang="zh-CN" altLang="en-US"/>
-              <a:t>部署位置</a:t>
-            </a:r>
-            <a:r>
-              <a:rPr lang="en-US" altLang="zh-CN"/>
-              <a:t>，</a:t>
-            </a:r>
-            <a:r>
-              <a:rPr lang="zh-CN" altLang="en-US"/>
-              <a:t>以及依赖关系</a:t>
-            </a:r>
-            <a:r>
-              <a:rPr lang="en-US" altLang="zh-CN"/>
-              <a:t>  </a:t>
-            </a:r>
-            <a:endParaRPr lang="en-US" altLang="zh-CN"/>
-          </a:p>
-          <a:p>
-            <a:r>
-              <a:rPr lang="en-US" altLang="zh-CN"/>
-              <a:t>Ops：</a:t>
-            </a:r>
-            <a:r>
-              <a:rPr lang="zh-CN" altLang="en-US"/>
-              <a:t>维护集群给开发者提供一个</a:t>
-            </a:r>
-            <a:r>
-              <a:rPr lang="zh-CN" altLang="en-US"/>
-              <a:t>资源平台</a:t>
-            </a:r>
-            <a:endParaRPr lang="zh-CN" altLang="en-US"/>
-          </a:p>
-        </p:txBody>
-      </p:sp>
-      <p:sp>
-        <p:nvSpPr>
-          <p:cNvPr id="4" name="文本框 3"/>
-          <p:cNvSpPr txBox="1"/>
-          <p:nvPr/>
-        </p:nvSpPr>
-        <p:spPr>
-          <a:xfrm>
-            <a:off x="1547495" y="4608830"/>
-            <a:ext cx="6275705" cy="1476375"/>
-          </a:xfrm>
-          <a:prstGeom prst="rect">
-            <a:avLst/>
-          </a:prstGeom>
-          <a:noFill/>
-        </p:spPr>
-        <p:txBody>
-          <a:bodyPr wrap="square" rtlCol="0">
-            <a:spAutoFit/>
-          </a:bodyPr>
-          <a:p>
-            <a:pPr marL="285750" indent="-285750">
-              <a:buFont typeface="Arial" panose="020B0704020202020204" pitchFamily="34" charset="0"/>
-              <a:buChar char="•"/>
-            </a:pPr>
-            <a:r>
-              <a:rPr lang="zh-CN" altLang="en-US"/>
-              <a:t>持续集成</a:t>
-            </a:r>
-            <a:r>
-              <a:rPr lang="zh-CN" altLang="en-US"/>
-              <a:t>部署</a:t>
-            </a:r>
-            <a:endParaRPr lang="zh-CN" altLang="en-US"/>
-          </a:p>
-          <a:p>
-            <a:pPr marL="285750" indent="-285750">
-              <a:buFont typeface="Arial" panose="020B0704020202020204" pitchFamily="34" charset="0"/>
-              <a:buChar char="•"/>
-            </a:pPr>
-            <a:r>
-              <a:rPr lang="zh-CN" altLang="en-US"/>
-              <a:t>服务发现</a:t>
-            </a:r>
-            <a:endParaRPr lang="zh-CN" altLang="en-US"/>
-          </a:p>
-          <a:p>
-            <a:pPr marL="285750" indent="-285750">
-              <a:buFont typeface="Arial" panose="020B0704020202020204" pitchFamily="34" charset="0"/>
-              <a:buChar char="•"/>
-            </a:pPr>
-            <a:r>
-              <a:rPr lang="zh-CN" altLang="en-US"/>
-              <a:t>扩容</a:t>
-            </a:r>
-            <a:endParaRPr lang="zh-CN" altLang="en-US"/>
-          </a:p>
-          <a:p>
-            <a:pPr marL="285750" indent="-285750">
-              <a:buFont typeface="Arial" panose="020B0704020202020204" pitchFamily="34" charset="0"/>
-              <a:buChar char="•"/>
-            </a:pPr>
-            <a:r>
-              <a:rPr lang="zh-CN" altLang="en-US"/>
-              <a:t>负载均衡</a:t>
-            </a:r>
-            <a:endParaRPr lang="zh-CN" altLang="en-US"/>
-          </a:p>
-          <a:p>
-            <a:pPr marL="285750" indent="-285750">
-              <a:buFont typeface="Arial" panose="020B0704020202020204" pitchFamily="34" charset="0"/>
-              <a:buChar char="•"/>
-            </a:pPr>
-            <a:r>
-              <a:rPr lang="zh-CN" altLang="en-US"/>
-              <a:t>自恢复</a:t>
-            </a:r>
-            <a:endParaRPr lang="en-US" altLang="zh-CN"/>
-          </a:p>
-        </p:txBody>
-      </p:sp>
-    </p:spTree>
-  </p:cSld>
-  <p:clrMapOvr>
-    <a:masterClrMapping/>
-  </p:clrMapOvr>
-  <p:timing>
-    <p:tnLst>
-      <p:par>
-        <p:cTn id="1" dur="indefinite" restart="never" nodeType="tmRoot">
-          <p:childTnLst>
-            <p:seq concurrent="1" nextAc="seek">
-              <p:cTn id="2" dur="indefinite" nodeType="mainSeq">
-                <p:childTnLst>
-                  <p:par>
-                    <p:cTn id="3" fill="hold">
-                      <p:stCondLst>
-                        <p:cond delay="indefinite"/>
-                      </p:stCondLst>
-                      <p:childTnLst>
-                        <p:par>
-                          <p:cTn id="4" fill="hold">
-                            <p:stCondLst>
-                              <p:cond delay="0"/>
-                            </p:stCondLst>
-                            <p:childTnLst>
-                              <p:par>
-                                <p:cTn id="5" presetID="1" presetClass="entr" presetSubtype="0" fill="hold" grpId="0" nodeType="clickEffect">
-                                  <p:stCondLst>
-                                    <p:cond delay="0"/>
-                                  </p:stCondLst>
-                                  <p:childTnLst>
-                                    <p:set>
-                                      <p:cBhvr>
-                                        <p:cTn id="6" dur="1" fill="hold">
-                                          <p:stCondLst>
-                                            <p:cond delay="0"/>
-                                          </p:stCondLst>
-                                        </p:cTn>
-                                        <p:tgtEl>
-                                          <p:spTgt spid="3"/>
-                                        </p:tgtEl>
-                                        <p:attrNameLst>
-                                          <p:attrName>style.visibility</p:attrName>
-                                        </p:attrNameLst>
-                                      </p:cBhvr>
-                                      <p:to>
-                                        <p:strVal val="visible"/>
-                                      </p:to>
-                                    </p:set>
-                                  </p:childTnLst>
-                                </p:cTn>
-                              </p:par>
-                            </p:childTnLst>
-                          </p:cTn>
-                        </p:par>
-                      </p:childTnLst>
-                    </p:cTn>
-                  </p:par>
-                  <p:par>
-                    <p:cTn id="7" fill="hold">
-                      <p:stCondLst>
-                        <p:cond delay="indefinite"/>
-                      </p:stCondLst>
-                      <p:childTnLst>
-                        <p:par>
-                          <p:cTn id="8" fill="hold">
-                            <p:stCondLst>
-                              <p:cond delay="0"/>
-                            </p:stCondLst>
-                            <p:childTnLst>
-                              <p:par>
-                                <p:cTn id="9" presetID="22" presetClass="exit" presetSubtype="4" fill="hold" grpId="1" nodeType="clickEffect">
-                                  <p:stCondLst>
-                                    <p:cond delay="0"/>
-                                  </p:stCondLst>
-                                  <p:childTnLst>
-                                    <p:animEffect transition="out" filter="wipe(down)">
-                                      <p:cBhvr>
-                                        <p:cTn id="10" dur="500"/>
-                                        <p:tgtEl>
-                                          <p:spTgt spid="3"/>
-                                        </p:tgtEl>
-                                      </p:cBhvr>
-                                    </p:animEffect>
-                                    <p:set>
-                                      <p:cBhvr>
-                                        <p:cTn id="11" dur="1" fill="hold">
-                                          <p:stCondLst>
-                                            <p:cond delay="499"/>
-                                          </p:stCondLst>
-                                        </p:cTn>
-                                        <p:tgtEl>
-                                          <p:spTgt spid="3"/>
-                                        </p:tgtEl>
-                                        <p:attrNameLst>
-                                          <p:attrName>style.visibility</p:attrName>
-                                        </p:attrNameLst>
-                                      </p:cBhvr>
-                                      <p:to>
-                                        <p:strVal val="hidden"/>
-                                      </p:to>
-                                    </p:set>
-                                  </p:childTnLst>
-                                </p:cTn>
-                              </p:par>
-                            </p:childTnLst>
-                          </p:cTn>
-                        </p:par>
-                      </p:childTnLst>
-                    </p:cTn>
-                  </p:par>
-                  <p:par>
-                    <p:cTn id="12" fill="hold">
-                      <p:stCondLst>
-                        <p:cond delay="indefinite"/>
-                      </p:stCondLst>
-                      <p:childTnLst>
-                        <p:par>
-                          <p:cTn id="13" fill="hold">
-                            <p:stCondLst>
-                              <p:cond delay="0"/>
-                            </p:stCondLst>
-                            <p:childTnLst>
-                              <p:par>
-                                <p:cTn id="14" presetID="1" presetClass="entr" presetSubtype="0" fill="hold" grpId="0" nodeType="clickEffect">
-                                  <p:stCondLst>
-                                    <p:cond delay="0"/>
-                                  </p:stCondLst>
-                                  <p:childTnLst>
-                                    <p:set>
-                                      <p:cBhvr>
-                                        <p:cTn id="15" dur="1" fill="hold">
-                                          <p:stCondLst>
-                                            <p:cond delay="0"/>
-                                          </p:stCondLst>
-                                        </p:cTn>
-                                        <p:tgtEl>
-                                          <p:spTgt spid="4"/>
-                                        </p:tgtEl>
-                                        <p:attrNameLst>
-                                          <p:attrName>style.visibility</p:attrName>
-                                        </p:attrNameLst>
-                                      </p:cBhvr>
-                                      <p:to>
-                                        <p:strVal val="visible"/>
-                                      </p:to>
-                                    </p:set>
-                                  </p:childTnLst>
-                                </p:cTn>
-                              </p:par>
-                            </p:childTnLst>
-                          </p:cTn>
-                        </p:par>
-                      </p:childTnLst>
-                    </p:cTn>
-                  </p:par>
-                </p:childTnLst>
-              </p:cTn>
-              <p:prevCondLst>
-                <p:cond evt="onPrev" delay="0">
-                  <p:tgtEl>
-                    <p:sldTgt/>
-                  </p:tgtEl>
-                </p:cond>
-              </p:prevCondLst>
-              <p:nextCondLst>
-                <p:cond evt="onNext" delay="0">
-                  <p:tgtEl>
-                    <p:sldTgt/>
-                  </p:tgtEl>
-                </p:cond>
-              </p:nextCondLst>
-            </p:seq>
-          </p:childTnLst>
-        </p:cTn>
-      </p:par>
-    </p:tnLst>
-    <p:bldLst>
-      <p:bldP spid="3" grpId="0"/>
-      <p:bldP spid="4" grpId="0"/>
-      <p:bldP spid="3" grpId="1"/>
-    </p:bldLst>
-  </p:timing>
-</p:sld>
-</file>
-
-<file path=ppt/slides/slide25.xml><?xml version="1.0" encoding="utf-8"?>
-<p:sld xmlns:a="http://schemas.openxmlformats.org/drawingml/2006/main" xmlns:r="http://schemas.openxmlformats.org/officeDocument/2006/relationships" xmlns:p="http://schemas.openxmlformats.org/presentationml/2006/main">
-  <p:cSld>
-    <p:spTree>
-      <p:nvGrpSpPr>
-        <p:cNvPr id="1" name=""/>
-        <p:cNvGrpSpPr/>
-        <p:nvPr/>
-      </p:nvGrpSpPr>
-      <p:grpSpPr/>
-      <p:sp>
-        <p:nvSpPr>
-          <p:cNvPr id="22529" name="标题 1"/>
-          <p:cNvSpPr/>
-          <p:nvPr/>
-        </p:nvSpPr>
-        <p:spPr>
-          <a:xfrm>
-            <a:off x="7308850" y="6337300"/>
-            <a:ext cx="1552575" cy="301625"/>
-          </a:xfrm>
-          <a:prstGeom prst="rect">
-            <a:avLst/>
-          </a:prstGeom>
-          <a:noFill/>
-          <a:ln w="9525">
-            <a:noFill/>
-          </a:ln>
-        </p:spPr>
-        <p:txBody>
-          <a:bodyPr anchor="ctr" anchorCtr="0"/>
-          <a:p>
-            <a:pPr eaLnBrk="0" hangingPunct="0"/>
-            <a:endParaRPr lang="zh-CN" sz="1100" i="1">
-              <a:solidFill>
-                <a:srgbClr val="7F7F7F"/>
-              </a:solidFill>
-              <a:latin typeface="微软雅黑" charset="-108"/>
-              <a:ea typeface="微软雅黑" charset="-108"/>
-              <a:sym typeface="宋体" pitchFamily="2" charset="-122"/>
-            </a:endParaRPr>
-          </a:p>
-        </p:txBody>
-      </p:sp>
-      <p:sp>
-        <p:nvSpPr>
-          <p:cNvPr id="22530" name="TextBox 1"/>
-          <p:cNvSpPr/>
-          <p:nvPr/>
-        </p:nvSpPr>
-        <p:spPr>
-          <a:xfrm>
-            <a:off x="247650" y="323850"/>
-            <a:ext cx="3600450" cy="460375"/>
-          </a:xfrm>
-          <a:prstGeom prst="rect">
-            <a:avLst/>
-          </a:prstGeom>
-          <a:noFill/>
-          <a:ln w="9525">
-            <a:noFill/>
-          </a:ln>
-        </p:spPr>
-        <p:txBody>
-          <a:bodyPr wrap="square" anchor="t" anchorCtr="0">
-            <a:spAutoFit/>
-          </a:bodyPr>
-          <a:p>
-            <a:pPr eaLnBrk="0" hangingPunct="0"/>
-            <a:r>
-              <a:rPr lang="en-US" altLang="zh-CN" sz="2400" b="1" dirty="0">
-                <a:solidFill>
-                  <a:srgbClr val="0070C0"/>
-                </a:solidFill>
-                <a:latin typeface="微软雅黑" charset="-108"/>
-                <a:ea typeface="微软雅黑" charset="-108"/>
-                <a:sym typeface="微软雅黑" charset="-108"/>
-              </a:rPr>
-              <a:t>Kubernetes </a:t>
-            </a:r>
-            <a:endParaRPr lang="en-US" altLang="zh-CN" sz="2400" b="1" dirty="0">
-              <a:solidFill>
-                <a:srgbClr val="0070C0"/>
-              </a:solidFill>
-              <a:latin typeface="微软雅黑" charset="-108"/>
-              <a:ea typeface="微软雅黑" charset="-108"/>
-              <a:sym typeface="微软雅黑" charset="-108"/>
-            </a:endParaRPr>
-          </a:p>
-        </p:txBody>
-      </p:sp>
-      <p:pic>
-        <p:nvPicPr>
-          <p:cNvPr id="22532" name="图片 22532" descr="sangfor_logo"/>
-          <p:cNvPicPr>
-            <a:picLocks noChangeAspect="1"/>
-          </p:cNvPicPr>
-          <p:nvPr/>
-        </p:nvPicPr>
-        <p:blipFill>
-          <a:blip r:embed="rId1"/>
-          <a:stretch>
-            <a:fillRect/>
-          </a:stretch>
-        </p:blipFill>
-        <p:spPr>
-          <a:xfrm>
-            <a:off x="7343775" y="473075"/>
-            <a:ext cx="1320800" cy="606425"/>
-          </a:xfrm>
-          <a:prstGeom prst="rect">
-            <a:avLst/>
-          </a:prstGeom>
-          <a:noFill/>
-          <a:ln w="9525">
-            <a:noFill/>
-          </a:ln>
-        </p:spPr>
-      </p:pic>
-      <p:pic>
-        <p:nvPicPr>
-          <p:cNvPr id="3" name="图片 2" descr="image-1"/>
-          <p:cNvPicPr>
-            <a:picLocks noChangeAspect="1"/>
-          </p:cNvPicPr>
-          <p:nvPr/>
-        </p:nvPicPr>
-        <p:blipFill>
-          <a:blip r:embed="rId2"/>
-          <a:stretch>
-            <a:fillRect/>
-          </a:stretch>
-        </p:blipFill>
-        <p:spPr>
-          <a:xfrm>
-            <a:off x="899795" y="1052830"/>
-            <a:ext cx="7141845" cy="2884805"/>
-          </a:xfrm>
-          <a:prstGeom prst="rect">
-            <a:avLst/>
-          </a:prstGeom>
-        </p:spPr>
-      </p:pic>
-      <p:sp>
-        <p:nvSpPr>
-          <p:cNvPr id="4" name="文本框 3"/>
-          <p:cNvSpPr txBox="1"/>
-          <p:nvPr/>
-        </p:nvSpPr>
-        <p:spPr>
-          <a:xfrm>
-            <a:off x="1043305" y="4653280"/>
-            <a:ext cx="3048000" cy="1753235"/>
-          </a:xfrm>
-          <a:prstGeom prst="rect">
-            <a:avLst/>
-          </a:prstGeom>
-          <a:noFill/>
-        </p:spPr>
-        <p:txBody>
-          <a:bodyPr wrap="square" rtlCol="0">
-            <a:spAutoFit/>
-          </a:bodyPr>
-          <a:p>
-            <a:r>
-              <a:rPr lang="zh-CN" altLang="en-US"/>
-              <a:t>控制面板</a:t>
-            </a:r>
-            <a:r>
-              <a:rPr lang="en-US" altLang="zh-CN"/>
-              <a:t>：</a:t>
-            </a:r>
-            <a:endParaRPr lang="en-US" altLang="zh-CN"/>
-          </a:p>
-          <a:p>
-            <a:pPr marL="285750" indent="-285750">
-              <a:buFont typeface="Arial" panose="020B0704020202020204" pitchFamily="34" charset="0"/>
-              <a:buChar char="•"/>
-            </a:pPr>
-            <a:r>
-              <a:rPr lang="en-US" altLang="zh-CN"/>
-              <a:t>API</a:t>
-            </a:r>
-            <a:r>
-              <a:rPr lang="zh-CN" altLang="en-US"/>
-              <a:t>服务器</a:t>
-            </a:r>
-            <a:endParaRPr lang="zh-CN" altLang="en-US"/>
-          </a:p>
-          <a:p>
-            <a:pPr marL="285750" indent="-285750">
-              <a:buFont typeface="Arial" panose="020B0704020202020204" pitchFamily="34" charset="0"/>
-              <a:buChar char="•"/>
-            </a:pPr>
-            <a:r>
-              <a:rPr lang="en-US" altLang="zh-CN"/>
-              <a:t>Controller </a:t>
-            </a:r>
-            <a:r>
-              <a:rPr lang="en-US" altLang="zh-CN"/>
-              <a:t>Manager</a:t>
-            </a:r>
-            <a:endParaRPr lang="en-US" altLang="zh-CN"/>
-          </a:p>
-          <a:p>
-            <a:pPr marL="285750" indent="-285750">
-              <a:buFont typeface="Arial" panose="020B0704020202020204" pitchFamily="34" charset="0"/>
-              <a:buChar char="•"/>
-            </a:pPr>
-            <a:r>
-              <a:rPr lang="en-US" altLang="zh-CN"/>
-              <a:t>Scheduler</a:t>
-            </a:r>
-            <a:endParaRPr lang="en-US" altLang="zh-CN"/>
-          </a:p>
-          <a:p>
-            <a:pPr marL="285750" indent="-285750">
-              <a:buFont typeface="Arial" panose="020B0704020202020204" pitchFamily="34" charset="0"/>
-              <a:buChar char="•"/>
-            </a:pPr>
-            <a:r>
-              <a:rPr lang="en-US" altLang="zh-CN"/>
-              <a:t>Etcd</a:t>
-            </a:r>
-            <a:endParaRPr lang="en-US" altLang="zh-CN"/>
-          </a:p>
-          <a:p>
-            <a:pPr>
-              <a:buFont typeface="Arial" panose="020B0704020202020204" pitchFamily="34" charset="0"/>
-            </a:pPr>
-            <a:endParaRPr lang="zh-CN" altLang="en-US"/>
-          </a:p>
-        </p:txBody>
-      </p:sp>
-      <p:sp>
-        <p:nvSpPr>
-          <p:cNvPr id="5" name="文本框 4"/>
-          <p:cNvSpPr txBox="1"/>
-          <p:nvPr/>
-        </p:nvSpPr>
-        <p:spPr>
-          <a:xfrm>
-            <a:off x="4860290" y="4725035"/>
-            <a:ext cx="3048000" cy="1476375"/>
-          </a:xfrm>
-          <a:prstGeom prst="rect">
-            <a:avLst/>
-          </a:prstGeom>
-          <a:noFill/>
-        </p:spPr>
-        <p:txBody>
-          <a:bodyPr wrap="square" rtlCol="0">
-            <a:spAutoFit/>
-          </a:bodyPr>
-          <a:p>
-            <a:pPr>
-              <a:buFont typeface="Arial" panose="020B0704020202020204" pitchFamily="34" charset="0"/>
-            </a:pPr>
-            <a:r>
-              <a:rPr lang="zh-CN" altLang="en-US">
-                <a:sym typeface="+mn-ea"/>
-              </a:rPr>
-              <a:t>工作节点</a:t>
-            </a:r>
-            <a:r>
-              <a:rPr lang="en-US" altLang="zh-CN">
-                <a:sym typeface="+mn-ea"/>
-              </a:rPr>
-              <a:t>：</a:t>
-            </a:r>
-            <a:endParaRPr lang="en-US" altLang="zh-CN"/>
-          </a:p>
-          <a:p>
-            <a:pPr marL="285750" indent="-285750">
-              <a:buFont typeface="Arial" panose="020B0704020202020204" pitchFamily="34" charset="0"/>
-              <a:buChar char="•"/>
-            </a:pPr>
-            <a:r>
-              <a:rPr lang="en-US" altLang="zh-CN">
-                <a:sym typeface="+mn-ea"/>
-              </a:rPr>
-              <a:t>Kubelet</a:t>
-            </a:r>
-            <a:endParaRPr lang="en-US" altLang="zh-CN"/>
-          </a:p>
-          <a:p>
-            <a:pPr marL="285750" indent="-285750">
-              <a:buFont typeface="Arial" panose="020B0704020202020204" pitchFamily="34" charset="0"/>
-              <a:buChar char="•"/>
-            </a:pPr>
-            <a:r>
-              <a:rPr lang="en-US" altLang="zh-CN">
-                <a:sym typeface="+mn-ea"/>
-              </a:rPr>
-              <a:t>Kube-proxy</a:t>
-            </a:r>
-            <a:endParaRPr lang="en-US" altLang="zh-CN"/>
-          </a:p>
-          <a:p>
-            <a:pPr marL="285750" indent="-285750">
-              <a:buFont typeface="Arial" panose="020B0704020202020204" pitchFamily="34" charset="0"/>
-              <a:buChar char="•"/>
-            </a:pPr>
-            <a:r>
-              <a:rPr lang="zh-CN" altLang="en-US">
-                <a:sym typeface="+mn-ea"/>
-              </a:rPr>
-              <a:t>容器运行时</a:t>
-            </a:r>
-            <a:endParaRPr lang="zh-CN" altLang="en-US"/>
-          </a:p>
-          <a:p>
-            <a:endParaRPr lang="zh-CN" altLang="en-US"/>
-          </a:p>
-        </p:txBody>
-      </p:sp>
-    </p:spTree>
-  </p:cSld>
-  <p:clrMapOvr>
-    <a:masterClrMapping/>
-  </p:clrMapOvr>
-</p:sld>
-</file>
-
-<file path=ppt/slides/slide26.xml><?xml version="1.0" encoding="utf-8"?>
-<p:sld xmlns:a="http://schemas.openxmlformats.org/drawingml/2006/main" xmlns:r="http://schemas.openxmlformats.org/officeDocument/2006/relationships" xmlns:p="http://schemas.openxmlformats.org/presentationml/2006/main">
-  <p:cSld>
-    <p:spTree>
-      <p:nvGrpSpPr>
-        <p:cNvPr id="1" name=""/>
-        <p:cNvGrpSpPr/>
-        <p:nvPr/>
-      </p:nvGrpSpPr>
-      <p:grpSpPr/>
-      <p:sp>
-        <p:nvSpPr>
-          <p:cNvPr id="36865" name="标题 1"/>
-          <p:cNvSpPr/>
-          <p:nvPr/>
-        </p:nvSpPr>
-        <p:spPr>
-          <a:xfrm>
-            <a:off x="7308850" y="6337300"/>
-            <a:ext cx="1552575" cy="301625"/>
-          </a:xfrm>
-          <a:prstGeom prst="rect">
-            <a:avLst/>
-          </a:prstGeom>
-          <a:noFill/>
-          <a:ln w="9525">
-            <a:noFill/>
-          </a:ln>
-        </p:spPr>
-        <p:txBody>
-          <a:bodyPr anchor="ctr" anchorCtr="0"/>
-          <a:p>
-            <a:pPr eaLnBrk="0" hangingPunct="0"/>
-            <a:endParaRPr lang="zh-CN" sz="1100" i="1">
-              <a:solidFill>
-                <a:srgbClr val="7F7F7F"/>
-              </a:solidFill>
-              <a:latin typeface="微软雅黑" charset="-108"/>
-              <a:ea typeface="微软雅黑" charset="-108"/>
-              <a:sym typeface="宋体" pitchFamily="2" charset="-122"/>
-            </a:endParaRPr>
-          </a:p>
-        </p:txBody>
-      </p:sp>
-      <p:sp>
-        <p:nvSpPr>
-          <p:cNvPr id="36866" name="文本框 6"/>
-          <p:cNvSpPr/>
-          <p:nvPr/>
-        </p:nvSpPr>
-        <p:spPr>
-          <a:xfrm>
-            <a:off x="7258050" y="6488113"/>
-            <a:ext cx="1825625" cy="277812"/>
-          </a:xfrm>
-          <a:prstGeom prst="rect">
-            <a:avLst/>
-          </a:prstGeom>
-          <a:noFill/>
-          <a:ln w="9525">
-            <a:noFill/>
-          </a:ln>
-        </p:spPr>
-        <p:txBody>
-          <a:bodyPr wrap="none" anchor="t" anchorCtr="0">
-            <a:spAutoFit/>
-          </a:bodyPr>
-          <a:p>
-            <a:pPr eaLnBrk="0" hangingPunct="0"/>
-            <a:r>
-              <a:rPr lang="zh-CN" altLang="en-US" sz="1100">
-                <a:solidFill>
-                  <a:srgbClr val="000000"/>
-                </a:solidFill>
-                <a:latin typeface="微软雅黑 Light" pitchFamily="2" charset="-122"/>
-                <a:ea typeface="微软雅黑 Light" pitchFamily="2" charset="-122"/>
-                <a:sym typeface="微软雅黑 Light" pitchFamily="2" charset="-122"/>
-              </a:rPr>
-              <a:t>深信服科技培训发展中心系列课程</a:t>
-            </a:r>
-            <a:endParaRPr lang="zh-CN" altLang="en-US" sz="1100">
-              <a:solidFill>
-                <a:srgbClr val="000000"/>
-              </a:solidFill>
-              <a:latin typeface="微软雅黑 Light" pitchFamily="2" charset="-122"/>
-              <a:ea typeface="微软雅黑 Light" pitchFamily="2" charset="-122"/>
-              <a:sym typeface="微软雅黑 Light" pitchFamily="2" charset="-122"/>
-            </a:endParaRPr>
-          </a:p>
-        </p:txBody>
-      </p:sp>
-      <p:pic>
-        <p:nvPicPr>
-          <p:cNvPr id="36867" name="图片 7"/>
-          <p:cNvPicPr>
-            <a:picLocks noChangeAspect="1"/>
-          </p:cNvPicPr>
-          <p:nvPr/>
-        </p:nvPicPr>
-        <p:blipFill>
-          <a:blip r:embed="rId1"/>
-          <a:stretch>
-            <a:fillRect/>
-          </a:stretch>
-        </p:blipFill>
-        <p:spPr>
-          <a:xfrm>
-            <a:off x="0" y="0"/>
-            <a:ext cx="9144000" cy="6858000"/>
-          </a:xfrm>
-          <a:prstGeom prst="rect">
-            <a:avLst/>
-          </a:prstGeom>
-          <a:noFill/>
-          <a:ln w="9525">
-            <a:noFill/>
-          </a:ln>
-        </p:spPr>
-      </p:pic>
-      <p:sp>
-        <p:nvSpPr>
-          <p:cNvPr id="36868" name="文本框 9"/>
-          <p:cNvSpPr/>
-          <p:nvPr/>
-        </p:nvSpPr>
-        <p:spPr>
-          <a:xfrm>
-            <a:off x="6896100" y="6305550"/>
-            <a:ext cx="1506538" cy="265113"/>
-          </a:xfrm>
-          <a:prstGeom prst="rect">
-            <a:avLst/>
-          </a:prstGeom>
-          <a:noFill/>
-          <a:ln w="9525">
-            <a:noFill/>
-          </a:ln>
-        </p:spPr>
-        <p:txBody>
-          <a:bodyPr wrap="none" anchor="t" anchorCtr="0">
-            <a:spAutoFit/>
-          </a:bodyPr>
-          <a:p>
-            <a:pPr eaLnBrk="0" hangingPunct="0"/>
-            <a:r>
-              <a:rPr lang="zh-CN" altLang="en-US" sz="1000">
-                <a:solidFill>
-                  <a:srgbClr val="000000"/>
-                </a:solidFill>
-                <a:latin typeface="微软雅黑 Light" pitchFamily="2" charset="-122"/>
-                <a:ea typeface="微软雅黑 Light" pitchFamily="2" charset="-122"/>
-                <a:sym typeface="微软雅黑 Light" pitchFamily="2" charset="-122"/>
-              </a:rPr>
-              <a:t>信锐测试部专业能力精品课程</a:t>
-            </a:r>
-            <a:endParaRPr lang="zh-CN" altLang="en-US" sz="1000">
-              <a:solidFill>
-                <a:srgbClr val="000000"/>
-              </a:solidFill>
-              <a:latin typeface="微软雅黑 Light" pitchFamily="2" charset="-122"/>
-              <a:ea typeface="微软雅黑 Light" pitchFamily="2" charset="-122"/>
-              <a:sym typeface="微软雅黑 Light" pitchFamily="2" charset="-122"/>
-            </a:endParaRPr>
-          </a:p>
-        </p:txBody>
-      </p:sp>
-      <p:pic>
-        <p:nvPicPr>
-          <p:cNvPr id="36869" name="图片 1"/>
-          <p:cNvPicPr>
-            <a:picLocks noChangeAspect="1"/>
-          </p:cNvPicPr>
-          <p:nvPr/>
-        </p:nvPicPr>
-        <p:blipFill>
-          <a:blip r:embed="rId2"/>
-          <a:stretch>
-            <a:fillRect/>
-          </a:stretch>
-        </p:blipFill>
-        <p:spPr>
-          <a:xfrm>
-            <a:off x="7208838" y="495300"/>
-            <a:ext cx="1390650" cy="806450"/>
-          </a:xfrm>
-          <a:prstGeom prst="rect">
-            <a:avLst/>
-          </a:prstGeom>
-          <a:noFill/>
-          <a:ln w="9525">
-            <a:noFill/>
-          </a:ln>
-        </p:spPr>
-      </p:pic>
-      <p:pic>
-        <p:nvPicPr>
-          <p:cNvPr id="36870" name="图片 2"/>
-          <p:cNvPicPr>
-            <a:picLocks noChangeAspect="1"/>
-          </p:cNvPicPr>
-          <p:nvPr/>
-        </p:nvPicPr>
-        <p:blipFill>
-          <a:blip r:embed="rId3"/>
-          <a:stretch>
-            <a:fillRect/>
-          </a:stretch>
-        </p:blipFill>
-        <p:spPr>
-          <a:xfrm>
-            <a:off x="0" y="0"/>
-            <a:ext cx="9144000" cy="6858000"/>
-          </a:xfrm>
-          <a:prstGeom prst="rect">
-            <a:avLst/>
-          </a:prstGeom>
-          <a:noFill/>
-          <a:ln w="9525">
-            <a:noFill/>
-          </a:ln>
-        </p:spPr>
-      </p:pic>
-      <p:sp>
-        <p:nvSpPr>
-          <p:cNvPr id="36871" name="TextBox 23"/>
-          <p:cNvSpPr/>
-          <p:nvPr/>
-        </p:nvSpPr>
-        <p:spPr>
-          <a:xfrm>
-            <a:off x="4351338" y="2778125"/>
-            <a:ext cx="2628900" cy="680085"/>
-          </a:xfrm>
-          <a:prstGeom prst="rect">
-            <a:avLst/>
-          </a:prstGeom>
-          <a:noFill/>
-          <a:ln w="9525">
-            <a:noFill/>
-          </a:ln>
-        </p:spPr>
-        <p:txBody>
-          <a:bodyPr wrap="none" lIns="64802" tIns="32401" rIns="64802" bIns="32401" anchor="t" anchorCtr="0">
-            <a:spAutoFit/>
-          </a:bodyPr>
-          <a:p>
-            <a:r>
-              <a:rPr lang="zh-CN" altLang="en-US" sz="4000" b="1" dirty="0">
-                <a:latin typeface="微软雅黑" charset="-108"/>
-                <a:ea typeface="微软雅黑" charset="-108"/>
-                <a:sym typeface="微软雅黑" charset="-108"/>
-              </a:rPr>
-              <a:t>4</a:t>
-            </a:r>
-            <a:r>
-              <a:rPr lang="en-US" altLang="zh-CN" sz="4000" b="1" dirty="0">
-                <a:latin typeface="微软雅黑" charset="-108"/>
-                <a:ea typeface="微软雅黑" charset="-108"/>
-                <a:sym typeface="微软雅黑" charset="-108"/>
-              </a:rPr>
-              <a:t> K8S</a:t>
-            </a:r>
-            <a:r>
-              <a:rPr lang="zh-CN" altLang="en-US" sz="4000" b="1" dirty="0">
-                <a:latin typeface="微软雅黑" charset="-108"/>
-                <a:ea typeface="微软雅黑" charset="-108"/>
-                <a:sym typeface="微软雅黑" charset="-108"/>
-              </a:rPr>
-              <a:t>安装</a:t>
-            </a:r>
-            <a:endParaRPr lang="zh-CN" altLang="en-US" sz="4000" b="1" dirty="0">
-              <a:latin typeface="微软雅黑" charset="-108"/>
-              <a:ea typeface="微软雅黑" charset="-108"/>
-              <a:sym typeface="微软雅黑" charset="-108"/>
-            </a:endParaRPr>
-          </a:p>
-        </p:txBody>
-      </p:sp>
-      <p:sp>
-        <p:nvSpPr>
-          <p:cNvPr id="36872" name="直线连接符 6"/>
-          <p:cNvSpPr/>
-          <p:nvPr/>
-        </p:nvSpPr>
-        <p:spPr>
-          <a:xfrm flipV="1">
-            <a:off x="4513263" y="3594100"/>
-            <a:ext cx="3876675" cy="1588"/>
-          </a:xfrm>
-          <a:prstGeom prst="line">
-            <a:avLst/>
-          </a:prstGeom>
-          <a:ln w="19050" cap="flat" cmpd="sng">
-            <a:solidFill>
-              <a:srgbClr val="7F7F7F"/>
-            </a:solidFill>
-            <a:prstDash val="solid"/>
-            <a:round/>
-            <a:headEnd type="none" w="med" len="med"/>
-            <a:tailEnd type="none" w="med" len="med"/>
-          </a:ln>
-        </p:spPr>
-      </p:sp>
-      <p:pic>
-        <p:nvPicPr>
-          <p:cNvPr id="36873" name="图片 36873" descr="sangfor_logo"/>
-          <p:cNvPicPr>
-            <a:picLocks noChangeAspect="1"/>
-          </p:cNvPicPr>
-          <p:nvPr/>
-        </p:nvPicPr>
-        <p:blipFill>
-          <a:blip r:embed="rId4"/>
-          <a:stretch>
-            <a:fillRect/>
-          </a:stretch>
-        </p:blipFill>
-        <p:spPr>
-          <a:xfrm>
-            <a:off x="7343775" y="473075"/>
-            <a:ext cx="1320800" cy="606425"/>
-          </a:xfrm>
-          <a:prstGeom prst="rect">
-            <a:avLst/>
-          </a:prstGeom>
-          <a:noFill/>
-          <a:ln w="9525">
-            <a:noFill/>
-          </a:ln>
-        </p:spPr>
-      </p:pic>
-    </p:spTree>
-  </p:cSld>
-  <p:clrMapOvr>
-    <a:masterClrMapping/>
-  </p:clrMapOvr>
-</p:sld>
-</file>
-
-<file path=ppt/slides/slide27.xml><?xml version="1.0" encoding="utf-8"?>
-<p:sld xmlns:a="http://schemas.openxmlformats.org/drawingml/2006/main" xmlns:r="http://schemas.openxmlformats.org/officeDocument/2006/relationships" xmlns:p="http://schemas.openxmlformats.org/presentationml/2006/main">
-  <p:cSld>
-    <p:spTree>
-      <p:nvGrpSpPr>
-        <p:cNvPr id="1" name=""/>
-        <p:cNvGrpSpPr/>
-        <p:nvPr/>
-      </p:nvGrpSpPr>
-      <p:grpSpPr/>
-      <p:sp>
-        <p:nvSpPr>
-          <p:cNvPr id="37889" name="TextBox 1"/>
-          <p:cNvSpPr/>
-          <p:nvPr/>
-        </p:nvSpPr>
-        <p:spPr>
-          <a:xfrm>
-            <a:off x="358775" y="546100"/>
-            <a:ext cx="3600450" cy="460375"/>
-          </a:xfrm>
-          <a:prstGeom prst="rect">
-            <a:avLst/>
-          </a:prstGeom>
-          <a:noFill/>
-          <a:ln w="9525">
-            <a:noFill/>
-          </a:ln>
-        </p:spPr>
-        <p:txBody>
-          <a:bodyPr wrap="square" anchor="t" anchorCtr="0">
-            <a:spAutoFit/>
-          </a:bodyPr>
-          <a:p>
-            <a:pPr eaLnBrk="0" hangingPunct="0"/>
-            <a:r>
-              <a:rPr lang="en-US" altLang="zh-CN" sz="2400" b="1" dirty="0">
-                <a:solidFill>
-                  <a:srgbClr val="0070C0"/>
-                </a:solidFill>
-                <a:latin typeface="微软雅黑" charset="-108"/>
-                <a:ea typeface="微软雅黑" charset="-108"/>
-                <a:sym typeface="微软雅黑" charset="-108"/>
-              </a:rPr>
-              <a:t>K8S</a:t>
-            </a:r>
-            <a:r>
-              <a:rPr lang="zh-CN" altLang="en-US" sz="2400" b="1" dirty="0">
-                <a:solidFill>
-                  <a:srgbClr val="0070C0"/>
-                </a:solidFill>
-                <a:latin typeface="微软雅黑" charset="-108"/>
-                <a:ea typeface="微软雅黑" charset="-108"/>
-                <a:sym typeface="微软雅黑" charset="-108"/>
-              </a:rPr>
-              <a:t>安装</a:t>
-            </a:r>
-            <a:r>
-              <a:rPr lang="en-US" altLang="zh-CN" sz="2400" b="1" dirty="0">
-                <a:solidFill>
-                  <a:srgbClr val="0070C0"/>
-                </a:solidFill>
-                <a:latin typeface="微软雅黑" charset="-108"/>
-                <a:ea typeface="微软雅黑" charset="-108"/>
-                <a:sym typeface="微软雅黑" charset="-108"/>
-              </a:rPr>
-              <a:t> - </a:t>
-            </a:r>
-            <a:r>
-              <a:rPr lang="en-US" altLang="zh-CN" sz="2400" b="1" dirty="0">
-                <a:solidFill>
-                  <a:srgbClr val="0070C0"/>
-                </a:solidFill>
-                <a:latin typeface="微软雅黑" charset="-108"/>
-                <a:ea typeface="微软雅黑" charset="-108"/>
-                <a:sym typeface="微软雅黑" charset="-108"/>
-              </a:rPr>
-              <a:t>POP</a:t>
-            </a:r>
-            <a:endParaRPr lang="en-US" altLang="zh-CN" sz="2400" b="1" dirty="0">
-              <a:solidFill>
-                <a:srgbClr val="0070C0"/>
-              </a:solidFill>
-              <a:latin typeface="微软雅黑" charset="-108"/>
-              <a:ea typeface="微软雅黑" charset="-108"/>
-              <a:sym typeface="微软雅黑" charset="-108"/>
-            </a:endParaRPr>
-          </a:p>
-        </p:txBody>
-      </p:sp>
-      <p:sp>
-        <p:nvSpPr>
-          <p:cNvPr id="6" name="文本框 5"/>
-          <p:cNvSpPr txBox="1"/>
-          <p:nvPr/>
-        </p:nvSpPr>
-        <p:spPr>
-          <a:xfrm>
-            <a:off x="827405" y="5236845"/>
-            <a:ext cx="2747645" cy="922020"/>
-          </a:xfrm>
-          <a:prstGeom prst="rect">
-            <a:avLst/>
-          </a:prstGeom>
-          <a:noFill/>
-        </p:spPr>
-        <p:txBody>
-          <a:bodyPr wrap="square" rtlCol="0">
-            <a:spAutoFit/>
-          </a:bodyPr>
-          <a:p>
-            <a:r>
-              <a:rPr lang="en-US" altLang="zh-CN"/>
-              <a:t>poc：</a:t>
-            </a:r>
-            <a:endParaRPr lang="en-US" altLang="zh-CN"/>
-          </a:p>
-          <a:p>
-            <a:r>
-              <a:rPr lang="en-US" altLang="zh-CN"/>
-              <a:t>XAAS OS </a:t>
-            </a:r>
-            <a:r>
-              <a:rPr lang="en-US" altLang="zh-CN"/>
-              <a:t>master1</a:t>
-            </a:r>
-            <a:endParaRPr lang="en-US" altLang="zh-CN"/>
-          </a:p>
-          <a:p>
-            <a:endParaRPr lang="en-US" altLang="zh-CN"/>
-          </a:p>
-        </p:txBody>
-      </p:sp>
-      <p:pic>
-        <p:nvPicPr>
-          <p:cNvPr id="7" name="图片 6"/>
-          <p:cNvPicPr>
-            <a:picLocks noChangeAspect="1"/>
-          </p:cNvPicPr>
-          <p:nvPr/>
-        </p:nvPicPr>
-        <p:blipFill>
-          <a:blip r:embed="rId1"/>
-          <a:stretch>
-            <a:fillRect/>
-          </a:stretch>
-        </p:blipFill>
-        <p:spPr>
-          <a:xfrm>
-            <a:off x="453390" y="1283335"/>
-            <a:ext cx="8561070" cy="3676650"/>
-          </a:xfrm>
-          <a:prstGeom prst="rect">
-            <a:avLst/>
-          </a:prstGeom>
-        </p:spPr>
-      </p:pic>
-      <p:sp>
-        <p:nvSpPr>
-          <p:cNvPr id="8" name="文本框 7"/>
-          <p:cNvSpPr txBox="1"/>
-          <p:nvPr/>
-        </p:nvSpPr>
-        <p:spPr>
-          <a:xfrm>
-            <a:off x="5363845" y="5181600"/>
-            <a:ext cx="3048000" cy="2584450"/>
-          </a:xfrm>
-          <a:prstGeom prst="rect">
-            <a:avLst/>
-          </a:prstGeom>
-          <a:noFill/>
-        </p:spPr>
-        <p:txBody>
-          <a:bodyPr wrap="square" rtlCol="0">
-            <a:spAutoFit/>
-          </a:bodyPr>
-          <a:p>
-            <a:r>
-              <a:rPr lang="zh-CN" altLang="en-US">
-                <a:sym typeface="+mn-ea"/>
-              </a:rPr>
-              <a:t>高可用</a:t>
-            </a:r>
-            <a:r>
-              <a:rPr lang="en-US" altLang="zh-CN">
-                <a:sym typeface="+mn-ea"/>
-              </a:rPr>
-              <a:t>：</a:t>
-            </a:r>
-            <a:endParaRPr lang="en-US" altLang="zh-CN"/>
-          </a:p>
-          <a:p>
-            <a:r>
-              <a:rPr lang="en-US" altLang="zh-CN">
-                <a:sym typeface="+mn-ea"/>
-              </a:rPr>
-              <a:t>XAAS OS master1</a:t>
-            </a:r>
-            <a:endParaRPr lang="en-US" altLang="zh-CN">
-              <a:sym typeface="+mn-ea"/>
-            </a:endParaRPr>
-          </a:p>
-          <a:p>
-            <a:r>
-              <a:rPr lang="en-US" altLang="zh-CN">
-                <a:sym typeface="+mn-ea"/>
-              </a:rPr>
-              <a:t>XAAS OS master2</a:t>
-            </a:r>
-            <a:endParaRPr lang="en-US" altLang="zh-CN">
-              <a:sym typeface="+mn-ea"/>
-            </a:endParaRPr>
-          </a:p>
-          <a:p>
-            <a:r>
-              <a:rPr lang="en-US" altLang="zh-CN">
-                <a:sym typeface="+mn-ea"/>
-              </a:rPr>
-              <a:t>XAAS OS master3</a:t>
-            </a:r>
-            <a:endParaRPr lang="en-US" altLang="zh-CN">
-              <a:sym typeface="+mn-ea"/>
-            </a:endParaRPr>
-          </a:p>
-          <a:p>
-            <a:r>
-              <a:rPr lang="en-US" altLang="zh-CN">
-                <a:sym typeface="+mn-ea"/>
-              </a:rPr>
-              <a:t>XAAS OS worker...</a:t>
-            </a:r>
-            <a:endParaRPr lang="en-US" altLang="zh-CN">
-              <a:sym typeface="+mn-ea"/>
-            </a:endParaRPr>
-          </a:p>
-          <a:p>
-            <a:endParaRPr lang="en-US" altLang="zh-CN">
-              <a:sym typeface="+mn-ea"/>
-            </a:endParaRPr>
-          </a:p>
-          <a:p>
-            <a:endParaRPr lang="en-US" altLang="zh-CN">
-              <a:sym typeface="+mn-ea"/>
-            </a:endParaRPr>
-          </a:p>
-          <a:p>
-            <a:endParaRPr lang="en-US" altLang="zh-CN">
-              <a:sym typeface="+mn-ea"/>
-            </a:endParaRPr>
-          </a:p>
-          <a:p>
-            <a:endParaRPr lang="zh-CN" altLang="en-US"/>
-          </a:p>
-        </p:txBody>
-      </p:sp>
-    </p:spTree>
-  </p:cSld>
-  <p:clrMapOvr>
-    <a:masterClrMapping/>
-  </p:clrMapOvr>
-</p:sld>
-</file>
-
-<file path=ppt/slides/slide28.xml><?xml version="1.0" encoding="utf-8"?>
+<file path=ppt/slides/slide23.xml><?xml version="1.0" encoding="utf-8"?>
 <p:sld xmlns:a="http://schemas.openxmlformats.org/drawingml/2006/main" xmlns:r="http://schemas.openxmlformats.org/officeDocument/2006/relationships" xmlns:p="http://schemas.openxmlformats.org/presentationml/2006/main">
   <p:cSld>
     <p:spTree>
@@ -19170,7 +19035,7 @@
         <p:spPr>
           <a:xfrm>
             <a:off x="2051368" y="1412558"/>
-            <a:ext cx="4666615" cy="4199890"/>
+            <a:ext cx="4666615" cy="3646170"/>
           </a:xfrm>
           <a:prstGeom prst="rect">
             <a:avLst/>
@@ -19279,18 +19144,7 @@
                 <a:ea typeface="微软雅黑" charset="-108"/>
                 <a:sym typeface="微软雅黑" charset="-108"/>
               </a:rPr>
-              <a:t>部署</a:t>
-            </a:r>
-            <a:r>
-              <a:rPr lang="en-US" altLang="zh-CN" sz="1800" b="1">
-                <a:solidFill>
-                  <a:srgbClr val="000000"/>
-                </a:solidFill>
-                <a:latin typeface="微软雅黑" charset="-108"/>
-                <a:ea typeface="微软雅黑" charset="-108"/>
-                <a:sym typeface="微软雅黑" charset="-108"/>
-              </a:rPr>
-              <a:t>docker</a:t>
+              <a:t>练习第二课课后</a:t>
             </a:r>
             <a:r>
               <a:rPr lang="zh-CN" altLang="en-US" sz="1800" b="1">
@@ -19301,54 +19155,7 @@
                 <a:ea typeface="微软雅黑" charset="-108"/>
                 <a:sym typeface="微软雅黑" charset="-108"/>
               </a:rPr>
-              <a:t>应用</a:t>
-            </a:r>
-            <a:endParaRPr lang="zh-CN" altLang="en-US" sz="1800" b="1">
-              <a:solidFill>
-                <a:srgbClr val="000000"/>
-              </a:solidFill>
-              <a:latin typeface="微软雅黑" charset="-108"/>
-              <a:ea typeface="微软雅黑" charset="-108"/>
-              <a:sym typeface="微软雅黑" charset="-108"/>
-            </a:endParaRPr>
-          </a:p>
-          <a:p>
-            <a:pPr marL="285750" indent="-285750" eaLnBrk="0" hangingPunct="0">
-              <a:buFont typeface="Arial" panose="020B0704020202020204" pitchFamily="34" charset="0"/>
-              <a:buChar char="•"/>
-            </a:pPr>
-            <a:r>
-              <a:rPr lang="zh-CN" altLang="en-US" sz="1800" b="1">
-                <a:solidFill>
-                  <a:srgbClr val="000000"/>
-                </a:solidFill>
-                <a:latin typeface="微软雅黑" charset="-108"/>
-                <a:ea typeface="微软雅黑" charset="-108"/>
-                <a:sym typeface="微软雅黑" charset="-108"/>
-              </a:rPr>
-              <a:t>部署一个</a:t>
-            </a:r>
-            <a:r>
-              <a:rPr lang="en-US" altLang="zh-CN" sz="1800" b="1">
-                <a:solidFill>
-                  <a:srgbClr val="000000"/>
-                </a:solidFill>
-                <a:latin typeface="微软雅黑" charset="-108"/>
-                <a:ea typeface="微软雅黑" charset="-108"/>
-                <a:sym typeface="微软雅黑" charset="-108"/>
-              </a:rPr>
-              <a:t>k8s</a:t>
-            </a:r>
-            <a:r>
-              <a:rPr lang="zh-CN" altLang="en-US" sz="1800" b="1">
-                <a:solidFill>
-                  <a:srgbClr val="000000"/>
-                </a:solidFill>
-                <a:latin typeface="微软雅黑" charset="-108"/>
-                <a:ea typeface="微软雅黑" charset="-108"/>
-                <a:sym typeface="微软雅黑" charset="-108"/>
-              </a:rPr>
-              <a:t>集群</a:t>
+              <a:t>实验</a:t>
             </a:r>
             <a:endParaRPr lang="zh-CN" altLang="en-US" sz="1800" b="1">
               <a:solidFill>
@@ -19443,7 +19250,7 @@
                 <a:ea typeface="微软雅黑" charset="-108"/>
                 <a:sym typeface="微软雅黑" charset="-108"/>
               </a:rPr>
-              <a:t>第一</a:t>
+              <a:t>第三</a:t>
             </a:r>
             <a:r>
               <a:rPr lang="en-US" altLang="zh-CN" sz="1800" b="1">
@@ -19465,65 +19272,7 @@
                 <a:ea typeface="微软雅黑" charset="-108"/>
                 <a:sym typeface="微软雅黑" charset="-108"/>
               </a:rPr>
-              <a:t>二</a:t>
-            </a:r>
-            <a:r>
-              <a:rPr lang="zh-CN" altLang="en-US" sz="1800" b="1">
-                <a:solidFill>
-                  <a:srgbClr val="000000"/>
-                </a:solidFill>
-                <a:latin typeface="微软雅黑" charset="-108"/>
-                <a:ea typeface="微软雅黑" charset="-108"/>
-                <a:sym typeface="微软雅黑" charset="-108"/>
-              </a:rPr>
-              <a:t>章节</a:t>
-            </a:r>
-            <a:endParaRPr lang="zh-CN" altLang="en-US" sz="1800" b="1">
-              <a:solidFill>
-                <a:srgbClr val="000000"/>
-              </a:solidFill>
-              <a:latin typeface="微软雅黑" charset="-108"/>
-              <a:ea typeface="微软雅黑" charset="-108"/>
-              <a:sym typeface="微软雅黑" charset="-108"/>
-            </a:endParaRPr>
-          </a:p>
-          <a:p>
-            <a:pPr marL="285750" indent="-285750" eaLnBrk="0" hangingPunct="0">
-              <a:buFont typeface="Arial" panose="020B0704020202020204" pitchFamily="34" charset="0"/>
-              <a:buChar char="•"/>
-            </a:pPr>
-            <a:r>
-              <a:rPr lang="zh-CN" altLang="en-US" sz="1800" b="1">
-                <a:solidFill>
-                  <a:srgbClr val="000000"/>
-                </a:solidFill>
-                <a:latin typeface="微软雅黑" charset="-108"/>
-                <a:ea typeface="微软雅黑" charset="-108"/>
-                <a:sym typeface="微软雅黑" charset="-108"/>
-              </a:rPr>
-              <a:t>阅读</a:t>
-            </a:r>
-            <a:r>
-              <a:rPr lang="en-US" altLang="zh-CN" sz="1800" b="1">
-                <a:solidFill>
-                  <a:srgbClr val="000000"/>
-                </a:solidFill>
-                <a:latin typeface="微软雅黑" charset="-108"/>
-                <a:ea typeface="微软雅黑" charset="-108"/>
-                <a:sym typeface="微软雅黑" charset="-108"/>
-              </a:rPr>
-              <a:t>Borg</a:t>
-            </a:r>
-            <a:r>
-              <a:rPr lang="zh-CN" altLang="en-US" sz="1800" b="1">
-                <a:solidFill>
-                  <a:srgbClr val="000000"/>
-                </a:solidFill>
-                <a:latin typeface="微软雅黑" charset="-108"/>
-                <a:ea typeface="微软雅黑" charset="-108"/>
-                <a:sym typeface="微软雅黑" charset="-108"/>
-              </a:rPr>
-              <a:t>论文</a:t>
+              <a:t>四章节</a:t>
             </a:r>
             <a:endParaRPr lang="zh-CN" altLang="en-US" sz="1800" b="1">
               <a:solidFill>

--- a/lession2/kubernetes第二课.pptx
+++ b/lession2/kubernetes第二课.pptx
@@ -30,8 +30,10 @@
     <p:sldId id="386" r:id="rId23"/>
     <p:sldId id="387" r:id="rId24"/>
     <p:sldId id="388" r:id="rId25"/>
-    <p:sldId id="263" r:id="rId26"/>
-    <p:sldId id="267" r:id="rId27"/>
+    <p:sldId id="390" r:id="rId26"/>
+    <p:sldId id="391" r:id="rId27"/>
+    <p:sldId id="263" r:id="rId28"/>
+    <p:sldId id="267" r:id="rId29"/>
   </p:sldIdLst>
   <p:sldSz cx="9144000" cy="6858000"/>
   <p:notesSz cx="6858000" cy="9144000"/>
@@ -3919,6 +3921,972 @@
 </file>
 
 <file path=ppt/notesSlides/notesSlide16.xml><?xml version="1.0" encoding="utf-8"?>
+<p:notes xmlns:a="http://schemas.openxmlformats.org/drawingml/2006/main" xmlns:r="http://schemas.openxmlformats.org/officeDocument/2006/relationships" xmlns:p="http://schemas.openxmlformats.org/presentationml/2006/main" showMasterSp="0">
+  <p:cSld>
+    <p:bg>
+      <p:bgPr>
+        <a:solidFill>
+          <a:srgbClr val="FFFFFF"/>
+        </a:solidFill>
+        <a:effectLst/>
+      </p:bgPr>
+    </p:bg>
+    <p:spTree>
+      <p:nvGrpSpPr>
+        <p:cNvPr id="1" name=""/>
+        <p:cNvGrpSpPr/>
+        <p:nvPr/>
+      </p:nvGrpSpPr>
+      <p:grpSpPr/>
+      <p:sp>
+        <p:nvSpPr>
+          <p:cNvPr id="9218" name="幻灯片图像占位符 9217"/>
+          <p:cNvSpPr>
+            <a:spLocks noGrp="1"/>
+          </p:cNvSpPr>
+          <p:nvPr>
+            <p:ph type="sldImg"/>
+          </p:nvPr>
+        </p:nvSpPr>
+        <p:spPr>
+          <a:ln w="1"/>
+        </p:spPr>
+      </p:sp>
+      <p:sp>
+        <p:nvSpPr>
+          <p:cNvPr id="9219" name="文本占位符 9218"/>
+          <p:cNvSpPr>
+            <a:spLocks noGrp="1"/>
+          </p:cNvSpPr>
+          <p:nvPr>
+            <p:ph type="body"/>
+          </p:nvPr>
+        </p:nvSpPr>
+        <p:spPr>
+          <a:ln w="1"/>
+        </p:spPr>
+        <p:txBody>
+          <a:bodyPr anchor="ctr" anchorCtr="0"/>
+          <a:p>
+            <a:pPr lvl="0"/>
+            <a:r>
+              <a:rPr lang="zh-CN" altLang="en-US" dirty="0">
+                <a:cs typeface="Arial" panose="020B0704020202020204" pitchFamily="34" charset="0"/>
+              </a:rPr>
+              <a:t>4.26 熟悉SASE</a:t>
+            </a:r>
+            <a:endParaRPr lang="zh-CN" altLang="en-US" dirty="0">
+              <a:cs typeface="Arial" panose="020B0704020202020204" pitchFamily="34" charset="0"/>
+            </a:endParaRPr>
+          </a:p>
+          <a:p>
+            <a:pPr lvl="0"/>
+            <a:r>
+              <a:rPr lang="zh-CN" altLang="en-US" dirty="0">
+                <a:cs typeface="Arial" panose="020B0704020202020204" pitchFamily="34" charset="0"/>
+              </a:rPr>
+              <a:t>- 熟悉SASE产品（）</a:t>
+            </a:r>
+            <a:endParaRPr lang="zh-CN" altLang="en-US" dirty="0">
+              <a:cs typeface="Arial" panose="020B0704020202020204" pitchFamily="34" charset="0"/>
+            </a:endParaRPr>
+          </a:p>
+          <a:p>
+            <a:pPr lvl="0"/>
+            <a:r>
+              <a:rPr lang="zh-CN" altLang="en-US" dirty="0">
+                <a:cs typeface="Arial" panose="020B0704020202020204" pitchFamily="34" charset="0"/>
+              </a:rPr>
+              <a:t>- 学习SASE整体架构与组件 （）</a:t>
+            </a:r>
+            <a:endParaRPr lang="zh-CN" altLang="en-US" dirty="0">
+              <a:cs typeface="Arial" panose="020B0704020202020204" pitchFamily="34" charset="0"/>
+            </a:endParaRPr>
+          </a:p>
+          <a:p>
+            <a:pPr lvl="0"/>
+            <a:r>
+              <a:rPr lang="zh-CN" altLang="en-US" dirty="0">
+                <a:cs typeface="Arial" panose="020B0704020202020204" pitchFamily="34" charset="0"/>
+              </a:rPr>
+              <a:t>- 熟悉fwaas CI流程</a:t>
+            </a:r>
+            <a:endParaRPr lang="zh-CN" altLang="en-US" dirty="0">
+              <a:cs typeface="Arial" panose="020B0704020202020204" pitchFamily="34" charset="0"/>
+            </a:endParaRPr>
+          </a:p>
+          <a:p>
+            <a:pPr lvl="0"/>
+            <a:r>
+              <a:rPr lang="zh-CN" altLang="en-US" dirty="0">
+                <a:cs typeface="Arial" panose="020B0704020202020204" pitchFamily="34" charset="0"/>
+              </a:rPr>
+              <a:t>- 支持Fwaas流水线多feature分支出包特性</a:t>
+            </a:r>
+            <a:endParaRPr lang="zh-CN" altLang="en-US" dirty="0">
+              <a:cs typeface="Arial" panose="020B0704020202020204" pitchFamily="34" charset="0"/>
+            </a:endParaRPr>
+          </a:p>
+          <a:p>
+            <a:pPr lvl="0"/>
+            <a:endParaRPr lang="zh-CN" altLang="en-US" dirty="0">
+              <a:cs typeface="Arial" panose="020B0704020202020204" pitchFamily="34" charset="0"/>
+            </a:endParaRPr>
+          </a:p>
+          <a:p>
+            <a:pPr lvl="0"/>
+            <a:r>
+              <a:rPr lang="zh-CN" altLang="en-US" dirty="0">
+                <a:cs typeface="Arial" panose="020B0704020202020204" pitchFamily="34" charset="0"/>
+              </a:rPr>
+              <a:t>5.30  SASE部署</a:t>
+            </a:r>
+            <a:endParaRPr lang="zh-CN" altLang="en-US" dirty="0">
+              <a:cs typeface="Arial" panose="020B0704020202020204" pitchFamily="34" charset="0"/>
+            </a:endParaRPr>
+          </a:p>
+          <a:p>
+            <a:pPr lvl="0"/>
+            <a:r>
+              <a:rPr lang="zh-CN" altLang="en-US" dirty="0">
+                <a:cs typeface="Arial" panose="020B0704020202020204" pitchFamily="34" charset="0"/>
+              </a:rPr>
+              <a:t>	学习PoP点搭建</a:t>
+            </a:r>
+            <a:endParaRPr lang="zh-CN" altLang="en-US" dirty="0">
+              <a:cs typeface="Arial" panose="020B0704020202020204" pitchFamily="34" charset="0"/>
+            </a:endParaRPr>
+          </a:p>
+          <a:p>
+            <a:pPr lvl="0"/>
+            <a:r>
+              <a:rPr lang="zh-CN" altLang="en-US" dirty="0">
+                <a:cs typeface="Arial" panose="020B0704020202020204" pitchFamily="34" charset="0"/>
+              </a:rPr>
+              <a:t>	设计sase安装工程</a:t>
+            </a:r>
+            <a:endParaRPr lang="zh-CN" altLang="en-US" dirty="0">
+              <a:cs typeface="Arial" panose="020B0704020202020204" pitchFamily="34" charset="0"/>
+            </a:endParaRPr>
+          </a:p>
+          <a:p>
+            <a:pPr lvl="0"/>
+            <a:r>
+              <a:rPr lang="zh-CN" altLang="en-US" dirty="0">
+                <a:cs typeface="Arial" panose="020B0704020202020204" pitchFamily="34" charset="0"/>
+              </a:rPr>
+              <a:t>	构建popsprite工程CI/CD</a:t>
+            </a:r>
+            <a:endParaRPr lang="zh-CN" altLang="en-US" dirty="0">
+              <a:cs typeface="Arial" panose="020B0704020202020204" pitchFamily="34" charset="0"/>
+            </a:endParaRPr>
+          </a:p>
+          <a:p>
+            <a:pPr lvl="0"/>
+            <a:r>
+              <a:rPr lang="zh-CN" altLang="en-US" dirty="0">
+                <a:cs typeface="Arial" panose="020B0704020202020204" pitchFamily="34" charset="0"/>
+              </a:rPr>
+              <a:t>	pop控制器解决中间件问题</a:t>
+            </a:r>
+            <a:endParaRPr lang="zh-CN" altLang="en-US" dirty="0">
+              <a:cs typeface="Arial" panose="020B0704020202020204" pitchFamily="34" charset="0"/>
+            </a:endParaRPr>
+          </a:p>
+          <a:p>
+            <a:pPr lvl="0"/>
+            <a:endParaRPr lang="zh-CN" altLang="en-US" dirty="0">
+              <a:cs typeface="Arial" panose="020B0704020202020204" pitchFamily="34" charset="0"/>
+            </a:endParaRPr>
+          </a:p>
+          <a:p>
+            <a:pPr lvl="0"/>
+            <a:r>
+              <a:rPr lang="zh-CN" altLang="en-US" dirty="0">
+                <a:cs typeface="Arial" panose="020B0704020202020204" pitchFamily="34" charset="0"/>
+              </a:rPr>
+              <a:t>6.30  轻量化托管PoP</a:t>
+            </a:r>
+            <a:endParaRPr lang="zh-CN" altLang="en-US" dirty="0">
+              <a:cs typeface="Arial" panose="020B0704020202020204" pitchFamily="34" charset="0"/>
+            </a:endParaRPr>
+          </a:p>
+          <a:p>
+            <a:pPr lvl="0"/>
+            <a:r>
+              <a:rPr lang="zh-CN" altLang="en-US" dirty="0">
+                <a:cs typeface="Arial" panose="020B0704020202020204" pitchFamily="34" charset="0"/>
+              </a:rPr>
+              <a:t>	易部署工程化：对内解决环境不稳定，不够用的情况</a:t>
+            </a:r>
+            <a:endParaRPr lang="zh-CN" altLang="en-US" dirty="0">
+              <a:cs typeface="Arial" panose="020B0704020202020204" pitchFamily="34" charset="0"/>
+            </a:endParaRPr>
+          </a:p>
+          <a:p>
+            <a:pPr lvl="0"/>
+            <a:r>
+              <a:rPr lang="zh-CN" altLang="en-US" dirty="0">
+                <a:cs typeface="Arial" panose="020B0704020202020204" pitchFamily="34" charset="0"/>
+              </a:rPr>
+              <a:t>	pop场景支撑</a:t>
+            </a:r>
+            <a:endParaRPr lang="zh-CN" altLang="en-US" dirty="0">
+              <a:cs typeface="Arial" panose="020B0704020202020204" pitchFamily="34" charset="0"/>
+            </a:endParaRPr>
+          </a:p>
+          <a:p>
+            <a:pPr lvl="0"/>
+            <a:r>
+              <a:rPr lang="zh-CN" altLang="en-US" dirty="0">
+                <a:cs typeface="Arial" panose="020B0704020202020204" pitchFamily="34" charset="0"/>
+              </a:rPr>
+              <a:t>		pop 节点扩展</a:t>
+            </a:r>
+            <a:endParaRPr lang="zh-CN" altLang="en-US" dirty="0">
+              <a:cs typeface="Arial" panose="020B0704020202020204" pitchFamily="34" charset="0"/>
+            </a:endParaRPr>
+          </a:p>
+          <a:p>
+            <a:pPr lvl="0"/>
+            <a:r>
+              <a:rPr lang="zh-CN" altLang="en-US" dirty="0">
+                <a:cs typeface="Arial" panose="020B0704020202020204" pitchFamily="34" charset="0"/>
+              </a:rPr>
+              <a:t>		pop 资源管理</a:t>
+            </a:r>
+            <a:endParaRPr lang="zh-CN" altLang="en-US" dirty="0">
+              <a:cs typeface="Arial" panose="020B0704020202020204" pitchFamily="34" charset="0"/>
+            </a:endParaRPr>
+          </a:p>
+          <a:p>
+            <a:pPr lvl="0"/>
+            <a:r>
+              <a:rPr lang="zh-CN" altLang="en-US" dirty="0">
+                <a:cs typeface="Arial" panose="020B0704020202020204" pitchFamily="34" charset="0"/>
+              </a:rPr>
+              <a:t>		poc集群，3+n生产集群</a:t>
+            </a:r>
+            <a:endParaRPr lang="zh-CN" altLang="en-US" dirty="0">
+              <a:cs typeface="Arial" panose="020B0704020202020204" pitchFamily="34" charset="0"/>
+            </a:endParaRPr>
+          </a:p>
+          <a:p>
+            <a:pPr lvl="0"/>
+            <a:r>
+              <a:rPr lang="zh-CN" altLang="en-US" dirty="0">
+                <a:cs typeface="Arial" panose="020B0704020202020204" pitchFamily="34" charset="0"/>
+              </a:rPr>
+              <a:t>	租户编排</a:t>
+            </a:r>
+            <a:endParaRPr lang="zh-CN" altLang="en-US" dirty="0">
+              <a:cs typeface="Arial" panose="020B0704020202020204" pitchFamily="34" charset="0"/>
+            </a:endParaRPr>
+          </a:p>
+          <a:p>
+            <a:pPr lvl="0"/>
+            <a:r>
+              <a:rPr lang="zh-CN" altLang="en-US" dirty="0">
+                <a:cs typeface="Arial" panose="020B0704020202020204" pitchFamily="34" charset="0"/>
+              </a:rPr>
+              <a:t>		验证2000租户下瓶颈点</a:t>
+            </a:r>
+            <a:endParaRPr lang="zh-CN" altLang="en-US" dirty="0">
+              <a:cs typeface="Arial" panose="020B0704020202020204" pitchFamily="34" charset="0"/>
+            </a:endParaRPr>
+          </a:p>
+          <a:p>
+            <a:pPr lvl="0"/>
+            <a:r>
+              <a:rPr lang="zh-CN" altLang="en-US" dirty="0">
+                <a:cs typeface="Arial" panose="020B0704020202020204" pitchFamily="34" charset="0"/>
+              </a:rPr>
+              <a:t>			磁盘IO</a:t>
+            </a:r>
+            <a:endParaRPr lang="zh-CN" altLang="en-US" dirty="0">
+              <a:cs typeface="Arial" panose="020B0704020202020204" pitchFamily="34" charset="0"/>
+            </a:endParaRPr>
+          </a:p>
+          <a:p>
+            <a:pPr lvl="0"/>
+            <a:r>
+              <a:rPr lang="zh-CN" altLang="en-US" dirty="0">
+                <a:cs typeface="Arial" panose="020B0704020202020204" pitchFamily="34" charset="0"/>
+              </a:rPr>
+              <a:t>			控制面扩展能力</a:t>
+            </a:r>
+            <a:endParaRPr lang="zh-CN" altLang="en-US" dirty="0">
+              <a:cs typeface="Arial" panose="020B0704020202020204" pitchFamily="34" charset="0"/>
+            </a:endParaRPr>
+          </a:p>
+          <a:p>
+            <a:pPr lvl="0"/>
+            <a:r>
+              <a:rPr lang="zh-CN" altLang="en-US" dirty="0">
+                <a:cs typeface="Arial" panose="020B0704020202020204" pitchFamily="34" charset="0"/>
+              </a:rPr>
+              <a:t>			fwaas的控制线程 1 : 12</a:t>
+            </a:r>
+            <a:endParaRPr lang="zh-CN" altLang="en-US" dirty="0">
+              <a:cs typeface="Arial" panose="020B0704020202020204" pitchFamily="34" charset="0"/>
+            </a:endParaRPr>
+          </a:p>
+          <a:p>
+            <a:pPr lvl="0"/>
+            <a:r>
+              <a:rPr lang="zh-CN" altLang="en-US" dirty="0">
+                <a:cs typeface="Arial" panose="020B0704020202020204" pitchFamily="34" charset="0"/>
+              </a:rPr>
+              <a:t>		租户编排宏观诊断工具</a:t>
+            </a:r>
+            <a:endParaRPr lang="zh-CN" altLang="en-US" dirty="0">
+              <a:cs typeface="Arial" panose="020B0704020202020204" pitchFamily="34" charset="0"/>
+            </a:endParaRPr>
+          </a:p>
+          <a:p>
+            <a:pPr lvl="0"/>
+            <a:endParaRPr lang="zh-CN" altLang="en-US" dirty="0">
+              <a:cs typeface="Arial" panose="020B0704020202020204" pitchFamily="34" charset="0"/>
+            </a:endParaRPr>
+          </a:p>
+          <a:p>
+            <a:pPr lvl="0"/>
+            <a:r>
+              <a:rPr lang="zh-CN" altLang="en-US" dirty="0">
+                <a:cs typeface="Arial" panose="020B0704020202020204" pitchFamily="34" charset="0"/>
+              </a:rPr>
+              <a:t>至今 轻量化托管PoP标准化</a:t>
+            </a:r>
+            <a:endParaRPr lang="zh-CN" altLang="en-US" dirty="0">
+              <a:cs typeface="Arial" panose="020B0704020202020204" pitchFamily="34" charset="0"/>
+            </a:endParaRPr>
+          </a:p>
+          <a:p>
+            <a:pPr lvl="0"/>
+            <a:r>
+              <a:rPr lang="zh-CN" altLang="en-US" dirty="0">
+                <a:cs typeface="Arial" panose="020B0704020202020204" pitchFamily="34" charset="0"/>
+              </a:rPr>
+              <a:t>	场景</a:t>
+            </a:r>
+            <a:endParaRPr lang="zh-CN" altLang="en-US" dirty="0">
+              <a:cs typeface="Arial" panose="020B0704020202020204" pitchFamily="34" charset="0"/>
+            </a:endParaRPr>
+          </a:p>
+          <a:p>
+            <a:pPr lvl="0"/>
+            <a:r>
+              <a:rPr lang="zh-CN" altLang="en-US" dirty="0">
+                <a:cs typeface="Arial" panose="020B0704020202020204" pitchFamily="34" charset="0"/>
+              </a:rPr>
+              <a:t>		HCI：武汉轻量化pop</a:t>
+            </a:r>
+            <a:endParaRPr lang="zh-CN" altLang="en-US" dirty="0">
+              <a:cs typeface="Arial" panose="020B0704020202020204" pitchFamily="34" charset="0"/>
+            </a:endParaRPr>
+          </a:p>
+          <a:p>
+            <a:pPr lvl="0"/>
+            <a:r>
+              <a:rPr lang="zh-CN" altLang="en-US" dirty="0">
+                <a:cs typeface="Arial" panose="020B0704020202020204" pitchFamily="34" charset="0"/>
+              </a:rPr>
+              <a:t>		VMWare：塞柏特vmware轻量化pop</a:t>
+            </a:r>
+            <a:endParaRPr lang="zh-CN" altLang="en-US" dirty="0">
+              <a:cs typeface="Arial" panose="020B0704020202020204" pitchFamily="34" charset="0"/>
+            </a:endParaRPr>
+          </a:p>
+          <a:p>
+            <a:pPr lvl="0"/>
+            <a:r>
+              <a:rPr lang="zh-CN" altLang="en-US" dirty="0">
+                <a:cs typeface="Arial" panose="020B0704020202020204" pitchFamily="34" charset="0"/>
+              </a:rPr>
+              <a:t>		公有云</a:t>
+            </a:r>
+            <a:endParaRPr lang="zh-CN" altLang="en-US" dirty="0">
+              <a:cs typeface="Arial" panose="020B0704020202020204" pitchFamily="34" charset="0"/>
+            </a:endParaRPr>
+          </a:p>
+          <a:p>
+            <a:pPr lvl="0"/>
+            <a:r>
+              <a:rPr lang="zh-CN" altLang="en-US" dirty="0">
+                <a:cs typeface="Arial" panose="020B0704020202020204" pitchFamily="34" charset="0"/>
+              </a:rPr>
+              <a:t>	易部署工程化</a:t>
+            </a:r>
+            <a:endParaRPr lang="zh-CN" altLang="en-US" dirty="0">
+              <a:cs typeface="Arial" panose="020B0704020202020204" pitchFamily="34" charset="0"/>
+            </a:endParaRPr>
+          </a:p>
+          <a:p>
+            <a:pPr lvl="0"/>
+            <a:r>
+              <a:rPr lang="zh-CN" altLang="en-US" dirty="0">
+                <a:cs typeface="Arial" panose="020B0704020202020204" pitchFamily="34" charset="0"/>
+              </a:rPr>
+              <a:t>		支持公有云部署</a:t>
+            </a:r>
+            <a:endParaRPr lang="zh-CN" altLang="en-US" dirty="0">
+              <a:cs typeface="Arial" panose="020B0704020202020204" pitchFamily="34" charset="0"/>
+            </a:endParaRPr>
+          </a:p>
+          <a:p>
+            <a:pPr lvl="0"/>
+            <a:r>
+              <a:rPr lang="zh-CN" altLang="en-US" dirty="0">
+                <a:cs typeface="Arial" panose="020B0704020202020204" pitchFamily="34" charset="0"/>
+              </a:rPr>
+              <a:t>		对接中心端与升级平台</a:t>
+            </a:r>
+            <a:endParaRPr lang="zh-CN" altLang="en-US" dirty="0">
+              <a:cs typeface="Arial" panose="020B0704020202020204" pitchFamily="34" charset="0"/>
+            </a:endParaRPr>
+          </a:p>
+          <a:p>
+            <a:pPr lvl="0"/>
+            <a:r>
+              <a:rPr lang="zh-CN" altLang="en-US" dirty="0">
+                <a:cs typeface="Arial" panose="020B0704020202020204" pitchFamily="34" charset="0"/>
+              </a:rPr>
+              <a:t>		配置接入组件</a:t>
+            </a:r>
+            <a:endParaRPr lang="zh-CN" altLang="en-US" dirty="0">
+              <a:cs typeface="Arial" panose="020B0704020202020204" pitchFamily="34" charset="0"/>
+            </a:endParaRPr>
+          </a:p>
+          <a:p>
+            <a:pPr lvl="0"/>
+            <a:r>
+              <a:rPr lang="zh-CN" altLang="en-US" dirty="0">
+                <a:cs typeface="Arial" panose="020B0704020202020204" pitchFamily="34" charset="0"/>
+              </a:rPr>
+              <a:t>	监控与报警</a:t>
+            </a:r>
+            <a:endParaRPr lang="zh-CN" altLang="en-US" dirty="0">
+              <a:cs typeface="Arial" panose="020B0704020202020204" pitchFamily="34" charset="0"/>
+            </a:endParaRPr>
+          </a:p>
+          <a:p>
+            <a:pPr lvl="0"/>
+            <a:r>
+              <a:rPr lang="zh-CN" altLang="en-US" dirty="0">
+                <a:cs typeface="Arial" panose="020B0704020202020204" pitchFamily="34" charset="0"/>
+              </a:rPr>
+              <a:t>		磁盘IO 与 磁盘吞吐</a:t>
+            </a:r>
+            <a:endParaRPr lang="zh-CN" altLang="en-US" dirty="0">
+              <a:cs typeface="Arial" panose="020B0704020202020204" pitchFamily="34" charset="0"/>
+            </a:endParaRPr>
+          </a:p>
+          <a:p>
+            <a:pPr lvl="0"/>
+            <a:r>
+              <a:rPr lang="zh-CN" altLang="en-US" dirty="0">
+                <a:cs typeface="Arial" panose="020B0704020202020204" pitchFamily="34" charset="0"/>
+              </a:rPr>
+              <a:t>		控制面事件队列</a:t>
+            </a:r>
+            <a:endParaRPr lang="zh-CN" altLang="en-US" dirty="0">
+              <a:ea typeface="Arial" panose="020B0704020202020204" pitchFamily="34" charset="0"/>
+            </a:endParaRPr>
+          </a:p>
+        </p:txBody>
+      </p:sp>
+    </p:spTree>
+  </p:cSld>
+  <p:clrMapOvr>
+    <a:overrideClrMapping bg1="lt1" tx1="dk1" bg2="lt2" tx2="dk2" accent1="accent1" accent2="accent2" accent3="accent3" accent4="accent4" accent5="accent5" accent6="accent6" hlink="hlink" folHlink="folHlink"/>
+  </p:clrMapOvr>
+</p:notes>
+</file>
+
+<file path=ppt/notesSlides/notesSlide17.xml><?xml version="1.0" encoding="utf-8"?>
+<p:notes xmlns:a="http://schemas.openxmlformats.org/drawingml/2006/main" xmlns:r="http://schemas.openxmlformats.org/officeDocument/2006/relationships" xmlns:p="http://schemas.openxmlformats.org/presentationml/2006/main" showMasterSp="0">
+  <p:cSld>
+    <p:bg>
+      <p:bgPr>
+        <a:solidFill>
+          <a:srgbClr val="FFFFFF"/>
+        </a:solidFill>
+        <a:effectLst/>
+      </p:bgPr>
+    </p:bg>
+    <p:spTree>
+      <p:nvGrpSpPr>
+        <p:cNvPr id="1" name=""/>
+        <p:cNvGrpSpPr/>
+        <p:nvPr/>
+      </p:nvGrpSpPr>
+      <p:grpSpPr/>
+      <p:sp>
+        <p:nvSpPr>
+          <p:cNvPr id="9218" name="幻灯片图像占位符 9217"/>
+          <p:cNvSpPr>
+            <a:spLocks noGrp="1"/>
+          </p:cNvSpPr>
+          <p:nvPr>
+            <p:ph type="sldImg"/>
+          </p:nvPr>
+        </p:nvSpPr>
+        <p:spPr>
+          <a:ln w="1"/>
+        </p:spPr>
+      </p:sp>
+      <p:sp>
+        <p:nvSpPr>
+          <p:cNvPr id="9219" name="文本占位符 9218"/>
+          <p:cNvSpPr>
+            <a:spLocks noGrp="1"/>
+          </p:cNvSpPr>
+          <p:nvPr>
+            <p:ph type="body"/>
+          </p:nvPr>
+        </p:nvSpPr>
+        <p:spPr>
+          <a:ln w="1"/>
+        </p:spPr>
+        <p:txBody>
+          <a:bodyPr anchor="ctr" anchorCtr="0"/>
+          <a:p>
+            <a:pPr lvl="0"/>
+            <a:r>
+              <a:rPr lang="zh-CN" altLang="en-US" dirty="0">
+                <a:cs typeface="Arial" panose="020B0704020202020204" pitchFamily="34" charset="0"/>
+              </a:rPr>
+              <a:t>4.26 熟悉SASE</a:t>
+            </a:r>
+            <a:endParaRPr lang="zh-CN" altLang="en-US" dirty="0">
+              <a:cs typeface="Arial" panose="020B0704020202020204" pitchFamily="34" charset="0"/>
+            </a:endParaRPr>
+          </a:p>
+          <a:p>
+            <a:pPr lvl="0"/>
+            <a:r>
+              <a:rPr lang="zh-CN" altLang="en-US" dirty="0">
+                <a:cs typeface="Arial" panose="020B0704020202020204" pitchFamily="34" charset="0"/>
+              </a:rPr>
+              <a:t>- 熟悉SASE产品（）</a:t>
+            </a:r>
+            <a:endParaRPr lang="zh-CN" altLang="en-US" dirty="0">
+              <a:cs typeface="Arial" panose="020B0704020202020204" pitchFamily="34" charset="0"/>
+            </a:endParaRPr>
+          </a:p>
+          <a:p>
+            <a:pPr lvl="0"/>
+            <a:r>
+              <a:rPr lang="zh-CN" altLang="en-US" dirty="0">
+                <a:cs typeface="Arial" panose="020B0704020202020204" pitchFamily="34" charset="0"/>
+              </a:rPr>
+              <a:t>- 学习SASE整体架构与组件 （）</a:t>
+            </a:r>
+            <a:endParaRPr lang="zh-CN" altLang="en-US" dirty="0">
+              <a:cs typeface="Arial" panose="020B0704020202020204" pitchFamily="34" charset="0"/>
+            </a:endParaRPr>
+          </a:p>
+          <a:p>
+            <a:pPr lvl="0"/>
+            <a:r>
+              <a:rPr lang="zh-CN" altLang="en-US" dirty="0">
+                <a:cs typeface="Arial" panose="020B0704020202020204" pitchFamily="34" charset="0"/>
+              </a:rPr>
+              <a:t>- 熟悉fwaas CI流程</a:t>
+            </a:r>
+            <a:endParaRPr lang="zh-CN" altLang="en-US" dirty="0">
+              <a:cs typeface="Arial" panose="020B0704020202020204" pitchFamily="34" charset="0"/>
+            </a:endParaRPr>
+          </a:p>
+          <a:p>
+            <a:pPr lvl="0"/>
+            <a:r>
+              <a:rPr lang="zh-CN" altLang="en-US" dirty="0">
+                <a:cs typeface="Arial" panose="020B0704020202020204" pitchFamily="34" charset="0"/>
+              </a:rPr>
+              <a:t>- 支持Fwaas流水线多feature分支出包特性</a:t>
+            </a:r>
+            <a:endParaRPr lang="zh-CN" altLang="en-US" dirty="0">
+              <a:cs typeface="Arial" panose="020B0704020202020204" pitchFamily="34" charset="0"/>
+            </a:endParaRPr>
+          </a:p>
+          <a:p>
+            <a:pPr lvl="0"/>
+            <a:endParaRPr lang="zh-CN" altLang="en-US" dirty="0">
+              <a:cs typeface="Arial" panose="020B0704020202020204" pitchFamily="34" charset="0"/>
+            </a:endParaRPr>
+          </a:p>
+          <a:p>
+            <a:pPr lvl="0"/>
+            <a:r>
+              <a:rPr lang="zh-CN" altLang="en-US" dirty="0">
+                <a:cs typeface="Arial" panose="020B0704020202020204" pitchFamily="34" charset="0"/>
+              </a:rPr>
+              <a:t>5.30  SASE部署</a:t>
+            </a:r>
+            <a:endParaRPr lang="zh-CN" altLang="en-US" dirty="0">
+              <a:cs typeface="Arial" panose="020B0704020202020204" pitchFamily="34" charset="0"/>
+            </a:endParaRPr>
+          </a:p>
+          <a:p>
+            <a:pPr lvl="0"/>
+            <a:r>
+              <a:rPr lang="zh-CN" altLang="en-US" dirty="0">
+                <a:cs typeface="Arial" panose="020B0704020202020204" pitchFamily="34" charset="0"/>
+              </a:rPr>
+              <a:t>	学习PoP点搭建</a:t>
+            </a:r>
+            <a:endParaRPr lang="zh-CN" altLang="en-US" dirty="0">
+              <a:cs typeface="Arial" panose="020B0704020202020204" pitchFamily="34" charset="0"/>
+            </a:endParaRPr>
+          </a:p>
+          <a:p>
+            <a:pPr lvl="0"/>
+            <a:r>
+              <a:rPr lang="zh-CN" altLang="en-US" dirty="0">
+                <a:cs typeface="Arial" panose="020B0704020202020204" pitchFamily="34" charset="0"/>
+              </a:rPr>
+              <a:t>	设计sase安装工程</a:t>
+            </a:r>
+            <a:endParaRPr lang="zh-CN" altLang="en-US" dirty="0">
+              <a:cs typeface="Arial" panose="020B0704020202020204" pitchFamily="34" charset="0"/>
+            </a:endParaRPr>
+          </a:p>
+          <a:p>
+            <a:pPr lvl="0"/>
+            <a:r>
+              <a:rPr lang="zh-CN" altLang="en-US" dirty="0">
+                <a:cs typeface="Arial" panose="020B0704020202020204" pitchFamily="34" charset="0"/>
+              </a:rPr>
+              <a:t>	构建popsprite工程CI/CD</a:t>
+            </a:r>
+            <a:endParaRPr lang="zh-CN" altLang="en-US" dirty="0">
+              <a:cs typeface="Arial" panose="020B0704020202020204" pitchFamily="34" charset="0"/>
+            </a:endParaRPr>
+          </a:p>
+          <a:p>
+            <a:pPr lvl="0"/>
+            <a:r>
+              <a:rPr lang="zh-CN" altLang="en-US" dirty="0">
+                <a:cs typeface="Arial" panose="020B0704020202020204" pitchFamily="34" charset="0"/>
+              </a:rPr>
+              <a:t>	pop控制器解决中间件问题</a:t>
+            </a:r>
+            <a:endParaRPr lang="zh-CN" altLang="en-US" dirty="0">
+              <a:cs typeface="Arial" panose="020B0704020202020204" pitchFamily="34" charset="0"/>
+            </a:endParaRPr>
+          </a:p>
+          <a:p>
+            <a:pPr lvl="0"/>
+            <a:endParaRPr lang="zh-CN" altLang="en-US" dirty="0">
+              <a:cs typeface="Arial" panose="020B0704020202020204" pitchFamily="34" charset="0"/>
+            </a:endParaRPr>
+          </a:p>
+          <a:p>
+            <a:pPr lvl="0"/>
+            <a:r>
+              <a:rPr lang="zh-CN" altLang="en-US" dirty="0">
+                <a:cs typeface="Arial" panose="020B0704020202020204" pitchFamily="34" charset="0"/>
+              </a:rPr>
+              <a:t>6.30  轻量化托管PoP</a:t>
+            </a:r>
+            <a:endParaRPr lang="zh-CN" altLang="en-US" dirty="0">
+              <a:cs typeface="Arial" panose="020B0704020202020204" pitchFamily="34" charset="0"/>
+            </a:endParaRPr>
+          </a:p>
+          <a:p>
+            <a:pPr lvl="0"/>
+            <a:r>
+              <a:rPr lang="zh-CN" altLang="en-US" dirty="0">
+                <a:cs typeface="Arial" panose="020B0704020202020204" pitchFamily="34" charset="0"/>
+              </a:rPr>
+              <a:t>	易部署工程化：对内解决环境不稳定，不够用的情况</a:t>
+            </a:r>
+            <a:endParaRPr lang="zh-CN" altLang="en-US" dirty="0">
+              <a:cs typeface="Arial" panose="020B0704020202020204" pitchFamily="34" charset="0"/>
+            </a:endParaRPr>
+          </a:p>
+          <a:p>
+            <a:pPr lvl="0"/>
+            <a:r>
+              <a:rPr lang="zh-CN" altLang="en-US" dirty="0">
+                <a:cs typeface="Arial" panose="020B0704020202020204" pitchFamily="34" charset="0"/>
+              </a:rPr>
+              <a:t>	pop场景支撑</a:t>
+            </a:r>
+            <a:endParaRPr lang="zh-CN" altLang="en-US" dirty="0">
+              <a:cs typeface="Arial" panose="020B0704020202020204" pitchFamily="34" charset="0"/>
+            </a:endParaRPr>
+          </a:p>
+          <a:p>
+            <a:pPr lvl="0"/>
+            <a:r>
+              <a:rPr lang="zh-CN" altLang="en-US" dirty="0">
+                <a:cs typeface="Arial" panose="020B0704020202020204" pitchFamily="34" charset="0"/>
+              </a:rPr>
+              <a:t>		pop 节点扩展</a:t>
+            </a:r>
+            <a:endParaRPr lang="zh-CN" altLang="en-US" dirty="0">
+              <a:cs typeface="Arial" panose="020B0704020202020204" pitchFamily="34" charset="0"/>
+            </a:endParaRPr>
+          </a:p>
+          <a:p>
+            <a:pPr lvl="0"/>
+            <a:r>
+              <a:rPr lang="zh-CN" altLang="en-US" dirty="0">
+                <a:cs typeface="Arial" panose="020B0704020202020204" pitchFamily="34" charset="0"/>
+              </a:rPr>
+              <a:t>		pop 资源管理</a:t>
+            </a:r>
+            <a:endParaRPr lang="zh-CN" altLang="en-US" dirty="0">
+              <a:cs typeface="Arial" panose="020B0704020202020204" pitchFamily="34" charset="0"/>
+            </a:endParaRPr>
+          </a:p>
+          <a:p>
+            <a:pPr lvl="0"/>
+            <a:r>
+              <a:rPr lang="zh-CN" altLang="en-US" dirty="0">
+                <a:cs typeface="Arial" panose="020B0704020202020204" pitchFamily="34" charset="0"/>
+              </a:rPr>
+              <a:t>		poc集群，3+n生产集群</a:t>
+            </a:r>
+            <a:endParaRPr lang="zh-CN" altLang="en-US" dirty="0">
+              <a:cs typeface="Arial" panose="020B0704020202020204" pitchFamily="34" charset="0"/>
+            </a:endParaRPr>
+          </a:p>
+          <a:p>
+            <a:pPr lvl="0"/>
+            <a:r>
+              <a:rPr lang="zh-CN" altLang="en-US" dirty="0">
+                <a:cs typeface="Arial" panose="020B0704020202020204" pitchFamily="34" charset="0"/>
+              </a:rPr>
+              <a:t>	租户编排</a:t>
+            </a:r>
+            <a:endParaRPr lang="zh-CN" altLang="en-US" dirty="0">
+              <a:cs typeface="Arial" panose="020B0704020202020204" pitchFamily="34" charset="0"/>
+            </a:endParaRPr>
+          </a:p>
+          <a:p>
+            <a:pPr lvl="0"/>
+            <a:r>
+              <a:rPr lang="zh-CN" altLang="en-US" dirty="0">
+                <a:cs typeface="Arial" panose="020B0704020202020204" pitchFamily="34" charset="0"/>
+              </a:rPr>
+              <a:t>		验证2000租户下瓶颈点</a:t>
+            </a:r>
+            <a:endParaRPr lang="zh-CN" altLang="en-US" dirty="0">
+              <a:cs typeface="Arial" panose="020B0704020202020204" pitchFamily="34" charset="0"/>
+            </a:endParaRPr>
+          </a:p>
+          <a:p>
+            <a:pPr lvl="0"/>
+            <a:r>
+              <a:rPr lang="zh-CN" altLang="en-US" dirty="0">
+                <a:cs typeface="Arial" panose="020B0704020202020204" pitchFamily="34" charset="0"/>
+              </a:rPr>
+              <a:t>			磁盘IO</a:t>
+            </a:r>
+            <a:endParaRPr lang="zh-CN" altLang="en-US" dirty="0">
+              <a:cs typeface="Arial" panose="020B0704020202020204" pitchFamily="34" charset="0"/>
+            </a:endParaRPr>
+          </a:p>
+          <a:p>
+            <a:pPr lvl="0"/>
+            <a:r>
+              <a:rPr lang="zh-CN" altLang="en-US" dirty="0">
+                <a:cs typeface="Arial" panose="020B0704020202020204" pitchFamily="34" charset="0"/>
+              </a:rPr>
+              <a:t>			控制面扩展能力</a:t>
+            </a:r>
+            <a:endParaRPr lang="zh-CN" altLang="en-US" dirty="0">
+              <a:cs typeface="Arial" panose="020B0704020202020204" pitchFamily="34" charset="0"/>
+            </a:endParaRPr>
+          </a:p>
+          <a:p>
+            <a:pPr lvl="0"/>
+            <a:r>
+              <a:rPr lang="zh-CN" altLang="en-US" dirty="0">
+                <a:cs typeface="Arial" panose="020B0704020202020204" pitchFamily="34" charset="0"/>
+              </a:rPr>
+              <a:t>			fwaas的控制线程 1 : 12</a:t>
+            </a:r>
+            <a:endParaRPr lang="zh-CN" altLang="en-US" dirty="0">
+              <a:cs typeface="Arial" panose="020B0704020202020204" pitchFamily="34" charset="0"/>
+            </a:endParaRPr>
+          </a:p>
+          <a:p>
+            <a:pPr lvl="0"/>
+            <a:r>
+              <a:rPr lang="zh-CN" altLang="en-US" dirty="0">
+                <a:cs typeface="Arial" panose="020B0704020202020204" pitchFamily="34" charset="0"/>
+              </a:rPr>
+              <a:t>		租户编排宏观诊断工具</a:t>
+            </a:r>
+            <a:endParaRPr lang="zh-CN" altLang="en-US" dirty="0">
+              <a:cs typeface="Arial" panose="020B0704020202020204" pitchFamily="34" charset="0"/>
+            </a:endParaRPr>
+          </a:p>
+          <a:p>
+            <a:pPr lvl="0"/>
+            <a:endParaRPr lang="zh-CN" altLang="en-US" dirty="0">
+              <a:cs typeface="Arial" panose="020B0704020202020204" pitchFamily="34" charset="0"/>
+            </a:endParaRPr>
+          </a:p>
+          <a:p>
+            <a:pPr lvl="0"/>
+            <a:r>
+              <a:rPr lang="zh-CN" altLang="en-US" dirty="0">
+                <a:cs typeface="Arial" panose="020B0704020202020204" pitchFamily="34" charset="0"/>
+              </a:rPr>
+              <a:t>至今 轻量化托管PoP标准化</a:t>
+            </a:r>
+            <a:endParaRPr lang="zh-CN" altLang="en-US" dirty="0">
+              <a:cs typeface="Arial" panose="020B0704020202020204" pitchFamily="34" charset="0"/>
+            </a:endParaRPr>
+          </a:p>
+          <a:p>
+            <a:pPr lvl="0"/>
+            <a:r>
+              <a:rPr lang="zh-CN" altLang="en-US" dirty="0">
+                <a:cs typeface="Arial" panose="020B0704020202020204" pitchFamily="34" charset="0"/>
+              </a:rPr>
+              <a:t>	场景</a:t>
+            </a:r>
+            <a:endParaRPr lang="zh-CN" altLang="en-US" dirty="0">
+              <a:cs typeface="Arial" panose="020B0704020202020204" pitchFamily="34" charset="0"/>
+            </a:endParaRPr>
+          </a:p>
+          <a:p>
+            <a:pPr lvl="0"/>
+            <a:r>
+              <a:rPr lang="zh-CN" altLang="en-US" dirty="0">
+                <a:cs typeface="Arial" panose="020B0704020202020204" pitchFamily="34" charset="0"/>
+              </a:rPr>
+              <a:t>		HCI：武汉轻量化pop</a:t>
+            </a:r>
+            <a:endParaRPr lang="zh-CN" altLang="en-US" dirty="0">
+              <a:cs typeface="Arial" panose="020B0704020202020204" pitchFamily="34" charset="0"/>
+            </a:endParaRPr>
+          </a:p>
+          <a:p>
+            <a:pPr lvl="0"/>
+            <a:r>
+              <a:rPr lang="zh-CN" altLang="en-US" dirty="0">
+                <a:cs typeface="Arial" panose="020B0704020202020204" pitchFamily="34" charset="0"/>
+              </a:rPr>
+              <a:t>		VMWare：塞柏特vmware轻量化pop</a:t>
+            </a:r>
+            <a:endParaRPr lang="zh-CN" altLang="en-US" dirty="0">
+              <a:cs typeface="Arial" panose="020B0704020202020204" pitchFamily="34" charset="0"/>
+            </a:endParaRPr>
+          </a:p>
+          <a:p>
+            <a:pPr lvl="0"/>
+            <a:r>
+              <a:rPr lang="zh-CN" altLang="en-US" dirty="0">
+                <a:cs typeface="Arial" panose="020B0704020202020204" pitchFamily="34" charset="0"/>
+              </a:rPr>
+              <a:t>		公有云</a:t>
+            </a:r>
+            <a:endParaRPr lang="zh-CN" altLang="en-US" dirty="0">
+              <a:cs typeface="Arial" panose="020B0704020202020204" pitchFamily="34" charset="0"/>
+            </a:endParaRPr>
+          </a:p>
+          <a:p>
+            <a:pPr lvl="0"/>
+            <a:r>
+              <a:rPr lang="zh-CN" altLang="en-US" dirty="0">
+                <a:cs typeface="Arial" panose="020B0704020202020204" pitchFamily="34" charset="0"/>
+              </a:rPr>
+              <a:t>	易部署工程化</a:t>
+            </a:r>
+            <a:endParaRPr lang="zh-CN" altLang="en-US" dirty="0">
+              <a:cs typeface="Arial" panose="020B0704020202020204" pitchFamily="34" charset="0"/>
+            </a:endParaRPr>
+          </a:p>
+          <a:p>
+            <a:pPr lvl="0"/>
+            <a:r>
+              <a:rPr lang="zh-CN" altLang="en-US" dirty="0">
+                <a:cs typeface="Arial" panose="020B0704020202020204" pitchFamily="34" charset="0"/>
+              </a:rPr>
+              <a:t>		支持公有云部署</a:t>
+            </a:r>
+            <a:endParaRPr lang="zh-CN" altLang="en-US" dirty="0">
+              <a:cs typeface="Arial" panose="020B0704020202020204" pitchFamily="34" charset="0"/>
+            </a:endParaRPr>
+          </a:p>
+          <a:p>
+            <a:pPr lvl="0"/>
+            <a:r>
+              <a:rPr lang="zh-CN" altLang="en-US" dirty="0">
+                <a:cs typeface="Arial" panose="020B0704020202020204" pitchFamily="34" charset="0"/>
+              </a:rPr>
+              <a:t>		对接中心端与升级平台</a:t>
+            </a:r>
+            <a:endParaRPr lang="zh-CN" altLang="en-US" dirty="0">
+              <a:cs typeface="Arial" panose="020B0704020202020204" pitchFamily="34" charset="0"/>
+            </a:endParaRPr>
+          </a:p>
+          <a:p>
+            <a:pPr lvl="0"/>
+            <a:r>
+              <a:rPr lang="zh-CN" altLang="en-US" dirty="0">
+                <a:cs typeface="Arial" panose="020B0704020202020204" pitchFamily="34" charset="0"/>
+              </a:rPr>
+              <a:t>		配置接入组件</a:t>
+            </a:r>
+            <a:endParaRPr lang="zh-CN" altLang="en-US" dirty="0">
+              <a:cs typeface="Arial" panose="020B0704020202020204" pitchFamily="34" charset="0"/>
+            </a:endParaRPr>
+          </a:p>
+          <a:p>
+            <a:pPr lvl="0"/>
+            <a:r>
+              <a:rPr lang="zh-CN" altLang="en-US" dirty="0">
+                <a:cs typeface="Arial" panose="020B0704020202020204" pitchFamily="34" charset="0"/>
+              </a:rPr>
+              <a:t>	监控与报警</a:t>
+            </a:r>
+            <a:endParaRPr lang="zh-CN" altLang="en-US" dirty="0">
+              <a:cs typeface="Arial" panose="020B0704020202020204" pitchFamily="34" charset="0"/>
+            </a:endParaRPr>
+          </a:p>
+          <a:p>
+            <a:pPr lvl="0"/>
+            <a:r>
+              <a:rPr lang="zh-CN" altLang="en-US" dirty="0">
+                <a:cs typeface="Arial" panose="020B0704020202020204" pitchFamily="34" charset="0"/>
+              </a:rPr>
+              <a:t>		磁盘IO 与 磁盘吞吐</a:t>
+            </a:r>
+            <a:endParaRPr lang="zh-CN" altLang="en-US" dirty="0">
+              <a:cs typeface="Arial" panose="020B0704020202020204" pitchFamily="34" charset="0"/>
+            </a:endParaRPr>
+          </a:p>
+          <a:p>
+            <a:pPr lvl="0"/>
+            <a:r>
+              <a:rPr lang="zh-CN" altLang="en-US" dirty="0">
+                <a:cs typeface="Arial" panose="020B0704020202020204" pitchFamily="34" charset="0"/>
+              </a:rPr>
+              <a:t>		控制面事件队列</a:t>
+            </a:r>
+            <a:endParaRPr lang="zh-CN" altLang="en-US" dirty="0">
+              <a:ea typeface="Arial" panose="020B0704020202020204" pitchFamily="34" charset="0"/>
+            </a:endParaRPr>
+          </a:p>
+        </p:txBody>
+      </p:sp>
+    </p:spTree>
+  </p:cSld>
+  <p:clrMapOvr>
+    <a:overrideClrMapping bg1="lt1" tx1="dk1" bg2="lt2" tx2="dk2" accent1="accent1" accent2="accent2" accent3="accent3" accent4="accent4" accent5="accent5" accent6="accent6" hlink="hlink" folHlink="folHlink"/>
+  </p:clrMapOvr>
+</p:notes>
+</file>
+
+<file path=ppt/notesSlides/notesSlide18.xml><?xml version="1.0" encoding="utf-8"?>
 <p:notes xmlns:a="http://schemas.openxmlformats.org/drawingml/2006/main" xmlns:r="http://schemas.openxmlformats.org/officeDocument/2006/relationships" xmlns:p="http://schemas.openxmlformats.org/presentationml/2006/main" showMasterSp="0">
   <p:cSld>
     <p:bg>
@@ -17970,7 +18938,7 @@
         </p:nvSpPr>
         <p:spPr>
           <a:xfrm>
-            <a:off x="755650" y="3572510"/>
+            <a:off x="755650" y="4509135"/>
             <a:ext cx="6234430" cy="1753235"/>
           </a:xfrm>
           <a:prstGeom prst="rect">
@@ -18100,6 +19068,30 @@
           </a:p>
         </p:txBody>
       </p:sp>
+      <p:pic>
+        <p:nvPicPr>
+          <p:cNvPr id="5" name="图片 4"/>
+          <p:cNvPicPr>
+            <a:picLocks noChangeAspect="1"/>
+          </p:cNvPicPr>
+          <p:nvPr/>
+        </p:nvPicPr>
+        <p:blipFill>
+          <a:blip r:embed="rId2"/>
+          <a:stretch>
+            <a:fillRect/>
+          </a:stretch>
+        </p:blipFill>
+        <p:spPr>
+          <a:xfrm>
+            <a:off x="3923665" y="611505"/>
+            <a:ext cx="2787650" cy="3992245"/>
+          </a:xfrm>
+          <a:prstGeom prst="rect">
+            <a:avLst/>
+          </a:prstGeom>
+        </p:spPr>
+      </p:pic>
     </p:spTree>
   </p:cSld>
   <p:clrMapOvr>
@@ -18606,6 +19598,686 @@
       <p:grpSpPr/>
       <p:sp>
         <p:nvSpPr>
+          <p:cNvPr id="8193" name="TextBox 1"/>
+          <p:cNvSpPr/>
+          <p:nvPr/>
+        </p:nvSpPr>
+        <p:spPr>
+          <a:xfrm>
+            <a:off x="228600" y="150813"/>
+            <a:ext cx="3600450" cy="460375"/>
+          </a:xfrm>
+          <a:prstGeom prst="rect">
+            <a:avLst/>
+          </a:prstGeom>
+          <a:noFill/>
+          <a:ln w="9525">
+            <a:noFill/>
+          </a:ln>
+        </p:spPr>
+        <p:txBody>
+          <a:bodyPr wrap="square" anchor="t" anchorCtr="0">
+            <a:spAutoFit/>
+          </a:bodyPr>
+          <a:p>
+            <a:pPr eaLnBrk="0" hangingPunct="0"/>
+            <a:r>
+              <a:rPr lang="en-US" altLang="zh-CN" sz="2400" b="1" dirty="0">
+                <a:solidFill>
+                  <a:srgbClr val="0070C0"/>
+                </a:solidFill>
+                <a:latin typeface="微软雅黑" charset="-108"/>
+                <a:ea typeface="微软雅黑" charset="-108"/>
+                <a:sym typeface="微软雅黑" charset="-108"/>
+              </a:rPr>
+              <a:t>Kubernetes</a:t>
+            </a:r>
+            <a:r>
+              <a:rPr lang="zh-CN" altLang="en-US" sz="2400" b="1" dirty="0">
+                <a:solidFill>
+                  <a:srgbClr val="0070C0"/>
+                </a:solidFill>
+                <a:latin typeface="微软雅黑" charset="-108"/>
+                <a:ea typeface="微软雅黑" charset="-108"/>
+                <a:sym typeface="微软雅黑" charset="-108"/>
+              </a:rPr>
+              <a:t>编排</a:t>
+            </a:r>
+            <a:endParaRPr lang="zh-CN" altLang="en-US" sz="2400" b="1" dirty="0">
+              <a:solidFill>
+                <a:srgbClr val="0070C0"/>
+              </a:solidFill>
+              <a:latin typeface="微软雅黑" charset="-108"/>
+              <a:ea typeface="微软雅黑" charset="-108"/>
+              <a:sym typeface="微软雅黑" charset="-108"/>
+            </a:endParaRPr>
+          </a:p>
+        </p:txBody>
+      </p:sp>
+      <p:pic>
+        <p:nvPicPr>
+          <p:cNvPr id="8194" name="图片 8194" descr="sangfor_logo"/>
+          <p:cNvPicPr>
+            <a:picLocks noChangeAspect="1"/>
+          </p:cNvPicPr>
+          <p:nvPr/>
+        </p:nvPicPr>
+        <p:blipFill>
+          <a:blip r:embed="rId1"/>
+          <a:stretch>
+            <a:fillRect/>
+          </a:stretch>
+        </p:blipFill>
+        <p:spPr>
+          <a:xfrm>
+            <a:off x="7343775" y="473075"/>
+            <a:ext cx="1320800" cy="606425"/>
+          </a:xfrm>
+          <a:prstGeom prst="rect">
+            <a:avLst/>
+          </a:prstGeom>
+          <a:noFill/>
+          <a:ln w="9525">
+            <a:noFill/>
+          </a:ln>
+        </p:spPr>
+      </p:pic>
+      <p:sp>
+        <p:nvSpPr>
+          <p:cNvPr id="35841" name="文本框 35841"/>
+          <p:cNvSpPr txBox="1"/>
+          <p:nvPr/>
+        </p:nvSpPr>
+        <p:spPr>
+          <a:xfrm>
+            <a:off x="323850" y="836930"/>
+            <a:ext cx="5807075" cy="398780"/>
+          </a:xfrm>
+          <a:prstGeom prst="rect">
+            <a:avLst/>
+          </a:prstGeom>
+          <a:noFill/>
+          <a:ln w="9525">
+            <a:noFill/>
+          </a:ln>
+        </p:spPr>
+        <p:txBody>
+          <a:bodyPr wrap="square" anchor="t" anchorCtr="0">
+            <a:spAutoFit/>
+          </a:bodyPr>
+          <a:p>
+            <a:pPr eaLnBrk="0" hangingPunct="0">
+              <a:buFont typeface="Wingdings" panose="05000000000000000000" pitchFamily="2" charset="2"/>
+              <a:buChar char="Ø"/>
+            </a:pPr>
+            <a:r>
+              <a:rPr lang="zh-CN" altLang="en-US" sz="2000" dirty="0">
+                <a:solidFill>
+                  <a:srgbClr val="184199"/>
+                </a:solidFill>
+                <a:latin typeface="微软雅黑" charset="-108"/>
+                <a:ea typeface="微软雅黑" charset="-108"/>
+                <a:sym typeface="微软雅黑" charset="-108"/>
+              </a:rPr>
+              <a:t> </a:t>
+            </a:r>
+            <a:r>
+              <a:rPr lang="en-US" sz="2000" dirty="0">
+                <a:solidFill>
+                  <a:srgbClr val="184199"/>
+                </a:solidFill>
+                <a:latin typeface="微软雅黑" charset="-108"/>
+                <a:ea typeface="微软雅黑" charset="-108"/>
+                <a:sym typeface="微软雅黑" charset="-108"/>
+              </a:rPr>
+              <a:t>Job &amp;&amp; CronJob</a:t>
+            </a:r>
+            <a:endParaRPr lang="en-US" sz="2000" dirty="0">
+              <a:solidFill>
+                <a:srgbClr val="184199"/>
+              </a:solidFill>
+              <a:latin typeface="微软雅黑" charset="-108"/>
+              <a:ea typeface="微软雅黑" charset="-108"/>
+              <a:sym typeface="微软雅黑" charset="-108"/>
+            </a:endParaRPr>
+          </a:p>
+        </p:txBody>
+      </p:sp>
+      <p:sp>
+        <p:nvSpPr>
+          <p:cNvPr id="4" name="文本框 3"/>
+          <p:cNvSpPr txBox="1"/>
+          <p:nvPr/>
+        </p:nvSpPr>
+        <p:spPr>
+          <a:xfrm>
+            <a:off x="611505" y="1412240"/>
+            <a:ext cx="6234430" cy="2584450"/>
+          </a:xfrm>
+          <a:prstGeom prst="rect">
+            <a:avLst/>
+          </a:prstGeom>
+          <a:noFill/>
+        </p:spPr>
+        <p:txBody>
+          <a:bodyPr wrap="square" rtlCol="0">
+            <a:spAutoFit/>
+          </a:bodyPr>
+          <a:p>
+            <a:r>
+              <a:rPr lang="en-US"/>
+              <a:t>1、Pod</a:t>
+            </a:r>
+            <a:r>
+              <a:rPr lang="zh-CN" altLang="en-US"/>
+              <a:t>完成会进入</a:t>
+            </a:r>
+            <a:r>
+              <a:rPr lang="en-US" altLang="zh-CN"/>
+              <a:t>Completed</a:t>
+            </a:r>
+            <a:r>
+              <a:rPr lang="zh-CN" altLang="en-US"/>
+              <a:t>状态</a:t>
+            </a:r>
+            <a:r>
+              <a:rPr lang="en-US" altLang="zh-CN"/>
+              <a:t> （restartPolicy=Never）</a:t>
+            </a:r>
+            <a:endParaRPr lang="zh-CN" altLang="en-US"/>
+          </a:p>
+          <a:p>
+            <a:r>
+              <a:rPr lang="en-US" altLang="zh-CN"/>
+              <a:t>2、Pod</a:t>
+            </a:r>
+            <a:r>
+              <a:rPr lang="zh-CN" altLang="en-US"/>
+              <a:t>执行失败会尝试重新创建直到</a:t>
+            </a:r>
+            <a:r>
+              <a:rPr lang="en-US" altLang="zh-CN">
+                <a:sym typeface="+mn-ea"/>
+              </a:rPr>
+              <a:t>spec.backoffLimit</a:t>
+            </a:r>
+            <a:r>
+              <a:rPr lang="zh-CN" altLang="en-US">
+                <a:sym typeface="+mn-ea"/>
+              </a:rPr>
+              <a:t>定义的数量</a:t>
+            </a:r>
+            <a:r>
+              <a:rPr lang="zh-CN" altLang="en-US"/>
+              <a:t>。</a:t>
+            </a:r>
+            <a:endParaRPr lang="zh-CN" altLang="en-US"/>
+          </a:p>
+          <a:p>
+            <a:r>
+              <a:rPr lang="en-US" altLang="zh-CN"/>
+              <a:t>3、spec.activeDeadlineSeconds</a:t>
+            </a:r>
+            <a:r>
+              <a:rPr lang="zh-CN" altLang="en-US"/>
+              <a:t>可限制运行的最大</a:t>
+            </a:r>
+            <a:r>
+              <a:rPr lang="zh-CN" altLang="en-US"/>
+              <a:t>时长</a:t>
+            </a:r>
+            <a:endParaRPr lang="zh-CN" altLang="en-US"/>
+          </a:p>
+          <a:p>
+            <a:r>
+              <a:rPr lang="en-US" altLang="zh-CN"/>
+              <a:t>4、</a:t>
+            </a:r>
+            <a:r>
+              <a:rPr lang="zh-CN" altLang="en-US"/>
+              <a:t>并行计算</a:t>
+            </a:r>
+            <a:r>
+              <a:rPr lang="en-US" altLang="zh-CN"/>
+              <a:t>：spec.parallelism（</a:t>
+            </a:r>
+            <a:r>
+              <a:rPr lang="zh-CN" altLang="en-US"/>
+              <a:t>并行量</a:t>
+            </a:r>
+            <a:r>
+              <a:rPr lang="en-US" altLang="zh-CN"/>
+              <a:t>）spec.completions（</a:t>
+            </a:r>
+            <a:r>
+              <a:rPr lang="zh-CN" altLang="en-US"/>
+              <a:t>完成数</a:t>
+            </a:r>
+            <a:r>
+              <a:rPr lang="en-US" altLang="zh-CN"/>
+              <a:t>）</a:t>
+            </a:r>
+            <a:endParaRPr lang="en-US" altLang="zh-CN"/>
+          </a:p>
+          <a:p>
+            <a:endParaRPr lang="en-US" altLang="zh-CN"/>
+          </a:p>
+          <a:p>
+            <a:r>
+              <a:rPr lang="en-US" altLang="zh-CN"/>
+              <a:t>Cron</a:t>
+            </a:r>
+            <a:r>
+              <a:rPr lang="en-US" altLang="zh-CN"/>
+              <a:t>Job：</a:t>
+            </a:r>
+            <a:endParaRPr lang="en-US" altLang="zh-CN"/>
+          </a:p>
+          <a:p>
+            <a:r>
+              <a:rPr lang="zh-CN" altLang="en-US"/>
+              <a:t>在</a:t>
+            </a:r>
+            <a:r>
+              <a:rPr lang="en-US" altLang="zh-CN"/>
+              <a:t>Job</a:t>
+            </a:r>
+            <a:r>
+              <a:rPr lang="zh-CN" altLang="en-US"/>
+              <a:t>基础上新增</a:t>
+            </a:r>
+            <a:r>
+              <a:rPr lang="en-US" altLang="zh-CN"/>
+              <a:t>Cron</a:t>
+            </a:r>
+            <a:endParaRPr lang="en-US" altLang="zh-CN"/>
+          </a:p>
+        </p:txBody>
+      </p:sp>
+      <p:pic>
+        <p:nvPicPr>
+          <p:cNvPr id="2" name="图片 1"/>
+          <p:cNvPicPr>
+            <a:picLocks noChangeAspect="1"/>
+          </p:cNvPicPr>
+          <p:nvPr/>
+        </p:nvPicPr>
+        <p:blipFill>
+          <a:blip r:embed="rId2"/>
+          <a:stretch>
+            <a:fillRect/>
+          </a:stretch>
+        </p:blipFill>
+        <p:spPr>
+          <a:xfrm>
+            <a:off x="3347720" y="3165475"/>
+            <a:ext cx="4819015" cy="2393950"/>
+          </a:xfrm>
+          <a:prstGeom prst="rect">
+            <a:avLst/>
+          </a:prstGeom>
+        </p:spPr>
+      </p:pic>
+    </p:spTree>
+  </p:cSld>
+  <p:clrMapOvr>
+    <a:masterClrMapping/>
+  </p:clrMapOvr>
+  <p:timing>
+    <p:tnLst>
+      <p:par>
+        <p:cTn id="1" dur="indefinite" restart="never" nodeType="tmRoot">
+          <p:childTnLst>
+            <p:seq concurrent="1" nextAc="seek">
+              <p:cTn id="2" dur="indefinite" nodeType="mainSeq">
+                <p:childTnLst>
+                  <p:par>
+                    <p:cTn id="3" fill="hold">
+                      <p:stCondLst>
+                        <p:cond delay="indefinite"/>
+                        <p:cond evt="onBegin" delay="0">
+                          <p:tn val="2"/>
+                        </p:cond>
+                      </p:stCondLst>
+                      <p:childTnLst>
+                        <p:par>
+                          <p:cTn id="4" fill="hold">
+                            <p:stCondLst>
+                              <p:cond delay="0"/>
+                            </p:stCondLst>
+                            <p:childTnLst>
+                              <p:par>
+                                <p:cTn id="5" presetID="1" presetClass="entr" presetSubtype="0" fill="hold" grpId="0" nodeType="withEffect">
+                                  <p:stCondLst>
+                                    <p:cond delay="0"/>
+                                  </p:stCondLst>
+                                  <p:childTnLst>
+                                    <p:set>
+                                      <p:cBhvr>
+                                        <p:cTn id="6" dur="1" fill="hold">
+                                          <p:stCondLst>
+                                            <p:cond delay="0"/>
+                                          </p:stCondLst>
+                                        </p:cTn>
+                                        <p:tgtEl>
+                                          <p:spTgt spid="35841"/>
+                                        </p:tgtEl>
+                                        <p:attrNameLst>
+                                          <p:attrName>style.visibility</p:attrName>
+                                        </p:attrNameLst>
+                                      </p:cBhvr>
+                                      <p:to>
+                                        <p:strVal val="visible"/>
+                                      </p:to>
+                                    </p:set>
+                                  </p:childTnLst>
+                                </p:cTn>
+                              </p:par>
+                            </p:childTnLst>
+                          </p:cTn>
+                        </p:par>
+                      </p:childTnLst>
+                    </p:cTn>
+                  </p:par>
+                </p:childTnLst>
+              </p:cTn>
+              <p:prevCondLst>
+                <p:cond evt="onPrev" delay="0">
+                  <p:tgtEl>
+                    <p:sldTgt/>
+                  </p:tgtEl>
+                </p:cond>
+              </p:prevCondLst>
+              <p:nextCondLst>
+                <p:cond evt="onNext" delay="0">
+                  <p:tgtEl>
+                    <p:sldTgt/>
+                  </p:tgtEl>
+                </p:cond>
+              </p:nextCondLst>
+            </p:seq>
+          </p:childTnLst>
+        </p:cTn>
+      </p:par>
+    </p:tnLst>
+    <p:bldLst>
+      <p:bldP spid="35841" grpId="0"/>
+      <p:bldP spid="35841" grpId="1"/>
+    </p:bldLst>
+  </p:timing>
+</p:sld>
+</file>
+
+<file path=ppt/slides/slide23.xml><?xml version="1.0" encoding="utf-8"?>
+<p:sld xmlns:a="http://schemas.openxmlformats.org/drawingml/2006/main" xmlns:r="http://schemas.openxmlformats.org/officeDocument/2006/relationships" xmlns:p="http://schemas.openxmlformats.org/presentationml/2006/main">
+  <p:cSld>
+    <p:spTree>
+      <p:nvGrpSpPr>
+        <p:cNvPr id="1" name=""/>
+        <p:cNvGrpSpPr/>
+        <p:nvPr/>
+      </p:nvGrpSpPr>
+      <p:grpSpPr/>
+      <p:sp>
+        <p:nvSpPr>
+          <p:cNvPr id="8193" name="TextBox 1"/>
+          <p:cNvSpPr/>
+          <p:nvPr/>
+        </p:nvSpPr>
+        <p:spPr>
+          <a:xfrm>
+            <a:off x="228600" y="150813"/>
+            <a:ext cx="3600450" cy="460375"/>
+          </a:xfrm>
+          <a:prstGeom prst="rect">
+            <a:avLst/>
+          </a:prstGeom>
+          <a:noFill/>
+          <a:ln w="9525">
+            <a:noFill/>
+          </a:ln>
+        </p:spPr>
+        <p:txBody>
+          <a:bodyPr wrap="square" anchor="t" anchorCtr="0">
+            <a:spAutoFit/>
+          </a:bodyPr>
+          <a:p>
+            <a:pPr eaLnBrk="0" hangingPunct="0"/>
+            <a:r>
+              <a:rPr lang="en-US" altLang="zh-CN" sz="2400" b="1" dirty="0">
+                <a:solidFill>
+                  <a:srgbClr val="0070C0"/>
+                </a:solidFill>
+                <a:latin typeface="微软雅黑" charset="-108"/>
+                <a:ea typeface="微软雅黑" charset="-108"/>
+                <a:sym typeface="微软雅黑" charset="-108"/>
+              </a:rPr>
+              <a:t>Kubernetes</a:t>
+            </a:r>
+            <a:r>
+              <a:rPr lang="zh-CN" altLang="en-US" sz="2400" b="1" dirty="0">
+                <a:solidFill>
+                  <a:srgbClr val="0070C0"/>
+                </a:solidFill>
+                <a:latin typeface="微软雅黑" charset="-108"/>
+                <a:ea typeface="微软雅黑" charset="-108"/>
+                <a:sym typeface="微软雅黑" charset="-108"/>
+              </a:rPr>
+              <a:t>编排</a:t>
+            </a:r>
+            <a:endParaRPr lang="zh-CN" altLang="en-US" sz="2400" b="1" dirty="0">
+              <a:solidFill>
+                <a:srgbClr val="0070C0"/>
+              </a:solidFill>
+              <a:latin typeface="微软雅黑" charset="-108"/>
+              <a:ea typeface="微软雅黑" charset="-108"/>
+              <a:sym typeface="微软雅黑" charset="-108"/>
+            </a:endParaRPr>
+          </a:p>
+        </p:txBody>
+      </p:sp>
+      <p:pic>
+        <p:nvPicPr>
+          <p:cNvPr id="8194" name="图片 8194" descr="sangfor_logo"/>
+          <p:cNvPicPr>
+            <a:picLocks noChangeAspect="1"/>
+          </p:cNvPicPr>
+          <p:nvPr/>
+        </p:nvPicPr>
+        <p:blipFill>
+          <a:blip r:embed="rId1"/>
+          <a:stretch>
+            <a:fillRect/>
+          </a:stretch>
+        </p:blipFill>
+        <p:spPr>
+          <a:xfrm>
+            <a:off x="7343775" y="473075"/>
+            <a:ext cx="1320800" cy="606425"/>
+          </a:xfrm>
+          <a:prstGeom prst="rect">
+            <a:avLst/>
+          </a:prstGeom>
+          <a:noFill/>
+          <a:ln w="9525">
+            <a:noFill/>
+          </a:ln>
+        </p:spPr>
+      </p:pic>
+      <p:sp>
+        <p:nvSpPr>
+          <p:cNvPr id="35841" name="文本框 35841"/>
+          <p:cNvSpPr txBox="1"/>
+          <p:nvPr/>
+        </p:nvSpPr>
+        <p:spPr>
+          <a:xfrm>
+            <a:off x="323850" y="836930"/>
+            <a:ext cx="5807075" cy="398780"/>
+          </a:xfrm>
+          <a:prstGeom prst="rect">
+            <a:avLst/>
+          </a:prstGeom>
+          <a:noFill/>
+          <a:ln w="9525">
+            <a:noFill/>
+          </a:ln>
+        </p:spPr>
+        <p:txBody>
+          <a:bodyPr wrap="square" anchor="t" anchorCtr="0">
+            <a:spAutoFit/>
+          </a:bodyPr>
+          <a:p>
+            <a:pPr eaLnBrk="0" hangingPunct="0">
+              <a:buFont typeface="Wingdings" panose="05000000000000000000" pitchFamily="2" charset="2"/>
+              <a:buChar char="Ø"/>
+            </a:pPr>
+            <a:r>
+              <a:rPr lang="zh-CN" altLang="en-US" sz="2000" dirty="0">
+                <a:solidFill>
+                  <a:srgbClr val="184199"/>
+                </a:solidFill>
+                <a:latin typeface="微软雅黑" charset="-108"/>
+                <a:ea typeface="微软雅黑" charset="-108"/>
+                <a:sym typeface="微软雅黑" charset="-108"/>
+              </a:rPr>
+              <a:t> </a:t>
+            </a:r>
+            <a:r>
+              <a:rPr lang="en-US" sz="2000" dirty="0">
+                <a:solidFill>
+                  <a:srgbClr val="184199"/>
+                </a:solidFill>
+                <a:latin typeface="微软雅黑" charset="-108"/>
+                <a:ea typeface="微软雅黑" charset="-108"/>
+                <a:sym typeface="微软雅黑" charset="-108"/>
+              </a:rPr>
+              <a:t>Operator （</a:t>
+            </a:r>
+            <a:r>
+              <a:rPr lang="en-US" sz="2000" dirty="0">
+                <a:solidFill>
+                  <a:srgbClr val="184199"/>
+                </a:solidFill>
+                <a:latin typeface="微软雅黑" charset="-108"/>
+                <a:ea typeface="微软雅黑" charset="-108"/>
+                <a:sym typeface="微软雅黑" charset="-108"/>
+              </a:rPr>
+              <a:t>Allocation）</a:t>
+            </a:r>
+            <a:endParaRPr lang="en-US" sz="2000" dirty="0">
+              <a:solidFill>
+                <a:srgbClr val="184199"/>
+              </a:solidFill>
+              <a:latin typeface="微软雅黑" charset="-108"/>
+              <a:ea typeface="微软雅黑" charset="-108"/>
+              <a:sym typeface="微软雅黑" charset="-108"/>
+            </a:endParaRPr>
+          </a:p>
+        </p:txBody>
+      </p:sp>
+    </p:spTree>
+  </p:cSld>
+  <p:clrMapOvr>
+    <a:masterClrMapping/>
+  </p:clrMapOvr>
+  <p:timing>
+    <p:tnLst>
+      <p:par>
+        <p:cTn id="1" dur="indefinite" restart="never" nodeType="tmRoot">
+          <p:childTnLst>
+            <p:seq concurrent="1" nextAc="seek">
+              <p:cTn id="2" dur="indefinite" nodeType="mainSeq">
+                <p:childTnLst>
+                  <p:par>
+                    <p:cTn id="3" fill="hold">
+                      <p:stCondLst>
+                        <p:cond delay="indefinite"/>
+                        <p:cond evt="onBegin" delay="0">
+                          <p:tn val="2"/>
+                        </p:cond>
+                      </p:stCondLst>
+                      <p:childTnLst>
+                        <p:par>
+                          <p:cTn id="4" fill="hold">
+                            <p:stCondLst>
+                              <p:cond delay="0"/>
+                            </p:stCondLst>
+                            <p:childTnLst>
+                              <p:par>
+                                <p:cTn id="5" presetID="1" presetClass="entr" presetSubtype="0" fill="hold" grpId="0" nodeType="withEffect">
+                                  <p:stCondLst>
+                                    <p:cond delay="0"/>
+                                  </p:stCondLst>
+                                  <p:childTnLst>
+                                    <p:set>
+                                      <p:cBhvr>
+                                        <p:cTn id="6" dur="1" fill="hold">
+                                          <p:stCondLst>
+                                            <p:cond delay="0"/>
+                                          </p:stCondLst>
+                                        </p:cTn>
+                                        <p:tgtEl>
+                                          <p:spTgt spid="35841"/>
+                                        </p:tgtEl>
+                                        <p:attrNameLst>
+                                          <p:attrName>style.visibility</p:attrName>
+                                        </p:attrNameLst>
+                                      </p:cBhvr>
+                                      <p:to>
+                                        <p:strVal val="visible"/>
+                                      </p:to>
+                                    </p:set>
+                                  </p:childTnLst>
+                                </p:cTn>
+                              </p:par>
+                            </p:childTnLst>
+                          </p:cTn>
+                        </p:par>
+                      </p:childTnLst>
+                    </p:cTn>
+                  </p:par>
+                </p:childTnLst>
+              </p:cTn>
+              <p:prevCondLst>
+                <p:cond evt="onPrev" delay="0">
+                  <p:tgtEl>
+                    <p:sldTgt/>
+                  </p:tgtEl>
+                </p:cond>
+              </p:prevCondLst>
+              <p:nextCondLst>
+                <p:cond evt="onNext" delay="0">
+                  <p:tgtEl>
+                    <p:sldTgt/>
+                  </p:tgtEl>
+                </p:cond>
+              </p:nextCondLst>
+            </p:seq>
+          </p:childTnLst>
+        </p:cTn>
+      </p:par>
+    </p:tnLst>
+    <p:bldLst>
+      <p:bldP spid="35841" grpId="0"/>
+      <p:bldP spid="35841" grpId="1"/>
+    </p:bldLst>
+  </p:timing>
+</p:sld>
+</file>
+
+<file path=ppt/slides/slide24.xml><?xml version="1.0" encoding="utf-8"?>
+<p:sld xmlns:a="http://schemas.openxmlformats.org/drawingml/2006/main" xmlns:r="http://schemas.openxmlformats.org/officeDocument/2006/relationships" xmlns:p="http://schemas.openxmlformats.org/presentationml/2006/main">
+  <p:cSld>
+    <p:spTree>
+      <p:nvGrpSpPr>
+        <p:cNvPr id="1" name=""/>
+        <p:cNvGrpSpPr/>
+        <p:nvPr/>
+      </p:nvGrpSpPr>
+      <p:grpSpPr/>
+      <p:sp>
+        <p:nvSpPr>
           <p:cNvPr id="34817" name="标题 1"/>
           <p:cNvSpPr/>
           <p:nvPr/>
@@ -18941,7 +20613,7 @@
 </p:sld>
 </file>
 
-<file path=ppt/slides/slide23.xml><?xml version="1.0" encoding="utf-8"?>
+<file path=ppt/slides/slide25.xml><?xml version="1.0" encoding="utf-8"?>
 <p:sld xmlns:a="http://schemas.openxmlformats.org/drawingml/2006/main" xmlns:r="http://schemas.openxmlformats.org/officeDocument/2006/relationships" xmlns:p="http://schemas.openxmlformats.org/presentationml/2006/main">
   <p:cSld>
     <p:spTree>

--- a/lession2/kubernetes第二课.pptx
+++ b/lession2/kubernetes第二课.pptx
@@ -31,9 +31,8 @@
     <p:sldId id="387" r:id="rId24"/>
     <p:sldId id="388" r:id="rId25"/>
     <p:sldId id="390" r:id="rId26"/>
-    <p:sldId id="391" r:id="rId27"/>
-    <p:sldId id="263" r:id="rId28"/>
-    <p:sldId id="267" r:id="rId29"/>
+    <p:sldId id="263" r:id="rId27"/>
+    <p:sldId id="267" r:id="rId28"/>
   </p:sldIdLst>
   <p:sldSz cx="9144000" cy="6858000"/>
   <p:notesSz cx="6858000" cy="9144000"/>
@@ -4404,489 +4403,6 @@
 </file>
 
 <file path=ppt/notesSlides/notesSlide17.xml><?xml version="1.0" encoding="utf-8"?>
-<p:notes xmlns:a="http://schemas.openxmlformats.org/drawingml/2006/main" xmlns:r="http://schemas.openxmlformats.org/officeDocument/2006/relationships" xmlns:p="http://schemas.openxmlformats.org/presentationml/2006/main" showMasterSp="0">
-  <p:cSld>
-    <p:bg>
-      <p:bgPr>
-        <a:solidFill>
-          <a:srgbClr val="FFFFFF"/>
-        </a:solidFill>
-        <a:effectLst/>
-      </p:bgPr>
-    </p:bg>
-    <p:spTree>
-      <p:nvGrpSpPr>
-        <p:cNvPr id="1" name=""/>
-        <p:cNvGrpSpPr/>
-        <p:nvPr/>
-      </p:nvGrpSpPr>
-      <p:grpSpPr/>
-      <p:sp>
-        <p:nvSpPr>
-          <p:cNvPr id="9218" name="幻灯片图像占位符 9217"/>
-          <p:cNvSpPr>
-            <a:spLocks noGrp="1"/>
-          </p:cNvSpPr>
-          <p:nvPr>
-            <p:ph type="sldImg"/>
-          </p:nvPr>
-        </p:nvSpPr>
-        <p:spPr>
-          <a:ln w="1"/>
-        </p:spPr>
-      </p:sp>
-      <p:sp>
-        <p:nvSpPr>
-          <p:cNvPr id="9219" name="文本占位符 9218"/>
-          <p:cNvSpPr>
-            <a:spLocks noGrp="1"/>
-          </p:cNvSpPr>
-          <p:nvPr>
-            <p:ph type="body"/>
-          </p:nvPr>
-        </p:nvSpPr>
-        <p:spPr>
-          <a:ln w="1"/>
-        </p:spPr>
-        <p:txBody>
-          <a:bodyPr anchor="ctr" anchorCtr="0"/>
-          <a:p>
-            <a:pPr lvl="0"/>
-            <a:r>
-              <a:rPr lang="zh-CN" altLang="en-US" dirty="0">
-                <a:cs typeface="Arial" panose="020B0704020202020204" pitchFamily="34" charset="0"/>
-              </a:rPr>
-              <a:t>4.26 熟悉SASE</a:t>
-            </a:r>
-            <a:endParaRPr lang="zh-CN" altLang="en-US" dirty="0">
-              <a:cs typeface="Arial" panose="020B0704020202020204" pitchFamily="34" charset="0"/>
-            </a:endParaRPr>
-          </a:p>
-          <a:p>
-            <a:pPr lvl="0"/>
-            <a:r>
-              <a:rPr lang="zh-CN" altLang="en-US" dirty="0">
-                <a:cs typeface="Arial" panose="020B0704020202020204" pitchFamily="34" charset="0"/>
-              </a:rPr>
-              <a:t>- 熟悉SASE产品（）</a:t>
-            </a:r>
-            <a:endParaRPr lang="zh-CN" altLang="en-US" dirty="0">
-              <a:cs typeface="Arial" panose="020B0704020202020204" pitchFamily="34" charset="0"/>
-            </a:endParaRPr>
-          </a:p>
-          <a:p>
-            <a:pPr lvl="0"/>
-            <a:r>
-              <a:rPr lang="zh-CN" altLang="en-US" dirty="0">
-                <a:cs typeface="Arial" panose="020B0704020202020204" pitchFamily="34" charset="0"/>
-              </a:rPr>
-              <a:t>- 学习SASE整体架构与组件 （）</a:t>
-            </a:r>
-            <a:endParaRPr lang="zh-CN" altLang="en-US" dirty="0">
-              <a:cs typeface="Arial" panose="020B0704020202020204" pitchFamily="34" charset="0"/>
-            </a:endParaRPr>
-          </a:p>
-          <a:p>
-            <a:pPr lvl="0"/>
-            <a:r>
-              <a:rPr lang="zh-CN" altLang="en-US" dirty="0">
-                <a:cs typeface="Arial" panose="020B0704020202020204" pitchFamily="34" charset="0"/>
-              </a:rPr>
-              <a:t>- 熟悉fwaas CI流程</a:t>
-            </a:r>
-            <a:endParaRPr lang="zh-CN" altLang="en-US" dirty="0">
-              <a:cs typeface="Arial" panose="020B0704020202020204" pitchFamily="34" charset="0"/>
-            </a:endParaRPr>
-          </a:p>
-          <a:p>
-            <a:pPr lvl="0"/>
-            <a:r>
-              <a:rPr lang="zh-CN" altLang="en-US" dirty="0">
-                <a:cs typeface="Arial" panose="020B0704020202020204" pitchFamily="34" charset="0"/>
-              </a:rPr>
-              <a:t>- 支持Fwaas流水线多feature分支出包特性</a:t>
-            </a:r>
-            <a:endParaRPr lang="zh-CN" altLang="en-US" dirty="0">
-              <a:cs typeface="Arial" panose="020B0704020202020204" pitchFamily="34" charset="0"/>
-            </a:endParaRPr>
-          </a:p>
-          <a:p>
-            <a:pPr lvl="0"/>
-            <a:endParaRPr lang="zh-CN" altLang="en-US" dirty="0">
-              <a:cs typeface="Arial" panose="020B0704020202020204" pitchFamily="34" charset="0"/>
-            </a:endParaRPr>
-          </a:p>
-          <a:p>
-            <a:pPr lvl="0"/>
-            <a:r>
-              <a:rPr lang="zh-CN" altLang="en-US" dirty="0">
-                <a:cs typeface="Arial" panose="020B0704020202020204" pitchFamily="34" charset="0"/>
-              </a:rPr>
-              <a:t>5.30  SASE部署</a:t>
-            </a:r>
-            <a:endParaRPr lang="zh-CN" altLang="en-US" dirty="0">
-              <a:cs typeface="Arial" panose="020B0704020202020204" pitchFamily="34" charset="0"/>
-            </a:endParaRPr>
-          </a:p>
-          <a:p>
-            <a:pPr lvl="0"/>
-            <a:r>
-              <a:rPr lang="zh-CN" altLang="en-US" dirty="0">
-                <a:cs typeface="Arial" panose="020B0704020202020204" pitchFamily="34" charset="0"/>
-              </a:rPr>
-              <a:t>	学习PoP点搭建</a:t>
-            </a:r>
-            <a:endParaRPr lang="zh-CN" altLang="en-US" dirty="0">
-              <a:cs typeface="Arial" panose="020B0704020202020204" pitchFamily="34" charset="0"/>
-            </a:endParaRPr>
-          </a:p>
-          <a:p>
-            <a:pPr lvl="0"/>
-            <a:r>
-              <a:rPr lang="zh-CN" altLang="en-US" dirty="0">
-                <a:cs typeface="Arial" panose="020B0704020202020204" pitchFamily="34" charset="0"/>
-              </a:rPr>
-              <a:t>	设计sase安装工程</a:t>
-            </a:r>
-            <a:endParaRPr lang="zh-CN" altLang="en-US" dirty="0">
-              <a:cs typeface="Arial" panose="020B0704020202020204" pitchFamily="34" charset="0"/>
-            </a:endParaRPr>
-          </a:p>
-          <a:p>
-            <a:pPr lvl="0"/>
-            <a:r>
-              <a:rPr lang="zh-CN" altLang="en-US" dirty="0">
-                <a:cs typeface="Arial" panose="020B0704020202020204" pitchFamily="34" charset="0"/>
-              </a:rPr>
-              <a:t>	构建popsprite工程CI/CD</a:t>
-            </a:r>
-            <a:endParaRPr lang="zh-CN" altLang="en-US" dirty="0">
-              <a:cs typeface="Arial" panose="020B0704020202020204" pitchFamily="34" charset="0"/>
-            </a:endParaRPr>
-          </a:p>
-          <a:p>
-            <a:pPr lvl="0"/>
-            <a:r>
-              <a:rPr lang="zh-CN" altLang="en-US" dirty="0">
-                <a:cs typeface="Arial" panose="020B0704020202020204" pitchFamily="34" charset="0"/>
-              </a:rPr>
-              <a:t>	pop控制器解决中间件问题</a:t>
-            </a:r>
-            <a:endParaRPr lang="zh-CN" altLang="en-US" dirty="0">
-              <a:cs typeface="Arial" panose="020B0704020202020204" pitchFamily="34" charset="0"/>
-            </a:endParaRPr>
-          </a:p>
-          <a:p>
-            <a:pPr lvl="0"/>
-            <a:endParaRPr lang="zh-CN" altLang="en-US" dirty="0">
-              <a:cs typeface="Arial" panose="020B0704020202020204" pitchFamily="34" charset="0"/>
-            </a:endParaRPr>
-          </a:p>
-          <a:p>
-            <a:pPr lvl="0"/>
-            <a:r>
-              <a:rPr lang="zh-CN" altLang="en-US" dirty="0">
-                <a:cs typeface="Arial" panose="020B0704020202020204" pitchFamily="34" charset="0"/>
-              </a:rPr>
-              <a:t>6.30  轻量化托管PoP</a:t>
-            </a:r>
-            <a:endParaRPr lang="zh-CN" altLang="en-US" dirty="0">
-              <a:cs typeface="Arial" panose="020B0704020202020204" pitchFamily="34" charset="0"/>
-            </a:endParaRPr>
-          </a:p>
-          <a:p>
-            <a:pPr lvl="0"/>
-            <a:r>
-              <a:rPr lang="zh-CN" altLang="en-US" dirty="0">
-                <a:cs typeface="Arial" panose="020B0704020202020204" pitchFamily="34" charset="0"/>
-              </a:rPr>
-              <a:t>	易部署工程化：对内解决环境不稳定，不够用的情况</a:t>
-            </a:r>
-            <a:endParaRPr lang="zh-CN" altLang="en-US" dirty="0">
-              <a:cs typeface="Arial" panose="020B0704020202020204" pitchFamily="34" charset="0"/>
-            </a:endParaRPr>
-          </a:p>
-          <a:p>
-            <a:pPr lvl="0"/>
-            <a:r>
-              <a:rPr lang="zh-CN" altLang="en-US" dirty="0">
-                <a:cs typeface="Arial" panose="020B0704020202020204" pitchFamily="34" charset="0"/>
-              </a:rPr>
-              <a:t>	pop场景支撑</a:t>
-            </a:r>
-            <a:endParaRPr lang="zh-CN" altLang="en-US" dirty="0">
-              <a:cs typeface="Arial" panose="020B0704020202020204" pitchFamily="34" charset="0"/>
-            </a:endParaRPr>
-          </a:p>
-          <a:p>
-            <a:pPr lvl="0"/>
-            <a:r>
-              <a:rPr lang="zh-CN" altLang="en-US" dirty="0">
-                <a:cs typeface="Arial" panose="020B0704020202020204" pitchFamily="34" charset="0"/>
-              </a:rPr>
-              <a:t>		pop 节点扩展</a:t>
-            </a:r>
-            <a:endParaRPr lang="zh-CN" altLang="en-US" dirty="0">
-              <a:cs typeface="Arial" panose="020B0704020202020204" pitchFamily="34" charset="0"/>
-            </a:endParaRPr>
-          </a:p>
-          <a:p>
-            <a:pPr lvl="0"/>
-            <a:r>
-              <a:rPr lang="zh-CN" altLang="en-US" dirty="0">
-                <a:cs typeface="Arial" panose="020B0704020202020204" pitchFamily="34" charset="0"/>
-              </a:rPr>
-              <a:t>		pop 资源管理</a:t>
-            </a:r>
-            <a:endParaRPr lang="zh-CN" altLang="en-US" dirty="0">
-              <a:cs typeface="Arial" panose="020B0704020202020204" pitchFamily="34" charset="0"/>
-            </a:endParaRPr>
-          </a:p>
-          <a:p>
-            <a:pPr lvl="0"/>
-            <a:r>
-              <a:rPr lang="zh-CN" altLang="en-US" dirty="0">
-                <a:cs typeface="Arial" panose="020B0704020202020204" pitchFamily="34" charset="0"/>
-              </a:rPr>
-              <a:t>		poc集群，3+n生产集群</a:t>
-            </a:r>
-            <a:endParaRPr lang="zh-CN" altLang="en-US" dirty="0">
-              <a:cs typeface="Arial" panose="020B0704020202020204" pitchFamily="34" charset="0"/>
-            </a:endParaRPr>
-          </a:p>
-          <a:p>
-            <a:pPr lvl="0"/>
-            <a:r>
-              <a:rPr lang="zh-CN" altLang="en-US" dirty="0">
-                <a:cs typeface="Arial" panose="020B0704020202020204" pitchFamily="34" charset="0"/>
-              </a:rPr>
-              <a:t>	租户编排</a:t>
-            </a:r>
-            <a:endParaRPr lang="zh-CN" altLang="en-US" dirty="0">
-              <a:cs typeface="Arial" panose="020B0704020202020204" pitchFamily="34" charset="0"/>
-            </a:endParaRPr>
-          </a:p>
-          <a:p>
-            <a:pPr lvl="0"/>
-            <a:r>
-              <a:rPr lang="zh-CN" altLang="en-US" dirty="0">
-                <a:cs typeface="Arial" panose="020B0704020202020204" pitchFamily="34" charset="0"/>
-              </a:rPr>
-              <a:t>		验证2000租户下瓶颈点</a:t>
-            </a:r>
-            <a:endParaRPr lang="zh-CN" altLang="en-US" dirty="0">
-              <a:cs typeface="Arial" panose="020B0704020202020204" pitchFamily="34" charset="0"/>
-            </a:endParaRPr>
-          </a:p>
-          <a:p>
-            <a:pPr lvl="0"/>
-            <a:r>
-              <a:rPr lang="zh-CN" altLang="en-US" dirty="0">
-                <a:cs typeface="Arial" panose="020B0704020202020204" pitchFamily="34" charset="0"/>
-              </a:rPr>
-              <a:t>			磁盘IO</a:t>
-            </a:r>
-            <a:endParaRPr lang="zh-CN" altLang="en-US" dirty="0">
-              <a:cs typeface="Arial" panose="020B0704020202020204" pitchFamily="34" charset="0"/>
-            </a:endParaRPr>
-          </a:p>
-          <a:p>
-            <a:pPr lvl="0"/>
-            <a:r>
-              <a:rPr lang="zh-CN" altLang="en-US" dirty="0">
-                <a:cs typeface="Arial" panose="020B0704020202020204" pitchFamily="34" charset="0"/>
-              </a:rPr>
-              <a:t>			控制面扩展能力</a:t>
-            </a:r>
-            <a:endParaRPr lang="zh-CN" altLang="en-US" dirty="0">
-              <a:cs typeface="Arial" panose="020B0704020202020204" pitchFamily="34" charset="0"/>
-            </a:endParaRPr>
-          </a:p>
-          <a:p>
-            <a:pPr lvl="0"/>
-            <a:r>
-              <a:rPr lang="zh-CN" altLang="en-US" dirty="0">
-                <a:cs typeface="Arial" panose="020B0704020202020204" pitchFamily="34" charset="0"/>
-              </a:rPr>
-              <a:t>			fwaas的控制线程 1 : 12</a:t>
-            </a:r>
-            <a:endParaRPr lang="zh-CN" altLang="en-US" dirty="0">
-              <a:cs typeface="Arial" panose="020B0704020202020204" pitchFamily="34" charset="0"/>
-            </a:endParaRPr>
-          </a:p>
-          <a:p>
-            <a:pPr lvl="0"/>
-            <a:r>
-              <a:rPr lang="zh-CN" altLang="en-US" dirty="0">
-                <a:cs typeface="Arial" panose="020B0704020202020204" pitchFamily="34" charset="0"/>
-              </a:rPr>
-              <a:t>		租户编排宏观诊断工具</a:t>
-            </a:r>
-            <a:endParaRPr lang="zh-CN" altLang="en-US" dirty="0">
-              <a:cs typeface="Arial" panose="020B0704020202020204" pitchFamily="34" charset="0"/>
-            </a:endParaRPr>
-          </a:p>
-          <a:p>
-            <a:pPr lvl="0"/>
-            <a:endParaRPr lang="zh-CN" altLang="en-US" dirty="0">
-              <a:cs typeface="Arial" panose="020B0704020202020204" pitchFamily="34" charset="0"/>
-            </a:endParaRPr>
-          </a:p>
-          <a:p>
-            <a:pPr lvl="0"/>
-            <a:r>
-              <a:rPr lang="zh-CN" altLang="en-US" dirty="0">
-                <a:cs typeface="Arial" panose="020B0704020202020204" pitchFamily="34" charset="0"/>
-              </a:rPr>
-              <a:t>至今 轻量化托管PoP标准化</a:t>
-            </a:r>
-            <a:endParaRPr lang="zh-CN" altLang="en-US" dirty="0">
-              <a:cs typeface="Arial" panose="020B0704020202020204" pitchFamily="34" charset="0"/>
-            </a:endParaRPr>
-          </a:p>
-          <a:p>
-            <a:pPr lvl="0"/>
-            <a:r>
-              <a:rPr lang="zh-CN" altLang="en-US" dirty="0">
-                <a:cs typeface="Arial" panose="020B0704020202020204" pitchFamily="34" charset="0"/>
-              </a:rPr>
-              <a:t>	场景</a:t>
-            </a:r>
-            <a:endParaRPr lang="zh-CN" altLang="en-US" dirty="0">
-              <a:cs typeface="Arial" panose="020B0704020202020204" pitchFamily="34" charset="0"/>
-            </a:endParaRPr>
-          </a:p>
-          <a:p>
-            <a:pPr lvl="0"/>
-            <a:r>
-              <a:rPr lang="zh-CN" altLang="en-US" dirty="0">
-                <a:cs typeface="Arial" panose="020B0704020202020204" pitchFamily="34" charset="0"/>
-              </a:rPr>
-              <a:t>		HCI：武汉轻量化pop</a:t>
-            </a:r>
-            <a:endParaRPr lang="zh-CN" altLang="en-US" dirty="0">
-              <a:cs typeface="Arial" panose="020B0704020202020204" pitchFamily="34" charset="0"/>
-            </a:endParaRPr>
-          </a:p>
-          <a:p>
-            <a:pPr lvl="0"/>
-            <a:r>
-              <a:rPr lang="zh-CN" altLang="en-US" dirty="0">
-                <a:cs typeface="Arial" panose="020B0704020202020204" pitchFamily="34" charset="0"/>
-              </a:rPr>
-              <a:t>		VMWare：塞柏特vmware轻量化pop</a:t>
-            </a:r>
-            <a:endParaRPr lang="zh-CN" altLang="en-US" dirty="0">
-              <a:cs typeface="Arial" panose="020B0704020202020204" pitchFamily="34" charset="0"/>
-            </a:endParaRPr>
-          </a:p>
-          <a:p>
-            <a:pPr lvl="0"/>
-            <a:r>
-              <a:rPr lang="zh-CN" altLang="en-US" dirty="0">
-                <a:cs typeface="Arial" panose="020B0704020202020204" pitchFamily="34" charset="0"/>
-              </a:rPr>
-              <a:t>		公有云</a:t>
-            </a:r>
-            <a:endParaRPr lang="zh-CN" altLang="en-US" dirty="0">
-              <a:cs typeface="Arial" panose="020B0704020202020204" pitchFamily="34" charset="0"/>
-            </a:endParaRPr>
-          </a:p>
-          <a:p>
-            <a:pPr lvl="0"/>
-            <a:r>
-              <a:rPr lang="zh-CN" altLang="en-US" dirty="0">
-                <a:cs typeface="Arial" panose="020B0704020202020204" pitchFamily="34" charset="0"/>
-              </a:rPr>
-              <a:t>	易部署工程化</a:t>
-            </a:r>
-            <a:endParaRPr lang="zh-CN" altLang="en-US" dirty="0">
-              <a:cs typeface="Arial" panose="020B0704020202020204" pitchFamily="34" charset="0"/>
-            </a:endParaRPr>
-          </a:p>
-          <a:p>
-            <a:pPr lvl="0"/>
-            <a:r>
-              <a:rPr lang="zh-CN" altLang="en-US" dirty="0">
-                <a:cs typeface="Arial" panose="020B0704020202020204" pitchFamily="34" charset="0"/>
-              </a:rPr>
-              <a:t>		支持公有云部署</a:t>
-            </a:r>
-            <a:endParaRPr lang="zh-CN" altLang="en-US" dirty="0">
-              <a:cs typeface="Arial" panose="020B0704020202020204" pitchFamily="34" charset="0"/>
-            </a:endParaRPr>
-          </a:p>
-          <a:p>
-            <a:pPr lvl="0"/>
-            <a:r>
-              <a:rPr lang="zh-CN" altLang="en-US" dirty="0">
-                <a:cs typeface="Arial" panose="020B0704020202020204" pitchFamily="34" charset="0"/>
-              </a:rPr>
-              <a:t>		对接中心端与升级平台</a:t>
-            </a:r>
-            <a:endParaRPr lang="zh-CN" altLang="en-US" dirty="0">
-              <a:cs typeface="Arial" panose="020B0704020202020204" pitchFamily="34" charset="0"/>
-            </a:endParaRPr>
-          </a:p>
-          <a:p>
-            <a:pPr lvl="0"/>
-            <a:r>
-              <a:rPr lang="zh-CN" altLang="en-US" dirty="0">
-                <a:cs typeface="Arial" panose="020B0704020202020204" pitchFamily="34" charset="0"/>
-              </a:rPr>
-              <a:t>		配置接入组件</a:t>
-            </a:r>
-            <a:endParaRPr lang="zh-CN" altLang="en-US" dirty="0">
-              <a:cs typeface="Arial" panose="020B0704020202020204" pitchFamily="34" charset="0"/>
-            </a:endParaRPr>
-          </a:p>
-          <a:p>
-            <a:pPr lvl="0"/>
-            <a:r>
-              <a:rPr lang="zh-CN" altLang="en-US" dirty="0">
-                <a:cs typeface="Arial" panose="020B0704020202020204" pitchFamily="34" charset="0"/>
-              </a:rPr>
-              <a:t>	监控与报警</a:t>
-            </a:r>
-            <a:endParaRPr lang="zh-CN" altLang="en-US" dirty="0">
-              <a:cs typeface="Arial" panose="020B0704020202020204" pitchFamily="34" charset="0"/>
-            </a:endParaRPr>
-          </a:p>
-          <a:p>
-            <a:pPr lvl="0"/>
-            <a:r>
-              <a:rPr lang="zh-CN" altLang="en-US" dirty="0">
-                <a:cs typeface="Arial" panose="020B0704020202020204" pitchFamily="34" charset="0"/>
-              </a:rPr>
-              <a:t>		磁盘IO 与 磁盘吞吐</a:t>
-            </a:r>
-            <a:endParaRPr lang="zh-CN" altLang="en-US" dirty="0">
-              <a:cs typeface="Arial" panose="020B0704020202020204" pitchFamily="34" charset="0"/>
-            </a:endParaRPr>
-          </a:p>
-          <a:p>
-            <a:pPr lvl="0"/>
-            <a:r>
-              <a:rPr lang="zh-CN" altLang="en-US" dirty="0">
-                <a:cs typeface="Arial" panose="020B0704020202020204" pitchFamily="34" charset="0"/>
-              </a:rPr>
-              <a:t>		控制面事件队列</a:t>
-            </a:r>
-            <a:endParaRPr lang="zh-CN" altLang="en-US" dirty="0">
-              <a:ea typeface="Arial" panose="020B0704020202020204" pitchFamily="34" charset="0"/>
-            </a:endParaRPr>
-          </a:p>
-        </p:txBody>
-      </p:sp>
-    </p:spTree>
-  </p:cSld>
-  <p:clrMapOvr>
-    <a:overrideClrMapping bg1="lt1" tx1="dk1" bg2="lt2" tx2="dk2" accent1="accent1" accent2="accent2" accent3="accent3" accent4="accent4" accent5="accent5" accent6="accent6" hlink="hlink" folHlink="folHlink"/>
-  </p:clrMapOvr>
-</p:notes>
-</file>
-
-<file path=ppt/notesSlides/notesSlide18.xml><?xml version="1.0" encoding="utf-8"?>
 <p:notes xmlns:a="http://schemas.openxmlformats.org/drawingml/2006/main" xmlns:r="http://schemas.openxmlformats.org/officeDocument/2006/relationships" xmlns:p="http://schemas.openxmlformats.org/presentationml/2006/main" showMasterSp="0">
   <p:cSld>
     <p:bg>
@@ -15310,7 +14826,7 @@
         <p:spPr>
           <a:xfrm>
             <a:off x="942975" y="3572510"/>
-            <a:ext cx="5187950" cy="922020"/>
+            <a:ext cx="5187950" cy="1198880"/>
           </a:xfrm>
           <a:prstGeom prst="rect">
             <a:avLst/>
@@ -15339,7 +14855,11 @@
             </a:pPr>
             <a:r>
               <a:rPr lang="en-US" altLang="zh-CN"/>
-              <a:t>Always</a:t>
+              <a:t>Always：</a:t>
+            </a:r>
+            <a:r>
+              <a:rPr lang="zh-CN" altLang="en-US"/>
+              <a:t>先用镜像库</a:t>
             </a:r>
             <a:endParaRPr lang="en-US" altLang="zh-CN"/>
           </a:p>
@@ -15350,9 +14870,32 @@
             </a:pPr>
             <a:r>
               <a:rPr lang="en-US" altLang="zh-CN"/>
-              <a:t>IfNotPresent</a:t>
+              <a:t>IfNotPresent：</a:t>
+            </a:r>
+            <a:r>
+              <a:rPr lang="zh-CN" altLang="en-US"/>
+              <a:t>先用本地</a:t>
             </a:r>
             <a:endParaRPr lang="en-US" altLang="zh-CN"/>
+          </a:p>
+          <a:p>
+            <a:pPr marL="285750" indent="-285750">
+              <a:buFont typeface="Arial" panose="020B0704020202020204" pitchFamily="34" charset="0"/>
+              <a:buChar char="•"/>
+            </a:pPr>
+            <a:r>
+              <a:rPr lang="en-US" altLang="zh-CN"/>
+              <a:t>Nerver：</a:t>
+            </a:r>
+            <a:r>
+              <a:rPr lang="zh-CN" altLang="en-US"/>
+              <a:t>只用</a:t>
+            </a:r>
+            <a:r>
+              <a:rPr lang="zh-CN" altLang="en-US"/>
+              <a:t>本地</a:t>
+            </a:r>
+            <a:endParaRPr lang="zh-CN" altLang="en-US"/>
           </a:p>
         </p:txBody>
       </p:sp>
@@ -15976,30 +15519,6 @@
           </a:p>
         </p:txBody>
       </p:sp>
-      <p:pic>
-        <p:nvPicPr>
-          <p:cNvPr id="2" name="图片 1"/>
-          <p:cNvPicPr>
-            <a:picLocks noChangeAspect="1"/>
-          </p:cNvPicPr>
-          <p:nvPr/>
-        </p:nvPicPr>
-        <p:blipFill>
-          <a:blip r:embed="rId2"/>
-          <a:stretch>
-            <a:fillRect/>
-          </a:stretch>
-        </p:blipFill>
-        <p:spPr>
-          <a:xfrm>
-            <a:off x="539750" y="1628775"/>
-            <a:ext cx="8174990" cy="2828925"/>
-          </a:xfrm>
-          <a:prstGeom prst="rect">
-            <a:avLst/>
-          </a:prstGeom>
-        </p:spPr>
-      </p:pic>
       <p:sp>
         <p:nvSpPr>
           <p:cNvPr id="5" name="文本框 4"/>
@@ -16037,6 +15556,30 @@
           </a:p>
         </p:txBody>
       </p:sp>
+      <p:pic>
+        <p:nvPicPr>
+          <p:cNvPr id="7" name="图片 6"/>
+          <p:cNvPicPr>
+            <a:picLocks noChangeAspect="1"/>
+          </p:cNvPicPr>
+          <p:nvPr/>
+        </p:nvPicPr>
+        <p:blipFill>
+          <a:blip r:embed="rId2"/>
+          <a:stretch>
+            <a:fillRect/>
+          </a:stretch>
+        </p:blipFill>
+        <p:spPr>
+          <a:xfrm>
+            <a:off x="2267585" y="1340485"/>
+            <a:ext cx="5379720" cy="4096385"/>
+          </a:xfrm>
+          <a:prstGeom prst="rect">
+            <a:avLst/>
+          </a:prstGeom>
+        </p:spPr>
+      </p:pic>
     </p:spTree>
   </p:cSld>
   <p:clrMapOvr>
@@ -20020,264 +19563,6 @@
       <p:grpSpPr/>
       <p:sp>
         <p:nvSpPr>
-          <p:cNvPr id="8193" name="TextBox 1"/>
-          <p:cNvSpPr/>
-          <p:nvPr/>
-        </p:nvSpPr>
-        <p:spPr>
-          <a:xfrm>
-            <a:off x="228600" y="150813"/>
-            <a:ext cx="3600450" cy="460375"/>
-          </a:xfrm>
-          <a:prstGeom prst="rect">
-            <a:avLst/>
-          </a:prstGeom>
-          <a:noFill/>
-          <a:ln w="9525">
-            <a:noFill/>
-          </a:ln>
-        </p:spPr>
-        <p:txBody>
-          <a:bodyPr wrap="square" anchor="t" anchorCtr="0">
-            <a:spAutoFit/>
-          </a:bodyPr>
-          <a:p>
-            <a:pPr eaLnBrk="0" hangingPunct="0"/>
-            <a:r>
-              <a:rPr lang="en-US" altLang="zh-CN" sz="2400" b="1" dirty="0">
-                <a:solidFill>
-                  <a:srgbClr val="0070C0"/>
-                </a:solidFill>
-                <a:latin typeface="微软雅黑" charset="-108"/>
-                <a:ea typeface="微软雅黑" charset="-108"/>
-                <a:sym typeface="微软雅黑" charset="-108"/>
-              </a:rPr>
-              <a:t>Kubernetes</a:t>
-            </a:r>
-            <a:r>
-              <a:rPr lang="zh-CN" altLang="en-US" sz="2400" b="1" dirty="0">
-                <a:solidFill>
-                  <a:srgbClr val="0070C0"/>
-                </a:solidFill>
-                <a:latin typeface="微软雅黑" charset="-108"/>
-                <a:ea typeface="微软雅黑" charset="-108"/>
-                <a:sym typeface="微软雅黑" charset="-108"/>
-              </a:rPr>
-              <a:t>编排</a:t>
-            </a:r>
-            <a:endParaRPr lang="zh-CN" altLang="en-US" sz="2400" b="1" dirty="0">
-              <a:solidFill>
-                <a:srgbClr val="0070C0"/>
-              </a:solidFill>
-              <a:latin typeface="微软雅黑" charset="-108"/>
-              <a:ea typeface="微软雅黑" charset="-108"/>
-              <a:sym typeface="微软雅黑" charset="-108"/>
-            </a:endParaRPr>
-          </a:p>
-        </p:txBody>
-      </p:sp>
-      <p:pic>
-        <p:nvPicPr>
-          <p:cNvPr id="8194" name="图片 8194" descr="sangfor_logo"/>
-          <p:cNvPicPr>
-            <a:picLocks noChangeAspect="1"/>
-          </p:cNvPicPr>
-          <p:nvPr/>
-        </p:nvPicPr>
-        <p:blipFill>
-          <a:blip r:embed="rId1"/>
-          <a:stretch>
-            <a:fillRect/>
-          </a:stretch>
-        </p:blipFill>
-        <p:spPr>
-          <a:xfrm>
-            <a:off x="7343775" y="473075"/>
-            <a:ext cx="1320800" cy="606425"/>
-          </a:xfrm>
-          <a:prstGeom prst="rect">
-            <a:avLst/>
-          </a:prstGeom>
-          <a:noFill/>
-          <a:ln w="9525">
-            <a:noFill/>
-          </a:ln>
-        </p:spPr>
-      </p:pic>
-      <p:sp>
-        <p:nvSpPr>
-          <p:cNvPr id="35841" name="文本框 35841"/>
-          <p:cNvSpPr txBox="1"/>
-          <p:nvPr/>
-        </p:nvSpPr>
-        <p:spPr>
-          <a:xfrm>
-            <a:off x="323850" y="836930"/>
-            <a:ext cx="5807075" cy="398780"/>
-          </a:xfrm>
-          <a:prstGeom prst="rect">
-            <a:avLst/>
-          </a:prstGeom>
-          <a:noFill/>
-          <a:ln w="9525">
-            <a:noFill/>
-          </a:ln>
-        </p:spPr>
-        <p:txBody>
-          <a:bodyPr wrap="square" anchor="t" anchorCtr="0">
-            <a:spAutoFit/>
-          </a:bodyPr>
-          <a:p>
-            <a:pPr eaLnBrk="0" hangingPunct="0">
-              <a:buFont typeface="Wingdings" panose="05000000000000000000" pitchFamily="2" charset="2"/>
-              <a:buChar char="Ø"/>
-            </a:pPr>
-            <a:r>
-              <a:rPr lang="zh-CN" altLang="en-US" sz="2000" dirty="0">
-                <a:solidFill>
-                  <a:srgbClr val="184199"/>
-                </a:solidFill>
-                <a:latin typeface="微软雅黑" charset="-108"/>
-                <a:ea typeface="微软雅黑" charset="-108"/>
-                <a:sym typeface="微软雅黑" charset="-108"/>
-              </a:rPr>
-              <a:t> </a:t>
-            </a:r>
-            <a:r>
-              <a:rPr lang="en-US" sz="2000" dirty="0">
-                <a:solidFill>
-                  <a:srgbClr val="184199"/>
-                </a:solidFill>
-                <a:latin typeface="微软雅黑" charset="-108"/>
-                <a:ea typeface="微软雅黑" charset="-108"/>
-                <a:sym typeface="微软雅黑" charset="-108"/>
-              </a:rPr>
-              <a:t>Operator （</a:t>
-            </a:r>
-            <a:r>
-              <a:rPr lang="en-US" sz="2000" dirty="0">
-                <a:solidFill>
-                  <a:srgbClr val="184199"/>
-                </a:solidFill>
-                <a:latin typeface="微软雅黑" charset="-108"/>
-                <a:ea typeface="微软雅黑" charset="-108"/>
-                <a:sym typeface="微软雅黑" charset="-108"/>
-              </a:rPr>
-              <a:t>Allocation）</a:t>
-            </a:r>
-            <a:endParaRPr lang="en-US" sz="2000" dirty="0">
-              <a:solidFill>
-                <a:srgbClr val="184199"/>
-              </a:solidFill>
-              <a:latin typeface="微软雅黑" charset="-108"/>
-              <a:ea typeface="微软雅黑" charset="-108"/>
-              <a:sym typeface="微软雅黑" charset="-108"/>
-            </a:endParaRPr>
-          </a:p>
-        </p:txBody>
-      </p:sp>
-    </p:spTree>
-  </p:cSld>
-  <p:clrMapOvr>
-    <a:masterClrMapping/>
-  </p:clrMapOvr>
-  <p:timing>
-    <p:tnLst>
-      <p:par>
-        <p:cTn id="1" dur="indefinite" restart="never" nodeType="tmRoot">
-          <p:childTnLst>
-            <p:seq concurrent="1" nextAc="seek">
-              <p:cTn id="2" dur="indefinite" nodeType="mainSeq">
-                <p:childTnLst>
-                  <p:par>
-                    <p:cTn id="3" fill="hold">
-                      <p:stCondLst>
-                        <p:cond delay="indefinite"/>
-                        <p:cond evt="onBegin" delay="0">
-                          <p:tn val="2"/>
-                        </p:cond>
-                      </p:stCondLst>
-                      <p:childTnLst>
-                        <p:par>
-                          <p:cTn id="4" fill="hold">
-                            <p:stCondLst>
-                              <p:cond delay="0"/>
-                            </p:stCondLst>
-                            <p:childTnLst>
-                              <p:par>
-                                <p:cTn id="5" presetID="1" presetClass="entr" presetSubtype="0" fill="hold" grpId="0" nodeType="withEffect">
-                                  <p:stCondLst>
-                                    <p:cond delay="0"/>
-                                  </p:stCondLst>
-                                  <p:childTnLst>
-                                    <p:set>
-                                      <p:cBhvr>
-                                        <p:cTn id="6" dur="1" fill="hold">
-                                          <p:stCondLst>
-                                            <p:cond delay="0"/>
-                                          </p:stCondLst>
-                                        </p:cTn>
-                                        <p:tgtEl>
-                                          <p:spTgt spid="35841"/>
-                                        </p:tgtEl>
-                                        <p:attrNameLst>
-                                          <p:attrName>style.visibility</p:attrName>
-                                        </p:attrNameLst>
-                                      </p:cBhvr>
-                                      <p:to>
-                                        <p:strVal val="visible"/>
-                                      </p:to>
-                                    </p:set>
-                                  </p:childTnLst>
-                                </p:cTn>
-                              </p:par>
-                            </p:childTnLst>
-                          </p:cTn>
-                        </p:par>
-                      </p:childTnLst>
-                    </p:cTn>
-                  </p:par>
-                </p:childTnLst>
-              </p:cTn>
-              <p:prevCondLst>
-                <p:cond evt="onPrev" delay="0">
-                  <p:tgtEl>
-                    <p:sldTgt/>
-                  </p:tgtEl>
-                </p:cond>
-              </p:prevCondLst>
-              <p:nextCondLst>
-                <p:cond evt="onNext" delay="0">
-                  <p:tgtEl>
-                    <p:sldTgt/>
-                  </p:tgtEl>
-                </p:cond>
-              </p:nextCondLst>
-            </p:seq>
-          </p:childTnLst>
-        </p:cTn>
-      </p:par>
-    </p:tnLst>
-    <p:bldLst>
-      <p:bldP spid="35841" grpId="0"/>
-      <p:bldP spid="35841" grpId="1"/>
-    </p:bldLst>
-  </p:timing>
-</p:sld>
-</file>
-
-<file path=ppt/slides/slide24.xml><?xml version="1.0" encoding="utf-8"?>
-<p:sld xmlns:a="http://schemas.openxmlformats.org/drawingml/2006/main" xmlns:r="http://schemas.openxmlformats.org/officeDocument/2006/relationships" xmlns:p="http://schemas.openxmlformats.org/presentationml/2006/main">
-  <p:cSld>
-    <p:spTree>
-      <p:nvGrpSpPr>
-        <p:cNvPr id="1" name=""/>
-        <p:cNvGrpSpPr/>
-        <p:nvPr/>
-      </p:nvGrpSpPr>
-      <p:grpSpPr/>
-      <p:sp>
-        <p:nvSpPr>
           <p:cNvPr id="34817" name="标题 1"/>
           <p:cNvSpPr/>
           <p:nvPr/>
@@ -20613,7 +19898,7 @@
 </p:sld>
 </file>
 
-<file path=ppt/slides/slide25.xml><?xml version="1.0" encoding="utf-8"?>
+<file path=ppt/slides/slide24.xml><?xml version="1.0" encoding="utf-8"?>
 <p:sld xmlns:a="http://schemas.openxmlformats.org/drawingml/2006/main" xmlns:r="http://schemas.openxmlformats.org/officeDocument/2006/relationships" xmlns:p="http://schemas.openxmlformats.org/presentationml/2006/main">
   <p:cSld>
     <p:spTree>
